--- a/GM/Partition/Fast STA Graph Partitioning Framework for Multi-GPU Acceleration/Fast STA Graph Partitioning Framework for Multi-GPU Acceleration.pptx
+++ b/GM/Partition/Fast STA Graph Partitioning Framework for Multi-GPU Acceleration/Fast STA Graph Partitioning Framework for Multi-GPU Acceleration.pptx
@@ -5,7 +5,7 @@
     <p:sldMasterId id="2147483648" r:id="rId1"/>
   </p:sldMasterIdLst>
   <p:notesMasterIdLst>
-    <p:notesMasterId r:id="rId15"/>
+    <p:notesMasterId r:id="rId23"/>
   </p:notesMasterIdLst>
   <p:sldIdLst>
     <p:sldId id="256" r:id="rId2"/>
@@ -21,6 +21,14 @@
     <p:sldId id="267" r:id="rId12"/>
     <p:sldId id="268" r:id="rId13"/>
     <p:sldId id="269" r:id="rId14"/>
+    <p:sldId id="270" r:id="rId15"/>
+    <p:sldId id="271" r:id="rId16"/>
+    <p:sldId id="272" r:id="rId17"/>
+    <p:sldId id="273" r:id="rId18"/>
+    <p:sldId id="274" r:id="rId19"/>
+    <p:sldId id="275" r:id="rId20"/>
+    <p:sldId id="276" r:id="rId21"/>
+    <p:sldId id="277" r:id="rId22"/>
   </p:sldIdLst>
   <p:sldSz cx="12192000" cy="6858000"/>
   <p:notesSz cx="6858000" cy="9144000"/>
@@ -119,13 +127,18 @@
       </a:defRPr>
     </a:lvl9pPr>
   </p:defaultTextStyle>
+  <p:extLst>
+    <p:ext uri="{EFAFB233-063F-42B5-8137-9DF3F51BA10A}">
+      <p15:sldGuideLst xmlns:p15="http://schemas.microsoft.com/office/powerpoint/2012/main"/>
+    </p:ext>
+  </p:extLst>
 </p:presentation>
 </file>
 
 <file path=ppt/revisionInfo.xml><?xml version="1.0" encoding="utf-8"?>
 <p1510:revInfo xmlns:a="http://schemas.openxmlformats.org/drawingml/2006/main" xmlns:r="http://schemas.openxmlformats.org/officeDocument/2006/relationships" xmlns:p1510="http://schemas.microsoft.com/office/powerpoint/2015/10/main">
   <p1510:revLst>
-    <p1510:client id="{19375926-14DF-46F7-992A-02285E3BDBAE}" v="120" dt="2023-08-23T06:53:39.904"/>
+    <p1510:client id="{19375926-14DF-46F7-992A-02285E3BDBAE}" v="183" dt="2023-08-24T07:35:38.722"/>
   </p1510:revLst>
 </p1510:revInfo>
 </file>
@@ -134,19 +147,19 @@
 <pc:chgInfo xmlns:a="http://schemas.openxmlformats.org/drawingml/2006/main" xmlns:r="http://schemas.openxmlformats.org/officeDocument/2006/relationships" xmlns:ac="http://schemas.microsoft.com/office/drawing/2013/main/command" xmlns:pc="http://schemas.microsoft.com/office/powerpoint/2013/main/command">
   <pc:docChgLst>
     <pc:chgData name="Min-Feng Hsieh" userId="ece9e1d9-2caa-407e-99e8-6daa2912cb65" providerId="ADAL" clId="{19375926-14DF-46F7-992A-02285E3BDBAE}"/>
-    <pc:docChg chg="undo custSel addSld delSld modSld">
-      <pc:chgData name="Min-Feng Hsieh" userId="ece9e1d9-2caa-407e-99e8-6daa2912cb65" providerId="ADAL" clId="{19375926-14DF-46F7-992A-02285E3BDBAE}" dt="2023-08-23T06:54:38.864" v="610" actId="478"/>
+    <pc:docChg chg="undo redo custSel addSld delSld modSld">
+      <pc:chgData name="Min-Feng Hsieh" userId="ece9e1d9-2caa-407e-99e8-6daa2912cb65" providerId="ADAL" clId="{19375926-14DF-46F7-992A-02285E3BDBAE}" dt="2023-08-24T07:36:11.585" v="1969" actId="167"/>
       <pc:docMkLst>
         <pc:docMk/>
       </pc:docMkLst>
       <pc:sldChg chg="addSp modSp mod">
-        <pc:chgData name="Min-Feng Hsieh" userId="ece9e1d9-2caa-407e-99e8-6daa2912cb65" providerId="ADAL" clId="{19375926-14DF-46F7-992A-02285E3BDBAE}" dt="2023-08-23T03:44:24.614" v="50" actId="1076"/>
+        <pc:chgData name="Min-Feng Hsieh" userId="ece9e1d9-2caa-407e-99e8-6daa2912cb65" providerId="ADAL" clId="{19375926-14DF-46F7-992A-02285E3BDBAE}" dt="2023-08-24T06:05:26.294" v="646" actId="948"/>
         <pc:sldMkLst>
           <pc:docMk/>
           <pc:sldMk cId="3290883424" sldId="256"/>
         </pc:sldMkLst>
         <pc:spChg chg="mod">
-          <ac:chgData name="Min-Feng Hsieh" userId="ece9e1d9-2caa-407e-99e8-6daa2912cb65" providerId="ADAL" clId="{19375926-14DF-46F7-992A-02285E3BDBAE}" dt="2023-08-23T03:30:12.834" v="1" actId="27636"/>
+          <ac:chgData name="Min-Feng Hsieh" userId="ece9e1d9-2caa-407e-99e8-6daa2912cb65" providerId="ADAL" clId="{19375926-14DF-46F7-992A-02285E3BDBAE}" dt="2023-08-24T06:05:26.294" v="646" actId="948"/>
           <ac:spMkLst>
             <pc:docMk/>
             <pc:sldMk cId="3290883424" sldId="256"/>
@@ -154,7 +167,7 @@
           </ac:spMkLst>
         </pc:spChg>
         <pc:spChg chg="mod">
-          <ac:chgData name="Min-Feng Hsieh" userId="ece9e1d9-2caa-407e-99e8-6daa2912cb65" providerId="ADAL" clId="{19375926-14DF-46F7-992A-02285E3BDBAE}" dt="2023-08-23T03:42:59.985" v="39"/>
+          <ac:chgData name="Min-Feng Hsieh" userId="ece9e1d9-2caa-407e-99e8-6daa2912cb65" providerId="ADAL" clId="{19375926-14DF-46F7-992A-02285E3BDBAE}" dt="2023-08-24T06:03:19.859" v="623" actId="2711"/>
           <ac:spMkLst>
             <pc:docMk/>
             <pc:sldMk cId="3290883424" sldId="256"/>
@@ -162,7 +175,7 @@
           </ac:spMkLst>
         </pc:spChg>
         <pc:spChg chg="add mod">
-          <ac:chgData name="Min-Feng Hsieh" userId="ece9e1d9-2caa-407e-99e8-6daa2912cb65" providerId="ADAL" clId="{19375926-14DF-46F7-992A-02285E3BDBAE}" dt="2023-08-23T03:44:15.935" v="49" actId="1076"/>
+          <ac:chgData name="Min-Feng Hsieh" userId="ece9e1d9-2caa-407e-99e8-6daa2912cb65" providerId="ADAL" clId="{19375926-14DF-46F7-992A-02285E3BDBAE}" dt="2023-08-24T06:03:15.056" v="622" actId="2711"/>
           <ac:spMkLst>
             <pc:docMk/>
             <pc:sldMk cId="3290883424" sldId="256"/>
@@ -170,7 +183,7 @@
           </ac:spMkLst>
         </pc:spChg>
         <pc:spChg chg="add mod">
-          <ac:chgData name="Min-Feng Hsieh" userId="ece9e1d9-2caa-407e-99e8-6daa2912cb65" providerId="ADAL" clId="{19375926-14DF-46F7-992A-02285E3BDBAE}" dt="2023-08-23T03:44:24.614" v="50" actId="1076"/>
+          <ac:chgData name="Min-Feng Hsieh" userId="ece9e1d9-2caa-407e-99e8-6daa2912cb65" providerId="ADAL" clId="{19375926-14DF-46F7-992A-02285E3BDBAE}" dt="2023-08-24T06:03:24.987" v="624" actId="2711"/>
           <ac:spMkLst>
             <pc:docMk/>
             <pc:sldMk cId="3290883424" sldId="256"/>
@@ -179,13 +192,13 @@
         </pc:spChg>
       </pc:sldChg>
       <pc:sldChg chg="modSp new mod">
-        <pc:chgData name="Min-Feng Hsieh" userId="ece9e1d9-2caa-407e-99e8-6daa2912cb65" providerId="ADAL" clId="{19375926-14DF-46F7-992A-02285E3BDBAE}" dt="2023-08-23T05:18:17.622" v="259" actId="20577"/>
+        <pc:chgData name="Min-Feng Hsieh" userId="ece9e1d9-2caa-407e-99e8-6daa2912cb65" providerId="ADAL" clId="{19375926-14DF-46F7-992A-02285E3BDBAE}" dt="2023-08-24T06:05:55.756" v="649" actId="948"/>
         <pc:sldMkLst>
           <pc:docMk/>
           <pc:sldMk cId="1597209759" sldId="257"/>
         </pc:sldMkLst>
         <pc:spChg chg="mod">
-          <ac:chgData name="Min-Feng Hsieh" userId="ece9e1d9-2caa-407e-99e8-6daa2912cb65" providerId="ADAL" clId="{19375926-14DF-46F7-992A-02285E3BDBAE}" dt="2023-08-23T03:44:49.875" v="58" actId="20577"/>
+          <ac:chgData name="Min-Feng Hsieh" userId="ece9e1d9-2caa-407e-99e8-6daa2912cb65" providerId="ADAL" clId="{19375926-14DF-46F7-992A-02285E3BDBAE}" dt="2023-08-24T06:02:52.119" v="618" actId="2711"/>
           <ac:spMkLst>
             <pc:docMk/>
             <pc:sldMk cId="1597209759" sldId="257"/>
@@ -193,7 +206,7 @@
           </ac:spMkLst>
         </pc:spChg>
         <pc:spChg chg="mod">
-          <ac:chgData name="Min-Feng Hsieh" userId="ece9e1d9-2caa-407e-99e8-6daa2912cb65" providerId="ADAL" clId="{19375926-14DF-46F7-992A-02285E3BDBAE}" dt="2023-08-23T05:18:17.622" v="259" actId="20577"/>
+          <ac:chgData name="Min-Feng Hsieh" userId="ece9e1d9-2caa-407e-99e8-6daa2912cb65" providerId="ADAL" clId="{19375926-14DF-46F7-992A-02285E3BDBAE}" dt="2023-08-24T06:05:55.756" v="649" actId="948"/>
           <ac:spMkLst>
             <pc:docMk/>
             <pc:sldMk cId="1597209759" sldId="257"/>
@@ -202,13 +215,13 @@
         </pc:spChg>
       </pc:sldChg>
       <pc:sldChg chg="modSp new mod modNotesTx">
-        <pc:chgData name="Min-Feng Hsieh" userId="ece9e1d9-2caa-407e-99e8-6daa2912cb65" providerId="ADAL" clId="{19375926-14DF-46F7-992A-02285E3BDBAE}" dt="2023-08-23T03:50:40.437" v="123"/>
+        <pc:chgData name="Min-Feng Hsieh" userId="ece9e1d9-2caa-407e-99e8-6daa2912cb65" providerId="ADAL" clId="{19375926-14DF-46F7-992A-02285E3BDBAE}" dt="2023-08-24T06:06:23.339" v="654" actId="113"/>
         <pc:sldMkLst>
           <pc:docMk/>
           <pc:sldMk cId="1654060993" sldId="258"/>
         </pc:sldMkLst>
         <pc:spChg chg="mod">
-          <ac:chgData name="Min-Feng Hsieh" userId="ece9e1d9-2caa-407e-99e8-6daa2912cb65" providerId="ADAL" clId="{19375926-14DF-46F7-992A-02285E3BDBAE}" dt="2023-08-23T03:45:09.828" v="81" actId="20577"/>
+          <ac:chgData name="Min-Feng Hsieh" userId="ece9e1d9-2caa-407e-99e8-6daa2912cb65" providerId="ADAL" clId="{19375926-14DF-46F7-992A-02285E3BDBAE}" dt="2023-08-24T06:02:44.048" v="617" actId="2711"/>
           <ac:spMkLst>
             <pc:docMk/>
             <pc:sldMk cId="1654060993" sldId="258"/>
@@ -216,7 +229,7 @@
           </ac:spMkLst>
         </pc:spChg>
         <pc:spChg chg="mod">
-          <ac:chgData name="Min-Feng Hsieh" userId="ece9e1d9-2caa-407e-99e8-6daa2912cb65" providerId="ADAL" clId="{19375926-14DF-46F7-992A-02285E3BDBAE}" dt="2023-08-23T03:49:22.497" v="121" actId="20577"/>
+          <ac:chgData name="Min-Feng Hsieh" userId="ece9e1d9-2caa-407e-99e8-6daa2912cb65" providerId="ADAL" clId="{19375926-14DF-46F7-992A-02285E3BDBAE}" dt="2023-08-24T06:06:23.339" v="654" actId="113"/>
           <ac:spMkLst>
             <pc:docMk/>
             <pc:sldMk cId="1654060993" sldId="258"/>
@@ -224,14 +237,14 @@
           </ac:spMkLst>
         </pc:spChg>
       </pc:sldChg>
-      <pc:sldChg chg="addSp modSp new mod">
-        <pc:chgData name="Min-Feng Hsieh" userId="ece9e1d9-2caa-407e-99e8-6daa2912cb65" providerId="ADAL" clId="{19375926-14DF-46F7-992A-02285E3BDBAE}" dt="2023-08-23T03:59:47.576" v="223" actId="22"/>
+      <pc:sldChg chg="addSp delSp modSp new mod">
+        <pc:chgData name="Min-Feng Hsieh" userId="ece9e1d9-2caa-407e-99e8-6daa2912cb65" providerId="ADAL" clId="{19375926-14DF-46F7-992A-02285E3BDBAE}" dt="2023-08-24T06:08:10.842" v="683" actId="113"/>
         <pc:sldMkLst>
           <pc:docMk/>
           <pc:sldMk cId="2621160844" sldId="259"/>
         </pc:sldMkLst>
         <pc:spChg chg="mod">
-          <ac:chgData name="Min-Feng Hsieh" userId="ece9e1d9-2caa-407e-99e8-6daa2912cb65" providerId="ADAL" clId="{19375926-14DF-46F7-992A-02285E3BDBAE}" dt="2023-08-23T03:51:21.522" v="153" actId="20577"/>
+          <ac:chgData name="Min-Feng Hsieh" userId="ece9e1d9-2caa-407e-99e8-6daa2912cb65" providerId="ADAL" clId="{19375926-14DF-46F7-992A-02285E3BDBAE}" dt="2023-08-24T06:06:33.460" v="656" actId="2711"/>
           <ac:spMkLst>
             <pc:docMk/>
             <pc:sldMk cId="2621160844" sldId="259"/>
@@ -239,15 +252,15 @@
           </ac:spMkLst>
         </pc:spChg>
         <pc:spChg chg="mod">
-          <ac:chgData name="Min-Feng Hsieh" userId="ece9e1d9-2caa-407e-99e8-6daa2912cb65" providerId="ADAL" clId="{19375926-14DF-46F7-992A-02285E3BDBAE}" dt="2023-08-23T03:57:09.364" v="222" actId="14100"/>
+          <ac:chgData name="Min-Feng Hsieh" userId="ece9e1d9-2caa-407e-99e8-6daa2912cb65" providerId="ADAL" clId="{19375926-14DF-46F7-992A-02285E3BDBAE}" dt="2023-08-24T06:08:10.842" v="683" actId="113"/>
           <ac:spMkLst>
             <pc:docMk/>
             <pc:sldMk cId="2621160844" sldId="259"/>
             <ac:spMk id="3" creationId="{1DB4076D-516D-6812-46D1-19DE65F6A697}"/>
           </ac:spMkLst>
         </pc:spChg>
-        <pc:spChg chg="add">
-          <ac:chgData name="Min-Feng Hsieh" userId="ece9e1d9-2caa-407e-99e8-6daa2912cb65" providerId="ADAL" clId="{19375926-14DF-46F7-992A-02285E3BDBAE}" dt="2023-08-23T03:59:47.576" v="223" actId="22"/>
+        <pc:spChg chg="add del">
+          <ac:chgData name="Min-Feng Hsieh" userId="ece9e1d9-2caa-407e-99e8-6daa2912cb65" providerId="ADAL" clId="{19375926-14DF-46F7-992A-02285E3BDBAE}" dt="2023-08-24T06:07:10.427" v="666" actId="478"/>
           <ac:spMkLst>
             <pc:docMk/>
             <pc:sldMk cId="2621160844" sldId="259"/>
@@ -256,13 +269,21 @@
         </pc:spChg>
       </pc:sldChg>
       <pc:sldChg chg="modSp add mod">
-        <pc:chgData name="Min-Feng Hsieh" userId="ece9e1d9-2caa-407e-99e8-6daa2912cb65" providerId="ADAL" clId="{19375926-14DF-46F7-992A-02285E3BDBAE}" dt="2023-08-23T05:30:45.268" v="400" actId="20577"/>
+        <pc:chgData name="Min-Feng Hsieh" userId="ece9e1d9-2caa-407e-99e8-6daa2912cb65" providerId="ADAL" clId="{19375926-14DF-46F7-992A-02285E3BDBAE}" dt="2023-08-24T06:08:32.214" v="688" actId="255"/>
         <pc:sldMkLst>
           <pc:docMk/>
           <pc:sldMk cId="947664364" sldId="260"/>
         </pc:sldMkLst>
         <pc:spChg chg="mod">
-          <ac:chgData name="Min-Feng Hsieh" userId="ece9e1d9-2caa-407e-99e8-6daa2912cb65" providerId="ADAL" clId="{19375926-14DF-46F7-992A-02285E3BDBAE}" dt="2023-08-23T05:30:45.268" v="400" actId="20577"/>
+          <ac:chgData name="Min-Feng Hsieh" userId="ece9e1d9-2caa-407e-99e8-6daa2912cb65" providerId="ADAL" clId="{19375926-14DF-46F7-992A-02285E3BDBAE}" dt="2023-08-24T06:08:15.344" v="684" actId="2711"/>
+          <ac:spMkLst>
+            <pc:docMk/>
+            <pc:sldMk cId="947664364" sldId="260"/>
+            <ac:spMk id="2" creationId="{659DD7B0-741A-B4C5-8686-060C40D3A6A5}"/>
+          </ac:spMkLst>
+        </pc:spChg>
+        <pc:spChg chg="mod">
+          <ac:chgData name="Min-Feng Hsieh" userId="ece9e1d9-2caa-407e-99e8-6daa2912cb65" providerId="ADAL" clId="{19375926-14DF-46F7-992A-02285E3BDBAE}" dt="2023-08-24T06:08:32.214" v="688" actId="255"/>
           <ac:spMkLst>
             <pc:docMk/>
             <pc:sldMk cId="947664364" sldId="260"/>
@@ -271,13 +292,13 @@
         </pc:spChg>
       </pc:sldChg>
       <pc:sldChg chg="addSp delSp modSp new mod modAnim">
-        <pc:chgData name="Min-Feng Hsieh" userId="ece9e1d9-2caa-407e-99e8-6daa2912cb65" providerId="ADAL" clId="{19375926-14DF-46F7-992A-02285E3BDBAE}" dt="2023-08-23T05:32:20.980" v="412" actId="113"/>
+        <pc:chgData name="Min-Feng Hsieh" userId="ece9e1d9-2caa-407e-99e8-6daa2912cb65" providerId="ADAL" clId="{19375926-14DF-46F7-992A-02285E3BDBAE}" dt="2023-08-24T06:10:21.544" v="706" actId="20577"/>
         <pc:sldMkLst>
           <pc:docMk/>
           <pc:sldMk cId="2046094905" sldId="261"/>
         </pc:sldMkLst>
         <pc:spChg chg="mod">
-          <ac:chgData name="Min-Feng Hsieh" userId="ece9e1d9-2caa-407e-99e8-6daa2912cb65" providerId="ADAL" clId="{19375926-14DF-46F7-992A-02285E3BDBAE}" dt="2023-08-23T05:18:11.621" v="255" actId="20577"/>
+          <ac:chgData name="Min-Feng Hsieh" userId="ece9e1d9-2caa-407e-99e8-6daa2912cb65" providerId="ADAL" clId="{19375926-14DF-46F7-992A-02285E3BDBAE}" dt="2023-08-24T06:09:04.140" v="690" actId="255"/>
           <ac:spMkLst>
             <pc:docMk/>
             <pc:sldMk cId="2046094905" sldId="261"/>
@@ -293,7 +314,7 @@
           </ac:spMkLst>
         </pc:spChg>
         <pc:spChg chg="add mod">
-          <ac:chgData name="Min-Feng Hsieh" userId="ece9e1d9-2caa-407e-99e8-6daa2912cb65" providerId="ADAL" clId="{19375926-14DF-46F7-992A-02285E3BDBAE}" dt="2023-08-23T05:32:20.980" v="412" actId="113"/>
+          <ac:chgData name="Min-Feng Hsieh" userId="ece9e1d9-2caa-407e-99e8-6daa2912cb65" providerId="ADAL" clId="{19375926-14DF-46F7-992A-02285E3BDBAE}" dt="2023-08-24T06:10:21.544" v="706" actId="20577"/>
           <ac:spMkLst>
             <pc:docMk/>
             <pc:sldMk cId="2046094905" sldId="261"/>
@@ -317,7 +338,7 @@
           </ac:picMkLst>
         </pc:picChg>
         <pc:picChg chg="add mod">
-          <ac:chgData name="Min-Feng Hsieh" userId="ece9e1d9-2caa-407e-99e8-6daa2912cb65" providerId="ADAL" clId="{19375926-14DF-46F7-992A-02285E3BDBAE}" dt="2023-08-23T05:30:01.662" v="390"/>
+          <ac:chgData name="Min-Feng Hsieh" userId="ece9e1d9-2caa-407e-99e8-6daa2912cb65" providerId="ADAL" clId="{19375926-14DF-46F7-992A-02285E3BDBAE}" dt="2023-08-24T06:09:46.654" v="699" actId="1076"/>
           <ac:picMkLst>
             <pc:docMk/>
             <pc:sldMk cId="2046094905" sldId="261"/>
@@ -349,11 +370,19 @@
         </pc:spChg>
       </pc:sldChg>
       <pc:sldChg chg="addSp delSp modSp add mod delAnim modAnim">
-        <pc:chgData name="Min-Feng Hsieh" userId="ece9e1d9-2caa-407e-99e8-6daa2912cb65" providerId="ADAL" clId="{19375926-14DF-46F7-992A-02285E3BDBAE}" dt="2023-08-23T05:32:46.127" v="418"/>
+        <pc:chgData name="Min-Feng Hsieh" userId="ece9e1d9-2caa-407e-99e8-6daa2912cb65" providerId="ADAL" clId="{19375926-14DF-46F7-992A-02285E3BDBAE}" dt="2023-08-24T06:10:32.522" v="712" actId="255"/>
         <pc:sldMkLst>
           <pc:docMk/>
           <pc:sldMk cId="1579333615" sldId="263"/>
         </pc:sldMkLst>
+        <pc:spChg chg="mod">
+          <ac:chgData name="Min-Feng Hsieh" userId="ece9e1d9-2caa-407e-99e8-6daa2912cb65" providerId="ADAL" clId="{19375926-14DF-46F7-992A-02285E3BDBAE}" dt="2023-08-24T06:10:00.243" v="701" actId="255"/>
+          <ac:spMkLst>
+            <pc:docMk/>
+            <pc:sldMk cId="1579333615" sldId="263"/>
+            <ac:spMk id="2" creationId="{058CC1E7-EE9A-0BEB-E038-48A3BC528D8B}"/>
+          </ac:spMkLst>
+        </pc:spChg>
         <pc:spChg chg="add del mod">
           <ac:chgData name="Min-Feng Hsieh" userId="ece9e1d9-2caa-407e-99e8-6daa2912cb65" providerId="ADAL" clId="{19375926-14DF-46F7-992A-02285E3BDBAE}" dt="2023-08-23T05:29:42.732" v="383" actId="478"/>
           <ac:spMkLst>
@@ -363,13 +392,21 @@
           </ac:spMkLst>
         </pc:spChg>
         <pc:spChg chg="mod">
-          <ac:chgData name="Min-Feng Hsieh" userId="ece9e1d9-2caa-407e-99e8-6daa2912cb65" providerId="ADAL" clId="{19375926-14DF-46F7-992A-02285E3BDBAE}" dt="2023-08-23T05:32:31.602" v="414" actId="113"/>
+          <ac:chgData name="Min-Feng Hsieh" userId="ece9e1d9-2caa-407e-99e8-6daa2912cb65" providerId="ADAL" clId="{19375926-14DF-46F7-992A-02285E3BDBAE}" dt="2023-08-24T06:10:32.522" v="712" actId="255"/>
           <ac:spMkLst>
             <pc:docMk/>
             <pc:sldMk cId="1579333615" sldId="263"/>
             <ac:spMk id="6" creationId="{A976AA9F-0732-270E-C50C-C4D3A87B7A5C}"/>
           </ac:spMkLst>
         </pc:spChg>
+        <pc:picChg chg="add mod">
+          <ac:chgData name="Min-Feng Hsieh" userId="ece9e1d9-2caa-407e-99e8-6daa2912cb65" providerId="ADAL" clId="{19375926-14DF-46F7-992A-02285E3BDBAE}" dt="2023-08-24T06:10:24.947" v="708"/>
+          <ac:picMkLst>
+            <pc:docMk/>
+            <pc:sldMk cId="1579333615" sldId="263"/>
+            <ac:picMk id="3" creationId="{771DE0EA-0DF4-8B79-0D35-DE321BD51432}"/>
+          </ac:picMkLst>
+        </pc:picChg>
         <pc:picChg chg="del">
           <ac:chgData name="Min-Feng Hsieh" userId="ece9e1d9-2caa-407e-99e8-6daa2912cb65" providerId="ADAL" clId="{19375926-14DF-46F7-992A-02285E3BDBAE}" dt="2023-08-23T05:29:37.332" v="381" actId="478"/>
           <ac:picMkLst>
@@ -386,8 +423,8 @@
             <ac:picMk id="7" creationId="{DBFD92B1-15A7-644E-1C76-93A3A8862AD7}"/>
           </ac:picMkLst>
         </pc:picChg>
-        <pc:picChg chg="add mod">
-          <ac:chgData name="Min-Feng Hsieh" userId="ece9e1d9-2caa-407e-99e8-6daa2912cb65" providerId="ADAL" clId="{19375926-14DF-46F7-992A-02285E3BDBAE}" dt="2023-08-23T05:29:58.469" v="388"/>
+        <pc:picChg chg="add del mod">
+          <ac:chgData name="Min-Feng Hsieh" userId="ece9e1d9-2caa-407e-99e8-6daa2912cb65" providerId="ADAL" clId="{19375926-14DF-46F7-992A-02285E3BDBAE}" dt="2023-08-24T06:10:24.785" v="707" actId="478"/>
           <ac:picMkLst>
             <pc:docMk/>
             <pc:sldMk cId="1579333615" sldId="263"/>
@@ -396,11 +433,19 @@
         </pc:picChg>
       </pc:sldChg>
       <pc:sldChg chg="addSp delSp modSp add mod delAnim modAnim">
-        <pc:chgData name="Min-Feng Hsieh" userId="ece9e1d9-2caa-407e-99e8-6daa2912cb65" providerId="ADAL" clId="{19375926-14DF-46F7-992A-02285E3BDBAE}" dt="2023-08-23T05:33:15.287" v="420" actId="113"/>
+        <pc:chgData name="Min-Feng Hsieh" userId="ece9e1d9-2caa-407e-99e8-6daa2912cb65" providerId="ADAL" clId="{19375926-14DF-46F7-992A-02285E3BDBAE}" dt="2023-08-24T06:11:02.478" v="723" actId="27636"/>
         <pc:sldMkLst>
           <pc:docMk/>
           <pc:sldMk cId="648370779" sldId="264"/>
         </pc:sldMkLst>
+        <pc:spChg chg="mod">
+          <ac:chgData name="Min-Feng Hsieh" userId="ece9e1d9-2caa-407e-99e8-6daa2912cb65" providerId="ADAL" clId="{19375926-14DF-46F7-992A-02285E3BDBAE}" dt="2023-08-24T06:10:43.418" v="716" actId="2711"/>
+          <ac:spMkLst>
+            <pc:docMk/>
+            <pc:sldMk cId="648370779" sldId="264"/>
+            <ac:spMk id="2" creationId="{058CC1E7-EE9A-0BEB-E038-48A3BC528D8B}"/>
+          </ac:spMkLst>
+        </pc:spChg>
         <pc:spChg chg="add del mod">
           <ac:chgData name="Min-Feng Hsieh" userId="ece9e1d9-2caa-407e-99e8-6daa2912cb65" providerId="ADAL" clId="{19375926-14DF-46F7-992A-02285E3BDBAE}" dt="2023-08-23T05:30:58.348" v="402" actId="478"/>
           <ac:spMkLst>
@@ -410,13 +455,21 @@
           </ac:spMkLst>
         </pc:spChg>
         <pc:spChg chg="mod">
-          <ac:chgData name="Min-Feng Hsieh" userId="ece9e1d9-2caa-407e-99e8-6daa2912cb65" providerId="ADAL" clId="{19375926-14DF-46F7-992A-02285E3BDBAE}" dt="2023-08-23T05:33:15.287" v="420" actId="113"/>
+          <ac:chgData name="Min-Feng Hsieh" userId="ece9e1d9-2caa-407e-99e8-6daa2912cb65" providerId="ADAL" clId="{19375926-14DF-46F7-992A-02285E3BDBAE}" dt="2023-08-24T06:11:02.478" v="723" actId="27636"/>
           <ac:spMkLst>
             <pc:docMk/>
             <pc:sldMk cId="648370779" sldId="264"/>
             <ac:spMk id="6" creationId="{A976AA9F-0732-270E-C50C-C4D3A87B7A5C}"/>
           </ac:spMkLst>
         </pc:spChg>
+        <pc:picChg chg="add mod">
+          <ac:chgData name="Min-Feng Hsieh" userId="ece9e1d9-2caa-407e-99e8-6daa2912cb65" providerId="ADAL" clId="{19375926-14DF-46F7-992A-02285E3BDBAE}" dt="2023-08-24T06:10:38.274" v="714"/>
+          <ac:picMkLst>
+            <pc:docMk/>
+            <pc:sldMk cId="648370779" sldId="264"/>
+            <ac:picMk id="3" creationId="{888BCE1F-CE01-48CA-1B05-583147A135D7}"/>
+          </ac:picMkLst>
+        </pc:picChg>
         <pc:picChg chg="del">
           <ac:chgData name="Min-Feng Hsieh" userId="ece9e1d9-2caa-407e-99e8-6daa2912cb65" providerId="ADAL" clId="{19375926-14DF-46F7-992A-02285E3BDBAE}" dt="2023-08-23T05:29:46.457" v="384" actId="478"/>
           <ac:picMkLst>
@@ -425,8 +478,8 @@
             <ac:picMk id="5" creationId="{FD8BC6D4-A2D8-ECC4-DDC0-209400A34942}"/>
           </ac:picMkLst>
         </pc:picChg>
-        <pc:picChg chg="add mod">
-          <ac:chgData name="Min-Feng Hsieh" userId="ece9e1d9-2caa-407e-99e8-6daa2912cb65" providerId="ADAL" clId="{19375926-14DF-46F7-992A-02285E3BDBAE}" dt="2023-08-23T05:29:53.199" v="386" actId="1076"/>
+        <pc:picChg chg="add del mod">
+          <ac:chgData name="Min-Feng Hsieh" userId="ece9e1d9-2caa-407e-99e8-6daa2912cb65" providerId="ADAL" clId="{19375926-14DF-46F7-992A-02285E3BDBAE}" dt="2023-08-24T06:10:37.922" v="713" actId="478"/>
           <ac:picMkLst>
             <pc:docMk/>
             <pc:sldMk cId="648370779" sldId="264"/>
@@ -435,11 +488,19 @@
         </pc:picChg>
       </pc:sldChg>
       <pc:sldChg chg="addSp delSp modSp add mod delAnim modAnim">
-        <pc:chgData name="Min-Feng Hsieh" userId="ece9e1d9-2caa-407e-99e8-6daa2912cb65" providerId="ADAL" clId="{19375926-14DF-46F7-992A-02285E3BDBAE}" dt="2023-08-23T05:33:34.105" v="425" actId="113"/>
+        <pc:chgData name="Min-Feng Hsieh" userId="ece9e1d9-2caa-407e-99e8-6daa2912cb65" providerId="ADAL" clId="{19375926-14DF-46F7-992A-02285E3BDBAE}" dt="2023-08-24T06:12:19.615" v="747" actId="478"/>
         <pc:sldMkLst>
           <pc:docMk/>
           <pc:sldMk cId="2531324638" sldId="265"/>
         </pc:sldMkLst>
+        <pc:spChg chg="mod">
+          <ac:chgData name="Min-Feng Hsieh" userId="ece9e1d9-2caa-407e-99e8-6daa2912cb65" providerId="ADAL" clId="{19375926-14DF-46F7-992A-02285E3BDBAE}" dt="2023-08-24T06:11:18.789" v="726" actId="2711"/>
+          <ac:spMkLst>
+            <pc:docMk/>
+            <pc:sldMk cId="2531324638" sldId="265"/>
+            <ac:spMk id="2" creationId="{058CC1E7-EE9A-0BEB-E038-48A3BC528D8B}"/>
+          </ac:spMkLst>
+        </pc:spChg>
         <pc:spChg chg="add del mod">
           <ac:chgData name="Min-Feng Hsieh" userId="ece9e1d9-2caa-407e-99e8-6daa2912cb65" providerId="ADAL" clId="{19375926-14DF-46F7-992A-02285E3BDBAE}" dt="2023-08-23T05:30:13.022" v="393" actId="478"/>
           <ac:spMkLst>
@@ -449,13 +510,21 @@
           </ac:spMkLst>
         </pc:spChg>
         <pc:spChg chg="mod">
-          <ac:chgData name="Min-Feng Hsieh" userId="ece9e1d9-2caa-407e-99e8-6daa2912cb65" providerId="ADAL" clId="{19375926-14DF-46F7-992A-02285E3BDBAE}" dt="2023-08-23T05:33:34.105" v="425" actId="113"/>
+          <ac:chgData name="Min-Feng Hsieh" userId="ece9e1d9-2caa-407e-99e8-6daa2912cb65" providerId="ADAL" clId="{19375926-14DF-46F7-992A-02285E3BDBAE}" dt="2023-08-24T06:11:37.323" v="732" actId="255"/>
           <ac:spMkLst>
             <pc:docMk/>
             <pc:sldMk cId="2531324638" sldId="265"/>
             <ac:spMk id="6" creationId="{A976AA9F-0732-270E-C50C-C4D3A87B7A5C}"/>
           </ac:spMkLst>
         </pc:spChg>
+        <pc:picChg chg="add del mod">
+          <ac:chgData name="Min-Feng Hsieh" userId="ece9e1d9-2caa-407e-99e8-6daa2912cb65" providerId="ADAL" clId="{19375926-14DF-46F7-992A-02285E3BDBAE}" dt="2023-08-24T06:12:19.054" v="746"/>
+          <ac:picMkLst>
+            <pc:docMk/>
+            <pc:sldMk cId="2531324638" sldId="265"/>
+            <ac:picMk id="3" creationId="{FA6F750D-2402-9DE0-E52F-AE9AF7704E87}"/>
+          </ac:picMkLst>
+        </pc:picChg>
         <pc:picChg chg="del">
           <ac:chgData name="Min-Feng Hsieh" userId="ece9e1d9-2caa-407e-99e8-6daa2912cb65" providerId="ADAL" clId="{19375926-14DF-46F7-992A-02285E3BDBAE}" dt="2023-08-23T05:30:06.563" v="391" actId="478"/>
           <ac:picMkLst>
@@ -464,8 +533,8 @@
             <ac:picMk id="5" creationId="{FD8BC6D4-A2D8-ECC4-DDC0-209400A34942}"/>
           </ac:picMkLst>
         </pc:picChg>
-        <pc:picChg chg="add mod">
-          <ac:chgData name="Min-Feng Hsieh" userId="ece9e1d9-2caa-407e-99e8-6daa2912cb65" providerId="ADAL" clId="{19375926-14DF-46F7-992A-02285E3BDBAE}" dt="2023-08-23T05:30:24.799" v="395" actId="1076"/>
+        <pc:picChg chg="add del mod">
+          <ac:chgData name="Min-Feng Hsieh" userId="ece9e1d9-2caa-407e-99e8-6daa2912cb65" providerId="ADAL" clId="{19375926-14DF-46F7-992A-02285E3BDBAE}" dt="2023-08-24T06:12:19.615" v="747" actId="478"/>
           <ac:picMkLst>
             <pc:docMk/>
             <pc:sldMk cId="2531324638" sldId="265"/>
@@ -474,11 +543,19 @@
         </pc:picChg>
       </pc:sldChg>
       <pc:sldChg chg="addSp delSp modSp add mod delAnim modAnim">
-        <pc:chgData name="Min-Feng Hsieh" userId="ece9e1d9-2caa-407e-99e8-6daa2912cb65" providerId="ADAL" clId="{19375926-14DF-46F7-992A-02285E3BDBAE}" dt="2023-08-23T05:33:41.960" v="427" actId="113"/>
+        <pc:chgData name="Min-Feng Hsieh" userId="ece9e1d9-2caa-407e-99e8-6daa2912cb65" providerId="ADAL" clId="{19375926-14DF-46F7-992A-02285E3BDBAE}" dt="2023-08-24T06:12:12.898" v="743" actId="255"/>
         <pc:sldMkLst>
           <pc:docMk/>
           <pc:sldMk cId="214948984" sldId="266"/>
         </pc:sldMkLst>
+        <pc:spChg chg="mod">
+          <ac:chgData name="Min-Feng Hsieh" userId="ece9e1d9-2caa-407e-99e8-6daa2912cb65" providerId="ADAL" clId="{19375926-14DF-46F7-992A-02285E3BDBAE}" dt="2023-08-24T06:11:53.027" v="734" actId="255"/>
+          <ac:spMkLst>
+            <pc:docMk/>
+            <pc:sldMk cId="214948984" sldId="266"/>
+            <ac:spMk id="2" creationId="{058CC1E7-EE9A-0BEB-E038-48A3BC528D8B}"/>
+          </ac:spMkLst>
+        </pc:spChg>
         <pc:spChg chg="add del mod">
           <ac:chgData name="Min-Feng Hsieh" userId="ece9e1d9-2caa-407e-99e8-6daa2912cb65" providerId="ADAL" clId="{19375926-14DF-46F7-992A-02285E3BDBAE}" dt="2023-08-23T05:30:32.370" v="398" actId="478"/>
           <ac:spMkLst>
@@ -488,7 +565,7 @@
           </ac:spMkLst>
         </pc:spChg>
         <pc:spChg chg="mod">
-          <ac:chgData name="Min-Feng Hsieh" userId="ece9e1d9-2caa-407e-99e8-6daa2912cb65" providerId="ADAL" clId="{19375926-14DF-46F7-992A-02285E3BDBAE}" dt="2023-08-23T05:33:41.960" v="427" actId="113"/>
+          <ac:chgData name="Min-Feng Hsieh" userId="ece9e1d9-2caa-407e-99e8-6daa2912cb65" providerId="ADAL" clId="{19375926-14DF-46F7-992A-02285E3BDBAE}" dt="2023-08-24T06:12:12.898" v="743" actId="255"/>
           <ac:spMkLst>
             <pc:docMk/>
             <pc:sldMk cId="214948984" sldId="266"/>
@@ -513,13 +590,13 @@
         </pc:picChg>
       </pc:sldChg>
       <pc:sldChg chg="modSp new mod modNotesTx">
-        <pc:chgData name="Min-Feng Hsieh" userId="ece9e1d9-2caa-407e-99e8-6daa2912cb65" providerId="ADAL" clId="{19375926-14DF-46F7-992A-02285E3BDBAE}" dt="2023-08-23T06:53:48.238" v="602" actId="255"/>
+        <pc:chgData name="Min-Feng Hsieh" userId="ece9e1d9-2caa-407e-99e8-6daa2912cb65" providerId="ADAL" clId="{19375926-14DF-46F7-992A-02285E3BDBAE}" dt="2023-08-24T06:13:04.173" v="757" actId="255"/>
         <pc:sldMkLst>
           <pc:docMk/>
           <pc:sldMk cId="4107849094" sldId="267"/>
         </pc:sldMkLst>
         <pc:spChg chg="mod">
-          <ac:chgData name="Min-Feng Hsieh" userId="ece9e1d9-2caa-407e-99e8-6daa2912cb65" providerId="ADAL" clId="{19375926-14DF-46F7-992A-02285E3BDBAE}" dt="2023-08-23T05:37:56.694" v="472" actId="20577"/>
+          <ac:chgData name="Min-Feng Hsieh" userId="ece9e1d9-2caa-407e-99e8-6daa2912cb65" providerId="ADAL" clId="{19375926-14DF-46F7-992A-02285E3BDBAE}" dt="2023-08-24T06:12:31.610" v="749" actId="255"/>
           <ac:spMkLst>
             <pc:docMk/>
             <pc:sldMk cId="4107849094" sldId="267"/>
@@ -527,7 +604,7 @@
           </ac:spMkLst>
         </pc:spChg>
         <pc:spChg chg="mod">
-          <ac:chgData name="Min-Feng Hsieh" userId="ece9e1d9-2caa-407e-99e8-6daa2912cb65" providerId="ADAL" clId="{19375926-14DF-46F7-992A-02285E3BDBAE}" dt="2023-08-23T06:53:48.238" v="602" actId="255"/>
+          <ac:chgData name="Min-Feng Hsieh" userId="ece9e1d9-2caa-407e-99e8-6daa2912cb65" providerId="ADAL" clId="{19375926-14DF-46F7-992A-02285E3BDBAE}" dt="2023-08-24T06:13:04.173" v="757" actId="255"/>
           <ac:spMkLst>
             <pc:docMk/>
             <pc:sldMk cId="4107849094" sldId="267"/>
@@ -536,13 +613,13 @@
         </pc:spChg>
       </pc:sldChg>
       <pc:sldChg chg="addSp delSp modSp new mod">
-        <pc:chgData name="Min-Feng Hsieh" userId="ece9e1d9-2caa-407e-99e8-6daa2912cb65" providerId="ADAL" clId="{19375926-14DF-46F7-992A-02285E3BDBAE}" dt="2023-08-23T06:54:31.931" v="606" actId="22"/>
+        <pc:chgData name="Min-Feng Hsieh" userId="ece9e1d9-2caa-407e-99e8-6daa2912cb65" providerId="ADAL" clId="{19375926-14DF-46F7-992A-02285E3BDBAE}" dt="2023-08-24T07:35:24.752" v="1949" actId="20577"/>
         <pc:sldMkLst>
           <pc:docMk/>
           <pc:sldMk cId="2099977072" sldId="268"/>
         </pc:sldMkLst>
         <pc:spChg chg="mod">
-          <ac:chgData name="Min-Feng Hsieh" userId="ece9e1d9-2caa-407e-99e8-6daa2912cb65" providerId="ADAL" clId="{19375926-14DF-46F7-992A-02285E3BDBAE}" dt="2023-08-23T06:43:16.340" v="593" actId="27636"/>
+          <ac:chgData name="Min-Feng Hsieh" userId="ece9e1d9-2caa-407e-99e8-6daa2912cb65" providerId="ADAL" clId="{19375926-14DF-46F7-992A-02285E3BDBAE}" dt="2023-08-24T07:35:24.752" v="1949" actId="20577"/>
           <ac:spMkLst>
             <pc:docMk/>
             <pc:sldMk cId="2099977072" sldId="268"/>
@@ -550,7 +627,7 @@
           </ac:spMkLst>
         </pc:spChg>
         <pc:spChg chg="mod">
-          <ac:chgData name="Min-Feng Hsieh" userId="ece9e1d9-2caa-407e-99e8-6daa2912cb65" providerId="ADAL" clId="{19375926-14DF-46F7-992A-02285E3BDBAE}" dt="2023-08-23T06:53:39.904" v="600" actId="255"/>
+          <ac:chgData name="Min-Feng Hsieh" userId="ece9e1d9-2caa-407e-99e8-6daa2912cb65" providerId="ADAL" clId="{19375926-14DF-46F7-992A-02285E3BDBAE}" dt="2023-08-24T06:13:35.914" v="764" actId="2711"/>
           <ac:spMkLst>
             <pc:docMk/>
             <pc:sldMk cId="2099977072" sldId="268"/>
@@ -566,8 +643,8 @@
           </ac:picMkLst>
         </pc:picChg>
       </pc:sldChg>
-      <pc:sldChg chg="addSp delSp new mod">
-        <pc:chgData name="Min-Feng Hsieh" userId="ece9e1d9-2caa-407e-99e8-6daa2912cb65" providerId="ADAL" clId="{19375926-14DF-46F7-992A-02285E3BDBAE}" dt="2023-08-23T06:54:38.864" v="610" actId="478"/>
+      <pc:sldChg chg="addSp delSp modSp new mod">
+        <pc:chgData name="Min-Feng Hsieh" userId="ece9e1d9-2caa-407e-99e8-6daa2912cb65" providerId="ADAL" clId="{19375926-14DF-46F7-992A-02285E3BDBAE}" dt="2023-08-24T06:17:56.817" v="878" actId="207"/>
         <pc:sldMkLst>
           <pc:docMk/>
           <pc:sldMk cId="998898505" sldId="269"/>
@@ -580,6 +657,14 @@
             <ac:spMk id="2" creationId="{28EF2EE6-D2C3-EB4B-EF05-15F3BD664381}"/>
           </ac:spMkLst>
         </pc:spChg>
+        <pc:spChg chg="add mod">
+          <ac:chgData name="Min-Feng Hsieh" userId="ece9e1d9-2caa-407e-99e8-6daa2912cb65" providerId="ADAL" clId="{19375926-14DF-46F7-992A-02285E3BDBAE}" dt="2023-08-24T06:17:13.222" v="871" actId="164"/>
+          <ac:spMkLst>
+            <pc:docMk/>
+            <pc:sldMk cId="998898505" sldId="269"/>
+            <ac:spMk id="3" creationId="{0AE76CC9-E3AC-F7A4-EEBD-B528D1C151CD}"/>
+          </ac:spMkLst>
+        </pc:spChg>
         <pc:spChg chg="del">
           <ac:chgData name="Min-Feng Hsieh" userId="ece9e1d9-2caa-407e-99e8-6daa2912cb65" providerId="ADAL" clId="{19375926-14DF-46F7-992A-02285E3BDBAE}" dt="2023-08-23T06:54:38.864" v="610" actId="478"/>
           <ac:spMkLst>
@@ -588,18 +673,751 @@
             <ac:spMk id="3" creationId="{692108D8-0E21-CE95-EB5A-CC20CC65668D}"/>
           </ac:spMkLst>
         </pc:spChg>
-        <pc:picChg chg="add">
-          <ac:chgData name="Min-Feng Hsieh" userId="ece9e1d9-2caa-407e-99e8-6daa2912cb65" providerId="ADAL" clId="{19375926-14DF-46F7-992A-02285E3BDBAE}" dt="2023-08-23T06:54:35.187" v="608" actId="22"/>
+        <pc:spChg chg="add mod">
+          <ac:chgData name="Min-Feng Hsieh" userId="ece9e1d9-2caa-407e-99e8-6daa2912cb65" providerId="ADAL" clId="{19375926-14DF-46F7-992A-02285E3BDBAE}" dt="2023-08-24T06:17:13.222" v="871" actId="164"/>
+          <ac:spMkLst>
+            <pc:docMk/>
+            <pc:sldMk cId="998898505" sldId="269"/>
+            <ac:spMk id="5" creationId="{82264B16-5DF0-4D7D-F2B5-D6B1777A4C70}"/>
+          </ac:spMkLst>
+        </pc:spChg>
+        <pc:spChg chg="add mod">
+          <ac:chgData name="Min-Feng Hsieh" userId="ece9e1d9-2caa-407e-99e8-6daa2912cb65" providerId="ADAL" clId="{19375926-14DF-46F7-992A-02285E3BDBAE}" dt="2023-08-24T06:17:19.310" v="872" actId="164"/>
+          <ac:spMkLst>
+            <pc:docMk/>
+            <pc:sldMk cId="998898505" sldId="269"/>
+            <ac:spMk id="7" creationId="{008279A7-5DF9-3589-CE47-9EEE7F4E2D6F}"/>
+          </ac:spMkLst>
+        </pc:spChg>
+        <pc:spChg chg="add mod">
+          <ac:chgData name="Min-Feng Hsieh" userId="ece9e1d9-2caa-407e-99e8-6daa2912cb65" providerId="ADAL" clId="{19375926-14DF-46F7-992A-02285E3BDBAE}" dt="2023-08-24T06:17:56.817" v="878" actId="207"/>
+          <ac:spMkLst>
+            <pc:docMk/>
+            <pc:sldMk cId="998898505" sldId="269"/>
+            <ac:spMk id="10" creationId="{930C05AD-4762-6579-6C5A-969FA26DEC5C}"/>
+          </ac:spMkLst>
+        </pc:spChg>
+        <pc:grpChg chg="add mod">
+          <ac:chgData name="Min-Feng Hsieh" userId="ece9e1d9-2caa-407e-99e8-6daa2912cb65" providerId="ADAL" clId="{19375926-14DF-46F7-992A-02285E3BDBAE}" dt="2023-08-24T06:17:19.310" v="872" actId="164"/>
+          <ac:grpSpMkLst>
+            <pc:docMk/>
+            <pc:sldMk cId="998898505" sldId="269"/>
+            <ac:grpSpMk id="8" creationId="{41339331-E7D5-B69E-43DA-8FA5A6A328D0}"/>
+          </ac:grpSpMkLst>
+        </pc:grpChg>
+        <pc:grpChg chg="add mod">
+          <ac:chgData name="Min-Feng Hsieh" userId="ece9e1d9-2caa-407e-99e8-6daa2912cb65" providerId="ADAL" clId="{19375926-14DF-46F7-992A-02285E3BDBAE}" dt="2023-08-24T06:17:19.310" v="872" actId="164"/>
+          <ac:grpSpMkLst>
+            <pc:docMk/>
+            <pc:sldMk cId="998898505" sldId="269"/>
+            <ac:grpSpMk id="9" creationId="{5CAECD98-1778-CA13-A764-AC2D8FEAB695}"/>
+          </ac:grpSpMkLst>
+        </pc:grpChg>
+        <pc:picChg chg="add mod">
+          <ac:chgData name="Min-Feng Hsieh" userId="ece9e1d9-2caa-407e-99e8-6daa2912cb65" providerId="ADAL" clId="{19375926-14DF-46F7-992A-02285E3BDBAE}" dt="2023-08-24T06:17:13.222" v="871" actId="164"/>
           <ac:picMkLst>
             <pc:docMk/>
             <pc:sldMk cId="998898505" sldId="269"/>
             <ac:picMk id="6" creationId="{F70F4F55-3C70-181B-EF99-F0DB7F54F022}"/>
           </ac:picMkLst>
         </pc:picChg>
+        <pc:inkChg chg="add">
+          <ac:chgData name="Min-Feng Hsieh" userId="ece9e1d9-2caa-407e-99e8-6daa2912cb65" providerId="ADAL" clId="{19375926-14DF-46F7-992A-02285E3BDBAE}" dt="2023-08-24T06:14:28.770" v="765" actId="9405"/>
+          <ac:inkMkLst>
+            <pc:docMk/>
+            <pc:sldMk cId="998898505" sldId="269"/>
+            <ac:inkMk id="2" creationId="{1D0D5B3B-E544-7433-A806-0C891DCDA39D}"/>
+          </ac:inkMkLst>
+        </pc:inkChg>
+      </pc:sldChg>
+      <pc:sldChg chg="addSp delSp modSp new mod">
+        <pc:chgData name="Min-Feng Hsieh" userId="ece9e1d9-2caa-407e-99e8-6daa2912cb65" providerId="ADAL" clId="{19375926-14DF-46F7-992A-02285E3BDBAE}" dt="2023-08-24T06:29:23.905" v="1085" actId="1076"/>
+        <pc:sldMkLst>
+          <pc:docMk/>
+          <pc:sldMk cId="4267950471" sldId="270"/>
+        </pc:sldMkLst>
+        <pc:spChg chg="mod">
+          <ac:chgData name="Min-Feng Hsieh" userId="ece9e1d9-2caa-407e-99e8-6daa2912cb65" providerId="ADAL" clId="{19375926-14DF-46F7-992A-02285E3BDBAE}" dt="2023-08-24T06:29:12.220" v="1084"/>
+          <ac:spMkLst>
+            <pc:docMk/>
+            <pc:sldMk cId="4267950471" sldId="270"/>
+            <ac:spMk id="2" creationId="{3254D41C-203E-0674-624E-12684BB571C2}"/>
+          </ac:spMkLst>
+        </pc:spChg>
+        <pc:spChg chg="del">
+          <ac:chgData name="Min-Feng Hsieh" userId="ece9e1d9-2caa-407e-99e8-6daa2912cb65" providerId="ADAL" clId="{19375926-14DF-46F7-992A-02285E3BDBAE}" dt="2023-08-24T06:19:46.144" v="902" actId="478"/>
+          <ac:spMkLst>
+            <pc:docMk/>
+            <pc:sldMk cId="4267950471" sldId="270"/>
+            <ac:spMk id="3" creationId="{A1C6FCC4-0A26-76EB-FF7C-2EB18E418396}"/>
+          </ac:spMkLst>
+        </pc:spChg>
+        <pc:spChg chg="add mod topLvl">
+          <ac:chgData name="Min-Feng Hsieh" userId="ece9e1d9-2caa-407e-99e8-6daa2912cb65" providerId="ADAL" clId="{19375926-14DF-46F7-992A-02285E3BDBAE}" dt="2023-08-24T06:21:28.866" v="942" actId="164"/>
+          <ac:spMkLst>
+            <pc:docMk/>
+            <pc:sldMk cId="4267950471" sldId="270"/>
+            <ac:spMk id="5" creationId="{04ED9698-001A-B90C-A854-797413A9083A}"/>
+          </ac:spMkLst>
+        </pc:spChg>
+        <pc:spChg chg="add del mod">
+          <ac:chgData name="Min-Feng Hsieh" userId="ece9e1d9-2caa-407e-99e8-6daa2912cb65" providerId="ADAL" clId="{19375926-14DF-46F7-992A-02285E3BDBAE}" dt="2023-08-24T06:20:53.300" v="921" actId="478"/>
+          <ac:spMkLst>
+            <pc:docMk/>
+            <pc:sldMk cId="4267950471" sldId="270"/>
+            <ac:spMk id="6" creationId="{919A99D6-905B-4050-02A1-44D78F7D3581}"/>
+          </ac:spMkLst>
+        </pc:spChg>
+        <pc:spChg chg="add del mod">
+          <ac:chgData name="Min-Feng Hsieh" userId="ece9e1d9-2caa-407e-99e8-6daa2912cb65" providerId="ADAL" clId="{19375926-14DF-46F7-992A-02285E3BDBAE}" dt="2023-08-24T06:20:56.018" v="924" actId="478"/>
+          <ac:spMkLst>
+            <pc:docMk/>
+            <pc:sldMk cId="4267950471" sldId="270"/>
+            <ac:spMk id="7" creationId="{9761CE7B-89BB-61A3-565A-382BAB307E69}"/>
+          </ac:spMkLst>
+        </pc:spChg>
+        <pc:spChg chg="add del mod topLvl">
+          <ac:chgData name="Min-Feng Hsieh" userId="ece9e1d9-2caa-407e-99e8-6daa2912cb65" providerId="ADAL" clId="{19375926-14DF-46F7-992A-02285E3BDBAE}" dt="2023-08-24T06:20:57.111" v="925" actId="478"/>
+          <ac:spMkLst>
+            <pc:docMk/>
+            <pc:sldMk cId="4267950471" sldId="270"/>
+            <ac:spMk id="8" creationId="{973F7F17-5A8D-9A03-9D36-8CC2530FC09E}"/>
+          </ac:spMkLst>
+        </pc:spChg>
+        <pc:spChg chg="add del mod">
+          <ac:chgData name="Min-Feng Hsieh" userId="ece9e1d9-2caa-407e-99e8-6daa2912cb65" providerId="ADAL" clId="{19375926-14DF-46F7-992A-02285E3BDBAE}" dt="2023-08-24T06:20:49.087" v="918" actId="478"/>
+          <ac:spMkLst>
+            <pc:docMk/>
+            <pc:sldMk cId="4267950471" sldId="270"/>
+            <ac:spMk id="10" creationId="{C8012978-A628-9892-52A0-4453B83375F9}"/>
+          </ac:spMkLst>
+        </pc:spChg>
+        <pc:spChg chg="add mod">
+          <ac:chgData name="Min-Feng Hsieh" userId="ece9e1d9-2caa-407e-99e8-6daa2912cb65" providerId="ADAL" clId="{19375926-14DF-46F7-992A-02285E3BDBAE}" dt="2023-08-24T06:21:28.866" v="942" actId="164"/>
+          <ac:spMkLst>
+            <pc:docMk/>
+            <pc:sldMk cId="4267950471" sldId="270"/>
+            <ac:spMk id="11" creationId="{0D40E5F6-123A-A859-40DC-BEF7BE84FE06}"/>
+          </ac:spMkLst>
+        </pc:spChg>
+        <pc:spChg chg="add mod">
+          <ac:chgData name="Min-Feng Hsieh" userId="ece9e1d9-2caa-407e-99e8-6daa2912cb65" providerId="ADAL" clId="{19375926-14DF-46F7-992A-02285E3BDBAE}" dt="2023-08-24T06:21:28.866" v="942" actId="164"/>
+          <ac:spMkLst>
+            <pc:docMk/>
+            <pc:sldMk cId="4267950471" sldId="270"/>
+            <ac:spMk id="12" creationId="{EE8DCD8A-1304-682D-4B95-D6FAB656B3FB}"/>
+          </ac:spMkLst>
+        </pc:spChg>
+        <pc:spChg chg="add mod">
+          <ac:chgData name="Min-Feng Hsieh" userId="ece9e1d9-2caa-407e-99e8-6daa2912cb65" providerId="ADAL" clId="{19375926-14DF-46F7-992A-02285E3BDBAE}" dt="2023-08-24T06:21:33.728" v="944" actId="1076"/>
+          <ac:spMkLst>
+            <pc:docMk/>
+            <pc:sldMk cId="4267950471" sldId="270"/>
+            <ac:spMk id="13" creationId="{8B625B7A-B856-DA88-936D-F315C197DB4E}"/>
+          </ac:spMkLst>
+        </pc:spChg>
+        <pc:spChg chg="add mod topLvl">
+          <ac:chgData name="Min-Feng Hsieh" userId="ece9e1d9-2caa-407e-99e8-6daa2912cb65" providerId="ADAL" clId="{19375926-14DF-46F7-992A-02285E3BDBAE}" dt="2023-08-24T06:28:03.504" v="1075" actId="164"/>
+          <ac:spMkLst>
+            <pc:docMk/>
+            <pc:sldMk cId="4267950471" sldId="270"/>
+            <ac:spMk id="29" creationId="{0DDFFEF6-4943-14AA-5A94-590B22C49CD8}"/>
+          </ac:spMkLst>
+        </pc:spChg>
+        <pc:spChg chg="add del mod topLvl">
+          <ac:chgData name="Min-Feng Hsieh" userId="ece9e1d9-2caa-407e-99e8-6daa2912cb65" providerId="ADAL" clId="{19375926-14DF-46F7-992A-02285E3BDBAE}" dt="2023-08-24T06:27:47.572" v="1071" actId="478"/>
+          <ac:spMkLst>
+            <pc:docMk/>
+            <pc:sldMk cId="4267950471" sldId="270"/>
+            <ac:spMk id="30" creationId="{36911F05-E31F-9068-ABED-0CDE003D2D9E}"/>
+          </ac:spMkLst>
+        </pc:spChg>
+        <pc:spChg chg="add mod">
+          <ac:chgData name="Min-Feng Hsieh" userId="ece9e1d9-2caa-407e-99e8-6daa2912cb65" providerId="ADAL" clId="{19375926-14DF-46F7-992A-02285E3BDBAE}" dt="2023-08-24T06:28:25.297" v="1079" actId="2711"/>
+          <ac:spMkLst>
+            <pc:docMk/>
+            <pc:sldMk cId="4267950471" sldId="270"/>
+            <ac:spMk id="32" creationId="{AF81C2D7-353D-A8D6-C4FF-C4E9BF216980}"/>
+          </ac:spMkLst>
+        </pc:spChg>
+        <pc:spChg chg="add mod">
+          <ac:chgData name="Min-Feng Hsieh" userId="ece9e1d9-2caa-407e-99e8-6daa2912cb65" providerId="ADAL" clId="{19375926-14DF-46F7-992A-02285E3BDBAE}" dt="2023-08-24T06:28:03.504" v="1075" actId="164"/>
+          <ac:spMkLst>
+            <pc:docMk/>
+            <pc:sldMk cId="4267950471" sldId="270"/>
+            <ac:spMk id="33" creationId="{6D199462-91EC-6402-D3F2-75093C3A8F04}"/>
+          </ac:spMkLst>
+        </pc:spChg>
+        <pc:grpChg chg="add del mod">
+          <ac:chgData name="Min-Feng Hsieh" userId="ece9e1d9-2caa-407e-99e8-6daa2912cb65" providerId="ADAL" clId="{19375926-14DF-46F7-992A-02285E3BDBAE}" dt="2023-08-24T06:20:57.111" v="925" actId="478"/>
+          <ac:grpSpMkLst>
+            <pc:docMk/>
+            <pc:sldMk cId="4267950471" sldId="270"/>
+            <ac:grpSpMk id="9" creationId="{A8D9A4A5-9D72-2472-C945-A4F0DA622F9D}"/>
+          </ac:grpSpMkLst>
+        </pc:grpChg>
+        <pc:grpChg chg="add mod">
+          <ac:chgData name="Min-Feng Hsieh" userId="ece9e1d9-2caa-407e-99e8-6daa2912cb65" providerId="ADAL" clId="{19375926-14DF-46F7-992A-02285E3BDBAE}" dt="2023-08-24T06:23:58.898" v="968" actId="164"/>
+          <ac:grpSpMkLst>
+            <pc:docMk/>
+            <pc:sldMk cId="4267950471" sldId="270"/>
+            <ac:grpSpMk id="14" creationId="{F0AB77F1-A1F1-84E3-08EB-D27DE349303E}"/>
+          </ac:grpSpMkLst>
+        </pc:grpChg>
+        <pc:grpChg chg="add mod">
+          <ac:chgData name="Min-Feng Hsieh" userId="ece9e1d9-2caa-407e-99e8-6daa2912cb65" providerId="ADAL" clId="{19375926-14DF-46F7-992A-02285E3BDBAE}" dt="2023-08-24T06:29:23.905" v="1085" actId="1076"/>
+          <ac:grpSpMkLst>
+            <pc:docMk/>
+            <pc:sldMk cId="4267950471" sldId="270"/>
+            <ac:grpSpMk id="28" creationId="{B670A47F-24AA-9CB7-45BC-709FAAA23C4C}"/>
+          </ac:grpSpMkLst>
+        </pc:grpChg>
+        <pc:grpChg chg="add del mod">
+          <ac:chgData name="Min-Feng Hsieh" userId="ece9e1d9-2caa-407e-99e8-6daa2912cb65" providerId="ADAL" clId="{19375926-14DF-46F7-992A-02285E3BDBAE}" dt="2023-08-24T06:27:47.572" v="1071" actId="478"/>
+          <ac:grpSpMkLst>
+            <pc:docMk/>
+            <pc:sldMk cId="4267950471" sldId="270"/>
+            <ac:grpSpMk id="31" creationId="{5CE2D813-004B-0A2A-64D0-0592744FA36F}"/>
+          </ac:grpSpMkLst>
+        </pc:grpChg>
+        <pc:grpChg chg="add mod">
+          <ac:chgData name="Min-Feng Hsieh" userId="ece9e1d9-2caa-407e-99e8-6daa2912cb65" providerId="ADAL" clId="{19375926-14DF-46F7-992A-02285E3BDBAE}" dt="2023-08-24T06:29:23.905" v="1085" actId="1076"/>
+          <ac:grpSpMkLst>
+            <pc:docMk/>
+            <pc:sldMk cId="4267950471" sldId="270"/>
+            <ac:grpSpMk id="34" creationId="{D1B95229-942B-4627-E3B3-9C35E6B78160}"/>
+          </ac:grpSpMkLst>
+        </pc:grpChg>
+        <pc:cxnChg chg="add mod">
+          <ac:chgData name="Min-Feng Hsieh" userId="ece9e1d9-2caa-407e-99e8-6daa2912cb65" providerId="ADAL" clId="{19375926-14DF-46F7-992A-02285E3BDBAE}" dt="2023-08-24T06:23:58.898" v="968" actId="164"/>
+          <ac:cxnSpMkLst>
+            <pc:docMk/>
+            <pc:sldMk cId="4267950471" sldId="270"/>
+            <ac:cxnSpMk id="16" creationId="{C8D1AABE-0140-FC10-8513-998C60446708}"/>
+          </ac:cxnSpMkLst>
+        </pc:cxnChg>
+        <pc:cxnChg chg="add del mod">
+          <ac:chgData name="Min-Feng Hsieh" userId="ece9e1d9-2caa-407e-99e8-6daa2912cb65" providerId="ADAL" clId="{19375926-14DF-46F7-992A-02285E3BDBAE}" dt="2023-08-24T06:22:22.190" v="953" actId="478"/>
+          <ac:cxnSpMkLst>
+            <pc:docMk/>
+            <pc:sldMk cId="4267950471" sldId="270"/>
+            <ac:cxnSpMk id="17" creationId="{CC1C9708-E03E-A455-150B-4E8A05AD5335}"/>
+          </ac:cxnSpMkLst>
+        </pc:cxnChg>
+        <pc:cxnChg chg="add mod">
+          <ac:chgData name="Min-Feng Hsieh" userId="ece9e1d9-2caa-407e-99e8-6daa2912cb65" providerId="ADAL" clId="{19375926-14DF-46F7-992A-02285E3BDBAE}" dt="2023-08-24T06:23:58.898" v="968" actId="164"/>
+          <ac:cxnSpMkLst>
+            <pc:docMk/>
+            <pc:sldMk cId="4267950471" sldId="270"/>
+            <ac:cxnSpMk id="20" creationId="{8D77560C-5035-85F1-179E-322BF5855904}"/>
+          </ac:cxnSpMkLst>
+        </pc:cxnChg>
+        <pc:cxnChg chg="add mod">
+          <ac:chgData name="Min-Feng Hsieh" userId="ece9e1d9-2caa-407e-99e8-6daa2912cb65" providerId="ADAL" clId="{19375926-14DF-46F7-992A-02285E3BDBAE}" dt="2023-08-24T06:23:58.898" v="968" actId="164"/>
+          <ac:cxnSpMkLst>
+            <pc:docMk/>
+            <pc:sldMk cId="4267950471" sldId="270"/>
+            <ac:cxnSpMk id="22" creationId="{DD19FFAE-7DE3-687D-C10C-37242F048E5D}"/>
+          </ac:cxnSpMkLst>
+        </pc:cxnChg>
+        <pc:cxnChg chg="add mod">
+          <ac:chgData name="Min-Feng Hsieh" userId="ece9e1d9-2caa-407e-99e8-6daa2912cb65" providerId="ADAL" clId="{19375926-14DF-46F7-992A-02285E3BDBAE}" dt="2023-08-24T06:23:58.898" v="968" actId="164"/>
+          <ac:cxnSpMkLst>
+            <pc:docMk/>
+            <pc:sldMk cId="4267950471" sldId="270"/>
+            <ac:cxnSpMk id="24" creationId="{C10A2C28-EE08-F0D9-46FC-563DA4A355E6}"/>
+          </ac:cxnSpMkLst>
+        </pc:cxnChg>
+        <pc:cxnChg chg="add mod">
+          <ac:chgData name="Min-Feng Hsieh" userId="ece9e1d9-2caa-407e-99e8-6daa2912cb65" providerId="ADAL" clId="{19375926-14DF-46F7-992A-02285E3BDBAE}" dt="2023-08-24T06:23:58.898" v="968" actId="164"/>
+          <ac:cxnSpMkLst>
+            <pc:docMk/>
+            <pc:sldMk cId="4267950471" sldId="270"/>
+            <ac:cxnSpMk id="27" creationId="{3EFC311A-3120-BBDB-FFB6-9BFA4DE223C6}"/>
+          </ac:cxnSpMkLst>
+        </pc:cxnChg>
+      </pc:sldChg>
+      <pc:sldChg chg="addSp delSp modSp add mod">
+        <pc:chgData name="Min-Feng Hsieh" userId="ece9e1d9-2caa-407e-99e8-6daa2912cb65" providerId="ADAL" clId="{19375926-14DF-46F7-992A-02285E3BDBAE}" dt="2023-08-24T06:43:32.544" v="1634" actId="20577"/>
+        <pc:sldMkLst>
+          <pc:docMk/>
+          <pc:sldMk cId="3861705039" sldId="271"/>
+        </pc:sldMkLst>
+        <pc:spChg chg="mod">
+          <ac:chgData name="Min-Feng Hsieh" userId="ece9e1d9-2caa-407e-99e8-6daa2912cb65" providerId="ADAL" clId="{19375926-14DF-46F7-992A-02285E3BDBAE}" dt="2023-08-24T06:30:28.555" v="1123" actId="1035"/>
+          <ac:spMkLst>
+            <pc:docMk/>
+            <pc:sldMk cId="3861705039" sldId="271"/>
+            <ac:spMk id="6" creationId="{1A268F6D-7892-26C7-F09F-DD534001785B}"/>
+          </ac:spMkLst>
+        </pc:spChg>
+        <pc:spChg chg="mod">
+          <ac:chgData name="Min-Feng Hsieh" userId="ece9e1d9-2caa-407e-99e8-6daa2912cb65" providerId="ADAL" clId="{19375926-14DF-46F7-992A-02285E3BDBAE}" dt="2023-08-24T06:30:16.736" v="1101" actId="1076"/>
+          <ac:spMkLst>
+            <pc:docMk/>
+            <pc:sldMk cId="3861705039" sldId="271"/>
+            <ac:spMk id="7" creationId="{791386BA-50C7-73F0-0E9D-E5FB5DCB0500}"/>
+          </ac:spMkLst>
+        </pc:spChg>
+        <pc:spChg chg="del mod">
+          <ac:chgData name="Min-Feng Hsieh" userId="ece9e1d9-2caa-407e-99e8-6daa2912cb65" providerId="ADAL" clId="{19375926-14DF-46F7-992A-02285E3BDBAE}" dt="2023-08-24T06:30:33.645" v="1124" actId="478"/>
+          <ac:spMkLst>
+            <pc:docMk/>
+            <pc:sldMk cId="3861705039" sldId="271"/>
+            <ac:spMk id="8" creationId="{C243DEDC-CAB6-7240-C9FC-41003D663673}"/>
+          </ac:spMkLst>
+        </pc:spChg>
+        <pc:spChg chg="add mod">
+          <ac:chgData name="Min-Feng Hsieh" userId="ece9e1d9-2caa-407e-99e8-6daa2912cb65" providerId="ADAL" clId="{19375926-14DF-46F7-992A-02285E3BDBAE}" dt="2023-08-24T06:30:46.138" v="1128" actId="164"/>
+          <ac:spMkLst>
+            <pc:docMk/>
+            <pc:sldMk cId="3861705039" sldId="271"/>
+            <ac:spMk id="9" creationId="{24924F15-032B-6530-1BC4-53B6FBD78D11}"/>
+          </ac:spMkLst>
+        </pc:spChg>
+        <pc:spChg chg="add mod">
+          <ac:chgData name="Min-Feng Hsieh" userId="ece9e1d9-2caa-407e-99e8-6daa2912cb65" providerId="ADAL" clId="{19375926-14DF-46F7-992A-02285E3BDBAE}" dt="2023-08-24T06:43:32.544" v="1634" actId="20577"/>
+          <ac:spMkLst>
+            <pc:docMk/>
+            <pc:sldMk cId="3861705039" sldId="271"/>
+            <ac:spMk id="15" creationId="{6FC8E41A-CBC0-1B33-336C-92A1726E4785}"/>
+          </ac:spMkLst>
+        </pc:spChg>
+        <pc:spChg chg="del">
+          <ac:chgData name="Min-Feng Hsieh" userId="ece9e1d9-2caa-407e-99e8-6daa2912cb65" providerId="ADAL" clId="{19375926-14DF-46F7-992A-02285E3BDBAE}" dt="2023-08-24T06:29:49.807" v="1089" actId="478"/>
+          <ac:spMkLst>
+            <pc:docMk/>
+            <pc:sldMk cId="3861705039" sldId="271"/>
+            <ac:spMk id="29" creationId="{0DDFFEF6-4943-14AA-5A94-590B22C49CD8}"/>
+          </ac:spMkLst>
+        </pc:spChg>
+        <pc:spChg chg="mod">
+          <ac:chgData name="Min-Feng Hsieh" userId="ece9e1d9-2caa-407e-99e8-6daa2912cb65" providerId="ADAL" clId="{19375926-14DF-46F7-992A-02285E3BDBAE}" dt="2023-08-24T06:29:48.922" v="1088" actId="6549"/>
+          <ac:spMkLst>
+            <pc:docMk/>
+            <pc:sldMk cId="3861705039" sldId="271"/>
+            <ac:spMk id="32" creationId="{AF81C2D7-353D-A8D6-C4FF-C4E9BF216980}"/>
+          </ac:spMkLst>
+        </pc:spChg>
+        <pc:grpChg chg="add mod">
+          <ac:chgData name="Min-Feng Hsieh" userId="ece9e1d9-2caa-407e-99e8-6daa2912cb65" providerId="ADAL" clId="{19375926-14DF-46F7-992A-02285E3BDBAE}" dt="2023-08-24T06:30:46.138" v="1128" actId="164"/>
+          <ac:grpSpMkLst>
+            <pc:docMk/>
+            <pc:sldMk cId="3861705039" sldId="271"/>
+            <ac:grpSpMk id="3" creationId="{8725215A-5B6D-7492-6274-0EB7D5488498}"/>
+          </ac:grpSpMkLst>
+        </pc:grpChg>
+        <pc:grpChg chg="add mod">
+          <ac:chgData name="Min-Feng Hsieh" userId="ece9e1d9-2caa-407e-99e8-6daa2912cb65" providerId="ADAL" clId="{19375926-14DF-46F7-992A-02285E3BDBAE}" dt="2023-08-24T06:35:59.678" v="1368" actId="1076"/>
+          <ac:grpSpMkLst>
+            <pc:docMk/>
+            <pc:sldMk cId="3861705039" sldId="271"/>
+            <ac:grpSpMk id="10" creationId="{09E11F91-F5FD-05BF-094A-A26D2D4298E6}"/>
+          </ac:grpSpMkLst>
+        </pc:grpChg>
+        <pc:grpChg chg="del">
+          <ac:chgData name="Min-Feng Hsieh" userId="ece9e1d9-2caa-407e-99e8-6daa2912cb65" providerId="ADAL" clId="{19375926-14DF-46F7-992A-02285E3BDBAE}" dt="2023-08-24T06:29:48.293" v="1087" actId="478"/>
+          <ac:grpSpMkLst>
+            <pc:docMk/>
+            <pc:sldMk cId="3861705039" sldId="271"/>
+            <ac:grpSpMk id="28" creationId="{B670A47F-24AA-9CB7-45BC-709FAAA23C4C}"/>
+          </ac:grpSpMkLst>
+        </pc:grpChg>
+        <pc:grpChg chg="del">
+          <ac:chgData name="Min-Feng Hsieh" userId="ece9e1d9-2caa-407e-99e8-6daa2912cb65" providerId="ADAL" clId="{19375926-14DF-46F7-992A-02285E3BDBAE}" dt="2023-08-24T06:29:52.403" v="1090" actId="478"/>
+          <ac:grpSpMkLst>
+            <pc:docMk/>
+            <pc:sldMk cId="3861705039" sldId="271"/>
+            <ac:grpSpMk id="34" creationId="{D1B95229-942B-4627-E3B3-9C35E6B78160}"/>
+          </ac:grpSpMkLst>
+        </pc:grpChg>
+        <pc:graphicFrameChg chg="add mod modGraphic">
+          <ac:chgData name="Min-Feng Hsieh" userId="ece9e1d9-2caa-407e-99e8-6daa2912cb65" providerId="ADAL" clId="{19375926-14DF-46F7-992A-02285E3BDBAE}" dt="2023-08-24T06:38:02.815" v="1425" actId="1076"/>
+          <ac:graphicFrameMkLst>
+            <pc:docMk/>
+            <pc:sldMk cId="3861705039" sldId="271"/>
+            <ac:graphicFrameMk id="23" creationId="{9FA00AE3-111B-DA1E-B92D-1CDB52AE153D}"/>
+          </ac:graphicFrameMkLst>
+        </pc:graphicFrameChg>
+        <pc:graphicFrameChg chg="add mod modGraphic">
+          <ac:chgData name="Min-Feng Hsieh" userId="ece9e1d9-2caa-407e-99e8-6daa2912cb65" providerId="ADAL" clId="{19375926-14DF-46F7-992A-02285E3BDBAE}" dt="2023-08-24T06:39:31.710" v="1450" actId="242"/>
+          <ac:graphicFrameMkLst>
+            <pc:docMk/>
+            <pc:sldMk cId="3861705039" sldId="271"/>
+            <ac:graphicFrameMk id="25" creationId="{B15C42F6-735E-D96F-5D21-A1E32F62E4A9}"/>
+          </ac:graphicFrameMkLst>
+        </pc:graphicFrameChg>
+        <pc:picChg chg="add del mod">
+          <ac:chgData name="Min-Feng Hsieh" userId="ece9e1d9-2caa-407e-99e8-6daa2912cb65" providerId="ADAL" clId="{19375926-14DF-46F7-992A-02285E3BDBAE}" dt="2023-08-24T06:35:24.974" v="1359" actId="478"/>
+          <ac:picMkLst>
+            <pc:docMk/>
+            <pc:sldMk cId="3861705039" sldId="271"/>
+            <ac:picMk id="18" creationId="{2ACD1820-01AA-5923-DC8D-731EBB65A4DB}"/>
+          </ac:picMkLst>
+        </pc:picChg>
+        <pc:picChg chg="add mod">
+          <ac:chgData name="Min-Feng Hsieh" userId="ece9e1d9-2caa-407e-99e8-6daa2912cb65" providerId="ADAL" clId="{19375926-14DF-46F7-992A-02285E3BDBAE}" dt="2023-08-24T06:36:07.823" v="1372" actId="1076"/>
+          <ac:picMkLst>
+            <pc:docMk/>
+            <pc:sldMk cId="3861705039" sldId="271"/>
+            <ac:picMk id="21" creationId="{243B6E47-B899-6B00-645C-521EDA5F7FFF}"/>
+          </ac:picMkLst>
+        </pc:picChg>
+        <pc:cxnChg chg="mod">
+          <ac:chgData name="Min-Feng Hsieh" userId="ece9e1d9-2caa-407e-99e8-6daa2912cb65" providerId="ADAL" clId="{19375926-14DF-46F7-992A-02285E3BDBAE}" dt="2023-08-24T06:29:48.293" v="1087" actId="478"/>
+          <ac:cxnSpMkLst>
+            <pc:docMk/>
+            <pc:sldMk cId="3861705039" sldId="271"/>
+            <ac:cxnSpMk id="16" creationId="{C8D1AABE-0140-FC10-8513-998C60446708}"/>
+          </ac:cxnSpMkLst>
+        </pc:cxnChg>
+        <pc:cxnChg chg="mod">
+          <ac:chgData name="Min-Feng Hsieh" userId="ece9e1d9-2caa-407e-99e8-6daa2912cb65" providerId="ADAL" clId="{19375926-14DF-46F7-992A-02285E3BDBAE}" dt="2023-08-24T06:29:48.293" v="1087" actId="478"/>
+          <ac:cxnSpMkLst>
+            <pc:docMk/>
+            <pc:sldMk cId="3861705039" sldId="271"/>
+            <ac:cxnSpMk id="20" creationId="{8D77560C-5035-85F1-179E-322BF5855904}"/>
+          </ac:cxnSpMkLst>
+        </pc:cxnChg>
+        <pc:cxnChg chg="mod">
+          <ac:chgData name="Min-Feng Hsieh" userId="ece9e1d9-2caa-407e-99e8-6daa2912cb65" providerId="ADAL" clId="{19375926-14DF-46F7-992A-02285E3BDBAE}" dt="2023-08-24T06:29:48.293" v="1087" actId="478"/>
+          <ac:cxnSpMkLst>
+            <pc:docMk/>
+            <pc:sldMk cId="3861705039" sldId="271"/>
+            <ac:cxnSpMk id="22" creationId="{DD19FFAE-7DE3-687D-C10C-37242F048E5D}"/>
+          </ac:cxnSpMkLst>
+        </pc:cxnChg>
+        <pc:cxnChg chg="mod">
+          <ac:chgData name="Min-Feng Hsieh" userId="ece9e1d9-2caa-407e-99e8-6daa2912cb65" providerId="ADAL" clId="{19375926-14DF-46F7-992A-02285E3BDBAE}" dt="2023-08-24T06:29:48.293" v="1087" actId="478"/>
+          <ac:cxnSpMkLst>
+            <pc:docMk/>
+            <pc:sldMk cId="3861705039" sldId="271"/>
+            <ac:cxnSpMk id="24" creationId="{C10A2C28-EE08-F0D9-46FC-563DA4A355E6}"/>
+          </ac:cxnSpMkLst>
+        </pc:cxnChg>
+        <pc:cxnChg chg="mod">
+          <ac:chgData name="Min-Feng Hsieh" userId="ece9e1d9-2caa-407e-99e8-6daa2912cb65" providerId="ADAL" clId="{19375926-14DF-46F7-992A-02285E3BDBAE}" dt="2023-08-24T06:29:48.293" v="1087" actId="478"/>
+          <ac:cxnSpMkLst>
+            <pc:docMk/>
+            <pc:sldMk cId="3861705039" sldId="271"/>
+            <ac:cxnSpMk id="27" creationId="{3EFC311A-3120-BBDB-FFB6-9BFA4DE223C6}"/>
+          </ac:cxnSpMkLst>
+        </pc:cxnChg>
+      </pc:sldChg>
+      <pc:sldChg chg="addSp delSp modSp add mod">
+        <pc:chgData name="Min-Feng Hsieh" userId="ece9e1d9-2caa-407e-99e8-6daa2912cb65" providerId="ADAL" clId="{19375926-14DF-46F7-992A-02285E3BDBAE}" dt="2023-08-24T07:01:22.842" v="1868" actId="207"/>
+        <pc:sldMkLst>
+          <pc:docMk/>
+          <pc:sldMk cId="1529668962" sldId="272"/>
+        </pc:sldMkLst>
+        <pc:spChg chg="add del mod">
+          <ac:chgData name="Min-Feng Hsieh" userId="ece9e1d9-2caa-407e-99e8-6daa2912cb65" providerId="ADAL" clId="{19375926-14DF-46F7-992A-02285E3BDBAE}" dt="2023-08-24T06:40:46.618" v="1465"/>
+          <ac:spMkLst>
+            <pc:docMk/>
+            <pc:sldMk cId="1529668962" sldId="272"/>
+            <ac:spMk id="11" creationId="{F6883E5B-98CE-10BB-D371-05B5E49E1C73}"/>
+          </ac:spMkLst>
+        </pc:spChg>
+        <pc:spChg chg="add del mod">
+          <ac:chgData name="Min-Feng Hsieh" userId="ece9e1d9-2caa-407e-99e8-6daa2912cb65" providerId="ADAL" clId="{19375926-14DF-46F7-992A-02285E3BDBAE}" dt="2023-08-24T06:41:04.250" v="1470"/>
+          <ac:spMkLst>
+            <pc:docMk/>
+            <pc:sldMk cId="1529668962" sldId="272"/>
+            <ac:spMk id="12" creationId="{349518F2-532F-CBC5-FDD1-1B1C4C8665C5}"/>
+          </ac:spMkLst>
+        </pc:spChg>
+        <pc:spChg chg="add mod">
+          <ac:chgData name="Min-Feng Hsieh" userId="ece9e1d9-2caa-407e-99e8-6daa2912cb65" providerId="ADAL" clId="{19375926-14DF-46F7-992A-02285E3BDBAE}" dt="2023-08-24T06:46:15.919" v="1687" actId="20577"/>
+          <ac:spMkLst>
+            <pc:docMk/>
+            <pc:sldMk cId="1529668962" sldId="272"/>
+            <ac:spMk id="13" creationId="{6F73D14E-4B5B-A022-C41E-39263E6F4BBD}"/>
+          </ac:spMkLst>
+        </pc:spChg>
+        <pc:spChg chg="mod">
+          <ac:chgData name="Min-Feng Hsieh" userId="ece9e1d9-2caa-407e-99e8-6daa2912cb65" providerId="ADAL" clId="{19375926-14DF-46F7-992A-02285E3BDBAE}" dt="2023-08-24T06:43:13.191" v="1606" actId="20577"/>
+          <ac:spMkLst>
+            <pc:docMk/>
+            <pc:sldMk cId="1529668962" sldId="272"/>
+            <ac:spMk id="15" creationId="{6FC8E41A-CBC0-1B33-336C-92A1726E4785}"/>
+          </ac:spMkLst>
+        </pc:spChg>
+        <pc:grpChg chg="del">
+          <ac:chgData name="Min-Feng Hsieh" userId="ece9e1d9-2caa-407e-99e8-6daa2912cb65" providerId="ADAL" clId="{19375926-14DF-46F7-992A-02285E3BDBAE}" dt="2023-08-24T06:39:51.456" v="1452" actId="478"/>
+          <ac:grpSpMkLst>
+            <pc:docMk/>
+            <pc:sldMk cId="1529668962" sldId="272"/>
+            <ac:grpSpMk id="10" creationId="{09E11F91-F5FD-05BF-094A-A26D2D4298E6}"/>
+          </ac:grpSpMkLst>
+        </pc:grpChg>
+        <pc:graphicFrameChg chg="mod modGraphic">
+          <ac:chgData name="Min-Feng Hsieh" userId="ece9e1d9-2caa-407e-99e8-6daa2912cb65" providerId="ADAL" clId="{19375926-14DF-46F7-992A-02285E3BDBAE}" dt="2023-08-24T06:47:40.547" v="1739" actId="1076"/>
+          <ac:graphicFrameMkLst>
+            <pc:docMk/>
+            <pc:sldMk cId="1529668962" sldId="272"/>
+            <ac:graphicFrameMk id="23" creationId="{9FA00AE3-111B-DA1E-B92D-1CDB52AE153D}"/>
+          </ac:graphicFrameMkLst>
+        </pc:graphicFrameChg>
+        <pc:graphicFrameChg chg="mod modGraphic">
+          <ac:chgData name="Min-Feng Hsieh" userId="ece9e1d9-2caa-407e-99e8-6daa2912cb65" providerId="ADAL" clId="{19375926-14DF-46F7-992A-02285E3BDBAE}" dt="2023-08-24T07:01:22.842" v="1868" actId="207"/>
+          <ac:graphicFrameMkLst>
+            <pc:docMk/>
+            <pc:sldMk cId="1529668962" sldId="272"/>
+            <ac:graphicFrameMk id="25" creationId="{B15C42F6-735E-D96F-5D21-A1E32F62E4A9}"/>
+          </ac:graphicFrameMkLst>
+        </pc:graphicFrameChg>
+        <pc:picChg chg="add mod">
+          <ac:chgData name="Min-Feng Hsieh" userId="ece9e1d9-2caa-407e-99e8-6daa2912cb65" providerId="ADAL" clId="{19375926-14DF-46F7-992A-02285E3BDBAE}" dt="2023-08-24T06:40:17.353" v="1457" actId="1076"/>
+          <ac:picMkLst>
+            <pc:docMk/>
+            <pc:sldMk cId="1529668962" sldId="272"/>
+            <ac:picMk id="8" creationId="{0CAF9209-3895-089B-44E0-96FE39574099}"/>
+          </ac:picMkLst>
+        </pc:picChg>
+        <pc:picChg chg="del">
+          <ac:chgData name="Min-Feng Hsieh" userId="ece9e1d9-2caa-407e-99e8-6daa2912cb65" providerId="ADAL" clId="{19375926-14DF-46F7-992A-02285E3BDBAE}" dt="2023-08-24T06:39:57.033" v="1454" actId="478"/>
+          <ac:picMkLst>
+            <pc:docMk/>
+            <pc:sldMk cId="1529668962" sldId="272"/>
+            <ac:picMk id="21" creationId="{243B6E47-B899-6B00-645C-521EDA5F7FFF}"/>
+          </ac:picMkLst>
+        </pc:picChg>
+      </pc:sldChg>
+      <pc:sldChg chg="modSp add mod">
+        <pc:chgData name="Min-Feng Hsieh" userId="ece9e1d9-2caa-407e-99e8-6daa2912cb65" providerId="ADAL" clId="{19375926-14DF-46F7-992A-02285E3BDBAE}" dt="2023-08-24T06:49:52.562" v="1822" actId="20577"/>
+        <pc:sldMkLst>
+          <pc:docMk/>
+          <pc:sldMk cId="3994466181" sldId="273"/>
+        </pc:sldMkLst>
+        <pc:spChg chg="mod">
+          <ac:chgData name="Min-Feng Hsieh" userId="ece9e1d9-2caa-407e-99e8-6daa2912cb65" providerId="ADAL" clId="{19375926-14DF-46F7-992A-02285E3BDBAE}" dt="2023-08-24T06:48:01.576" v="1755" actId="20577"/>
+          <ac:spMkLst>
+            <pc:docMk/>
+            <pc:sldMk cId="3994466181" sldId="273"/>
+            <ac:spMk id="13" creationId="{6F73D14E-4B5B-A022-C41E-39263E6F4BBD}"/>
+          </ac:spMkLst>
+        </pc:spChg>
+        <pc:graphicFrameChg chg="modGraphic">
+          <ac:chgData name="Min-Feng Hsieh" userId="ece9e1d9-2caa-407e-99e8-6daa2912cb65" providerId="ADAL" clId="{19375926-14DF-46F7-992A-02285E3BDBAE}" dt="2023-08-24T06:49:52.562" v="1822" actId="20577"/>
+          <ac:graphicFrameMkLst>
+            <pc:docMk/>
+            <pc:sldMk cId="3994466181" sldId="273"/>
+            <ac:graphicFrameMk id="23" creationId="{9FA00AE3-111B-DA1E-B92D-1CDB52AE153D}"/>
+          </ac:graphicFrameMkLst>
+        </pc:graphicFrameChg>
+        <pc:graphicFrameChg chg="modGraphic">
+          <ac:chgData name="Min-Feng Hsieh" userId="ece9e1d9-2caa-407e-99e8-6daa2912cb65" providerId="ADAL" clId="{19375926-14DF-46F7-992A-02285E3BDBAE}" dt="2023-08-24T06:49:10.645" v="1803" actId="20577"/>
+          <ac:graphicFrameMkLst>
+            <pc:docMk/>
+            <pc:sldMk cId="3994466181" sldId="273"/>
+            <ac:graphicFrameMk id="25" creationId="{B15C42F6-735E-D96F-5D21-A1E32F62E4A9}"/>
+          </ac:graphicFrameMkLst>
+        </pc:graphicFrameChg>
+      </pc:sldChg>
+      <pc:sldChg chg="modSp add mod">
+        <pc:chgData name="Min-Feng Hsieh" userId="ece9e1d9-2caa-407e-99e8-6daa2912cb65" providerId="ADAL" clId="{19375926-14DF-46F7-992A-02285E3BDBAE}" dt="2023-08-24T06:49:50.657" v="1821" actId="20577"/>
+        <pc:sldMkLst>
+          <pc:docMk/>
+          <pc:sldMk cId="3049645986" sldId="274"/>
+        </pc:sldMkLst>
+        <pc:spChg chg="mod">
+          <ac:chgData name="Min-Feng Hsieh" userId="ece9e1d9-2caa-407e-99e8-6daa2912cb65" providerId="ADAL" clId="{19375926-14DF-46F7-992A-02285E3BDBAE}" dt="2023-08-24T06:48:34.626" v="1771" actId="20577"/>
+          <ac:spMkLst>
+            <pc:docMk/>
+            <pc:sldMk cId="3049645986" sldId="274"/>
+            <ac:spMk id="13" creationId="{6F73D14E-4B5B-A022-C41E-39263E6F4BBD}"/>
+          </ac:spMkLst>
+        </pc:spChg>
+        <pc:graphicFrameChg chg="modGraphic">
+          <ac:chgData name="Min-Feng Hsieh" userId="ece9e1d9-2caa-407e-99e8-6daa2912cb65" providerId="ADAL" clId="{19375926-14DF-46F7-992A-02285E3BDBAE}" dt="2023-08-24T06:49:50.657" v="1821" actId="20577"/>
+          <ac:graphicFrameMkLst>
+            <pc:docMk/>
+            <pc:sldMk cId="3049645986" sldId="274"/>
+            <ac:graphicFrameMk id="23" creationId="{9FA00AE3-111B-DA1E-B92D-1CDB52AE153D}"/>
+          </ac:graphicFrameMkLst>
+        </pc:graphicFrameChg>
+        <pc:graphicFrameChg chg="mod modGraphic">
+          <ac:chgData name="Min-Feng Hsieh" userId="ece9e1d9-2caa-407e-99e8-6daa2912cb65" providerId="ADAL" clId="{19375926-14DF-46F7-992A-02285E3BDBAE}" dt="2023-08-24T06:49:17.200" v="1804" actId="1076"/>
+          <ac:graphicFrameMkLst>
+            <pc:docMk/>
+            <pc:sldMk cId="3049645986" sldId="274"/>
+            <ac:graphicFrameMk id="25" creationId="{B15C42F6-735E-D96F-5D21-A1E32F62E4A9}"/>
+          </ac:graphicFrameMkLst>
+        </pc:graphicFrameChg>
+      </pc:sldChg>
+      <pc:sldChg chg="modSp add mod">
+        <pc:chgData name="Min-Feng Hsieh" userId="ece9e1d9-2caa-407e-99e8-6daa2912cb65" providerId="ADAL" clId="{19375926-14DF-46F7-992A-02285E3BDBAE}" dt="2023-08-24T06:50:13.641" v="1825" actId="20577"/>
+        <pc:sldMkLst>
+          <pc:docMk/>
+          <pc:sldMk cId="3972114972" sldId="275"/>
+        </pc:sldMkLst>
+        <pc:spChg chg="mod">
+          <ac:chgData name="Min-Feng Hsieh" userId="ece9e1d9-2caa-407e-99e8-6daa2912cb65" providerId="ADAL" clId="{19375926-14DF-46F7-992A-02285E3BDBAE}" dt="2023-08-24T06:49:47.088" v="1818" actId="20577"/>
+          <ac:spMkLst>
+            <pc:docMk/>
+            <pc:sldMk cId="3972114972" sldId="275"/>
+            <ac:spMk id="13" creationId="{6F73D14E-4B5B-A022-C41E-39263E6F4BBD}"/>
+          </ac:spMkLst>
+        </pc:spChg>
+        <pc:graphicFrameChg chg="mod modGraphic">
+          <ac:chgData name="Min-Feng Hsieh" userId="ece9e1d9-2caa-407e-99e8-6daa2912cb65" providerId="ADAL" clId="{19375926-14DF-46F7-992A-02285E3BDBAE}" dt="2023-08-24T06:50:13.641" v="1825" actId="20577"/>
+          <ac:graphicFrameMkLst>
+            <pc:docMk/>
+            <pc:sldMk cId="3972114972" sldId="275"/>
+            <ac:graphicFrameMk id="23" creationId="{9FA00AE3-111B-DA1E-B92D-1CDB52AE153D}"/>
+          </ac:graphicFrameMkLst>
+        </pc:graphicFrameChg>
+      </pc:sldChg>
+      <pc:sldChg chg="addSp delSp modSp add mod">
+        <pc:chgData name="Min-Feng Hsieh" userId="ece9e1d9-2caa-407e-99e8-6daa2912cb65" providerId="ADAL" clId="{19375926-14DF-46F7-992A-02285E3BDBAE}" dt="2023-08-24T06:52:07.245" v="1866" actId="1076"/>
+        <pc:sldMkLst>
+          <pc:docMk/>
+          <pc:sldMk cId="257304198" sldId="276"/>
+        </pc:sldMkLst>
+        <pc:spChg chg="add mod">
+          <ac:chgData name="Min-Feng Hsieh" userId="ece9e1d9-2caa-407e-99e8-6daa2912cb65" providerId="ADAL" clId="{19375926-14DF-46F7-992A-02285E3BDBAE}" dt="2023-08-24T06:51:51.173" v="1859" actId="1076"/>
+          <ac:spMkLst>
+            <pc:docMk/>
+            <pc:sldMk cId="257304198" sldId="276"/>
+            <ac:spMk id="6" creationId="{410B5AB6-9631-446E-80F9-FB5A86DBE1A7}"/>
+          </ac:spMkLst>
+        </pc:spChg>
+        <pc:spChg chg="add mod">
+          <ac:chgData name="Min-Feng Hsieh" userId="ece9e1d9-2caa-407e-99e8-6daa2912cb65" providerId="ADAL" clId="{19375926-14DF-46F7-992A-02285E3BDBAE}" dt="2023-08-24T06:51:47.376" v="1858" actId="1076"/>
+          <ac:spMkLst>
+            <pc:docMk/>
+            <pc:sldMk cId="257304198" sldId="276"/>
+            <ac:spMk id="7" creationId="{7E747C08-8B2D-2004-F723-A9CFBC96D758}"/>
+          </ac:spMkLst>
+        </pc:spChg>
+        <pc:spChg chg="add mod">
+          <ac:chgData name="Min-Feng Hsieh" userId="ece9e1d9-2caa-407e-99e8-6daa2912cb65" providerId="ADAL" clId="{19375926-14DF-46F7-992A-02285E3BDBAE}" dt="2023-08-24T06:52:07.245" v="1866" actId="1076"/>
+          <ac:spMkLst>
+            <pc:docMk/>
+            <pc:sldMk cId="257304198" sldId="276"/>
+            <ac:spMk id="8" creationId="{B175DD61-042A-8BDB-3E1B-69FDD569EBD9}"/>
+          </ac:spMkLst>
+        </pc:spChg>
+        <pc:spChg chg="add mod">
+          <ac:chgData name="Min-Feng Hsieh" userId="ece9e1d9-2caa-407e-99e8-6daa2912cb65" providerId="ADAL" clId="{19375926-14DF-46F7-992A-02285E3BDBAE}" dt="2023-08-24T06:51:59.819" v="1865" actId="20577"/>
+          <ac:spMkLst>
+            <pc:docMk/>
+            <pc:sldMk cId="257304198" sldId="276"/>
+            <ac:spMk id="9" creationId="{06C13AC1-8339-E68A-360A-40564F86D99B}"/>
+          </ac:spMkLst>
+        </pc:spChg>
+        <pc:grpChg chg="del">
+          <ac:chgData name="Min-Feng Hsieh" userId="ece9e1d9-2caa-407e-99e8-6daa2912cb65" providerId="ADAL" clId="{19375926-14DF-46F7-992A-02285E3BDBAE}" dt="2023-08-24T06:50:47.012" v="1827" actId="478"/>
+          <ac:grpSpMkLst>
+            <pc:docMk/>
+            <pc:sldMk cId="257304198" sldId="276"/>
+            <ac:grpSpMk id="34" creationId="{D1B95229-942B-4627-E3B3-9C35E6B78160}"/>
+          </ac:grpSpMkLst>
+        </pc:grpChg>
+        <pc:graphicFrameChg chg="add mod">
+          <ac:chgData name="Min-Feng Hsieh" userId="ece9e1d9-2caa-407e-99e8-6daa2912cb65" providerId="ADAL" clId="{19375926-14DF-46F7-992A-02285E3BDBAE}" dt="2023-08-24T06:50:57.854" v="1830" actId="1076"/>
+          <ac:graphicFrameMkLst>
+            <pc:docMk/>
+            <pc:sldMk cId="257304198" sldId="276"/>
+            <ac:graphicFrameMk id="3" creationId="{35F4B301-F8A7-FC89-1D50-B7242B7F7FDD}"/>
+          </ac:graphicFrameMkLst>
+        </pc:graphicFrameChg>
+      </pc:sldChg>
+      <pc:sldChg chg="addSp delSp modSp new mod setBg">
+        <pc:chgData name="Min-Feng Hsieh" userId="ece9e1d9-2caa-407e-99e8-6daa2912cb65" providerId="ADAL" clId="{19375926-14DF-46F7-992A-02285E3BDBAE}" dt="2023-08-24T07:36:11.585" v="1969" actId="167"/>
+        <pc:sldMkLst>
+          <pc:docMk/>
+          <pc:sldMk cId="1480130324" sldId="277"/>
+        </pc:sldMkLst>
+        <pc:spChg chg="mod">
+          <ac:chgData name="Min-Feng Hsieh" userId="ece9e1d9-2caa-407e-99e8-6daa2912cb65" providerId="ADAL" clId="{19375926-14DF-46F7-992A-02285E3BDBAE}" dt="2023-08-24T07:36:04.923" v="1966" actId="27636"/>
+          <ac:spMkLst>
+            <pc:docMk/>
+            <pc:sldMk cId="1480130324" sldId="277"/>
+            <ac:spMk id="2" creationId="{AE3ED914-6DBF-F6CB-2A28-43AF6D1A9375}"/>
+          </ac:spMkLst>
+        </pc:spChg>
+        <pc:spChg chg="add del">
+          <ac:chgData name="Min-Feng Hsieh" userId="ece9e1d9-2caa-407e-99e8-6daa2912cb65" providerId="ADAL" clId="{19375926-14DF-46F7-992A-02285E3BDBAE}" dt="2023-08-24T07:35:32.117" v="1951" actId="478"/>
+          <ac:spMkLst>
+            <pc:docMk/>
+            <pc:sldMk cId="1480130324" sldId="277"/>
+            <ac:spMk id="3" creationId="{E7FA05CA-AD30-D8EF-8B68-FCEA979A501C}"/>
+          </ac:spMkLst>
+        </pc:spChg>
+        <pc:spChg chg="mod ord">
+          <ac:chgData name="Min-Feng Hsieh" userId="ece9e1d9-2caa-407e-99e8-6daa2912cb65" providerId="ADAL" clId="{19375926-14DF-46F7-992A-02285E3BDBAE}" dt="2023-08-24T07:33:16.958" v="1887" actId="26606"/>
+          <ac:spMkLst>
+            <pc:docMk/>
+            <pc:sldMk cId="1480130324" sldId="277"/>
+            <ac:spMk id="4" creationId="{7F560AD8-158E-367A-B9B9-A22ED4BCC4F3}"/>
+          </ac:spMkLst>
+        </pc:spChg>
+        <pc:spChg chg="add del">
+          <ac:chgData name="Min-Feng Hsieh" userId="ece9e1d9-2caa-407e-99e8-6daa2912cb65" providerId="ADAL" clId="{19375926-14DF-46F7-992A-02285E3BDBAE}" dt="2023-08-24T07:33:16.958" v="1887" actId="26606"/>
+          <ac:spMkLst>
+            <pc:docMk/>
+            <pc:sldMk cId="1480130324" sldId="277"/>
+            <ac:spMk id="11" creationId="{3C54F4CE-85F0-46ED-80DA-9518C9251AD1}"/>
+          </ac:spMkLst>
+        </pc:spChg>
+        <pc:spChg chg="add del">
+          <ac:chgData name="Min-Feng Hsieh" userId="ece9e1d9-2caa-407e-99e8-6daa2912cb65" providerId="ADAL" clId="{19375926-14DF-46F7-992A-02285E3BDBAE}" dt="2023-08-24T07:33:16.958" v="1887" actId="26606"/>
+          <ac:spMkLst>
+            <pc:docMk/>
+            <pc:sldMk cId="1480130324" sldId="277"/>
+            <ac:spMk id="13" creationId="{DADD1FCA-8ACB-4958-81DD-4CDD6D3E1921}"/>
+          </ac:spMkLst>
+        </pc:spChg>
+        <pc:picChg chg="add del mod ord modCrop">
+          <ac:chgData name="Min-Feng Hsieh" userId="ece9e1d9-2caa-407e-99e8-6daa2912cb65" providerId="ADAL" clId="{19375926-14DF-46F7-992A-02285E3BDBAE}" dt="2023-08-24T07:36:11.585" v="1969" actId="167"/>
+          <ac:picMkLst>
+            <pc:docMk/>
+            <pc:sldMk cId="1480130324" sldId="277"/>
+            <ac:picMk id="6" creationId="{214A13F2-308C-3548-6B42-C34C37C5CC38}"/>
+          </ac:picMkLst>
+        </pc:picChg>
+        <pc:picChg chg="add mod modCrop">
+          <ac:chgData name="Min-Feng Hsieh" userId="ece9e1d9-2caa-407e-99e8-6daa2912cb65" providerId="ADAL" clId="{19375926-14DF-46F7-992A-02285E3BDBAE}" dt="2023-08-24T07:35:51.688" v="1958" actId="1076"/>
+          <ac:picMkLst>
+            <pc:docMk/>
+            <pc:sldMk cId="1480130324" sldId="277"/>
+            <ac:picMk id="7" creationId="{50AAA348-0219-DEB0-03F6-1EF481115ADF}"/>
+          </ac:picMkLst>
+        </pc:picChg>
       </pc:sldChg>
     </pc:docChg>
   </pc:docChgLst>
 </pc:chgInfo>
+</file>
+
+<file path=ppt/ink/ink1.xml><?xml version="1.0" encoding="utf-8"?>
+<inkml:ink xmlns:inkml="http://www.w3.org/2003/InkML">
+  <inkml:definitions>
+    <inkml:context xml:id="ctx0">
+      <inkml:inkSource xml:id="inkSrc0">
+        <inkml:traceFormat>
+          <inkml:channel name="X" type="integer" min="-2.14748E9" max="2.14748E9" units="cm"/>
+          <inkml:channel name="Y" type="integer" min="-2.14748E9" max="2.14748E9" units="cm"/>
+        </inkml:traceFormat>
+        <inkml:channelProperties>
+          <inkml:channelProperty channel="X" name="resolution" value="1000" units="1/cm"/>
+          <inkml:channelProperty channel="Y" name="resolution" value="1000" units="1/cm"/>
+        </inkml:channelProperties>
+      </inkml:inkSource>
+      <inkml:timestamp xml:id="ts0" timeString="2023-08-24T06:14:28.769"/>
+    </inkml:context>
+    <inkml:brush xml:id="br0">
+      <inkml:brushProperty name="width" value="0.3" units="cm"/>
+      <inkml:brushProperty name="height" value="0.6" units="cm"/>
+      <inkml:brushProperty name="color" value="#FFFC00"/>
+      <inkml:brushProperty name="tip" value="rectangle"/>
+      <inkml:brushProperty name="rasterOp" value="maskPen"/>
+      <inkml:brushProperty name="ignorePressure" value="1"/>
+    </inkml:brush>
+  </inkml:definitions>
+  <inkml:trace contextRef="#ctx0" brushRef="#br0">1 2,'329'-2,"364"6,-328 30,78 2,-273-45,17 0,1882 9,-1845-18,-134 20,117-4,-142-7,-40 5,45-2,32-9,-85 14</inkml:trace>
+</inkml:ink>
 </file>
 
 <file path=ppt/notesMasters/notesMaster1.xml><?xml version="1.0" encoding="utf-8"?>
@@ -684,7 +1502,7 @@
           <a:p>
             <a:fld id="{C9ED61FB-B9B0-4D85-A72E-A614C28ECC4E}" type="datetimeFigureOut">
               <a:rPr lang="en-US" smtClean="0"/>
-              <a:t>8/23/2023</a:t>
+              <a:t>8/24/2023</a:t>
             </a:fld>
             <a:endParaRPr lang="en-US"/>
           </a:p>
@@ -995,96 +1813,6 @@
           <a:bodyPr/>
           <a:lstStyle/>
           <a:p>
-            <a:pPr marL="171450" marR="0" lvl="0" indent="-171450" algn="l" defTabSz="914400" rtl="0" eaLnBrk="1" fontAlgn="auto" latinLnBrk="0" hangingPunct="1">
-              <a:lnSpc>
-                <a:spcPct val="100000"/>
-              </a:lnSpc>
-              <a:spcBef>
-                <a:spcPts val="0"/>
-              </a:spcBef>
-              <a:spcAft>
-                <a:spcPts val="0"/>
-              </a:spcAft>
-              <a:buClrTx/>
-              <a:buSzTx/>
-              <a:buFont typeface="Arial" panose="020B0604020202020204" pitchFamily="34" charset="0"/>
-              <a:buChar char="•"/>
-              <a:tabLst/>
-              <a:defRPr/>
-            </a:pPr>
-            <a:r>
-              <a:rPr lang="en-US" b="0" i="0" dirty="0">
-                <a:solidFill>
-                  <a:srgbClr val="333333"/>
-                </a:solidFill>
-                <a:effectLst/>
-                <a:latin typeface="-apple-system"/>
-              </a:rPr>
-              <a:t>However, GPU </a:t>
-            </a:r>
-            <a:r>
-              <a:rPr lang="en-US" b="1" i="0" dirty="0">
-                <a:solidFill>
-                  <a:srgbClr val="333333"/>
-                </a:solidFill>
-                <a:effectLst/>
-                <a:latin typeface="-apple-system"/>
-              </a:rPr>
-              <a:t>memory</a:t>
-            </a:r>
-            <a:r>
-              <a:rPr lang="en-US" b="0" i="0" dirty="0">
-                <a:solidFill>
-                  <a:srgbClr val="333333"/>
-                </a:solidFill>
-                <a:effectLst/>
-                <a:latin typeface="-apple-system"/>
-              </a:rPr>
-              <a:t> is rather </a:t>
-            </a:r>
-            <a:r>
-              <a:rPr lang="en-US" b="1" i="0" dirty="0">
-                <a:solidFill>
-                  <a:srgbClr val="333333"/>
-                </a:solidFill>
-                <a:effectLst/>
-                <a:latin typeface="-apple-system"/>
-              </a:rPr>
-              <a:t>limited</a:t>
-            </a:r>
-            <a:r>
-              <a:rPr lang="en-US" b="0" i="0" dirty="0">
-                <a:solidFill>
-                  <a:srgbClr val="333333"/>
-                </a:solidFill>
-                <a:effectLst/>
-                <a:latin typeface="-apple-system"/>
-              </a:rPr>
-              <a:t> when we compute PBA on large industrial designs with millions of gates. So a natural solution is to partition the circuit graph to reduce </a:t>
-            </a:r>
-            <a:r>
-              <a:rPr lang="en-US" b="1" i="0" dirty="0">
-                <a:solidFill>
-                  <a:srgbClr val="333333"/>
-                </a:solidFill>
-                <a:effectLst/>
-                <a:latin typeface="-apple-system"/>
-              </a:rPr>
-              <a:t>space complexity</a:t>
-            </a:r>
-            <a:endParaRPr lang="en-US" b="0" i="0" dirty="0">
-              <a:solidFill>
-                <a:srgbClr val="333333"/>
-              </a:solidFill>
-              <a:effectLst/>
-              <a:latin typeface="-apple-system"/>
-            </a:endParaRPr>
-          </a:p>
-          <a:p>
-            <a:pPr marL="171450" indent="-171450">
-              <a:buFont typeface="Arial" panose="020B0604020202020204" pitchFamily="34" charset="0"/>
-              <a:buChar char="•"/>
-            </a:pPr>
             <a:endParaRPr lang="en-US" dirty="0"/>
           </a:p>
         </p:txBody>
@@ -1106,7 +1834,7 @@
           <a:p>
             <a:fld id="{9D457EAB-1485-47AD-BEAD-484FAEBF5A54}" type="slidenum">
               <a:rPr lang="en-US" smtClean="0"/>
-              <a:t>2</a:t>
+              <a:t>0</a:t>
             </a:fld>
             <a:endParaRPr lang="en-US"/>
           </a:p>
@@ -1115,7 +1843,7 @@
     </p:spTree>
     <p:extLst>
       <p:ext uri="{BB962C8B-B14F-4D97-AF65-F5344CB8AC3E}">
-        <p14:creationId xmlns:p14="http://schemas.microsoft.com/office/powerpoint/2010/main" val="1533842810"/>
+        <p14:creationId xmlns:p14="http://schemas.microsoft.com/office/powerpoint/2010/main" val="1194950833"/>
       </p:ext>
     </p:extLst>
   </p:cSld>
@@ -1169,6 +1897,96 @@
           <a:bodyPr/>
           <a:lstStyle/>
           <a:p>
+            <a:pPr marL="171450" marR="0" lvl="0" indent="-171450" algn="l" defTabSz="914400" rtl="0" eaLnBrk="1" fontAlgn="auto" latinLnBrk="0" hangingPunct="1">
+              <a:lnSpc>
+                <a:spcPct val="100000"/>
+              </a:lnSpc>
+              <a:spcBef>
+                <a:spcPts val="0"/>
+              </a:spcBef>
+              <a:spcAft>
+                <a:spcPts val="0"/>
+              </a:spcAft>
+              <a:buClrTx/>
+              <a:buSzTx/>
+              <a:buFont typeface="Arial" panose="020B0604020202020204" pitchFamily="34" charset="0"/>
+              <a:buChar char="•"/>
+              <a:tabLst/>
+              <a:defRPr/>
+            </a:pPr>
+            <a:r>
+              <a:rPr lang="en-US" b="0" i="0" dirty="0">
+                <a:solidFill>
+                  <a:srgbClr val="333333"/>
+                </a:solidFill>
+                <a:effectLst/>
+                <a:latin typeface="-apple-system"/>
+              </a:rPr>
+              <a:t>However, GPU </a:t>
+            </a:r>
+            <a:r>
+              <a:rPr lang="en-US" b="1" i="0" dirty="0">
+                <a:solidFill>
+                  <a:srgbClr val="333333"/>
+                </a:solidFill>
+                <a:effectLst/>
+                <a:latin typeface="-apple-system"/>
+              </a:rPr>
+              <a:t>memory</a:t>
+            </a:r>
+            <a:r>
+              <a:rPr lang="en-US" b="0" i="0" dirty="0">
+                <a:solidFill>
+                  <a:srgbClr val="333333"/>
+                </a:solidFill>
+                <a:effectLst/>
+                <a:latin typeface="-apple-system"/>
+              </a:rPr>
+              <a:t> is rather </a:t>
+            </a:r>
+            <a:r>
+              <a:rPr lang="en-US" b="1" i="0" dirty="0">
+                <a:solidFill>
+                  <a:srgbClr val="333333"/>
+                </a:solidFill>
+                <a:effectLst/>
+                <a:latin typeface="-apple-system"/>
+              </a:rPr>
+              <a:t>limited</a:t>
+            </a:r>
+            <a:r>
+              <a:rPr lang="en-US" b="0" i="0" dirty="0">
+                <a:solidFill>
+                  <a:srgbClr val="333333"/>
+                </a:solidFill>
+                <a:effectLst/>
+                <a:latin typeface="-apple-system"/>
+              </a:rPr>
+              <a:t> when we compute PBA on large industrial designs with millions of gates. So a natural solution is to partition the circuit graph to reduce </a:t>
+            </a:r>
+            <a:r>
+              <a:rPr lang="en-US" b="1" i="0" dirty="0">
+                <a:solidFill>
+                  <a:srgbClr val="333333"/>
+                </a:solidFill>
+                <a:effectLst/>
+                <a:latin typeface="-apple-system"/>
+              </a:rPr>
+              <a:t>space complexity</a:t>
+            </a:r>
+            <a:endParaRPr lang="en-US" b="0" i="0" dirty="0">
+              <a:solidFill>
+                <a:srgbClr val="333333"/>
+              </a:solidFill>
+              <a:effectLst/>
+              <a:latin typeface="-apple-system"/>
+            </a:endParaRPr>
+          </a:p>
+          <a:p>
+            <a:pPr marL="171450" indent="-171450">
+              <a:buFont typeface="Arial" panose="020B0604020202020204" pitchFamily="34" charset="0"/>
+              <a:buChar char="•"/>
+            </a:pPr>
             <a:endParaRPr lang="en-US" dirty="0"/>
           </a:p>
         </p:txBody>
@@ -1190,7 +2008,7 @@
           <a:p>
             <a:fld id="{9D457EAB-1485-47AD-BEAD-484FAEBF5A54}" type="slidenum">
               <a:rPr lang="en-US" smtClean="0"/>
-              <a:t>3</a:t>
+              <a:t>2</a:t>
             </a:fld>
             <a:endParaRPr lang="en-US"/>
           </a:p>
@@ -1199,7 +2017,7 @@
     </p:spTree>
     <p:extLst>
       <p:ext uri="{BB962C8B-B14F-4D97-AF65-F5344CB8AC3E}">
-        <p14:creationId xmlns:p14="http://schemas.microsoft.com/office/powerpoint/2010/main" val="468252854"/>
+        <p14:creationId xmlns:p14="http://schemas.microsoft.com/office/powerpoint/2010/main" val="1533842810"/>
       </p:ext>
     </p:extLst>
   </p:cSld>
@@ -1274,6 +2092,90 @@
           <a:p>
             <a:fld id="{9D457EAB-1485-47AD-BEAD-484FAEBF5A54}" type="slidenum">
               <a:rPr lang="en-US" smtClean="0"/>
+              <a:t>3</a:t>
+            </a:fld>
+            <a:endParaRPr lang="en-US"/>
+          </a:p>
+        </p:txBody>
+      </p:sp>
+    </p:spTree>
+    <p:extLst>
+      <p:ext uri="{BB962C8B-B14F-4D97-AF65-F5344CB8AC3E}">
+        <p14:creationId xmlns:p14="http://schemas.microsoft.com/office/powerpoint/2010/main" val="468252854"/>
+      </p:ext>
+    </p:extLst>
+  </p:cSld>
+  <p:clrMapOvr>
+    <a:masterClrMapping/>
+  </p:clrMapOvr>
+</p:notes>
+</file>
+
+<file path=ppt/notesSlides/notesSlide4.xml><?xml version="1.0" encoding="utf-8"?>
+<p:notes xmlns:a="http://schemas.openxmlformats.org/drawingml/2006/main" xmlns:r="http://schemas.openxmlformats.org/officeDocument/2006/relationships" xmlns:p="http://schemas.openxmlformats.org/presentationml/2006/main">
+  <p:cSld>
+    <p:spTree>
+      <p:nvGrpSpPr>
+        <p:cNvPr id="1" name=""/>
+        <p:cNvGrpSpPr/>
+        <p:nvPr/>
+      </p:nvGrpSpPr>
+      <p:grpSpPr>
+        <a:xfrm>
+          <a:off x="0" y="0"/>
+          <a:ext cx="0" cy="0"/>
+          <a:chOff x="0" y="0"/>
+          <a:chExt cx="0" cy="0"/>
+        </a:xfrm>
+      </p:grpSpPr>
+      <p:sp>
+        <p:nvSpPr>
+          <p:cNvPr id="2" name="Slide Image Placeholder 1"/>
+          <p:cNvSpPr>
+            <a:spLocks noGrp="1" noRot="1" noChangeAspect="1"/>
+          </p:cNvSpPr>
+          <p:nvPr>
+            <p:ph type="sldImg"/>
+          </p:nvPr>
+        </p:nvSpPr>
+        <p:spPr/>
+      </p:sp>
+      <p:sp>
+        <p:nvSpPr>
+          <p:cNvPr id="3" name="Notes Placeholder 2"/>
+          <p:cNvSpPr>
+            <a:spLocks noGrp="1"/>
+          </p:cNvSpPr>
+          <p:nvPr>
+            <p:ph type="body" idx="1"/>
+          </p:nvPr>
+        </p:nvSpPr>
+        <p:spPr/>
+        <p:txBody>
+          <a:bodyPr/>
+          <a:lstStyle/>
+          <a:p>
+            <a:endParaRPr lang="en-US" dirty="0"/>
+          </a:p>
+        </p:txBody>
+      </p:sp>
+      <p:sp>
+        <p:nvSpPr>
+          <p:cNvPr id="4" name="Slide Number Placeholder 3"/>
+          <p:cNvSpPr>
+            <a:spLocks noGrp="1"/>
+          </p:cNvSpPr>
+          <p:nvPr>
+            <p:ph type="sldNum" sz="quarter" idx="5"/>
+          </p:nvPr>
+        </p:nvSpPr>
+        <p:spPr/>
+        <p:txBody>
+          <a:bodyPr/>
+          <a:lstStyle/>
+          <a:p>
+            <a:fld id="{9D457EAB-1485-47AD-BEAD-484FAEBF5A54}" type="slidenum">
+              <a:rPr lang="en-US" smtClean="0"/>
               <a:t>4</a:t>
             </a:fld>
             <a:endParaRPr lang="en-US"/>
@@ -1293,7 +2195,7 @@
 </p:notes>
 </file>
 
-<file path=ppt/notesSlides/notesSlide4.xml><?xml version="1.0" encoding="utf-8"?>
+<file path=ppt/notesSlides/notesSlide5.xml><?xml version="1.0" encoding="utf-8"?>
 <p:notes xmlns:a="http://schemas.openxmlformats.org/drawingml/2006/main" xmlns:r="http://schemas.openxmlformats.org/officeDocument/2006/relationships" xmlns:p="http://schemas.openxmlformats.org/presentationml/2006/main">
   <p:cSld>
     <p:spTree>
@@ -1588,7 +2490,7 @@
           <a:p>
             <a:fld id="{99BA7BAB-F69F-4C21-8D40-7AA273A2D01F}" type="datetime1">
               <a:rPr lang="en-US" smtClean="0"/>
-              <a:t>8/23/2023</a:t>
+              <a:t>8/24/2023</a:t>
             </a:fld>
             <a:endParaRPr lang="en-US"/>
           </a:p>
@@ -1786,7 +2688,7 @@
           <a:p>
             <a:fld id="{FB00A8EC-4678-43EE-BE64-F312B7F1A46F}" type="datetime1">
               <a:rPr lang="en-US" smtClean="0"/>
-              <a:t>8/23/2023</a:t>
+              <a:t>8/24/2023</a:t>
             </a:fld>
             <a:endParaRPr lang="en-US"/>
           </a:p>
@@ -1994,7 +2896,7 @@
           <a:p>
             <a:fld id="{9487F23D-EA8F-4C56-9373-23F6109AD11F}" type="datetime1">
               <a:rPr lang="en-US" smtClean="0"/>
-              <a:t>8/23/2023</a:t>
+              <a:t>8/24/2023</a:t>
             </a:fld>
             <a:endParaRPr lang="en-US"/>
           </a:p>
@@ -2192,7 +3094,7 @@
           <a:p>
             <a:fld id="{A34E716E-0239-4A81-9CF4-D3B9651721CF}" type="datetime1">
               <a:rPr lang="en-US" smtClean="0"/>
-              <a:t>8/23/2023</a:t>
+              <a:t>8/24/2023</a:t>
             </a:fld>
             <a:endParaRPr lang="en-US"/>
           </a:p>
@@ -2467,7 +3369,7 @@
           <a:p>
             <a:fld id="{CC112E56-3D97-4B86-935C-1C493DD86A08}" type="datetime1">
               <a:rPr lang="en-US" smtClean="0"/>
-              <a:t>8/23/2023</a:t>
+              <a:t>8/24/2023</a:t>
             </a:fld>
             <a:endParaRPr lang="en-US"/>
           </a:p>
@@ -2732,7 +3634,7 @@
           <a:p>
             <a:fld id="{40649135-BABF-4F63-9AF8-3CEC545E47DC}" type="datetime1">
               <a:rPr lang="en-US" smtClean="0"/>
-              <a:t>8/23/2023</a:t>
+              <a:t>8/24/2023</a:t>
             </a:fld>
             <a:endParaRPr lang="en-US"/>
           </a:p>
@@ -3144,7 +4046,7 @@
           <a:p>
             <a:fld id="{B16EBC02-C9C0-442D-A8A6-494057203542}" type="datetime1">
               <a:rPr lang="en-US" smtClean="0"/>
-              <a:t>8/23/2023</a:t>
+              <a:t>8/24/2023</a:t>
             </a:fld>
             <a:endParaRPr lang="en-US"/>
           </a:p>
@@ -3285,7 +4187,7 @@
           <a:p>
             <a:fld id="{A126C4B4-559D-414E-BC9C-16A745BBF3C3}" type="datetime1">
               <a:rPr lang="en-US" smtClean="0"/>
-              <a:t>8/23/2023</a:t>
+              <a:t>8/24/2023</a:t>
             </a:fld>
             <a:endParaRPr lang="en-US"/>
           </a:p>
@@ -3398,7 +4300,7 @@
           <a:p>
             <a:fld id="{0D49D49E-73A5-4C03-BFEA-3D845EB044D8}" type="datetime1">
               <a:rPr lang="en-US" smtClean="0"/>
-              <a:t>8/23/2023</a:t>
+              <a:t>8/24/2023</a:t>
             </a:fld>
             <a:endParaRPr lang="en-US"/>
           </a:p>
@@ -3709,7 +4611,7 @@
           <a:p>
             <a:fld id="{4A0F93E6-3134-410C-B573-A5F6B38FC346}" type="datetime1">
               <a:rPr lang="en-US" smtClean="0"/>
-              <a:t>8/23/2023</a:t>
+              <a:t>8/24/2023</a:t>
             </a:fld>
             <a:endParaRPr lang="en-US"/>
           </a:p>
@@ -3997,7 +4899,7 @@
           <a:p>
             <a:fld id="{F766E70F-5320-45A5-BE33-1819A93C2AF4}" type="datetime1">
               <a:rPr lang="en-US" smtClean="0"/>
-              <a:t>8/23/2023</a:t>
+              <a:t>8/24/2023</a:t>
             </a:fld>
             <a:endParaRPr lang="en-US"/>
           </a:p>
@@ -4238,7 +5140,7 @@
           <a:p>
             <a:fld id="{A706458B-0289-40FF-A02D-2C541B7F1CB6}" type="datetime1">
               <a:rPr lang="en-US" smtClean="0"/>
-              <a:t>8/23/2023</a:t>
+              <a:t>8/24/2023</a:t>
             </a:fld>
             <a:endParaRPr lang="en-US"/>
           </a:p>
@@ -4672,15 +5574,31 @@
             <p:ph type="ctrTitle"/>
           </p:nvPr>
         </p:nvSpPr>
-        <p:spPr/>
+        <p:spPr>
+          <a:xfrm>
+            <a:off x="417490" y="1041400"/>
+            <a:ext cx="11357020" cy="2387600"/>
+          </a:xfrm>
+        </p:spPr>
         <p:txBody>
-          <a:bodyPr>
-            <a:normAutofit fontScale="90000"/>
+          <a:bodyPr anchor="ctr">
+            <a:normAutofit/>
           </a:bodyPr>
           <a:lstStyle/>
           <a:p>
-            <a:r>
-              <a:rPr lang="en-US" dirty="0"/>
+            <a:pPr>
+              <a:lnSpc>
+                <a:spcPct val="130000"/>
+              </a:lnSpc>
+              <a:spcBef>
+                <a:spcPts val="2400"/>
+              </a:spcBef>
+            </a:pPr>
+            <a:r>
+              <a:rPr lang="en-US" sz="4400" dirty="0">
+                <a:latin typeface="Times New Roman" panose="02020603050405020304" pitchFamily="18" charset="0"/>
+                <a:cs typeface="Times New Roman" panose="02020603050405020304" pitchFamily="18" charset="0"/>
+              </a:rPr>
               <a:t>Fast STA Graph Partitioning Framework for Multi-GPU Acceleration</a:t>
             </a:r>
           </a:p>
@@ -4715,19 +5633,28 @@
           <a:lstStyle/>
           <a:p>
             <a:r>
-              <a:rPr lang="en-US" sz="2000" dirty="0"/>
+              <a:rPr lang="en-US" sz="2000" dirty="0">
+                <a:latin typeface="Times New Roman" panose="02020603050405020304" pitchFamily="18" charset="0"/>
+                <a:cs typeface="Times New Roman" panose="02020603050405020304" pitchFamily="18" charset="0"/>
+              </a:rPr>
               <a:t>Tsung-Wei Huang</a:t>
             </a:r>
           </a:p>
           <a:p>
             <a:r>
-              <a:rPr lang="en-US" sz="1200" dirty="0"/>
+              <a:rPr lang="en-US" sz="1200" dirty="0">
+                <a:latin typeface="Times New Roman" panose="02020603050405020304" pitchFamily="18" charset="0"/>
+                <a:cs typeface="Times New Roman" panose="02020603050405020304" pitchFamily="18" charset="0"/>
+              </a:rPr>
               <a:t>Department of Electrical and Computer Engineering</a:t>
             </a:r>
           </a:p>
           <a:p>
             <a:r>
-              <a:rPr lang="en-US" sz="1200" dirty="0"/>
+              <a:rPr lang="en-US" sz="1200" dirty="0">
+                <a:latin typeface="Times New Roman" panose="02020603050405020304" pitchFamily="18" charset="0"/>
+                <a:cs typeface="Times New Roman" panose="02020603050405020304" pitchFamily="18" charset="0"/>
+              </a:rPr>
               <a:t>University of Utah, Salt Lake City, UT, USA</a:t>
             </a:r>
           </a:p>
@@ -4926,23 +5853,35 @@
           </a:lstStyle>
           <a:p>
             <a:r>
-              <a:rPr lang="en-US" sz="2000" dirty="0" err="1"/>
+              <a:rPr lang="en-US" sz="2000" dirty="0" err="1">
+                <a:latin typeface="Times New Roman" panose="02020603050405020304" pitchFamily="18" charset="0"/>
+                <a:cs typeface="Times New Roman" panose="02020603050405020304" pitchFamily="18" charset="0"/>
+              </a:rPr>
               <a:t>Guannan</a:t>
             </a:r>
             <a:r>
-              <a:rPr lang="en-US" sz="2000" dirty="0"/>
+              <a:rPr lang="en-US" sz="2000" dirty="0">
+                <a:latin typeface="Times New Roman" panose="02020603050405020304" pitchFamily="18" charset="0"/>
+                <a:cs typeface="Times New Roman" panose="02020603050405020304" pitchFamily="18" charset="0"/>
+              </a:rPr>
               <a:t> Guo</a:t>
             </a:r>
           </a:p>
           <a:p>
             <a:r>
-              <a:rPr lang="en-US" sz="1200" dirty="0"/>
+              <a:rPr lang="en-US" sz="1200" dirty="0">
+                <a:latin typeface="Times New Roman" panose="02020603050405020304" pitchFamily="18" charset="0"/>
+                <a:cs typeface="Times New Roman" panose="02020603050405020304" pitchFamily="18" charset="0"/>
+              </a:rPr>
               <a:t>Department of Electrical and Computer Engineering</a:t>
             </a:r>
           </a:p>
           <a:p>
             <a:r>
-              <a:rPr lang="en-US" sz="1200" dirty="0"/>
+              <a:rPr lang="en-US" sz="1200" dirty="0">
+                <a:latin typeface="Times New Roman" panose="02020603050405020304" pitchFamily="18" charset="0"/>
+                <a:cs typeface="Times New Roman" panose="02020603050405020304" pitchFamily="18" charset="0"/>
+              </a:rPr>
               <a:t>University of Illinois at Urbana-Champaign, IL, USA</a:t>
             </a:r>
           </a:p>
@@ -5141,19 +6080,28 @@
           </a:lstStyle>
           <a:p>
             <a:r>
-              <a:rPr lang="en-US" sz="2000" dirty="0"/>
+              <a:rPr lang="en-US" sz="2000" dirty="0">
+                <a:latin typeface="Times New Roman" panose="02020603050405020304" pitchFamily="18" charset="0"/>
+                <a:cs typeface="Times New Roman" panose="02020603050405020304" pitchFamily="18" charset="0"/>
+              </a:rPr>
               <a:t>Martin Wong</a:t>
             </a:r>
           </a:p>
           <a:p>
             <a:r>
-              <a:rPr lang="en-US" sz="1200" dirty="0"/>
+              <a:rPr lang="en-US" sz="1200" dirty="0">
+                <a:latin typeface="Times New Roman" panose="02020603050405020304" pitchFamily="18" charset="0"/>
+                <a:cs typeface="Times New Roman" panose="02020603050405020304" pitchFamily="18" charset="0"/>
+              </a:rPr>
               <a:t>Department of Computer Science and Engineering</a:t>
             </a:r>
           </a:p>
           <a:p>
             <a:r>
-              <a:rPr lang="en-US" sz="1200" dirty="0"/>
+              <a:rPr lang="en-US" sz="1200" dirty="0">
+                <a:latin typeface="Times New Roman" panose="02020603050405020304" pitchFamily="18" charset="0"/>
+                <a:cs typeface="Times New Roman" panose="02020603050405020304" pitchFamily="18" charset="0"/>
+              </a:rPr>
               <a:t>The Chinese University of Hong Kong, Shatin, NT, Hong Kong</a:t>
             </a:r>
           </a:p>
@@ -5207,11 +6155,16 @@
         </p:nvSpPr>
         <p:spPr/>
         <p:txBody>
-          <a:bodyPr/>
+          <a:bodyPr>
+            <a:normAutofit/>
+          </a:bodyPr>
           <a:lstStyle/>
           <a:p>
             <a:r>
-              <a:rPr lang="en-US" dirty="0"/>
+              <a:rPr lang="en-US" sz="4000" dirty="0">
+                <a:latin typeface="Times New Roman" panose="02020603050405020304" pitchFamily="18" charset="0"/>
+                <a:cs typeface="Times New Roman" panose="02020603050405020304" pitchFamily="18" charset="0"/>
+              </a:rPr>
               <a:t>Proposed Partitioning Framework For Multi-GPU Acceleration</a:t>
             </a:r>
           </a:p>
@@ -5410,37 +6363,71 @@
           </a:lstStyle>
           <a:p>
             <a:r>
-              <a:rPr lang="en-US" dirty="0"/>
+              <a:rPr lang="en-US" sz="2400" dirty="0">
+                <a:latin typeface="Times New Roman" panose="02020603050405020304" pitchFamily="18" charset="0"/>
+                <a:cs typeface="Times New Roman" panose="02020603050405020304" pitchFamily="18" charset="0"/>
+              </a:rPr>
               <a:t>Step 5. Partition Graph Recovery</a:t>
             </a:r>
           </a:p>
           <a:p>
+            <a:endParaRPr lang="en-US" sz="400" dirty="0">
+              <a:latin typeface="Times New Roman" panose="02020603050405020304" pitchFamily="18" charset="0"/>
+              <a:cs typeface="Times New Roman" panose="02020603050405020304" pitchFamily="18" charset="0"/>
+            </a:endParaRPr>
+          </a:p>
+          <a:p>
             <a:pPr lvl="1"/>
             <a:r>
-              <a:rPr lang="en-US" dirty="0"/>
+              <a:rPr lang="en-US" sz="2000" dirty="0">
+                <a:latin typeface="Times New Roman" panose="02020603050405020304" pitchFamily="18" charset="0"/>
+                <a:cs typeface="Times New Roman" panose="02020603050405020304" pitchFamily="18" charset="0"/>
+              </a:rPr>
               <a:t>Use the method of linear </a:t>
             </a:r>
             <a:r>
-              <a:rPr lang="en-US" b="1" dirty="0"/>
+              <a:rPr lang="en-US" sz="2000" b="1" dirty="0">
+                <a:latin typeface="Times New Roman" panose="02020603050405020304" pitchFamily="18" charset="0"/>
+                <a:cs typeface="Times New Roman" panose="02020603050405020304" pitchFamily="18" charset="0"/>
+              </a:rPr>
               <a:t>BFS</a:t>
             </a:r>
             <a:r>
-              <a:rPr lang="en-US" dirty="0"/>
+              <a:rPr lang="en-US" sz="2000" dirty="0">
+                <a:latin typeface="Times New Roman" panose="02020603050405020304" pitchFamily="18" charset="0"/>
+                <a:cs typeface="Times New Roman" panose="02020603050405020304" pitchFamily="18" charset="0"/>
+              </a:rPr>
               <a:t> algorithm</a:t>
             </a:r>
           </a:p>
           <a:p>
             <a:pPr lvl="1"/>
-            <a:r>
-              <a:rPr lang="en-US" dirty="0"/>
+            <a:endParaRPr lang="en-US" sz="400" dirty="0">
+              <a:latin typeface="Times New Roman" panose="02020603050405020304" pitchFamily="18" charset="0"/>
+              <a:cs typeface="Times New Roman" panose="02020603050405020304" pitchFamily="18" charset="0"/>
+            </a:endParaRPr>
+          </a:p>
+          <a:p>
+            <a:pPr lvl="1"/>
+            <a:r>
+              <a:rPr lang="en-US" sz="2000" dirty="0">
+                <a:latin typeface="Times New Roman" panose="02020603050405020304" pitchFamily="18" charset="0"/>
+                <a:cs typeface="Times New Roman" panose="02020603050405020304" pitchFamily="18" charset="0"/>
+              </a:rPr>
               <a:t>Leverage a multithread library, </a:t>
             </a:r>
             <a:r>
-              <a:rPr lang="en-US" dirty="0" err="1"/>
+              <a:rPr lang="en-US" sz="2000" dirty="0" err="1">
+                <a:latin typeface="Times New Roman" panose="02020603050405020304" pitchFamily="18" charset="0"/>
+                <a:cs typeface="Times New Roman" panose="02020603050405020304" pitchFamily="18" charset="0"/>
+              </a:rPr>
               <a:t>Taskflow</a:t>
             </a:r>
             <a:r>
-              <a:rPr lang="en-US" dirty="0"/>
+              <a:rPr lang="en-US" sz="2000" dirty="0">
+                <a:latin typeface="Times New Roman" panose="02020603050405020304" pitchFamily="18" charset="0"/>
+                <a:cs typeface="Times New Roman" panose="02020603050405020304" pitchFamily="18" charset="0"/>
+              </a:rPr>
               <a:t>, to offload and monitor the PBA workloads of all partitions on multiple GPU devices</a:t>
             </a:r>
           </a:p>
@@ -5662,11 +6649,16 @@
         </p:nvSpPr>
         <p:spPr/>
         <p:txBody>
-          <a:bodyPr/>
+          <a:bodyPr>
+            <a:normAutofit/>
+          </a:bodyPr>
           <a:lstStyle/>
           <a:p>
             <a:r>
-              <a:rPr lang="en-US" dirty="0"/>
+              <a:rPr lang="en-US" sz="4000" dirty="0">
+                <a:latin typeface="Times" panose="02020603050405020304" pitchFamily="18" charset="0"/>
+                <a:cs typeface="Times" panose="02020603050405020304" pitchFamily="18" charset="0"/>
+              </a:rPr>
               <a:t>Proposed Partitioning Framework For Multi-GPU Acceleration – STA Graph Model</a:t>
             </a:r>
           </a:p>
@@ -5693,21 +6685,25 @@
             <p:spPr/>
             <p:txBody>
               <a:bodyPr>
-                <a:normAutofit lnSpcReduction="10000"/>
+                <a:normAutofit/>
               </a:bodyPr>
               <a:lstStyle/>
               <a:p>
                 <a:r>
-                  <a:rPr lang="en-US" dirty="0"/>
+                  <a:rPr lang="en-US" sz="2400" dirty="0">
+                    <a:latin typeface="Times" panose="02020603050405020304" pitchFamily="18" charset="0"/>
+                    <a:cs typeface="Times" panose="02020603050405020304" pitchFamily="18" charset="0"/>
+                  </a:rPr>
                   <a:t>Model the circuit graph as a DAG (used in lots of STA engine)</a:t>
                 </a:r>
               </a:p>
               <a:p>
                 <a:pPr lvl="1"/>
                 <a:r>
-                  <a:rPr lang="en-US" b="0" i="0" dirty="0">
+                  <a:rPr lang="en-US" sz="2000" b="0" i="0" dirty="0">
                     <a:effectLst/>
-                    <a:latin typeface="-apple-system"/>
+                    <a:latin typeface="Times" panose="02020603050405020304" pitchFamily="18" charset="0"/>
+                    <a:cs typeface="Times" panose="02020603050405020304" pitchFamily="18" charset="0"/>
                   </a:rPr>
                   <a:t>Vertex: circuit pin</a:t>
                 </a:r>
@@ -5715,7 +6711,10 @@
               <a:p>
                 <a:pPr lvl="1"/>
                 <a:r>
-                  <a:rPr lang="en-US" dirty="0"/>
+                  <a:rPr lang="en-US" sz="2000" dirty="0">
+                    <a:latin typeface="Times" panose="02020603050405020304" pitchFamily="18" charset="0"/>
+                    <a:cs typeface="Times" panose="02020603050405020304" pitchFamily="18" charset="0"/>
+                  </a:rPr>
                   <a:t>Edge: pin-to-pin connection</a:t>
                 </a:r>
               </a:p>
@@ -5723,19 +6722,31 @@
                 <a:pPr marL="457200" lvl="1" indent="0">
                   <a:buNone/>
                 </a:pPr>
-                <a:endParaRPr lang="en-US" sz="400" dirty="0"/>
+                <a:endParaRPr lang="en-US" sz="400" dirty="0">
+                  <a:latin typeface="Times" panose="02020603050405020304" pitchFamily="18" charset="0"/>
+                  <a:cs typeface="Times" panose="02020603050405020304" pitchFamily="18" charset="0"/>
+                </a:endParaRPr>
               </a:p>
               <a:p>
                 <a:r>
-                  <a:rPr lang="en-US" dirty="0"/>
+                  <a:rPr lang="en-US" sz="2400" dirty="0">
+                    <a:latin typeface="Times" panose="02020603050405020304" pitchFamily="18" charset="0"/>
+                    <a:cs typeface="Times" panose="02020603050405020304" pitchFamily="18" charset="0"/>
+                  </a:rPr>
                   <a:t>Endpoint: the endpoint of a </a:t>
                 </a:r>
                 <a:r>
-                  <a:rPr lang="en-US" dirty="0" err="1"/>
+                  <a:rPr lang="en-US" sz="2400" dirty="0" err="1">
+                    <a:latin typeface="Times" panose="02020603050405020304" pitchFamily="18" charset="0"/>
+                    <a:cs typeface="Times" panose="02020603050405020304" pitchFamily="18" charset="0"/>
+                  </a:rPr>
                   <a:t>datapath</a:t>
                 </a:r>
                 <a:r>
-                  <a:rPr lang="en-US" dirty="0"/>
+                  <a:rPr lang="en-US" sz="2400" dirty="0">
+                    <a:latin typeface="Times" panose="02020603050405020304" pitchFamily="18" charset="0"/>
+                    <a:cs typeface="Times" panose="02020603050405020304" pitchFamily="18" charset="0"/>
+                  </a:rPr>
                   <a:t> (FF input, PO, …)</a:t>
                 </a:r>
               </a:p>
@@ -5743,25 +6754,37 @@
                 <a:pPr marL="457200" lvl="1" indent="0">
                   <a:buNone/>
                 </a:pPr>
-                <a:endParaRPr lang="en-US" sz="800" dirty="0"/>
+                <a:endParaRPr lang="en-US" sz="800" dirty="0">
+                  <a:latin typeface="Times" panose="02020603050405020304" pitchFamily="18" charset="0"/>
+                  <a:cs typeface="Times" panose="02020603050405020304" pitchFamily="18" charset="0"/>
+                </a:endParaRPr>
               </a:p>
               <a:p>
                 <a:r>
-                  <a:rPr lang="en-US" dirty="0"/>
+                  <a:rPr lang="en-US" sz="2400" dirty="0">
+                    <a:latin typeface="Times" panose="02020603050405020304" pitchFamily="18" charset="0"/>
+                    <a:cs typeface="Times" panose="02020603050405020304" pitchFamily="18" charset="0"/>
+                  </a:rPr>
                   <a:t>Graph representation : Compressed Sparse Row (CSR)</a:t>
                 </a:r>
               </a:p>
               <a:p>
                 <a:pPr lvl="1"/>
                 <a:r>
-                  <a:rPr lang="en-US" dirty="0"/>
+                  <a:rPr lang="en-US" sz="2000" dirty="0">
+                    <a:latin typeface="Times" panose="02020603050405020304" pitchFamily="18" charset="0"/>
+                    <a:cs typeface="Times" panose="02020603050405020304" pitchFamily="18" charset="0"/>
+                  </a:rPr>
                   <a:t>Commonly used as a condensed graph format in GPU applications</a:t>
                 </a:r>
               </a:p>
               <a:p>
                 <a:pPr lvl="1"/>
                 <a:r>
-                  <a:rPr lang="en-US" dirty="0"/>
+                  <a:rPr lang="en-US" sz="2000" dirty="0">
+                    <a:latin typeface="Times" panose="02020603050405020304" pitchFamily="18" charset="0"/>
+                    <a:cs typeface="Times" panose="02020603050405020304" pitchFamily="18" charset="0"/>
+                  </a:rPr>
                   <a:t>Can avoid cost of conversion</a:t>
                 </a:r>
               </a:p>
@@ -5769,23 +6792,29 @@
                 <a:pPr marL="457200" lvl="1" indent="0">
                   <a:buNone/>
                 </a:pPr>
-                <a:endParaRPr lang="en-US" sz="800" dirty="0"/>
+                <a:endParaRPr lang="en-US" sz="800" dirty="0">
+                  <a:latin typeface="Times" panose="02020603050405020304" pitchFamily="18" charset="0"/>
+                  <a:cs typeface="Times" panose="02020603050405020304" pitchFamily="18" charset="0"/>
+                </a:endParaRPr>
               </a:p>
               <a:p>
                 <a:r>
-                  <a:rPr lang="en-US" dirty="0"/>
+                  <a:rPr lang="en-US" sz="2400" dirty="0">
+                    <a:latin typeface="Times" panose="02020603050405020304" pitchFamily="18" charset="0"/>
+                    <a:cs typeface="Times" panose="02020603050405020304" pitchFamily="18" charset="0"/>
+                  </a:rPr>
                   <a:t>To save fan-in STA graph </a:t>
                 </a:r>
                 <a14:m>
                   <m:oMath xmlns:m="http://schemas.openxmlformats.org/officeDocument/2006/math">
                     <m:r>
-                      <a:rPr lang="en-US" b="0" i="1" smtClean="0">
+                      <a:rPr lang="en-US" sz="2400" b="0" i="1" smtClean="0">
                         <a:latin typeface="Cambria Math" panose="02040503050406030204" pitchFamily="18" charset="0"/>
                       </a:rPr>
                       <m:t>𝐺</m:t>
                     </m:r>
                     <m:r>
-                      <a:rPr lang="en-US" b="0" i="1" smtClean="0">
+                      <a:rPr lang="en-US" sz="2400" b="0" i="1" smtClean="0">
                         <a:latin typeface="Cambria Math" panose="02040503050406030204" pitchFamily="18" charset="0"/>
                       </a:rPr>
                       <m:t>− </m:t>
@@ -5793,19 +6822,22 @@
                   </m:oMath>
                 </a14:m>
                 <a:r>
-                  <a:rPr lang="en-US" dirty="0"/>
+                  <a:rPr lang="en-US" sz="2400" dirty="0">
+                    <a:latin typeface="Times" panose="02020603050405020304" pitchFamily="18" charset="0"/>
+                    <a:cs typeface="Times" panose="02020603050405020304" pitchFamily="18" charset="0"/>
+                  </a:rPr>
                   <a:t>and fan-out STA graph </a:t>
                 </a:r>
                 <a14:m>
                   <m:oMath xmlns:m="http://schemas.openxmlformats.org/officeDocument/2006/math">
                     <m:r>
-                      <a:rPr lang="en-US" i="1" dirty="0" smtClean="0">
+                      <a:rPr lang="en-US" sz="2400" i="1" dirty="0" smtClean="0">
                         <a:latin typeface="Cambria Math" panose="02040503050406030204" pitchFamily="18" charset="0"/>
                       </a:rPr>
                       <m:t>𝐺</m:t>
                     </m:r>
                     <m:r>
-                      <a:rPr lang="en-US" i="1" dirty="0" smtClean="0">
+                      <a:rPr lang="en-US" sz="2400" i="1" dirty="0" smtClean="0">
                         <a:latin typeface="Cambria Math" panose="02040503050406030204" pitchFamily="18" charset="0"/>
                       </a:rPr>
                       <m:t>+</m:t>
@@ -5813,7 +6845,10 @@
                   </m:oMath>
                 </a14:m>
                 <a:r>
-                  <a:rPr lang="en-US" dirty="0"/>
+                  <a:rPr lang="en-US" sz="2400" dirty="0">
+                    <a:latin typeface="Times" panose="02020603050405020304" pitchFamily="18" charset="0"/>
+                    <a:cs typeface="Times" panose="02020603050405020304" pitchFamily="18" charset="0"/>
+                  </a:rPr>
                   <a:t> which allow us to search in both directions</a:t>
                 </a:r>
               </a:p>
@@ -5841,7 +6876,7 @@
               <a:blipFill>
                 <a:blip r:embed="rId3"/>
                 <a:stretch>
-                  <a:fillRect l="-1043" t="-3081"/>
+                  <a:fillRect l="-812" t="-1961"/>
                 </a:stretch>
               </a:blipFill>
             </p:spPr>
@@ -5943,9 +6978,23 @@
           <a:lstStyle/>
           <a:p>
             <a:r>
-              <a:rPr lang="en-US" dirty="0"/>
-              <a:t>Proposed Partitioning Framework For Multi-GPU Acceleration – Circuit Pin Ranking</a:t>
-            </a:r>
+              <a:rPr lang="en-US" sz="4000" i="1" dirty="0">
+                <a:latin typeface="Times" panose="02020603050405020304" pitchFamily="18" charset="0"/>
+                <a:cs typeface="Times" panose="02020603050405020304" pitchFamily="18" charset="0"/>
+              </a:rPr>
+              <a:t>Algo. 1 – </a:t>
+            </a:r>
+            <a:r>
+              <a:rPr lang="en-US" sz="3600" i="1" dirty="0">
+                <a:latin typeface="Times" panose="02020603050405020304" pitchFamily="18" charset="0"/>
+                <a:cs typeface="Times" panose="02020603050405020304" pitchFamily="18" charset="0"/>
+              </a:rPr>
+              <a:t>Circuit Pin Ranking</a:t>
+            </a:r>
+            <a:endParaRPr lang="en-US" sz="4000" i="1" dirty="0">
+              <a:latin typeface="Times" panose="02020603050405020304" pitchFamily="18" charset="0"/>
+              <a:cs typeface="Times" panose="02020603050405020304" pitchFamily="18" charset="0"/>
+            </a:endParaRPr>
           </a:p>
         </p:txBody>
       </p:sp>
@@ -5969,7 +7018,9 @@
             </p:nvSpPr>
             <p:spPr/>
             <p:txBody>
-              <a:bodyPr/>
+              <a:bodyPr>
+                <a:normAutofit/>
+              </a:bodyPr>
               <a:lstStyle/>
               <a:p>
                 <a:pPr algn="l">
@@ -5977,79 +7028,86 @@
                   <a:buChar char="•"/>
                 </a:pPr>
                 <a:r>
-                  <a:rPr lang="en-US" sz="2600" b="0" i="0" dirty="0">
+                  <a:rPr lang="en-US" sz="2400" b="0" i="0" dirty="0">
                     <a:solidFill>
                       <a:srgbClr val="333333"/>
                     </a:solidFill>
                     <a:effectLst/>
-                    <a:latin typeface="-apple-system"/>
+                    <a:latin typeface="Times" panose="02020603050405020304" pitchFamily="18" charset="0"/>
+                    <a:cs typeface="Times" panose="02020603050405020304" pitchFamily="18" charset="0"/>
                   </a:rPr>
                   <a:t>To estimate the size of shared logic, we use the </a:t>
                 </a:r>
                 <a:r>
-                  <a:rPr lang="en-US" sz="2600" b="1" i="0" dirty="0">
+                  <a:rPr lang="en-US" sz="2400" b="1" i="0" dirty="0">
                     <a:solidFill>
                       <a:srgbClr val="333333"/>
                     </a:solidFill>
                     <a:effectLst/>
-                    <a:latin typeface="-apple-system"/>
+                    <a:latin typeface="Times" panose="02020603050405020304" pitchFamily="18" charset="0"/>
+                    <a:cs typeface="Times" panose="02020603050405020304" pitchFamily="18" charset="0"/>
                   </a:rPr>
                   <a:t>minimum distance</a:t>
                 </a:r>
                 <a:r>
-                  <a:rPr lang="en-US" sz="2600" b="0" i="0" dirty="0">
+                  <a:rPr lang="en-US" sz="2400" b="0" i="0" dirty="0">
                     <a:solidFill>
                       <a:srgbClr val="333333"/>
                     </a:solidFill>
                     <a:effectLst/>
-                    <a:latin typeface="-apple-system"/>
+                    <a:latin typeface="Times" panose="02020603050405020304" pitchFamily="18" charset="0"/>
+                    <a:cs typeface="Times" panose="02020603050405020304" pitchFamily="18" charset="0"/>
                   </a:rPr>
                   <a:t> of </a:t>
                 </a:r>
                 <a:r>
-                  <a:rPr lang="en-US" sz="2600" b="1" i="0" dirty="0">
+                  <a:rPr lang="en-US" sz="2400" b="1" i="0" dirty="0">
                     <a:solidFill>
                       <a:srgbClr val="333333"/>
                     </a:solidFill>
                     <a:effectLst/>
-                    <a:latin typeface="-apple-system"/>
+                    <a:latin typeface="Times" panose="02020603050405020304" pitchFamily="18" charset="0"/>
+                    <a:cs typeface="Times" panose="02020603050405020304" pitchFamily="18" charset="0"/>
                   </a:rPr>
                   <a:t>each vertex</a:t>
                 </a:r>
                 <a:r>
-                  <a:rPr lang="en-US" sz="2600" b="0" i="0" dirty="0">
+                  <a:rPr lang="en-US" sz="2400" b="0" i="0" dirty="0">
                     <a:solidFill>
                       <a:srgbClr val="333333"/>
                     </a:solidFill>
                     <a:effectLst/>
-                    <a:latin typeface="-apple-system"/>
+                    <a:latin typeface="Times" panose="02020603050405020304" pitchFamily="18" charset="0"/>
+                    <a:cs typeface="Times" panose="02020603050405020304" pitchFamily="18" charset="0"/>
                   </a:rPr>
                   <a:t> to the </a:t>
                 </a:r>
                 <a:r>
-                  <a:rPr lang="en-US" sz="2600" b="1" i="0" dirty="0">
+                  <a:rPr lang="en-US" sz="2400" b="1" i="0" dirty="0">
                     <a:solidFill>
                       <a:srgbClr val="333333"/>
                     </a:solidFill>
                     <a:effectLst/>
-                    <a:latin typeface="-apple-system"/>
+                    <a:latin typeface="Times" panose="02020603050405020304" pitchFamily="18" charset="0"/>
+                    <a:cs typeface="Times" panose="02020603050405020304" pitchFamily="18" charset="0"/>
                   </a:rPr>
                   <a:t>source pins</a:t>
                 </a:r>
                 <a:r>
-                  <a:rPr lang="en-US" sz="2600" b="0" i="0" dirty="0">
+                  <a:rPr lang="en-US" sz="2400" b="0" i="0" dirty="0">
                     <a:solidFill>
                       <a:srgbClr val="333333"/>
                     </a:solidFill>
                     <a:effectLst/>
-                    <a:latin typeface="-apple-system"/>
+                    <a:latin typeface="Times" panose="02020603050405020304" pitchFamily="18" charset="0"/>
+                    <a:cs typeface="Times" panose="02020603050405020304" pitchFamily="18" charset="0"/>
                   </a:rPr>
                   <a:t>, denoted as </a:t>
                 </a:r>
                 <a14:m>
                   <m:oMath xmlns:m="http://schemas.openxmlformats.org/officeDocument/2006/math">
                     <m:r>
-                      <a:rPr lang="en-US" sz="2600" b="0" i="1" dirty="0" smtClean="0">
+                      <a:rPr lang="en-US" sz="2400" b="0" i="1" dirty="0" smtClean="0">
                         <a:solidFill>
                           <a:srgbClr val="333333"/>
                         </a:solidFill>
@@ -6061,18 +7119,22 @@
                   </m:oMath>
                 </a14:m>
                 <a:r>
-                  <a:rPr lang="en-US" sz="2600" b="0" i="0" dirty="0">
+                  <a:rPr lang="en-US" sz="2400" b="0" i="0" dirty="0">
                     <a:solidFill>
                       <a:srgbClr val="333333"/>
                     </a:solidFill>
                     <a:effectLst/>
-                    <a:latin typeface="-apple-system"/>
+                    <a:latin typeface="Times" panose="02020603050405020304" pitchFamily="18" charset="0"/>
+                    <a:cs typeface="Times" panose="02020603050405020304" pitchFamily="18" charset="0"/>
                   </a:rPr>
                   <a:t>.</a:t>
                 </a:r>
               </a:p>
               <a:p>
-                <a:endParaRPr lang="en-US" dirty="0"/>
+                <a:endParaRPr lang="en-US" sz="2400" dirty="0">
+                  <a:latin typeface="Times" panose="02020603050405020304" pitchFamily="18" charset="0"/>
+                  <a:cs typeface="Times" panose="02020603050405020304" pitchFamily="18" charset="0"/>
+                </a:endParaRPr>
               </a:p>
             </p:txBody>
           </p:sp>
@@ -6098,7 +7160,7 @@
               <a:blipFill>
                 <a:blip r:embed="rId2"/>
                 <a:stretch>
-                  <a:fillRect l="-928" t="-2101" r="-406"/>
+                  <a:fillRect l="-812" t="-1961"/>
                 </a:stretch>
               </a:blipFill>
             </p:spPr>
@@ -6205,12 +7267,1523 @@
           </a:p>
         </p:txBody>
       </p:sp>
+      <mc:AlternateContent xmlns:mc="http://schemas.openxmlformats.org/markup-compatibility/2006">
+        <mc:Choice xmlns:p14="http://schemas.microsoft.com/office/powerpoint/2010/main" Requires="p14">
+          <p:contentPart p14:bwMode="auto" r:id="rId2">
+            <p14:nvContentPartPr>
+              <p14:cNvPr id="2" name="Ink 1">
+                <a:extLst>
+                  <a:ext uri="{FF2B5EF4-FFF2-40B4-BE49-F238E27FC236}">
+                    <a16:creationId xmlns:a16="http://schemas.microsoft.com/office/drawing/2014/main" id="{1D0D5B3B-E544-7433-A806-0C891DCDA39D}"/>
+                  </a:ext>
+                </a:extLst>
+              </p14:cNvPr>
+              <p14:cNvContentPartPr/>
+              <p14:nvPr/>
+            </p14:nvContentPartPr>
+            <p14:xfrm>
+              <a:off x="4352866" y="720411"/>
+              <a:ext cx="1820520" cy="27000"/>
+            </p14:xfrm>
+          </p:contentPart>
+        </mc:Choice>
+        <mc:Fallback>
+          <p:pic>
+            <p:nvPicPr>
+              <p:cNvPr id="2" name="Ink 1">
+                <a:extLst>
+                  <a:ext uri="{FF2B5EF4-FFF2-40B4-BE49-F238E27FC236}">
+                    <a16:creationId xmlns:a16="http://schemas.microsoft.com/office/drawing/2014/main" id="{1D0D5B3B-E544-7433-A806-0C891DCDA39D}"/>
+                  </a:ext>
+                </a:extLst>
+              </p:cNvPr>
+              <p:cNvPicPr/>
+              <p:nvPr/>
+            </p:nvPicPr>
+            <p:blipFill>
+              <a:blip r:embed="rId3"/>
+              <a:stretch>
+                <a:fillRect/>
+              </a:stretch>
+            </p:blipFill>
+            <p:spPr>
+              <a:xfrm>
+                <a:off x="4299226" y="612411"/>
+                <a:ext cx="1928160" cy="242640"/>
+              </a:xfrm>
+              <a:prstGeom prst="rect">
+                <a:avLst/>
+              </a:prstGeom>
+            </p:spPr>
+          </p:pic>
+        </mc:Fallback>
+      </mc:AlternateContent>
+      <p:grpSp>
+        <p:nvGrpSpPr>
+          <p:cNvPr id="9" name="Group 8">
+            <a:extLst>
+              <a:ext uri="{FF2B5EF4-FFF2-40B4-BE49-F238E27FC236}">
+                <a16:creationId xmlns:a16="http://schemas.microsoft.com/office/drawing/2014/main" id="{5CAECD98-1778-CA13-A764-AC2D8FEAB695}"/>
+              </a:ext>
+            </a:extLst>
+          </p:cNvPr>
+          <p:cNvGrpSpPr/>
+          <p:nvPr/>
+        </p:nvGrpSpPr>
+        <p:grpSpPr>
+          <a:xfrm>
+            <a:off x="3335628" y="213864"/>
+            <a:ext cx="5840471" cy="6430272"/>
+            <a:chOff x="3335628" y="213864"/>
+            <a:chExt cx="5840471" cy="6430272"/>
+          </a:xfrm>
+        </p:grpSpPr>
+        <p:grpSp>
+          <p:nvGrpSpPr>
+            <p:cNvPr id="8" name="Group 7">
+              <a:extLst>
+                <a:ext uri="{FF2B5EF4-FFF2-40B4-BE49-F238E27FC236}">
+                  <a16:creationId xmlns:a16="http://schemas.microsoft.com/office/drawing/2014/main" id="{41339331-E7D5-B69E-43DA-8FA5A6A328D0}"/>
+                </a:ext>
+              </a:extLst>
+            </p:cNvPr>
+            <p:cNvGrpSpPr/>
+            <p:nvPr/>
+          </p:nvGrpSpPr>
+          <p:grpSpPr>
+            <a:xfrm>
+              <a:off x="3335628" y="213864"/>
+              <a:ext cx="5461086" cy="6430272"/>
+              <a:chOff x="3335628" y="213864"/>
+              <a:chExt cx="5461086" cy="6430272"/>
+            </a:xfrm>
+          </p:grpSpPr>
+          <p:pic>
+            <p:nvPicPr>
+              <p:cNvPr id="6" name="Picture 5">
+                <a:extLst>
+                  <a:ext uri="{FF2B5EF4-FFF2-40B4-BE49-F238E27FC236}">
+                    <a16:creationId xmlns:a16="http://schemas.microsoft.com/office/drawing/2014/main" id="{F70F4F55-3C70-181B-EF99-F0DB7F54F022}"/>
+                  </a:ext>
+                </a:extLst>
+              </p:cNvPr>
+              <p:cNvPicPr>
+                <a:picLocks noChangeAspect="1"/>
+              </p:cNvPicPr>
+              <p:nvPr/>
+            </p:nvPicPr>
+            <p:blipFill>
+              <a:blip r:embed="rId4"/>
+              <a:stretch>
+                <a:fillRect/>
+              </a:stretch>
+            </p:blipFill>
+            <p:spPr>
+              <a:xfrm>
+                <a:off x="3395285" y="213864"/>
+                <a:ext cx="5401429" cy="6430272"/>
+              </a:xfrm>
+              <a:prstGeom prst="rect">
+                <a:avLst/>
+              </a:prstGeom>
+            </p:spPr>
+          </p:pic>
+          <p:sp>
+            <p:nvSpPr>
+              <p:cNvPr id="3" name="Rectangle 2">
+                <a:extLst>
+                  <a:ext uri="{FF2B5EF4-FFF2-40B4-BE49-F238E27FC236}">
+                    <a16:creationId xmlns:a16="http://schemas.microsoft.com/office/drawing/2014/main" id="{0AE76CC9-E3AC-F7A4-EEBD-B528D1C151CD}"/>
+                  </a:ext>
+                </a:extLst>
+              </p:cNvPr>
+              <p:cNvSpPr/>
+              <p:nvPr/>
+            </p:nvSpPr>
+            <p:spPr>
+              <a:xfrm>
+                <a:off x="3335628" y="2086378"/>
+                <a:ext cx="2904186" cy="1041946"/>
+              </a:xfrm>
+              <a:prstGeom prst="rect">
+                <a:avLst/>
+              </a:prstGeom>
+              <a:noFill/>
+              <a:ln w="28575">
+                <a:solidFill>
+                  <a:srgbClr val="FF0000"/>
+                </a:solidFill>
+              </a:ln>
+            </p:spPr>
+            <p:style>
+              <a:lnRef idx="2">
+                <a:schemeClr val="accent1">
+                  <a:shade val="15000"/>
+                </a:schemeClr>
+              </a:lnRef>
+              <a:fillRef idx="1">
+                <a:schemeClr val="accent1"/>
+              </a:fillRef>
+              <a:effectRef idx="0">
+                <a:schemeClr val="accent1"/>
+              </a:effectRef>
+              <a:fontRef idx="minor">
+                <a:schemeClr val="lt1"/>
+              </a:fontRef>
+            </p:style>
+            <p:txBody>
+              <a:bodyPr rtlCol="0" anchor="ctr"/>
+              <a:lstStyle/>
+              <a:p>
+                <a:pPr algn="ctr"/>
+                <a:endParaRPr lang="en-US"/>
+              </a:p>
+            </p:txBody>
+          </p:sp>
+          <p:sp>
+            <p:nvSpPr>
+              <p:cNvPr id="5" name="Rectangle 4">
+                <a:extLst>
+                  <a:ext uri="{FF2B5EF4-FFF2-40B4-BE49-F238E27FC236}">
+                    <a16:creationId xmlns:a16="http://schemas.microsoft.com/office/drawing/2014/main" id="{82264B16-5DF0-4D7D-F2B5-D6B1777A4C70}"/>
+                  </a:ext>
+                </a:extLst>
+              </p:cNvPr>
+              <p:cNvSpPr/>
+              <p:nvPr/>
+            </p:nvSpPr>
+            <p:spPr>
+              <a:xfrm>
+                <a:off x="3335628" y="3170009"/>
+                <a:ext cx="4462530" cy="3140638"/>
+              </a:xfrm>
+              <a:prstGeom prst="rect">
+                <a:avLst/>
+              </a:prstGeom>
+              <a:noFill/>
+              <a:ln w="28575">
+                <a:solidFill>
+                  <a:schemeClr val="accent6"/>
+                </a:solidFill>
+              </a:ln>
+            </p:spPr>
+            <p:style>
+              <a:lnRef idx="2">
+                <a:schemeClr val="accent1">
+                  <a:shade val="15000"/>
+                </a:schemeClr>
+              </a:lnRef>
+              <a:fillRef idx="1">
+                <a:schemeClr val="accent1"/>
+              </a:fillRef>
+              <a:effectRef idx="0">
+                <a:schemeClr val="accent1"/>
+              </a:effectRef>
+              <a:fontRef idx="minor">
+                <a:schemeClr val="lt1"/>
+              </a:fontRef>
+            </p:style>
+            <p:txBody>
+              <a:bodyPr rtlCol="0" anchor="ctr"/>
+              <a:lstStyle/>
+              <a:p>
+                <a:pPr algn="ctr"/>
+                <a:endParaRPr lang="en-US"/>
+              </a:p>
+            </p:txBody>
+          </p:sp>
+        </p:grpSp>
+        <p:sp>
+          <p:nvSpPr>
+            <p:cNvPr id="7" name="TextBox 6">
+              <a:extLst>
+                <a:ext uri="{FF2B5EF4-FFF2-40B4-BE49-F238E27FC236}">
+                  <a16:creationId xmlns:a16="http://schemas.microsoft.com/office/drawing/2014/main" id="{008279A7-5DF9-3589-CE47-9EEE7F4E2D6F}"/>
+                </a:ext>
+              </a:extLst>
+            </p:cNvPr>
+            <p:cNvSpPr txBox="1"/>
+            <p:nvPr/>
+          </p:nvSpPr>
+          <p:spPr>
+            <a:xfrm>
+              <a:off x="6420216" y="2272004"/>
+              <a:ext cx="2755883" cy="584775"/>
+            </a:xfrm>
+            <a:prstGeom prst="rect">
+              <a:avLst/>
+            </a:prstGeom>
+            <a:noFill/>
+          </p:spPr>
+          <p:txBody>
+            <a:bodyPr wrap="none" rtlCol="0">
+              <a:spAutoFit/>
+            </a:bodyPr>
+            <a:lstStyle/>
+            <a:p>
+              <a:pPr marL="342900" indent="-342900">
+                <a:buAutoNum type="arabicPeriod"/>
+              </a:pPr>
+              <a:r>
+                <a:rPr lang="en-US" sz="1600" dirty="0">
+                  <a:solidFill>
+                    <a:srgbClr val="FF0000"/>
+                  </a:solidFill>
+                  <a:latin typeface="Times" panose="02020603050405020304" pitchFamily="18" charset="0"/>
+                  <a:cs typeface="Times" panose="02020603050405020304" pitchFamily="18" charset="0"/>
+                </a:rPr>
+                <a:t>Initialize queue and visited</a:t>
+              </a:r>
+            </a:p>
+            <a:p>
+              <a:pPr marL="342900" indent="-342900">
+                <a:buAutoNum type="arabicPeriod"/>
+              </a:pPr>
+              <a:r>
+                <a:rPr lang="en-US" sz="1600" dirty="0">
+                  <a:solidFill>
+                    <a:srgbClr val="FF0000"/>
+                  </a:solidFill>
+                  <a:latin typeface="Times" panose="02020603050405020304" pitchFamily="18" charset="0"/>
+                  <a:cs typeface="Times" panose="02020603050405020304" pitchFamily="18" charset="0"/>
+                </a:rPr>
+                <a:t>Set the rank of source to 0</a:t>
+              </a:r>
+            </a:p>
+          </p:txBody>
+        </p:sp>
+      </p:grpSp>
+      <p:sp>
+        <p:nvSpPr>
+          <p:cNvPr id="10" name="TextBox 9">
+            <a:extLst>
+              <a:ext uri="{FF2B5EF4-FFF2-40B4-BE49-F238E27FC236}">
+                <a16:creationId xmlns:a16="http://schemas.microsoft.com/office/drawing/2014/main" id="{930C05AD-4762-6579-6C5A-969FA26DEC5C}"/>
+              </a:ext>
+            </a:extLst>
+          </p:cNvPr>
+          <p:cNvSpPr txBox="1"/>
+          <p:nvPr/>
+        </p:nvSpPr>
+        <p:spPr>
+          <a:xfrm>
+            <a:off x="7933386" y="4565791"/>
+            <a:ext cx="3816558" cy="369332"/>
+          </a:xfrm>
+          <a:prstGeom prst="rect">
+            <a:avLst/>
+          </a:prstGeom>
+          <a:noFill/>
+        </p:spPr>
+        <p:txBody>
+          <a:bodyPr wrap="none" rtlCol="0">
+            <a:spAutoFit/>
+          </a:bodyPr>
+          <a:lstStyle/>
+          <a:p>
+            <a:r>
+              <a:rPr lang="en-US" b="0" i="0" dirty="0">
+                <a:solidFill>
+                  <a:schemeClr val="accent6">
+                    <a:lumMod val="75000"/>
+                  </a:schemeClr>
+                </a:solidFill>
+                <a:effectLst/>
+                <a:latin typeface="-apple-system"/>
+              </a:rPr>
+              <a:t>Explore all the neighbor vertices in BFS</a:t>
+            </a:r>
+          </a:p>
+        </p:txBody>
+      </p:sp>
+    </p:spTree>
+    <p:extLst>
+      <p:ext uri="{BB962C8B-B14F-4D97-AF65-F5344CB8AC3E}">
+        <p14:creationId xmlns:p14="http://schemas.microsoft.com/office/powerpoint/2010/main" val="998898505"/>
+      </p:ext>
+    </p:extLst>
+  </p:cSld>
+  <p:clrMapOvr>
+    <a:masterClrMapping/>
+  </p:clrMapOvr>
+</p:sld>
+</file>
+
+<file path=ppt/slides/slide14.xml><?xml version="1.0" encoding="utf-8"?>
+<p:sld xmlns:a="http://schemas.openxmlformats.org/drawingml/2006/main" xmlns:r="http://schemas.openxmlformats.org/officeDocument/2006/relationships" xmlns:p="http://schemas.openxmlformats.org/presentationml/2006/main">
+  <p:cSld>
+    <p:spTree>
+      <p:nvGrpSpPr>
+        <p:cNvPr id="1" name=""/>
+        <p:cNvGrpSpPr/>
+        <p:nvPr/>
+      </p:nvGrpSpPr>
+      <p:grpSpPr>
+        <a:xfrm>
+          <a:off x="0" y="0"/>
+          <a:ext cx="0" cy="0"/>
+          <a:chOff x="0" y="0"/>
+          <a:chExt cx="0" cy="0"/>
+        </a:xfrm>
+      </p:grpSpPr>
+      <p:sp>
+        <p:nvSpPr>
+          <p:cNvPr id="2" name="Title 1">
+            <a:extLst>
+              <a:ext uri="{FF2B5EF4-FFF2-40B4-BE49-F238E27FC236}">
+                <a16:creationId xmlns:a16="http://schemas.microsoft.com/office/drawing/2014/main" id="{3254D41C-203E-0674-624E-12684BB571C2}"/>
+              </a:ext>
+            </a:extLst>
+          </p:cNvPr>
+          <p:cNvSpPr>
+            <a:spLocks noGrp="1"/>
+          </p:cNvSpPr>
+          <p:nvPr>
+            <p:ph type="title"/>
+          </p:nvPr>
+        </p:nvSpPr>
+        <p:spPr/>
+        <p:txBody>
+          <a:bodyPr/>
+          <a:lstStyle/>
+          <a:p>
+            <a:r>
+              <a:rPr lang="en-US" dirty="0">
+                <a:latin typeface="Times" panose="02020603050405020304" pitchFamily="18" charset="0"/>
+                <a:cs typeface="Times" panose="02020603050405020304" pitchFamily="18" charset="0"/>
+              </a:rPr>
+              <a:t>Example : </a:t>
+            </a:r>
+            <a:r>
+              <a:rPr lang="en-US" sz="4400" dirty="0">
+                <a:latin typeface="Times" panose="02020603050405020304" pitchFamily="18" charset="0"/>
+                <a:cs typeface="Times" panose="02020603050405020304" pitchFamily="18" charset="0"/>
+              </a:rPr>
+              <a:t>Circuit Pin Ranking</a:t>
+            </a:r>
+            <a:r>
+              <a:rPr lang="en-US" dirty="0">
+                <a:latin typeface="Times" panose="02020603050405020304" pitchFamily="18" charset="0"/>
+                <a:cs typeface="Times" panose="02020603050405020304" pitchFamily="18" charset="0"/>
+              </a:rPr>
+              <a:t> </a:t>
+            </a:r>
+          </a:p>
+        </p:txBody>
+      </p:sp>
+      <p:sp>
+        <p:nvSpPr>
+          <p:cNvPr id="4" name="Slide Number Placeholder 3">
+            <a:extLst>
+              <a:ext uri="{FF2B5EF4-FFF2-40B4-BE49-F238E27FC236}">
+                <a16:creationId xmlns:a16="http://schemas.microsoft.com/office/drawing/2014/main" id="{C9F01456-9E4A-49D7-D938-F7AF257EBF6C}"/>
+              </a:ext>
+            </a:extLst>
+          </p:cNvPr>
+          <p:cNvSpPr>
+            <a:spLocks noGrp="1"/>
+          </p:cNvSpPr>
+          <p:nvPr>
+            <p:ph type="sldNum" sz="quarter" idx="12"/>
+          </p:nvPr>
+        </p:nvSpPr>
+        <p:spPr/>
+        <p:txBody>
+          <a:bodyPr/>
+          <a:lstStyle/>
+          <a:p>
+            <a:fld id="{666274A1-CF9C-426A-8DD4-B13ED0C24231}" type="slidenum">
+              <a:rPr lang="en-US" smtClean="0"/>
+              <a:t>13</a:t>
+            </a:fld>
+            <a:endParaRPr lang="en-US"/>
+          </a:p>
+        </p:txBody>
+      </p:sp>
+      <p:grpSp>
+        <p:nvGrpSpPr>
+          <p:cNvPr id="28" name="Group 27">
+            <a:extLst>
+              <a:ext uri="{FF2B5EF4-FFF2-40B4-BE49-F238E27FC236}">
+                <a16:creationId xmlns:a16="http://schemas.microsoft.com/office/drawing/2014/main" id="{B670A47F-24AA-9CB7-45BC-709FAAA23C4C}"/>
+              </a:ext>
+            </a:extLst>
+          </p:cNvPr>
+          <p:cNvGrpSpPr/>
+          <p:nvPr/>
+        </p:nvGrpSpPr>
+        <p:grpSpPr>
+          <a:xfrm>
+            <a:off x="1346916" y="3096329"/>
+            <a:ext cx="3717700" cy="2235413"/>
+            <a:chOff x="734096" y="2245306"/>
+            <a:chExt cx="3717700" cy="2235413"/>
+          </a:xfrm>
+        </p:grpSpPr>
+        <p:grpSp>
+          <p:nvGrpSpPr>
+            <p:cNvPr id="14" name="Group 13">
+              <a:extLst>
+                <a:ext uri="{FF2B5EF4-FFF2-40B4-BE49-F238E27FC236}">
+                  <a16:creationId xmlns:a16="http://schemas.microsoft.com/office/drawing/2014/main" id="{F0AB77F1-A1F1-84E3-08EB-D27DE349303E}"/>
+                </a:ext>
+              </a:extLst>
+            </p:cNvPr>
+            <p:cNvGrpSpPr/>
+            <p:nvPr/>
+          </p:nvGrpSpPr>
+          <p:grpSpPr>
+            <a:xfrm>
+              <a:off x="734096" y="2251656"/>
+              <a:ext cx="3717700" cy="2229063"/>
+              <a:chOff x="734096" y="2251656"/>
+              <a:chExt cx="3717700" cy="2229063"/>
+            </a:xfrm>
+          </p:grpSpPr>
+          <p:sp>
+            <p:nvSpPr>
+              <p:cNvPr id="5" name="Oval 4">
+                <a:extLst>
+                  <a:ext uri="{FF2B5EF4-FFF2-40B4-BE49-F238E27FC236}">
+                    <a16:creationId xmlns:a16="http://schemas.microsoft.com/office/drawing/2014/main" id="{04ED9698-001A-B90C-A854-797413A9083A}"/>
+                  </a:ext>
+                </a:extLst>
+              </p:cNvPr>
+              <p:cNvSpPr/>
+              <p:nvPr/>
+            </p:nvSpPr>
+            <p:spPr>
+              <a:xfrm>
+                <a:off x="734096" y="2251656"/>
+                <a:ext cx="914400" cy="914400"/>
+              </a:xfrm>
+              <a:prstGeom prst="ellipse">
+                <a:avLst/>
+              </a:prstGeom>
+              <a:solidFill>
+                <a:srgbClr val="00B050"/>
+              </a:solidFill>
+              <a:ln>
+                <a:solidFill>
+                  <a:schemeClr val="accent6">
+                    <a:lumMod val="40000"/>
+                    <a:lumOff val="60000"/>
+                  </a:schemeClr>
+                </a:solidFill>
+              </a:ln>
+            </p:spPr>
+            <p:style>
+              <a:lnRef idx="2">
+                <a:schemeClr val="accent4">
+                  <a:shade val="15000"/>
+                </a:schemeClr>
+              </a:lnRef>
+              <a:fillRef idx="1">
+                <a:schemeClr val="accent4"/>
+              </a:fillRef>
+              <a:effectRef idx="0">
+                <a:schemeClr val="accent4"/>
+              </a:effectRef>
+              <a:fontRef idx="minor">
+                <a:schemeClr val="lt1"/>
+              </a:fontRef>
+            </p:style>
+            <p:txBody>
+              <a:bodyPr rtlCol="0" anchor="ctr"/>
+              <a:lstStyle/>
+              <a:p>
+                <a:pPr algn="ctr"/>
+                <a:r>
+                  <a:rPr lang="en-US" sz="3200" dirty="0"/>
+                  <a:t>0</a:t>
+                </a:r>
+              </a:p>
+            </p:txBody>
+          </p:sp>
+          <p:sp>
+            <p:nvSpPr>
+              <p:cNvPr id="11" name="Oval 10">
+                <a:extLst>
+                  <a:ext uri="{FF2B5EF4-FFF2-40B4-BE49-F238E27FC236}">
+                    <a16:creationId xmlns:a16="http://schemas.microsoft.com/office/drawing/2014/main" id="{0D40E5F6-123A-A859-40DC-BEF7BE84FE06}"/>
+                  </a:ext>
+                </a:extLst>
+              </p:cNvPr>
+              <p:cNvSpPr/>
+              <p:nvPr/>
+            </p:nvSpPr>
+            <p:spPr>
+              <a:xfrm>
+                <a:off x="2135746" y="2251656"/>
+                <a:ext cx="914400" cy="914400"/>
+              </a:xfrm>
+              <a:prstGeom prst="ellipse">
+                <a:avLst/>
+              </a:prstGeom>
+              <a:solidFill>
+                <a:srgbClr val="00B050"/>
+              </a:solidFill>
+              <a:ln>
+                <a:solidFill>
+                  <a:schemeClr val="accent6">
+                    <a:lumMod val="40000"/>
+                    <a:lumOff val="60000"/>
+                  </a:schemeClr>
+                </a:solidFill>
+              </a:ln>
+            </p:spPr>
+            <p:style>
+              <a:lnRef idx="2">
+                <a:schemeClr val="accent4">
+                  <a:shade val="15000"/>
+                </a:schemeClr>
+              </a:lnRef>
+              <a:fillRef idx="1">
+                <a:schemeClr val="accent4"/>
+              </a:fillRef>
+              <a:effectRef idx="0">
+                <a:schemeClr val="accent4"/>
+              </a:effectRef>
+              <a:fontRef idx="minor">
+                <a:schemeClr val="lt1"/>
+              </a:fontRef>
+            </p:style>
+            <p:txBody>
+              <a:bodyPr rtlCol="0" anchor="ctr"/>
+              <a:lstStyle/>
+              <a:p>
+                <a:pPr algn="ctr"/>
+                <a:r>
+                  <a:rPr lang="en-US" sz="3200" dirty="0"/>
+                  <a:t>1</a:t>
+                </a:r>
+              </a:p>
+            </p:txBody>
+          </p:sp>
+          <p:sp>
+            <p:nvSpPr>
+              <p:cNvPr id="12" name="Oval 11">
+                <a:extLst>
+                  <a:ext uri="{FF2B5EF4-FFF2-40B4-BE49-F238E27FC236}">
+                    <a16:creationId xmlns:a16="http://schemas.microsoft.com/office/drawing/2014/main" id="{EE8DCD8A-1304-682D-4B95-D6FAB656B3FB}"/>
+                  </a:ext>
+                </a:extLst>
+              </p:cNvPr>
+              <p:cNvSpPr/>
+              <p:nvPr/>
+            </p:nvSpPr>
+            <p:spPr>
+              <a:xfrm>
+                <a:off x="3537396" y="2251656"/>
+                <a:ext cx="914400" cy="914400"/>
+              </a:xfrm>
+              <a:prstGeom prst="ellipse">
+                <a:avLst/>
+              </a:prstGeom>
+              <a:solidFill>
+                <a:srgbClr val="00B050"/>
+              </a:solidFill>
+              <a:ln>
+                <a:solidFill>
+                  <a:schemeClr val="accent6">
+                    <a:lumMod val="40000"/>
+                    <a:lumOff val="60000"/>
+                  </a:schemeClr>
+                </a:solidFill>
+              </a:ln>
+            </p:spPr>
+            <p:style>
+              <a:lnRef idx="2">
+                <a:schemeClr val="accent4">
+                  <a:shade val="15000"/>
+                </a:schemeClr>
+              </a:lnRef>
+              <a:fillRef idx="1">
+                <a:schemeClr val="accent4"/>
+              </a:fillRef>
+              <a:effectRef idx="0">
+                <a:schemeClr val="accent4"/>
+              </a:effectRef>
+              <a:fontRef idx="minor">
+                <a:schemeClr val="lt1"/>
+              </a:fontRef>
+            </p:style>
+            <p:txBody>
+              <a:bodyPr rtlCol="0" anchor="ctr"/>
+              <a:lstStyle/>
+              <a:p>
+                <a:pPr algn="ctr"/>
+                <a:r>
+                  <a:rPr lang="en-US" sz="3200" dirty="0"/>
+                  <a:t>2</a:t>
+                </a:r>
+              </a:p>
+            </p:txBody>
+          </p:sp>
+          <p:sp>
+            <p:nvSpPr>
+              <p:cNvPr id="13" name="Oval 12">
+                <a:extLst>
+                  <a:ext uri="{FF2B5EF4-FFF2-40B4-BE49-F238E27FC236}">
+                    <a16:creationId xmlns:a16="http://schemas.microsoft.com/office/drawing/2014/main" id="{8B625B7A-B856-DA88-936D-F315C197DB4E}"/>
+                  </a:ext>
+                </a:extLst>
+              </p:cNvPr>
+              <p:cNvSpPr/>
+              <p:nvPr/>
+            </p:nvSpPr>
+            <p:spPr>
+              <a:xfrm>
+                <a:off x="2135746" y="3566319"/>
+                <a:ext cx="914400" cy="914400"/>
+              </a:xfrm>
+              <a:prstGeom prst="ellipse">
+                <a:avLst/>
+              </a:prstGeom>
+              <a:solidFill>
+                <a:srgbClr val="00B050"/>
+              </a:solidFill>
+              <a:ln>
+                <a:solidFill>
+                  <a:schemeClr val="accent6">
+                    <a:lumMod val="40000"/>
+                    <a:lumOff val="60000"/>
+                  </a:schemeClr>
+                </a:solidFill>
+              </a:ln>
+            </p:spPr>
+            <p:style>
+              <a:lnRef idx="2">
+                <a:schemeClr val="accent4">
+                  <a:shade val="15000"/>
+                </a:schemeClr>
+              </a:lnRef>
+              <a:fillRef idx="1">
+                <a:schemeClr val="accent4"/>
+              </a:fillRef>
+              <a:effectRef idx="0">
+                <a:schemeClr val="accent4"/>
+              </a:effectRef>
+              <a:fontRef idx="minor">
+                <a:schemeClr val="lt1"/>
+              </a:fontRef>
+            </p:style>
+            <p:txBody>
+              <a:bodyPr rtlCol="0" anchor="ctr"/>
+              <a:lstStyle/>
+              <a:p>
+                <a:pPr algn="ctr"/>
+                <a:r>
+                  <a:rPr lang="en-US" sz="3200" dirty="0"/>
+                  <a:t>3</a:t>
+                </a:r>
+              </a:p>
+            </p:txBody>
+          </p:sp>
+        </p:grpSp>
+        <p:cxnSp>
+          <p:nvCxnSpPr>
+            <p:cNvPr id="16" name="Straight Arrow Connector 15">
+              <a:extLst>
+                <a:ext uri="{FF2B5EF4-FFF2-40B4-BE49-F238E27FC236}">
+                  <a16:creationId xmlns:a16="http://schemas.microsoft.com/office/drawing/2014/main" id="{C8D1AABE-0140-FC10-8513-998C60446708}"/>
+                </a:ext>
+              </a:extLst>
+            </p:cNvPr>
+            <p:cNvCxnSpPr>
+              <a:stCxn id="5" idx="6"/>
+              <a:endCxn id="11" idx="2"/>
+            </p:cNvCxnSpPr>
+            <p:nvPr/>
+          </p:nvCxnSpPr>
+          <p:spPr>
+            <a:xfrm>
+              <a:off x="1648496" y="2708856"/>
+              <a:ext cx="487250" cy="0"/>
+            </a:xfrm>
+            <a:prstGeom prst="straightConnector1">
+              <a:avLst/>
+            </a:prstGeom>
+            <a:ln w="19050">
+              <a:solidFill>
+                <a:srgbClr val="00B050"/>
+              </a:solidFill>
+              <a:tailEnd type="triangle"/>
+            </a:ln>
+          </p:spPr>
+          <p:style>
+            <a:lnRef idx="1">
+              <a:schemeClr val="accent6"/>
+            </a:lnRef>
+            <a:fillRef idx="0">
+              <a:schemeClr val="accent6"/>
+            </a:fillRef>
+            <a:effectRef idx="0">
+              <a:schemeClr val="accent6"/>
+            </a:effectRef>
+            <a:fontRef idx="minor">
+              <a:schemeClr val="tx1"/>
+            </a:fontRef>
+          </p:style>
+        </p:cxnSp>
+        <p:cxnSp>
+          <p:nvCxnSpPr>
+            <p:cNvPr id="20" name="Straight Arrow Connector 19">
+              <a:extLst>
+                <a:ext uri="{FF2B5EF4-FFF2-40B4-BE49-F238E27FC236}">
+                  <a16:creationId xmlns:a16="http://schemas.microsoft.com/office/drawing/2014/main" id="{8D77560C-5035-85F1-179E-322BF5855904}"/>
+                </a:ext>
+              </a:extLst>
+            </p:cNvPr>
+            <p:cNvCxnSpPr>
+              <a:stCxn id="12" idx="2"/>
+              <a:endCxn id="11" idx="6"/>
+            </p:cNvCxnSpPr>
+            <p:nvPr/>
+          </p:nvCxnSpPr>
+          <p:spPr>
+            <a:xfrm flipH="1">
+              <a:off x="3050146" y="2708856"/>
+              <a:ext cx="487250" cy="0"/>
+            </a:xfrm>
+            <a:prstGeom prst="straightConnector1">
+              <a:avLst/>
+            </a:prstGeom>
+            <a:ln w="19050">
+              <a:solidFill>
+                <a:srgbClr val="00B050"/>
+              </a:solidFill>
+              <a:tailEnd type="triangle"/>
+            </a:ln>
+          </p:spPr>
+          <p:style>
+            <a:lnRef idx="1">
+              <a:schemeClr val="accent1"/>
+            </a:lnRef>
+            <a:fillRef idx="0">
+              <a:schemeClr val="accent1"/>
+            </a:fillRef>
+            <a:effectRef idx="0">
+              <a:schemeClr val="accent1"/>
+            </a:effectRef>
+            <a:fontRef idx="minor">
+              <a:schemeClr val="tx1"/>
+            </a:fontRef>
+          </p:style>
+        </p:cxnSp>
+        <p:cxnSp>
+          <p:nvCxnSpPr>
+            <p:cNvPr id="22" name="Straight Arrow Connector 21">
+              <a:extLst>
+                <a:ext uri="{FF2B5EF4-FFF2-40B4-BE49-F238E27FC236}">
+                  <a16:creationId xmlns:a16="http://schemas.microsoft.com/office/drawing/2014/main" id="{DD19FFAE-7DE3-687D-C10C-37242F048E5D}"/>
+                </a:ext>
+              </a:extLst>
+            </p:cNvPr>
+            <p:cNvCxnSpPr>
+              <a:stCxn id="13" idx="0"/>
+              <a:endCxn id="11" idx="4"/>
+            </p:cNvCxnSpPr>
+            <p:nvPr/>
+          </p:nvCxnSpPr>
+          <p:spPr>
+            <a:xfrm flipV="1">
+              <a:off x="2592946" y="3166056"/>
+              <a:ext cx="0" cy="400263"/>
+            </a:xfrm>
+            <a:prstGeom prst="straightConnector1">
+              <a:avLst/>
+            </a:prstGeom>
+            <a:ln w="19050">
+              <a:solidFill>
+                <a:srgbClr val="00B050"/>
+              </a:solidFill>
+              <a:tailEnd type="triangle"/>
+            </a:ln>
+          </p:spPr>
+          <p:style>
+            <a:lnRef idx="1">
+              <a:schemeClr val="accent1"/>
+            </a:lnRef>
+            <a:fillRef idx="0">
+              <a:schemeClr val="accent1"/>
+            </a:fillRef>
+            <a:effectRef idx="0">
+              <a:schemeClr val="accent1"/>
+            </a:effectRef>
+            <a:fontRef idx="minor">
+              <a:schemeClr val="tx1"/>
+            </a:fontRef>
+          </p:style>
+        </p:cxnSp>
+        <p:cxnSp>
+          <p:nvCxnSpPr>
+            <p:cNvPr id="24" name="Straight Arrow Connector 23">
+              <a:extLst>
+                <a:ext uri="{FF2B5EF4-FFF2-40B4-BE49-F238E27FC236}">
+                  <a16:creationId xmlns:a16="http://schemas.microsoft.com/office/drawing/2014/main" id="{C10A2C28-EE08-F0D9-46FC-563DA4A355E6}"/>
+                </a:ext>
+              </a:extLst>
+            </p:cNvPr>
+            <p:cNvCxnSpPr>
+              <a:cxnSpLocks/>
+              <a:stCxn id="13" idx="7"/>
+              <a:endCxn id="12" idx="3"/>
+            </p:cNvCxnSpPr>
+            <p:nvPr/>
+          </p:nvCxnSpPr>
+          <p:spPr>
+            <a:xfrm flipV="1">
+              <a:off x="2916235" y="3032145"/>
+              <a:ext cx="755072" cy="668085"/>
+            </a:xfrm>
+            <a:prstGeom prst="straightConnector1">
+              <a:avLst/>
+            </a:prstGeom>
+            <a:ln w="19050">
+              <a:solidFill>
+                <a:srgbClr val="00B050"/>
+              </a:solidFill>
+              <a:tailEnd type="triangle"/>
+            </a:ln>
+          </p:spPr>
+          <p:style>
+            <a:lnRef idx="1">
+              <a:schemeClr val="accent1"/>
+            </a:lnRef>
+            <a:fillRef idx="0">
+              <a:schemeClr val="accent1"/>
+            </a:fillRef>
+            <a:effectRef idx="0">
+              <a:schemeClr val="accent1"/>
+            </a:effectRef>
+            <a:fontRef idx="minor">
+              <a:schemeClr val="tx1"/>
+            </a:fontRef>
+          </p:style>
+        </p:cxnSp>
+        <p:cxnSp>
+          <p:nvCxnSpPr>
+            <p:cNvPr id="27" name="Connector: Curved 26">
+              <a:extLst>
+                <a:ext uri="{FF2B5EF4-FFF2-40B4-BE49-F238E27FC236}">
+                  <a16:creationId xmlns:a16="http://schemas.microsoft.com/office/drawing/2014/main" id="{3EFC311A-3120-BBDB-FFB6-9BFA4DE223C6}"/>
+                </a:ext>
+              </a:extLst>
+            </p:cNvPr>
+            <p:cNvCxnSpPr>
+              <a:stCxn id="12" idx="0"/>
+              <a:endCxn id="5" idx="0"/>
+            </p:cNvCxnSpPr>
+            <p:nvPr/>
+          </p:nvCxnSpPr>
+          <p:spPr>
+            <a:xfrm rot="16200000" flipV="1">
+              <a:off x="2592946" y="850006"/>
+              <a:ext cx="12700" cy="2803300"/>
+            </a:xfrm>
+            <a:prstGeom prst="curvedConnector3">
+              <a:avLst>
+                <a:gd name="adj1" fmla="val 1800000"/>
+              </a:avLst>
+            </a:prstGeom>
+            <a:ln w="19050">
+              <a:solidFill>
+                <a:srgbClr val="00B050"/>
+              </a:solidFill>
+              <a:tailEnd type="triangle"/>
+            </a:ln>
+          </p:spPr>
+          <p:style>
+            <a:lnRef idx="1">
+              <a:schemeClr val="accent1"/>
+            </a:lnRef>
+            <a:fillRef idx="0">
+              <a:schemeClr val="accent1"/>
+            </a:fillRef>
+            <a:effectRef idx="0">
+              <a:schemeClr val="accent1"/>
+            </a:effectRef>
+            <a:fontRef idx="minor">
+              <a:schemeClr val="tx1"/>
+            </a:fontRef>
+          </p:style>
+        </p:cxnSp>
+      </p:grpSp>
+      <p:grpSp>
+        <p:nvGrpSpPr>
+          <p:cNvPr id="34" name="Group 33">
+            <a:extLst>
+              <a:ext uri="{FF2B5EF4-FFF2-40B4-BE49-F238E27FC236}">
+                <a16:creationId xmlns:a16="http://schemas.microsoft.com/office/drawing/2014/main" id="{D1B95229-942B-4627-E3B3-9C35E6B78160}"/>
+              </a:ext>
+            </a:extLst>
+          </p:cNvPr>
+          <p:cNvGrpSpPr/>
+          <p:nvPr/>
+        </p:nvGrpSpPr>
+        <p:grpSpPr>
+          <a:xfrm>
+            <a:off x="6748853" y="2441710"/>
+            <a:ext cx="4061540" cy="3163618"/>
+            <a:chOff x="6735974" y="2120862"/>
+            <a:chExt cx="4061540" cy="3163618"/>
+          </a:xfrm>
+        </p:grpSpPr>
+        <p:sp>
+          <p:nvSpPr>
+            <p:cNvPr id="29" name="Left Bracket 28">
+              <a:extLst>
+                <a:ext uri="{FF2B5EF4-FFF2-40B4-BE49-F238E27FC236}">
+                  <a16:creationId xmlns:a16="http://schemas.microsoft.com/office/drawing/2014/main" id="{0DDFFEF6-4943-14AA-5A94-590B22C49CD8}"/>
+                </a:ext>
+              </a:extLst>
+            </p:cNvPr>
+            <p:cNvSpPr/>
+            <p:nvPr/>
+          </p:nvSpPr>
+          <p:spPr>
+            <a:xfrm>
+              <a:off x="6735974" y="2120862"/>
+              <a:ext cx="476518" cy="3159329"/>
+            </a:xfrm>
+            <a:prstGeom prst="leftBracket">
+              <a:avLst/>
+            </a:prstGeom>
+            <a:ln w="28575">
+              <a:solidFill>
+                <a:schemeClr val="tx1"/>
+              </a:solidFill>
+            </a:ln>
+          </p:spPr>
+          <p:style>
+            <a:lnRef idx="1">
+              <a:schemeClr val="accent1"/>
+            </a:lnRef>
+            <a:fillRef idx="0">
+              <a:schemeClr val="accent1"/>
+            </a:fillRef>
+            <a:effectRef idx="0">
+              <a:schemeClr val="accent1"/>
+            </a:effectRef>
+            <a:fontRef idx="minor">
+              <a:schemeClr val="tx1"/>
+            </a:fontRef>
+          </p:style>
+          <p:txBody>
+            <a:bodyPr rtlCol="0" anchor="ctr"/>
+            <a:lstStyle/>
+            <a:p>
+              <a:pPr algn="ctr"/>
+              <a:endParaRPr lang="en-US"/>
+            </a:p>
+          </p:txBody>
+        </p:sp>
+        <p:sp>
+          <p:nvSpPr>
+            <p:cNvPr id="32" name="TextBox 31">
+              <a:extLst>
+                <a:ext uri="{FF2B5EF4-FFF2-40B4-BE49-F238E27FC236}">
+                  <a16:creationId xmlns:a16="http://schemas.microsoft.com/office/drawing/2014/main" id="{AF81C2D7-353D-A8D6-C4FF-C4E9BF216980}"/>
+                </a:ext>
+              </a:extLst>
+            </p:cNvPr>
+            <p:cNvSpPr txBox="1"/>
+            <p:nvPr/>
+          </p:nvSpPr>
+          <p:spPr>
+            <a:xfrm>
+              <a:off x="7189792" y="2300144"/>
+              <a:ext cx="3429144" cy="2800767"/>
+            </a:xfrm>
+            <a:prstGeom prst="rect">
+              <a:avLst/>
+            </a:prstGeom>
+            <a:noFill/>
+          </p:spPr>
+          <p:txBody>
+            <a:bodyPr wrap="none" rtlCol="0">
+              <a:spAutoFit/>
+            </a:bodyPr>
+            <a:lstStyle/>
+            <a:p>
+              <a:r>
+                <a:rPr lang="en-US" sz="4400" dirty="0">
+                  <a:latin typeface="Times" panose="02020603050405020304" pitchFamily="18" charset="0"/>
+                  <a:cs typeface="Times" panose="02020603050405020304" pitchFamily="18" charset="0"/>
+                </a:rPr>
+                <a:t>0     1     0     0</a:t>
+              </a:r>
+            </a:p>
+            <a:p>
+              <a:r>
+                <a:rPr lang="en-US" sz="4400" dirty="0">
+                  <a:latin typeface="Times" panose="02020603050405020304" pitchFamily="18" charset="0"/>
+                  <a:cs typeface="Times" panose="02020603050405020304" pitchFamily="18" charset="0"/>
+                </a:rPr>
+                <a:t>0     0     0     0</a:t>
+              </a:r>
+            </a:p>
+            <a:p>
+              <a:r>
+                <a:rPr lang="en-US" sz="4400" dirty="0">
+                  <a:latin typeface="Times" panose="02020603050405020304" pitchFamily="18" charset="0"/>
+                  <a:cs typeface="Times" panose="02020603050405020304" pitchFamily="18" charset="0"/>
+                </a:rPr>
+                <a:t>1     1     0     0</a:t>
+              </a:r>
+            </a:p>
+            <a:p>
+              <a:r>
+                <a:rPr lang="en-US" sz="4400" dirty="0">
+                  <a:latin typeface="Times" panose="02020603050405020304" pitchFamily="18" charset="0"/>
+                  <a:cs typeface="Times" panose="02020603050405020304" pitchFamily="18" charset="0"/>
+                </a:rPr>
+                <a:t>0     1     1     0</a:t>
+              </a:r>
+            </a:p>
+          </p:txBody>
+        </p:sp>
+        <p:sp>
+          <p:nvSpPr>
+            <p:cNvPr id="33" name="Left Bracket 32">
+              <a:extLst>
+                <a:ext uri="{FF2B5EF4-FFF2-40B4-BE49-F238E27FC236}">
+                  <a16:creationId xmlns:a16="http://schemas.microsoft.com/office/drawing/2014/main" id="{6D199462-91EC-6402-D3F2-75093C3A8F04}"/>
+                </a:ext>
+              </a:extLst>
+            </p:cNvPr>
+            <p:cNvSpPr/>
+            <p:nvPr/>
+          </p:nvSpPr>
+          <p:spPr>
+            <a:xfrm rot="10800000">
+              <a:off x="10320996" y="2125151"/>
+              <a:ext cx="476518" cy="3159329"/>
+            </a:xfrm>
+            <a:prstGeom prst="leftBracket">
+              <a:avLst/>
+            </a:prstGeom>
+            <a:ln w="28575">
+              <a:solidFill>
+                <a:schemeClr val="tx1"/>
+              </a:solidFill>
+            </a:ln>
+          </p:spPr>
+          <p:style>
+            <a:lnRef idx="1">
+              <a:schemeClr val="accent1"/>
+            </a:lnRef>
+            <a:fillRef idx="0">
+              <a:schemeClr val="accent1"/>
+            </a:fillRef>
+            <a:effectRef idx="0">
+              <a:schemeClr val="accent1"/>
+            </a:effectRef>
+            <a:fontRef idx="minor">
+              <a:schemeClr val="tx1"/>
+            </a:fontRef>
+          </p:style>
+          <p:txBody>
+            <a:bodyPr rtlCol="0" anchor="ctr"/>
+            <a:lstStyle/>
+            <a:p>
+              <a:pPr algn="ctr"/>
+              <a:endParaRPr lang="en-US"/>
+            </a:p>
+          </p:txBody>
+        </p:sp>
+      </p:grpSp>
+    </p:spTree>
+    <p:extLst>
+      <p:ext uri="{BB962C8B-B14F-4D97-AF65-F5344CB8AC3E}">
+        <p14:creationId xmlns:p14="http://schemas.microsoft.com/office/powerpoint/2010/main" val="4267950471"/>
+      </p:ext>
+    </p:extLst>
+  </p:cSld>
+  <p:clrMapOvr>
+    <a:masterClrMapping/>
+  </p:clrMapOvr>
+</p:sld>
+</file>
+
+<file path=ppt/slides/slide15.xml><?xml version="1.0" encoding="utf-8"?>
+<p:sld xmlns:a="http://schemas.openxmlformats.org/drawingml/2006/main" xmlns:r="http://schemas.openxmlformats.org/officeDocument/2006/relationships" xmlns:p="http://schemas.openxmlformats.org/presentationml/2006/main">
+  <p:cSld>
+    <p:spTree>
+      <p:nvGrpSpPr>
+        <p:cNvPr id="1" name=""/>
+        <p:cNvGrpSpPr/>
+        <p:nvPr/>
+      </p:nvGrpSpPr>
+      <p:grpSpPr>
+        <a:xfrm>
+          <a:off x="0" y="0"/>
+          <a:ext cx="0" cy="0"/>
+          <a:chOff x="0" y="0"/>
+          <a:chExt cx="0" cy="0"/>
+        </a:xfrm>
+      </p:grpSpPr>
+      <p:sp>
+        <p:nvSpPr>
+          <p:cNvPr id="2" name="Title 1">
+            <a:extLst>
+              <a:ext uri="{FF2B5EF4-FFF2-40B4-BE49-F238E27FC236}">
+                <a16:creationId xmlns:a16="http://schemas.microsoft.com/office/drawing/2014/main" id="{3254D41C-203E-0674-624E-12684BB571C2}"/>
+              </a:ext>
+            </a:extLst>
+          </p:cNvPr>
+          <p:cNvSpPr>
+            <a:spLocks noGrp="1"/>
+          </p:cNvSpPr>
+          <p:nvPr>
+            <p:ph type="title"/>
+          </p:nvPr>
+        </p:nvSpPr>
+        <p:spPr/>
+        <p:txBody>
+          <a:bodyPr/>
+          <a:lstStyle/>
+          <a:p>
+            <a:r>
+              <a:rPr lang="en-US" dirty="0">
+                <a:latin typeface="Times" panose="02020603050405020304" pitchFamily="18" charset="0"/>
+                <a:cs typeface="Times" panose="02020603050405020304" pitchFamily="18" charset="0"/>
+              </a:rPr>
+              <a:t>Example : </a:t>
+            </a:r>
+            <a:r>
+              <a:rPr lang="en-US" sz="4400" dirty="0">
+                <a:latin typeface="Times" panose="02020603050405020304" pitchFamily="18" charset="0"/>
+                <a:cs typeface="Times" panose="02020603050405020304" pitchFamily="18" charset="0"/>
+              </a:rPr>
+              <a:t>Circuit Pin Ranking</a:t>
+            </a:r>
+            <a:r>
+              <a:rPr lang="en-US" dirty="0">
+                <a:latin typeface="Times" panose="02020603050405020304" pitchFamily="18" charset="0"/>
+                <a:cs typeface="Times" panose="02020603050405020304" pitchFamily="18" charset="0"/>
+              </a:rPr>
+              <a:t> </a:t>
+            </a:r>
+          </a:p>
+        </p:txBody>
+      </p:sp>
+      <p:sp>
+        <p:nvSpPr>
+          <p:cNvPr id="4" name="Slide Number Placeholder 3">
+            <a:extLst>
+              <a:ext uri="{FF2B5EF4-FFF2-40B4-BE49-F238E27FC236}">
+                <a16:creationId xmlns:a16="http://schemas.microsoft.com/office/drawing/2014/main" id="{C9F01456-9E4A-49D7-D938-F7AF257EBF6C}"/>
+              </a:ext>
+            </a:extLst>
+          </p:cNvPr>
+          <p:cNvSpPr>
+            <a:spLocks noGrp="1"/>
+          </p:cNvSpPr>
+          <p:nvPr>
+            <p:ph type="sldNum" sz="quarter" idx="12"/>
+          </p:nvPr>
+        </p:nvSpPr>
+        <p:spPr/>
+        <p:txBody>
+          <a:bodyPr/>
+          <a:lstStyle/>
+          <a:p>
+            <a:fld id="{666274A1-CF9C-426A-8DD4-B13ED0C24231}" type="slidenum">
+              <a:rPr lang="en-US" smtClean="0"/>
+              <a:t>14</a:t>
+            </a:fld>
+            <a:endParaRPr lang="en-US"/>
+          </a:p>
+        </p:txBody>
+      </p:sp>
+      <p:grpSp>
+        <p:nvGrpSpPr>
+          <p:cNvPr id="10" name="Group 9">
+            <a:extLst>
+              <a:ext uri="{FF2B5EF4-FFF2-40B4-BE49-F238E27FC236}">
+                <a16:creationId xmlns:a16="http://schemas.microsoft.com/office/drawing/2014/main" id="{09E11F91-F5FD-05BF-094A-A26D2D4298E6}"/>
+              </a:ext>
+            </a:extLst>
+          </p:cNvPr>
+          <p:cNvGrpSpPr/>
+          <p:nvPr/>
+        </p:nvGrpSpPr>
+        <p:grpSpPr>
+          <a:xfrm>
+            <a:off x="1777284" y="2278686"/>
+            <a:ext cx="1873069" cy="1351547"/>
+            <a:chOff x="8989453" y="3974550"/>
+            <a:chExt cx="1873069" cy="1351547"/>
+          </a:xfrm>
+        </p:grpSpPr>
+        <p:grpSp>
+          <p:nvGrpSpPr>
+            <p:cNvPr id="3" name="Group 2">
+              <a:extLst>
+                <a:ext uri="{FF2B5EF4-FFF2-40B4-BE49-F238E27FC236}">
+                  <a16:creationId xmlns:a16="http://schemas.microsoft.com/office/drawing/2014/main" id="{8725215A-5B6D-7492-6274-0EB7D5488498}"/>
+                </a:ext>
+              </a:extLst>
+            </p:cNvPr>
+            <p:cNvGrpSpPr/>
+            <p:nvPr/>
+          </p:nvGrpSpPr>
+          <p:grpSpPr>
+            <a:xfrm>
+              <a:off x="8989453" y="3974551"/>
+              <a:ext cx="1766249" cy="1351546"/>
+              <a:chOff x="6735974" y="2554442"/>
+              <a:chExt cx="3939556" cy="2262587"/>
+            </a:xfrm>
+          </p:grpSpPr>
+          <p:sp>
+            <p:nvSpPr>
+              <p:cNvPr id="6" name="Left Bracket 5">
+                <a:extLst>
+                  <a:ext uri="{FF2B5EF4-FFF2-40B4-BE49-F238E27FC236}">
+                    <a16:creationId xmlns:a16="http://schemas.microsoft.com/office/drawing/2014/main" id="{1A268F6D-7892-26C7-F09F-DD534001785B}"/>
+                  </a:ext>
+                </a:extLst>
+              </p:cNvPr>
+              <p:cNvSpPr/>
+              <p:nvPr/>
+            </p:nvSpPr>
+            <p:spPr>
+              <a:xfrm>
+                <a:off x="6735974" y="2554442"/>
+                <a:ext cx="476519" cy="2219089"/>
+              </a:xfrm>
+              <a:prstGeom prst="leftBracket">
+                <a:avLst/>
+              </a:prstGeom>
+              <a:ln w="28575">
+                <a:solidFill>
+                  <a:schemeClr val="tx1"/>
+                </a:solidFill>
+              </a:ln>
+            </p:spPr>
+            <p:style>
+              <a:lnRef idx="1">
+                <a:schemeClr val="accent1"/>
+              </a:lnRef>
+              <a:fillRef idx="0">
+                <a:schemeClr val="accent1"/>
+              </a:fillRef>
+              <a:effectRef idx="0">
+                <a:schemeClr val="accent1"/>
+              </a:effectRef>
+              <a:fontRef idx="minor">
+                <a:schemeClr val="tx1"/>
+              </a:fontRef>
+            </p:style>
+            <p:txBody>
+              <a:bodyPr rtlCol="0" anchor="ctr"/>
+              <a:lstStyle/>
+              <a:p>
+                <a:pPr algn="ctr"/>
+                <a:endParaRPr lang="en-US"/>
+              </a:p>
+            </p:txBody>
+          </p:sp>
+          <p:sp>
+            <p:nvSpPr>
+              <p:cNvPr id="7" name="TextBox 6">
+                <a:extLst>
+                  <a:ext uri="{FF2B5EF4-FFF2-40B4-BE49-F238E27FC236}">
+                    <a16:creationId xmlns:a16="http://schemas.microsoft.com/office/drawing/2014/main" id="{791386BA-50C7-73F0-0E9D-E5FB5DCB0500}"/>
+                  </a:ext>
+                </a:extLst>
+              </p:cNvPr>
+              <p:cNvSpPr txBox="1"/>
+              <p:nvPr/>
+            </p:nvSpPr>
+            <p:spPr>
+              <a:xfrm>
+                <a:off x="6974232" y="2601495"/>
+                <a:ext cx="3701298" cy="2215534"/>
+              </a:xfrm>
+              <a:prstGeom prst="rect">
+                <a:avLst/>
+              </a:prstGeom>
+              <a:noFill/>
+            </p:spPr>
+            <p:txBody>
+              <a:bodyPr wrap="none" rtlCol="0">
+                <a:spAutoFit/>
+              </a:bodyPr>
+              <a:lstStyle/>
+              <a:p>
+                <a:r>
+                  <a:rPr lang="en-US" sz="2000" dirty="0">
+                    <a:latin typeface="Times" panose="02020603050405020304" pitchFamily="18" charset="0"/>
+                    <a:cs typeface="Times" panose="02020603050405020304" pitchFamily="18" charset="0"/>
+                  </a:rPr>
+                  <a:t>0     1     0     0</a:t>
+                </a:r>
+              </a:p>
+              <a:p>
+                <a:r>
+                  <a:rPr lang="en-US" sz="2000" dirty="0">
+                    <a:latin typeface="Times" panose="02020603050405020304" pitchFamily="18" charset="0"/>
+                    <a:cs typeface="Times" panose="02020603050405020304" pitchFamily="18" charset="0"/>
+                  </a:rPr>
+                  <a:t>0     0     0     0</a:t>
+                </a:r>
+              </a:p>
+              <a:p>
+                <a:r>
+                  <a:rPr lang="en-US" sz="2000" dirty="0">
+                    <a:latin typeface="Times" panose="02020603050405020304" pitchFamily="18" charset="0"/>
+                    <a:cs typeface="Times" panose="02020603050405020304" pitchFamily="18" charset="0"/>
+                  </a:rPr>
+                  <a:t>1     1     0     0</a:t>
+                </a:r>
+              </a:p>
+              <a:p>
+                <a:r>
+                  <a:rPr lang="en-US" sz="2000" dirty="0">
+                    <a:latin typeface="Times" panose="02020603050405020304" pitchFamily="18" charset="0"/>
+                    <a:cs typeface="Times" panose="02020603050405020304" pitchFamily="18" charset="0"/>
+                  </a:rPr>
+                  <a:t>0     1     1     0</a:t>
+                </a:r>
+              </a:p>
+            </p:txBody>
+          </p:sp>
+        </p:grpSp>
+        <p:sp>
+          <p:nvSpPr>
+            <p:cNvPr id="9" name="Left Bracket 8">
+              <a:extLst>
+                <a:ext uri="{FF2B5EF4-FFF2-40B4-BE49-F238E27FC236}">
+                  <a16:creationId xmlns:a16="http://schemas.microsoft.com/office/drawing/2014/main" id="{24924F15-032B-6530-1BC4-53B6FBD78D11}"/>
+                </a:ext>
+              </a:extLst>
+            </p:cNvPr>
+            <p:cNvSpPr/>
+            <p:nvPr/>
+          </p:nvSpPr>
+          <p:spPr>
+            <a:xfrm rot="10800000">
+              <a:off x="10648881" y="3974550"/>
+              <a:ext cx="213641" cy="1325563"/>
+            </a:xfrm>
+            <a:prstGeom prst="leftBracket">
+              <a:avLst/>
+            </a:prstGeom>
+            <a:ln w="28575">
+              <a:solidFill>
+                <a:schemeClr val="tx1"/>
+              </a:solidFill>
+            </a:ln>
+          </p:spPr>
+          <p:style>
+            <a:lnRef idx="1">
+              <a:schemeClr val="accent1"/>
+            </a:lnRef>
+            <a:fillRef idx="0">
+              <a:schemeClr val="accent1"/>
+            </a:fillRef>
+            <a:effectRef idx="0">
+              <a:schemeClr val="accent1"/>
+            </a:effectRef>
+            <a:fontRef idx="minor">
+              <a:schemeClr val="tx1"/>
+            </a:fontRef>
+          </p:style>
+          <p:txBody>
+            <a:bodyPr rtlCol="0" anchor="ctr"/>
+            <a:lstStyle/>
+            <a:p>
+              <a:pPr algn="ctr"/>
+              <a:endParaRPr lang="en-US"/>
+            </a:p>
+          </p:txBody>
+        </p:sp>
+      </p:grpSp>
+      <p:sp>
+        <p:nvSpPr>
+          <p:cNvPr id="15" name="TextBox 14">
+            <a:extLst>
+              <a:ext uri="{FF2B5EF4-FFF2-40B4-BE49-F238E27FC236}">
+                <a16:creationId xmlns:a16="http://schemas.microsoft.com/office/drawing/2014/main" id="{6FC8E41A-CBC0-1B33-336C-92A1726E4785}"/>
+              </a:ext>
+            </a:extLst>
+          </p:cNvPr>
+          <p:cNvSpPr txBox="1"/>
+          <p:nvPr/>
+        </p:nvSpPr>
+        <p:spPr>
+          <a:xfrm>
+            <a:off x="960663" y="4220356"/>
+            <a:ext cx="4360489" cy="1323439"/>
+          </a:xfrm>
+          <a:prstGeom prst="rect">
+            <a:avLst/>
+          </a:prstGeom>
+          <a:noFill/>
+        </p:spPr>
+        <p:txBody>
+          <a:bodyPr wrap="none" rtlCol="0">
+            <a:spAutoFit/>
+          </a:bodyPr>
+          <a:lstStyle/>
+          <a:p>
+            <a:r>
+              <a:rPr lang="en-US" sz="2000" dirty="0">
+                <a:latin typeface="Times" panose="02020603050405020304" pitchFamily="18" charset="0"/>
+                <a:cs typeface="Times" panose="02020603050405020304" pitchFamily="18" charset="0"/>
+              </a:rPr>
+              <a:t>Data (Weight) = [ 1 1 1 1 1 ]</a:t>
+            </a:r>
+          </a:p>
+          <a:p>
+            <a:endParaRPr lang="en-US" sz="1000" dirty="0">
+              <a:latin typeface="Times" panose="02020603050405020304" pitchFamily="18" charset="0"/>
+              <a:cs typeface="Times" panose="02020603050405020304" pitchFamily="18" charset="0"/>
+            </a:endParaRPr>
+          </a:p>
+          <a:p>
+            <a:r>
+              <a:rPr lang="en-US" sz="2000" dirty="0">
+                <a:latin typeface="Times" panose="02020603050405020304" pitchFamily="18" charset="0"/>
+                <a:cs typeface="Times" panose="02020603050405020304" pitchFamily="18" charset="0"/>
+              </a:rPr>
+              <a:t>Indices (Edge-destination) = [ 1 0 1 1 2 ]</a:t>
+            </a:r>
+          </a:p>
+          <a:p>
+            <a:endParaRPr lang="en-US" sz="1000" dirty="0">
+              <a:latin typeface="Times" panose="02020603050405020304" pitchFamily="18" charset="0"/>
+              <a:cs typeface="Times" panose="02020603050405020304" pitchFamily="18" charset="0"/>
+            </a:endParaRPr>
+          </a:p>
+          <a:p>
+            <a:r>
+              <a:rPr lang="en-US" sz="2000" dirty="0" err="1">
+                <a:latin typeface="Times" panose="02020603050405020304" pitchFamily="18" charset="0"/>
+                <a:cs typeface="Times" panose="02020603050405020304" pitchFamily="18" charset="0"/>
+              </a:rPr>
+              <a:t>Ptr</a:t>
+            </a:r>
+            <a:r>
+              <a:rPr lang="en-US" sz="2000" dirty="0">
+                <a:latin typeface="Times" panose="02020603050405020304" pitchFamily="18" charset="0"/>
+                <a:cs typeface="Times" panose="02020603050405020304" pitchFamily="18" charset="0"/>
+              </a:rPr>
+              <a:t> (Vertex-offset) = [ 0 1 1 3 5 ]</a:t>
+            </a:r>
+          </a:p>
+        </p:txBody>
+      </p:sp>
       <p:pic>
         <p:nvPicPr>
-          <p:cNvPr id="6" name="Picture 5">
+          <p:cNvPr id="21" name="Picture 20">
             <a:extLst>
               <a:ext uri="{FF2B5EF4-FFF2-40B4-BE49-F238E27FC236}">
-                <a16:creationId xmlns:a16="http://schemas.microsoft.com/office/drawing/2014/main" id="{F70F4F55-3C70-181B-EF99-F0DB7F54F022}"/>
+                <a16:creationId xmlns:a16="http://schemas.microsoft.com/office/drawing/2014/main" id="{243B6E47-B899-6B00-645C-521EDA5F7FFF}"/>
               </a:ext>
             </a:extLst>
           </p:cNvPr>
@@ -6227,18 +8800,2841 @@
         </p:blipFill>
         <p:spPr>
           <a:xfrm>
-            <a:off x="3395285" y="213864"/>
-            <a:ext cx="5401429" cy="6430272"/>
+            <a:off x="8663339" y="461134"/>
+            <a:ext cx="2872958" cy="1229554"/>
           </a:xfrm>
           <a:prstGeom prst="rect">
             <a:avLst/>
           </a:prstGeom>
         </p:spPr>
       </p:pic>
+      <p:graphicFrame>
+        <p:nvGraphicFramePr>
+          <p:cNvPr id="23" name="Table 24">
+            <a:extLst>
+              <a:ext uri="{FF2B5EF4-FFF2-40B4-BE49-F238E27FC236}">
+                <a16:creationId xmlns:a16="http://schemas.microsoft.com/office/drawing/2014/main" id="{9FA00AE3-111B-DA1E-B92D-1CDB52AE153D}"/>
+              </a:ext>
+            </a:extLst>
+          </p:cNvPr>
+          <p:cNvGraphicFramePr>
+            <a:graphicFrameLocks noGrp="1"/>
+          </p:cNvGraphicFramePr>
+          <p:nvPr>
+            <p:extLst>
+              <p:ext uri="{D42A27DB-BD31-4B8C-83A1-F6EECF244321}">
+                <p14:modId xmlns:p14="http://schemas.microsoft.com/office/powerpoint/2010/main" val="1925304536"/>
+              </p:ext>
+            </p:extLst>
+          </p:nvPr>
+        </p:nvGraphicFramePr>
+        <p:xfrm>
+          <a:off x="7283002" y="2646045"/>
+          <a:ext cx="3245476" cy="918316"/>
+        </p:xfrm>
+        <a:graphic>
+          <a:graphicData uri="http://schemas.openxmlformats.org/drawingml/2006/table">
+            <a:tbl>
+              <a:tblPr firstRow="1" bandRow="1">
+                <a:tableStyleId>{5C22544A-7EE6-4342-B048-85BDC9FD1C3A}</a:tableStyleId>
+              </a:tblPr>
+              <a:tblGrid>
+                <a:gridCol w="1088360">
+                  <a:extLst>
+                    <a:ext uri="{9D8B030D-6E8A-4147-A177-3AD203B41FA5}">
+                      <a16:colId xmlns:a16="http://schemas.microsoft.com/office/drawing/2014/main" val="1480133805"/>
+                    </a:ext>
+                  </a:extLst>
+                </a:gridCol>
+                <a:gridCol w="2157116">
+                  <a:extLst>
+                    <a:ext uri="{9D8B030D-6E8A-4147-A177-3AD203B41FA5}">
+                      <a16:colId xmlns:a16="http://schemas.microsoft.com/office/drawing/2014/main" val="1209037983"/>
+                    </a:ext>
+                  </a:extLst>
+                </a:gridCol>
+              </a:tblGrid>
+              <a:tr h="459158">
+                <a:tc>
+                  <a:txBody>
+                    <a:bodyPr/>
+                    <a:lstStyle/>
+                    <a:p>
+                      <a:pPr algn="ctr"/>
+                      <a:r>
+                        <a:rPr lang="en-US" dirty="0"/>
+                        <a:t>queue</a:t>
+                      </a:r>
+                    </a:p>
+                  </a:txBody>
+                  <a:tcPr anchor="ctr"/>
+                </a:tc>
+                <a:tc>
+                  <a:txBody>
+                    <a:bodyPr/>
+                    <a:lstStyle/>
+                    <a:p>
+                      <a:pPr algn="ctr"/>
+                      <a:r>
+                        <a:rPr lang="en-US" dirty="0"/>
+                        <a:t>{3}</a:t>
+                      </a:r>
+                    </a:p>
+                  </a:txBody>
+                  <a:tcPr anchor="ctr"/>
+                </a:tc>
+                <a:extLst>
+                  <a:ext uri="{0D108BD9-81ED-4DB2-BD59-A6C34878D82A}">
+                    <a16:rowId xmlns:a16="http://schemas.microsoft.com/office/drawing/2014/main" val="448738936"/>
+                  </a:ext>
+                </a:extLst>
+              </a:tr>
+              <a:tr h="459158">
+                <a:tc>
+                  <a:txBody>
+                    <a:bodyPr/>
+                    <a:lstStyle/>
+                    <a:p>
+                      <a:pPr algn="ctr"/>
+                      <a:r>
+                        <a:rPr lang="en-US" dirty="0"/>
+                        <a:t>visited</a:t>
+                      </a:r>
+                    </a:p>
+                  </a:txBody>
+                  <a:tcPr anchor="ctr"/>
+                </a:tc>
+                <a:tc>
+                  <a:txBody>
+                    <a:bodyPr/>
+                    <a:lstStyle/>
+                    <a:p>
+                      <a:pPr algn="ctr"/>
+                      <a:r>
+                        <a:rPr lang="en-US" dirty="0"/>
+                        <a:t>{3}</a:t>
+                      </a:r>
+                    </a:p>
+                  </a:txBody>
+                  <a:tcPr anchor="ctr"/>
+                </a:tc>
+                <a:extLst>
+                  <a:ext uri="{0D108BD9-81ED-4DB2-BD59-A6C34878D82A}">
+                    <a16:rowId xmlns:a16="http://schemas.microsoft.com/office/drawing/2014/main" val="2678306400"/>
+                  </a:ext>
+                </a:extLst>
+              </a:tr>
+            </a:tbl>
+          </a:graphicData>
+        </a:graphic>
+      </p:graphicFrame>
+      <p:graphicFrame>
+        <p:nvGraphicFramePr>
+          <p:cNvPr id="25" name="Table 25">
+            <a:extLst>
+              <a:ext uri="{FF2B5EF4-FFF2-40B4-BE49-F238E27FC236}">
+                <a16:creationId xmlns:a16="http://schemas.microsoft.com/office/drawing/2014/main" id="{B15C42F6-735E-D96F-5D21-A1E32F62E4A9}"/>
+              </a:ext>
+            </a:extLst>
+          </p:cNvPr>
+          <p:cNvGraphicFramePr>
+            <a:graphicFrameLocks noGrp="1"/>
+          </p:cNvGraphicFramePr>
+          <p:nvPr>
+            <p:extLst>
+              <p:ext uri="{D42A27DB-BD31-4B8C-83A1-F6EECF244321}">
+                <p14:modId xmlns:p14="http://schemas.microsoft.com/office/powerpoint/2010/main" val="2232528521"/>
+              </p:ext>
+            </p:extLst>
+          </p:nvPr>
+        </p:nvGraphicFramePr>
+        <p:xfrm>
+          <a:off x="7283002" y="4482677"/>
+          <a:ext cx="3245476" cy="477678"/>
+        </p:xfrm>
+        <a:graphic>
+          <a:graphicData uri="http://schemas.openxmlformats.org/drawingml/2006/table">
+            <a:tbl>
+              <a:tblPr firstRow="1" bandRow="1">
+                <a:tableStyleId>{93296810-A885-4BE3-A3E7-6D5BEEA58F35}</a:tableStyleId>
+              </a:tblPr>
+              <a:tblGrid>
+                <a:gridCol w="1126902">
+                  <a:extLst>
+                    <a:ext uri="{9D8B030D-6E8A-4147-A177-3AD203B41FA5}">
+                      <a16:colId xmlns:a16="http://schemas.microsoft.com/office/drawing/2014/main" val="532222219"/>
+                    </a:ext>
+                  </a:extLst>
+                </a:gridCol>
+                <a:gridCol w="2118574">
+                  <a:extLst>
+                    <a:ext uri="{9D8B030D-6E8A-4147-A177-3AD203B41FA5}">
+                      <a16:colId xmlns:a16="http://schemas.microsoft.com/office/drawing/2014/main" val="2080526242"/>
+                    </a:ext>
+                  </a:extLst>
+                </a:gridCol>
+              </a:tblGrid>
+              <a:tr h="477678">
+                <a:tc>
+                  <a:txBody>
+                    <a:bodyPr/>
+                    <a:lstStyle/>
+                    <a:p>
+                      <a:pPr algn="ctr"/>
+                      <a:r>
+                        <a:rPr lang="en-US" dirty="0"/>
+                        <a:t>Rank(3)</a:t>
+                      </a:r>
+                    </a:p>
+                  </a:txBody>
+                  <a:tcPr anchor="ctr"/>
+                </a:tc>
+                <a:tc>
+                  <a:txBody>
+                    <a:bodyPr/>
+                    <a:lstStyle/>
+                    <a:p>
+                      <a:pPr algn="ctr"/>
+                      <a:r>
+                        <a:rPr lang="en-US" dirty="0"/>
+                        <a:t>0</a:t>
+                      </a:r>
+                    </a:p>
+                  </a:txBody>
+                  <a:tcPr anchor="ctr"/>
+                </a:tc>
+                <a:extLst>
+                  <a:ext uri="{0D108BD9-81ED-4DB2-BD59-A6C34878D82A}">
+                    <a16:rowId xmlns:a16="http://schemas.microsoft.com/office/drawing/2014/main" val="233480415"/>
+                  </a:ext>
+                </a:extLst>
+              </a:tr>
+            </a:tbl>
+          </a:graphicData>
+        </a:graphic>
+      </p:graphicFrame>
     </p:spTree>
     <p:extLst>
       <p:ext uri="{BB962C8B-B14F-4D97-AF65-F5344CB8AC3E}">
-        <p14:creationId xmlns:p14="http://schemas.microsoft.com/office/powerpoint/2010/main" val="998898505"/>
+        <p14:creationId xmlns:p14="http://schemas.microsoft.com/office/powerpoint/2010/main" val="3861705039"/>
+      </p:ext>
+    </p:extLst>
+  </p:cSld>
+  <p:clrMapOvr>
+    <a:masterClrMapping/>
+  </p:clrMapOvr>
+</p:sld>
+</file>
+
+<file path=ppt/slides/slide16.xml><?xml version="1.0" encoding="utf-8"?>
+<p:sld xmlns:a="http://schemas.openxmlformats.org/drawingml/2006/main" xmlns:r="http://schemas.openxmlformats.org/officeDocument/2006/relationships" xmlns:p="http://schemas.openxmlformats.org/presentationml/2006/main">
+  <p:cSld>
+    <p:spTree>
+      <p:nvGrpSpPr>
+        <p:cNvPr id="1" name=""/>
+        <p:cNvGrpSpPr/>
+        <p:nvPr/>
+      </p:nvGrpSpPr>
+      <p:grpSpPr>
+        <a:xfrm>
+          <a:off x="0" y="0"/>
+          <a:ext cx="0" cy="0"/>
+          <a:chOff x="0" y="0"/>
+          <a:chExt cx="0" cy="0"/>
+        </a:xfrm>
+      </p:grpSpPr>
+      <p:sp>
+        <p:nvSpPr>
+          <p:cNvPr id="2" name="Title 1">
+            <a:extLst>
+              <a:ext uri="{FF2B5EF4-FFF2-40B4-BE49-F238E27FC236}">
+                <a16:creationId xmlns:a16="http://schemas.microsoft.com/office/drawing/2014/main" id="{3254D41C-203E-0674-624E-12684BB571C2}"/>
+              </a:ext>
+            </a:extLst>
+          </p:cNvPr>
+          <p:cNvSpPr>
+            <a:spLocks noGrp="1"/>
+          </p:cNvSpPr>
+          <p:nvPr>
+            <p:ph type="title"/>
+          </p:nvPr>
+        </p:nvSpPr>
+        <p:spPr/>
+        <p:txBody>
+          <a:bodyPr/>
+          <a:lstStyle/>
+          <a:p>
+            <a:r>
+              <a:rPr lang="en-US" dirty="0">
+                <a:latin typeface="Times" panose="02020603050405020304" pitchFamily="18" charset="0"/>
+                <a:cs typeface="Times" panose="02020603050405020304" pitchFamily="18" charset="0"/>
+              </a:rPr>
+              <a:t>Example : </a:t>
+            </a:r>
+            <a:r>
+              <a:rPr lang="en-US" sz="4400" dirty="0">
+                <a:latin typeface="Times" panose="02020603050405020304" pitchFamily="18" charset="0"/>
+                <a:cs typeface="Times" panose="02020603050405020304" pitchFamily="18" charset="0"/>
+              </a:rPr>
+              <a:t>Circuit Pin Ranking</a:t>
+            </a:r>
+            <a:r>
+              <a:rPr lang="en-US" dirty="0">
+                <a:latin typeface="Times" panose="02020603050405020304" pitchFamily="18" charset="0"/>
+                <a:cs typeface="Times" panose="02020603050405020304" pitchFamily="18" charset="0"/>
+              </a:rPr>
+              <a:t> </a:t>
+            </a:r>
+          </a:p>
+        </p:txBody>
+      </p:sp>
+      <p:sp>
+        <p:nvSpPr>
+          <p:cNvPr id="4" name="Slide Number Placeholder 3">
+            <a:extLst>
+              <a:ext uri="{FF2B5EF4-FFF2-40B4-BE49-F238E27FC236}">
+                <a16:creationId xmlns:a16="http://schemas.microsoft.com/office/drawing/2014/main" id="{C9F01456-9E4A-49D7-D938-F7AF257EBF6C}"/>
+              </a:ext>
+            </a:extLst>
+          </p:cNvPr>
+          <p:cNvSpPr>
+            <a:spLocks noGrp="1"/>
+          </p:cNvSpPr>
+          <p:nvPr>
+            <p:ph type="sldNum" sz="quarter" idx="12"/>
+          </p:nvPr>
+        </p:nvSpPr>
+        <p:spPr/>
+        <p:txBody>
+          <a:bodyPr/>
+          <a:lstStyle/>
+          <a:p>
+            <a:fld id="{666274A1-CF9C-426A-8DD4-B13ED0C24231}" type="slidenum">
+              <a:rPr lang="en-US" smtClean="0"/>
+              <a:t>15</a:t>
+            </a:fld>
+            <a:endParaRPr lang="en-US"/>
+          </a:p>
+        </p:txBody>
+      </p:sp>
+      <p:sp>
+        <p:nvSpPr>
+          <p:cNvPr id="15" name="TextBox 14">
+            <a:extLst>
+              <a:ext uri="{FF2B5EF4-FFF2-40B4-BE49-F238E27FC236}">
+                <a16:creationId xmlns:a16="http://schemas.microsoft.com/office/drawing/2014/main" id="{6FC8E41A-CBC0-1B33-336C-92A1726E4785}"/>
+              </a:ext>
+            </a:extLst>
+          </p:cNvPr>
+          <p:cNvSpPr txBox="1"/>
+          <p:nvPr/>
+        </p:nvSpPr>
+        <p:spPr>
+          <a:xfrm>
+            <a:off x="838200" y="1690688"/>
+            <a:ext cx="4552849" cy="1323439"/>
+          </a:xfrm>
+          <a:prstGeom prst="rect">
+            <a:avLst/>
+          </a:prstGeom>
+          <a:noFill/>
+          <a:ln w="19050">
+            <a:solidFill>
+              <a:schemeClr val="tx1"/>
+            </a:solidFill>
+          </a:ln>
+        </p:spPr>
+        <p:txBody>
+          <a:bodyPr wrap="square" rtlCol="0">
+            <a:spAutoFit/>
+          </a:bodyPr>
+          <a:lstStyle/>
+          <a:p>
+            <a:r>
+              <a:rPr lang="en-US" sz="2000" dirty="0">
+                <a:latin typeface="Times" panose="02020603050405020304" pitchFamily="18" charset="0"/>
+                <a:cs typeface="Times" panose="02020603050405020304" pitchFamily="18" charset="0"/>
+              </a:rPr>
+              <a:t>Data (Weight) = [ 1 1 1 1 1 ]</a:t>
+            </a:r>
+          </a:p>
+          <a:p>
+            <a:endParaRPr lang="en-US" sz="1000" dirty="0">
+              <a:latin typeface="Times" panose="02020603050405020304" pitchFamily="18" charset="0"/>
+              <a:cs typeface="Times" panose="02020603050405020304" pitchFamily="18" charset="0"/>
+            </a:endParaRPr>
+          </a:p>
+          <a:p>
+            <a:r>
+              <a:rPr lang="en-US" sz="2000" dirty="0">
+                <a:latin typeface="Times" panose="02020603050405020304" pitchFamily="18" charset="0"/>
+                <a:cs typeface="Times" panose="02020603050405020304" pitchFamily="18" charset="0"/>
+              </a:rPr>
+              <a:t>Indices (Edge-destination) = [ 1 0 1 1 2 ]</a:t>
+            </a:r>
+          </a:p>
+          <a:p>
+            <a:endParaRPr lang="en-US" sz="1000" dirty="0">
+              <a:latin typeface="Times" panose="02020603050405020304" pitchFamily="18" charset="0"/>
+              <a:cs typeface="Times" panose="02020603050405020304" pitchFamily="18" charset="0"/>
+            </a:endParaRPr>
+          </a:p>
+          <a:p>
+            <a:r>
+              <a:rPr lang="en-US" sz="2000" dirty="0" err="1">
+                <a:latin typeface="Times" panose="02020603050405020304" pitchFamily="18" charset="0"/>
+                <a:cs typeface="Times" panose="02020603050405020304" pitchFamily="18" charset="0"/>
+              </a:rPr>
+              <a:t>Ptr</a:t>
+            </a:r>
+            <a:r>
+              <a:rPr lang="en-US" sz="2000" dirty="0">
+                <a:latin typeface="Times" panose="02020603050405020304" pitchFamily="18" charset="0"/>
+                <a:cs typeface="Times" panose="02020603050405020304" pitchFamily="18" charset="0"/>
+              </a:rPr>
+              <a:t> (Vertex-offset) = [ 0 1 1 3 5 ]</a:t>
+            </a:r>
+          </a:p>
+        </p:txBody>
+      </p:sp>
+      <p:graphicFrame>
+        <p:nvGraphicFramePr>
+          <p:cNvPr id="23" name="Table 24">
+            <a:extLst>
+              <a:ext uri="{FF2B5EF4-FFF2-40B4-BE49-F238E27FC236}">
+                <a16:creationId xmlns:a16="http://schemas.microsoft.com/office/drawing/2014/main" id="{9FA00AE3-111B-DA1E-B92D-1CDB52AE153D}"/>
+              </a:ext>
+            </a:extLst>
+          </p:cNvPr>
+          <p:cNvGraphicFramePr>
+            <a:graphicFrameLocks noGrp="1"/>
+          </p:cNvGraphicFramePr>
+          <p:nvPr>
+            <p:extLst>
+              <p:ext uri="{D42A27DB-BD31-4B8C-83A1-F6EECF244321}">
+                <p14:modId xmlns:p14="http://schemas.microsoft.com/office/powerpoint/2010/main" val="1998775469"/>
+              </p:ext>
+            </p:extLst>
+          </p:nvPr>
+        </p:nvGraphicFramePr>
+        <p:xfrm>
+          <a:off x="7631805" y="3355996"/>
+          <a:ext cx="3245476" cy="918316"/>
+        </p:xfrm>
+        <a:graphic>
+          <a:graphicData uri="http://schemas.openxmlformats.org/drawingml/2006/table">
+            <a:tbl>
+              <a:tblPr firstRow="1" bandRow="1">
+                <a:tableStyleId>{5C22544A-7EE6-4342-B048-85BDC9FD1C3A}</a:tableStyleId>
+              </a:tblPr>
+              <a:tblGrid>
+                <a:gridCol w="1088360">
+                  <a:extLst>
+                    <a:ext uri="{9D8B030D-6E8A-4147-A177-3AD203B41FA5}">
+                      <a16:colId xmlns:a16="http://schemas.microsoft.com/office/drawing/2014/main" val="1480133805"/>
+                    </a:ext>
+                  </a:extLst>
+                </a:gridCol>
+                <a:gridCol w="2157116">
+                  <a:extLst>
+                    <a:ext uri="{9D8B030D-6E8A-4147-A177-3AD203B41FA5}">
+                      <a16:colId xmlns:a16="http://schemas.microsoft.com/office/drawing/2014/main" val="1209037983"/>
+                    </a:ext>
+                  </a:extLst>
+                </a:gridCol>
+              </a:tblGrid>
+              <a:tr h="459158">
+                <a:tc>
+                  <a:txBody>
+                    <a:bodyPr/>
+                    <a:lstStyle/>
+                    <a:p>
+                      <a:pPr algn="ctr"/>
+                      <a:r>
+                        <a:rPr lang="en-US" dirty="0"/>
+                        <a:t>queue</a:t>
+                      </a:r>
+                    </a:p>
+                  </a:txBody>
+                  <a:tcPr anchor="ctr"/>
+                </a:tc>
+                <a:tc>
+                  <a:txBody>
+                    <a:bodyPr/>
+                    <a:lstStyle/>
+                    <a:p>
+                      <a:pPr algn="ctr"/>
+                      <a:r>
+                        <a:rPr lang="en-US" dirty="0"/>
+                        <a:t>{1, 2}</a:t>
+                      </a:r>
+                    </a:p>
+                  </a:txBody>
+                  <a:tcPr anchor="ctr"/>
+                </a:tc>
+                <a:extLst>
+                  <a:ext uri="{0D108BD9-81ED-4DB2-BD59-A6C34878D82A}">
+                    <a16:rowId xmlns:a16="http://schemas.microsoft.com/office/drawing/2014/main" val="448738936"/>
+                  </a:ext>
+                </a:extLst>
+              </a:tr>
+              <a:tr h="459158">
+                <a:tc>
+                  <a:txBody>
+                    <a:bodyPr/>
+                    <a:lstStyle/>
+                    <a:p>
+                      <a:pPr algn="ctr"/>
+                      <a:r>
+                        <a:rPr lang="en-US" dirty="0"/>
+                        <a:t>visited</a:t>
+                      </a:r>
+                    </a:p>
+                  </a:txBody>
+                  <a:tcPr anchor="ctr"/>
+                </a:tc>
+                <a:tc>
+                  <a:txBody>
+                    <a:bodyPr/>
+                    <a:lstStyle/>
+                    <a:p>
+                      <a:pPr algn="ctr"/>
+                      <a:r>
+                        <a:rPr lang="en-US" dirty="0"/>
+                        <a:t>{1, 2, 3}</a:t>
+                      </a:r>
+                    </a:p>
+                  </a:txBody>
+                  <a:tcPr anchor="ctr"/>
+                </a:tc>
+                <a:extLst>
+                  <a:ext uri="{0D108BD9-81ED-4DB2-BD59-A6C34878D82A}">
+                    <a16:rowId xmlns:a16="http://schemas.microsoft.com/office/drawing/2014/main" val="2678306400"/>
+                  </a:ext>
+                </a:extLst>
+              </a:tr>
+            </a:tbl>
+          </a:graphicData>
+        </a:graphic>
+      </p:graphicFrame>
+      <p:graphicFrame>
+        <p:nvGraphicFramePr>
+          <p:cNvPr id="25" name="Table 25">
+            <a:extLst>
+              <a:ext uri="{FF2B5EF4-FFF2-40B4-BE49-F238E27FC236}">
+                <a16:creationId xmlns:a16="http://schemas.microsoft.com/office/drawing/2014/main" id="{B15C42F6-735E-D96F-5D21-A1E32F62E4A9}"/>
+              </a:ext>
+            </a:extLst>
+          </p:cNvPr>
+          <p:cNvGraphicFramePr>
+            <a:graphicFrameLocks noGrp="1"/>
+          </p:cNvGraphicFramePr>
+          <p:nvPr>
+            <p:extLst>
+              <p:ext uri="{D42A27DB-BD31-4B8C-83A1-F6EECF244321}">
+                <p14:modId xmlns:p14="http://schemas.microsoft.com/office/powerpoint/2010/main" val="3655165988"/>
+              </p:ext>
+            </p:extLst>
+          </p:nvPr>
+        </p:nvGraphicFramePr>
+        <p:xfrm>
+          <a:off x="7631805" y="4718487"/>
+          <a:ext cx="3245476" cy="1433034"/>
+        </p:xfrm>
+        <a:graphic>
+          <a:graphicData uri="http://schemas.openxmlformats.org/drawingml/2006/table">
+            <a:tbl>
+              <a:tblPr firstRow="1" bandRow="1">
+                <a:tableStyleId>{93296810-A885-4BE3-A3E7-6D5BEEA58F35}</a:tableStyleId>
+              </a:tblPr>
+              <a:tblGrid>
+                <a:gridCol w="1126902">
+                  <a:extLst>
+                    <a:ext uri="{9D8B030D-6E8A-4147-A177-3AD203B41FA5}">
+                      <a16:colId xmlns:a16="http://schemas.microsoft.com/office/drawing/2014/main" val="532222219"/>
+                    </a:ext>
+                  </a:extLst>
+                </a:gridCol>
+                <a:gridCol w="2118574">
+                  <a:extLst>
+                    <a:ext uri="{9D8B030D-6E8A-4147-A177-3AD203B41FA5}">
+                      <a16:colId xmlns:a16="http://schemas.microsoft.com/office/drawing/2014/main" val="2080526242"/>
+                    </a:ext>
+                  </a:extLst>
+                </a:gridCol>
+              </a:tblGrid>
+              <a:tr h="477678">
+                <a:tc>
+                  <a:txBody>
+                    <a:bodyPr/>
+                    <a:lstStyle/>
+                    <a:p>
+                      <a:pPr algn="ctr"/>
+                      <a:r>
+                        <a:rPr lang="en-US" dirty="0"/>
+                        <a:t>Rank(1)</a:t>
+                      </a:r>
+                    </a:p>
+                  </a:txBody>
+                  <a:tcPr anchor="ctr"/>
+                </a:tc>
+                <a:tc>
+                  <a:txBody>
+                    <a:bodyPr/>
+                    <a:lstStyle/>
+                    <a:p>
+                      <a:pPr algn="ctr"/>
+                      <a:r>
+                        <a:rPr lang="en-US" dirty="0"/>
+                        <a:t>0+1=1</a:t>
+                      </a:r>
+                    </a:p>
+                  </a:txBody>
+                  <a:tcPr anchor="ctr"/>
+                </a:tc>
+                <a:extLst>
+                  <a:ext uri="{0D108BD9-81ED-4DB2-BD59-A6C34878D82A}">
+                    <a16:rowId xmlns:a16="http://schemas.microsoft.com/office/drawing/2014/main" val="1093749677"/>
+                  </a:ext>
+                </a:extLst>
+              </a:tr>
+              <a:tr h="477678">
+                <a:tc>
+                  <a:txBody>
+                    <a:bodyPr/>
+                    <a:lstStyle/>
+                    <a:p>
+                      <a:pPr algn="ctr"/>
+                      <a:r>
+                        <a:rPr lang="en-US" dirty="0"/>
+                        <a:t>Rank(2)</a:t>
+                      </a:r>
+                    </a:p>
+                  </a:txBody>
+                  <a:tcPr anchor="ctr"/>
+                </a:tc>
+                <a:tc>
+                  <a:txBody>
+                    <a:bodyPr/>
+                    <a:lstStyle/>
+                    <a:p>
+                      <a:pPr algn="ctr"/>
+                      <a:r>
+                        <a:rPr lang="en-US" dirty="0"/>
+                        <a:t>0+1=1</a:t>
+                      </a:r>
+                    </a:p>
+                  </a:txBody>
+                  <a:tcPr anchor="ctr"/>
+                </a:tc>
+                <a:extLst>
+                  <a:ext uri="{0D108BD9-81ED-4DB2-BD59-A6C34878D82A}">
+                    <a16:rowId xmlns:a16="http://schemas.microsoft.com/office/drawing/2014/main" val="2777801488"/>
+                  </a:ext>
+                </a:extLst>
+              </a:tr>
+              <a:tr h="477678">
+                <a:tc>
+                  <a:txBody>
+                    <a:bodyPr/>
+                    <a:lstStyle/>
+                    <a:p>
+                      <a:pPr algn="ctr"/>
+                      <a:r>
+                        <a:rPr lang="en-US" dirty="0"/>
+                        <a:t>Rank(3)</a:t>
+                      </a:r>
+                    </a:p>
+                  </a:txBody>
+                  <a:tcPr anchor="ctr"/>
+                </a:tc>
+                <a:tc>
+                  <a:txBody>
+                    <a:bodyPr/>
+                    <a:lstStyle/>
+                    <a:p>
+                      <a:pPr algn="ctr"/>
+                      <a:r>
+                        <a:rPr lang="en-US" dirty="0"/>
+                        <a:t>0</a:t>
+                      </a:r>
+                    </a:p>
+                  </a:txBody>
+                  <a:tcPr anchor="ctr"/>
+                </a:tc>
+                <a:extLst>
+                  <a:ext uri="{0D108BD9-81ED-4DB2-BD59-A6C34878D82A}">
+                    <a16:rowId xmlns:a16="http://schemas.microsoft.com/office/drawing/2014/main" val="233480415"/>
+                  </a:ext>
+                </a:extLst>
+              </a:tr>
+            </a:tbl>
+          </a:graphicData>
+        </a:graphic>
+      </p:graphicFrame>
+      <p:pic>
+        <p:nvPicPr>
+          <p:cNvPr id="8" name="Picture 7">
+            <a:extLst>
+              <a:ext uri="{FF2B5EF4-FFF2-40B4-BE49-F238E27FC236}">
+                <a16:creationId xmlns:a16="http://schemas.microsoft.com/office/drawing/2014/main" id="{0CAF9209-3895-089B-44E0-96FE39574099}"/>
+              </a:ext>
+            </a:extLst>
+          </p:cNvPr>
+          <p:cNvPicPr>
+            <a:picLocks noChangeAspect="1"/>
+          </p:cNvPicPr>
+          <p:nvPr/>
+        </p:nvPicPr>
+        <p:blipFill>
+          <a:blip r:embed="rId2"/>
+          <a:stretch>
+            <a:fillRect/>
+          </a:stretch>
+        </p:blipFill>
+        <p:spPr>
+          <a:xfrm>
+            <a:off x="8275195" y="210746"/>
+            <a:ext cx="3533938" cy="2701075"/>
+          </a:xfrm>
+          <a:prstGeom prst="rect">
+            <a:avLst/>
+          </a:prstGeom>
+        </p:spPr>
+      </p:pic>
+      <p:sp>
+        <p:nvSpPr>
+          <p:cNvPr id="13" name="TextBox 12">
+            <a:extLst>
+              <a:ext uri="{FF2B5EF4-FFF2-40B4-BE49-F238E27FC236}">
+                <a16:creationId xmlns:a16="http://schemas.microsoft.com/office/drawing/2014/main" id="{6F73D14E-4B5B-A022-C41E-39263E6F4BBD}"/>
+              </a:ext>
+            </a:extLst>
+          </p:cNvPr>
+          <p:cNvSpPr txBox="1"/>
+          <p:nvPr/>
+        </p:nvSpPr>
+        <p:spPr>
+          <a:xfrm>
+            <a:off x="838200" y="3843874"/>
+            <a:ext cx="2698175" cy="2052934"/>
+          </a:xfrm>
+          <a:prstGeom prst="rect">
+            <a:avLst/>
+          </a:prstGeom>
+          <a:noFill/>
+        </p:spPr>
+        <p:txBody>
+          <a:bodyPr wrap="none" rtlCol="0">
+            <a:spAutoFit/>
+          </a:bodyPr>
+          <a:lstStyle/>
+          <a:p>
+            <a:pPr marL="342900" indent="-342900">
+              <a:lnSpc>
+                <a:spcPct val="130000"/>
+              </a:lnSpc>
+              <a:buFont typeface="Arial" panose="020B0604020202020204" pitchFamily="34" charset="0"/>
+              <a:buChar char="•"/>
+            </a:pPr>
+            <a:r>
+              <a:rPr lang="en-US" sz="2000" dirty="0">
+                <a:latin typeface="Times" panose="02020603050405020304" pitchFamily="18" charset="0"/>
+                <a:cs typeface="Times" panose="02020603050405020304" pitchFamily="18" charset="0"/>
+              </a:rPr>
+              <a:t>v = 3</a:t>
+            </a:r>
+          </a:p>
+          <a:p>
+            <a:pPr marL="342900" indent="-342900">
+              <a:lnSpc>
+                <a:spcPct val="130000"/>
+              </a:lnSpc>
+              <a:buFont typeface="Arial" panose="020B0604020202020204" pitchFamily="34" charset="0"/>
+              <a:buChar char="•"/>
+            </a:pPr>
+            <a:r>
+              <a:rPr lang="en-US" sz="2000" dirty="0" err="1">
+                <a:latin typeface="Times" panose="02020603050405020304" pitchFamily="18" charset="0"/>
+                <a:cs typeface="Times" panose="02020603050405020304" pitchFamily="18" charset="0"/>
+              </a:rPr>
+              <a:t>vrank</a:t>
+            </a:r>
+            <a:r>
+              <a:rPr lang="en-US" sz="2000" dirty="0">
+                <a:latin typeface="Times" panose="02020603050405020304" pitchFamily="18" charset="0"/>
+                <a:cs typeface="Times" panose="02020603050405020304" pitchFamily="18" charset="0"/>
+              </a:rPr>
+              <a:t> = 0</a:t>
+            </a:r>
+          </a:p>
+          <a:p>
+            <a:pPr marL="342900" indent="-342900">
+              <a:lnSpc>
+                <a:spcPct val="130000"/>
+              </a:lnSpc>
+              <a:buFont typeface="Arial" panose="020B0604020202020204" pitchFamily="34" charset="0"/>
+              <a:buChar char="•"/>
+            </a:pPr>
+            <a:r>
+              <a:rPr lang="en-US" sz="2000" dirty="0" err="1">
+                <a:latin typeface="Times" panose="02020603050405020304" pitchFamily="18" charset="0"/>
+                <a:cs typeface="Times" panose="02020603050405020304" pitchFamily="18" charset="0"/>
+              </a:rPr>
+              <a:t>edgeFront</a:t>
+            </a:r>
+            <a:r>
+              <a:rPr lang="en-US" sz="2000" dirty="0">
+                <a:latin typeface="Times" panose="02020603050405020304" pitchFamily="18" charset="0"/>
+                <a:cs typeface="Times" panose="02020603050405020304" pitchFamily="18" charset="0"/>
+              </a:rPr>
+              <a:t> = 3</a:t>
+            </a:r>
+          </a:p>
+          <a:p>
+            <a:pPr marL="342900" indent="-342900">
+              <a:lnSpc>
+                <a:spcPct val="130000"/>
+              </a:lnSpc>
+              <a:buFont typeface="Arial" panose="020B0604020202020204" pitchFamily="34" charset="0"/>
+              <a:buChar char="•"/>
+            </a:pPr>
+            <a:r>
+              <a:rPr lang="en-US" sz="2000" dirty="0" err="1">
+                <a:latin typeface="Times" panose="02020603050405020304" pitchFamily="18" charset="0"/>
+                <a:cs typeface="Times" panose="02020603050405020304" pitchFamily="18" charset="0"/>
+              </a:rPr>
+              <a:t>edgeEnd</a:t>
+            </a:r>
+            <a:r>
+              <a:rPr lang="en-US" sz="2000" dirty="0">
+                <a:latin typeface="Times" panose="02020603050405020304" pitchFamily="18" charset="0"/>
+                <a:cs typeface="Times" panose="02020603050405020304" pitchFamily="18" charset="0"/>
+              </a:rPr>
+              <a:t>    = 5</a:t>
+            </a:r>
+          </a:p>
+          <a:p>
+            <a:pPr marL="342900" indent="-342900">
+              <a:lnSpc>
+                <a:spcPct val="130000"/>
+              </a:lnSpc>
+              <a:buFont typeface="Arial" panose="020B0604020202020204" pitchFamily="34" charset="0"/>
+              <a:buChar char="•"/>
+            </a:pPr>
+            <a:r>
+              <a:rPr lang="en-US" sz="2000" dirty="0">
+                <a:latin typeface="Times" panose="02020603050405020304" pitchFamily="18" charset="0"/>
+                <a:cs typeface="Times" panose="02020603050405020304" pitchFamily="18" charset="0"/>
+              </a:rPr>
+              <a:t>edge = 3 </a:t>
+            </a:r>
+            <a:r>
+              <a:rPr lang="zh-TW" altLang="en-US" sz="2000" dirty="0">
+                <a:latin typeface="Times" panose="02020603050405020304" pitchFamily="18" charset="0"/>
+                <a:cs typeface="Times" panose="02020603050405020304" pitchFamily="18" charset="0"/>
+              </a:rPr>
+              <a:t>→</a:t>
+            </a:r>
+            <a:r>
+              <a:rPr lang="en-US" sz="2000" dirty="0">
+                <a:latin typeface="Times" panose="02020603050405020304" pitchFamily="18" charset="0"/>
+                <a:cs typeface="Times" panose="02020603050405020304" pitchFamily="18" charset="0"/>
+              </a:rPr>
+              <a:t> 1, 3</a:t>
+            </a:r>
+            <a:r>
+              <a:rPr lang="zh-TW" altLang="en-US" sz="2000" dirty="0">
+                <a:latin typeface="Times" panose="02020603050405020304" pitchFamily="18" charset="0"/>
+                <a:cs typeface="Times" panose="02020603050405020304" pitchFamily="18" charset="0"/>
+              </a:rPr>
+              <a:t> → </a:t>
+            </a:r>
+            <a:r>
+              <a:rPr lang="en-US" altLang="zh-TW" sz="2000" dirty="0">
+                <a:latin typeface="Times" panose="02020603050405020304" pitchFamily="18" charset="0"/>
+                <a:cs typeface="Times" panose="02020603050405020304" pitchFamily="18" charset="0"/>
+              </a:rPr>
+              <a:t>2</a:t>
+            </a:r>
+          </a:p>
+        </p:txBody>
+      </p:sp>
+    </p:spTree>
+    <p:extLst>
+      <p:ext uri="{BB962C8B-B14F-4D97-AF65-F5344CB8AC3E}">
+        <p14:creationId xmlns:p14="http://schemas.microsoft.com/office/powerpoint/2010/main" val="1529668962"/>
+      </p:ext>
+    </p:extLst>
+  </p:cSld>
+  <p:clrMapOvr>
+    <a:masterClrMapping/>
+  </p:clrMapOvr>
+</p:sld>
+</file>
+
+<file path=ppt/slides/slide17.xml><?xml version="1.0" encoding="utf-8"?>
+<p:sld xmlns:a="http://schemas.openxmlformats.org/drawingml/2006/main" xmlns:r="http://schemas.openxmlformats.org/officeDocument/2006/relationships" xmlns:p="http://schemas.openxmlformats.org/presentationml/2006/main">
+  <p:cSld>
+    <p:spTree>
+      <p:nvGrpSpPr>
+        <p:cNvPr id="1" name=""/>
+        <p:cNvGrpSpPr/>
+        <p:nvPr/>
+      </p:nvGrpSpPr>
+      <p:grpSpPr>
+        <a:xfrm>
+          <a:off x="0" y="0"/>
+          <a:ext cx="0" cy="0"/>
+          <a:chOff x="0" y="0"/>
+          <a:chExt cx="0" cy="0"/>
+        </a:xfrm>
+      </p:grpSpPr>
+      <p:sp>
+        <p:nvSpPr>
+          <p:cNvPr id="2" name="Title 1">
+            <a:extLst>
+              <a:ext uri="{FF2B5EF4-FFF2-40B4-BE49-F238E27FC236}">
+                <a16:creationId xmlns:a16="http://schemas.microsoft.com/office/drawing/2014/main" id="{3254D41C-203E-0674-624E-12684BB571C2}"/>
+              </a:ext>
+            </a:extLst>
+          </p:cNvPr>
+          <p:cNvSpPr>
+            <a:spLocks noGrp="1"/>
+          </p:cNvSpPr>
+          <p:nvPr>
+            <p:ph type="title"/>
+          </p:nvPr>
+        </p:nvSpPr>
+        <p:spPr/>
+        <p:txBody>
+          <a:bodyPr/>
+          <a:lstStyle/>
+          <a:p>
+            <a:r>
+              <a:rPr lang="en-US" dirty="0">
+                <a:latin typeface="Times" panose="02020603050405020304" pitchFamily="18" charset="0"/>
+                <a:cs typeface="Times" panose="02020603050405020304" pitchFamily="18" charset="0"/>
+              </a:rPr>
+              <a:t>Example : </a:t>
+            </a:r>
+            <a:r>
+              <a:rPr lang="en-US" sz="4400" dirty="0">
+                <a:latin typeface="Times" panose="02020603050405020304" pitchFamily="18" charset="0"/>
+                <a:cs typeface="Times" panose="02020603050405020304" pitchFamily="18" charset="0"/>
+              </a:rPr>
+              <a:t>Circuit Pin Ranking</a:t>
+            </a:r>
+            <a:r>
+              <a:rPr lang="en-US" dirty="0">
+                <a:latin typeface="Times" panose="02020603050405020304" pitchFamily="18" charset="0"/>
+                <a:cs typeface="Times" panose="02020603050405020304" pitchFamily="18" charset="0"/>
+              </a:rPr>
+              <a:t> </a:t>
+            </a:r>
+          </a:p>
+        </p:txBody>
+      </p:sp>
+      <p:sp>
+        <p:nvSpPr>
+          <p:cNvPr id="4" name="Slide Number Placeholder 3">
+            <a:extLst>
+              <a:ext uri="{FF2B5EF4-FFF2-40B4-BE49-F238E27FC236}">
+                <a16:creationId xmlns:a16="http://schemas.microsoft.com/office/drawing/2014/main" id="{C9F01456-9E4A-49D7-D938-F7AF257EBF6C}"/>
+              </a:ext>
+            </a:extLst>
+          </p:cNvPr>
+          <p:cNvSpPr>
+            <a:spLocks noGrp="1"/>
+          </p:cNvSpPr>
+          <p:nvPr>
+            <p:ph type="sldNum" sz="quarter" idx="12"/>
+          </p:nvPr>
+        </p:nvSpPr>
+        <p:spPr/>
+        <p:txBody>
+          <a:bodyPr/>
+          <a:lstStyle/>
+          <a:p>
+            <a:fld id="{666274A1-CF9C-426A-8DD4-B13ED0C24231}" type="slidenum">
+              <a:rPr lang="en-US" smtClean="0"/>
+              <a:t>16</a:t>
+            </a:fld>
+            <a:endParaRPr lang="en-US"/>
+          </a:p>
+        </p:txBody>
+      </p:sp>
+      <p:sp>
+        <p:nvSpPr>
+          <p:cNvPr id="15" name="TextBox 14">
+            <a:extLst>
+              <a:ext uri="{FF2B5EF4-FFF2-40B4-BE49-F238E27FC236}">
+                <a16:creationId xmlns:a16="http://schemas.microsoft.com/office/drawing/2014/main" id="{6FC8E41A-CBC0-1B33-336C-92A1726E4785}"/>
+              </a:ext>
+            </a:extLst>
+          </p:cNvPr>
+          <p:cNvSpPr txBox="1"/>
+          <p:nvPr/>
+        </p:nvSpPr>
+        <p:spPr>
+          <a:xfrm>
+            <a:off x="838200" y="1690688"/>
+            <a:ext cx="4552849" cy="1323439"/>
+          </a:xfrm>
+          <a:prstGeom prst="rect">
+            <a:avLst/>
+          </a:prstGeom>
+          <a:noFill/>
+          <a:ln w="19050">
+            <a:solidFill>
+              <a:schemeClr val="tx1"/>
+            </a:solidFill>
+          </a:ln>
+        </p:spPr>
+        <p:txBody>
+          <a:bodyPr wrap="square" rtlCol="0">
+            <a:spAutoFit/>
+          </a:bodyPr>
+          <a:lstStyle/>
+          <a:p>
+            <a:r>
+              <a:rPr lang="en-US" sz="2000" dirty="0">
+                <a:latin typeface="Times" panose="02020603050405020304" pitchFamily="18" charset="0"/>
+                <a:cs typeface="Times" panose="02020603050405020304" pitchFamily="18" charset="0"/>
+              </a:rPr>
+              <a:t>Data (Weight) = [ 1 1 1 1 1 ]</a:t>
+            </a:r>
+          </a:p>
+          <a:p>
+            <a:endParaRPr lang="en-US" sz="1000" dirty="0">
+              <a:latin typeface="Times" panose="02020603050405020304" pitchFamily="18" charset="0"/>
+              <a:cs typeface="Times" panose="02020603050405020304" pitchFamily="18" charset="0"/>
+            </a:endParaRPr>
+          </a:p>
+          <a:p>
+            <a:r>
+              <a:rPr lang="en-US" sz="2000" dirty="0">
+                <a:latin typeface="Times" panose="02020603050405020304" pitchFamily="18" charset="0"/>
+                <a:cs typeface="Times" panose="02020603050405020304" pitchFamily="18" charset="0"/>
+              </a:rPr>
+              <a:t>Indices (Edge-destination) = [ 1 0 1 1 2 ]</a:t>
+            </a:r>
+          </a:p>
+          <a:p>
+            <a:endParaRPr lang="en-US" sz="1000" dirty="0">
+              <a:latin typeface="Times" panose="02020603050405020304" pitchFamily="18" charset="0"/>
+              <a:cs typeface="Times" panose="02020603050405020304" pitchFamily="18" charset="0"/>
+            </a:endParaRPr>
+          </a:p>
+          <a:p>
+            <a:r>
+              <a:rPr lang="en-US" sz="2000" dirty="0" err="1">
+                <a:latin typeface="Times" panose="02020603050405020304" pitchFamily="18" charset="0"/>
+                <a:cs typeface="Times" panose="02020603050405020304" pitchFamily="18" charset="0"/>
+              </a:rPr>
+              <a:t>Ptr</a:t>
+            </a:r>
+            <a:r>
+              <a:rPr lang="en-US" sz="2000" dirty="0">
+                <a:latin typeface="Times" panose="02020603050405020304" pitchFamily="18" charset="0"/>
+                <a:cs typeface="Times" panose="02020603050405020304" pitchFamily="18" charset="0"/>
+              </a:rPr>
+              <a:t> (Vertex-offset) = [ 0 1 1 3 5 ]</a:t>
+            </a:r>
+          </a:p>
+        </p:txBody>
+      </p:sp>
+      <p:graphicFrame>
+        <p:nvGraphicFramePr>
+          <p:cNvPr id="23" name="Table 24">
+            <a:extLst>
+              <a:ext uri="{FF2B5EF4-FFF2-40B4-BE49-F238E27FC236}">
+                <a16:creationId xmlns:a16="http://schemas.microsoft.com/office/drawing/2014/main" id="{9FA00AE3-111B-DA1E-B92D-1CDB52AE153D}"/>
+              </a:ext>
+            </a:extLst>
+          </p:cNvPr>
+          <p:cNvGraphicFramePr>
+            <a:graphicFrameLocks noGrp="1"/>
+          </p:cNvGraphicFramePr>
+          <p:nvPr>
+            <p:extLst>
+              <p:ext uri="{D42A27DB-BD31-4B8C-83A1-F6EECF244321}">
+                <p14:modId xmlns:p14="http://schemas.microsoft.com/office/powerpoint/2010/main" val="3999205406"/>
+              </p:ext>
+            </p:extLst>
+          </p:nvPr>
+        </p:nvGraphicFramePr>
+        <p:xfrm>
+          <a:off x="7631805" y="3355996"/>
+          <a:ext cx="3245476" cy="918316"/>
+        </p:xfrm>
+        <a:graphic>
+          <a:graphicData uri="http://schemas.openxmlformats.org/drawingml/2006/table">
+            <a:tbl>
+              <a:tblPr firstRow="1" bandRow="1">
+                <a:tableStyleId>{5C22544A-7EE6-4342-B048-85BDC9FD1C3A}</a:tableStyleId>
+              </a:tblPr>
+              <a:tblGrid>
+                <a:gridCol w="1088360">
+                  <a:extLst>
+                    <a:ext uri="{9D8B030D-6E8A-4147-A177-3AD203B41FA5}">
+                      <a16:colId xmlns:a16="http://schemas.microsoft.com/office/drawing/2014/main" val="1480133805"/>
+                    </a:ext>
+                  </a:extLst>
+                </a:gridCol>
+                <a:gridCol w="2157116">
+                  <a:extLst>
+                    <a:ext uri="{9D8B030D-6E8A-4147-A177-3AD203B41FA5}">
+                      <a16:colId xmlns:a16="http://schemas.microsoft.com/office/drawing/2014/main" val="1209037983"/>
+                    </a:ext>
+                  </a:extLst>
+                </a:gridCol>
+              </a:tblGrid>
+              <a:tr h="459158">
+                <a:tc>
+                  <a:txBody>
+                    <a:bodyPr/>
+                    <a:lstStyle/>
+                    <a:p>
+                      <a:pPr algn="ctr"/>
+                      <a:r>
+                        <a:rPr lang="en-US" dirty="0"/>
+                        <a:t>queue</a:t>
+                      </a:r>
+                    </a:p>
+                  </a:txBody>
+                  <a:tcPr anchor="ctr"/>
+                </a:tc>
+                <a:tc>
+                  <a:txBody>
+                    <a:bodyPr/>
+                    <a:lstStyle/>
+                    <a:p>
+                      <a:pPr algn="ctr"/>
+                      <a:r>
+                        <a:rPr lang="en-US" dirty="0"/>
+                        <a:t>{2}</a:t>
+                      </a:r>
+                    </a:p>
+                  </a:txBody>
+                  <a:tcPr anchor="ctr"/>
+                </a:tc>
+                <a:extLst>
+                  <a:ext uri="{0D108BD9-81ED-4DB2-BD59-A6C34878D82A}">
+                    <a16:rowId xmlns:a16="http://schemas.microsoft.com/office/drawing/2014/main" val="448738936"/>
+                  </a:ext>
+                </a:extLst>
+              </a:tr>
+              <a:tr h="459158">
+                <a:tc>
+                  <a:txBody>
+                    <a:bodyPr/>
+                    <a:lstStyle/>
+                    <a:p>
+                      <a:pPr algn="ctr"/>
+                      <a:r>
+                        <a:rPr lang="en-US" dirty="0"/>
+                        <a:t>visited</a:t>
+                      </a:r>
+                    </a:p>
+                  </a:txBody>
+                  <a:tcPr anchor="ctr"/>
+                </a:tc>
+                <a:tc>
+                  <a:txBody>
+                    <a:bodyPr/>
+                    <a:lstStyle/>
+                    <a:p>
+                      <a:pPr algn="ctr"/>
+                      <a:r>
+                        <a:rPr lang="en-US" dirty="0"/>
+                        <a:t>{1, 2, 3}</a:t>
+                      </a:r>
+                    </a:p>
+                  </a:txBody>
+                  <a:tcPr anchor="ctr"/>
+                </a:tc>
+                <a:extLst>
+                  <a:ext uri="{0D108BD9-81ED-4DB2-BD59-A6C34878D82A}">
+                    <a16:rowId xmlns:a16="http://schemas.microsoft.com/office/drawing/2014/main" val="2678306400"/>
+                  </a:ext>
+                </a:extLst>
+              </a:tr>
+            </a:tbl>
+          </a:graphicData>
+        </a:graphic>
+      </p:graphicFrame>
+      <p:graphicFrame>
+        <p:nvGraphicFramePr>
+          <p:cNvPr id="25" name="Table 25">
+            <a:extLst>
+              <a:ext uri="{FF2B5EF4-FFF2-40B4-BE49-F238E27FC236}">
+                <a16:creationId xmlns:a16="http://schemas.microsoft.com/office/drawing/2014/main" id="{B15C42F6-735E-D96F-5D21-A1E32F62E4A9}"/>
+              </a:ext>
+            </a:extLst>
+          </p:cNvPr>
+          <p:cNvGraphicFramePr>
+            <a:graphicFrameLocks noGrp="1"/>
+          </p:cNvGraphicFramePr>
+          <p:nvPr>
+            <p:extLst>
+              <p:ext uri="{D42A27DB-BD31-4B8C-83A1-F6EECF244321}">
+                <p14:modId xmlns:p14="http://schemas.microsoft.com/office/powerpoint/2010/main" val="3840995863"/>
+              </p:ext>
+            </p:extLst>
+          </p:nvPr>
+        </p:nvGraphicFramePr>
+        <p:xfrm>
+          <a:off x="7631805" y="4718487"/>
+          <a:ext cx="3245476" cy="1433034"/>
+        </p:xfrm>
+        <a:graphic>
+          <a:graphicData uri="http://schemas.openxmlformats.org/drawingml/2006/table">
+            <a:tbl>
+              <a:tblPr firstRow="1" bandRow="1">
+                <a:tableStyleId>{93296810-A885-4BE3-A3E7-6D5BEEA58F35}</a:tableStyleId>
+              </a:tblPr>
+              <a:tblGrid>
+                <a:gridCol w="1126902">
+                  <a:extLst>
+                    <a:ext uri="{9D8B030D-6E8A-4147-A177-3AD203B41FA5}">
+                      <a16:colId xmlns:a16="http://schemas.microsoft.com/office/drawing/2014/main" val="532222219"/>
+                    </a:ext>
+                  </a:extLst>
+                </a:gridCol>
+                <a:gridCol w="2118574">
+                  <a:extLst>
+                    <a:ext uri="{9D8B030D-6E8A-4147-A177-3AD203B41FA5}">
+                      <a16:colId xmlns:a16="http://schemas.microsoft.com/office/drawing/2014/main" val="2080526242"/>
+                    </a:ext>
+                  </a:extLst>
+                </a:gridCol>
+              </a:tblGrid>
+              <a:tr h="477678">
+                <a:tc>
+                  <a:txBody>
+                    <a:bodyPr/>
+                    <a:lstStyle/>
+                    <a:p>
+                      <a:pPr algn="ctr"/>
+                      <a:r>
+                        <a:rPr lang="en-US" dirty="0"/>
+                        <a:t>Rank(1)</a:t>
+                      </a:r>
+                    </a:p>
+                  </a:txBody>
+                  <a:tcPr anchor="ctr"/>
+                </a:tc>
+                <a:tc>
+                  <a:txBody>
+                    <a:bodyPr/>
+                    <a:lstStyle/>
+                    <a:p>
+                      <a:pPr algn="ctr"/>
+                      <a:r>
+                        <a:rPr lang="en-US" dirty="0"/>
+                        <a:t>1</a:t>
+                      </a:r>
+                    </a:p>
+                  </a:txBody>
+                  <a:tcPr anchor="ctr"/>
+                </a:tc>
+                <a:extLst>
+                  <a:ext uri="{0D108BD9-81ED-4DB2-BD59-A6C34878D82A}">
+                    <a16:rowId xmlns:a16="http://schemas.microsoft.com/office/drawing/2014/main" val="1093749677"/>
+                  </a:ext>
+                </a:extLst>
+              </a:tr>
+              <a:tr h="477678">
+                <a:tc>
+                  <a:txBody>
+                    <a:bodyPr/>
+                    <a:lstStyle/>
+                    <a:p>
+                      <a:pPr algn="ctr"/>
+                      <a:r>
+                        <a:rPr lang="en-US" dirty="0"/>
+                        <a:t>Rank(2)</a:t>
+                      </a:r>
+                    </a:p>
+                  </a:txBody>
+                  <a:tcPr anchor="ctr"/>
+                </a:tc>
+                <a:tc>
+                  <a:txBody>
+                    <a:bodyPr/>
+                    <a:lstStyle/>
+                    <a:p>
+                      <a:pPr algn="ctr"/>
+                      <a:r>
+                        <a:rPr lang="en-US" dirty="0"/>
+                        <a:t>1</a:t>
+                      </a:r>
+                    </a:p>
+                  </a:txBody>
+                  <a:tcPr anchor="ctr"/>
+                </a:tc>
+                <a:extLst>
+                  <a:ext uri="{0D108BD9-81ED-4DB2-BD59-A6C34878D82A}">
+                    <a16:rowId xmlns:a16="http://schemas.microsoft.com/office/drawing/2014/main" val="2777801488"/>
+                  </a:ext>
+                </a:extLst>
+              </a:tr>
+              <a:tr h="477678">
+                <a:tc>
+                  <a:txBody>
+                    <a:bodyPr/>
+                    <a:lstStyle/>
+                    <a:p>
+                      <a:pPr algn="ctr"/>
+                      <a:r>
+                        <a:rPr lang="en-US" dirty="0"/>
+                        <a:t>Rank(3)</a:t>
+                      </a:r>
+                    </a:p>
+                  </a:txBody>
+                  <a:tcPr anchor="ctr"/>
+                </a:tc>
+                <a:tc>
+                  <a:txBody>
+                    <a:bodyPr/>
+                    <a:lstStyle/>
+                    <a:p>
+                      <a:pPr algn="ctr"/>
+                      <a:r>
+                        <a:rPr lang="en-US" dirty="0"/>
+                        <a:t>0</a:t>
+                      </a:r>
+                    </a:p>
+                  </a:txBody>
+                  <a:tcPr anchor="ctr"/>
+                </a:tc>
+                <a:extLst>
+                  <a:ext uri="{0D108BD9-81ED-4DB2-BD59-A6C34878D82A}">
+                    <a16:rowId xmlns:a16="http://schemas.microsoft.com/office/drawing/2014/main" val="233480415"/>
+                  </a:ext>
+                </a:extLst>
+              </a:tr>
+            </a:tbl>
+          </a:graphicData>
+        </a:graphic>
+      </p:graphicFrame>
+      <p:pic>
+        <p:nvPicPr>
+          <p:cNvPr id="8" name="Picture 7">
+            <a:extLst>
+              <a:ext uri="{FF2B5EF4-FFF2-40B4-BE49-F238E27FC236}">
+                <a16:creationId xmlns:a16="http://schemas.microsoft.com/office/drawing/2014/main" id="{0CAF9209-3895-089B-44E0-96FE39574099}"/>
+              </a:ext>
+            </a:extLst>
+          </p:cNvPr>
+          <p:cNvPicPr>
+            <a:picLocks noChangeAspect="1"/>
+          </p:cNvPicPr>
+          <p:nvPr/>
+        </p:nvPicPr>
+        <p:blipFill>
+          <a:blip r:embed="rId2"/>
+          <a:stretch>
+            <a:fillRect/>
+          </a:stretch>
+        </p:blipFill>
+        <p:spPr>
+          <a:xfrm>
+            <a:off x="8275195" y="210746"/>
+            <a:ext cx="3533938" cy="2701075"/>
+          </a:xfrm>
+          <a:prstGeom prst="rect">
+            <a:avLst/>
+          </a:prstGeom>
+        </p:spPr>
+      </p:pic>
+      <p:sp>
+        <p:nvSpPr>
+          <p:cNvPr id="13" name="TextBox 12">
+            <a:extLst>
+              <a:ext uri="{FF2B5EF4-FFF2-40B4-BE49-F238E27FC236}">
+                <a16:creationId xmlns:a16="http://schemas.microsoft.com/office/drawing/2014/main" id="{6F73D14E-4B5B-A022-C41E-39263E6F4BBD}"/>
+              </a:ext>
+            </a:extLst>
+          </p:cNvPr>
+          <p:cNvSpPr txBox="1"/>
+          <p:nvPr/>
+        </p:nvSpPr>
+        <p:spPr>
+          <a:xfrm>
+            <a:off x="838200" y="3843874"/>
+            <a:ext cx="2021707" cy="2052934"/>
+          </a:xfrm>
+          <a:prstGeom prst="rect">
+            <a:avLst/>
+          </a:prstGeom>
+          <a:noFill/>
+        </p:spPr>
+        <p:txBody>
+          <a:bodyPr wrap="none" rtlCol="0">
+            <a:spAutoFit/>
+          </a:bodyPr>
+          <a:lstStyle/>
+          <a:p>
+            <a:pPr marL="342900" indent="-342900">
+              <a:lnSpc>
+                <a:spcPct val="130000"/>
+              </a:lnSpc>
+              <a:buFont typeface="Arial" panose="020B0604020202020204" pitchFamily="34" charset="0"/>
+              <a:buChar char="•"/>
+            </a:pPr>
+            <a:r>
+              <a:rPr lang="en-US" sz="2000" dirty="0">
+                <a:latin typeface="Times" panose="02020603050405020304" pitchFamily="18" charset="0"/>
+                <a:cs typeface="Times" panose="02020603050405020304" pitchFamily="18" charset="0"/>
+              </a:rPr>
+              <a:t>v = 1</a:t>
+            </a:r>
+          </a:p>
+          <a:p>
+            <a:pPr marL="342900" indent="-342900">
+              <a:lnSpc>
+                <a:spcPct val="130000"/>
+              </a:lnSpc>
+              <a:buFont typeface="Arial" panose="020B0604020202020204" pitchFamily="34" charset="0"/>
+              <a:buChar char="•"/>
+            </a:pPr>
+            <a:r>
+              <a:rPr lang="en-US" sz="2000" dirty="0" err="1">
+                <a:latin typeface="Times" panose="02020603050405020304" pitchFamily="18" charset="0"/>
+                <a:cs typeface="Times" panose="02020603050405020304" pitchFamily="18" charset="0"/>
+              </a:rPr>
+              <a:t>vrank</a:t>
+            </a:r>
+            <a:r>
+              <a:rPr lang="en-US" sz="2000" dirty="0">
+                <a:latin typeface="Times" panose="02020603050405020304" pitchFamily="18" charset="0"/>
+                <a:cs typeface="Times" panose="02020603050405020304" pitchFamily="18" charset="0"/>
+              </a:rPr>
+              <a:t> = 1</a:t>
+            </a:r>
+          </a:p>
+          <a:p>
+            <a:pPr marL="342900" indent="-342900">
+              <a:lnSpc>
+                <a:spcPct val="130000"/>
+              </a:lnSpc>
+              <a:buFont typeface="Arial" panose="020B0604020202020204" pitchFamily="34" charset="0"/>
+              <a:buChar char="•"/>
+            </a:pPr>
+            <a:r>
+              <a:rPr lang="en-US" sz="2000" dirty="0" err="1">
+                <a:latin typeface="Times" panose="02020603050405020304" pitchFamily="18" charset="0"/>
+                <a:cs typeface="Times" panose="02020603050405020304" pitchFamily="18" charset="0"/>
+              </a:rPr>
+              <a:t>edgeFront</a:t>
+            </a:r>
+            <a:r>
+              <a:rPr lang="en-US" sz="2000" dirty="0">
+                <a:latin typeface="Times" panose="02020603050405020304" pitchFamily="18" charset="0"/>
+                <a:cs typeface="Times" panose="02020603050405020304" pitchFamily="18" charset="0"/>
+              </a:rPr>
+              <a:t> = 1</a:t>
+            </a:r>
+          </a:p>
+          <a:p>
+            <a:pPr marL="342900" indent="-342900">
+              <a:lnSpc>
+                <a:spcPct val="130000"/>
+              </a:lnSpc>
+              <a:buFont typeface="Arial" panose="020B0604020202020204" pitchFamily="34" charset="0"/>
+              <a:buChar char="•"/>
+            </a:pPr>
+            <a:r>
+              <a:rPr lang="en-US" sz="2000" dirty="0" err="1">
+                <a:latin typeface="Times" panose="02020603050405020304" pitchFamily="18" charset="0"/>
+                <a:cs typeface="Times" panose="02020603050405020304" pitchFamily="18" charset="0"/>
+              </a:rPr>
+              <a:t>edgeEnd</a:t>
+            </a:r>
+            <a:r>
+              <a:rPr lang="en-US" sz="2000" dirty="0">
+                <a:latin typeface="Times" panose="02020603050405020304" pitchFamily="18" charset="0"/>
+                <a:cs typeface="Times" panose="02020603050405020304" pitchFamily="18" charset="0"/>
+              </a:rPr>
+              <a:t>    = 1</a:t>
+            </a:r>
+          </a:p>
+          <a:p>
+            <a:pPr marL="342900" indent="-342900">
+              <a:lnSpc>
+                <a:spcPct val="130000"/>
+              </a:lnSpc>
+              <a:buFont typeface="Arial" panose="020B0604020202020204" pitchFamily="34" charset="0"/>
+              <a:buChar char="•"/>
+            </a:pPr>
+            <a:r>
+              <a:rPr lang="en-US" sz="2000" dirty="0">
+                <a:latin typeface="Times" panose="02020603050405020304" pitchFamily="18" charset="0"/>
+                <a:cs typeface="Times" panose="02020603050405020304" pitchFamily="18" charset="0"/>
+              </a:rPr>
+              <a:t>edge = X</a:t>
+            </a:r>
+            <a:endParaRPr lang="en-US" altLang="zh-TW" sz="2000" dirty="0">
+              <a:latin typeface="Times" panose="02020603050405020304" pitchFamily="18" charset="0"/>
+              <a:cs typeface="Times" panose="02020603050405020304" pitchFamily="18" charset="0"/>
+            </a:endParaRPr>
+          </a:p>
+        </p:txBody>
+      </p:sp>
+    </p:spTree>
+    <p:extLst>
+      <p:ext uri="{BB962C8B-B14F-4D97-AF65-F5344CB8AC3E}">
+        <p14:creationId xmlns:p14="http://schemas.microsoft.com/office/powerpoint/2010/main" val="3994466181"/>
+      </p:ext>
+    </p:extLst>
+  </p:cSld>
+  <p:clrMapOvr>
+    <a:masterClrMapping/>
+  </p:clrMapOvr>
+</p:sld>
+</file>
+
+<file path=ppt/slides/slide18.xml><?xml version="1.0" encoding="utf-8"?>
+<p:sld xmlns:a="http://schemas.openxmlformats.org/drawingml/2006/main" xmlns:r="http://schemas.openxmlformats.org/officeDocument/2006/relationships" xmlns:p="http://schemas.openxmlformats.org/presentationml/2006/main">
+  <p:cSld>
+    <p:spTree>
+      <p:nvGrpSpPr>
+        <p:cNvPr id="1" name=""/>
+        <p:cNvGrpSpPr/>
+        <p:nvPr/>
+      </p:nvGrpSpPr>
+      <p:grpSpPr>
+        <a:xfrm>
+          <a:off x="0" y="0"/>
+          <a:ext cx="0" cy="0"/>
+          <a:chOff x="0" y="0"/>
+          <a:chExt cx="0" cy="0"/>
+        </a:xfrm>
+      </p:grpSpPr>
+      <p:sp>
+        <p:nvSpPr>
+          <p:cNvPr id="2" name="Title 1">
+            <a:extLst>
+              <a:ext uri="{FF2B5EF4-FFF2-40B4-BE49-F238E27FC236}">
+                <a16:creationId xmlns:a16="http://schemas.microsoft.com/office/drawing/2014/main" id="{3254D41C-203E-0674-624E-12684BB571C2}"/>
+              </a:ext>
+            </a:extLst>
+          </p:cNvPr>
+          <p:cNvSpPr>
+            <a:spLocks noGrp="1"/>
+          </p:cNvSpPr>
+          <p:nvPr>
+            <p:ph type="title"/>
+          </p:nvPr>
+        </p:nvSpPr>
+        <p:spPr/>
+        <p:txBody>
+          <a:bodyPr/>
+          <a:lstStyle/>
+          <a:p>
+            <a:r>
+              <a:rPr lang="en-US" dirty="0">
+                <a:latin typeface="Times" panose="02020603050405020304" pitchFamily="18" charset="0"/>
+                <a:cs typeface="Times" panose="02020603050405020304" pitchFamily="18" charset="0"/>
+              </a:rPr>
+              <a:t>Example : </a:t>
+            </a:r>
+            <a:r>
+              <a:rPr lang="en-US" sz="4400" dirty="0">
+                <a:latin typeface="Times" panose="02020603050405020304" pitchFamily="18" charset="0"/>
+                <a:cs typeface="Times" panose="02020603050405020304" pitchFamily="18" charset="0"/>
+              </a:rPr>
+              <a:t>Circuit Pin Ranking</a:t>
+            </a:r>
+            <a:r>
+              <a:rPr lang="en-US" dirty="0">
+                <a:latin typeface="Times" panose="02020603050405020304" pitchFamily="18" charset="0"/>
+                <a:cs typeface="Times" panose="02020603050405020304" pitchFamily="18" charset="0"/>
+              </a:rPr>
+              <a:t> </a:t>
+            </a:r>
+          </a:p>
+        </p:txBody>
+      </p:sp>
+      <p:sp>
+        <p:nvSpPr>
+          <p:cNvPr id="4" name="Slide Number Placeholder 3">
+            <a:extLst>
+              <a:ext uri="{FF2B5EF4-FFF2-40B4-BE49-F238E27FC236}">
+                <a16:creationId xmlns:a16="http://schemas.microsoft.com/office/drawing/2014/main" id="{C9F01456-9E4A-49D7-D938-F7AF257EBF6C}"/>
+              </a:ext>
+            </a:extLst>
+          </p:cNvPr>
+          <p:cNvSpPr>
+            <a:spLocks noGrp="1"/>
+          </p:cNvSpPr>
+          <p:nvPr>
+            <p:ph type="sldNum" sz="quarter" idx="12"/>
+          </p:nvPr>
+        </p:nvSpPr>
+        <p:spPr/>
+        <p:txBody>
+          <a:bodyPr/>
+          <a:lstStyle/>
+          <a:p>
+            <a:fld id="{666274A1-CF9C-426A-8DD4-B13ED0C24231}" type="slidenum">
+              <a:rPr lang="en-US" smtClean="0"/>
+              <a:t>17</a:t>
+            </a:fld>
+            <a:endParaRPr lang="en-US"/>
+          </a:p>
+        </p:txBody>
+      </p:sp>
+      <p:sp>
+        <p:nvSpPr>
+          <p:cNvPr id="15" name="TextBox 14">
+            <a:extLst>
+              <a:ext uri="{FF2B5EF4-FFF2-40B4-BE49-F238E27FC236}">
+                <a16:creationId xmlns:a16="http://schemas.microsoft.com/office/drawing/2014/main" id="{6FC8E41A-CBC0-1B33-336C-92A1726E4785}"/>
+              </a:ext>
+            </a:extLst>
+          </p:cNvPr>
+          <p:cNvSpPr txBox="1"/>
+          <p:nvPr/>
+        </p:nvSpPr>
+        <p:spPr>
+          <a:xfrm>
+            <a:off x="838200" y="1690688"/>
+            <a:ext cx="4552849" cy="1323439"/>
+          </a:xfrm>
+          <a:prstGeom prst="rect">
+            <a:avLst/>
+          </a:prstGeom>
+          <a:noFill/>
+          <a:ln w="19050">
+            <a:solidFill>
+              <a:schemeClr val="tx1"/>
+            </a:solidFill>
+          </a:ln>
+        </p:spPr>
+        <p:txBody>
+          <a:bodyPr wrap="square" rtlCol="0">
+            <a:spAutoFit/>
+          </a:bodyPr>
+          <a:lstStyle/>
+          <a:p>
+            <a:r>
+              <a:rPr lang="en-US" sz="2000" dirty="0">
+                <a:latin typeface="Times" panose="02020603050405020304" pitchFamily="18" charset="0"/>
+                <a:cs typeface="Times" panose="02020603050405020304" pitchFamily="18" charset="0"/>
+              </a:rPr>
+              <a:t>Data (Weight) = [ 1 1 1 1 1 ]</a:t>
+            </a:r>
+          </a:p>
+          <a:p>
+            <a:endParaRPr lang="en-US" sz="1000" dirty="0">
+              <a:latin typeface="Times" panose="02020603050405020304" pitchFamily="18" charset="0"/>
+              <a:cs typeface="Times" panose="02020603050405020304" pitchFamily="18" charset="0"/>
+            </a:endParaRPr>
+          </a:p>
+          <a:p>
+            <a:r>
+              <a:rPr lang="en-US" sz="2000" dirty="0">
+                <a:latin typeface="Times" panose="02020603050405020304" pitchFamily="18" charset="0"/>
+                <a:cs typeface="Times" panose="02020603050405020304" pitchFamily="18" charset="0"/>
+              </a:rPr>
+              <a:t>Indices (Edge-destination) = [ 1 0 1 1 2 ]</a:t>
+            </a:r>
+          </a:p>
+          <a:p>
+            <a:endParaRPr lang="en-US" sz="1000" dirty="0">
+              <a:latin typeface="Times" panose="02020603050405020304" pitchFamily="18" charset="0"/>
+              <a:cs typeface="Times" panose="02020603050405020304" pitchFamily="18" charset="0"/>
+            </a:endParaRPr>
+          </a:p>
+          <a:p>
+            <a:r>
+              <a:rPr lang="en-US" sz="2000" dirty="0" err="1">
+                <a:latin typeface="Times" panose="02020603050405020304" pitchFamily="18" charset="0"/>
+                <a:cs typeface="Times" panose="02020603050405020304" pitchFamily="18" charset="0"/>
+              </a:rPr>
+              <a:t>Ptr</a:t>
+            </a:r>
+            <a:r>
+              <a:rPr lang="en-US" sz="2000" dirty="0">
+                <a:latin typeface="Times" panose="02020603050405020304" pitchFamily="18" charset="0"/>
+                <a:cs typeface="Times" panose="02020603050405020304" pitchFamily="18" charset="0"/>
+              </a:rPr>
+              <a:t> (Vertex-offset) = [ 0 1 1 3 5 ]</a:t>
+            </a:r>
+          </a:p>
+        </p:txBody>
+      </p:sp>
+      <p:graphicFrame>
+        <p:nvGraphicFramePr>
+          <p:cNvPr id="23" name="Table 24">
+            <a:extLst>
+              <a:ext uri="{FF2B5EF4-FFF2-40B4-BE49-F238E27FC236}">
+                <a16:creationId xmlns:a16="http://schemas.microsoft.com/office/drawing/2014/main" id="{9FA00AE3-111B-DA1E-B92D-1CDB52AE153D}"/>
+              </a:ext>
+            </a:extLst>
+          </p:cNvPr>
+          <p:cNvGraphicFramePr>
+            <a:graphicFrameLocks noGrp="1"/>
+          </p:cNvGraphicFramePr>
+          <p:nvPr>
+            <p:extLst>
+              <p:ext uri="{D42A27DB-BD31-4B8C-83A1-F6EECF244321}">
+                <p14:modId xmlns:p14="http://schemas.microsoft.com/office/powerpoint/2010/main" val="984233469"/>
+              </p:ext>
+            </p:extLst>
+          </p:nvPr>
+        </p:nvGraphicFramePr>
+        <p:xfrm>
+          <a:off x="7631805" y="3355996"/>
+          <a:ext cx="3245476" cy="918316"/>
+        </p:xfrm>
+        <a:graphic>
+          <a:graphicData uri="http://schemas.openxmlformats.org/drawingml/2006/table">
+            <a:tbl>
+              <a:tblPr firstRow="1" bandRow="1">
+                <a:tableStyleId>{5C22544A-7EE6-4342-B048-85BDC9FD1C3A}</a:tableStyleId>
+              </a:tblPr>
+              <a:tblGrid>
+                <a:gridCol w="1088360">
+                  <a:extLst>
+                    <a:ext uri="{9D8B030D-6E8A-4147-A177-3AD203B41FA5}">
+                      <a16:colId xmlns:a16="http://schemas.microsoft.com/office/drawing/2014/main" val="1480133805"/>
+                    </a:ext>
+                  </a:extLst>
+                </a:gridCol>
+                <a:gridCol w="2157116">
+                  <a:extLst>
+                    <a:ext uri="{9D8B030D-6E8A-4147-A177-3AD203B41FA5}">
+                      <a16:colId xmlns:a16="http://schemas.microsoft.com/office/drawing/2014/main" val="1209037983"/>
+                    </a:ext>
+                  </a:extLst>
+                </a:gridCol>
+              </a:tblGrid>
+              <a:tr h="459158">
+                <a:tc>
+                  <a:txBody>
+                    <a:bodyPr/>
+                    <a:lstStyle/>
+                    <a:p>
+                      <a:pPr algn="ctr"/>
+                      <a:r>
+                        <a:rPr lang="en-US" dirty="0"/>
+                        <a:t>queue</a:t>
+                      </a:r>
+                    </a:p>
+                  </a:txBody>
+                  <a:tcPr anchor="ctr"/>
+                </a:tc>
+                <a:tc>
+                  <a:txBody>
+                    <a:bodyPr/>
+                    <a:lstStyle/>
+                    <a:p>
+                      <a:pPr algn="ctr"/>
+                      <a:r>
+                        <a:rPr lang="en-US" dirty="0"/>
+                        <a:t>{0}</a:t>
+                      </a:r>
+                    </a:p>
+                  </a:txBody>
+                  <a:tcPr anchor="ctr"/>
+                </a:tc>
+                <a:extLst>
+                  <a:ext uri="{0D108BD9-81ED-4DB2-BD59-A6C34878D82A}">
+                    <a16:rowId xmlns:a16="http://schemas.microsoft.com/office/drawing/2014/main" val="448738936"/>
+                  </a:ext>
+                </a:extLst>
+              </a:tr>
+              <a:tr h="459158">
+                <a:tc>
+                  <a:txBody>
+                    <a:bodyPr/>
+                    <a:lstStyle/>
+                    <a:p>
+                      <a:pPr algn="ctr"/>
+                      <a:r>
+                        <a:rPr lang="en-US" dirty="0"/>
+                        <a:t>visited</a:t>
+                      </a:r>
+                    </a:p>
+                  </a:txBody>
+                  <a:tcPr anchor="ctr"/>
+                </a:tc>
+                <a:tc>
+                  <a:txBody>
+                    <a:bodyPr/>
+                    <a:lstStyle/>
+                    <a:p>
+                      <a:pPr algn="ctr"/>
+                      <a:r>
+                        <a:rPr lang="en-US" dirty="0"/>
+                        <a:t>{0, 1, 2, 3}</a:t>
+                      </a:r>
+                    </a:p>
+                  </a:txBody>
+                  <a:tcPr anchor="ctr"/>
+                </a:tc>
+                <a:extLst>
+                  <a:ext uri="{0D108BD9-81ED-4DB2-BD59-A6C34878D82A}">
+                    <a16:rowId xmlns:a16="http://schemas.microsoft.com/office/drawing/2014/main" val="2678306400"/>
+                  </a:ext>
+                </a:extLst>
+              </a:tr>
+            </a:tbl>
+          </a:graphicData>
+        </a:graphic>
+      </p:graphicFrame>
+      <p:graphicFrame>
+        <p:nvGraphicFramePr>
+          <p:cNvPr id="25" name="Table 25">
+            <a:extLst>
+              <a:ext uri="{FF2B5EF4-FFF2-40B4-BE49-F238E27FC236}">
+                <a16:creationId xmlns:a16="http://schemas.microsoft.com/office/drawing/2014/main" id="{B15C42F6-735E-D96F-5D21-A1E32F62E4A9}"/>
+              </a:ext>
+            </a:extLst>
+          </p:cNvPr>
+          <p:cNvGraphicFramePr>
+            <a:graphicFrameLocks noGrp="1"/>
+          </p:cNvGraphicFramePr>
+          <p:nvPr>
+            <p:extLst>
+              <p:ext uri="{D42A27DB-BD31-4B8C-83A1-F6EECF244321}">
+                <p14:modId xmlns:p14="http://schemas.microsoft.com/office/powerpoint/2010/main" val="14927860"/>
+              </p:ext>
+            </p:extLst>
+          </p:nvPr>
+        </p:nvGraphicFramePr>
+        <p:xfrm>
+          <a:off x="7631805" y="4518865"/>
+          <a:ext cx="3245476" cy="1910712"/>
+        </p:xfrm>
+        <a:graphic>
+          <a:graphicData uri="http://schemas.openxmlformats.org/drawingml/2006/table">
+            <a:tbl>
+              <a:tblPr firstRow="1" bandRow="1">
+                <a:tableStyleId>{93296810-A885-4BE3-A3E7-6D5BEEA58F35}</a:tableStyleId>
+              </a:tblPr>
+              <a:tblGrid>
+                <a:gridCol w="1126902">
+                  <a:extLst>
+                    <a:ext uri="{9D8B030D-6E8A-4147-A177-3AD203B41FA5}">
+                      <a16:colId xmlns:a16="http://schemas.microsoft.com/office/drawing/2014/main" val="532222219"/>
+                    </a:ext>
+                  </a:extLst>
+                </a:gridCol>
+                <a:gridCol w="2118574">
+                  <a:extLst>
+                    <a:ext uri="{9D8B030D-6E8A-4147-A177-3AD203B41FA5}">
+                      <a16:colId xmlns:a16="http://schemas.microsoft.com/office/drawing/2014/main" val="2080526242"/>
+                    </a:ext>
+                  </a:extLst>
+                </a:gridCol>
+              </a:tblGrid>
+              <a:tr h="477678">
+                <a:tc>
+                  <a:txBody>
+                    <a:bodyPr/>
+                    <a:lstStyle/>
+                    <a:p>
+                      <a:pPr algn="ctr"/>
+                      <a:r>
+                        <a:rPr lang="en-US" dirty="0"/>
+                        <a:t>Rank(0)</a:t>
+                      </a:r>
+                    </a:p>
+                  </a:txBody>
+                  <a:tcPr anchor="ctr"/>
+                </a:tc>
+                <a:tc>
+                  <a:txBody>
+                    <a:bodyPr/>
+                    <a:lstStyle/>
+                    <a:p>
+                      <a:pPr algn="ctr"/>
+                      <a:r>
+                        <a:rPr lang="en-US" dirty="0"/>
+                        <a:t>1+1=2</a:t>
+                      </a:r>
+                    </a:p>
+                  </a:txBody>
+                  <a:tcPr anchor="ctr"/>
+                </a:tc>
+                <a:extLst>
+                  <a:ext uri="{0D108BD9-81ED-4DB2-BD59-A6C34878D82A}">
+                    <a16:rowId xmlns:a16="http://schemas.microsoft.com/office/drawing/2014/main" val="2047548793"/>
+                  </a:ext>
+                </a:extLst>
+              </a:tr>
+              <a:tr h="477678">
+                <a:tc>
+                  <a:txBody>
+                    <a:bodyPr/>
+                    <a:lstStyle/>
+                    <a:p>
+                      <a:pPr algn="ctr"/>
+                      <a:r>
+                        <a:rPr lang="en-US" dirty="0"/>
+                        <a:t>Rank(1)</a:t>
+                      </a:r>
+                    </a:p>
+                  </a:txBody>
+                  <a:tcPr anchor="ctr"/>
+                </a:tc>
+                <a:tc>
+                  <a:txBody>
+                    <a:bodyPr/>
+                    <a:lstStyle/>
+                    <a:p>
+                      <a:pPr algn="ctr"/>
+                      <a:r>
+                        <a:rPr lang="en-US" dirty="0"/>
+                        <a:t>1</a:t>
+                      </a:r>
+                    </a:p>
+                  </a:txBody>
+                  <a:tcPr anchor="ctr"/>
+                </a:tc>
+                <a:extLst>
+                  <a:ext uri="{0D108BD9-81ED-4DB2-BD59-A6C34878D82A}">
+                    <a16:rowId xmlns:a16="http://schemas.microsoft.com/office/drawing/2014/main" val="1093749677"/>
+                  </a:ext>
+                </a:extLst>
+              </a:tr>
+              <a:tr h="477678">
+                <a:tc>
+                  <a:txBody>
+                    <a:bodyPr/>
+                    <a:lstStyle/>
+                    <a:p>
+                      <a:pPr algn="ctr"/>
+                      <a:r>
+                        <a:rPr lang="en-US" dirty="0"/>
+                        <a:t>Rank(2)</a:t>
+                      </a:r>
+                    </a:p>
+                  </a:txBody>
+                  <a:tcPr anchor="ctr"/>
+                </a:tc>
+                <a:tc>
+                  <a:txBody>
+                    <a:bodyPr/>
+                    <a:lstStyle/>
+                    <a:p>
+                      <a:pPr algn="ctr"/>
+                      <a:r>
+                        <a:rPr lang="en-US" dirty="0"/>
+                        <a:t>1</a:t>
+                      </a:r>
+                    </a:p>
+                  </a:txBody>
+                  <a:tcPr anchor="ctr"/>
+                </a:tc>
+                <a:extLst>
+                  <a:ext uri="{0D108BD9-81ED-4DB2-BD59-A6C34878D82A}">
+                    <a16:rowId xmlns:a16="http://schemas.microsoft.com/office/drawing/2014/main" val="2777801488"/>
+                  </a:ext>
+                </a:extLst>
+              </a:tr>
+              <a:tr h="477678">
+                <a:tc>
+                  <a:txBody>
+                    <a:bodyPr/>
+                    <a:lstStyle/>
+                    <a:p>
+                      <a:pPr algn="ctr"/>
+                      <a:r>
+                        <a:rPr lang="en-US" dirty="0"/>
+                        <a:t>Rank(3)</a:t>
+                      </a:r>
+                    </a:p>
+                  </a:txBody>
+                  <a:tcPr anchor="ctr"/>
+                </a:tc>
+                <a:tc>
+                  <a:txBody>
+                    <a:bodyPr/>
+                    <a:lstStyle/>
+                    <a:p>
+                      <a:pPr algn="ctr"/>
+                      <a:r>
+                        <a:rPr lang="en-US" dirty="0"/>
+                        <a:t>0</a:t>
+                      </a:r>
+                    </a:p>
+                  </a:txBody>
+                  <a:tcPr anchor="ctr"/>
+                </a:tc>
+                <a:extLst>
+                  <a:ext uri="{0D108BD9-81ED-4DB2-BD59-A6C34878D82A}">
+                    <a16:rowId xmlns:a16="http://schemas.microsoft.com/office/drawing/2014/main" val="233480415"/>
+                  </a:ext>
+                </a:extLst>
+              </a:tr>
+            </a:tbl>
+          </a:graphicData>
+        </a:graphic>
+      </p:graphicFrame>
+      <p:pic>
+        <p:nvPicPr>
+          <p:cNvPr id="8" name="Picture 7">
+            <a:extLst>
+              <a:ext uri="{FF2B5EF4-FFF2-40B4-BE49-F238E27FC236}">
+                <a16:creationId xmlns:a16="http://schemas.microsoft.com/office/drawing/2014/main" id="{0CAF9209-3895-089B-44E0-96FE39574099}"/>
+              </a:ext>
+            </a:extLst>
+          </p:cNvPr>
+          <p:cNvPicPr>
+            <a:picLocks noChangeAspect="1"/>
+          </p:cNvPicPr>
+          <p:nvPr/>
+        </p:nvPicPr>
+        <p:blipFill>
+          <a:blip r:embed="rId2"/>
+          <a:stretch>
+            <a:fillRect/>
+          </a:stretch>
+        </p:blipFill>
+        <p:spPr>
+          <a:xfrm>
+            <a:off x="8275195" y="210746"/>
+            <a:ext cx="3533938" cy="2701075"/>
+          </a:xfrm>
+          <a:prstGeom prst="rect">
+            <a:avLst/>
+          </a:prstGeom>
+        </p:spPr>
+      </p:pic>
+      <p:sp>
+        <p:nvSpPr>
+          <p:cNvPr id="13" name="TextBox 12">
+            <a:extLst>
+              <a:ext uri="{FF2B5EF4-FFF2-40B4-BE49-F238E27FC236}">
+                <a16:creationId xmlns:a16="http://schemas.microsoft.com/office/drawing/2014/main" id="{6F73D14E-4B5B-A022-C41E-39263E6F4BBD}"/>
+              </a:ext>
+            </a:extLst>
+          </p:cNvPr>
+          <p:cNvSpPr txBox="1"/>
+          <p:nvPr/>
+        </p:nvSpPr>
+        <p:spPr>
+          <a:xfrm>
+            <a:off x="838200" y="3843874"/>
+            <a:ext cx="2698175" cy="2052934"/>
+          </a:xfrm>
+          <a:prstGeom prst="rect">
+            <a:avLst/>
+          </a:prstGeom>
+          <a:noFill/>
+        </p:spPr>
+        <p:txBody>
+          <a:bodyPr wrap="none" rtlCol="0">
+            <a:spAutoFit/>
+          </a:bodyPr>
+          <a:lstStyle/>
+          <a:p>
+            <a:pPr marL="342900" indent="-342900">
+              <a:lnSpc>
+                <a:spcPct val="130000"/>
+              </a:lnSpc>
+              <a:buFont typeface="Arial" panose="020B0604020202020204" pitchFamily="34" charset="0"/>
+              <a:buChar char="•"/>
+            </a:pPr>
+            <a:r>
+              <a:rPr lang="en-US" sz="2000" dirty="0">
+                <a:latin typeface="Times" panose="02020603050405020304" pitchFamily="18" charset="0"/>
+                <a:cs typeface="Times" panose="02020603050405020304" pitchFamily="18" charset="0"/>
+              </a:rPr>
+              <a:t>v = 2</a:t>
+            </a:r>
+          </a:p>
+          <a:p>
+            <a:pPr marL="342900" indent="-342900">
+              <a:lnSpc>
+                <a:spcPct val="130000"/>
+              </a:lnSpc>
+              <a:buFont typeface="Arial" panose="020B0604020202020204" pitchFamily="34" charset="0"/>
+              <a:buChar char="•"/>
+            </a:pPr>
+            <a:r>
+              <a:rPr lang="en-US" sz="2000" dirty="0" err="1">
+                <a:latin typeface="Times" panose="02020603050405020304" pitchFamily="18" charset="0"/>
+                <a:cs typeface="Times" panose="02020603050405020304" pitchFamily="18" charset="0"/>
+              </a:rPr>
+              <a:t>vrank</a:t>
+            </a:r>
+            <a:r>
+              <a:rPr lang="en-US" sz="2000" dirty="0">
+                <a:latin typeface="Times" panose="02020603050405020304" pitchFamily="18" charset="0"/>
+                <a:cs typeface="Times" panose="02020603050405020304" pitchFamily="18" charset="0"/>
+              </a:rPr>
+              <a:t> = 1</a:t>
+            </a:r>
+          </a:p>
+          <a:p>
+            <a:pPr marL="342900" indent="-342900">
+              <a:lnSpc>
+                <a:spcPct val="130000"/>
+              </a:lnSpc>
+              <a:buFont typeface="Arial" panose="020B0604020202020204" pitchFamily="34" charset="0"/>
+              <a:buChar char="•"/>
+            </a:pPr>
+            <a:r>
+              <a:rPr lang="en-US" sz="2000" dirty="0" err="1">
+                <a:latin typeface="Times" panose="02020603050405020304" pitchFamily="18" charset="0"/>
+                <a:cs typeface="Times" panose="02020603050405020304" pitchFamily="18" charset="0"/>
+              </a:rPr>
+              <a:t>edgeFront</a:t>
+            </a:r>
+            <a:r>
+              <a:rPr lang="en-US" sz="2000" dirty="0">
+                <a:latin typeface="Times" panose="02020603050405020304" pitchFamily="18" charset="0"/>
+                <a:cs typeface="Times" panose="02020603050405020304" pitchFamily="18" charset="0"/>
+              </a:rPr>
+              <a:t> = 1</a:t>
+            </a:r>
+          </a:p>
+          <a:p>
+            <a:pPr marL="342900" indent="-342900">
+              <a:lnSpc>
+                <a:spcPct val="130000"/>
+              </a:lnSpc>
+              <a:buFont typeface="Arial" panose="020B0604020202020204" pitchFamily="34" charset="0"/>
+              <a:buChar char="•"/>
+            </a:pPr>
+            <a:r>
+              <a:rPr lang="en-US" sz="2000" dirty="0" err="1">
+                <a:latin typeface="Times" panose="02020603050405020304" pitchFamily="18" charset="0"/>
+                <a:cs typeface="Times" panose="02020603050405020304" pitchFamily="18" charset="0"/>
+              </a:rPr>
+              <a:t>edgeEnd</a:t>
+            </a:r>
+            <a:r>
+              <a:rPr lang="en-US" sz="2000" dirty="0">
+                <a:latin typeface="Times" panose="02020603050405020304" pitchFamily="18" charset="0"/>
+                <a:cs typeface="Times" panose="02020603050405020304" pitchFamily="18" charset="0"/>
+              </a:rPr>
+              <a:t>    = 3</a:t>
+            </a:r>
+          </a:p>
+          <a:p>
+            <a:pPr marL="342900" indent="-342900">
+              <a:lnSpc>
+                <a:spcPct val="130000"/>
+              </a:lnSpc>
+              <a:buFont typeface="Arial" panose="020B0604020202020204" pitchFamily="34" charset="0"/>
+              <a:buChar char="•"/>
+            </a:pPr>
+            <a:r>
+              <a:rPr lang="en-US" sz="2000" dirty="0">
+                <a:latin typeface="Times" panose="02020603050405020304" pitchFamily="18" charset="0"/>
+                <a:cs typeface="Times" panose="02020603050405020304" pitchFamily="18" charset="0"/>
+              </a:rPr>
+              <a:t>edge = 2 </a:t>
+            </a:r>
+            <a:r>
+              <a:rPr lang="zh-TW" altLang="en-US" sz="2000" dirty="0">
+                <a:latin typeface="Times" panose="02020603050405020304" pitchFamily="18" charset="0"/>
+                <a:cs typeface="Times" panose="02020603050405020304" pitchFamily="18" charset="0"/>
+              </a:rPr>
+              <a:t>→</a:t>
+            </a:r>
+            <a:r>
+              <a:rPr lang="en-US" sz="2000" dirty="0">
+                <a:latin typeface="Times" panose="02020603050405020304" pitchFamily="18" charset="0"/>
+                <a:cs typeface="Times" panose="02020603050405020304" pitchFamily="18" charset="0"/>
+              </a:rPr>
+              <a:t> 0, 2</a:t>
+            </a:r>
+            <a:r>
+              <a:rPr lang="zh-TW" altLang="en-US" sz="2000" dirty="0">
+                <a:latin typeface="Times" panose="02020603050405020304" pitchFamily="18" charset="0"/>
+                <a:cs typeface="Times" panose="02020603050405020304" pitchFamily="18" charset="0"/>
+              </a:rPr>
+              <a:t> → </a:t>
+            </a:r>
+            <a:r>
+              <a:rPr lang="en-US" altLang="zh-TW" sz="2000" dirty="0">
+                <a:latin typeface="Times" panose="02020603050405020304" pitchFamily="18" charset="0"/>
+                <a:cs typeface="Times" panose="02020603050405020304" pitchFamily="18" charset="0"/>
+              </a:rPr>
+              <a:t>1</a:t>
+            </a:r>
+          </a:p>
+        </p:txBody>
+      </p:sp>
+    </p:spTree>
+    <p:extLst>
+      <p:ext uri="{BB962C8B-B14F-4D97-AF65-F5344CB8AC3E}">
+        <p14:creationId xmlns:p14="http://schemas.microsoft.com/office/powerpoint/2010/main" val="3049645986"/>
+      </p:ext>
+    </p:extLst>
+  </p:cSld>
+  <p:clrMapOvr>
+    <a:masterClrMapping/>
+  </p:clrMapOvr>
+</p:sld>
+</file>
+
+<file path=ppt/slides/slide19.xml><?xml version="1.0" encoding="utf-8"?>
+<p:sld xmlns:a="http://schemas.openxmlformats.org/drawingml/2006/main" xmlns:r="http://schemas.openxmlformats.org/officeDocument/2006/relationships" xmlns:p="http://schemas.openxmlformats.org/presentationml/2006/main">
+  <p:cSld>
+    <p:spTree>
+      <p:nvGrpSpPr>
+        <p:cNvPr id="1" name=""/>
+        <p:cNvGrpSpPr/>
+        <p:nvPr/>
+      </p:nvGrpSpPr>
+      <p:grpSpPr>
+        <a:xfrm>
+          <a:off x="0" y="0"/>
+          <a:ext cx="0" cy="0"/>
+          <a:chOff x="0" y="0"/>
+          <a:chExt cx="0" cy="0"/>
+        </a:xfrm>
+      </p:grpSpPr>
+      <p:sp>
+        <p:nvSpPr>
+          <p:cNvPr id="2" name="Title 1">
+            <a:extLst>
+              <a:ext uri="{FF2B5EF4-FFF2-40B4-BE49-F238E27FC236}">
+                <a16:creationId xmlns:a16="http://schemas.microsoft.com/office/drawing/2014/main" id="{3254D41C-203E-0674-624E-12684BB571C2}"/>
+              </a:ext>
+            </a:extLst>
+          </p:cNvPr>
+          <p:cNvSpPr>
+            <a:spLocks noGrp="1"/>
+          </p:cNvSpPr>
+          <p:nvPr>
+            <p:ph type="title"/>
+          </p:nvPr>
+        </p:nvSpPr>
+        <p:spPr/>
+        <p:txBody>
+          <a:bodyPr/>
+          <a:lstStyle/>
+          <a:p>
+            <a:r>
+              <a:rPr lang="en-US" dirty="0">
+                <a:latin typeface="Times" panose="02020603050405020304" pitchFamily="18" charset="0"/>
+                <a:cs typeface="Times" panose="02020603050405020304" pitchFamily="18" charset="0"/>
+              </a:rPr>
+              <a:t>Example : </a:t>
+            </a:r>
+            <a:r>
+              <a:rPr lang="en-US" sz="4400" dirty="0">
+                <a:latin typeface="Times" panose="02020603050405020304" pitchFamily="18" charset="0"/>
+                <a:cs typeface="Times" panose="02020603050405020304" pitchFamily="18" charset="0"/>
+              </a:rPr>
+              <a:t>Circuit Pin Ranking</a:t>
+            </a:r>
+            <a:r>
+              <a:rPr lang="en-US" dirty="0">
+                <a:latin typeface="Times" panose="02020603050405020304" pitchFamily="18" charset="0"/>
+                <a:cs typeface="Times" panose="02020603050405020304" pitchFamily="18" charset="0"/>
+              </a:rPr>
+              <a:t> </a:t>
+            </a:r>
+          </a:p>
+        </p:txBody>
+      </p:sp>
+      <p:sp>
+        <p:nvSpPr>
+          <p:cNvPr id="4" name="Slide Number Placeholder 3">
+            <a:extLst>
+              <a:ext uri="{FF2B5EF4-FFF2-40B4-BE49-F238E27FC236}">
+                <a16:creationId xmlns:a16="http://schemas.microsoft.com/office/drawing/2014/main" id="{C9F01456-9E4A-49D7-D938-F7AF257EBF6C}"/>
+              </a:ext>
+            </a:extLst>
+          </p:cNvPr>
+          <p:cNvSpPr>
+            <a:spLocks noGrp="1"/>
+          </p:cNvSpPr>
+          <p:nvPr>
+            <p:ph type="sldNum" sz="quarter" idx="12"/>
+          </p:nvPr>
+        </p:nvSpPr>
+        <p:spPr/>
+        <p:txBody>
+          <a:bodyPr/>
+          <a:lstStyle/>
+          <a:p>
+            <a:fld id="{666274A1-CF9C-426A-8DD4-B13ED0C24231}" type="slidenum">
+              <a:rPr lang="en-US" smtClean="0"/>
+              <a:t>18</a:t>
+            </a:fld>
+            <a:endParaRPr lang="en-US"/>
+          </a:p>
+        </p:txBody>
+      </p:sp>
+      <p:sp>
+        <p:nvSpPr>
+          <p:cNvPr id="15" name="TextBox 14">
+            <a:extLst>
+              <a:ext uri="{FF2B5EF4-FFF2-40B4-BE49-F238E27FC236}">
+                <a16:creationId xmlns:a16="http://schemas.microsoft.com/office/drawing/2014/main" id="{6FC8E41A-CBC0-1B33-336C-92A1726E4785}"/>
+              </a:ext>
+            </a:extLst>
+          </p:cNvPr>
+          <p:cNvSpPr txBox="1"/>
+          <p:nvPr/>
+        </p:nvSpPr>
+        <p:spPr>
+          <a:xfrm>
+            <a:off x="838200" y="1690688"/>
+            <a:ext cx="4552849" cy="1323439"/>
+          </a:xfrm>
+          <a:prstGeom prst="rect">
+            <a:avLst/>
+          </a:prstGeom>
+          <a:noFill/>
+          <a:ln w="19050">
+            <a:solidFill>
+              <a:schemeClr val="tx1"/>
+            </a:solidFill>
+          </a:ln>
+        </p:spPr>
+        <p:txBody>
+          <a:bodyPr wrap="square" rtlCol="0">
+            <a:spAutoFit/>
+          </a:bodyPr>
+          <a:lstStyle/>
+          <a:p>
+            <a:r>
+              <a:rPr lang="en-US" sz="2000" dirty="0">
+                <a:latin typeface="Times" panose="02020603050405020304" pitchFamily="18" charset="0"/>
+                <a:cs typeface="Times" panose="02020603050405020304" pitchFamily="18" charset="0"/>
+              </a:rPr>
+              <a:t>Data (Weight) = [ 1 1 1 1 1 ]</a:t>
+            </a:r>
+          </a:p>
+          <a:p>
+            <a:endParaRPr lang="en-US" sz="1000" dirty="0">
+              <a:latin typeface="Times" panose="02020603050405020304" pitchFamily="18" charset="0"/>
+              <a:cs typeface="Times" panose="02020603050405020304" pitchFamily="18" charset="0"/>
+            </a:endParaRPr>
+          </a:p>
+          <a:p>
+            <a:r>
+              <a:rPr lang="en-US" sz="2000" dirty="0">
+                <a:latin typeface="Times" panose="02020603050405020304" pitchFamily="18" charset="0"/>
+                <a:cs typeface="Times" panose="02020603050405020304" pitchFamily="18" charset="0"/>
+              </a:rPr>
+              <a:t>Indices (Edge-destination) = [ 1 0 1 1 2 ]</a:t>
+            </a:r>
+          </a:p>
+          <a:p>
+            <a:endParaRPr lang="en-US" sz="1000" dirty="0">
+              <a:latin typeface="Times" panose="02020603050405020304" pitchFamily="18" charset="0"/>
+              <a:cs typeface="Times" panose="02020603050405020304" pitchFamily="18" charset="0"/>
+            </a:endParaRPr>
+          </a:p>
+          <a:p>
+            <a:r>
+              <a:rPr lang="en-US" sz="2000" dirty="0" err="1">
+                <a:latin typeface="Times" panose="02020603050405020304" pitchFamily="18" charset="0"/>
+                <a:cs typeface="Times" panose="02020603050405020304" pitchFamily="18" charset="0"/>
+              </a:rPr>
+              <a:t>Ptr</a:t>
+            </a:r>
+            <a:r>
+              <a:rPr lang="en-US" sz="2000" dirty="0">
+                <a:latin typeface="Times" panose="02020603050405020304" pitchFamily="18" charset="0"/>
+                <a:cs typeface="Times" panose="02020603050405020304" pitchFamily="18" charset="0"/>
+              </a:rPr>
+              <a:t> (Vertex-offset) = [ 0 1 1 3 5 ]</a:t>
+            </a:r>
+          </a:p>
+        </p:txBody>
+      </p:sp>
+      <p:graphicFrame>
+        <p:nvGraphicFramePr>
+          <p:cNvPr id="23" name="Table 24">
+            <a:extLst>
+              <a:ext uri="{FF2B5EF4-FFF2-40B4-BE49-F238E27FC236}">
+                <a16:creationId xmlns:a16="http://schemas.microsoft.com/office/drawing/2014/main" id="{9FA00AE3-111B-DA1E-B92D-1CDB52AE153D}"/>
+              </a:ext>
+            </a:extLst>
+          </p:cNvPr>
+          <p:cNvGraphicFramePr>
+            <a:graphicFrameLocks noGrp="1"/>
+          </p:cNvGraphicFramePr>
+          <p:nvPr>
+            <p:extLst>
+              <p:ext uri="{D42A27DB-BD31-4B8C-83A1-F6EECF244321}">
+                <p14:modId xmlns:p14="http://schemas.microsoft.com/office/powerpoint/2010/main" val="3314621038"/>
+              </p:ext>
+            </p:extLst>
+          </p:nvPr>
+        </p:nvGraphicFramePr>
+        <p:xfrm>
+          <a:off x="7631805" y="3355996"/>
+          <a:ext cx="3245476" cy="918316"/>
+        </p:xfrm>
+        <a:graphic>
+          <a:graphicData uri="http://schemas.openxmlformats.org/drawingml/2006/table">
+            <a:tbl>
+              <a:tblPr firstRow="1" bandRow="1">
+                <a:tableStyleId>{5C22544A-7EE6-4342-B048-85BDC9FD1C3A}</a:tableStyleId>
+              </a:tblPr>
+              <a:tblGrid>
+                <a:gridCol w="1088360">
+                  <a:extLst>
+                    <a:ext uri="{9D8B030D-6E8A-4147-A177-3AD203B41FA5}">
+                      <a16:colId xmlns:a16="http://schemas.microsoft.com/office/drawing/2014/main" val="1480133805"/>
+                    </a:ext>
+                  </a:extLst>
+                </a:gridCol>
+                <a:gridCol w="2157116">
+                  <a:extLst>
+                    <a:ext uri="{9D8B030D-6E8A-4147-A177-3AD203B41FA5}">
+                      <a16:colId xmlns:a16="http://schemas.microsoft.com/office/drawing/2014/main" val="1209037983"/>
+                    </a:ext>
+                  </a:extLst>
+                </a:gridCol>
+              </a:tblGrid>
+              <a:tr h="459158">
+                <a:tc>
+                  <a:txBody>
+                    <a:bodyPr/>
+                    <a:lstStyle/>
+                    <a:p>
+                      <a:pPr algn="ctr"/>
+                      <a:r>
+                        <a:rPr lang="en-US" dirty="0"/>
+                        <a:t>queue</a:t>
+                      </a:r>
+                    </a:p>
+                  </a:txBody>
+                  <a:tcPr anchor="ctr"/>
+                </a:tc>
+                <a:tc>
+                  <a:txBody>
+                    <a:bodyPr/>
+                    <a:lstStyle/>
+                    <a:p>
+                      <a:pPr algn="ctr"/>
+                      <a:r>
+                        <a:rPr lang="en-US" dirty="0"/>
+                        <a:t>{}</a:t>
+                      </a:r>
+                    </a:p>
+                  </a:txBody>
+                  <a:tcPr anchor="ctr"/>
+                </a:tc>
+                <a:extLst>
+                  <a:ext uri="{0D108BD9-81ED-4DB2-BD59-A6C34878D82A}">
+                    <a16:rowId xmlns:a16="http://schemas.microsoft.com/office/drawing/2014/main" val="448738936"/>
+                  </a:ext>
+                </a:extLst>
+              </a:tr>
+              <a:tr h="459158">
+                <a:tc>
+                  <a:txBody>
+                    <a:bodyPr/>
+                    <a:lstStyle/>
+                    <a:p>
+                      <a:pPr algn="ctr"/>
+                      <a:r>
+                        <a:rPr lang="en-US" dirty="0"/>
+                        <a:t>visited</a:t>
+                      </a:r>
+                    </a:p>
+                  </a:txBody>
+                  <a:tcPr anchor="ctr"/>
+                </a:tc>
+                <a:tc>
+                  <a:txBody>
+                    <a:bodyPr/>
+                    <a:lstStyle/>
+                    <a:p>
+                      <a:pPr algn="ctr"/>
+                      <a:r>
+                        <a:rPr lang="en-US" dirty="0"/>
+                        <a:t>{0, 1, 2, 3}</a:t>
+                      </a:r>
+                    </a:p>
+                  </a:txBody>
+                  <a:tcPr anchor="ctr"/>
+                </a:tc>
+                <a:extLst>
+                  <a:ext uri="{0D108BD9-81ED-4DB2-BD59-A6C34878D82A}">
+                    <a16:rowId xmlns:a16="http://schemas.microsoft.com/office/drawing/2014/main" val="2678306400"/>
+                  </a:ext>
+                </a:extLst>
+              </a:tr>
+            </a:tbl>
+          </a:graphicData>
+        </a:graphic>
+      </p:graphicFrame>
+      <p:graphicFrame>
+        <p:nvGraphicFramePr>
+          <p:cNvPr id="25" name="Table 25">
+            <a:extLst>
+              <a:ext uri="{FF2B5EF4-FFF2-40B4-BE49-F238E27FC236}">
+                <a16:creationId xmlns:a16="http://schemas.microsoft.com/office/drawing/2014/main" id="{B15C42F6-735E-D96F-5D21-A1E32F62E4A9}"/>
+              </a:ext>
+            </a:extLst>
+          </p:cNvPr>
+          <p:cNvGraphicFramePr>
+            <a:graphicFrameLocks noGrp="1"/>
+          </p:cNvGraphicFramePr>
+          <p:nvPr/>
+        </p:nvGraphicFramePr>
+        <p:xfrm>
+          <a:off x="7631805" y="4518865"/>
+          <a:ext cx="3245476" cy="1910712"/>
+        </p:xfrm>
+        <a:graphic>
+          <a:graphicData uri="http://schemas.openxmlformats.org/drawingml/2006/table">
+            <a:tbl>
+              <a:tblPr firstRow="1" bandRow="1">
+                <a:tableStyleId>{93296810-A885-4BE3-A3E7-6D5BEEA58F35}</a:tableStyleId>
+              </a:tblPr>
+              <a:tblGrid>
+                <a:gridCol w="1126902">
+                  <a:extLst>
+                    <a:ext uri="{9D8B030D-6E8A-4147-A177-3AD203B41FA5}">
+                      <a16:colId xmlns:a16="http://schemas.microsoft.com/office/drawing/2014/main" val="532222219"/>
+                    </a:ext>
+                  </a:extLst>
+                </a:gridCol>
+                <a:gridCol w="2118574">
+                  <a:extLst>
+                    <a:ext uri="{9D8B030D-6E8A-4147-A177-3AD203B41FA5}">
+                      <a16:colId xmlns:a16="http://schemas.microsoft.com/office/drawing/2014/main" val="2080526242"/>
+                    </a:ext>
+                  </a:extLst>
+                </a:gridCol>
+              </a:tblGrid>
+              <a:tr h="477678">
+                <a:tc>
+                  <a:txBody>
+                    <a:bodyPr/>
+                    <a:lstStyle/>
+                    <a:p>
+                      <a:pPr algn="ctr"/>
+                      <a:r>
+                        <a:rPr lang="en-US" dirty="0"/>
+                        <a:t>Rank(0)</a:t>
+                      </a:r>
+                    </a:p>
+                  </a:txBody>
+                  <a:tcPr anchor="ctr"/>
+                </a:tc>
+                <a:tc>
+                  <a:txBody>
+                    <a:bodyPr/>
+                    <a:lstStyle/>
+                    <a:p>
+                      <a:pPr algn="ctr"/>
+                      <a:r>
+                        <a:rPr lang="en-US" dirty="0"/>
+                        <a:t>1+1=2</a:t>
+                      </a:r>
+                    </a:p>
+                  </a:txBody>
+                  <a:tcPr anchor="ctr"/>
+                </a:tc>
+                <a:extLst>
+                  <a:ext uri="{0D108BD9-81ED-4DB2-BD59-A6C34878D82A}">
+                    <a16:rowId xmlns:a16="http://schemas.microsoft.com/office/drawing/2014/main" val="2047548793"/>
+                  </a:ext>
+                </a:extLst>
+              </a:tr>
+              <a:tr h="477678">
+                <a:tc>
+                  <a:txBody>
+                    <a:bodyPr/>
+                    <a:lstStyle/>
+                    <a:p>
+                      <a:pPr algn="ctr"/>
+                      <a:r>
+                        <a:rPr lang="en-US" dirty="0"/>
+                        <a:t>Rank(1)</a:t>
+                      </a:r>
+                    </a:p>
+                  </a:txBody>
+                  <a:tcPr anchor="ctr"/>
+                </a:tc>
+                <a:tc>
+                  <a:txBody>
+                    <a:bodyPr/>
+                    <a:lstStyle/>
+                    <a:p>
+                      <a:pPr algn="ctr"/>
+                      <a:r>
+                        <a:rPr lang="en-US" dirty="0"/>
+                        <a:t>1</a:t>
+                      </a:r>
+                    </a:p>
+                  </a:txBody>
+                  <a:tcPr anchor="ctr"/>
+                </a:tc>
+                <a:extLst>
+                  <a:ext uri="{0D108BD9-81ED-4DB2-BD59-A6C34878D82A}">
+                    <a16:rowId xmlns:a16="http://schemas.microsoft.com/office/drawing/2014/main" val="1093749677"/>
+                  </a:ext>
+                </a:extLst>
+              </a:tr>
+              <a:tr h="477678">
+                <a:tc>
+                  <a:txBody>
+                    <a:bodyPr/>
+                    <a:lstStyle/>
+                    <a:p>
+                      <a:pPr algn="ctr"/>
+                      <a:r>
+                        <a:rPr lang="en-US" dirty="0"/>
+                        <a:t>Rank(2)</a:t>
+                      </a:r>
+                    </a:p>
+                  </a:txBody>
+                  <a:tcPr anchor="ctr"/>
+                </a:tc>
+                <a:tc>
+                  <a:txBody>
+                    <a:bodyPr/>
+                    <a:lstStyle/>
+                    <a:p>
+                      <a:pPr algn="ctr"/>
+                      <a:r>
+                        <a:rPr lang="en-US" dirty="0"/>
+                        <a:t>1</a:t>
+                      </a:r>
+                    </a:p>
+                  </a:txBody>
+                  <a:tcPr anchor="ctr"/>
+                </a:tc>
+                <a:extLst>
+                  <a:ext uri="{0D108BD9-81ED-4DB2-BD59-A6C34878D82A}">
+                    <a16:rowId xmlns:a16="http://schemas.microsoft.com/office/drawing/2014/main" val="2777801488"/>
+                  </a:ext>
+                </a:extLst>
+              </a:tr>
+              <a:tr h="477678">
+                <a:tc>
+                  <a:txBody>
+                    <a:bodyPr/>
+                    <a:lstStyle/>
+                    <a:p>
+                      <a:pPr algn="ctr"/>
+                      <a:r>
+                        <a:rPr lang="en-US" dirty="0"/>
+                        <a:t>Rank(3)</a:t>
+                      </a:r>
+                    </a:p>
+                  </a:txBody>
+                  <a:tcPr anchor="ctr"/>
+                </a:tc>
+                <a:tc>
+                  <a:txBody>
+                    <a:bodyPr/>
+                    <a:lstStyle/>
+                    <a:p>
+                      <a:pPr algn="ctr"/>
+                      <a:r>
+                        <a:rPr lang="en-US" dirty="0"/>
+                        <a:t>0</a:t>
+                      </a:r>
+                    </a:p>
+                  </a:txBody>
+                  <a:tcPr anchor="ctr"/>
+                </a:tc>
+                <a:extLst>
+                  <a:ext uri="{0D108BD9-81ED-4DB2-BD59-A6C34878D82A}">
+                    <a16:rowId xmlns:a16="http://schemas.microsoft.com/office/drawing/2014/main" val="233480415"/>
+                  </a:ext>
+                </a:extLst>
+              </a:tr>
+            </a:tbl>
+          </a:graphicData>
+        </a:graphic>
+      </p:graphicFrame>
+      <p:pic>
+        <p:nvPicPr>
+          <p:cNvPr id="8" name="Picture 7">
+            <a:extLst>
+              <a:ext uri="{FF2B5EF4-FFF2-40B4-BE49-F238E27FC236}">
+                <a16:creationId xmlns:a16="http://schemas.microsoft.com/office/drawing/2014/main" id="{0CAF9209-3895-089B-44E0-96FE39574099}"/>
+              </a:ext>
+            </a:extLst>
+          </p:cNvPr>
+          <p:cNvPicPr>
+            <a:picLocks noChangeAspect="1"/>
+          </p:cNvPicPr>
+          <p:nvPr/>
+        </p:nvPicPr>
+        <p:blipFill>
+          <a:blip r:embed="rId2"/>
+          <a:stretch>
+            <a:fillRect/>
+          </a:stretch>
+        </p:blipFill>
+        <p:spPr>
+          <a:xfrm>
+            <a:off x="8275195" y="210746"/>
+            <a:ext cx="3533938" cy="2701075"/>
+          </a:xfrm>
+          <a:prstGeom prst="rect">
+            <a:avLst/>
+          </a:prstGeom>
+        </p:spPr>
+      </p:pic>
+      <p:sp>
+        <p:nvSpPr>
+          <p:cNvPr id="13" name="TextBox 12">
+            <a:extLst>
+              <a:ext uri="{FF2B5EF4-FFF2-40B4-BE49-F238E27FC236}">
+                <a16:creationId xmlns:a16="http://schemas.microsoft.com/office/drawing/2014/main" id="{6F73D14E-4B5B-A022-C41E-39263E6F4BBD}"/>
+              </a:ext>
+            </a:extLst>
+          </p:cNvPr>
+          <p:cNvSpPr txBox="1"/>
+          <p:nvPr/>
+        </p:nvSpPr>
+        <p:spPr>
+          <a:xfrm>
+            <a:off x="838200" y="3843874"/>
+            <a:ext cx="2021707" cy="2052934"/>
+          </a:xfrm>
+          <a:prstGeom prst="rect">
+            <a:avLst/>
+          </a:prstGeom>
+          <a:noFill/>
+        </p:spPr>
+        <p:txBody>
+          <a:bodyPr wrap="none" rtlCol="0">
+            <a:spAutoFit/>
+          </a:bodyPr>
+          <a:lstStyle/>
+          <a:p>
+            <a:pPr marL="342900" indent="-342900">
+              <a:lnSpc>
+                <a:spcPct val="130000"/>
+              </a:lnSpc>
+              <a:buFont typeface="Arial" panose="020B0604020202020204" pitchFamily="34" charset="0"/>
+              <a:buChar char="•"/>
+            </a:pPr>
+            <a:r>
+              <a:rPr lang="en-US" sz="2000" dirty="0">
+                <a:latin typeface="Times" panose="02020603050405020304" pitchFamily="18" charset="0"/>
+                <a:cs typeface="Times" panose="02020603050405020304" pitchFamily="18" charset="0"/>
+              </a:rPr>
+              <a:t>v = 0</a:t>
+            </a:r>
+          </a:p>
+          <a:p>
+            <a:pPr marL="342900" indent="-342900">
+              <a:lnSpc>
+                <a:spcPct val="130000"/>
+              </a:lnSpc>
+              <a:buFont typeface="Arial" panose="020B0604020202020204" pitchFamily="34" charset="0"/>
+              <a:buChar char="•"/>
+            </a:pPr>
+            <a:r>
+              <a:rPr lang="en-US" sz="2000" dirty="0" err="1">
+                <a:latin typeface="Times" panose="02020603050405020304" pitchFamily="18" charset="0"/>
+                <a:cs typeface="Times" panose="02020603050405020304" pitchFamily="18" charset="0"/>
+              </a:rPr>
+              <a:t>vrank</a:t>
+            </a:r>
+            <a:r>
+              <a:rPr lang="en-US" sz="2000" dirty="0">
+                <a:latin typeface="Times" panose="02020603050405020304" pitchFamily="18" charset="0"/>
+                <a:cs typeface="Times" panose="02020603050405020304" pitchFamily="18" charset="0"/>
+              </a:rPr>
+              <a:t> = 2</a:t>
+            </a:r>
+          </a:p>
+          <a:p>
+            <a:pPr marL="342900" indent="-342900">
+              <a:lnSpc>
+                <a:spcPct val="130000"/>
+              </a:lnSpc>
+              <a:buFont typeface="Arial" panose="020B0604020202020204" pitchFamily="34" charset="0"/>
+              <a:buChar char="•"/>
+            </a:pPr>
+            <a:r>
+              <a:rPr lang="en-US" sz="2000" dirty="0" err="1">
+                <a:latin typeface="Times" panose="02020603050405020304" pitchFamily="18" charset="0"/>
+                <a:cs typeface="Times" panose="02020603050405020304" pitchFamily="18" charset="0"/>
+              </a:rPr>
+              <a:t>edgeFront</a:t>
+            </a:r>
+            <a:r>
+              <a:rPr lang="en-US" sz="2000" dirty="0">
+                <a:latin typeface="Times" panose="02020603050405020304" pitchFamily="18" charset="0"/>
+                <a:cs typeface="Times" panose="02020603050405020304" pitchFamily="18" charset="0"/>
+              </a:rPr>
+              <a:t> = 0</a:t>
+            </a:r>
+          </a:p>
+          <a:p>
+            <a:pPr marL="342900" indent="-342900">
+              <a:lnSpc>
+                <a:spcPct val="130000"/>
+              </a:lnSpc>
+              <a:buFont typeface="Arial" panose="020B0604020202020204" pitchFamily="34" charset="0"/>
+              <a:buChar char="•"/>
+            </a:pPr>
+            <a:r>
+              <a:rPr lang="en-US" sz="2000" dirty="0" err="1">
+                <a:latin typeface="Times" panose="02020603050405020304" pitchFamily="18" charset="0"/>
+                <a:cs typeface="Times" panose="02020603050405020304" pitchFamily="18" charset="0"/>
+              </a:rPr>
+              <a:t>edgeEnd</a:t>
+            </a:r>
+            <a:r>
+              <a:rPr lang="en-US" sz="2000" dirty="0">
+                <a:latin typeface="Times" panose="02020603050405020304" pitchFamily="18" charset="0"/>
+                <a:cs typeface="Times" panose="02020603050405020304" pitchFamily="18" charset="0"/>
+              </a:rPr>
+              <a:t>    = 1</a:t>
+            </a:r>
+          </a:p>
+          <a:p>
+            <a:pPr marL="342900" indent="-342900">
+              <a:lnSpc>
+                <a:spcPct val="130000"/>
+              </a:lnSpc>
+              <a:buFont typeface="Arial" panose="020B0604020202020204" pitchFamily="34" charset="0"/>
+              <a:buChar char="•"/>
+            </a:pPr>
+            <a:r>
+              <a:rPr lang="en-US" sz="2000" dirty="0">
+                <a:latin typeface="Times" panose="02020603050405020304" pitchFamily="18" charset="0"/>
+                <a:cs typeface="Times" panose="02020603050405020304" pitchFamily="18" charset="0"/>
+              </a:rPr>
+              <a:t>edge = 0 </a:t>
+            </a:r>
+            <a:r>
+              <a:rPr lang="zh-TW" altLang="en-US" sz="2000" dirty="0">
+                <a:latin typeface="Times" panose="02020603050405020304" pitchFamily="18" charset="0"/>
+                <a:cs typeface="Times" panose="02020603050405020304" pitchFamily="18" charset="0"/>
+              </a:rPr>
+              <a:t>→</a:t>
+            </a:r>
+            <a:r>
+              <a:rPr lang="en-US" sz="2000" dirty="0">
+                <a:latin typeface="Times" panose="02020603050405020304" pitchFamily="18" charset="0"/>
+                <a:cs typeface="Times" panose="02020603050405020304" pitchFamily="18" charset="0"/>
+              </a:rPr>
+              <a:t> 1</a:t>
+            </a:r>
+            <a:endParaRPr lang="en-US" altLang="zh-TW" sz="2000" dirty="0">
+              <a:latin typeface="Times" panose="02020603050405020304" pitchFamily="18" charset="0"/>
+              <a:cs typeface="Times" panose="02020603050405020304" pitchFamily="18" charset="0"/>
+            </a:endParaRPr>
+          </a:p>
+        </p:txBody>
+      </p:sp>
+    </p:spTree>
+    <p:extLst>
+      <p:ext uri="{BB962C8B-B14F-4D97-AF65-F5344CB8AC3E}">
+        <p14:creationId xmlns:p14="http://schemas.microsoft.com/office/powerpoint/2010/main" val="3972114972"/>
       </p:ext>
     </p:extLst>
   </p:cSld>
@@ -6287,7 +11683,10 @@
           <a:lstStyle/>
           <a:p>
             <a:r>
-              <a:rPr lang="en-US" dirty="0"/>
+              <a:rPr lang="en-US" dirty="0">
+                <a:latin typeface="Times New Roman" panose="02020603050405020304" pitchFamily="18" charset="0"/>
+                <a:cs typeface="Times New Roman" panose="02020603050405020304" pitchFamily="18" charset="0"/>
+              </a:rPr>
               <a:t>Outline</a:t>
             </a:r>
           </a:p>
@@ -6311,23 +11710,49 @@
         </p:nvSpPr>
         <p:spPr/>
         <p:txBody>
-          <a:bodyPr/>
+          <a:bodyPr>
+            <a:normAutofit/>
+          </a:bodyPr>
           <a:lstStyle/>
           <a:p>
-            <a:r>
-              <a:rPr lang="en-US" dirty="0"/>
+            <a:pPr>
+              <a:lnSpc>
+                <a:spcPct val="130000"/>
+              </a:lnSpc>
+            </a:pPr>
+            <a:r>
+              <a:rPr lang="en-US" sz="2400" dirty="0">
+                <a:latin typeface="Times New Roman" panose="02020603050405020304" pitchFamily="18" charset="0"/>
+                <a:cs typeface="Times New Roman" panose="02020603050405020304" pitchFamily="18" charset="0"/>
+              </a:rPr>
               <a:t>Abstract</a:t>
             </a:r>
           </a:p>
           <a:p>
-            <a:r>
-              <a:rPr lang="en-US" dirty="0"/>
+            <a:pPr>
+              <a:lnSpc>
+                <a:spcPct val="130000"/>
+              </a:lnSpc>
+            </a:pPr>
+            <a:r>
+              <a:rPr lang="en-US" sz="2400" dirty="0">
+                <a:latin typeface="Times New Roman" panose="02020603050405020304" pitchFamily="18" charset="0"/>
+                <a:cs typeface="Times New Roman" panose="02020603050405020304" pitchFamily="18" charset="0"/>
+              </a:rPr>
               <a:t>Introduction</a:t>
             </a:r>
           </a:p>
           <a:p>
-            <a:r>
-              <a:rPr lang="en-US" dirty="0"/>
+            <a:pPr>
+              <a:lnSpc>
+                <a:spcPct val="130000"/>
+              </a:lnSpc>
+            </a:pPr>
+            <a:r>
+              <a:rPr lang="en-US" sz="2400" dirty="0">
+                <a:latin typeface="Times New Roman" panose="02020603050405020304" pitchFamily="18" charset="0"/>
+                <a:cs typeface="Times New Roman" panose="02020603050405020304" pitchFamily="18" charset="0"/>
+              </a:rPr>
               <a:t>Proposed Partitioning Framework For Multi-GPU Acceleration</a:t>
             </a:r>
           </a:p>
@@ -6366,6 +11791,1126 @@
     <p:extLst>
       <p:ext uri="{BB962C8B-B14F-4D97-AF65-F5344CB8AC3E}">
         <p14:creationId xmlns:p14="http://schemas.microsoft.com/office/powerpoint/2010/main" val="1597209759"/>
+      </p:ext>
+    </p:extLst>
+  </p:cSld>
+  <p:clrMapOvr>
+    <a:masterClrMapping/>
+  </p:clrMapOvr>
+</p:sld>
+</file>
+
+<file path=ppt/slides/slide20.xml><?xml version="1.0" encoding="utf-8"?>
+<p:sld xmlns:a="http://schemas.openxmlformats.org/drawingml/2006/main" xmlns:r="http://schemas.openxmlformats.org/officeDocument/2006/relationships" xmlns:p="http://schemas.openxmlformats.org/presentationml/2006/main">
+  <p:cSld>
+    <p:spTree>
+      <p:nvGrpSpPr>
+        <p:cNvPr id="1" name=""/>
+        <p:cNvGrpSpPr/>
+        <p:nvPr/>
+      </p:nvGrpSpPr>
+      <p:grpSpPr>
+        <a:xfrm>
+          <a:off x="0" y="0"/>
+          <a:ext cx="0" cy="0"/>
+          <a:chOff x="0" y="0"/>
+          <a:chExt cx="0" cy="0"/>
+        </a:xfrm>
+      </p:grpSpPr>
+      <p:sp>
+        <p:nvSpPr>
+          <p:cNvPr id="2" name="Title 1">
+            <a:extLst>
+              <a:ext uri="{FF2B5EF4-FFF2-40B4-BE49-F238E27FC236}">
+                <a16:creationId xmlns:a16="http://schemas.microsoft.com/office/drawing/2014/main" id="{3254D41C-203E-0674-624E-12684BB571C2}"/>
+              </a:ext>
+            </a:extLst>
+          </p:cNvPr>
+          <p:cNvSpPr>
+            <a:spLocks noGrp="1"/>
+          </p:cNvSpPr>
+          <p:nvPr>
+            <p:ph type="title"/>
+          </p:nvPr>
+        </p:nvSpPr>
+        <p:spPr/>
+        <p:txBody>
+          <a:bodyPr/>
+          <a:lstStyle/>
+          <a:p>
+            <a:r>
+              <a:rPr lang="en-US" dirty="0">
+                <a:latin typeface="Times" panose="02020603050405020304" pitchFamily="18" charset="0"/>
+                <a:cs typeface="Times" panose="02020603050405020304" pitchFamily="18" charset="0"/>
+              </a:rPr>
+              <a:t>Example : </a:t>
+            </a:r>
+            <a:r>
+              <a:rPr lang="en-US" sz="4400" dirty="0">
+                <a:latin typeface="Times" panose="02020603050405020304" pitchFamily="18" charset="0"/>
+                <a:cs typeface="Times" panose="02020603050405020304" pitchFamily="18" charset="0"/>
+              </a:rPr>
+              <a:t>Circuit Pin Ranking</a:t>
+            </a:r>
+            <a:r>
+              <a:rPr lang="en-US" dirty="0">
+                <a:latin typeface="Times" panose="02020603050405020304" pitchFamily="18" charset="0"/>
+                <a:cs typeface="Times" panose="02020603050405020304" pitchFamily="18" charset="0"/>
+              </a:rPr>
+              <a:t> </a:t>
+            </a:r>
+          </a:p>
+        </p:txBody>
+      </p:sp>
+      <p:sp>
+        <p:nvSpPr>
+          <p:cNvPr id="4" name="Slide Number Placeholder 3">
+            <a:extLst>
+              <a:ext uri="{FF2B5EF4-FFF2-40B4-BE49-F238E27FC236}">
+                <a16:creationId xmlns:a16="http://schemas.microsoft.com/office/drawing/2014/main" id="{C9F01456-9E4A-49D7-D938-F7AF257EBF6C}"/>
+              </a:ext>
+            </a:extLst>
+          </p:cNvPr>
+          <p:cNvSpPr>
+            <a:spLocks noGrp="1"/>
+          </p:cNvSpPr>
+          <p:nvPr>
+            <p:ph type="sldNum" sz="quarter" idx="12"/>
+          </p:nvPr>
+        </p:nvSpPr>
+        <p:spPr/>
+        <p:txBody>
+          <a:bodyPr/>
+          <a:lstStyle/>
+          <a:p>
+            <a:fld id="{666274A1-CF9C-426A-8DD4-B13ED0C24231}" type="slidenum">
+              <a:rPr lang="en-US" smtClean="0"/>
+              <a:t>19</a:t>
+            </a:fld>
+            <a:endParaRPr lang="en-US"/>
+          </a:p>
+        </p:txBody>
+      </p:sp>
+      <p:grpSp>
+        <p:nvGrpSpPr>
+          <p:cNvPr id="28" name="Group 27">
+            <a:extLst>
+              <a:ext uri="{FF2B5EF4-FFF2-40B4-BE49-F238E27FC236}">
+                <a16:creationId xmlns:a16="http://schemas.microsoft.com/office/drawing/2014/main" id="{B670A47F-24AA-9CB7-45BC-709FAAA23C4C}"/>
+              </a:ext>
+            </a:extLst>
+          </p:cNvPr>
+          <p:cNvGrpSpPr/>
+          <p:nvPr/>
+        </p:nvGrpSpPr>
+        <p:grpSpPr>
+          <a:xfrm>
+            <a:off x="1346916" y="3096329"/>
+            <a:ext cx="3717700" cy="2235413"/>
+            <a:chOff x="734096" y="2245306"/>
+            <a:chExt cx="3717700" cy="2235413"/>
+          </a:xfrm>
+        </p:grpSpPr>
+        <p:grpSp>
+          <p:nvGrpSpPr>
+            <p:cNvPr id="14" name="Group 13">
+              <a:extLst>
+                <a:ext uri="{FF2B5EF4-FFF2-40B4-BE49-F238E27FC236}">
+                  <a16:creationId xmlns:a16="http://schemas.microsoft.com/office/drawing/2014/main" id="{F0AB77F1-A1F1-84E3-08EB-D27DE349303E}"/>
+                </a:ext>
+              </a:extLst>
+            </p:cNvPr>
+            <p:cNvGrpSpPr/>
+            <p:nvPr/>
+          </p:nvGrpSpPr>
+          <p:grpSpPr>
+            <a:xfrm>
+              <a:off x="734096" y="2251656"/>
+              <a:ext cx="3717700" cy="2229063"/>
+              <a:chOff x="734096" y="2251656"/>
+              <a:chExt cx="3717700" cy="2229063"/>
+            </a:xfrm>
+          </p:grpSpPr>
+          <p:sp>
+            <p:nvSpPr>
+              <p:cNvPr id="5" name="Oval 4">
+                <a:extLst>
+                  <a:ext uri="{FF2B5EF4-FFF2-40B4-BE49-F238E27FC236}">
+                    <a16:creationId xmlns:a16="http://schemas.microsoft.com/office/drawing/2014/main" id="{04ED9698-001A-B90C-A854-797413A9083A}"/>
+                  </a:ext>
+                </a:extLst>
+              </p:cNvPr>
+              <p:cNvSpPr/>
+              <p:nvPr/>
+            </p:nvSpPr>
+            <p:spPr>
+              <a:xfrm>
+                <a:off x="734096" y="2251656"/>
+                <a:ext cx="914400" cy="914400"/>
+              </a:xfrm>
+              <a:prstGeom prst="ellipse">
+                <a:avLst/>
+              </a:prstGeom>
+              <a:solidFill>
+                <a:srgbClr val="00B050"/>
+              </a:solidFill>
+              <a:ln>
+                <a:solidFill>
+                  <a:schemeClr val="accent6">
+                    <a:lumMod val="40000"/>
+                    <a:lumOff val="60000"/>
+                  </a:schemeClr>
+                </a:solidFill>
+              </a:ln>
+            </p:spPr>
+            <p:style>
+              <a:lnRef idx="2">
+                <a:schemeClr val="accent4">
+                  <a:shade val="15000"/>
+                </a:schemeClr>
+              </a:lnRef>
+              <a:fillRef idx="1">
+                <a:schemeClr val="accent4"/>
+              </a:fillRef>
+              <a:effectRef idx="0">
+                <a:schemeClr val="accent4"/>
+              </a:effectRef>
+              <a:fontRef idx="minor">
+                <a:schemeClr val="lt1"/>
+              </a:fontRef>
+            </p:style>
+            <p:txBody>
+              <a:bodyPr rtlCol="0" anchor="ctr"/>
+              <a:lstStyle/>
+              <a:p>
+                <a:pPr algn="ctr"/>
+                <a:r>
+                  <a:rPr lang="en-US" sz="3200" dirty="0"/>
+                  <a:t>0</a:t>
+                </a:r>
+              </a:p>
+            </p:txBody>
+          </p:sp>
+          <p:sp>
+            <p:nvSpPr>
+              <p:cNvPr id="11" name="Oval 10">
+                <a:extLst>
+                  <a:ext uri="{FF2B5EF4-FFF2-40B4-BE49-F238E27FC236}">
+                    <a16:creationId xmlns:a16="http://schemas.microsoft.com/office/drawing/2014/main" id="{0D40E5F6-123A-A859-40DC-BEF7BE84FE06}"/>
+                  </a:ext>
+                </a:extLst>
+              </p:cNvPr>
+              <p:cNvSpPr/>
+              <p:nvPr/>
+            </p:nvSpPr>
+            <p:spPr>
+              <a:xfrm>
+                <a:off x="2135746" y="2251656"/>
+                <a:ext cx="914400" cy="914400"/>
+              </a:xfrm>
+              <a:prstGeom prst="ellipse">
+                <a:avLst/>
+              </a:prstGeom>
+              <a:solidFill>
+                <a:srgbClr val="00B050"/>
+              </a:solidFill>
+              <a:ln>
+                <a:solidFill>
+                  <a:schemeClr val="accent6">
+                    <a:lumMod val="40000"/>
+                    <a:lumOff val="60000"/>
+                  </a:schemeClr>
+                </a:solidFill>
+              </a:ln>
+            </p:spPr>
+            <p:style>
+              <a:lnRef idx="2">
+                <a:schemeClr val="accent4">
+                  <a:shade val="15000"/>
+                </a:schemeClr>
+              </a:lnRef>
+              <a:fillRef idx="1">
+                <a:schemeClr val="accent4"/>
+              </a:fillRef>
+              <a:effectRef idx="0">
+                <a:schemeClr val="accent4"/>
+              </a:effectRef>
+              <a:fontRef idx="minor">
+                <a:schemeClr val="lt1"/>
+              </a:fontRef>
+            </p:style>
+            <p:txBody>
+              <a:bodyPr rtlCol="0" anchor="ctr"/>
+              <a:lstStyle/>
+              <a:p>
+                <a:pPr algn="ctr"/>
+                <a:r>
+                  <a:rPr lang="en-US" sz="3200" dirty="0"/>
+                  <a:t>1</a:t>
+                </a:r>
+              </a:p>
+            </p:txBody>
+          </p:sp>
+          <p:sp>
+            <p:nvSpPr>
+              <p:cNvPr id="12" name="Oval 11">
+                <a:extLst>
+                  <a:ext uri="{FF2B5EF4-FFF2-40B4-BE49-F238E27FC236}">
+                    <a16:creationId xmlns:a16="http://schemas.microsoft.com/office/drawing/2014/main" id="{EE8DCD8A-1304-682D-4B95-D6FAB656B3FB}"/>
+                  </a:ext>
+                </a:extLst>
+              </p:cNvPr>
+              <p:cNvSpPr/>
+              <p:nvPr/>
+            </p:nvSpPr>
+            <p:spPr>
+              <a:xfrm>
+                <a:off x="3537396" y="2251656"/>
+                <a:ext cx="914400" cy="914400"/>
+              </a:xfrm>
+              <a:prstGeom prst="ellipse">
+                <a:avLst/>
+              </a:prstGeom>
+              <a:solidFill>
+                <a:srgbClr val="00B050"/>
+              </a:solidFill>
+              <a:ln>
+                <a:solidFill>
+                  <a:schemeClr val="accent6">
+                    <a:lumMod val="40000"/>
+                    <a:lumOff val="60000"/>
+                  </a:schemeClr>
+                </a:solidFill>
+              </a:ln>
+            </p:spPr>
+            <p:style>
+              <a:lnRef idx="2">
+                <a:schemeClr val="accent4">
+                  <a:shade val="15000"/>
+                </a:schemeClr>
+              </a:lnRef>
+              <a:fillRef idx="1">
+                <a:schemeClr val="accent4"/>
+              </a:fillRef>
+              <a:effectRef idx="0">
+                <a:schemeClr val="accent4"/>
+              </a:effectRef>
+              <a:fontRef idx="minor">
+                <a:schemeClr val="lt1"/>
+              </a:fontRef>
+            </p:style>
+            <p:txBody>
+              <a:bodyPr rtlCol="0" anchor="ctr"/>
+              <a:lstStyle/>
+              <a:p>
+                <a:pPr algn="ctr"/>
+                <a:r>
+                  <a:rPr lang="en-US" sz="3200" dirty="0"/>
+                  <a:t>2</a:t>
+                </a:r>
+              </a:p>
+            </p:txBody>
+          </p:sp>
+          <p:sp>
+            <p:nvSpPr>
+              <p:cNvPr id="13" name="Oval 12">
+                <a:extLst>
+                  <a:ext uri="{FF2B5EF4-FFF2-40B4-BE49-F238E27FC236}">
+                    <a16:creationId xmlns:a16="http://schemas.microsoft.com/office/drawing/2014/main" id="{8B625B7A-B856-DA88-936D-F315C197DB4E}"/>
+                  </a:ext>
+                </a:extLst>
+              </p:cNvPr>
+              <p:cNvSpPr/>
+              <p:nvPr/>
+            </p:nvSpPr>
+            <p:spPr>
+              <a:xfrm>
+                <a:off x="2135746" y="3566319"/>
+                <a:ext cx="914400" cy="914400"/>
+              </a:xfrm>
+              <a:prstGeom prst="ellipse">
+                <a:avLst/>
+              </a:prstGeom>
+              <a:solidFill>
+                <a:srgbClr val="00B050"/>
+              </a:solidFill>
+              <a:ln>
+                <a:solidFill>
+                  <a:schemeClr val="accent6">
+                    <a:lumMod val="40000"/>
+                    <a:lumOff val="60000"/>
+                  </a:schemeClr>
+                </a:solidFill>
+              </a:ln>
+            </p:spPr>
+            <p:style>
+              <a:lnRef idx="2">
+                <a:schemeClr val="accent4">
+                  <a:shade val="15000"/>
+                </a:schemeClr>
+              </a:lnRef>
+              <a:fillRef idx="1">
+                <a:schemeClr val="accent4"/>
+              </a:fillRef>
+              <a:effectRef idx="0">
+                <a:schemeClr val="accent4"/>
+              </a:effectRef>
+              <a:fontRef idx="minor">
+                <a:schemeClr val="lt1"/>
+              </a:fontRef>
+            </p:style>
+            <p:txBody>
+              <a:bodyPr rtlCol="0" anchor="ctr"/>
+              <a:lstStyle/>
+              <a:p>
+                <a:pPr algn="ctr"/>
+                <a:r>
+                  <a:rPr lang="en-US" sz="3200" dirty="0"/>
+                  <a:t>3</a:t>
+                </a:r>
+              </a:p>
+            </p:txBody>
+          </p:sp>
+        </p:grpSp>
+        <p:cxnSp>
+          <p:nvCxnSpPr>
+            <p:cNvPr id="16" name="Straight Arrow Connector 15">
+              <a:extLst>
+                <a:ext uri="{FF2B5EF4-FFF2-40B4-BE49-F238E27FC236}">
+                  <a16:creationId xmlns:a16="http://schemas.microsoft.com/office/drawing/2014/main" id="{C8D1AABE-0140-FC10-8513-998C60446708}"/>
+                </a:ext>
+              </a:extLst>
+            </p:cNvPr>
+            <p:cNvCxnSpPr>
+              <a:stCxn id="5" idx="6"/>
+              <a:endCxn id="11" idx="2"/>
+            </p:cNvCxnSpPr>
+            <p:nvPr/>
+          </p:nvCxnSpPr>
+          <p:spPr>
+            <a:xfrm>
+              <a:off x="1648496" y="2708856"/>
+              <a:ext cx="487250" cy="0"/>
+            </a:xfrm>
+            <a:prstGeom prst="straightConnector1">
+              <a:avLst/>
+            </a:prstGeom>
+            <a:ln w="19050">
+              <a:solidFill>
+                <a:srgbClr val="00B050"/>
+              </a:solidFill>
+              <a:tailEnd type="triangle"/>
+            </a:ln>
+          </p:spPr>
+          <p:style>
+            <a:lnRef idx="1">
+              <a:schemeClr val="accent6"/>
+            </a:lnRef>
+            <a:fillRef idx="0">
+              <a:schemeClr val="accent6"/>
+            </a:fillRef>
+            <a:effectRef idx="0">
+              <a:schemeClr val="accent6"/>
+            </a:effectRef>
+            <a:fontRef idx="minor">
+              <a:schemeClr val="tx1"/>
+            </a:fontRef>
+          </p:style>
+        </p:cxnSp>
+        <p:cxnSp>
+          <p:nvCxnSpPr>
+            <p:cNvPr id="20" name="Straight Arrow Connector 19">
+              <a:extLst>
+                <a:ext uri="{FF2B5EF4-FFF2-40B4-BE49-F238E27FC236}">
+                  <a16:creationId xmlns:a16="http://schemas.microsoft.com/office/drawing/2014/main" id="{8D77560C-5035-85F1-179E-322BF5855904}"/>
+                </a:ext>
+              </a:extLst>
+            </p:cNvPr>
+            <p:cNvCxnSpPr>
+              <a:stCxn id="12" idx="2"/>
+              <a:endCxn id="11" idx="6"/>
+            </p:cNvCxnSpPr>
+            <p:nvPr/>
+          </p:nvCxnSpPr>
+          <p:spPr>
+            <a:xfrm flipH="1">
+              <a:off x="3050146" y="2708856"/>
+              <a:ext cx="487250" cy="0"/>
+            </a:xfrm>
+            <a:prstGeom prst="straightConnector1">
+              <a:avLst/>
+            </a:prstGeom>
+            <a:ln w="19050">
+              <a:solidFill>
+                <a:srgbClr val="00B050"/>
+              </a:solidFill>
+              <a:tailEnd type="triangle"/>
+            </a:ln>
+          </p:spPr>
+          <p:style>
+            <a:lnRef idx="1">
+              <a:schemeClr val="accent1"/>
+            </a:lnRef>
+            <a:fillRef idx="0">
+              <a:schemeClr val="accent1"/>
+            </a:fillRef>
+            <a:effectRef idx="0">
+              <a:schemeClr val="accent1"/>
+            </a:effectRef>
+            <a:fontRef idx="minor">
+              <a:schemeClr val="tx1"/>
+            </a:fontRef>
+          </p:style>
+        </p:cxnSp>
+        <p:cxnSp>
+          <p:nvCxnSpPr>
+            <p:cNvPr id="22" name="Straight Arrow Connector 21">
+              <a:extLst>
+                <a:ext uri="{FF2B5EF4-FFF2-40B4-BE49-F238E27FC236}">
+                  <a16:creationId xmlns:a16="http://schemas.microsoft.com/office/drawing/2014/main" id="{DD19FFAE-7DE3-687D-C10C-37242F048E5D}"/>
+                </a:ext>
+              </a:extLst>
+            </p:cNvPr>
+            <p:cNvCxnSpPr>
+              <a:stCxn id="13" idx="0"/>
+              <a:endCxn id="11" idx="4"/>
+            </p:cNvCxnSpPr>
+            <p:nvPr/>
+          </p:nvCxnSpPr>
+          <p:spPr>
+            <a:xfrm flipV="1">
+              <a:off x="2592946" y="3166056"/>
+              <a:ext cx="0" cy="400263"/>
+            </a:xfrm>
+            <a:prstGeom prst="straightConnector1">
+              <a:avLst/>
+            </a:prstGeom>
+            <a:ln w="19050">
+              <a:solidFill>
+                <a:srgbClr val="00B050"/>
+              </a:solidFill>
+              <a:tailEnd type="triangle"/>
+            </a:ln>
+          </p:spPr>
+          <p:style>
+            <a:lnRef idx="1">
+              <a:schemeClr val="accent1"/>
+            </a:lnRef>
+            <a:fillRef idx="0">
+              <a:schemeClr val="accent1"/>
+            </a:fillRef>
+            <a:effectRef idx="0">
+              <a:schemeClr val="accent1"/>
+            </a:effectRef>
+            <a:fontRef idx="minor">
+              <a:schemeClr val="tx1"/>
+            </a:fontRef>
+          </p:style>
+        </p:cxnSp>
+        <p:cxnSp>
+          <p:nvCxnSpPr>
+            <p:cNvPr id="24" name="Straight Arrow Connector 23">
+              <a:extLst>
+                <a:ext uri="{FF2B5EF4-FFF2-40B4-BE49-F238E27FC236}">
+                  <a16:creationId xmlns:a16="http://schemas.microsoft.com/office/drawing/2014/main" id="{C10A2C28-EE08-F0D9-46FC-563DA4A355E6}"/>
+                </a:ext>
+              </a:extLst>
+            </p:cNvPr>
+            <p:cNvCxnSpPr>
+              <a:cxnSpLocks/>
+              <a:stCxn id="13" idx="7"/>
+              <a:endCxn id="12" idx="3"/>
+            </p:cNvCxnSpPr>
+            <p:nvPr/>
+          </p:nvCxnSpPr>
+          <p:spPr>
+            <a:xfrm flipV="1">
+              <a:off x="2916235" y="3032145"/>
+              <a:ext cx="755072" cy="668085"/>
+            </a:xfrm>
+            <a:prstGeom prst="straightConnector1">
+              <a:avLst/>
+            </a:prstGeom>
+            <a:ln w="19050">
+              <a:solidFill>
+                <a:srgbClr val="00B050"/>
+              </a:solidFill>
+              <a:tailEnd type="triangle"/>
+            </a:ln>
+          </p:spPr>
+          <p:style>
+            <a:lnRef idx="1">
+              <a:schemeClr val="accent1"/>
+            </a:lnRef>
+            <a:fillRef idx="0">
+              <a:schemeClr val="accent1"/>
+            </a:fillRef>
+            <a:effectRef idx="0">
+              <a:schemeClr val="accent1"/>
+            </a:effectRef>
+            <a:fontRef idx="minor">
+              <a:schemeClr val="tx1"/>
+            </a:fontRef>
+          </p:style>
+        </p:cxnSp>
+        <p:cxnSp>
+          <p:nvCxnSpPr>
+            <p:cNvPr id="27" name="Connector: Curved 26">
+              <a:extLst>
+                <a:ext uri="{FF2B5EF4-FFF2-40B4-BE49-F238E27FC236}">
+                  <a16:creationId xmlns:a16="http://schemas.microsoft.com/office/drawing/2014/main" id="{3EFC311A-3120-BBDB-FFB6-9BFA4DE223C6}"/>
+                </a:ext>
+              </a:extLst>
+            </p:cNvPr>
+            <p:cNvCxnSpPr>
+              <a:stCxn id="12" idx="0"/>
+              <a:endCxn id="5" idx="0"/>
+            </p:cNvCxnSpPr>
+            <p:nvPr/>
+          </p:nvCxnSpPr>
+          <p:spPr>
+            <a:xfrm rot="16200000" flipV="1">
+              <a:off x="2592946" y="850006"/>
+              <a:ext cx="12700" cy="2803300"/>
+            </a:xfrm>
+            <a:prstGeom prst="curvedConnector3">
+              <a:avLst>
+                <a:gd name="adj1" fmla="val 1800000"/>
+              </a:avLst>
+            </a:prstGeom>
+            <a:ln w="19050">
+              <a:solidFill>
+                <a:srgbClr val="00B050"/>
+              </a:solidFill>
+              <a:tailEnd type="triangle"/>
+            </a:ln>
+          </p:spPr>
+          <p:style>
+            <a:lnRef idx="1">
+              <a:schemeClr val="accent1"/>
+            </a:lnRef>
+            <a:fillRef idx="0">
+              <a:schemeClr val="accent1"/>
+            </a:fillRef>
+            <a:effectRef idx="0">
+              <a:schemeClr val="accent1"/>
+            </a:effectRef>
+            <a:fontRef idx="minor">
+              <a:schemeClr val="tx1"/>
+            </a:fontRef>
+          </p:style>
+        </p:cxnSp>
+      </p:grpSp>
+      <p:graphicFrame>
+        <p:nvGraphicFramePr>
+          <p:cNvPr id="3" name="Table 25">
+            <a:extLst>
+              <a:ext uri="{FF2B5EF4-FFF2-40B4-BE49-F238E27FC236}">
+                <a16:creationId xmlns:a16="http://schemas.microsoft.com/office/drawing/2014/main" id="{35F4B301-F8A7-FC89-1D50-B7242B7F7FDD}"/>
+              </a:ext>
+            </a:extLst>
+          </p:cNvPr>
+          <p:cNvGraphicFramePr>
+            <a:graphicFrameLocks noGrp="1"/>
+          </p:cNvGraphicFramePr>
+          <p:nvPr>
+            <p:extLst>
+              <p:ext uri="{D42A27DB-BD31-4B8C-83A1-F6EECF244321}">
+                <p14:modId xmlns:p14="http://schemas.microsoft.com/office/powerpoint/2010/main" val="4270550691"/>
+              </p:ext>
+            </p:extLst>
+          </p:nvPr>
+        </p:nvGraphicFramePr>
+        <p:xfrm>
+          <a:off x="7187484" y="3261854"/>
+          <a:ext cx="3245476" cy="1910712"/>
+        </p:xfrm>
+        <a:graphic>
+          <a:graphicData uri="http://schemas.openxmlformats.org/drawingml/2006/table">
+            <a:tbl>
+              <a:tblPr firstRow="1" bandRow="1">
+                <a:tableStyleId>{93296810-A885-4BE3-A3E7-6D5BEEA58F35}</a:tableStyleId>
+              </a:tblPr>
+              <a:tblGrid>
+                <a:gridCol w="1126902">
+                  <a:extLst>
+                    <a:ext uri="{9D8B030D-6E8A-4147-A177-3AD203B41FA5}">
+                      <a16:colId xmlns:a16="http://schemas.microsoft.com/office/drawing/2014/main" val="532222219"/>
+                    </a:ext>
+                  </a:extLst>
+                </a:gridCol>
+                <a:gridCol w="2118574">
+                  <a:extLst>
+                    <a:ext uri="{9D8B030D-6E8A-4147-A177-3AD203B41FA5}">
+                      <a16:colId xmlns:a16="http://schemas.microsoft.com/office/drawing/2014/main" val="2080526242"/>
+                    </a:ext>
+                  </a:extLst>
+                </a:gridCol>
+              </a:tblGrid>
+              <a:tr h="477678">
+                <a:tc>
+                  <a:txBody>
+                    <a:bodyPr/>
+                    <a:lstStyle/>
+                    <a:p>
+                      <a:pPr algn="ctr"/>
+                      <a:r>
+                        <a:rPr lang="en-US" dirty="0"/>
+                        <a:t>Rank(0)</a:t>
+                      </a:r>
+                    </a:p>
+                  </a:txBody>
+                  <a:tcPr anchor="ctr"/>
+                </a:tc>
+                <a:tc>
+                  <a:txBody>
+                    <a:bodyPr/>
+                    <a:lstStyle/>
+                    <a:p>
+                      <a:pPr algn="ctr"/>
+                      <a:r>
+                        <a:rPr lang="en-US" dirty="0"/>
+                        <a:t>1+1=2</a:t>
+                      </a:r>
+                    </a:p>
+                  </a:txBody>
+                  <a:tcPr anchor="ctr"/>
+                </a:tc>
+                <a:extLst>
+                  <a:ext uri="{0D108BD9-81ED-4DB2-BD59-A6C34878D82A}">
+                    <a16:rowId xmlns:a16="http://schemas.microsoft.com/office/drawing/2014/main" val="2047548793"/>
+                  </a:ext>
+                </a:extLst>
+              </a:tr>
+              <a:tr h="477678">
+                <a:tc>
+                  <a:txBody>
+                    <a:bodyPr/>
+                    <a:lstStyle/>
+                    <a:p>
+                      <a:pPr algn="ctr"/>
+                      <a:r>
+                        <a:rPr lang="en-US" dirty="0"/>
+                        <a:t>Rank(1)</a:t>
+                      </a:r>
+                    </a:p>
+                  </a:txBody>
+                  <a:tcPr anchor="ctr"/>
+                </a:tc>
+                <a:tc>
+                  <a:txBody>
+                    <a:bodyPr/>
+                    <a:lstStyle/>
+                    <a:p>
+                      <a:pPr algn="ctr"/>
+                      <a:r>
+                        <a:rPr lang="en-US" dirty="0"/>
+                        <a:t>1</a:t>
+                      </a:r>
+                    </a:p>
+                  </a:txBody>
+                  <a:tcPr anchor="ctr"/>
+                </a:tc>
+                <a:extLst>
+                  <a:ext uri="{0D108BD9-81ED-4DB2-BD59-A6C34878D82A}">
+                    <a16:rowId xmlns:a16="http://schemas.microsoft.com/office/drawing/2014/main" val="1093749677"/>
+                  </a:ext>
+                </a:extLst>
+              </a:tr>
+              <a:tr h="477678">
+                <a:tc>
+                  <a:txBody>
+                    <a:bodyPr/>
+                    <a:lstStyle/>
+                    <a:p>
+                      <a:pPr algn="ctr"/>
+                      <a:r>
+                        <a:rPr lang="en-US" dirty="0"/>
+                        <a:t>Rank(2)</a:t>
+                      </a:r>
+                    </a:p>
+                  </a:txBody>
+                  <a:tcPr anchor="ctr"/>
+                </a:tc>
+                <a:tc>
+                  <a:txBody>
+                    <a:bodyPr/>
+                    <a:lstStyle/>
+                    <a:p>
+                      <a:pPr algn="ctr"/>
+                      <a:r>
+                        <a:rPr lang="en-US" dirty="0"/>
+                        <a:t>1</a:t>
+                      </a:r>
+                    </a:p>
+                  </a:txBody>
+                  <a:tcPr anchor="ctr"/>
+                </a:tc>
+                <a:extLst>
+                  <a:ext uri="{0D108BD9-81ED-4DB2-BD59-A6C34878D82A}">
+                    <a16:rowId xmlns:a16="http://schemas.microsoft.com/office/drawing/2014/main" val="2777801488"/>
+                  </a:ext>
+                </a:extLst>
+              </a:tr>
+              <a:tr h="477678">
+                <a:tc>
+                  <a:txBody>
+                    <a:bodyPr/>
+                    <a:lstStyle/>
+                    <a:p>
+                      <a:pPr algn="ctr"/>
+                      <a:r>
+                        <a:rPr lang="en-US" dirty="0"/>
+                        <a:t>Rank(3)</a:t>
+                      </a:r>
+                    </a:p>
+                  </a:txBody>
+                  <a:tcPr anchor="ctr"/>
+                </a:tc>
+                <a:tc>
+                  <a:txBody>
+                    <a:bodyPr/>
+                    <a:lstStyle/>
+                    <a:p>
+                      <a:pPr algn="ctr"/>
+                      <a:r>
+                        <a:rPr lang="en-US" dirty="0"/>
+                        <a:t>0</a:t>
+                      </a:r>
+                    </a:p>
+                  </a:txBody>
+                  <a:tcPr anchor="ctr"/>
+                </a:tc>
+                <a:extLst>
+                  <a:ext uri="{0D108BD9-81ED-4DB2-BD59-A6C34878D82A}">
+                    <a16:rowId xmlns:a16="http://schemas.microsoft.com/office/drawing/2014/main" val="233480415"/>
+                  </a:ext>
+                </a:extLst>
+              </a:tr>
+            </a:tbl>
+          </a:graphicData>
+        </a:graphic>
+      </p:graphicFrame>
+      <p:sp>
+        <p:nvSpPr>
+          <p:cNvPr id="6" name="TextBox 5">
+            <a:extLst>
+              <a:ext uri="{FF2B5EF4-FFF2-40B4-BE49-F238E27FC236}">
+                <a16:creationId xmlns:a16="http://schemas.microsoft.com/office/drawing/2014/main" id="{410B5AB6-9631-446E-80F9-FB5A86DBE1A7}"/>
+              </a:ext>
+            </a:extLst>
+          </p:cNvPr>
+          <p:cNvSpPr txBox="1"/>
+          <p:nvPr/>
+        </p:nvSpPr>
+        <p:spPr>
+          <a:xfrm>
+            <a:off x="4148224" y="2720668"/>
+            <a:ext cx="1127232" cy="400110"/>
+          </a:xfrm>
+          <a:prstGeom prst="rect">
+            <a:avLst/>
+          </a:prstGeom>
+          <a:noFill/>
+        </p:spPr>
+        <p:txBody>
+          <a:bodyPr wrap="none" rtlCol="0">
+            <a:spAutoFit/>
+          </a:bodyPr>
+          <a:lstStyle/>
+          <a:p>
+            <a:r>
+              <a:rPr lang="en-US" sz="2000" dirty="0">
+                <a:latin typeface="Times" panose="02020603050405020304" pitchFamily="18" charset="0"/>
+                <a:cs typeface="Times" panose="02020603050405020304" pitchFamily="18" charset="0"/>
+              </a:rPr>
+              <a:t>Rank = 1</a:t>
+            </a:r>
+          </a:p>
+        </p:txBody>
+      </p:sp>
+      <p:sp>
+        <p:nvSpPr>
+          <p:cNvPr id="7" name="TextBox 6">
+            <a:extLst>
+              <a:ext uri="{FF2B5EF4-FFF2-40B4-BE49-F238E27FC236}">
+                <a16:creationId xmlns:a16="http://schemas.microsoft.com/office/drawing/2014/main" id="{7E747C08-8B2D-2004-F723-A9CFBC96D758}"/>
+              </a:ext>
+            </a:extLst>
+          </p:cNvPr>
+          <p:cNvSpPr txBox="1"/>
+          <p:nvPr/>
+        </p:nvSpPr>
+        <p:spPr>
+          <a:xfrm>
+            <a:off x="2731882" y="2708919"/>
+            <a:ext cx="1127232" cy="400110"/>
+          </a:xfrm>
+          <a:prstGeom prst="rect">
+            <a:avLst/>
+          </a:prstGeom>
+          <a:noFill/>
+        </p:spPr>
+        <p:txBody>
+          <a:bodyPr wrap="none" rtlCol="0">
+            <a:spAutoFit/>
+          </a:bodyPr>
+          <a:lstStyle/>
+          <a:p>
+            <a:r>
+              <a:rPr lang="en-US" sz="2000" dirty="0">
+                <a:latin typeface="Times" panose="02020603050405020304" pitchFamily="18" charset="0"/>
+                <a:cs typeface="Times" panose="02020603050405020304" pitchFamily="18" charset="0"/>
+              </a:rPr>
+              <a:t>Rank = 1</a:t>
+            </a:r>
+          </a:p>
+        </p:txBody>
+      </p:sp>
+      <p:sp>
+        <p:nvSpPr>
+          <p:cNvPr id="8" name="TextBox 7">
+            <a:extLst>
+              <a:ext uri="{FF2B5EF4-FFF2-40B4-BE49-F238E27FC236}">
+                <a16:creationId xmlns:a16="http://schemas.microsoft.com/office/drawing/2014/main" id="{B175DD61-042A-8BDB-3E1B-69FDD569EBD9}"/>
+              </a:ext>
+            </a:extLst>
+          </p:cNvPr>
+          <p:cNvSpPr txBox="1"/>
+          <p:nvPr/>
+        </p:nvSpPr>
+        <p:spPr>
+          <a:xfrm>
+            <a:off x="1328583" y="2708919"/>
+            <a:ext cx="1127232" cy="400110"/>
+          </a:xfrm>
+          <a:prstGeom prst="rect">
+            <a:avLst/>
+          </a:prstGeom>
+          <a:noFill/>
+        </p:spPr>
+        <p:txBody>
+          <a:bodyPr wrap="none" rtlCol="0">
+            <a:spAutoFit/>
+          </a:bodyPr>
+          <a:lstStyle/>
+          <a:p>
+            <a:r>
+              <a:rPr lang="en-US" sz="2000" dirty="0">
+                <a:latin typeface="Times" panose="02020603050405020304" pitchFamily="18" charset="0"/>
+                <a:cs typeface="Times" panose="02020603050405020304" pitchFamily="18" charset="0"/>
+              </a:rPr>
+              <a:t>Rank = 2</a:t>
+            </a:r>
+          </a:p>
+        </p:txBody>
+      </p:sp>
+      <p:sp>
+        <p:nvSpPr>
+          <p:cNvPr id="9" name="TextBox 8">
+            <a:extLst>
+              <a:ext uri="{FF2B5EF4-FFF2-40B4-BE49-F238E27FC236}">
+                <a16:creationId xmlns:a16="http://schemas.microsoft.com/office/drawing/2014/main" id="{06C13AC1-8339-E68A-360A-40564F86D99B}"/>
+              </a:ext>
+            </a:extLst>
+          </p:cNvPr>
+          <p:cNvSpPr txBox="1"/>
+          <p:nvPr/>
+        </p:nvSpPr>
+        <p:spPr>
+          <a:xfrm>
+            <a:off x="2642150" y="5259248"/>
+            <a:ext cx="1127232" cy="400110"/>
+          </a:xfrm>
+          <a:prstGeom prst="rect">
+            <a:avLst/>
+          </a:prstGeom>
+          <a:noFill/>
+        </p:spPr>
+        <p:txBody>
+          <a:bodyPr wrap="none" rtlCol="0">
+            <a:spAutoFit/>
+          </a:bodyPr>
+          <a:lstStyle/>
+          <a:p>
+            <a:r>
+              <a:rPr lang="en-US" sz="2000" dirty="0">
+                <a:latin typeface="Times" panose="02020603050405020304" pitchFamily="18" charset="0"/>
+                <a:cs typeface="Times" panose="02020603050405020304" pitchFamily="18" charset="0"/>
+              </a:rPr>
+              <a:t>Rank = 0</a:t>
+            </a:r>
+          </a:p>
+        </p:txBody>
+      </p:sp>
+    </p:spTree>
+    <p:extLst>
+      <p:ext uri="{BB962C8B-B14F-4D97-AF65-F5344CB8AC3E}">
+        <p14:creationId xmlns:p14="http://schemas.microsoft.com/office/powerpoint/2010/main" val="257304198"/>
+      </p:ext>
+    </p:extLst>
+  </p:cSld>
+  <p:clrMapOvr>
+    <a:masterClrMapping/>
+  </p:clrMapOvr>
+</p:sld>
+</file>
+
+<file path=ppt/slides/slide21.xml><?xml version="1.0" encoding="utf-8"?>
+<p:sld xmlns:a="http://schemas.openxmlformats.org/drawingml/2006/main" xmlns:r="http://schemas.openxmlformats.org/officeDocument/2006/relationships" xmlns:p="http://schemas.openxmlformats.org/presentationml/2006/main">
+  <p:cSld>
+    <p:spTree>
+      <p:nvGrpSpPr>
+        <p:cNvPr id="1" name=""/>
+        <p:cNvGrpSpPr/>
+        <p:nvPr/>
+      </p:nvGrpSpPr>
+      <p:grpSpPr>
+        <a:xfrm>
+          <a:off x="0" y="0"/>
+          <a:ext cx="0" cy="0"/>
+          <a:chOff x="0" y="0"/>
+          <a:chExt cx="0" cy="0"/>
+        </a:xfrm>
+      </p:grpSpPr>
+      <p:pic>
+        <p:nvPicPr>
+          <p:cNvPr id="6" name="Picture 5">
+            <a:extLst>
+              <a:ext uri="{FF2B5EF4-FFF2-40B4-BE49-F238E27FC236}">
+                <a16:creationId xmlns:a16="http://schemas.microsoft.com/office/drawing/2014/main" id="{214A13F2-308C-3548-6B42-C34C37C5CC38}"/>
+              </a:ext>
+            </a:extLst>
+          </p:cNvPr>
+          <p:cNvPicPr>
+            <a:picLocks noChangeAspect="1"/>
+          </p:cNvPicPr>
+          <p:nvPr/>
+        </p:nvPicPr>
+        <p:blipFill rotWithShape="1">
+          <a:blip r:embed="rId2"/>
+          <a:srcRect t="20528"/>
+          <a:stretch/>
+        </p:blipFill>
+        <p:spPr>
+          <a:xfrm>
+            <a:off x="7170703" y="136525"/>
+            <a:ext cx="4499534" cy="6662860"/>
+          </a:xfrm>
+          <a:prstGeom prst="rect">
+            <a:avLst/>
+          </a:prstGeom>
+        </p:spPr>
+      </p:pic>
+      <p:sp>
+        <p:nvSpPr>
+          <p:cNvPr id="2" name="Title 1">
+            <a:extLst>
+              <a:ext uri="{FF2B5EF4-FFF2-40B4-BE49-F238E27FC236}">
+                <a16:creationId xmlns:a16="http://schemas.microsoft.com/office/drawing/2014/main" id="{AE3ED914-6DBF-F6CB-2A28-43AF6D1A9375}"/>
+              </a:ext>
+            </a:extLst>
+          </p:cNvPr>
+          <p:cNvSpPr>
+            <a:spLocks noGrp="1"/>
+          </p:cNvSpPr>
+          <p:nvPr>
+            <p:ph type="title"/>
+          </p:nvPr>
+        </p:nvSpPr>
+        <p:spPr/>
+        <p:txBody>
+          <a:bodyPr>
+            <a:normAutofit/>
+          </a:bodyPr>
+          <a:lstStyle/>
+          <a:p>
+            <a:r>
+              <a:rPr lang="en-US" sz="3600" i="1" dirty="0">
+                <a:latin typeface="Times" panose="02020603050405020304" pitchFamily="18" charset="0"/>
+                <a:cs typeface="Times" panose="02020603050405020304" pitchFamily="18" charset="0"/>
+              </a:rPr>
+              <a:t>Algo. 2 – </a:t>
+            </a:r>
+            <a:br>
+              <a:rPr lang="en-US" sz="3600" i="1" dirty="0">
+                <a:latin typeface="Times" panose="02020603050405020304" pitchFamily="18" charset="0"/>
+                <a:cs typeface="Times" panose="02020603050405020304" pitchFamily="18" charset="0"/>
+              </a:rPr>
+            </a:br>
+            <a:r>
+              <a:rPr lang="en-US" sz="3600" i="1" dirty="0">
+                <a:latin typeface="Times" panose="02020603050405020304" pitchFamily="18" charset="0"/>
+                <a:cs typeface="Times" panose="02020603050405020304" pitchFamily="18" charset="0"/>
+              </a:rPr>
+              <a:t>Endpoint Graph Construction</a:t>
+            </a:r>
+            <a:endParaRPr lang="en-US" i="1" dirty="0"/>
+          </a:p>
+        </p:txBody>
+      </p:sp>
+      <p:sp>
+        <p:nvSpPr>
+          <p:cNvPr id="4" name="Slide Number Placeholder 3">
+            <a:extLst>
+              <a:ext uri="{FF2B5EF4-FFF2-40B4-BE49-F238E27FC236}">
+                <a16:creationId xmlns:a16="http://schemas.microsoft.com/office/drawing/2014/main" id="{7F560AD8-158E-367A-B9B9-A22ED4BCC4F3}"/>
+              </a:ext>
+            </a:extLst>
+          </p:cNvPr>
+          <p:cNvSpPr>
+            <a:spLocks noGrp="1"/>
+          </p:cNvSpPr>
+          <p:nvPr>
+            <p:ph type="sldNum" sz="quarter" idx="12"/>
+          </p:nvPr>
+        </p:nvSpPr>
+        <p:spPr/>
+        <p:txBody>
+          <a:bodyPr/>
+          <a:lstStyle/>
+          <a:p>
+            <a:fld id="{666274A1-CF9C-426A-8DD4-B13ED0C24231}" type="slidenum">
+              <a:rPr lang="en-US" smtClean="0"/>
+              <a:t>20</a:t>
+            </a:fld>
+            <a:endParaRPr lang="en-US"/>
+          </a:p>
+        </p:txBody>
+      </p:sp>
+      <p:pic>
+        <p:nvPicPr>
+          <p:cNvPr id="7" name="Picture 6">
+            <a:extLst>
+              <a:ext uri="{FF2B5EF4-FFF2-40B4-BE49-F238E27FC236}">
+                <a16:creationId xmlns:a16="http://schemas.microsoft.com/office/drawing/2014/main" id="{50AAA348-0219-DEB0-03F6-1EF481115ADF}"/>
+              </a:ext>
+            </a:extLst>
+          </p:cNvPr>
+          <p:cNvPicPr>
+            <a:picLocks noChangeAspect="1"/>
+          </p:cNvPicPr>
+          <p:nvPr/>
+        </p:nvPicPr>
+        <p:blipFill rotWithShape="1">
+          <a:blip r:embed="rId2"/>
+          <a:srcRect b="79524"/>
+          <a:stretch/>
+        </p:blipFill>
+        <p:spPr>
+          <a:xfrm>
+            <a:off x="784349" y="2908333"/>
+            <a:ext cx="4499534" cy="1716676"/>
+          </a:xfrm>
+          <a:prstGeom prst="rect">
+            <a:avLst/>
+          </a:prstGeom>
+        </p:spPr>
+      </p:pic>
+    </p:spTree>
+    <p:extLst>
+      <p:ext uri="{BB962C8B-B14F-4D97-AF65-F5344CB8AC3E}">
+        <p14:creationId xmlns:p14="http://schemas.microsoft.com/office/powerpoint/2010/main" val="1480130324"/>
       </p:ext>
     </p:extLst>
   </p:cSld>
@@ -6414,7 +12959,10 @@
           <a:lstStyle/>
           <a:p>
             <a:r>
-              <a:rPr lang="en-US" dirty="0"/>
+              <a:rPr lang="en-US" dirty="0">
+                <a:latin typeface="Times New Roman" panose="02020603050405020304" pitchFamily="18" charset="0"/>
+                <a:cs typeface="Times New Roman" panose="02020603050405020304" pitchFamily="18" charset="0"/>
+              </a:rPr>
               <a:t>Abstract</a:t>
             </a:r>
           </a:p>
@@ -6444,35 +12992,91 @@
           <a:lstStyle/>
           <a:p>
             <a:r>
-              <a:rPr lang="en-US" sz="2600" dirty="0"/>
-              <a:t>Path-based Analysis (PBA) is a key process in Static Timing Analysis (STA) to reduce excessive slack pessimism (Graph Based Analysis, GBA).</a:t>
-            </a:r>
-          </a:p>
-          <a:p>
-            <a:endParaRPr lang="en-US" sz="400" dirty="0"/>
-          </a:p>
-          <a:p>
-            <a:r>
-              <a:rPr lang="en-US" sz="2600" dirty="0"/>
-              <a:t>However, PBA can easily become the major performance bottleneck due to its long execution time.</a:t>
-            </a:r>
-          </a:p>
-          <a:p>
-            <a:endParaRPr lang="en-US" sz="800" dirty="0"/>
-          </a:p>
-          <a:p>
-            <a:r>
-              <a:rPr lang="en-US" sz="2600" dirty="0"/>
+              <a:rPr lang="en-US" sz="2400" b="1" dirty="0">
+                <a:latin typeface="Times New Roman" panose="02020603050405020304" pitchFamily="18" charset="0"/>
+                <a:cs typeface="Times New Roman" panose="02020603050405020304" pitchFamily="18" charset="0"/>
+              </a:rPr>
+              <a:t>Path-based Analysis </a:t>
+            </a:r>
+            <a:r>
+              <a:rPr lang="en-US" sz="2400" dirty="0">
+                <a:latin typeface="Times New Roman" panose="02020603050405020304" pitchFamily="18" charset="0"/>
+                <a:cs typeface="Times New Roman" panose="02020603050405020304" pitchFamily="18" charset="0"/>
+              </a:rPr>
+              <a:t>(PBA) is a key process in Static Timing Analysis (STA) to reduce excessive slack pessimism (Graph Based Analysis, GBA).</a:t>
+            </a:r>
+          </a:p>
+          <a:p>
+            <a:endParaRPr lang="en-US" sz="400" dirty="0">
+              <a:latin typeface="Times New Roman" panose="02020603050405020304" pitchFamily="18" charset="0"/>
+              <a:cs typeface="Times New Roman" panose="02020603050405020304" pitchFamily="18" charset="0"/>
+            </a:endParaRPr>
+          </a:p>
+          <a:p>
+            <a:r>
+              <a:rPr lang="en-US" sz="2400" dirty="0">
+                <a:latin typeface="Times New Roman" panose="02020603050405020304" pitchFamily="18" charset="0"/>
+                <a:cs typeface="Times New Roman" panose="02020603050405020304" pitchFamily="18" charset="0"/>
+              </a:rPr>
+              <a:t>However, PBA can easily become the major performance </a:t>
+            </a:r>
+            <a:r>
+              <a:rPr lang="en-US" sz="2400" b="1" dirty="0">
+                <a:latin typeface="Times New Roman" panose="02020603050405020304" pitchFamily="18" charset="0"/>
+                <a:cs typeface="Times New Roman" panose="02020603050405020304" pitchFamily="18" charset="0"/>
+              </a:rPr>
+              <a:t>bottleneck</a:t>
+            </a:r>
+            <a:r>
+              <a:rPr lang="en-US" sz="2400" dirty="0">
+                <a:latin typeface="Times New Roman" panose="02020603050405020304" pitchFamily="18" charset="0"/>
+                <a:cs typeface="Times New Roman" panose="02020603050405020304" pitchFamily="18" charset="0"/>
+              </a:rPr>
+              <a:t> due to its long execution time.</a:t>
+            </a:r>
+          </a:p>
+          <a:p>
+            <a:endParaRPr lang="en-US" sz="800" dirty="0">
+              <a:latin typeface="Times New Roman" panose="02020603050405020304" pitchFamily="18" charset="0"/>
+              <a:cs typeface="Times New Roman" panose="02020603050405020304" pitchFamily="18" charset="0"/>
+            </a:endParaRPr>
+          </a:p>
+          <a:p>
+            <a:r>
+              <a:rPr lang="en-US" sz="2400" dirty="0">
+                <a:latin typeface="Times New Roman" panose="02020603050405020304" pitchFamily="18" charset="0"/>
+                <a:cs typeface="Times New Roman" panose="02020603050405020304" pitchFamily="18" charset="0"/>
+              </a:rPr>
               <a:t>To overcome this bottleneck, recent STA researches have proposed to accelerate PBA algorithms with manycore CPU and GPU parallelisms.</a:t>
             </a:r>
           </a:p>
           <a:p>
-            <a:endParaRPr lang="en-US" sz="800" dirty="0"/>
-          </a:p>
-          <a:p>
-            <a:r>
-              <a:rPr lang="en-US" sz="2600" dirty="0"/>
-              <a:t>In this work, we introduce a new, fast endpoint-oriented partitioning framework that can separate STA graphs and dispatch the PBA workload onto multiple GPUs.</a:t>
+            <a:endParaRPr lang="en-US" sz="800" dirty="0">
+              <a:latin typeface="Times New Roman" panose="02020603050405020304" pitchFamily="18" charset="0"/>
+              <a:cs typeface="Times New Roman" panose="02020603050405020304" pitchFamily="18" charset="0"/>
+            </a:endParaRPr>
+          </a:p>
+          <a:p>
+            <a:r>
+              <a:rPr lang="en-US" sz="2400" dirty="0">
+                <a:latin typeface="Times New Roman" panose="02020603050405020304" pitchFamily="18" charset="0"/>
+                <a:cs typeface="Times New Roman" panose="02020603050405020304" pitchFamily="18" charset="0"/>
+              </a:rPr>
+              <a:t>In this work, we introduce a new, fast endpoint-oriented partitioning framework that can separate STA graphs and dispatch the PBA workload onto </a:t>
+            </a:r>
+            <a:r>
+              <a:rPr lang="en-US" sz="2400" b="1" dirty="0">
+                <a:latin typeface="Times New Roman" panose="02020603050405020304" pitchFamily="18" charset="0"/>
+                <a:cs typeface="Times New Roman" panose="02020603050405020304" pitchFamily="18" charset="0"/>
+              </a:rPr>
+              <a:t>multiple GPUs</a:t>
+            </a:r>
+            <a:r>
+              <a:rPr lang="en-US" sz="2400" dirty="0">
+                <a:latin typeface="Times New Roman" panose="02020603050405020304" pitchFamily="18" charset="0"/>
+                <a:cs typeface="Times New Roman" panose="02020603050405020304" pitchFamily="18" charset="0"/>
+              </a:rPr>
+              <a:t>.</a:t>
             </a:r>
           </a:p>
         </p:txBody>
@@ -6558,7 +13162,10 @@
           <a:lstStyle/>
           <a:p>
             <a:r>
-              <a:rPr lang="en-US" dirty="0"/>
+              <a:rPr lang="en-US" dirty="0">
+                <a:latin typeface="Times New Roman" panose="02020603050405020304" pitchFamily="18" charset="0"/>
+                <a:cs typeface="Times New Roman" panose="02020603050405020304" pitchFamily="18" charset="0"/>
+              </a:rPr>
               <a:t>Introduction</a:t>
             </a:r>
           </a:p>
@@ -6588,132 +13195,206 @@
         </p:spPr>
         <p:txBody>
           <a:bodyPr>
-            <a:normAutofit lnSpcReduction="10000"/>
+            <a:normAutofit/>
           </a:bodyPr>
           <a:lstStyle/>
           <a:p>
             <a:r>
-              <a:rPr lang="en-US" sz="2600" dirty="0"/>
-              <a:t>This framework can quickly process the STA graph and build an end-point graph, which reflects the size of shared logic between endpoints</a:t>
+              <a:rPr lang="en-US" sz="2400" dirty="0">
+                <a:latin typeface="Times New Roman" panose="02020603050405020304" pitchFamily="18" charset="0"/>
+                <a:cs typeface="Times New Roman" panose="02020603050405020304" pitchFamily="18" charset="0"/>
+              </a:rPr>
+              <a:t>This framework can quickly process the </a:t>
+            </a:r>
+            <a:r>
+              <a:rPr lang="en-US" sz="2400" b="1" dirty="0">
+                <a:latin typeface="Times New Roman" panose="02020603050405020304" pitchFamily="18" charset="0"/>
+                <a:cs typeface="Times New Roman" panose="02020603050405020304" pitchFamily="18" charset="0"/>
+              </a:rPr>
+              <a:t>STA graph </a:t>
+            </a:r>
+            <a:r>
+              <a:rPr lang="en-US" sz="2400" dirty="0">
+                <a:latin typeface="Times New Roman" panose="02020603050405020304" pitchFamily="18" charset="0"/>
+                <a:cs typeface="Times New Roman" panose="02020603050405020304" pitchFamily="18" charset="0"/>
+              </a:rPr>
+              <a:t>and build an </a:t>
+            </a:r>
+            <a:r>
+              <a:rPr lang="en-US" sz="2400" b="1" dirty="0">
+                <a:latin typeface="Times New Roman" panose="02020603050405020304" pitchFamily="18" charset="0"/>
+                <a:cs typeface="Times New Roman" panose="02020603050405020304" pitchFamily="18" charset="0"/>
+              </a:rPr>
+              <a:t>end-point graph</a:t>
+            </a:r>
+            <a:r>
+              <a:rPr lang="en-US" sz="2400" dirty="0">
+                <a:latin typeface="Times New Roman" panose="02020603050405020304" pitchFamily="18" charset="0"/>
+                <a:cs typeface="Times New Roman" panose="02020603050405020304" pitchFamily="18" charset="0"/>
+              </a:rPr>
+              <a:t>, which reflects the size of shared logic between endpoints</a:t>
             </a:r>
           </a:p>
           <a:p>
             <a:pPr lvl="1"/>
-            <a:endParaRPr lang="en-US" sz="800" dirty="0"/>
+            <a:endParaRPr lang="en-US" sz="800" dirty="0">
+              <a:latin typeface="Times New Roman" panose="02020603050405020304" pitchFamily="18" charset="0"/>
+              <a:cs typeface="Times New Roman" panose="02020603050405020304" pitchFamily="18" charset="0"/>
+            </a:endParaRPr>
           </a:p>
           <a:p>
             <a:pPr lvl="1"/>
             <a:r>
-              <a:rPr lang="en-US" sz="2200" dirty="0"/>
-              <a:t>It takes linear time to construct an endpoint graph.</a:t>
+              <a:rPr lang="en-US" sz="2000" dirty="0">
+                <a:latin typeface="Times New Roman" panose="02020603050405020304" pitchFamily="18" charset="0"/>
+                <a:cs typeface="Times New Roman" panose="02020603050405020304" pitchFamily="18" charset="0"/>
+              </a:rPr>
+              <a:t>It takes </a:t>
+            </a:r>
+            <a:r>
+              <a:rPr lang="en-US" sz="2000" b="1" dirty="0">
+                <a:latin typeface="Times New Roman" panose="02020603050405020304" pitchFamily="18" charset="0"/>
+                <a:cs typeface="Times New Roman" panose="02020603050405020304" pitchFamily="18" charset="0"/>
+              </a:rPr>
+              <a:t>linear time </a:t>
+            </a:r>
+            <a:r>
+              <a:rPr lang="en-US" sz="2000" dirty="0">
+                <a:latin typeface="Times New Roman" panose="02020603050405020304" pitchFamily="18" charset="0"/>
+                <a:cs typeface="Times New Roman" panose="02020603050405020304" pitchFamily="18" charset="0"/>
+              </a:rPr>
+              <a:t>to construct an endpoint graph.</a:t>
             </a:r>
           </a:p>
           <a:p>
             <a:pPr lvl="1"/>
-            <a:endParaRPr lang="en-US" sz="400" dirty="0"/>
+            <a:endParaRPr lang="en-US" sz="400" dirty="0">
+              <a:latin typeface="Times New Roman" panose="02020603050405020304" pitchFamily="18" charset="0"/>
+              <a:cs typeface="Times New Roman" panose="02020603050405020304" pitchFamily="18" charset="0"/>
+            </a:endParaRPr>
           </a:p>
           <a:p>
             <a:pPr lvl="1"/>
             <a:r>
-              <a:rPr lang="en-US" sz="2200" dirty="0"/>
+              <a:rPr lang="en-US" sz="2000" dirty="0">
+                <a:latin typeface="Times New Roman" panose="02020603050405020304" pitchFamily="18" charset="0"/>
+                <a:cs typeface="Times New Roman" panose="02020603050405020304" pitchFamily="18" charset="0"/>
+              </a:rPr>
               <a:t>Endpoints with </a:t>
             </a:r>
             <a:r>
-              <a:rPr lang="en-US" sz="2200" b="1" dirty="0"/>
+              <a:rPr lang="en-US" sz="2000" b="1" dirty="0">
+                <a:latin typeface="Times New Roman" panose="02020603050405020304" pitchFamily="18" charset="0"/>
+                <a:cs typeface="Times New Roman" panose="02020603050405020304" pitchFamily="18" charset="0"/>
+              </a:rPr>
               <a:t>larger shared logic </a:t>
             </a:r>
             <a:r>
-              <a:rPr lang="en-US" sz="2200" dirty="0"/>
+              <a:rPr lang="en-US" sz="2000" dirty="0">
+                <a:latin typeface="Times New Roman" panose="02020603050405020304" pitchFamily="18" charset="0"/>
+                <a:cs typeface="Times New Roman" panose="02020603050405020304" pitchFamily="18" charset="0"/>
+              </a:rPr>
               <a:t>are grouped together in the same partition, which allows us to propagate shared timing information in a single partition.</a:t>
             </a:r>
           </a:p>
           <a:p>
             <a:pPr lvl="1"/>
-            <a:endParaRPr lang="en-US" sz="800" dirty="0"/>
+            <a:endParaRPr lang="en-US" sz="800" dirty="0">
+              <a:latin typeface="Times New Roman" panose="02020603050405020304" pitchFamily="18" charset="0"/>
+              <a:cs typeface="Times New Roman" panose="02020603050405020304" pitchFamily="18" charset="0"/>
+            </a:endParaRPr>
           </a:p>
           <a:p>
             <a:pPr lvl="1"/>
             <a:r>
-              <a:rPr lang="en-US" sz="2200" dirty="0"/>
+              <a:rPr lang="en-US" sz="2000" dirty="0">
+                <a:latin typeface="Times New Roman" panose="02020603050405020304" pitchFamily="18" charset="0"/>
+                <a:cs typeface="Times New Roman" panose="02020603050405020304" pitchFamily="18" charset="0"/>
+              </a:rPr>
               <a:t>If there exists shared logic across different partitions, we make </a:t>
             </a:r>
             <a:r>
-              <a:rPr lang="en-US" sz="2200" b="1" dirty="0"/>
+              <a:rPr lang="en-US" sz="2000" b="1" dirty="0">
+                <a:latin typeface="Times New Roman" panose="02020603050405020304" pitchFamily="18" charset="0"/>
+                <a:cs typeface="Times New Roman" panose="02020603050405020304" pitchFamily="18" charset="0"/>
+              </a:rPr>
               <a:t>minimal duplications </a:t>
             </a:r>
             <a:r>
-              <a:rPr lang="en-US" sz="2200" dirty="0"/>
+              <a:rPr lang="en-US" sz="2000" dirty="0">
+                <a:latin typeface="Times New Roman" panose="02020603050405020304" pitchFamily="18" charset="0"/>
+                <a:cs typeface="Times New Roman" panose="02020603050405020304" pitchFamily="18" charset="0"/>
+              </a:rPr>
               <a:t>to ensure we can conduct independent analysis.</a:t>
             </a:r>
+            <a:endParaRPr lang="en-US" sz="800" dirty="0">
+              <a:latin typeface="Times New Roman" panose="02020603050405020304" pitchFamily="18" charset="0"/>
+              <a:cs typeface="Times New Roman" panose="02020603050405020304" pitchFamily="18" charset="0"/>
+            </a:endParaRPr>
           </a:p>
           <a:p>
             <a:pPr lvl="1"/>
-            <a:endParaRPr lang="en-US" sz="800" dirty="0"/>
+            <a:endParaRPr lang="en-US" sz="1800" dirty="0">
+              <a:latin typeface="Times New Roman" panose="02020603050405020304" pitchFamily="18" charset="0"/>
+              <a:cs typeface="Times New Roman" panose="02020603050405020304" pitchFamily="18" charset="0"/>
+            </a:endParaRPr>
+          </a:p>
+          <a:p>
+            <a:r>
+              <a:rPr lang="en-US" sz="2400" dirty="0">
+                <a:latin typeface="Times New Roman" panose="02020603050405020304" pitchFamily="18" charset="0"/>
+                <a:cs typeface="Times New Roman" panose="02020603050405020304" pitchFamily="18" charset="0"/>
+              </a:rPr>
+              <a:t>Then they will separate the endpoint graph into groups and recover the partitions</a:t>
+            </a:r>
           </a:p>
           <a:p>
             <a:pPr lvl="1"/>
-            <a:endParaRPr lang="en-US" sz="500" dirty="0"/>
-          </a:p>
-          <a:p>
-            <a:r>
-              <a:rPr lang="en-US" sz="2600" dirty="0"/>
-              <a:t>Then they will separate the endpoint graph into groups and recover the partitions</a:t>
-            </a:r>
+            <a:endParaRPr lang="en-US" sz="800" dirty="0">
+              <a:latin typeface="Times New Roman" panose="02020603050405020304" pitchFamily="18" charset="0"/>
+              <a:cs typeface="Times New Roman" panose="02020603050405020304" pitchFamily="18" charset="0"/>
+            </a:endParaRPr>
           </a:p>
           <a:p>
             <a:pPr lvl="1"/>
-            <a:endParaRPr lang="en-US" sz="800" dirty="0"/>
+            <a:r>
+              <a:rPr lang="en-US" sz="2000" dirty="0">
+                <a:latin typeface="Times New Roman" panose="02020603050405020304" pitchFamily="18" charset="0"/>
+                <a:cs typeface="Times New Roman" panose="02020603050405020304" pitchFamily="18" charset="0"/>
+              </a:rPr>
+              <a:t>Use the method of </a:t>
+            </a:r>
+            <a:r>
+              <a:rPr lang="en-US" sz="2000" b="1" dirty="0">
+                <a:latin typeface="Times New Roman" panose="02020603050405020304" pitchFamily="18" charset="0"/>
+                <a:cs typeface="Times New Roman" panose="02020603050405020304" pitchFamily="18" charset="0"/>
+              </a:rPr>
+              <a:t>METIS</a:t>
+            </a:r>
+            <a:r>
+              <a:rPr lang="en-US" sz="2000" dirty="0">
+                <a:latin typeface="Times New Roman" panose="02020603050405020304" pitchFamily="18" charset="0"/>
+                <a:cs typeface="Times New Roman" panose="02020603050405020304" pitchFamily="18" charset="0"/>
+              </a:rPr>
+              <a:t> graph partitioning</a:t>
+            </a:r>
           </a:p>
           <a:p>
             <a:pPr lvl="1"/>
-            <a:r>
-              <a:rPr lang="en-US" sz="2200" dirty="0"/>
-              <a:t>Use the method of METIS graph partitioning</a:t>
-            </a:r>
+            <a:endParaRPr lang="en-US" sz="800" dirty="0">
+              <a:latin typeface="Times New Roman" panose="02020603050405020304" pitchFamily="18" charset="0"/>
+              <a:cs typeface="Times New Roman" panose="02020603050405020304" pitchFamily="18" charset="0"/>
+            </a:endParaRPr>
           </a:p>
           <a:p>
             <a:pPr lvl="1"/>
-            <a:endParaRPr lang="en-US" sz="800" dirty="0"/>
-          </a:p>
-          <a:p>
-            <a:pPr lvl="1"/>
-            <a:r>
-              <a:rPr lang="en-US" sz="2200" dirty="0"/>
+            <a:r>
+              <a:rPr lang="en-US" sz="2000" dirty="0">
+                <a:latin typeface="Times New Roman" panose="02020603050405020304" pitchFamily="18" charset="0"/>
+                <a:cs typeface="Times New Roman" panose="02020603050405020304" pitchFamily="18" charset="0"/>
+              </a:rPr>
               <a:t>Recover the full partitions by a linear recovery process</a:t>
             </a:r>
-          </a:p>
-        </p:txBody>
-      </p:sp>
-      <p:sp>
-        <p:nvSpPr>
-          <p:cNvPr id="5" name="TextBox 4">
-            <a:extLst>
-              <a:ext uri="{FF2B5EF4-FFF2-40B4-BE49-F238E27FC236}">
-                <a16:creationId xmlns:a16="http://schemas.microsoft.com/office/drawing/2014/main" id="{AB0F7084-2328-233A-729C-2223987F1E1D}"/>
-              </a:ext>
-            </a:extLst>
-          </p:cNvPr>
-          <p:cNvSpPr txBox="1"/>
-          <p:nvPr/>
-        </p:nvSpPr>
-        <p:spPr>
-          <a:xfrm>
-            <a:off x="3048000" y="3321278"/>
-            <a:ext cx="6096000" cy="215444"/>
-          </a:xfrm>
-          <a:prstGeom prst="rect">
-            <a:avLst/>
-          </a:prstGeom>
-          <a:noFill/>
-        </p:spPr>
-        <p:txBody>
-          <a:bodyPr wrap="square">
-            <a:spAutoFit/>
-          </a:bodyPr>
-          <a:lstStyle/>
-          <a:p>
-            <a:pPr lvl="1"/>
-            <a:endParaRPr lang="en-US" sz="800" dirty="0"/>
           </a:p>
         </p:txBody>
       </p:sp>
@@ -6798,7 +13479,10 @@
           <a:lstStyle/>
           <a:p>
             <a:r>
-              <a:rPr lang="en-US" dirty="0"/>
+              <a:rPr lang="en-US" dirty="0">
+                <a:latin typeface="Times New Roman" panose="02020603050405020304" pitchFamily="18" charset="0"/>
+                <a:cs typeface="Times New Roman" panose="02020603050405020304" pitchFamily="18" charset="0"/>
+              </a:rPr>
               <a:t>Introduction</a:t>
             </a:r>
           </a:p>
@@ -6833,31 +13517,45 @@
           <a:lstStyle/>
           <a:p>
             <a:r>
-              <a:rPr lang="en-US" sz="2600" dirty="0"/>
+              <a:rPr lang="en-US" sz="2400" dirty="0">
+                <a:latin typeface="Times New Roman" panose="02020603050405020304" pitchFamily="18" charset="0"/>
+                <a:cs typeface="Times New Roman" panose="02020603050405020304" pitchFamily="18" charset="0"/>
+              </a:rPr>
               <a:t>Also with GPU manager, they can accelerate the PBA process on multiple GPUs</a:t>
             </a:r>
           </a:p>
           <a:p>
-            <a:endParaRPr lang="en-US" sz="400" dirty="0"/>
+            <a:endParaRPr lang="en-US" sz="400" dirty="0">
+              <a:latin typeface="Times New Roman" panose="02020603050405020304" pitchFamily="18" charset="0"/>
+              <a:cs typeface="Times New Roman" panose="02020603050405020304" pitchFamily="18" charset="0"/>
+            </a:endParaRPr>
           </a:p>
           <a:p>
             <a:pPr lvl="1"/>
             <a:r>
-              <a:rPr lang="en-US" sz="2200" dirty="0"/>
+              <a:rPr lang="en-US" sz="2000" dirty="0">
+                <a:latin typeface="Times New Roman" panose="02020603050405020304" pitchFamily="18" charset="0"/>
+                <a:cs typeface="Times New Roman" panose="02020603050405020304" pitchFamily="18" charset="0"/>
+              </a:rPr>
               <a:t>We associate one CPU core to monitor the execution status of one GPU device</a:t>
             </a:r>
           </a:p>
           <a:p>
             <a:pPr lvl="1"/>
-            <a:endParaRPr lang="en-US" sz="400" dirty="0"/>
+            <a:endParaRPr lang="en-US" sz="400" dirty="0">
+              <a:latin typeface="Times New Roman" panose="02020603050405020304" pitchFamily="18" charset="0"/>
+              <a:cs typeface="Times New Roman" panose="02020603050405020304" pitchFamily="18" charset="0"/>
+            </a:endParaRPr>
           </a:p>
           <a:p>
             <a:pPr lvl="1"/>
             <a:r>
-              <a:rPr lang="en-US" sz="2200" dirty="0"/>
+              <a:rPr lang="en-US" sz="2000" dirty="0">
+                <a:latin typeface="Times New Roman" panose="02020603050405020304" pitchFamily="18" charset="0"/>
+                <a:cs typeface="Times New Roman" panose="02020603050405020304" pitchFamily="18" charset="0"/>
+              </a:rPr>
               <a:t>We also leverage the work-stealing scheduler to move the imbalance analysis</a:t>
             </a:r>
-            <a:endParaRPr lang="en-US" sz="1800" dirty="0"/>
           </a:p>
         </p:txBody>
       </p:sp>
@@ -6971,11 +13669,16 @@
         </p:nvSpPr>
         <p:spPr/>
         <p:txBody>
-          <a:bodyPr/>
+          <a:bodyPr>
+            <a:normAutofit/>
+          </a:bodyPr>
           <a:lstStyle/>
           <a:p>
             <a:r>
-              <a:rPr lang="en-US" dirty="0"/>
+              <a:rPr lang="en-US" sz="4000" dirty="0">
+                <a:latin typeface="Times New Roman" panose="02020603050405020304" pitchFamily="18" charset="0"/>
+                <a:cs typeface="Times New Roman" panose="02020603050405020304" pitchFamily="18" charset="0"/>
+              </a:rPr>
               <a:t>Proposed Partitioning Framework For Multi-GPU Acceleration</a:t>
             </a:r>
           </a:p>
@@ -7174,35 +13877,62 @@
           </a:lstStyle>
           <a:p>
             <a:r>
-              <a:rPr lang="en-US" dirty="0"/>
+              <a:rPr lang="en-US" sz="2400" dirty="0">
+                <a:latin typeface="Times New Roman" panose="02020603050405020304" pitchFamily="18" charset="0"/>
+                <a:cs typeface="Times New Roman" panose="02020603050405020304" pitchFamily="18" charset="0"/>
+              </a:rPr>
               <a:t>Step 1. Rank Circuit Pins</a:t>
             </a:r>
           </a:p>
           <a:p>
+            <a:endParaRPr lang="en-US" sz="400" dirty="0">
+              <a:latin typeface="Times New Roman" panose="02020603050405020304" pitchFamily="18" charset="0"/>
+              <a:cs typeface="Times New Roman" panose="02020603050405020304" pitchFamily="18" charset="0"/>
+            </a:endParaRPr>
+          </a:p>
+          <a:p>
             <a:pPr lvl="1"/>
             <a:r>
-              <a:rPr lang="en-US" dirty="0"/>
+              <a:rPr lang="en-US" sz="2000" dirty="0">
+                <a:latin typeface="Times New Roman" panose="02020603050405020304" pitchFamily="18" charset="0"/>
+                <a:cs typeface="Times New Roman" panose="02020603050405020304" pitchFamily="18" charset="0"/>
+              </a:rPr>
               <a:t>Process the </a:t>
             </a:r>
             <a:r>
-              <a:rPr lang="en-US" b="1" dirty="0"/>
+              <a:rPr lang="en-US" sz="2000" b="1" dirty="0">
+                <a:latin typeface="Times New Roman" panose="02020603050405020304" pitchFamily="18" charset="0"/>
+                <a:cs typeface="Times New Roman" panose="02020603050405020304" pitchFamily="18" charset="0"/>
+              </a:rPr>
               <a:t>circuit graph </a:t>
             </a:r>
             <a:r>
-              <a:rPr lang="en-US" dirty="0"/>
+              <a:rPr lang="en-US" sz="2000" dirty="0">
+                <a:latin typeface="Times New Roman" panose="02020603050405020304" pitchFamily="18" charset="0"/>
+                <a:cs typeface="Times New Roman" panose="02020603050405020304" pitchFamily="18" charset="0"/>
+              </a:rPr>
               <a:t>by ranking the circuit pins based on their </a:t>
             </a:r>
             <a:r>
-              <a:rPr lang="en-US" b="1" dirty="0"/>
+              <a:rPr lang="en-US" sz="2000" b="1" dirty="0">
+                <a:latin typeface="Times New Roman" panose="02020603050405020304" pitchFamily="18" charset="0"/>
+                <a:cs typeface="Times New Roman" panose="02020603050405020304" pitchFamily="18" charset="0"/>
+              </a:rPr>
               <a:t>distances</a:t>
             </a:r>
             <a:r>
-              <a:rPr lang="en-US" dirty="0"/>
+              <a:rPr lang="en-US" sz="2000" dirty="0">
+                <a:latin typeface="Times New Roman" panose="02020603050405020304" pitchFamily="18" charset="0"/>
+                <a:cs typeface="Times New Roman" panose="02020603050405020304" pitchFamily="18" charset="0"/>
+              </a:rPr>
               <a:t> from the </a:t>
             </a:r>
             <a:r>
-              <a:rPr lang="en-US" b="1" dirty="0"/>
-              <a:t>source pins</a:t>
+              <a:rPr lang="en-US" sz="2000" b="1" dirty="0">
+                <a:latin typeface="Times New Roman" panose="02020603050405020304" pitchFamily="18" charset="0"/>
+                <a:cs typeface="Times New Roman" panose="02020603050405020304" pitchFamily="18" charset="0"/>
+              </a:rPr>
+              <a:t>source pins.</a:t>
             </a:r>
           </a:p>
         </p:txBody>
@@ -7229,8 +13959,8 @@
         </p:blipFill>
         <p:spPr>
           <a:xfrm>
-            <a:off x="6221755" y="2984896"/>
-            <a:ext cx="4829338" cy="3453926"/>
+            <a:off x="3822369" y="3240689"/>
+            <a:ext cx="4547262" cy="3252186"/>
           </a:xfrm>
           <a:prstGeom prst="rect">
             <a:avLst/>
@@ -7314,11 +14044,16 @@
         </p:nvSpPr>
         <p:spPr/>
         <p:txBody>
-          <a:bodyPr/>
+          <a:bodyPr>
+            <a:normAutofit/>
+          </a:bodyPr>
           <a:lstStyle/>
           <a:p>
             <a:r>
-              <a:rPr lang="en-US" dirty="0"/>
+              <a:rPr lang="en-US" sz="4000" dirty="0">
+                <a:latin typeface="Times New Roman" panose="02020603050405020304" pitchFamily="18" charset="0"/>
+                <a:cs typeface="Times New Roman" panose="02020603050405020304" pitchFamily="18" charset="0"/>
+              </a:rPr>
               <a:t>Proposed Partitioning Framework For Multi-GPU Acceleration</a:t>
             </a:r>
           </a:p>
@@ -7517,65 +14252,59 @@
           </a:lstStyle>
           <a:p>
             <a:r>
-              <a:rPr lang="en-US" dirty="0"/>
+              <a:rPr lang="en-US" sz="2400" dirty="0">
+                <a:latin typeface="Times New Roman" panose="02020603050405020304" pitchFamily="18" charset="0"/>
+                <a:cs typeface="Times New Roman" panose="02020603050405020304" pitchFamily="18" charset="0"/>
+              </a:rPr>
               <a:t>Step 2. Build Endpoint Graph</a:t>
             </a:r>
           </a:p>
           <a:p>
+            <a:endParaRPr lang="en-US" sz="400" dirty="0">
+              <a:latin typeface="Times New Roman" panose="02020603050405020304" pitchFamily="18" charset="0"/>
+              <a:cs typeface="Times New Roman" panose="02020603050405020304" pitchFamily="18" charset="0"/>
+            </a:endParaRPr>
+          </a:p>
+          <a:p>
             <a:pPr lvl="1"/>
             <a:r>
-              <a:rPr lang="en-US" dirty="0"/>
+              <a:rPr lang="en-US" sz="2000" dirty="0">
+                <a:latin typeface="Times New Roman" panose="02020603050405020304" pitchFamily="18" charset="0"/>
+                <a:cs typeface="Times New Roman" panose="02020603050405020304" pitchFamily="18" charset="0"/>
+              </a:rPr>
               <a:t>The endpoint graph can reflect the </a:t>
             </a:r>
             <a:r>
-              <a:rPr lang="en-US" b="1" dirty="0"/>
+              <a:rPr lang="en-US" sz="2000" b="1" dirty="0">
+                <a:latin typeface="Times New Roman" panose="02020603050405020304" pitchFamily="18" charset="0"/>
+                <a:cs typeface="Times New Roman" panose="02020603050405020304" pitchFamily="18" charset="0"/>
+              </a:rPr>
               <a:t>size</a:t>
             </a:r>
             <a:r>
-              <a:rPr lang="en-US" dirty="0"/>
+              <a:rPr lang="en-US" sz="2000" dirty="0">
+                <a:latin typeface="Times New Roman" panose="02020603050405020304" pitchFamily="18" charset="0"/>
+                <a:cs typeface="Times New Roman" panose="02020603050405020304" pitchFamily="18" charset="0"/>
+              </a:rPr>
               <a:t> of </a:t>
             </a:r>
             <a:r>
-              <a:rPr lang="en-US" b="1" dirty="0"/>
+              <a:rPr lang="en-US" sz="2000" b="1" dirty="0">
+                <a:latin typeface="Times New Roman" panose="02020603050405020304" pitchFamily="18" charset="0"/>
+                <a:cs typeface="Times New Roman" panose="02020603050405020304" pitchFamily="18" charset="0"/>
+              </a:rPr>
               <a:t>common logic </a:t>
             </a:r>
             <a:r>
-              <a:rPr lang="en-US" dirty="0"/>
-              <a:t>between endpoints</a:t>
+              <a:rPr lang="en-US" sz="2000" dirty="0">
+                <a:latin typeface="Times New Roman" panose="02020603050405020304" pitchFamily="18" charset="0"/>
+                <a:cs typeface="Times New Roman" panose="02020603050405020304" pitchFamily="18" charset="0"/>
+              </a:rPr>
+              <a:t>between endpoints.</a:t>
             </a:r>
           </a:p>
         </p:txBody>
       </p:sp>
-      <p:pic>
-        <p:nvPicPr>
-          <p:cNvPr id="8" name="Content Placeholder 4">
-            <a:extLst>
-              <a:ext uri="{FF2B5EF4-FFF2-40B4-BE49-F238E27FC236}">
-                <a16:creationId xmlns:a16="http://schemas.microsoft.com/office/drawing/2014/main" id="{221BB967-C212-C489-9B43-BAC3D46A6943}"/>
-              </a:ext>
-            </a:extLst>
-          </p:cNvPr>
-          <p:cNvPicPr>
-            <a:picLocks noChangeAspect="1"/>
-          </p:cNvPicPr>
-          <p:nvPr/>
-        </p:nvPicPr>
-        <p:blipFill>
-          <a:blip r:embed="rId2"/>
-          <a:stretch>
-            <a:fillRect/>
-          </a:stretch>
-        </p:blipFill>
-        <p:spPr>
-          <a:xfrm>
-            <a:off x="6221755" y="2984896"/>
-            <a:ext cx="4829338" cy="3453926"/>
-          </a:xfrm>
-          <a:prstGeom prst="rect">
-            <a:avLst/>
-          </a:prstGeom>
-        </p:spPr>
-      </p:pic>
       <p:sp>
         <p:nvSpPr>
           <p:cNvPr id="9" name="Slide Number Placeholder 8">
@@ -7605,6 +14334,36 @@
           </a:p>
         </p:txBody>
       </p:sp>
+      <p:pic>
+        <p:nvPicPr>
+          <p:cNvPr id="3" name="Content Placeholder 4">
+            <a:extLst>
+              <a:ext uri="{FF2B5EF4-FFF2-40B4-BE49-F238E27FC236}">
+                <a16:creationId xmlns:a16="http://schemas.microsoft.com/office/drawing/2014/main" id="{771DE0EA-0DF4-8B79-0D35-DE321BD51432}"/>
+              </a:ext>
+            </a:extLst>
+          </p:cNvPr>
+          <p:cNvPicPr>
+            <a:picLocks noChangeAspect="1"/>
+          </p:cNvPicPr>
+          <p:nvPr/>
+        </p:nvPicPr>
+        <p:blipFill>
+          <a:blip r:embed="rId2"/>
+          <a:stretch>
+            <a:fillRect/>
+          </a:stretch>
+        </p:blipFill>
+        <p:spPr>
+          <a:xfrm>
+            <a:off x="3822369" y="3240689"/>
+            <a:ext cx="4547262" cy="3252186"/>
+          </a:xfrm>
+          <a:prstGeom prst="rect">
+            <a:avLst/>
+          </a:prstGeom>
+        </p:spPr>
+      </p:pic>
     </p:spTree>
     <p:extLst>
       <p:ext uri="{BB962C8B-B14F-4D97-AF65-F5344CB8AC3E}">
@@ -7653,11 +14412,16 @@
         </p:nvSpPr>
         <p:spPr/>
         <p:txBody>
-          <a:bodyPr/>
+          <a:bodyPr>
+            <a:normAutofit/>
+          </a:bodyPr>
           <a:lstStyle/>
           <a:p>
             <a:r>
-              <a:rPr lang="en-US" dirty="0"/>
+              <a:rPr lang="en-US" sz="4000" dirty="0">
+                <a:latin typeface="Times New Roman" panose="02020603050405020304" pitchFamily="18" charset="0"/>
+                <a:cs typeface="Times New Roman" panose="02020603050405020304" pitchFamily="18" charset="0"/>
+              </a:rPr>
               <a:t>Proposed Partitioning Framework For Multi-GPU Acceleration</a:t>
             </a:r>
           </a:p>
@@ -7856,57 +14620,45 @@
           </a:lstStyle>
           <a:p>
             <a:r>
-              <a:rPr lang="en-US" dirty="0"/>
+              <a:rPr lang="en-US" sz="2400" dirty="0">
+                <a:latin typeface="Times New Roman" panose="02020603050405020304" pitchFamily="18" charset="0"/>
+                <a:cs typeface="Times New Roman" panose="02020603050405020304" pitchFamily="18" charset="0"/>
+              </a:rPr>
               <a:t>Step 3. Find Disjoint Endpoint Sets</a:t>
             </a:r>
           </a:p>
           <a:p>
+            <a:endParaRPr lang="en-US" sz="400" dirty="0">
+              <a:latin typeface="Times New Roman" panose="02020603050405020304" pitchFamily="18" charset="0"/>
+              <a:cs typeface="Times New Roman" panose="02020603050405020304" pitchFamily="18" charset="0"/>
+            </a:endParaRPr>
+          </a:p>
+          <a:p>
             <a:pPr lvl="1"/>
             <a:r>
-              <a:rPr lang="en-US" dirty="0"/>
+              <a:rPr lang="en-US" sz="2000" dirty="0">
+                <a:latin typeface="Times New Roman" panose="02020603050405020304" pitchFamily="18" charset="0"/>
+                <a:cs typeface="Times New Roman" panose="02020603050405020304" pitchFamily="18" charset="0"/>
+              </a:rPr>
               <a:t>Based on the endpoint graph, we identify </a:t>
             </a:r>
             <a:r>
-              <a:rPr lang="en-US" b="1" dirty="0"/>
+              <a:rPr lang="en-US" sz="2000" b="1" dirty="0">
+                <a:latin typeface="Times New Roman" panose="02020603050405020304" pitchFamily="18" charset="0"/>
+                <a:cs typeface="Times New Roman" panose="02020603050405020304" pitchFamily="18" charset="0"/>
+              </a:rPr>
               <a:t>independent</a:t>
             </a:r>
             <a:r>
-              <a:rPr lang="en-US" dirty="0"/>
+              <a:rPr lang="en-US" sz="2000" dirty="0">
+                <a:latin typeface="Times New Roman" panose="02020603050405020304" pitchFamily="18" charset="0"/>
+                <a:cs typeface="Times New Roman" panose="02020603050405020304" pitchFamily="18" charset="0"/>
+              </a:rPr>
               <a:t> components, which is represented by a set of endpoints</a:t>
             </a:r>
           </a:p>
         </p:txBody>
       </p:sp>
-      <p:pic>
-        <p:nvPicPr>
-          <p:cNvPr id="7" name="Content Placeholder 4">
-            <a:extLst>
-              <a:ext uri="{FF2B5EF4-FFF2-40B4-BE49-F238E27FC236}">
-                <a16:creationId xmlns:a16="http://schemas.microsoft.com/office/drawing/2014/main" id="{6F1544BC-FCF8-A6A9-CA7E-379BEFA326B6}"/>
-              </a:ext>
-            </a:extLst>
-          </p:cNvPr>
-          <p:cNvPicPr>
-            <a:picLocks noChangeAspect="1"/>
-          </p:cNvPicPr>
-          <p:nvPr/>
-        </p:nvPicPr>
-        <p:blipFill>
-          <a:blip r:embed="rId2"/>
-          <a:stretch>
-            <a:fillRect/>
-          </a:stretch>
-        </p:blipFill>
-        <p:spPr>
-          <a:xfrm>
-            <a:off x="6221755" y="2984896"/>
-            <a:ext cx="4829338" cy="3453926"/>
-          </a:xfrm>
-          <a:prstGeom prst="rect">
-            <a:avLst/>
-          </a:prstGeom>
-        </p:spPr>
-      </p:pic>
       <p:sp>
         <p:nvSpPr>
           <p:cNvPr id="8" name="Slide Number Placeholder 7">
@@ -7936,6 +14688,36 @@
           </a:p>
         </p:txBody>
       </p:sp>
+      <p:pic>
+        <p:nvPicPr>
+          <p:cNvPr id="3" name="Content Placeholder 4">
+            <a:extLst>
+              <a:ext uri="{FF2B5EF4-FFF2-40B4-BE49-F238E27FC236}">
+                <a16:creationId xmlns:a16="http://schemas.microsoft.com/office/drawing/2014/main" id="{888BCE1F-CE01-48CA-1B05-583147A135D7}"/>
+              </a:ext>
+            </a:extLst>
+          </p:cNvPr>
+          <p:cNvPicPr>
+            <a:picLocks noChangeAspect="1"/>
+          </p:cNvPicPr>
+          <p:nvPr/>
+        </p:nvPicPr>
+        <p:blipFill>
+          <a:blip r:embed="rId2"/>
+          <a:stretch>
+            <a:fillRect/>
+          </a:stretch>
+        </p:blipFill>
+        <p:spPr>
+          <a:xfrm>
+            <a:off x="3822369" y="3240689"/>
+            <a:ext cx="4547262" cy="3252186"/>
+          </a:xfrm>
+          <a:prstGeom prst="rect">
+            <a:avLst/>
+          </a:prstGeom>
+        </p:spPr>
+      </p:pic>
     </p:spTree>
     <p:extLst>
       <p:ext uri="{BB962C8B-B14F-4D97-AF65-F5344CB8AC3E}">
@@ -7984,11 +14766,16 @@
         </p:nvSpPr>
         <p:spPr/>
         <p:txBody>
-          <a:bodyPr/>
+          <a:bodyPr>
+            <a:normAutofit/>
+          </a:bodyPr>
           <a:lstStyle/>
           <a:p>
             <a:r>
-              <a:rPr lang="en-US" dirty="0"/>
+              <a:rPr lang="en-US" sz="4000" dirty="0">
+                <a:latin typeface="Times New Roman" panose="02020603050405020304" pitchFamily="18" charset="0"/>
+                <a:cs typeface="Times New Roman" panose="02020603050405020304" pitchFamily="18" charset="0"/>
+              </a:rPr>
               <a:t>Proposed Partitioning Framework For Multi-GPU Acceleration</a:t>
             </a:r>
           </a:p>
@@ -8187,45 +14974,85 @@
           </a:lstStyle>
           <a:p>
             <a:r>
-              <a:rPr lang="en-US" dirty="0"/>
+              <a:rPr lang="en-US" sz="2400" dirty="0">
+                <a:latin typeface="Times New Roman" panose="02020603050405020304" pitchFamily="18" charset="0"/>
+                <a:cs typeface="Times New Roman" panose="02020603050405020304" pitchFamily="18" charset="0"/>
+              </a:rPr>
               <a:t>Step 4. Determine whether the sets are balanced</a:t>
             </a:r>
           </a:p>
           <a:p>
+            <a:endParaRPr lang="en-US" sz="400" dirty="0">
+              <a:latin typeface="Times New Roman" panose="02020603050405020304" pitchFamily="18" charset="0"/>
+              <a:cs typeface="Times New Roman" panose="02020603050405020304" pitchFamily="18" charset="0"/>
+            </a:endParaRPr>
+          </a:p>
+          <a:p>
             <a:pPr lvl="1"/>
             <a:r>
-              <a:rPr lang="en-US" dirty="0"/>
+              <a:rPr lang="en-US" sz="2000" dirty="0">
+                <a:latin typeface="Times New Roman" panose="02020603050405020304" pitchFamily="18" charset="0"/>
+                <a:cs typeface="Times New Roman" panose="02020603050405020304" pitchFamily="18" charset="0"/>
+              </a:rPr>
               <a:t>If the size of these disjoint sets are </a:t>
             </a:r>
             <a:r>
-              <a:rPr lang="en-US" b="1" dirty="0"/>
+              <a:rPr lang="en-US" sz="2000" b="1" dirty="0">
+                <a:latin typeface="Times New Roman" panose="02020603050405020304" pitchFamily="18" charset="0"/>
+                <a:cs typeface="Times New Roman" panose="02020603050405020304" pitchFamily="18" charset="0"/>
+              </a:rPr>
               <a:t>balanced</a:t>
             </a:r>
             <a:r>
-              <a:rPr lang="en-US" dirty="0"/>
+              <a:rPr lang="en-US" sz="2000" dirty="0">
+                <a:latin typeface="Times New Roman" panose="02020603050405020304" pitchFamily="18" charset="0"/>
+                <a:cs typeface="Times New Roman" panose="02020603050405020304" pitchFamily="18" charset="0"/>
+              </a:rPr>
               <a:t>, we can just pack them together</a:t>
             </a:r>
           </a:p>
           <a:p>
             <a:pPr lvl="1"/>
-            <a:r>
-              <a:rPr lang="en-US" dirty="0"/>
+            <a:endParaRPr lang="en-US" sz="400" dirty="0">
+              <a:latin typeface="Times New Roman" panose="02020603050405020304" pitchFamily="18" charset="0"/>
+              <a:cs typeface="Times New Roman" panose="02020603050405020304" pitchFamily="18" charset="0"/>
+            </a:endParaRPr>
+          </a:p>
+          <a:p>
+            <a:pPr lvl="1"/>
+            <a:r>
+              <a:rPr lang="en-US" sz="2000" dirty="0">
+                <a:latin typeface="Times New Roman" panose="02020603050405020304" pitchFamily="18" charset="0"/>
+                <a:cs typeface="Times New Roman" panose="02020603050405020304" pitchFamily="18" charset="0"/>
+              </a:rPr>
               <a:t>If the size of these disjoint sets are </a:t>
             </a:r>
             <a:r>
-              <a:rPr lang="en-US" b="1" dirty="0"/>
+              <a:rPr lang="en-US" sz="2000" b="1" dirty="0">
+                <a:latin typeface="Times New Roman" panose="02020603050405020304" pitchFamily="18" charset="0"/>
+                <a:cs typeface="Times New Roman" panose="02020603050405020304" pitchFamily="18" charset="0"/>
+              </a:rPr>
               <a:t>unbalanced</a:t>
             </a:r>
             <a:r>
-              <a:rPr lang="en-US" dirty="0"/>
+              <a:rPr lang="en-US" sz="2000" dirty="0">
+                <a:latin typeface="Times New Roman" panose="02020603050405020304" pitchFamily="18" charset="0"/>
+                <a:cs typeface="Times New Roman" panose="02020603050405020304" pitchFamily="18" charset="0"/>
+              </a:rPr>
               <a:t>, they will use the method of </a:t>
             </a:r>
             <a:r>
-              <a:rPr lang="en-US" b="1" dirty="0"/>
+              <a:rPr lang="en-US" sz="2000" b="1" dirty="0">
+                <a:latin typeface="Times New Roman" panose="02020603050405020304" pitchFamily="18" charset="0"/>
+                <a:cs typeface="Times New Roman" panose="02020603050405020304" pitchFamily="18" charset="0"/>
+              </a:rPr>
               <a:t>METIS</a:t>
             </a:r>
             <a:r>
-              <a:rPr lang="en-US" dirty="0"/>
+              <a:rPr lang="en-US" sz="2000" dirty="0">
+                <a:latin typeface="Times New Roman" panose="02020603050405020304" pitchFamily="18" charset="0"/>
+                <a:cs typeface="Times New Roman" panose="02020603050405020304" pitchFamily="18" charset="0"/>
+              </a:rPr>
               <a:t> graph partition to separate the endpoint graph</a:t>
             </a:r>
           </a:p>
@@ -8234,9 +15061,15 @@
               <a:buNone/>
             </a:pPr>
             <a:br>
-              <a:rPr lang="en-US" dirty="0"/>
+              <a:rPr lang="en-US" dirty="0">
+                <a:latin typeface="Times New Roman" panose="02020603050405020304" pitchFamily="18" charset="0"/>
+                <a:cs typeface="Times New Roman" panose="02020603050405020304" pitchFamily="18" charset="0"/>
+              </a:rPr>
             </a:br>
-            <a:endParaRPr lang="en-US" dirty="0"/>
+            <a:endParaRPr lang="en-US" dirty="0">
+              <a:latin typeface="Times New Roman" panose="02020603050405020304" pitchFamily="18" charset="0"/>
+              <a:cs typeface="Times New Roman" panose="02020603050405020304" pitchFamily="18" charset="0"/>
+            </a:endParaRPr>
           </a:p>
         </p:txBody>
       </p:sp>

--- a/GM/Partition/Fast STA Graph Partitioning Framework for Multi-GPU Acceleration/Fast STA Graph Partitioning Framework for Multi-GPU Acceleration.pptx
+++ b/GM/Partition/Fast STA Graph Partitioning Framework for Multi-GPU Acceleration/Fast STA Graph Partitioning Framework for Multi-GPU Acceleration.pptx
@@ -5,39 +5,45 @@
     <p:sldMasterId id="2147483648" r:id="rId1"/>
   </p:sldMasterIdLst>
   <p:notesMasterIdLst>
-    <p:notesMasterId r:id="rId32"/>
+    <p:notesMasterId r:id="rId38"/>
   </p:notesMasterIdLst>
   <p:sldIdLst>
     <p:sldId id="256" r:id="rId2"/>
     <p:sldId id="257" r:id="rId3"/>
-    <p:sldId id="258" r:id="rId4"/>
-    <p:sldId id="259" r:id="rId5"/>
-    <p:sldId id="260" r:id="rId6"/>
-    <p:sldId id="261" r:id="rId7"/>
-    <p:sldId id="263" r:id="rId8"/>
-    <p:sldId id="264" r:id="rId9"/>
-    <p:sldId id="265" r:id="rId10"/>
-    <p:sldId id="266" r:id="rId11"/>
-    <p:sldId id="267" r:id="rId12"/>
-    <p:sldId id="268" r:id="rId13"/>
-    <p:sldId id="269" r:id="rId14"/>
-    <p:sldId id="270" r:id="rId15"/>
-    <p:sldId id="271" r:id="rId16"/>
-    <p:sldId id="272" r:id="rId17"/>
-    <p:sldId id="273" r:id="rId18"/>
-    <p:sldId id="274" r:id="rId19"/>
-    <p:sldId id="275" r:id="rId20"/>
-    <p:sldId id="276" r:id="rId21"/>
-    <p:sldId id="277" r:id="rId22"/>
-    <p:sldId id="278" r:id="rId23"/>
-    <p:sldId id="279" r:id="rId24"/>
-    <p:sldId id="280" r:id="rId25"/>
-    <p:sldId id="281" r:id="rId26"/>
-    <p:sldId id="282" r:id="rId27"/>
-    <p:sldId id="283" r:id="rId28"/>
-    <p:sldId id="284" r:id="rId29"/>
-    <p:sldId id="285" r:id="rId30"/>
-    <p:sldId id="286" r:id="rId31"/>
+    <p:sldId id="287" r:id="rId4"/>
+    <p:sldId id="258" r:id="rId5"/>
+    <p:sldId id="288" r:id="rId6"/>
+    <p:sldId id="259" r:id="rId7"/>
+    <p:sldId id="260" r:id="rId8"/>
+    <p:sldId id="289" r:id="rId9"/>
+    <p:sldId id="261" r:id="rId10"/>
+    <p:sldId id="263" r:id="rId11"/>
+    <p:sldId id="264" r:id="rId12"/>
+    <p:sldId id="265" r:id="rId13"/>
+    <p:sldId id="266" r:id="rId14"/>
+    <p:sldId id="267" r:id="rId15"/>
+    <p:sldId id="268" r:id="rId16"/>
+    <p:sldId id="269" r:id="rId17"/>
+    <p:sldId id="270" r:id="rId18"/>
+    <p:sldId id="271" r:id="rId19"/>
+    <p:sldId id="272" r:id="rId20"/>
+    <p:sldId id="273" r:id="rId21"/>
+    <p:sldId id="274" r:id="rId22"/>
+    <p:sldId id="275" r:id="rId23"/>
+    <p:sldId id="276" r:id="rId24"/>
+    <p:sldId id="277" r:id="rId25"/>
+    <p:sldId id="278" r:id="rId26"/>
+    <p:sldId id="279" r:id="rId27"/>
+    <p:sldId id="280" r:id="rId28"/>
+    <p:sldId id="281" r:id="rId29"/>
+    <p:sldId id="282" r:id="rId30"/>
+    <p:sldId id="283" r:id="rId31"/>
+    <p:sldId id="284" r:id="rId32"/>
+    <p:sldId id="285" r:id="rId33"/>
+    <p:sldId id="286" r:id="rId34"/>
+    <p:sldId id="290" r:id="rId35"/>
+    <p:sldId id="291" r:id="rId36"/>
+    <p:sldId id="292" r:id="rId37"/>
   </p:sldIdLst>
   <p:sldSz cx="12192000" cy="6858000"/>
   <p:notesSz cx="6858000" cy="9144000"/>
@@ -2249,7 +2255,7 @@
           <a:p>
             <a:fld id="{9D457EAB-1485-47AD-BEAD-484FAEBF5A54}" type="slidenum">
               <a:rPr lang="en-US" smtClean="0"/>
-              <a:t>2</a:t>
+              <a:t>3</a:t>
             </a:fld>
             <a:endParaRPr lang="en-US"/>
           </a:p>
@@ -2333,7 +2339,7 @@
           <a:p>
             <a:fld id="{9D457EAB-1485-47AD-BEAD-484FAEBF5A54}" type="slidenum">
               <a:rPr lang="en-US" smtClean="0"/>
-              <a:t>3</a:t>
+              <a:t>5</a:t>
             </a:fld>
             <a:endParaRPr lang="en-US"/>
           </a:p>
@@ -2417,7 +2423,7 @@
           <a:p>
             <a:fld id="{9D457EAB-1485-47AD-BEAD-484FAEBF5A54}" type="slidenum">
               <a:rPr lang="en-US" smtClean="0"/>
-              <a:t>4</a:t>
+              <a:t>6</a:t>
             </a:fld>
             <a:endParaRPr lang="en-US"/>
           </a:p>
@@ -2565,7 +2571,7 @@
           <a:p>
             <a:fld id="{9D457EAB-1485-47AD-BEAD-484FAEBF5A54}" type="slidenum">
               <a:rPr lang="en-US" smtClean="0"/>
-              <a:t>10</a:t>
+              <a:t>13</a:t>
             </a:fld>
             <a:endParaRPr lang="en-US"/>
           </a:p>
@@ -2657,7 +2663,7 @@
           <a:p>
             <a:fld id="{9D457EAB-1485-47AD-BEAD-484FAEBF5A54}" type="slidenum">
               <a:rPr lang="en-US" smtClean="0"/>
-              <a:t>27</a:t>
+              <a:t>30</a:t>
             </a:fld>
             <a:endParaRPr lang="en-US"/>
           </a:p>
@@ -2769,7 +2775,7 @@
           <a:p>
             <a:fld id="{9D457EAB-1485-47AD-BEAD-484FAEBF5A54}" type="slidenum">
               <a:rPr lang="en-US" smtClean="0"/>
-              <a:t>28</a:t>
+              <a:t>31</a:t>
             </a:fld>
             <a:endParaRPr lang="en-US"/>
           </a:p>
@@ -2879,7 +2885,7 @@
           <a:p>
             <a:fld id="{9D457EAB-1485-47AD-BEAD-484FAEBF5A54}" type="slidenum">
               <a:rPr lang="en-US" smtClean="0"/>
-              <a:t>29</a:t>
+              <a:t>32</a:t>
             </a:fld>
             <a:endParaRPr lang="en-US"/>
           </a:p>
@@ -6742,6 +6748,728 @@
         <p:spPr>
           <a:xfrm>
             <a:off x="838200" y="2041525"/>
+            <a:ext cx="10515600" cy="1387475"/>
+          </a:xfrm>
+          <a:prstGeom prst="rect">
+            <a:avLst/>
+          </a:prstGeom>
+        </p:spPr>
+        <p:txBody>
+          <a:bodyPr vert="horz" lIns="91440" tIns="45720" rIns="91440" bIns="45720" rtlCol="0">
+            <a:normAutofit/>
+          </a:bodyPr>
+          <a:lstStyle>
+            <a:lvl1pPr marL="228600" indent="-228600" algn="l" defTabSz="914400" rtl="0" eaLnBrk="1" latinLnBrk="0" hangingPunct="1">
+              <a:lnSpc>
+                <a:spcPct val="90000"/>
+              </a:lnSpc>
+              <a:spcBef>
+                <a:spcPts val="1000"/>
+              </a:spcBef>
+              <a:buFont typeface="Arial" panose="020B0604020202020204" pitchFamily="34" charset="0"/>
+              <a:buChar char="•"/>
+              <a:defRPr sz="2800" kern="1200">
+                <a:solidFill>
+                  <a:schemeClr val="tx1"/>
+                </a:solidFill>
+                <a:latin typeface="+mn-lt"/>
+                <a:ea typeface="+mn-ea"/>
+                <a:cs typeface="+mn-cs"/>
+              </a:defRPr>
+            </a:lvl1pPr>
+            <a:lvl2pPr marL="685800" indent="-228600" algn="l" defTabSz="914400" rtl="0" eaLnBrk="1" latinLnBrk="0" hangingPunct="1">
+              <a:lnSpc>
+                <a:spcPct val="90000"/>
+              </a:lnSpc>
+              <a:spcBef>
+                <a:spcPts val="500"/>
+              </a:spcBef>
+              <a:buFont typeface="Arial" panose="020B0604020202020204" pitchFamily="34" charset="0"/>
+              <a:buChar char="•"/>
+              <a:defRPr sz="2400" kern="1200">
+                <a:solidFill>
+                  <a:schemeClr val="tx1"/>
+                </a:solidFill>
+                <a:latin typeface="+mn-lt"/>
+                <a:ea typeface="+mn-ea"/>
+                <a:cs typeface="+mn-cs"/>
+              </a:defRPr>
+            </a:lvl2pPr>
+            <a:lvl3pPr marL="1143000" indent="-228600" algn="l" defTabSz="914400" rtl="0" eaLnBrk="1" latinLnBrk="0" hangingPunct="1">
+              <a:lnSpc>
+                <a:spcPct val="90000"/>
+              </a:lnSpc>
+              <a:spcBef>
+                <a:spcPts val="500"/>
+              </a:spcBef>
+              <a:buFont typeface="Arial" panose="020B0604020202020204" pitchFamily="34" charset="0"/>
+              <a:buChar char="•"/>
+              <a:defRPr sz="2000" kern="1200">
+                <a:solidFill>
+                  <a:schemeClr val="tx1"/>
+                </a:solidFill>
+                <a:latin typeface="+mn-lt"/>
+                <a:ea typeface="+mn-ea"/>
+                <a:cs typeface="+mn-cs"/>
+              </a:defRPr>
+            </a:lvl3pPr>
+            <a:lvl4pPr marL="1600200" indent="-228600" algn="l" defTabSz="914400" rtl="0" eaLnBrk="1" latinLnBrk="0" hangingPunct="1">
+              <a:lnSpc>
+                <a:spcPct val="90000"/>
+              </a:lnSpc>
+              <a:spcBef>
+                <a:spcPts val="500"/>
+              </a:spcBef>
+              <a:buFont typeface="Arial" panose="020B0604020202020204" pitchFamily="34" charset="0"/>
+              <a:buChar char="•"/>
+              <a:defRPr sz="1800" kern="1200">
+                <a:solidFill>
+                  <a:schemeClr val="tx1"/>
+                </a:solidFill>
+                <a:latin typeface="+mn-lt"/>
+                <a:ea typeface="+mn-ea"/>
+                <a:cs typeface="+mn-cs"/>
+              </a:defRPr>
+            </a:lvl4pPr>
+            <a:lvl5pPr marL="2057400" indent="-228600" algn="l" defTabSz="914400" rtl="0" eaLnBrk="1" latinLnBrk="0" hangingPunct="1">
+              <a:lnSpc>
+                <a:spcPct val="90000"/>
+              </a:lnSpc>
+              <a:spcBef>
+                <a:spcPts val="500"/>
+              </a:spcBef>
+              <a:buFont typeface="Arial" panose="020B0604020202020204" pitchFamily="34" charset="0"/>
+              <a:buChar char="•"/>
+              <a:defRPr sz="1800" kern="1200">
+                <a:solidFill>
+                  <a:schemeClr val="tx1"/>
+                </a:solidFill>
+                <a:latin typeface="+mn-lt"/>
+                <a:ea typeface="+mn-ea"/>
+                <a:cs typeface="+mn-cs"/>
+              </a:defRPr>
+            </a:lvl5pPr>
+            <a:lvl6pPr marL="2514600" indent="-228600" algn="l" defTabSz="914400" rtl="0" eaLnBrk="1" latinLnBrk="0" hangingPunct="1">
+              <a:lnSpc>
+                <a:spcPct val="90000"/>
+              </a:lnSpc>
+              <a:spcBef>
+                <a:spcPts val="500"/>
+              </a:spcBef>
+              <a:buFont typeface="Arial" panose="020B0604020202020204" pitchFamily="34" charset="0"/>
+              <a:buChar char="•"/>
+              <a:defRPr sz="1800" kern="1200">
+                <a:solidFill>
+                  <a:schemeClr val="tx1"/>
+                </a:solidFill>
+                <a:latin typeface="+mn-lt"/>
+                <a:ea typeface="+mn-ea"/>
+                <a:cs typeface="+mn-cs"/>
+              </a:defRPr>
+            </a:lvl6pPr>
+            <a:lvl7pPr marL="2971800" indent="-228600" algn="l" defTabSz="914400" rtl="0" eaLnBrk="1" latinLnBrk="0" hangingPunct="1">
+              <a:lnSpc>
+                <a:spcPct val="90000"/>
+              </a:lnSpc>
+              <a:spcBef>
+                <a:spcPts val="500"/>
+              </a:spcBef>
+              <a:buFont typeface="Arial" panose="020B0604020202020204" pitchFamily="34" charset="0"/>
+              <a:buChar char="•"/>
+              <a:defRPr sz="1800" kern="1200">
+                <a:solidFill>
+                  <a:schemeClr val="tx1"/>
+                </a:solidFill>
+                <a:latin typeface="+mn-lt"/>
+                <a:ea typeface="+mn-ea"/>
+                <a:cs typeface="+mn-cs"/>
+              </a:defRPr>
+            </a:lvl7pPr>
+            <a:lvl8pPr marL="3429000" indent="-228600" algn="l" defTabSz="914400" rtl="0" eaLnBrk="1" latinLnBrk="0" hangingPunct="1">
+              <a:lnSpc>
+                <a:spcPct val="90000"/>
+              </a:lnSpc>
+              <a:spcBef>
+                <a:spcPts val="500"/>
+              </a:spcBef>
+              <a:buFont typeface="Arial" panose="020B0604020202020204" pitchFamily="34" charset="0"/>
+              <a:buChar char="•"/>
+              <a:defRPr sz="1800" kern="1200">
+                <a:solidFill>
+                  <a:schemeClr val="tx1"/>
+                </a:solidFill>
+                <a:latin typeface="+mn-lt"/>
+                <a:ea typeface="+mn-ea"/>
+                <a:cs typeface="+mn-cs"/>
+              </a:defRPr>
+            </a:lvl8pPr>
+            <a:lvl9pPr marL="3886200" indent="-228600" algn="l" defTabSz="914400" rtl="0" eaLnBrk="1" latinLnBrk="0" hangingPunct="1">
+              <a:lnSpc>
+                <a:spcPct val="90000"/>
+              </a:lnSpc>
+              <a:spcBef>
+                <a:spcPts val="500"/>
+              </a:spcBef>
+              <a:buFont typeface="Arial" panose="020B0604020202020204" pitchFamily="34" charset="0"/>
+              <a:buChar char="•"/>
+              <a:defRPr sz="1800" kern="1200">
+                <a:solidFill>
+                  <a:schemeClr val="tx1"/>
+                </a:solidFill>
+                <a:latin typeface="+mn-lt"/>
+                <a:ea typeface="+mn-ea"/>
+                <a:cs typeface="+mn-cs"/>
+              </a:defRPr>
+            </a:lvl9pPr>
+          </a:lstStyle>
+          <a:p>
+            <a:r>
+              <a:rPr lang="en-US" sz="2400" dirty="0">
+                <a:latin typeface="Times New Roman" panose="02020603050405020304" pitchFamily="18" charset="0"/>
+                <a:cs typeface="Times New Roman" panose="02020603050405020304" pitchFamily="18" charset="0"/>
+              </a:rPr>
+              <a:t>Step 2. Build Endpoint Graph</a:t>
+            </a:r>
+          </a:p>
+          <a:p>
+            <a:endParaRPr lang="en-US" sz="400" dirty="0">
+              <a:latin typeface="Times New Roman" panose="02020603050405020304" pitchFamily="18" charset="0"/>
+              <a:cs typeface="Times New Roman" panose="02020603050405020304" pitchFamily="18" charset="0"/>
+            </a:endParaRPr>
+          </a:p>
+          <a:p>
+            <a:pPr lvl="1"/>
+            <a:r>
+              <a:rPr lang="en-US" sz="2000" dirty="0">
+                <a:latin typeface="Times New Roman" panose="02020603050405020304" pitchFamily="18" charset="0"/>
+                <a:cs typeface="Times New Roman" panose="02020603050405020304" pitchFamily="18" charset="0"/>
+              </a:rPr>
+              <a:t>The endpoint graph can reflect the </a:t>
+            </a:r>
+            <a:r>
+              <a:rPr lang="en-US" sz="2000" b="1" dirty="0">
+                <a:latin typeface="Times New Roman" panose="02020603050405020304" pitchFamily="18" charset="0"/>
+                <a:cs typeface="Times New Roman" panose="02020603050405020304" pitchFamily="18" charset="0"/>
+              </a:rPr>
+              <a:t>size</a:t>
+            </a:r>
+            <a:r>
+              <a:rPr lang="en-US" sz="2000" dirty="0">
+                <a:latin typeface="Times New Roman" panose="02020603050405020304" pitchFamily="18" charset="0"/>
+                <a:cs typeface="Times New Roman" panose="02020603050405020304" pitchFamily="18" charset="0"/>
+              </a:rPr>
+              <a:t> of </a:t>
+            </a:r>
+            <a:r>
+              <a:rPr lang="en-US" sz="2000" b="1" dirty="0">
+                <a:latin typeface="Times New Roman" panose="02020603050405020304" pitchFamily="18" charset="0"/>
+                <a:cs typeface="Times New Roman" panose="02020603050405020304" pitchFamily="18" charset="0"/>
+              </a:rPr>
+              <a:t>common logic </a:t>
+            </a:r>
+            <a:r>
+              <a:rPr lang="en-US" sz="2000" dirty="0">
+                <a:latin typeface="Times New Roman" panose="02020603050405020304" pitchFamily="18" charset="0"/>
+                <a:cs typeface="Times New Roman" panose="02020603050405020304" pitchFamily="18" charset="0"/>
+              </a:rPr>
+              <a:t>between endpoints.</a:t>
+            </a:r>
+          </a:p>
+        </p:txBody>
+      </p:sp>
+      <p:sp>
+        <p:nvSpPr>
+          <p:cNvPr id="9" name="Slide Number Placeholder 8">
+            <a:extLst>
+              <a:ext uri="{FF2B5EF4-FFF2-40B4-BE49-F238E27FC236}">
+                <a16:creationId xmlns:a16="http://schemas.microsoft.com/office/drawing/2014/main" id="{8CE89CAD-8876-D3F5-95FE-45E1DE8D6FD2}"/>
+              </a:ext>
+            </a:extLst>
+          </p:cNvPr>
+          <p:cNvSpPr>
+            <a:spLocks noGrp="1"/>
+          </p:cNvSpPr>
+          <p:nvPr>
+            <p:ph type="sldNum" sz="quarter" idx="12"/>
+          </p:nvPr>
+        </p:nvSpPr>
+        <p:spPr/>
+        <p:txBody>
+          <a:bodyPr/>
+          <a:lstStyle/>
+          <a:p>
+            <a:fld id="{666274A1-CF9C-426A-8DD4-B13ED0C24231}" type="slidenum">
+              <a:rPr lang="en-US" smtClean="0"/>
+              <a:t>9</a:t>
+            </a:fld>
+            <a:endParaRPr lang="en-US"/>
+          </a:p>
+        </p:txBody>
+      </p:sp>
+      <p:pic>
+        <p:nvPicPr>
+          <p:cNvPr id="3" name="Content Placeholder 4">
+            <a:extLst>
+              <a:ext uri="{FF2B5EF4-FFF2-40B4-BE49-F238E27FC236}">
+                <a16:creationId xmlns:a16="http://schemas.microsoft.com/office/drawing/2014/main" id="{771DE0EA-0DF4-8B79-0D35-DE321BD51432}"/>
+              </a:ext>
+            </a:extLst>
+          </p:cNvPr>
+          <p:cNvPicPr>
+            <a:picLocks noChangeAspect="1"/>
+          </p:cNvPicPr>
+          <p:nvPr/>
+        </p:nvPicPr>
+        <p:blipFill>
+          <a:blip r:embed="rId2"/>
+          <a:stretch>
+            <a:fillRect/>
+          </a:stretch>
+        </p:blipFill>
+        <p:spPr>
+          <a:xfrm>
+            <a:off x="3822369" y="3240689"/>
+            <a:ext cx="4547262" cy="3252186"/>
+          </a:xfrm>
+          <a:prstGeom prst="rect">
+            <a:avLst/>
+          </a:prstGeom>
+        </p:spPr>
+      </p:pic>
+    </p:spTree>
+    <p:extLst>
+      <p:ext uri="{BB962C8B-B14F-4D97-AF65-F5344CB8AC3E}">
+        <p14:creationId xmlns:p14="http://schemas.microsoft.com/office/powerpoint/2010/main" val="1579333615"/>
+      </p:ext>
+    </p:extLst>
+  </p:cSld>
+  <p:clrMapOvr>
+    <a:masterClrMapping/>
+  </p:clrMapOvr>
+</p:sld>
+</file>
+
+<file path=ppt/slides/slide11.xml><?xml version="1.0" encoding="utf-8"?>
+<p:sld xmlns:a="http://schemas.openxmlformats.org/drawingml/2006/main" xmlns:r="http://schemas.openxmlformats.org/officeDocument/2006/relationships" xmlns:p="http://schemas.openxmlformats.org/presentationml/2006/main">
+  <p:cSld>
+    <p:spTree>
+      <p:nvGrpSpPr>
+        <p:cNvPr id="1" name=""/>
+        <p:cNvGrpSpPr/>
+        <p:nvPr/>
+      </p:nvGrpSpPr>
+      <p:grpSpPr>
+        <a:xfrm>
+          <a:off x="0" y="0"/>
+          <a:ext cx="0" cy="0"/>
+          <a:chOff x="0" y="0"/>
+          <a:chExt cx="0" cy="0"/>
+        </a:xfrm>
+      </p:grpSpPr>
+      <p:sp>
+        <p:nvSpPr>
+          <p:cNvPr id="2" name="Title 1">
+            <a:extLst>
+              <a:ext uri="{FF2B5EF4-FFF2-40B4-BE49-F238E27FC236}">
+                <a16:creationId xmlns:a16="http://schemas.microsoft.com/office/drawing/2014/main" id="{058CC1E7-EE9A-0BEB-E038-48A3BC528D8B}"/>
+              </a:ext>
+            </a:extLst>
+          </p:cNvPr>
+          <p:cNvSpPr>
+            <a:spLocks noGrp="1"/>
+          </p:cNvSpPr>
+          <p:nvPr>
+            <p:ph type="title"/>
+          </p:nvPr>
+        </p:nvSpPr>
+        <p:spPr/>
+        <p:txBody>
+          <a:bodyPr>
+            <a:normAutofit/>
+          </a:bodyPr>
+          <a:lstStyle/>
+          <a:p>
+            <a:r>
+              <a:rPr lang="en-US" sz="4000" dirty="0">
+                <a:latin typeface="Times New Roman" panose="02020603050405020304" pitchFamily="18" charset="0"/>
+                <a:cs typeface="Times New Roman" panose="02020603050405020304" pitchFamily="18" charset="0"/>
+              </a:rPr>
+              <a:t>Proposed Partitioning Framework For Multi-GPU Acceleration</a:t>
+            </a:r>
+          </a:p>
+        </p:txBody>
+      </p:sp>
+      <p:sp>
+        <p:nvSpPr>
+          <p:cNvPr id="6" name="Content Placeholder 2">
+            <a:extLst>
+              <a:ext uri="{FF2B5EF4-FFF2-40B4-BE49-F238E27FC236}">
+                <a16:creationId xmlns:a16="http://schemas.microsoft.com/office/drawing/2014/main" id="{A976AA9F-0732-270E-C50C-C4D3A87B7A5C}"/>
+              </a:ext>
+            </a:extLst>
+          </p:cNvPr>
+          <p:cNvSpPr txBox="1">
+            <a:spLocks/>
+          </p:cNvSpPr>
+          <p:nvPr/>
+        </p:nvSpPr>
+        <p:spPr>
+          <a:xfrm>
+            <a:off x="838200" y="2041525"/>
+            <a:ext cx="10515600" cy="1387475"/>
+          </a:xfrm>
+          <a:prstGeom prst="rect">
+            <a:avLst/>
+          </a:prstGeom>
+        </p:spPr>
+        <p:txBody>
+          <a:bodyPr vert="horz" lIns="91440" tIns="45720" rIns="91440" bIns="45720" rtlCol="0">
+            <a:normAutofit/>
+          </a:bodyPr>
+          <a:lstStyle>
+            <a:lvl1pPr marL="228600" indent="-228600" algn="l" defTabSz="914400" rtl="0" eaLnBrk="1" latinLnBrk="0" hangingPunct="1">
+              <a:lnSpc>
+                <a:spcPct val="90000"/>
+              </a:lnSpc>
+              <a:spcBef>
+                <a:spcPts val="1000"/>
+              </a:spcBef>
+              <a:buFont typeface="Arial" panose="020B0604020202020204" pitchFamily="34" charset="0"/>
+              <a:buChar char="•"/>
+              <a:defRPr sz="2800" kern="1200">
+                <a:solidFill>
+                  <a:schemeClr val="tx1"/>
+                </a:solidFill>
+                <a:latin typeface="+mn-lt"/>
+                <a:ea typeface="+mn-ea"/>
+                <a:cs typeface="+mn-cs"/>
+              </a:defRPr>
+            </a:lvl1pPr>
+            <a:lvl2pPr marL="685800" indent="-228600" algn="l" defTabSz="914400" rtl="0" eaLnBrk="1" latinLnBrk="0" hangingPunct="1">
+              <a:lnSpc>
+                <a:spcPct val="90000"/>
+              </a:lnSpc>
+              <a:spcBef>
+                <a:spcPts val="500"/>
+              </a:spcBef>
+              <a:buFont typeface="Arial" panose="020B0604020202020204" pitchFamily="34" charset="0"/>
+              <a:buChar char="•"/>
+              <a:defRPr sz="2400" kern="1200">
+                <a:solidFill>
+                  <a:schemeClr val="tx1"/>
+                </a:solidFill>
+                <a:latin typeface="+mn-lt"/>
+                <a:ea typeface="+mn-ea"/>
+                <a:cs typeface="+mn-cs"/>
+              </a:defRPr>
+            </a:lvl2pPr>
+            <a:lvl3pPr marL="1143000" indent="-228600" algn="l" defTabSz="914400" rtl="0" eaLnBrk="1" latinLnBrk="0" hangingPunct="1">
+              <a:lnSpc>
+                <a:spcPct val="90000"/>
+              </a:lnSpc>
+              <a:spcBef>
+                <a:spcPts val="500"/>
+              </a:spcBef>
+              <a:buFont typeface="Arial" panose="020B0604020202020204" pitchFamily="34" charset="0"/>
+              <a:buChar char="•"/>
+              <a:defRPr sz="2000" kern="1200">
+                <a:solidFill>
+                  <a:schemeClr val="tx1"/>
+                </a:solidFill>
+                <a:latin typeface="+mn-lt"/>
+                <a:ea typeface="+mn-ea"/>
+                <a:cs typeface="+mn-cs"/>
+              </a:defRPr>
+            </a:lvl3pPr>
+            <a:lvl4pPr marL="1600200" indent="-228600" algn="l" defTabSz="914400" rtl="0" eaLnBrk="1" latinLnBrk="0" hangingPunct="1">
+              <a:lnSpc>
+                <a:spcPct val="90000"/>
+              </a:lnSpc>
+              <a:spcBef>
+                <a:spcPts val="500"/>
+              </a:spcBef>
+              <a:buFont typeface="Arial" panose="020B0604020202020204" pitchFamily="34" charset="0"/>
+              <a:buChar char="•"/>
+              <a:defRPr sz="1800" kern="1200">
+                <a:solidFill>
+                  <a:schemeClr val="tx1"/>
+                </a:solidFill>
+                <a:latin typeface="+mn-lt"/>
+                <a:ea typeface="+mn-ea"/>
+                <a:cs typeface="+mn-cs"/>
+              </a:defRPr>
+            </a:lvl4pPr>
+            <a:lvl5pPr marL="2057400" indent="-228600" algn="l" defTabSz="914400" rtl="0" eaLnBrk="1" latinLnBrk="0" hangingPunct="1">
+              <a:lnSpc>
+                <a:spcPct val="90000"/>
+              </a:lnSpc>
+              <a:spcBef>
+                <a:spcPts val="500"/>
+              </a:spcBef>
+              <a:buFont typeface="Arial" panose="020B0604020202020204" pitchFamily="34" charset="0"/>
+              <a:buChar char="•"/>
+              <a:defRPr sz="1800" kern="1200">
+                <a:solidFill>
+                  <a:schemeClr val="tx1"/>
+                </a:solidFill>
+                <a:latin typeface="+mn-lt"/>
+                <a:ea typeface="+mn-ea"/>
+                <a:cs typeface="+mn-cs"/>
+              </a:defRPr>
+            </a:lvl5pPr>
+            <a:lvl6pPr marL="2514600" indent="-228600" algn="l" defTabSz="914400" rtl="0" eaLnBrk="1" latinLnBrk="0" hangingPunct="1">
+              <a:lnSpc>
+                <a:spcPct val="90000"/>
+              </a:lnSpc>
+              <a:spcBef>
+                <a:spcPts val="500"/>
+              </a:spcBef>
+              <a:buFont typeface="Arial" panose="020B0604020202020204" pitchFamily="34" charset="0"/>
+              <a:buChar char="•"/>
+              <a:defRPr sz="1800" kern="1200">
+                <a:solidFill>
+                  <a:schemeClr val="tx1"/>
+                </a:solidFill>
+                <a:latin typeface="+mn-lt"/>
+                <a:ea typeface="+mn-ea"/>
+                <a:cs typeface="+mn-cs"/>
+              </a:defRPr>
+            </a:lvl6pPr>
+            <a:lvl7pPr marL="2971800" indent="-228600" algn="l" defTabSz="914400" rtl="0" eaLnBrk="1" latinLnBrk="0" hangingPunct="1">
+              <a:lnSpc>
+                <a:spcPct val="90000"/>
+              </a:lnSpc>
+              <a:spcBef>
+                <a:spcPts val="500"/>
+              </a:spcBef>
+              <a:buFont typeface="Arial" panose="020B0604020202020204" pitchFamily="34" charset="0"/>
+              <a:buChar char="•"/>
+              <a:defRPr sz="1800" kern="1200">
+                <a:solidFill>
+                  <a:schemeClr val="tx1"/>
+                </a:solidFill>
+                <a:latin typeface="+mn-lt"/>
+                <a:ea typeface="+mn-ea"/>
+                <a:cs typeface="+mn-cs"/>
+              </a:defRPr>
+            </a:lvl7pPr>
+            <a:lvl8pPr marL="3429000" indent="-228600" algn="l" defTabSz="914400" rtl="0" eaLnBrk="1" latinLnBrk="0" hangingPunct="1">
+              <a:lnSpc>
+                <a:spcPct val="90000"/>
+              </a:lnSpc>
+              <a:spcBef>
+                <a:spcPts val="500"/>
+              </a:spcBef>
+              <a:buFont typeface="Arial" panose="020B0604020202020204" pitchFamily="34" charset="0"/>
+              <a:buChar char="•"/>
+              <a:defRPr sz="1800" kern="1200">
+                <a:solidFill>
+                  <a:schemeClr val="tx1"/>
+                </a:solidFill>
+                <a:latin typeface="+mn-lt"/>
+                <a:ea typeface="+mn-ea"/>
+                <a:cs typeface="+mn-cs"/>
+              </a:defRPr>
+            </a:lvl8pPr>
+            <a:lvl9pPr marL="3886200" indent="-228600" algn="l" defTabSz="914400" rtl="0" eaLnBrk="1" latinLnBrk="0" hangingPunct="1">
+              <a:lnSpc>
+                <a:spcPct val="90000"/>
+              </a:lnSpc>
+              <a:spcBef>
+                <a:spcPts val="500"/>
+              </a:spcBef>
+              <a:buFont typeface="Arial" panose="020B0604020202020204" pitchFamily="34" charset="0"/>
+              <a:buChar char="•"/>
+              <a:defRPr sz="1800" kern="1200">
+                <a:solidFill>
+                  <a:schemeClr val="tx1"/>
+                </a:solidFill>
+                <a:latin typeface="+mn-lt"/>
+                <a:ea typeface="+mn-ea"/>
+                <a:cs typeface="+mn-cs"/>
+              </a:defRPr>
+            </a:lvl9pPr>
+          </a:lstStyle>
+          <a:p>
+            <a:r>
+              <a:rPr lang="en-US" sz="2400" dirty="0">
+                <a:latin typeface="Times New Roman" panose="02020603050405020304" pitchFamily="18" charset="0"/>
+                <a:cs typeface="Times New Roman" panose="02020603050405020304" pitchFamily="18" charset="0"/>
+              </a:rPr>
+              <a:t>Step 3. Find Disjoint Endpoint Sets</a:t>
+            </a:r>
+          </a:p>
+          <a:p>
+            <a:endParaRPr lang="en-US" sz="400" dirty="0">
+              <a:latin typeface="Times New Roman" panose="02020603050405020304" pitchFamily="18" charset="0"/>
+              <a:cs typeface="Times New Roman" panose="02020603050405020304" pitchFamily="18" charset="0"/>
+            </a:endParaRPr>
+          </a:p>
+          <a:p>
+            <a:pPr lvl="1"/>
+            <a:r>
+              <a:rPr lang="en-US" sz="2000" dirty="0">
+                <a:latin typeface="Times New Roman" panose="02020603050405020304" pitchFamily="18" charset="0"/>
+                <a:cs typeface="Times New Roman" panose="02020603050405020304" pitchFamily="18" charset="0"/>
+              </a:rPr>
+              <a:t>Based on the endpoint graph, we identify </a:t>
+            </a:r>
+            <a:r>
+              <a:rPr lang="en-US" sz="2000" b="1" dirty="0">
+                <a:latin typeface="Times New Roman" panose="02020603050405020304" pitchFamily="18" charset="0"/>
+                <a:cs typeface="Times New Roman" panose="02020603050405020304" pitchFamily="18" charset="0"/>
+              </a:rPr>
+              <a:t>independent</a:t>
+            </a:r>
+            <a:r>
+              <a:rPr lang="en-US" sz="2000" dirty="0">
+                <a:latin typeface="Times New Roman" panose="02020603050405020304" pitchFamily="18" charset="0"/>
+                <a:cs typeface="Times New Roman" panose="02020603050405020304" pitchFamily="18" charset="0"/>
+              </a:rPr>
+              <a:t> components, which is represented by a set of endpoints</a:t>
+            </a:r>
+          </a:p>
+        </p:txBody>
+      </p:sp>
+      <p:sp>
+        <p:nvSpPr>
+          <p:cNvPr id="8" name="Slide Number Placeholder 7">
+            <a:extLst>
+              <a:ext uri="{FF2B5EF4-FFF2-40B4-BE49-F238E27FC236}">
+                <a16:creationId xmlns:a16="http://schemas.microsoft.com/office/drawing/2014/main" id="{AD4E9E9E-2716-853A-D6DD-09299E536C03}"/>
+              </a:ext>
+            </a:extLst>
+          </p:cNvPr>
+          <p:cNvSpPr>
+            <a:spLocks noGrp="1"/>
+          </p:cNvSpPr>
+          <p:nvPr>
+            <p:ph type="sldNum" sz="quarter" idx="12"/>
+          </p:nvPr>
+        </p:nvSpPr>
+        <p:spPr/>
+        <p:txBody>
+          <a:bodyPr/>
+          <a:lstStyle/>
+          <a:p>
+            <a:fld id="{666274A1-CF9C-426A-8DD4-B13ED0C24231}" type="slidenum">
+              <a:rPr lang="en-US" smtClean="0"/>
+              <a:t>10</a:t>
+            </a:fld>
+            <a:endParaRPr lang="en-US"/>
+          </a:p>
+        </p:txBody>
+      </p:sp>
+      <p:pic>
+        <p:nvPicPr>
+          <p:cNvPr id="3" name="Content Placeholder 4">
+            <a:extLst>
+              <a:ext uri="{FF2B5EF4-FFF2-40B4-BE49-F238E27FC236}">
+                <a16:creationId xmlns:a16="http://schemas.microsoft.com/office/drawing/2014/main" id="{888BCE1F-CE01-48CA-1B05-583147A135D7}"/>
+              </a:ext>
+            </a:extLst>
+          </p:cNvPr>
+          <p:cNvPicPr>
+            <a:picLocks noChangeAspect="1"/>
+          </p:cNvPicPr>
+          <p:nvPr/>
+        </p:nvPicPr>
+        <p:blipFill>
+          <a:blip r:embed="rId2"/>
+          <a:stretch>
+            <a:fillRect/>
+          </a:stretch>
+        </p:blipFill>
+        <p:spPr>
+          <a:xfrm>
+            <a:off x="3822369" y="3240689"/>
+            <a:ext cx="4547262" cy="3252186"/>
+          </a:xfrm>
+          <a:prstGeom prst="rect">
+            <a:avLst/>
+          </a:prstGeom>
+        </p:spPr>
+      </p:pic>
+    </p:spTree>
+    <p:extLst>
+      <p:ext uri="{BB962C8B-B14F-4D97-AF65-F5344CB8AC3E}">
+        <p14:creationId xmlns:p14="http://schemas.microsoft.com/office/powerpoint/2010/main" val="648370779"/>
+      </p:ext>
+    </p:extLst>
+  </p:cSld>
+  <p:clrMapOvr>
+    <a:masterClrMapping/>
+  </p:clrMapOvr>
+</p:sld>
+</file>
+
+<file path=ppt/slides/slide12.xml><?xml version="1.0" encoding="utf-8"?>
+<p:sld xmlns:a="http://schemas.openxmlformats.org/drawingml/2006/main" xmlns:r="http://schemas.openxmlformats.org/officeDocument/2006/relationships" xmlns:p="http://schemas.openxmlformats.org/presentationml/2006/main">
+  <p:cSld>
+    <p:spTree>
+      <p:nvGrpSpPr>
+        <p:cNvPr id="1" name=""/>
+        <p:cNvGrpSpPr/>
+        <p:nvPr/>
+      </p:nvGrpSpPr>
+      <p:grpSpPr>
+        <a:xfrm>
+          <a:off x="0" y="0"/>
+          <a:ext cx="0" cy="0"/>
+          <a:chOff x="0" y="0"/>
+          <a:chExt cx="0" cy="0"/>
+        </a:xfrm>
+      </p:grpSpPr>
+      <p:sp>
+        <p:nvSpPr>
+          <p:cNvPr id="2" name="Title 1">
+            <a:extLst>
+              <a:ext uri="{FF2B5EF4-FFF2-40B4-BE49-F238E27FC236}">
+                <a16:creationId xmlns:a16="http://schemas.microsoft.com/office/drawing/2014/main" id="{058CC1E7-EE9A-0BEB-E038-48A3BC528D8B}"/>
+              </a:ext>
+            </a:extLst>
+          </p:cNvPr>
+          <p:cNvSpPr>
+            <a:spLocks noGrp="1"/>
+          </p:cNvSpPr>
+          <p:nvPr>
+            <p:ph type="title"/>
+          </p:nvPr>
+        </p:nvSpPr>
+        <p:spPr/>
+        <p:txBody>
+          <a:bodyPr>
+            <a:normAutofit/>
+          </a:bodyPr>
+          <a:lstStyle/>
+          <a:p>
+            <a:r>
+              <a:rPr lang="en-US" sz="4000" dirty="0">
+                <a:latin typeface="Times New Roman" panose="02020603050405020304" pitchFamily="18" charset="0"/>
+                <a:cs typeface="Times New Roman" panose="02020603050405020304" pitchFamily="18" charset="0"/>
+              </a:rPr>
+              <a:t>Proposed Partitioning Framework For Multi-GPU Acceleration</a:t>
+            </a:r>
+          </a:p>
+        </p:txBody>
+      </p:sp>
+      <p:sp>
+        <p:nvSpPr>
+          <p:cNvPr id="6" name="Content Placeholder 2">
+            <a:extLst>
+              <a:ext uri="{FF2B5EF4-FFF2-40B4-BE49-F238E27FC236}">
+                <a16:creationId xmlns:a16="http://schemas.microsoft.com/office/drawing/2014/main" id="{A976AA9F-0732-270E-C50C-C4D3A87B7A5C}"/>
+              </a:ext>
+            </a:extLst>
+          </p:cNvPr>
+          <p:cNvSpPr txBox="1">
+            <a:spLocks/>
+          </p:cNvSpPr>
+          <p:nvPr/>
+        </p:nvSpPr>
+        <p:spPr>
+          <a:xfrm>
+            <a:off x="838200" y="2041525"/>
             <a:ext cx="10515600" cy="2831012"/>
           </a:xfrm>
           <a:prstGeom prst="rect">
@@ -6922,6 +7650,420 @@
                 <a:latin typeface="Times New Roman" panose="02020603050405020304" pitchFamily="18" charset="0"/>
                 <a:cs typeface="Times New Roman" panose="02020603050405020304" pitchFamily="18" charset="0"/>
               </a:rPr>
+              <a:t>Step 4. Determine whether the sets are balanced</a:t>
+            </a:r>
+          </a:p>
+          <a:p>
+            <a:endParaRPr lang="en-US" sz="400" dirty="0">
+              <a:latin typeface="Times New Roman" panose="02020603050405020304" pitchFamily="18" charset="0"/>
+              <a:cs typeface="Times New Roman" panose="02020603050405020304" pitchFamily="18" charset="0"/>
+            </a:endParaRPr>
+          </a:p>
+          <a:p>
+            <a:pPr lvl="1"/>
+            <a:r>
+              <a:rPr lang="en-US" sz="2000" dirty="0">
+                <a:latin typeface="Times New Roman" panose="02020603050405020304" pitchFamily="18" charset="0"/>
+                <a:cs typeface="Times New Roman" panose="02020603050405020304" pitchFamily="18" charset="0"/>
+              </a:rPr>
+              <a:t>If the size of these disjoint sets are </a:t>
+            </a:r>
+            <a:r>
+              <a:rPr lang="en-US" sz="2000" b="1" dirty="0">
+                <a:latin typeface="Times New Roman" panose="02020603050405020304" pitchFamily="18" charset="0"/>
+                <a:cs typeface="Times New Roman" panose="02020603050405020304" pitchFamily="18" charset="0"/>
+              </a:rPr>
+              <a:t>balanced</a:t>
+            </a:r>
+            <a:r>
+              <a:rPr lang="en-US" sz="2000" dirty="0">
+                <a:latin typeface="Times New Roman" panose="02020603050405020304" pitchFamily="18" charset="0"/>
+                <a:cs typeface="Times New Roman" panose="02020603050405020304" pitchFamily="18" charset="0"/>
+              </a:rPr>
+              <a:t>, we can just pack them together</a:t>
+            </a:r>
+          </a:p>
+          <a:p>
+            <a:pPr lvl="1"/>
+            <a:endParaRPr lang="en-US" sz="400" dirty="0">
+              <a:latin typeface="Times New Roman" panose="02020603050405020304" pitchFamily="18" charset="0"/>
+              <a:cs typeface="Times New Roman" panose="02020603050405020304" pitchFamily="18" charset="0"/>
+            </a:endParaRPr>
+          </a:p>
+          <a:p>
+            <a:pPr lvl="1"/>
+            <a:r>
+              <a:rPr lang="en-US" sz="2000" dirty="0">
+                <a:latin typeface="Times New Roman" panose="02020603050405020304" pitchFamily="18" charset="0"/>
+                <a:cs typeface="Times New Roman" panose="02020603050405020304" pitchFamily="18" charset="0"/>
+              </a:rPr>
+              <a:t>If the size of these disjoint sets are </a:t>
+            </a:r>
+            <a:r>
+              <a:rPr lang="en-US" sz="2000" b="1" dirty="0">
+                <a:latin typeface="Times New Roman" panose="02020603050405020304" pitchFamily="18" charset="0"/>
+                <a:cs typeface="Times New Roman" panose="02020603050405020304" pitchFamily="18" charset="0"/>
+              </a:rPr>
+              <a:t>unbalanced</a:t>
+            </a:r>
+            <a:r>
+              <a:rPr lang="en-US" sz="2000" dirty="0">
+                <a:latin typeface="Times New Roman" panose="02020603050405020304" pitchFamily="18" charset="0"/>
+                <a:cs typeface="Times New Roman" panose="02020603050405020304" pitchFamily="18" charset="0"/>
+              </a:rPr>
+              <a:t>, they will use the method of </a:t>
+            </a:r>
+            <a:r>
+              <a:rPr lang="en-US" sz="2000" b="1" dirty="0">
+                <a:latin typeface="Times New Roman" panose="02020603050405020304" pitchFamily="18" charset="0"/>
+                <a:cs typeface="Times New Roman" panose="02020603050405020304" pitchFamily="18" charset="0"/>
+              </a:rPr>
+              <a:t>METIS</a:t>
+            </a:r>
+            <a:r>
+              <a:rPr lang="en-US" sz="2000" dirty="0">
+                <a:latin typeface="Times New Roman" panose="02020603050405020304" pitchFamily="18" charset="0"/>
+                <a:cs typeface="Times New Roman" panose="02020603050405020304" pitchFamily="18" charset="0"/>
+              </a:rPr>
+              <a:t> graph partition to separate the endpoint graph</a:t>
+            </a:r>
+          </a:p>
+          <a:p>
+            <a:pPr marL="0" indent="0">
+              <a:buNone/>
+            </a:pPr>
+            <a:br>
+              <a:rPr lang="en-US" dirty="0">
+                <a:latin typeface="Times New Roman" panose="02020603050405020304" pitchFamily="18" charset="0"/>
+                <a:cs typeface="Times New Roman" panose="02020603050405020304" pitchFamily="18" charset="0"/>
+              </a:rPr>
+            </a:br>
+            <a:endParaRPr lang="en-US" dirty="0">
+              <a:latin typeface="Times New Roman" panose="02020603050405020304" pitchFamily="18" charset="0"/>
+              <a:cs typeface="Times New Roman" panose="02020603050405020304" pitchFamily="18" charset="0"/>
+            </a:endParaRPr>
+          </a:p>
+        </p:txBody>
+      </p:sp>
+      <p:pic>
+        <p:nvPicPr>
+          <p:cNvPr id="7" name="Content Placeholder 4">
+            <a:extLst>
+              <a:ext uri="{FF2B5EF4-FFF2-40B4-BE49-F238E27FC236}">
+                <a16:creationId xmlns:a16="http://schemas.microsoft.com/office/drawing/2014/main" id="{F6B3B033-46FF-A616-3916-D99DCCA4FE3E}"/>
+              </a:ext>
+            </a:extLst>
+          </p:cNvPr>
+          <p:cNvPicPr>
+            <a:picLocks noChangeAspect="1"/>
+          </p:cNvPicPr>
+          <p:nvPr/>
+        </p:nvPicPr>
+        <p:blipFill>
+          <a:blip r:embed="rId2"/>
+          <a:stretch>
+            <a:fillRect/>
+          </a:stretch>
+        </p:blipFill>
+        <p:spPr>
+          <a:xfrm>
+            <a:off x="4103668" y="3798465"/>
+            <a:ext cx="3984664" cy="2849818"/>
+          </a:xfrm>
+          <a:prstGeom prst="rect">
+            <a:avLst/>
+          </a:prstGeom>
+        </p:spPr>
+      </p:pic>
+      <p:sp>
+        <p:nvSpPr>
+          <p:cNvPr id="8" name="Slide Number Placeholder 7">
+            <a:extLst>
+              <a:ext uri="{FF2B5EF4-FFF2-40B4-BE49-F238E27FC236}">
+                <a16:creationId xmlns:a16="http://schemas.microsoft.com/office/drawing/2014/main" id="{1F8372CC-289D-737B-415D-FF7B68ADF3E8}"/>
+              </a:ext>
+            </a:extLst>
+          </p:cNvPr>
+          <p:cNvSpPr>
+            <a:spLocks noGrp="1"/>
+          </p:cNvSpPr>
+          <p:nvPr>
+            <p:ph type="sldNum" sz="quarter" idx="12"/>
+          </p:nvPr>
+        </p:nvSpPr>
+        <p:spPr/>
+        <p:txBody>
+          <a:bodyPr/>
+          <a:lstStyle/>
+          <a:p>
+            <a:fld id="{666274A1-CF9C-426A-8DD4-B13ED0C24231}" type="slidenum">
+              <a:rPr lang="en-US" smtClean="0"/>
+              <a:t>11</a:t>
+            </a:fld>
+            <a:endParaRPr lang="en-US"/>
+          </a:p>
+        </p:txBody>
+      </p:sp>
+    </p:spTree>
+    <p:extLst>
+      <p:ext uri="{BB962C8B-B14F-4D97-AF65-F5344CB8AC3E}">
+        <p14:creationId xmlns:p14="http://schemas.microsoft.com/office/powerpoint/2010/main" val="2531324638"/>
+      </p:ext>
+    </p:extLst>
+  </p:cSld>
+  <p:clrMapOvr>
+    <a:masterClrMapping/>
+  </p:clrMapOvr>
+</p:sld>
+</file>
+
+<file path=ppt/slides/slide13.xml><?xml version="1.0" encoding="utf-8"?>
+<p:sld xmlns:a="http://schemas.openxmlformats.org/drawingml/2006/main" xmlns:r="http://schemas.openxmlformats.org/officeDocument/2006/relationships" xmlns:p="http://schemas.openxmlformats.org/presentationml/2006/main">
+  <p:cSld>
+    <p:spTree>
+      <p:nvGrpSpPr>
+        <p:cNvPr id="1" name=""/>
+        <p:cNvGrpSpPr/>
+        <p:nvPr/>
+      </p:nvGrpSpPr>
+      <p:grpSpPr>
+        <a:xfrm>
+          <a:off x="0" y="0"/>
+          <a:ext cx="0" cy="0"/>
+          <a:chOff x="0" y="0"/>
+          <a:chExt cx="0" cy="0"/>
+        </a:xfrm>
+      </p:grpSpPr>
+      <p:sp>
+        <p:nvSpPr>
+          <p:cNvPr id="2" name="Title 1">
+            <a:extLst>
+              <a:ext uri="{FF2B5EF4-FFF2-40B4-BE49-F238E27FC236}">
+                <a16:creationId xmlns:a16="http://schemas.microsoft.com/office/drawing/2014/main" id="{058CC1E7-EE9A-0BEB-E038-48A3BC528D8B}"/>
+              </a:ext>
+            </a:extLst>
+          </p:cNvPr>
+          <p:cNvSpPr>
+            <a:spLocks noGrp="1"/>
+          </p:cNvSpPr>
+          <p:nvPr>
+            <p:ph type="title"/>
+          </p:nvPr>
+        </p:nvSpPr>
+        <p:spPr/>
+        <p:txBody>
+          <a:bodyPr>
+            <a:normAutofit/>
+          </a:bodyPr>
+          <a:lstStyle/>
+          <a:p>
+            <a:r>
+              <a:rPr lang="en-US" sz="4000" dirty="0">
+                <a:latin typeface="Times New Roman" panose="02020603050405020304" pitchFamily="18" charset="0"/>
+                <a:cs typeface="Times New Roman" panose="02020603050405020304" pitchFamily="18" charset="0"/>
+              </a:rPr>
+              <a:t>Proposed Partitioning Framework For Multi-GPU Acceleration</a:t>
+            </a:r>
+          </a:p>
+        </p:txBody>
+      </p:sp>
+      <p:sp>
+        <p:nvSpPr>
+          <p:cNvPr id="6" name="Content Placeholder 2">
+            <a:extLst>
+              <a:ext uri="{FF2B5EF4-FFF2-40B4-BE49-F238E27FC236}">
+                <a16:creationId xmlns:a16="http://schemas.microsoft.com/office/drawing/2014/main" id="{A976AA9F-0732-270E-C50C-C4D3A87B7A5C}"/>
+              </a:ext>
+            </a:extLst>
+          </p:cNvPr>
+          <p:cNvSpPr txBox="1">
+            <a:spLocks/>
+          </p:cNvSpPr>
+          <p:nvPr/>
+        </p:nvSpPr>
+        <p:spPr>
+          <a:xfrm>
+            <a:off x="838200" y="2041525"/>
+            <a:ext cx="10515600" cy="2831012"/>
+          </a:xfrm>
+          <a:prstGeom prst="rect">
+            <a:avLst/>
+          </a:prstGeom>
+        </p:spPr>
+        <p:txBody>
+          <a:bodyPr vert="horz" lIns="91440" tIns="45720" rIns="91440" bIns="45720" rtlCol="0">
+            <a:normAutofit/>
+          </a:bodyPr>
+          <a:lstStyle>
+            <a:lvl1pPr marL="228600" indent="-228600" algn="l" defTabSz="914400" rtl="0" eaLnBrk="1" latinLnBrk="0" hangingPunct="1">
+              <a:lnSpc>
+                <a:spcPct val="90000"/>
+              </a:lnSpc>
+              <a:spcBef>
+                <a:spcPts val="1000"/>
+              </a:spcBef>
+              <a:buFont typeface="Arial" panose="020B0604020202020204" pitchFamily="34" charset="0"/>
+              <a:buChar char="•"/>
+              <a:defRPr sz="2800" kern="1200">
+                <a:solidFill>
+                  <a:schemeClr val="tx1"/>
+                </a:solidFill>
+                <a:latin typeface="+mn-lt"/>
+                <a:ea typeface="+mn-ea"/>
+                <a:cs typeface="+mn-cs"/>
+              </a:defRPr>
+            </a:lvl1pPr>
+            <a:lvl2pPr marL="685800" indent="-228600" algn="l" defTabSz="914400" rtl="0" eaLnBrk="1" latinLnBrk="0" hangingPunct="1">
+              <a:lnSpc>
+                <a:spcPct val="90000"/>
+              </a:lnSpc>
+              <a:spcBef>
+                <a:spcPts val="500"/>
+              </a:spcBef>
+              <a:buFont typeface="Arial" panose="020B0604020202020204" pitchFamily="34" charset="0"/>
+              <a:buChar char="•"/>
+              <a:defRPr sz="2400" kern="1200">
+                <a:solidFill>
+                  <a:schemeClr val="tx1"/>
+                </a:solidFill>
+                <a:latin typeface="+mn-lt"/>
+                <a:ea typeface="+mn-ea"/>
+                <a:cs typeface="+mn-cs"/>
+              </a:defRPr>
+            </a:lvl2pPr>
+            <a:lvl3pPr marL="1143000" indent="-228600" algn="l" defTabSz="914400" rtl="0" eaLnBrk="1" latinLnBrk="0" hangingPunct="1">
+              <a:lnSpc>
+                <a:spcPct val="90000"/>
+              </a:lnSpc>
+              <a:spcBef>
+                <a:spcPts val="500"/>
+              </a:spcBef>
+              <a:buFont typeface="Arial" panose="020B0604020202020204" pitchFamily="34" charset="0"/>
+              <a:buChar char="•"/>
+              <a:defRPr sz="2000" kern="1200">
+                <a:solidFill>
+                  <a:schemeClr val="tx1"/>
+                </a:solidFill>
+                <a:latin typeface="+mn-lt"/>
+                <a:ea typeface="+mn-ea"/>
+                <a:cs typeface="+mn-cs"/>
+              </a:defRPr>
+            </a:lvl3pPr>
+            <a:lvl4pPr marL="1600200" indent="-228600" algn="l" defTabSz="914400" rtl="0" eaLnBrk="1" latinLnBrk="0" hangingPunct="1">
+              <a:lnSpc>
+                <a:spcPct val="90000"/>
+              </a:lnSpc>
+              <a:spcBef>
+                <a:spcPts val="500"/>
+              </a:spcBef>
+              <a:buFont typeface="Arial" panose="020B0604020202020204" pitchFamily="34" charset="0"/>
+              <a:buChar char="•"/>
+              <a:defRPr sz="1800" kern="1200">
+                <a:solidFill>
+                  <a:schemeClr val="tx1"/>
+                </a:solidFill>
+                <a:latin typeface="+mn-lt"/>
+                <a:ea typeface="+mn-ea"/>
+                <a:cs typeface="+mn-cs"/>
+              </a:defRPr>
+            </a:lvl4pPr>
+            <a:lvl5pPr marL="2057400" indent="-228600" algn="l" defTabSz="914400" rtl="0" eaLnBrk="1" latinLnBrk="0" hangingPunct="1">
+              <a:lnSpc>
+                <a:spcPct val="90000"/>
+              </a:lnSpc>
+              <a:spcBef>
+                <a:spcPts val="500"/>
+              </a:spcBef>
+              <a:buFont typeface="Arial" panose="020B0604020202020204" pitchFamily="34" charset="0"/>
+              <a:buChar char="•"/>
+              <a:defRPr sz="1800" kern="1200">
+                <a:solidFill>
+                  <a:schemeClr val="tx1"/>
+                </a:solidFill>
+                <a:latin typeface="+mn-lt"/>
+                <a:ea typeface="+mn-ea"/>
+                <a:cs typeface="+mn-cs"/>
+              </a:defRPr>
+            </a:lvl5pPr>
+            <a:lvl6pPr marL="2514600" indent="-228600" algn="l" defTabSz="914400" rtl="0" eaLnBrk="1" latinLnBrk="0" hangingPunct="1">
+              <a:lnSpc>
+                <a:spcPct val="90000"/>
+              </a:lnSpc>
+              <a:spcBef>
+                <a:spcPts val="500"/>
+              </a:spcBef>
+              <a:buFont typeface="Arial" panose="020B0604020202020204" pitchFamily="34" charset="0"/>
+              <a:buChar char="•"/>
+              <a:defRPr sz="1800" kern="1200">
+                <a:solidFill>
+                  <a:schemeClr val="tx1"/>
+                </a:solidFill>
+                <a:latin typeface="+mn-lt"/>
+                <a:ea typeface="+mn-ea"/>
+                <a:cs typeface="+mn-cs"/>
+              </a:defRPr>
+            </a:lvl6pPr>
+            <a:lvl7pPr marL="2971800" indent="-228600" algn="l" defTabSz="914400" rtl="0" eaLnBrk="1" latinLnBrk="0" hangingPunct="1">
+              <a:lnSpc>
+                <a:spcPct val="90000"/>
+              </a:lnSpc>
+              <a:spcBef>
+                <a:spcPts val="500"/>
+              </a:spcBef>
+              <a:buFont typeface="Arial" panose="020B0604020202020204" pitchFamily="34" charset="0"/>
+              <a:buChar char="•"/>
+              <a:defRPr sz="1800" kern="1200">
+                <a:solidFill>
+                  <a:schemeClr val="tx1"/>
+                </a:solidFill>
+                <a:latin typeface="+mn-lt"/>
+                <a:ea typeface="+mn-ea"/>
+                <a:cs typeface="+mn-cs"/>
+              </a:defRPr>
+            </a:lvl7pPr>
+            <a:lvl8pPr marL="3429000" indent="-228600" algn="l" defTabSz="914400" rtl="0" eaLnBrk="1" latinLnBrk="0" hangingPunct="1">
+              <a:lnSpc>
+                <a:spcPct val="90000"/>
+              </a:lnSpc>
+              <a:spcBef>
+                <a:spcPts val="500"/>
+              </a:spcBef>
+              <a:buFont typeface="Arial" panose="020B0604020202020204" pitchFamily="34" charset="0"/>
+              <a:buChar char="•"/>
+              <a:defRPr sz="1800" kern="1200">
+                <a:solidFill>
+                  <a:schemeClr val="tx1"/>
+                </a:solidFill>
+                <a:latin typeface="+mn-lt"/>
+                <a:ea typeface="+mn-ea"/>
+                <a:cs typeface="+mn-cs"/>
+              </a:defRPr>
+            </a:lvl8pPr>
+            <a:lvl9pPr marL="3886200" indent="-228600" algn="l" defTabSz="914400" rtl="0" eaLnBrk="1" latinLnBrk="0" hangingPunct="1">
+              <a:lnSpc>
+                <a:spcPct val="90000"/>
+              </a:lnSpc>
+              <a:spcBef>
+                <a:spcPts val="500"/>
+              </a:spcBef>
+              <a:buFont typeface="Arial" panose="020B0604020202020204" pitchFamily="34" charset="0"/>
+              <a:buChar char="•"/>
+              <a:defRPr sz="1800" kern="1200">
+                <a:solidFill>
+                  <a:schemeClr val="tx1"/>
+                </a:solidFill>
+                <a:latin typeface="+mn-lt"/>
+                <a:ea typeface="+mn-ea"/>
+                <a:cs typeface="+mn-cs"/>
+              </a:defRPr>
+            </a:lvl9pPr>
+          </a:lstStyle>
+          <a:p>
+            <a:r>
+              <a:rPr lang="en-US" sz="2400" dirty="0">
+                <a:latin typeface="Times New Roman" panose="02020603050405020304" pitchFamily="18" charset="0"/>
+                <a:cs typeface="Times New Roman" panose="02020603050405020304" pitchFamily="18" charset="0"/>
+              </a:rPr>
               <a:t>Step 5. Partition Graph Recovery</a:t>
             </a:r>
           </a:p>
@@ -7041,7 +8183,7 @@
           <a:p>
             <a:fld id="{666274A1-CF9C-426A-8DD4-B13ED0C24231}" type="slidenum">
               <a:rPr lang="en-US" smtClean="0"/>
-              <a:t>9</a:t>
+              <a:t>12</a:t>
             </a:fld>
             <a:endParaRPr lang="en-US"/>
           </a:p>
@@ -7169,7 +8311,7 @@
 </p:sld>
 </file>
 
-<file path=ppt/slides/slide11.xml><?xml version="1.0" encoding="utf-8"?>
+<file path=ppt/slides/slide14.xml><?xml version="1.0" encoding="utf-8"?>
 <p:sld xmlns:a="http://schemas.openxmlformats.org/drawingml/2006/main" xmlns:r="http://schemas.openxmlformats.org/officeDocument/2006/relationships" xmlns:p="http://schemas.openxmlformats.org/presentationml/2006/main">
   <p:cSld>
     <p:spTree>
@@ -7473,7 +8615,7 @@
           <a:p>
             <a:fld id="{666274A1-CF9C-426A-8DD4-B13ED0C24231}" type="slidenum">
               <a:rPr lang="en-US" smtClean="0"/>
-              <a:t>10</a:t>
+              <a:t>13</a:t>
             </a:fld>
             <a:endParaRPr lang="en-US"/>
           </a:p>
@@ -7492,7 +8634,7 @@
 </p:sld>
 </file>
 
-<file path=ppt/slides/slide12.xml><?xml version="1.0" encoding="utf-8"?>
+<file path=ppt/slides/slide15.xml><?xml version="1.0" encoding="utf-8"?>
 <p:sld xmlns:a="http://schemas.openxmlformats.org/drawingml/2006/main" xmlns:r="http://schemas.openxmlformats.org/officeDocument/2006/relationships" xmlns:p="http://schemas.openxmlformats.org/presentationml/2006/main">
   <p:cSld>
     <p:spTree>
@@ -7757,7 +8899,7 @@
           <a:p>
             <a:fld id="{666274A1-CF9C-426A-8DD4-B13ED0C24231}" type="slidenum">
               <a:rPr lang="en-US" smtClean="0"/>
-              <a:t>11</a:t>
+              <a:t>14</a:t>
             </a:fld>
             <a:endParaRPr lang="en-US"/>
           </a:p>
@@ -7776,7 +8918,7 @@
 </p:sld>
 </file>
 
-<file path=ppt/slides/slide13.xml><?xml version="1.0" encoding="utf-8"?>
+<file path=ppt/slides/slide16.xml><?xml version="1.0" encoding="utf-8"?>
 <p:sld xmlns:a="http://schemas.openxmlformats.org/drawingml/2006/main" xmlns:r="http://schemas.openxmlformats.org/officeDocument/2006/relationships" xmlns:p="http://schemas.openxmlformats.org/presentationml/2006/main">
   <p:cSld>
     <p:spTree>
@@ -7816,7 +8958,7 @@
           <a:p>
             <a:fld id="{666274A1-CF9C-426A-8DD4-B13ED0C24231}" type="slidenum">
               <a:rPr lang="en-US" smtClean="0"/>
-              <a:t>12</a:t>
+              <a:t>15</a:t>
             </a:fld>
             <a:endParaRPr lang="en-US"/>
           </a:p>
@@ -8164,7 +9306,7 @@
 </p:sld>
 </file>
 
-<file path=ppt/slides/slide14.xml><?xml version="1.0" encoding="utf-8"?>
+<file path=ppt/slides/slide17.xml><?xml version="1.0" encoding="utf-8"?>
 <p:sld xmlns:a="http://schemas.openxmlformats.org/drawingml/2006/main" xmlns:r="http://schemas.openxmlformats.org/officeDocument/2006/relationships" xmlns:p="http://schemas.openxmlformats.org/presentationml/2006/main">
   <p:cSld>
     <p:spTree>
@@ -8249,7 +9391,7 @@
           <a:p>
             <a:fld id="{666274A1-CF9C-426A-8DD4-B13ED0C24231}" type="slidenum">
               <a:rPr lang="en-US" smtClean="0"/>
-              <a:t>13</a:t>
+              <a:t>16</a:t>
             </a:fld>
             <a:endParaRPr lang="en-US"/>
           </a:p>
@@ -8962,7 +10104,7 @@
 </p:sld>
 </file>
 
-<file path=ppt/slides/slide15.xml><?xml version="1.0" encoding="utf-8"?>
+<file path=ppt/slides/slide18.xml><?xml version="1.0" encoding="utf-8"?>
 <p:sld xmlns:a="http://schemas.openxmlformats.org/drawingml/2006/main" xmlns:r="http://schemas.openxmlformats.org/officeDocument/2006/relationships" xmlns:p="http://schemas.openxmlformats.org/presentationml/2006/main">
   <p:cSld>
     <p:spTree>
@@ -9047,7 +10189,7 @@
           <a:p>
             <a:fld id="{666274A1-CF9C-426A-8DD4-B13ED0C24231}" type="slidenum">
               <a:rPr lang="en-US" smtClean="0"/>
-              <a:t>14</a:t>
+              <a:t>17</a:t>
             </a:fld>
             <a:endParaRPr lang="en-US"/>
           </a:p>
@@ -9619,7 +10761,7 @@
 </p:sld>
 </file>
 
-<file path=ppt/slides/slide16.xml><?xml version="1.0" encoding="utf-8"?>
+<file path=ppt/slides/slide19.xml><?xml version="1.0" encoding="utf-8"?>
 <p:sld xmlns:a="http://schemas.openxmlformats.org/drawingml/2006/main" xmlns:r="http://schemas.openxmlformats.org/officeDocument/2006/relationships" xmlns:p="http://schemas.openxmlformats.org/presentationml/2006/main">
   <p:cSld>
     <p:spTree>
@@ -9697,7 +10839,7 @@
           <a:p>
             <a:fld id="{666274A1-CF9C-426A-8DD4-B13ED0C24231}" type="slidenum">
               <a:rPr lang="en-US" smtClean="0"/>
-              <a:t>15</a:t>
+              <a:t>18</a:t>
             </a:fld>
             <a:endParaRPr lang="en-US"/>
           </a:p>
@@ -10309,7 +11451,177 @@
 </p:sld>
 </file>
 
-<file path=ppt/slides/slide17.xml><?xml version="1.0" encoding="utf-8"?>
+<file path=ppt/slides/slide2.xml><?xml version="1.0" encoding="utf-8"?>
+<p:sld xmlns:a="http://schemas.openxmlformats.org/drawingml/2006/main" xmlns:r="http://schemas.openxmlformats.org/officeDocument/2006/relationships" xmlns:p="http://schemas.openxmlformats.org/presentationml/2006/main">
+  <p:cSld>
+    <p:spTree>
+      <p:nvGrpSpPr>
+        <p:cNvPr id="1" name=""/>
+        <p:cNvGrpSpPr/>
+        <p:nvPr/>
+      </p:nvGrpSpPr>
+      <p:grpSpPr>
+        <a:xfrm>
+          <a:off x="0" y="0"/>
+          <a:ext cx="0" cy="0"/>
+          <a:chOff x="0" y="0"/>
+          <a:chExt cx="0" cy="0"/>
+        </a:xfrm>
+      </p:grpSpPr>
+      <p:sp>
+        <p:nvSpPr>
+          <p:cNvPr id="2" name="Title 1">
+            <a:extLst>
+              <a:ext uri="{FF2B5EF4-FFF2-40B4-BE49-F238E27FC236}">
+                <a16:creationId xmlns:a16="http://schemas.microsoft.com/office/drawing/2014/main" id="{034B2B09-3A89-725A-85C2-749F88A4474D}"/>
+              </a:ext>
+            </a:extLst>
+          </p:cNvPr>
+          <p:cNvSpPr>
+            <a:spLocks noGrp="1"/>
+          </p:cNvSpPr>
+          <p:nvPr>
+            <p:ph type="title"/>
+          </p:nvPr>
+        </p:nvSpPr>
+        <p:spPr/>
+        <p:txBody>
+          <a:bodyPr/>
+          <a:lstStyle/>
+          <a:p>
+            <a:r>
+              <a:rPr lang="en-US" dirty="0">
+                <a:latin typeface="Times New Roman" panose="02020603050405020304" pitchFamily="18" charset="0"/>
+                <a:cs typeface="Times New Roman" panose="02020603050405020304" pitchFamily="18" charset="0"/>
+              </a:rPr>
+              <a:t>Outline</a:t>
+            </a:r>
+          </a:p>
+        </p:txBody>
+      </p:sp>
+      <p:sp>
+        <p:nvSpPr>
+          <p:cNvPr id="3" name="Content Placeholder 2">
+            <a:extLst>
+              <a:ext uri="{FF2B5EF4-FFF2-40B4-BE49-F238E27FC236}">
+                <a16:creationId xmlns:a16="http://schemas.microsoft.com/office/drawing/2014/main" id="{35A1418A-E9D3-D2C1-863A-CF59359781D1}"/>
+              </a:ext>
+            </a:extLst>
+          </p:cNvPr>
+          <p:cNvSpPr>
+            <a:spLocks noGrp="1"/>
+          </p:cNvSpPr>
+          <p:nvPr>
+            <p:ph idx="1"/>
+          </p:nvPr>
+        </p:nvSpPr>
+        <p:spPr/>
+        <p:txBody>
+          <a:bodyPr>
+            <a:normAutofit/>
+          </a:bodyPr>
+          <a:lstStyle/>
+          <a:p>
+            <a:pPr>
+              <a:lnSpc>
+                <a:spcPct val="130000"/>
+              </a:lnSpc>
+            </a:pPr>
+            <a:r>
+              <a:rPr lang="en-US" sz="2400" dirty="0">
+                <a:latin typeface="Times New Roman" panose="02020603050405020304" pitchFamily="18" charset="0"/>
+                <a:cs typeface="Times New Roman" panose="02020603050405020304" pitchFamily="18" charset="0"/>
+              </a:rPr>
+              <a:t>Abstract</a:t>
+            </a:r>
+          </a:p>
+          <a:p>
+            <a:pPr>
+              <a:lnSpc>
+                <a:spcPct val="130000"/>
+              </a:lnSpc>
+            </a:pPr>
+            <a:r>
+              <a:rPr lang="en-US" sz="2400" dirty="0">
+                <a:latin typeface="Times New Roman" panose="02020603050405020304" pitchFamily="18" charset="0"/>
+                <a:cs typeface="Times New Roman" panose="02020603050405020304" pitchFamily="18" charset="0"/>
+              </a:rPr>
+              <a:t>Introduction</a:t>
+            </a:r>
+          </a:p>
+          <a:p>
+            <a:pPr>
+              <a:lnSpc>
+                <a:spcPct val="130000"/>
+              </a:lnSpc>
+            </a:pPr>
+            <a:r>
+              <a:rPr lang="en-US" sz="2400" dirty="0">
+                <a:latin typeface="Times New Roman" panose="02020603050405020304" pitchFamily="18" charset="0"/>
+                <a:cs typeface="Times New Roman" panose="02020603050405020304" pitchFamily="18" charset="0"/>
+              </a:rPr>
+              <a:t>Proposed Partitioning Framework For Multi-GPU Acceleration</a:t>
+            </a:r>
+          </a:p>
+          <a:p>
+            <a:pPr>
+              <a:lnSpc>
+                <a:spcPct val="130000"/>
+              </a:lnSpc>
+            </a:pPr>
+            <a:r>
+              <a:rPr lang="en-US" sz="2400" dirty="0">
+                <a:latin typeface="Times New Roman" panose="02020603050405020304" pitchFamily="18" charset="0"/>
+                <a:cs typeface="Times New Roman" panose="02020603050405020304" pitchFamily="18" charset="0"/>
+              </a:rPr>
+              <a:t>Experimental Result</a:t>
+            </a:r>
+          </a:p>
+        </p:txBody>
+      </p:sp>
+      <p:sp>
+        <p:nvSpPr>
+          <p:cNvPr id="4" name="Slide Number Placeholder 3">
+            <a:extLst>
+              <a:ext uri="{FF2B5EF4-FFF2-40B4-BE49-F238E27FC236}">
+                <a16:creationId xmlns:a16="http://schemas.microsoft.com/office/drawing/2014/main" id="{3592E110-E718-0573-BF00-CE5E90916A66}"/>
+              </a:ext>
+            </a:extLst>
+          </p:cNvPr>
+          <p:cNvSpPr>
+            <a:spLocks noGrp="1"/>
+          </p:cNvSpPr>
+          <p:nvPr>
+            <p:ph type="sldNum" sz="quarter" idx="12"/>
+          </p:nvPr>
+        </p:nvSpPr>
+        <p:spPr/>
+        <p:txBody>
+          <a:bodyPr/>
+          <a:lstStyle/>
+          <a:p>
+            <a:fld id="{666274A1-CF9C-426A-8DD4-B13ED0C24231}" type="slidenum">
+              <a:rPr lang="en-US" smtClean="0"/>
+              <a:t>1</a:t>
+            </a:fld>
+            <a:endParaRPr lang="en-US"/>
+          </a:p>
+        </p:txBody>
+      </p:sp>
+    </p:spTree>
+    <p:extLst>
+      <p:ext uri="{BB962C8B-B14F-4D97-AF65-F5344CB8AC3E}">
+        <p14:creationId xmlns:p14="http://schemas.microsoft.com/office/powerpoint/2010/main" val="1597209759"/>
+      </p:ext>
+    </p:extLst>
+  </p:cSld>
+  <p:clrMapOvr>
+    <a:masterClrMapping/>
+  </p:clrMapOvr>
+</p:sld>
+</file>
+
+<file path=ppt/slides/slide20.xml><?xml version="1.0" encoding="utf-8"?>
 <p:sld xmlns:a="http://schemas.openxmlformats.org/drawingml/2006/main" xmlns:r="http://schemas.openxmlformats.org/officeDocument/2006/relationships" xmlns:p="http://schemas.openxmlformats.org/presentationml/2006/main">
   <p:cSld>
     <p:spTree>
@@ -10387,7 +11699,7 @@
           <a:p>
             <a:fld id="{666274A1-CF9C-426A-8DD4-B13ED0C24231}" type="slidenum">
               <a:rPr lang="en-US" smtClean="0"/>
-              <a:t>16</a:t>
+              <a:t>19</a:t>
             </a:fld>
             <a:endParaRPr lang="en-US"/>
           </a:p>
@@ -10975,7 +12287,7 @@
 </p:sld>
 </file>
 
-<file path=ppt/slides/slide18.xml><?xml version="1.0" encoding="utf-8"?>
+<file path=ppt/slides/slide21.xml><?xml version="1.0" encoding="utf-8"?>
 <p:sld xmlns:a="http://schemas.openxmlformats.org/drawingml/2006/main" xmlns:r="http://schemas.openxmlformats.org/officeDocument/2006/relationships" xmlns:p="http://schemas.openxmlformats.org/presentationml/2006/main">
   <p:cSld>
     <p:spTree>
@@ -11053,7 +12365,7 @@
           <a:p>
             <a:fld id="{666274A1-CF9C-426A-8DD4-B13ED0C24231}" type="slidenum">
               <a:rPr lang="en-US" smtClean="0"/>
-              <a:t>17</a:t>
+              <a:t>20</a:t>
             </a:fld>
             <a:endParaRPr lang="en-US"/>
           </a:p>
@@ -11706,7 +13018,7 @@
 </p:sld>
 </file>
 
-<file path=ppt/slides/slide19.xml><?xml version="1.0" encoding="utf-8"?>
+<file path=ppt/slides/slide22.xml><?xml version="1.0" encoding="utf-8"?>
 <p:sld xmlns:a="http://schemas.openxmlformats.org/drawingml/2006/main" xmlns:r="http://schemas.openxmlformats.org/officeDocument/2006/relationships" xmlns:p="http://schemas.openxmlformats.org/presentationml/2006/main">
   <p:cSld>
     <p:spTree>
@@ -11784,7 +13096,7 @@
           <a:p>
             <a:fld id="{666274A1-CF9C-426A-8DD4-B13ED0C24231}" type="slidenum">
               <a:rPr lang="en-US" smtClean="0"/>
-              <a:t>18</a:t>
+              <a:t>21</a:t>
             </a:fld>
             <a:endParaRPr lang="en-US"/>
           </a:p>
@@ -12427,163 +13739,7 @@
 </p:sld>
 </file>
 
-<file path=ppt/slides/slide2.xml><?xml version="1.0" encoding="utf-8"?>
-<p:sld xmlns:a="http://schemas.openxmlformats.org/drawingml/2006/main" xmlns:r="http://schemas.openxmlformats.org/officeDocument/2006/relationships" xmlns:p="http://schemas.openxmlformats.org/presentationml/2006/main">
-  <p:cSld>
-    <p:spTree>
-      <p:nvGrpSpPr>
-        <p:cNvPr id="1" name=""/>
-        <p:cNvGrpSpPr/>
-        <p:nvPr/>
-      </p:nvGrpSpPr>
-      <p:grpSpPr>
-        <a:xfrm>
-          <a:off x="0" y="0"/>
-          <a:ext cx="0" cy="0"/>
-          <a:chOff x="0" y="0"/>
-          <a:chExt cx="0" cy="0"/>
-        </a:xfrm>
-      </p:grpSpPr>
-      <p:sp>
-        <p:nvSpPr>
-          <p:cNvPr id="2" name="Title 1">
-            <a:extLst>
-              <a:ext uri="{FF2B5EF4-FFF2-40B4-BE49-F238E27FC236}">
-                <a16:creationId xmlns:a16="http://schemas.microsoft.com/office/drawing/2014/main" id="{034B2B09-3A89-725A-85C2-749F88A4474D}"/>
-              </a:ext>
-            </a:extLst>
-          </p:cNvPr>
-          <p:cNvSpPr>
-            <a:spLocks noGrp="1"/>
-          </p:cNvSpPr>
-          <p:nvPr>
-            <p:ph type="title"/>
-          </p:nvPr>
-        </p:nvSpPr>
-        <p:spPr/>
-        <p:txBody>
-          <a:bodyPr/>
-          <a:lstStyle/>
-          <a:p>
-            <a:r>
-              <a:rPr lang="en-US" dirty="0">
-                <a:latin typeface="Times New Roman" panose="02020603050405020304" pitchFamily="18" charset="0"/>
-                <a:cs typeface="Times New Roman" panose="02020603050405020304" pitchFamily="18" charset="0"/>
-              </a:rPr>
-              <a:t>Outline</a:t>
-            </a:r>
-          </a:p>
-        </p:txBody>
-      </p:sp>
-      <p:sp>
-        <p:nvSpPr>
-          <p:cNvPr id="3" name="Content Placeholder 2">
-            <a:extLst>
-              <a:ext uri="{FF2B5EF4-FFF2-40B4-BE49-F238E27FC236}">
-                <a16:creationId xmlns:a16="http://schemas.microsoft.com/office/drawing/2014/main" id="{35A1418A-E9D3-D2C1-863A-CF59359781D1}"/>
-              </a:ext>
-            </a:extLst>
-          </p:cNvPr>
-          <p:cNvSpPr>
-            <a:spLocks noGrp="1"/>
-          </p:cNvSpPr>
-          <p:nvPr>
-            <p:ph idx="1"/>
-          </p:nvPr>
-        </p:nvSpPr>
-        <p:spPr/>
-        <p:txBody>
-          <a:bodyPr>
-            <a:normAutofit/>
-          </a:bodyPr>
-          <a:lstStyle/>
-          <a:p>
-            <a:pPr>
-              <a:lnSpc>
-                <a:spcPct val="130000"/>
-              </a:lnSpc>
-            </a:pPr>
-            <a:r>
-              <a:rPr lang="en-US" sz="2400" dirty="0">
-                <a:latin typeface="Times New Roman" panose="02020603050405020304" pitchFamily="18" charset="0"/>
-                <a:cs typeface="Times New Roman" panose="02020603050405020304" pitchFamily="18" charset="0"/>
-              </a:rPr>
-              <a:t>Abstract</a:t>
-            </a:r>
-          </a:p>
-          <a:p>
-            <a:pPr>
-              <a:lnSpc>
-                <a:spcPct val="130000"/>
-              </a:lnSpc>
-            </a:pPr>
-            <a:r>
-              <a:rPr lang="en-US" sz="2400" dirty="0">
-                <a:latin typeface="Times New Roman" panose="02020603050405020304" pitchFamily="18" charset="0"/>
-                <a:cs typeface="Times New Roman" panose="02020603050405020304" pitchFamily="18" charset="0"/>
-              </a:rPr>
-              <a:t>Introduction</a:t>
-            </a:r>
-          </a:p>
-          <a:p>
-            <a:pPr>
-              <a:lnSpc>
-                <a:spcPct val="130000"/>
-              </a:lnSpc>
-            </a:pPr>
-            <a:r>
-              <a:rPr lang="en-US" sz="2400" dirty="0">
-                <a:latin typeface="Times New Roman" panose="02020603050405020304" pitchFamily="18" charset="0"/>
-                <a:cs typeface="Times New Roman" panose="02020603050405020304" pitchFamily="18" charset="0"/>
-              </a:rPr>
-              <a:t>Proposed Partitioning Framework For Multi-GPU Acceleration</a:t>
-            </a:r>
-          </a:p>
-        </p:txBody>
-      </p:sp>
-      <p:sp>
-        <p:nvSpPr>
-          <p:cNvPr id="4" name="Slide Number Placeholder 3">
-            <a:extLst>
-              <a:ext uri="{FF2B5EF4-FFF2-40B4-BE49-F238E27FC236}">
-                <a16:creationId xmlns:a16="http://schemas.microsoft.com/office/drawing/2014/main" id="{3592E110-E718-0573-BF00-CE5E90916A66}"/>
-              </a:ext>
-            </a:extLst>
-          </p:cNvPr>
-          <p:cNvSpPr>
-            <a:spLocks noGrp="1"/>
-          </p:cNvSpPr>
-          <p:nvPr>
-            <p:ph type="sldNum" sz="quarter" idx="12"/>
-          </p:nvPr>
-        </p:nvSpPr>
-        <p:spPr/>
-        <p:txBody>
-          <a:bodyPr/>
-          <a:lstStyle/>
-          <a:p>
-            <a:fld id="{666274A1-CF9C-426A-8DD4-B13ED0C24231}" type="slidenum">
-              <a:rPr lang="en-US" smtClean="0"/>
-              <a:t>1</a:t>
-            </a:fld>
-            <a:endParaRPr lang="en-US"/>
-          </a:p>
-        </p:txBody>
-      </p:sp>
-    </p:spTree>
-    <p:extLst>
-      <p:ext uri="{BB962C8B-B14F-4D97-AF65-F5344CB8AC3E}">
-        <p14:creationId xmlns:p14="http://schemas.microsoft.com/office/powerpoint/2010/main" val="1597209759"/>
-      </p:ext>
-    </p:extLst>
-  </p:cSld>
-  <p:clrMapOvr>
-    <a:masterClrMapping/>
-  </p:clrMapOvr>
-</p:sld>
-</file>
-
-<file path=ppt/slides/slide20.xml><?xml version="1.0" encoding="utf-8"?>
+<file path=ppt/slides/slide23.xml><?xml version="1.0" encoding="utf-8"?>
 <p:sld xmlns:a="http://schemas.openxmlformats.org/drawingml/2006/main" xmlns:r="http://schemas.openxmlformats.org/officeDocument/2006/relationships" xmlns:p="http://schemas.openxmlformats.org/presentationml/2006/main">
   <p:cSld>
     <p:spTree>
@@ -12661,7 +13817,7 @@
           <a:p>
             <a:fld id="{666274A1-CF9C-426A-8DD4-B13ED0C24231}" type="slidenum">
               <a:rPr lang="en-US" smtClean="0"/>
-              <a:t>19</a:t>
+              <a:t>22</a:t>
             </a:fld>
             <a:endParaRPr lang="en-US"/>
           </a:p>
@@ -13556,7 +14712,7 @@
 </p:sld>
 </file>
 
-<file path=ppt/slides/slide21.xml><?xml version="1.0" encoding="utf-8"?>
+<file path=ppt/slides/slide24.xml><?xml version="1.0" encoding="utf-8"?>
 <p:sld xmlns:a="http://schemas.openxmlformats.org/drawingml/2006/main" xmlns:r="http://schemas.openxmlformats.org/officeDocument/2006/relationships" xmlns:p="http://schemas.openxmlformats.org/presentationml/2006/main">
   <p:cSld>
     <p:spTree>
@@ -13650,7 +14806,7 @@
           <a:p>
             <a:fld id="{666274A1-CF9C-426A-8DD4-B13ED0C24231}" type="slidenum">
               <a:rPr lang="en-US" smtClean="0"/>
-              <a:t>20</a:t>
+              <a:t>23</a:t>
             </a:fld>
             <a:endParaRPr lang="en-US"/>
           </a:p>
@@ -14042,7 +15198,7 @@
 </p:sld>
 </file>
 
-<file path=ppt/slides/slide22.xml><?xml version="1.0" encoding="utf-8"?>
+<file path=ppt/slides/slide25.xml><?xml version="1.0" encoding="utf-8"?>
 <p:sld xmlns:a="http://schemas.openxmlformats.org/drawingml/2006/main" xmlns:r="http://schemas.openxmlformats.org/officeDocument/2006/relationships" xmlns:p="http://schemas.openxmlformats.org/presentationml/2006/main">
   <p:cSld>
     <p:spTree>
@@ -14124,7 +15280,7 @@
           <a:p>
             <a:fld id="{666274A1-CF9C-426A-8DD4-B13ED0C24231}" type="slidenum">
               <a:rPr lang="en-US" smtClean="0"/>
-              <a:t>21</a:t>
+              <a:t>24</a:t>
             </a:fld>
             <a:endParaRPr lang="en-US"/>
           </a:p>
@@ -14405,7 +15561,7 @@
 </p:sld>
 </file>
 
-<file path=ppt/slides/slide23.xml><?xml version="1.0" encoding="utf-8"?>
+<file path=ppt/slides/slide26.xml><?xml version="1.0" encoding="utf-8"?>
 <p:sld xmlns:a="http://schemas.openxmlformats.org/drawingml/2006/main" xmlns:r="http://schemas.openxmlformats.org/officeDocument/2006/relationships" xmlns:p="http://schemas.openxmlformats.org/presentationml/2006/main">
   <p:cSld>
     <p:spTree>
@@ -14477,7 +15633,7 @@
           <a:p>
             <a:fld id="{666274A1-CF9C-426A-8DD4-B13ED0C24231}" type="slidenum">
               <a:rPr lang="en-US" smtClean="0"/>
-              <a:t>22</a:t>
+              <a:t>25</a:t>
             </a:fld>
             <a:endParaRPr lang="en-US"/>
           </a:p>
@@ -15109,7 +16265,7 @@
 </p:sld>
 </file>
 
-<file path=ppt/slides/slide24.xml><?xml version="1.0" encoding="utf-8"?>
+<file path=ppt/slides/slide27.xml><?xml version="1.0" encoding="utf-8"?>
 <p:sld xmlns:a="http://schemas.openxmlformats.org/drawingml/2006/main" xmlns:r="http://schemas.openxmlformats.org/officeDocument/2006/relationships" xmlns:p="http://schemas.openxmlformats.org/presentationml/2006/main">
   <p:cSld>
     <p:spTree>
@@ -15181,7 +16337,7 @@
           <a:p>
             <a:fld id="{666274A1-CF9C-426A-8DD4-B13ED0C24231}" type="slidenum">
               <a:rPr lang="en-US" smtClean="0"/>
-              <a:t>23</a:t>
+              <a:t>26</a:t>
             </a:fld>
             <a:endParaRPr lang="en-US"/>
           </a:p>
@@ -16309,7 +17465,7 @@
 </p:sld>
 </file>
 
-<file path=ppt/slides/slide25.xml><?xml version="1.0" encoding="utf-8"?>
+<file path=ppt/slides/slide28.xml><?xml version="1.0" encoding="utf-8"?>
 <p:sld xmlns:a="http://schemas.openxmlformats.org/drawingml/2006/main" xmlns:r="http://schemas.openxmlformats.org/officeDocument/2006/relationships" xmlns:p="http://schemas.openxmlformats.org/presentationml/2006/main">
   <p:cSld>
     <p:spTree>
@@ -16381,7 +17537,7 @@
           <a:p>
             <a:fld id="{666274A1-CF9C-426A-8DD4-B13ED0C24231}" type="slidenum">
               <a:rPr lang="en-US" smtClean="0"/>
-              <a:t>24</a:t>
+              <a:t>27</a:t>
             </a:fld>
             <a:endParaRPr lang="en-US"/>
           </a:p>
@@ -17881,7 +19037,7 @@
 </p:sld>
 </file>
 
-<file path=ppt/slides/slide26.xml><?xml version="1.0" encoding="utf-8"?>
+<file path=ppt/slides/slide29.xml><?xml version="1.0" encoding="utf-8"?>
 <p:sld xmlns:a="http://schemas.openxmlformats.org/drawingml/2006/main" xmlns:r="http://schemas.openxmlformats.org/officeDocument/2006/relationships" xmlns:p="http://schemas.openxmlformats.org/presentationml/2006/main">
   <p:cSld>
     <p:spTree>
@@ -18058,7 +19214,7 @@
           <a:p>
             <a:fld id="{666274A1-CF9C-426A-8DD4-B13ED0C24231}" type="slidenum">
               <a:rPr lang="en-US" smtClean="0"/>
-              <a:t>25</a:t>
+              <a:t>28</a:t>
             </a:fld>
             <a:endParaRPr lang="en-US"/>
           </a:p>
@@ -19730,7 +20886,192 @@
 </p:sld>
 </file>
 
-<file path=ppt/slides/slide27.xml><?xml version="1.0" encoding="utf-8"?>
+<file path=ppt/slides/slide3.xml><?xml version="1.0" encoding="utf-8"?>
+<p:sld xmlns:a="http://schemas.openxmlformats.org/drawingml/2006/main" xmlns:r="http://schemas.openxmlformats.org/officeDocument/2006/relationships" xmlns:p="http://schemas.openxmlformats.org/presentationml/2006/main">
+  <p:cSld>
+    <p:spTree>
+      <p:nvGrpSpPr>
+        <p:cNvPr id="1" name=""/>
+        <p:cNvGrpSpPr/>
+        <p:nvPr/>
+      </p:nvGrpSpPr>
+      <p:grpSpPr>
+        <a:xfrm>
+          <a:off x="0" y="0"/>
+          <a:ext cx="0" cy="0"/>
+          <a:chOff x="0" y="0"/>
+          <a:chExt cx="0" cy="0"/>
+        </a:xfrm>
+      </p:grpSpPr>
+      <p:sp>
+        <p:nvSpPr>
+          <p:cNvPr id="2" name="Title 1">
+            <a:extLst>
+              <a:ext uri="{FF2B5EF4-FFF2-40B4-BE49-F238E27FC236}">
+                <a16:creationId xmlns:a16="http://schemas.microsoft.com/office/drawing/2014/main" id="{034B2B09-3A89-725A-85C2-749F88A4474D}"/>
+              </a:ext>
+            </a:extLst>
+          </p:cNvPr>
+          <p:cNvSpPr>
+            <a:spLocks noGrp="1"/>
+          </p:cNvSpPr>
+          <p:nvPr>
+            <p:ph type="title"/>
+          </p:nvPr>
+        </p:nvSpPr>
+        <p:spPr/>
+        <p:txBody>
+          <a:bodyPr/>
+          <a:lstStyle/>
+          <a:p>
+            <a:r>
+              <a:rPr lang="en-US" dirty="0">
+                <a:latin typeface="Times New Roman" panose="02020603050405020304" pitchFamily="18" charset="0"/>
+                <a:cs typeface="Times New Roman" panose="02020603050405020304" pitchFamily="18" charset="0"/>
+              </a:rPr>
+              <a:t>Outline</a:t>
+            </a:r>
+          </a:p>
+        </p:txBody>
+      </p:sp>
+      <p:sp>
+        <p:nvSpPr>
+          <p:cNvPr id="3" name="Content Placeholder 2">
+            <a:extLst>
+              <a:ext uri="{FF2B5EF4-FFF2-40B4-BE49-F238E27FC236}">
+                <a16:creationId xmlns:a16="http://schemas.microsoft.com/office/drawing/2014/main" id="{35A1418A-E9D3-D2C1-863A-CF59359781D1}"/>
+              </a:ext>
+            </a:extLst>
+          </p:cNvPr>
+          <p:cNvSpPr>
+            <a:spLocks noGrp="1"/>
+          </p:cNvSpPr>
+          <p:nvPr>
+            <p:ph idx="1"/>
+          </p:nvPr>
+        </p:nvSpPr>
+        <p:spPr/>
+        <p:txBody>
+          <a:bodyPr>
+            <a:normAutofit/>
+          </a:bodyPr>
+          <a:lstStyle/>
+          <a:p>
+            <a:pPr>
+              <a:lnSpc>
+                <a:spcPct val="130000"/>
+              </a:lnSpc>
+            </a:pPr>
+            <a:r>
+              <a:rPr lang="en-US" sz="2400" dirty="0">
+                <a:latin typeface="Times New Roman" panose="02020603050405020304" pitchFamily="18" charset="0"/>
+                <a:cs typeface="Times New Roman" panose="02020603050405020304" pitchFamily="18" charset="0"/>
+              </a:rPr>
+              <a:t>Abstract</a:t>
+            </a:r>
+          </a:p>
+          <a:p>
+            <a:pPr>
+              <a:lnSpc>
+                <a:spcPct val="130000"/>
+              </a:lnSpc>
+            </a:pPr>
+            <a:r>
+              <a:rPr lang="en-US" sz="2400" dirty="0">
+                <a:solidFill>
+                  <a:schemeClr val="bg1">
+                    <a:lumMod val="65000"/>
+                  </a:schemeClr>
+                </a:solidFill>
+                <a:latin typeface="Times New Roman" panose="02020603050405020304" pitchFamily="18" charset="0"/>
+                <a:cs typeface="Times New Roman" panose="02020603050405020304" pitchFamily="18" charset="0"/>
+              </a:rPr>
+              <a:t>Introduction</a:t>
+            </a:r>
+          </a:p>
+          <a:p>
+            <a:pPr>
+              <a:lnSpc>
+                <a:spcPct val="130000"/>
+              </a:lnSpc>
+            </a:pPr>
+            <a:r>
+              <a:rPr lang="en-US" sz="2400" dirty="0">
+                <a:solidFill>
+                  <a:schemeClr val="bg1">
+                    <a:lumMod val="65000"/>
+                  </a:schemeClr>
+                </a:solidFill>
+                <a:latin typeface="Times New Roman" panose="02020603050405020304" pitchFamily="18" charset="0"/>
+                <a:cs typeface="Times New Roman" panose="02020603050405020304" pitchFamily="18" charset="0"/>
+              </a:rPr>
+              <a:t>Proposed Partitioning Framework For Multi-GPU Acceleration</a:t>
+            </a:r>
+          </a:p>
+          <a:p>
+            <a:pPr>
+              <a:lnSpc>
+                <a:spcPct val="130000"/>
+              </a:lnSpc>
+            </a:pPr>
+            <a:r>
+              <a:rPr lang="en-US" sz="2400" dirty="0">
+                <a:solidFill>
+                  <a:schemeClr val="bg1">
+                    <a:lumMod val="65000"/>
+                  </a:schemeClr>
+                </a:solidFill>
+                <a:latin typeface="Times New Roman" panose="02020603050405020304" pitchFamily="18" charset="0"/>
+                <a:cs typeface="Times New Roman" panose="02020603050405020304" pitchFamily="18" charset="0"/>
+              </a:rPr>
+              <a:t>Experimental Result</a:t>
+            </a:r>
+          </a:p>
+        </p:txBody>
+      </p:sp>
+      <p:sp>
+        <p:nvSpPr>
+          <p:cNvPr id="4" name="Slide Number Placeholder 3">
+            <a:extLst>
+              <a:ext uri="{FF2B5EF4-FFF2-40B4-BE49-F238E27FC236}">
+                <a16:creationId xmlns:a16="http://schemas.microsoft.com/office/drawing/2014/main" id="{3592E110-E718-0573-BF00-CE5E90916A66}"/>
+              </a:ext>
+            </a:extLst>
+          </p:cNvPr>
+          <p:cNvSpPr>
+            <a:spLocks noGrp="1"/>
+          </p:cNvSpPr>
+          <p:nvPr>
+            <p:ph type="sldNum" sz="quarter" idx="12"/>
+          </p:nvPr>
+        </p:nvSpPr>
+        <p:spPr/>
+        <p:txBody>
+          <a:bodyPr/>
+          <a:lstStyle/>
+          <a:p>
+            <a:fld id="{666274A1-CF9C-426A-8DD4-B13ED0C24231}" type="slidenum">
+              <a:rPr lang="en-US" smtClean="0"/>
+              <a:t>2</a:t>
+            </a:fld>
+            <a:endParaRPr lang="en-US"/>
+          </a:p>
+        </p:txBody>
+      </p:sp>
+    </p:spTree>
+    <p:extLst>
+      <p:ext uri="{BB962C8B-B14F-4D97-AF65-F5344CB8AC3E}">
+        <p14:creationId xmlns:p14="http://schemas.microsoft.com/office/powerpoint/2010/main" val="2334292466"/>
+      </p:ext>
+    </p:extLst>
+  </p:cSld>
+  <p:clrMapOvr>
+    <a:masterClrMapping/>
+  </p:clrMapOvr>
+</p:sld>
+</file>
+
+<file path=ppt/slides/slide30.xml><?xml version="1.0" encoding="utf-8"?>
 <p:sld xmlns:a="http://schemas.openxmlformats.org/drawingml/2006/main" xmlns:r="http://schemas.openxmlformats.org/officeDocument/2006/relationships" xmlns:p="http://schemas.openxmlformats.org/presentationml/2006/main">
   <p:cSld>
     <p:spTree>
@@ -19802,7 +21143,7 @@
           <a:p>
             <a:fld id="{666274A1-CF9C-426A-8DD4-B13ED0C24231}" type="slidenum">
               <a:rPr lang="en-US" smtClean="0"/>
-              <a:t>26</a:t>
+              <a:t>29</a:t>
             </a:fld>
             <a:endParaRPr lang="en-US"/>
           </a:p>
@@ -21261,7 +22602,7 @@
 </p:sld>
 </file>
 
-<file path=ppt/slides/slide28.xml><?xml version="1.0" encoding="utf-8"?>
+<file path=ppt/slides/slide31.xml><?xml version="1.0" encoding="utf-8"?>
 <p:sld xmlns:a="http://schemas.openxmlformats.org/drawingml/2006/main" xmlns:r="http://schemas.openxmlformats.org/officeDocument/2006/relationships" xmlns:p="http://schemas.openxmlformats.org/presentationml/2006/main">
   <p:cSld>
     <p:spTree>
@@ -21375,7 +22716,7 @@
           <a:p>
             <a:fld id="{666274A1-CF9C-426A-8DD4-B13ED0C24231}" type="slidenum">
               <a:rPr lang="en-US" smtClean="0"/>
-              <a:t>27</a:t>
+              <a:t>30</a:t>
             </a:fld>
             <a:endParaRPr lang="en-US"/>
           </a:p>
@@ -21424,7 +22765,7 @@
 </p:sld>
 </file>
 
-<file path=ppt/slides/slide29.xml><?xml version="1.0" encoding="utf-8"?>
+<file path=ppt/slides/slide32.xml><?xml version="1.0" encoding="utf-8"?>
 <p:sld xmlns:a="http://schemas.openxmlformats.org/drawingml/2006/main" xmlns:r="http://schemas.openxmlformats.org/officeDocument/2006/relationships" xmlns:p="http://schemas.openxmlformats.org/presentationml/2006/main">
   <p:cSld>
     <p:spTree>
@@ -21538,7 +22879,7 @@
           <a:p>
             <a:fld id="{666274A1-CF9C-426A-8DD4-B13ED0C24231}" type="slidenum">
               <a:rPr lang="en-US" smtClean="0"/>
-              <a:t>28</a:t>
+              <a:t>31</a:t>
             </a:fld>
             <a:endParaRPr lang="en-US"/>
           </a:p>
@@ -21604,8 +22945,8 @@
           </a:prstGeom>
         </p:spPr>
       </p:pic>
-      <mc:AlternateContent xmlns:mc="http://schemas.openxmlformats.org/markup-compatibility/2006">
-        <mc:Choice xmlns:p14="http://schemas.microsoft.com/office/powerpoint/2010/main" Requires="p14">
+      <mc:AlternateContent xmlns:mc="http://schemas.openxmlformats.org/markup-compatibility/2006" xmlns:p14="http://schemas.microsoft.com/office/powerpoint/2010/main">
+        <mc:Choice Requires="p14">
           <p:contentPart p14:bwMode="auto" r:id="rId5">
             <p14:nvContentPartPr>
               <p14:cNvPr id="12" name="Ink 11">
@@ -21624,7 +22965,7 @@
             </p14:xfrm>
           </p:contentPart>
         </mc:Choice>
-        <mc:Fallback>
+        <mc:Fallback xmlns="">
           <p:pic>
             <p:nvPicPr>
               <p:cNvPr id="12" name="Ink 11">
@@ -21655,8 +22996,8 @@
           </p:pic>
         </mc:Fallback>
       </mc:AlternateContent>
-      <mc:AlternateContent xmlns:mc="http://schemas.openxmlformats.org/markup-compatibility/2006">
-        <mc:Choice xmlns:p14="http://schemas.microsoft.com/office/powerpoint/2010/main" Requires="p14">
+      <mc:AlternateContent xmlns:mc="http://schemas.openxmlformats.org/markup-compatibility/2006" xmlns:p14="http://schemas.microsoft.com/office/powerpoint/2010/main">
+        <mc:Choice Requires="p14">
           <p:contentPart p14:bwMode="auto" r:id="rId7">
             <p14:nvContentPartPr>
               <p14:cNvPr id="13" name="Ink 12">
@@ -21675,7 +23016,7 @@
             </p14:xfrm>
           </p:contentPart>
         </mc:Choice>
-        <mc:Fallback>
+        <mc:Fallback xmlns="">
           <p:pic>
             <p:nvPicPr>
               <p:cNvPr id="13" name="Ink 12">
@@ -21706,8 +23047,8 @@
           </p:pic>
         </mc:Fallback>
       </mc:AlternateContent>
-      <mc:AlternateContent xmlns:mc="http://schemas.openxmlformats.org/markup-compatibility/2006">
-        <mc:Choice xmlns:p14="http://schemas.microsoft.com/office/powerpoint/2010/main" Requires="p14">
+      <mc:AlternateContent xmlns:mc="http://schemas.openxmlformats.org/markup-compatibility/2006" xmlns:p14="http://schemas.microsoft.com/office/powerpoint/2010/main">
+        <mc:Choice Requires="p14">
           <p:contentPart p14:bwMode="auto" r:id="rId9">
             <p14:nvContentPartPr>
               <p14:cNvPr id="17" name="Ink 16">
@@ -21726,7 +23067,7 @@
             </p14:xfrm>
           </p:contentPart>
         </mc:Choice>
-        <mc:Fallback>
+        <mc:Fallback xmlns="">
           <p:pic>
             <p:nvPicPr>
               <p:cNvPr id="17" name="Ink 16">
@@ -21757,8 +23098,8 @@
           </p:pic>
         </mc:Fallback>
       </mc:AlternateContent>
-      <mc:AlternateContent xmlns:mc="http://schemas.openxmlformats.org/markup-compatibility/2006">
-        <mc:Choice xmlns:p14="http://schemas.microsoft.com/office/powerpoint/2010/main" Requires="p14">
+      <mc:AlternateContent xmlns:mc="http://schemas.openxmlformats.org/markup-compatibility/2006" xmlns:p14="http://schemas.microsoft.com/office/powerpoint/2010/main">
+        <mc:Choice Requires="p14">
           <p:contentPart p14:bwMode="auto" r:id="rId11">
             <p14:nvContentPartPr>
               <p14:cNvPr id="18" name="Ink 17">
@@ -21777,7 +23118,7 @@
             </p14:xfrm>
           </p:contentPart>
         </mc:Choice>
-        <mc:Fallback>
+        <mc:Fallback xmlns="">
           <p:pic>
             <p:nvPicPr>
               <p:cNvPr id="18" name="Ink 17">
@@ -21808,8 +23149,8 @@
           </p:pic>
         </mc:Fallback>
       </mc:AlternateContent>
-      <mc:AlternateContent xmlns:mc="http://schemas.openxmlformats.org/markup-compatibility/2006">
-        <mc:Choice xmlns:p14="http://schemas.microsoft.com/office/powerpoint/2010/main" Requires="p14">
+      <mc:AlternateContent xmlns:mc="http://schemas.openxmlformats.org/markup-compatibility/2006" xmlns:p14="http://schemas.microsoft.com/office/powerpoint/2010/main">
+        <mc:Choice Requires="p14">
           <p:contentPart p14:bwMode="auto" r:id="rId13">
             <p14:nvContentPartPr>
               <p14:cNvPr id="19" name="Ink 18">
@@ -21828,7 +23169,7 @@
             </p14:xfrm>
           </p:contentPart>
         </mc:Choice>
-        <mc:Fallback>
+        <mc:Fallback xmlns="">
           <p:pic>
             <p:nvPicPr>
               <p:cNvPr id="19" name="Ink 18">
@@ -21859,8 +23200,8 @@
           </p:pic>
         </mc:Fallback>
       </mc:AlternateContent>
-      <mc:AlternateContent xmlns:mc="http://schemas.openxmlformats.org/markup-compatibility/2006">
-        <mc:Choice xmlns:p14="http://schemas.microsoft.com/office/powerpoint/2010/main" Requires="p14">
+      <mc:AlternateContent xmlns:mc="http://schemas.openxmlformats.org/markup-compatibility/2006" xmlns:p14="http://schemas.microsoft.com/office/powerpoint/2010/main">
+        <mc:Choice Requires="p14">
           <p:contentPart p14:bwMode="auto" r:id="rId15">
             <p14:nvContentPartPr>
               <p14:cNvPr id="20" name="Ink 19">
@@ -21879,7 +23220,7 @@
             </p14:xfrm>
           </p:contentPart>
         </mc:Choice>
-        <mc:Fallback>
+        <mc:Fallback xmlns="">
           <p:pic>
             <p:nvPicPr>
               <p:cNvPr id="20" name="Ink 19">
@@ -21910,8 +23251,8 @@
           </p:pic>
         </mc:Fallback>
       </mc:AlternateContent>
-      <mc:AlternateContent xmlns:mc="http://schemas.openxmlformats.org/markup-compatibility/2006">
-        <mc:Choice xmlns:p14="http://schemas.microsoft.com/office/powerpoint/2010/main" Requires="p14">
+      <mc:AlternateContent xmlns:mc="http://schemas.openxmlformats.org/markup-compatibility/2006" xmlns:p14="http://schemas.microsoft.com/office/powerpoint/2010/main">
+        <mc:Choice Requires="p14">
           <p:contentPart p14:bwMode="auto" r:id="rId17">
             <p14:nvContentPartPr>
               <p14:cNvPr id="21" name="Ink 20">
@@ -21930,7 +23271,7 @@
             </p14:xfrm>
           </p:contentPart>
         </mc:Choice>
-        <mc:Fallback>
+        <mc:Fallback xmlns="">
           <p:pic>
             <p:nvPicPr>
               <p:cNvPr id="21" name="Ink 20">
@@ -21961,8 +23302,8 @@
           </p:pic>
         </mc:Fallback>
       </mc:AlternateContent>
-      <mc:AlternateContent xmlns:mc="http://schemas.openxmlformats.org/markup-compatibility/2006">
-        <mc:Choice xmlns:p14="http://schemas.microsoft.com/office/powerpoint/2010/main" Requires="p14">
+      <mc:AlternateContent xmlns:mc="http://schemas.openxmlformats.org/markup-compatibility/2006" xmlns:p14="http://schemas.microsoft.com/office/powerpoint/2010/main">
+        <mc:Choice Requires="p14">
           <p:contentPart p14:bwMode="auto" r:id="rId19">
             <p14:nvContentPartPr>
               <p14:cNvPr id="22" name="Ink 21">
@@ -21981,7 +23322,7 @@
             </p14:xfrm>
           </p:contentPart>
         </mc:Choice>
-        <mc:Fallback>
+        <mc:Fallback xmlns="">
           <p:pic>
             <p:nvPicPr>
               <p:cNvPr id="22" name="Ink 21">
@@ -22025,210 +23366,7 @@
 </p:sld>
 </file>
 
-<file path=ppt/slides/slide3.xml><?xml version="1.0" encoding="utf-8"?>
-<p:sld xmlns:a="http://schemas.openxmlformats.org/drawingml/2006/main" xmlns:r="http://schemas.openxmlformats.org/officeDocument/2006/relationships" xmlns:p="http://schemas.openxmlformats.org/presentationml/2006/main">
-  <p:cSld>
-    <p:spTree>
-      <p:nvGrpSpPr>
-        <p:cNvPr id="1" name=""/>
-        <p:cNvGrpSpPr/>
-        <p:nvPr/>
-      </p:nvGrpSpPr>
-      <p:grpSpPr>
-        <a:xfrm>
-          <a:off x="0" y="0"/>
-          <a:ext cx="0" cy="0"/>
-          <a:chOff x="0" y="0"/>
-          <a:chExt cx="0" cy="0"/>
-        </a:xfrm>
-      </p:grpSpPr>
-      <p:sp>
-        <p:nvSpPr>
-          <p:cNvPr id="2" name="Title 1">
-            <a:extLst>
-              <a:ext uri="{FF2B5EF4-FFF2-40B4-BE49-F238E27FC236}">
-                <a16:creationId xmlns:a16="http://schemas.microsoft.com/office/drawing/2014/main" id="{32F556D7-6AF1-138D-4CE1-82AF32CA574B}"/>
-              </a:ext>
-            </a:extLst>
-          </p:cNvPr>
-          <p:cNvSpPr>
-            <a:spLocks noGrp="1"/>
-          </p:cNvSpPr>
-          <p:nvPr>
-            <p:ph type="title"/>
-          </p:nvPr>
-        </p:nvSpPr>
-        <p:spPr/>
-        <p:txBody>
-          <a:bodyPr/>
-          <a:lstStyle/>
-          <a:p>
-            <a:r>
-              <a:rPr lang="en-US" dirty="0">
-                <a:latin typeface="Times New Roman" panose="02020603050405020304" pitchFamily="18" charset="0"/>
-                <a:cs typeface="Times New Roman" panose="02020603050405020304" pitchFamily="18" charset="0"/>
-              </a:rPr>
-              <a:t>Abstract</a:t>
-            </a:r>
-          </a:p>
-        </p:txBody>
-      </p:sp>
-      <p:sp>
-        <p:nvSpPr>
-          <p:cNvPr id="3" name="Content Placeholder 2">
-            <a:extLst>
-              <a:ext uri="{FF2B5EF4-FFF2-40B4-BE49-F238E27FC236}">
-                <a16:creationId xmlns:a16="http://schemas.microsoft.com/office/drawing/2014/main" id="{63DBDDD8-67C3-E218-4763-50F97AE210EF}"/>
-              </a:ext>
-            </a:extLst>
-          </p:cNvPr>
-          <p:cNvSpPr>
-            <a:spLocks noGrp="1"/>
-          </p:cNvSpPr>
-          <p:nvPr>
-            <p:ph idx="1"/>
-          </p:nvPr>
-        </p:nvSpPr>
-        <p:spPr/>
-        <p:txBody>
-          <a:bodyPr>
-            <a:normAutofit/>
-          </a:bodyPr>
-          <a:lstStyle/>
-          <a:p>
-            <a:r>
-              <a:rPr lang="en-US" sz="2400" b="1" dirty="0">
-                <a:latin typeface="Times New Roman" panose="02020603050405020304" pitchFamily="18" charset="0"/>
-                <a:cs typeface="Times New Roman" panose="02020603050405020304" pitchFamily="18" charset="0"/>
-              </a:rPr>
-              <a:t>Path-based Analysis </a:t>
-            </a:r>
-            <a:r>
-              <a:rPr lang="en-US" sz="2400" dirty="0">
-                <a:latin typeface="Times New Roman" panose="02020603050405020304" pitchFamily="18" charset="0"/>
-                <a:cs typeface="Times New Roman" panose="02020603050405020304" pitchFamily="18" charset="0"/>
-              </a:rPr>
-              <a:t>(PBA) is a key process in Static Timing Analysis (STA) to reduce excessive slack pessimism (Graph Based Analysis, GBA).</a:t>
-            </a:r>
-          </a:p>
-          <a:p>
-            <a:endParaRPr lang="en-US" sz="400" dirty="0">
-              <a:latin typeface="Times New Roman" panose="02020603050405020304" pitchFamily="18" charset="0"/>
-              <a:cs typeface="Times New Roman" panose="02020603050405020304" pitchFamily="18" charset="0"/>
-            </a:endParaRPr>
-          </a:p>
-          <a:p>
-            <a:r>
-              <a:rPr lang="en-US" sz="2400" dirty="0">
-                <a:latin typeface="Times New Roman" panose="02020603050405020304" pitchFamily="18" charset="0"/>
-                <a:cs typeface="Times New Roman" panose="02020603050405020304" pitchFamily="18" charset="0"/>
-              </a:rPr>
-              <a:t>However, PBA can easily become the major performance </a:t>
-            </a:r>
-            <a:r>
-              <a:rPr lang="en-US" sz="2400" b="1" dirty="0">
-                <a:latin typeface="Times New Roman" panose="02020603050405020304" pitchFamily="18" charset="0"/>
-                <a:cs typeface="Times New Roman" panose="02020603050405020304" pitchFamily="18" charset="0"/>
-              </a:rPr>
-              <a:t>bottleneck</a:t>
-            </a:r>
-            <a:r>
-              <a:rPr lang="en-US" sz="2400" dirty="0">
-                <a:latin typeface="Times New Roman" panose="02020603050405020304" pitchFamily="18" charset="0"/>
-                <a:cs typeface="Times New Roman" panose="02020603050405020304" pitchFamily="18" charset="0"/>
-              </a:rPr>
-              <a:t> due to its long execution time.</a:t>
-            </a:r>
-          </a:p>
-          <a:p>
-            <a:endParaRPr lang="en-US" sz="800" dirty="0">
-              <a:latin typeface="Times New Roman" panose="02020603050405020304" pitchFamily="18" charset="0"/>
-              <a:cs typeface="Times New Roman" panose="02020603050405020304" pitchFamily="18" charset="0"/>
-            </a:endParaRPr>
-          </a:p>
-          <a:p>
-            <a:r>
-              <a:rPr lang="en-US" sz="2400" dirty="0">
-                <a:latin typeface="Times New Roman" panose="02020603050405020304" pitchFamily="18" charset="0"/>
-                <a:cs typeface="Times New Roman" panose="02020603050405020304" pitchFamily="18" charset="0"/>
-              </a:rPr>
-              <a:t>To overcome this bottleneck, recent STA researches have proposed to accelerate PBA algorithms with manycore CPU and GPU parallelisms.</a:t>
-            </a:r>
-          </a:p>
-          <a:p>
-            <a:endParaRPr lang="en-US" sz="800" dirty="0">
-              <a:latin typeface="Times New Roman" panose="02020603050405020304" pitchFamily="18" charset="0"/>
-              <a:cs typeface="Times New Roman" panose="02020603050405020304" pitchFamily="18" charset="0"/>
-            </a:endParaRPr>
-          </a:p>
-          <a:p>
-            <a:r>
-              <a:rPr lang="en-US" sz="2400" dirty="0">
-                <a:latin typeface="Times New Roman" panose="02020603050405020304" pitchFamily="18" charset="0"/>
-                <a:cs typeface="Times New Roman" panose="02020603050405020304" pitchFamily="18" charset="0"/>
-              </a:rPr>
-              <a:t>In this work, we introduce a new, fast endpoint-oriented partitioning framework that can separate STA graphs and dispatch the PBA workload onto </a:t>
-            </a:r>
-            <a:r>
-              <a:rPr lang="en-US" sz="2400" b="1" dirty="0">
-                <a:latin typeface="Times New Roman" panose="02020603050405020304" pitchFamily="18" charset="0"/>
-                <a:cs typeface="Times New Roman" panose="02020603050405020304" pitchFamily="18" charset="0"/>
-              </a:rPr>
-              <a:t>multiple GPUs</a:t>
-            </a:r>
-            <a:r>
-              <a:rPr lang="en-US" sz="2400" dirty="0">
-                <a:latin typeface="Times New Roman" panose="02020603050405020304" pitchFamily="18" charset="0"/>
-                <a:cs typeface="Times New Roman" panose="02020603050405020304" pitchFamily="18" charset="0"/>
-              </a:rPr>
-              <a:t>.</a:t>
-            </a:r>
-          </a:p>
-        </p:txBody>
-      </p:sp>
-      <p:sp>
-        <p:nvSpPr>
-          <p:cNvPr id="4" name="Slide Number Placeholder 3">
-            <a:extLst>
-              <a:ext uri="{FF2B5EF4-FFF2-40B4-BE49-F238E27FC236}">
-                <a16:creationId xmlns:a16="http://schemas.microsoft.com/office/drawing/2014/main" id="{3CC77739-08CC-3476-69AC-28C423F6DF60}"/>
-              </a:ext>
-            </a:extLst>
-          </p:cNvPr>
-          <p:cNvSpPr>
-            <a:spLocks noGrp="1"/>
-          </p:cNvSpPr>
-          <p:nvPr>
-            <p:ph type="sldNum" sz="quarter" idx="12"/>
-          </p:nvPr>
-        </p:nvSpPr>
-        <p:spPr/>
-        <p:txBody>
-          <a:bodyPr/>
-          <a:lstStyle/>
-          <a:p>
-            <a:fld id="{666274A1-CF9C-426A-8DD4-B13ED0C24231}" type="slidenum">
-              <a:rPr lang="en-US" smtClean="0"/>
-              <a:t>2</a:t>
-            </a:fld>
-            <a:endParaRPr lang="en-US"/>
-          </a:p>
-        </p:txBody>
-      </p:sp>
-    </p:spTree>
-    <p:extLst>
-      <p:ext uri="{BB962C8B-B14F-4D97-AF65-F5344CB8AC3E}">
-        <p14:creationId xmlns:p14="http://schemas.microsoft.com/office/powerpoint/2010/main" val="1654060993"/>
-      </p:ext>
-    </p:extLst>
-  </p:cSld>
-  <p:clrMapOvr>
-    <a:masterClrMapping/>
-  </p:clrMapOvr>
-</p:sld>
-</file>
-
-<file path=ppt/slides/slide30.xml><?xml version="1.0" encoding="utf-8"?>
+<file path=ppt/slides/slide33.xml><?xml version="1.0" encoding="utf-8"?>
 <p:sld xmlns:a="http://schemas.openxmlformats.org/drawingml/2006/main" xmlns:r="http://schemas.openxmlformats.org/officeDocument/2006/relationships" xmlns:p="http://schemas.openxmlformats.org/presentationml/2006/main">
   <p:cSld>
     <p:spTree>
@@ -22363,7 +23501,7 @@
           <a:p>
             <a:fld id="{666274A1-CF9C-426A-8DD4-B13ED0C24231}" type="slidenum">
               <a:rPr lang="en-US" smtClean="0"/>
-              <a:t>29</a:t>
+              <a:t>32</a:t>
             </a:fld>
             <a:endParaRPr lang="en-US"/>
           </a:p>
@@ -22722,7 +23860,988 @@
 </p:sld>
 </file>
 
+<file path=ppt/slides/slide34.xml><?xml version="1.0" encoding="utf-8"?>
+<p:sld xmlns:a="http://schemas.openxmlformats.org/drawingml/2006/main" xmlns:r="http://schemas.openxmlformats.org/officeDocument/2006/relationships" xmlns:p="http://schemas.openxmlformats.org/presentationml/2006/main">
+  <p:cSld>
+    <p:spTree>
+      <p:nvGrpSpPr>
+        <p:cNvPr id="1" name=""/>
+        <p:cNvGrpSpPr/>
+        <p:nvPr/>
+      </p:nvGrpSpPr>
+      <p:grpSpPr>
+        <a:xfrm>
+          <a:off x="0" y="0"/>
+          <a:ext cx="0" cy="0"/>
+          <a:chOff x="0" y="0"/>
+          <a:chExt cx="0" cy="0"/>
+        </a:xfrm>
+      </p:grpSpPr>
+      <p:sp>
+        <p:nvSpPr>
+          <p:cNvPr id="2" name="Title 1">
+            <a:extLst>
+              <a:ext uri="{FF2B5EF4-FFF2-40B4-BE49-F238E27FC236}">
+                <a16:creationId xmlns:a16="http://schemas.microsoft.com/office/drawing/2014/main" id="{034B2B09-3A89-725A-85C2-749F88A4474D}"/>
+              </a:ext>
+            </a:extLst>
+          </p:cNvPr>
+          <p:cNvSpPr>
+            <a:spLocks noGrp="1"/>
+          </p:cNvSpPr>
+          <p:nvPr>
+            <p:ph type="title"/>
+          </p:nvPr>
+        </p:nvSpPr>
+        <p:spPr/>
+        <p:txBody>
+          <a:bodyPr/>
+          <a:lstStyle/>
+          <a:p>
+            <a:r>
+              <a:rPr lang="en-US" dirty="0">
+                <a:latin typeface="Times New Roman" panose="02020603050405020304" pitchFamily="18" charset="0"/>
+                <a:cs typeface="Times New Roman" panose="02020603050405020304" pitchFamily="18" charset="0"/>
+              </a:rPr>
+              <a:t>Outline</a:t>
+            </a:r>
+          </a:p>
+        </p:txBody>
+      </p:sp>
+      <p:sp>
+        <p:nvSpPr>
+          <p:cNvPr id="3" name="Content Placeholder 2">
+            <a:extLst>
+              <a:ext uri="{FF2B5EF4-FFF2-40B4-BE49-F238E27FC236}">
+                <a16:creationId xmlns:a16="http://schemas.microsoft.com/office/drawing/2014/main" id="{35A1418A-E9D3-D2C1-863A-CF59359781D1}"/>
+              </a:ext>
+            </a:extLst>
+          </p:cNvPr>
+          <p:cNvSpPr>
+            <a:spLocks noGrp="1"/>
+          </p:cNvSpPr>
+          <p:nvPr>
+            <p:ph idx="1"/>
+          </p:nvPr>
+        </p:nvSpPr>
+        <p:spPr/>
+        <p:txBody>
+          <a:bodyPr>
+            <a:normAutofit/>
+          </a:bodyPr>
+          <a:lstStyle/>
+          <a:p>
+            <a:pPr>
+              <a:lnSpc>
+                <a:spcPct val="130000"/>
+              </a:lnSpc>
+            </a:pPr>
+            <a:r>
+              <a:rPr lang="en-US" sz="2400" dirty="0">
+                <a:solidFill>
+                  <a:schemeClr val="bg1">
+                    <a:lumMod val="65000"/>
+                  </a:schemeClr>
+                </a:solidFill>
+                <a:latin typeface="Times New Roman" panose="02020603050405020304" pitchFamily="18" charset="0"/>
+                <a:cs typeface="Times New Roman" panose="02020603050405020304" pitchFamily="18" charset="0"/>
+              </a:rPr>
+              <a:t>Abstract</a:t>
+            </a:r>
+          </a:p>
+          <a:p>
+            <a:pPr>
+              <a:lnSpc>
+                <a:spcPct val="130000"/>
+              </a:lnSpc>
+            </a:pPr>
+            <a:r>
+              <a:rPr lang="en-US" sz="2400" dirty="0">
+                <a:solidFill>
+                  <a:schemeClr val="bg1">
+                    <a:lumMod val="65000"/>
+                  </a:schemeClr>
+                </a:solidFill>
+                <a:latin typeface="Times New Roman" panose="02020603050405020304" pitchFamily="18" charset="0"/>
+                <a:cs typeface="Times New Roman" panose="02020603050405020304" pitchFamily="18" charset="0"/>
+              </a:rPr>
+              <a:t>Introduction</a:t>
+            </a:r>
+          </a:p>
+          <a:p>
+            <a:pPr>
+              <a:lnSpc>
+                <a:spcPct val="130000"/>
+              </a:lnSpc>
+            </a:pPr>
+            <a:r>
+              <a:rPr lang="en-US" sz="2400" dirty="0">
+                <a:solidFill>
+                  <a:schemeClr val="bg1">
+                    <a:lumMod val="65000"/>
+                  </a:schemeClr>
+                </a:solidFill>
+                <a:latin typeface="Times New Roman" panose="02020603050405020304" pitchFamily="18" charset="0"/>
+                <a:cs typeface="Times New Roman" panose="02020603050405020304" pitchFamily="18" charset="0"/>
+              </a:rPr>
+              <a:t>Proposed Partitioning Framework For Multi-GPU Acceleration</a:t>
+            </a:r>
+          </a:p>
+          <a:p>
+            <a:pPr>
+              <a:lnSpc>
+                <a:spcPct val="130000"/>
+              </a:lnSpc>
+            </a:pPr>
+            <a:r>
+              <a:rPr lang="en-US" sz="2400" dirty="0">
+                <a:latin typeface="Times New Roman" panose="02020603050405020304" pitchFamily="18" charset="0"/>
+                <a:cs typeface="Times New Roman" panose="02020603050405020304" pitchFamily="18" charset="0"/>
+              </a:rPr>
+              <a:t>Experimental Result</a:t>
+            </a:r>
+          </a:p>
+        </p:txBody>
+      </p:sp>
+      <p:sp>
+        <p:nvSpPr>
+          <p:cNvPr id="4" name="Slide Number Placeholder 3">
+            <a:extLst>
+              <a:ext uri="{FF2B5EF4-FFF2-40B4-BE49-F238E27FC236}">
+                <a16:creationId xmlns:a16="http://schemas.microsoft.com/office/drawing/2014/main" id="{3592E110-E718-0573-BF00-CE5E90916A66}"/>
+              </a:ext>
+            </a:extLst>
+          </p:cNvPr>
+          <p:cNvSpPr>
+            <a:spLocks noGrp="1"/>
+          </p:cNvSpPr>
+          <p:nvPr>
+            <p:ph type="sldNum" sz="quarter" idx="12"/>
+          </p:nvPr>
+        </p:nvSpPr>
+        <p:spPr/>
+        <p:txBody>
+          <a:bodyPr/>
+          <a:lstStyle/>
+          <a:p>
+            <a:fld id="{666274A1-CF9C-426A-8DD4-B13ED0C24231}" type="slidenum">
+              <a:rPr lang="en-US" smtClean="0"/>
+              <a:t>33</a:t>
+            </a:fld>
+            <a:endParaRPr lang="en-US"/>
+          </a:p>
+        </p:txBody>
+      </p:sp>
+    </p:spTree>
+    <p:extLst>
+      <p:ext uri="{BB962C8B-B14F-4D97-AF65-F5344CB8AC3E}">
+        <p14:creationId xmlns:p14="http://schemas.microsoft.com/office/powerpoint/2010/main" val="954890955"/>
+      </p:ext>
+    </p:extLst>
+  </p:cSld>
+  <p:clrMapOvr>
+    <a:masterClrMapping/>
+  </p:clrMapOvr>
+</p:sld>
+</file>
+
+<file path=ppt/slides/slide35.xml><?xml version="1.0" encoding="utf-8"?>
+<p:sld xmlns:a="http://schemas.openxmlformats.org/drawingml/2006/main" xmlns:r="http://schemas.openxmlformats.org/officeDocument/2006/relationships" xmlns:p="http://schemas.openxmlformats.org/presentationml/2006/main">
+  <p:cSld>
+    <p:spTree>
+      <p:nvGrpSpPr>
+        <p:cNvPr id="1" name=""/>
+        <p:cNvGrpSpPr/>
+        <p:nvPr/>
+      </p:nvGrpSpPr>
+      <p:grpSpPr>
+        <a:xfrm>
+          <a:off x="0" y="0"/>
+          <a:ext cx="0" cy="0"/>
+          <a:chOff x="0" y="0"/>
+          <a:chExt cx="0" cy="0"/>
+        </a:xfrm>
+      </p:grpSpPr>
+      <p:sp>
+        <p:nvSpPr>
+          <p:cNvPr id="2" name="Title 1">
+            <a:extLst>
+              <a:ext uri="{FF2B5EF4-FFF2-40B4-BE49-F238E27FC236}">
+                <a16:creationId xmlns:a16="http://schemas.microsoft.com/office/drawing/2014/main" id="{F642EB78-3A21-2039-E820-492C17CD6071}"/>
+              </a:ext>
+            </a:extLst>
+          </p:cNvPr>
+          <p:cNvSpPr>
+            <a:spLocks noGrp="1"/>
+          </p:cNvSpPr>
+          <p:nvPr>
+            <p:ph type="title"/>
+          </p:nvPr>
+        </p:nvSpPr>
+        <p:spPr/>
+        <p:txBody>
+          <a:bodyPr/>
+          <a:lstStyle/>
+          <a:p>
+            <a:r>
+              <a:rPr lang="en-US" altLang="zh-TW" dirty="0">
+                <a:latin typeface="Times" panose="02020603050405020304" pitchFamily="18" charset="0"/>
+                <a:cs typeface="Times" panose="02020603050405020304" pitchFamily="18" charset="0"/>
+              </a:rPr>
+              <a:t>Experimental Result</a:t>
+            </a:r>
+            <a:endParaRPr lang="zh-TW" altLang="en-US" dirty="0">
+              <a:latin typeface="Times" panose="02020603050405020304" pitchFamily="18" charset="0"/>
+              <a:cs typeface="Times" panose="02020603050405020304" pitchFamily="18" charset="0"/>
+            </a:endParaRPr>
+          </a:p>
+        </p:txBody>
+      </p:sp>
+      <p:sp>
+        <p:nvSpPr>
+          <p:cNvPr id="3" name="Content Placeholder 2">
+            <a:extLst>
+              <a:ext uri="{FF2B5EF4-FFF2-40B4-BE49-F238E27FC236}">
+                <a16:creationId xmlns:a16="http://schemas.microsoft.com/office/drawing/2014/main" id="{C0C1CBF4-CADC-6FEE-11D4-A64075C2A8B8}"/>
+              </a:ext>
+            </a:extLst>
+          </p:cNvPr>
+          <p:cNvSpPr>
+            <a:spLocks noGrp="1"/>
+          </p:cNvSpPr>
+          <p:nvPr>
+            <p:ph idx="1"/>
+          </p:nvPr>
+        </p:nvSpPr>
+        <p:spPr>
+          <a:xfrm>
+            <a:off x="838200" y="1825624"/>
+            <a:ext cx="10515600" cy="4581525"/>
+          </a:xfrm>
+        </p:spPr>
+        <p:txBody>
+          <a:bodyPr>
+            <a:normAutofit/>
+          </a:bodyPr>
+          <a:lstStyle/>
+          <a:p>
+            <a:r>
+              <a:rPr lang="en-US" altLang="zh-TW" sz="2400" dirty="0">
+                <a:latin typeface="Times" panose="02020603050405020304" pitchFamily="18" charset="0"/>
+                <a:cs typeface="Times" panose="02020603050405020304" pitchFamily="18" charset="0"/>
+              </a:rPr>
+              <a:t>64-bit Ubuntu Linux machine </a:t>
+            </a:r>
+          </a:p>
+          <a:p>
+            <a:pPr marL="0" indent="0">
+              <a:buNone/>
+            </a:pPr>
+            <a:endParaRPr lang="en-US" altLang="zh-TW" sz="400" dirty="0">
+              <a:latin typeface="Times" panose="02020603050405020304" pitchFamily="18" charset="0"/>
+              <a:cs typeface="Times" panose="02020603050405020304" pitchFamily="18" charset="0"/>
+            </a:endParaRPr>
+          </a:p>
+          <a:p>
+            <a:pPr lvl="1"/>
+            <a:r>
+              <a:rPr lang="en-US" altLang="zh-TW" sz="1800" dirty="0">
+                <a:latin typeface="Times" panose="02020603050405020304" pitchFamily="18" charset="0"/>
+                <a:cs typeface="Times" panose="02020603050405020304" pitchFamily="18" charset="0"/>
+              </a:rPr>
+              <a:t>Four GeForce RTX 2080 GPUs.</a:t>
+            </a:r>
+          </a:p>
+          <a:p>
+            <a:pPr lvl="1"/>
+            <a:r>
+              <a:rPr lang="en-US" altLang="zh-TW" sz="1800" dirty="0">
+                <a:latin typeface="Times" panose="02020603050405020304" pitchFamily="18" charset="0"/>
+                <a:cs typeface="Times" panose="02020603050405020304" pitchFamily="18" charset="0"/>
+              </a:rPr>
+              <a:t>Four 2GHz Intel Xeon Gold 6138 CPU cores.</a:t>
+            </a:r>
+          </a:p>
+          <a:p>
+            <a:pPr lvl="1"/>
+            <a:endParaRPr lang="en-US" altLang="zh-TW" sz="400" dirty="0">
+              <a:latin typeface="Times" panose="02020603050405020304" pitchFamily="18" charset="0"/>
+              <a:cs typeface="Times" panose="02020603050405020304" pitchFamily="18" charset="0"/>
+            </a:endParaRPr>
+          </a:p>
+          <a:p>
+            <a:r>
+              <a:rPr lang="en-US" altLang="zh-TW" sz="2400" dirty="0">
+                <a:latin typeface="Times" panose="02020603050405020304" pitchFamily="18" charset="0"/>
+                <a:cs typeface="Times" panose="02020603050405020304" pitchFamily="18" charset="0"/>
+              </a:rPr>
+              <a:t>Compile our device code with CUDA NVCC 11.0</a:t>
+            </a:r>
+          </a:p>
+          <a:p>
+            <a:pPr lvl="1"/>
+            <a:endParaRPr lang="en-US" altLang="zh-TW" sz="800" dirty="0">
+              <a:latin typeface="Times" panose="02020603050405020304" pitchFamily="18" charset="0"/>
+              <a:cs typeface="Times" panose="02020603050405020304" pitchFamily="18" charset="0"/>
+            </a:endParaRPr>
+          </a:p>
+          <a:p>
+            <a:r>
+              <a:rPr lang="en-US" altLang="zh-TW" sz="2400" dirty="0">
+                <a:latin typeface="Times" panose="02020603050405020304" pitchFamily="18" charset="0"/>
+                <a:cs typeface="Times" panose="02020603050405020304" pitchFamily="18" charset="0"/>
+              </a:rPr>
+              <a:t>Host code with GNU GCC 8.3.0. and use optimization flag -O3 and C++17 standard -std=</a:t>
+            </a:r>
+            <a:r>
+              <a:rPr lang="en-US" altLang="zh-TW" sz="2400" dirty="0" err="1">
+                <a:latin typeface="Times" panose="02020603050405020304" pitchFamily="18" charset="0"/>
+                <a:cs typeface="Times" panose="02020603050405020304" pitchFamily="18" charset="0"/>
+              </a:rPr>
+              <a:t>c++</a:t>
+            </a:r>
+            <a:r>
+              <a:rPr lang="en-US" altLang="zh-TW" sz="2400" dirty="0">
+                <a:latin typeface="Times" panose="02020603050405020304" pitchFamily="18" charset="0"/>
+                <a:cs typeface="Times" panose="02020603050405020304" pitchFamily="18" charset="0"/>
+              </a:rPr>
+              <a:t>17.</a:t>
+            </a:r>
+          </a:p>
+          <a:p>
+            <a:endParaRPr lang="en-US" altLang="zh-TW" sz="400" dirty="0">
+              <a:latin typeface="Times" panose="02020603050405020304" pitchFamily="18" charset="0"/>
+              <a:cs typeface="Times" panose="02020603050405020304" pitchFamily="18" charset="0"/>
+            </a:endParaRPr>
+          </a:p>
+          <a:p>
+            <a:r>
+              <a:rPr lang="en-US" altLang="zh-TW" sz="2400" dirty="0">
+                <a:latin typeface="Times" panose="02020603050405020304" pitchFamily="18" charset="0"/>
+                <a:cs typeface="Times" panose="02020603050405020304" pitchFamily="18" charset="0"/>
+              </a:rPr>
+              <a:t>Baseline algorithm is utilized in the open-sourced </a:t>
+            </a:r>
+            <a:r>
+              <a:rPr lang="en-US" altLang="zh-TW" sz="2400" dirty="0" err="1">
+                <a:latin typeface="Times" panose="02020603050405020304" pitchFamily="18" charset="0"/>
+                <a:cs typeface="Times" panose="02020603050405020304" pitchFamily="18" charset="0"/>
+              </a:rPr>
+              <a:t>STAtool</a:t>
+            </a:r>
+            <a:r>
+              <a:rPr lang="en-US" altLang="zh-TW" sz="2400" dirty="0">
+                <a:latin typeface="Times" panose="02020603050405020304" pitchFamily="18" charset="0"/>
+                <a:cs typeface="Times" panose="02020603050405020304" pitchFamily="18" charset="0"/>
+              </a:rPr>
+              <a:t>, </a:t>
+            </a:r>
+            <a:r>
+              <a:rPr lang="en-US" altLang="zh-TW" sz="2400" dirty="0" err="1">
+                <a:latin typeface="Times" panose="02020603050405020304" pitchFamily="18" charset="0"/>
+                <a:cs typeface="Times" panose="02020603050405020304" pitchFamily="18" charset="0"/>
+              </a:rPr>
+              <a:t>OpenTimer</a:t>
+            </a:r>
+            <a:r>
+              <a:rPr lang="en-US" altLang="zh-TW" sz="2400" dirty="0">
+                <a:latin typeface="Times" panose="02020603050405020304" pitchFamily="18" charset="0"/>
+                <a:cs typeface="Times" panose="02020603050405020304" pitchFamily="18" charset="0"/>
+              </a:rPr>
+              <a:t>.</a:t>
+            </a:r>
+          </a:p>
+          <a:p>
+            <a:endParaRPr lang="en-US" altLang="zh-TW" sz="400" dirty="0">
+              <a:latin typeface="Times" panose="02020603050405020304" pitchFamily="18" charset="0"/>
+              <a:cs typeface="Times" panose="02020603050405020304" pitchFamily="18" charset="0"/>
+            </a:endParaRPr>
+          </a:p>
+          <a:p>
+            <a:pPr lvl="1"/>
+            <a:r>
+              <a:rPr lang="en-US" altLang="zh-TW" sz="1800" dirty="0">
+                <a:latin typeface="Times" panose="02020603050405020304" pitchFamily="18" charset="0"/>
+                <a:cs typeface="Times" panose="02020603050405020304" pitchFamily="18" charset="0"/>
+              </a:rPr>
+              <a:t> Run the CPU baseline on a 3.2GHz Intel i5-4670 CPU core</a:t>
+            </a:r>
+          </a:p>
+          <a:p>
+            <a:endParaRPr lang="en-US" altLang="zh-TW" sz="800" dirty="0">
+              <a:latin typeface="Times" panose="02020603050405020304" pitchFamily="18" charset="0"/>
+              <a:cs typeface="Times" panose="02020603050405020304" pitchFamily="18" charset="0"/>
+            </a:endParaRPr>
+          </a:p>
+          <a:p>
+            <a:r>
+              <a:rPr lang="en-US" altLang="zh-TW" sz="2200" dirty="0">
+                <a:latin typeface="Times" panose="02020603050405020304" pitchFamily="18" charset="0"/>
+                <a:cs typeface="Times" panose="02020603050405020304" pitchFamily="18" charset="0"/>
+              </a:rPr>
+              <a:t>The designs that have more than 10 million gates</a:t>
+            </a:r>
+            <a:endParaRPr lang="zh-TW" altLang="en-US" sz="2200" dirty="0">
+              <a:latin typeface="Times" panose="02020603050405020304" pitchFamily="18" charset="0"/>
+              <a:cs typeface="Times" panose="02020603050405020304" pitchFamily="18" charset="0"/>
+            </a:endParaRPr>
+          </a:p>
+        </p:txBody>
+      </p:sp>
+      <p:sp>
+        <p:nvSpPr>
+          <p:cNvPr id="4" name="Slide Number Placeholder 3">
+            <a:extLst>
+              <a:ext uri="{FF2B5EF4-FFF2-40B4-BE49-F238E27FC236}">
+                <a16:creationId xmlns:a16="http://schemas.microsoft.com/office/drawing/2014/main" id="{EBD39948-FC2C-888C-9588-00845729B3BC}"/>
+              </a:ext>
+            </a:extLst>
+          </p:cNvPr>
+          <p:cNvSpPr>
+            <a:spLocks noGrp="1"/>
+          </p:cNvSpPr>
+          <p:nvPr>
+            <p:ph type="sldNum" sz="quarter" idx="12"/>
+          </p:nvPr>
+        </p:nvSpPr>
+        <p:spPr/>
+        <p:txBody>
+          <a:bodyPr/>
+          <a:lstStyle/>
+          <a:p>
+            <a:fld id="{666274A1-CF9C-426A-8DD4-B13ED0C24231}" type="slidenum">
+              <a:rPr lang="en-US" smtClean="0"/>
+              <a:t>34</a:t>
+            </a:fld>
+            <a:endParaRPr lang="en-US"/>
+          </a:p>
+        </p:txBody>
+      </p:sp>
+    </p:spTree>
+    <p:extLst>
+      <p:ext uri="{BB962C8B-B14F-4D97-AF65-F5344CB8AC3E}">
+        <p14:creationId xmlns:p14="http://schemas.microsoft.com/office/powerpoint/2010/main" val="2076065762"/>
+      </p:ext>
+    </p:extLst>
+  </p:cSld>
+  <p:clrMapOvr>
+    <a:masterClrMapping/>
+  </p:clrMapOvr>
+</p:sld>
+</file>
+
+<file path=ppt/slides/slide36.xml><?xml version="1.0" encoding="utf-8"?>
+<p:sld xmlns:a="http://schemas.openxmlformats.org/drawingml/2006/main" xmlns:r="http://schemas.openxmlformats.org/officeDocument/2006/relationships" xmlns:p="http://schemas.openxmlformats.org/presentationml/2006/main">
+  <p:cSld>
+    <p:spTree>
+      <p:nvGrpSpPr>
+        <p:cNvPr id="1" name=""/>
+        <p:cNvGrpSpPr/>
+        <p:nvPr/>
+      </p:nvGrpSpPr>
+      <p:grpSpPr>
+        <a:xfrm>
+          <a:off x="0" y="0"/>
+          <a:ext cx="0" cy="0"/>
+          <a:chOff x="0" y="0"/>
+          <a:chExt cx="0" cy="0"/>
+        </a:xfrm>
+      </p:grpSpPr>
+      <p:sp>
+        <p:nvSpPr>
+          <p:cNvPr id="2" name="Title 1">
+            <a:extLst>
+              <a:ext uri="{FF2B5EF4-FFF2-40B4-BE49-F238E27FC236}">
+                <a16:creationId xmlns:a16="http://schemas.microsoft.com/office/drawing/2014/main" id="{F78454A3-355D-FBE5-6BCF-4A37DF48DDAC}"/>
+              </a:ext>
+            </a:extLst>
+          </p:cNvPr>
+          <p:cNvSpPr>
+            <a:spLocks noGrp="1"/>
+          </p:cNvSpPr>
+          <p:nvPr>
+            <p:ph type="title"/>
+          </p:nvPr>
+        </p:nvSpPr>
+        <p:spPr/>
+        <p:txBody>
+          <a:bodyPr/>
+          <a:lstStyle/>
+          <a:p>
+            <a:r>
+              <a:rPr lang="en-US" altLang="zh-TW" dirty="0">
+                <a:latin typeface="Times" panose="02020603050405020304" pitchFamily="18" charset="0"/>
+                <a:cs typeface="Times" panose="02020603050405020304" pitchFamily="18" charset="0"/>
+              </a:rPr>
+              <a:t>Experimental Result</a:t>
+            </a:r>
+            <a:endParaRPr lang="zh-TW" altLang="en-US" dirty="0">
+              <a:latin typeface="Times" panose="02020603050405020304" pitchFamily="18" charset="0"/>
+              <a:cs typeface="Times" panose="02020603050405020304" pitchFamily="18" charset="0"/>
+            </a:endParaRPr>
+          </a:p>
+        </p:txBody>
+      </p:sp>
+      <p:pic>
+        <p:nvPicPr>
+          <p:cNvPr id="6" name="Content Placeholder 5">
+            <a:extLst>
+              <a:ext uri="{FF2B5EF4-FFF2-40B4-BE49-F238E27FC236}">
+                <a16:creationId xmlns:a16="http://schemas.microsoft.com/office/drawing/2014/main" id="{DC75977D-8902-4B8D-6FAD-C4ACAC378B87}"/>
+              </a:ext>
+            </a:extLst>
+          </p:cNvPr>
+          <p:cNvPicPr>
+            <a:picLocks noGrp="1" noChangeAspect="1"/>
+          </p:cNvPicPr>
+          <p:nvPr>
+            <p:ph idx="1"/>
+          </p:nvPr>
+        </p:nvPicPr>
+        <p:blipFill>
+          <a:blip r:embed="rId2"/>
+          <a:stretch>
+            <a:fillRect/>
+          </a:stretch>
+        </p:blipFill>
+        <p:spPr>
+          <a:xfrm>
+            <a:off x="838200" y="2401963"/>
+            <a:ext cx="10515600" cy="3198661"/>
+          </a:xfrm>
+        </p:spPr>
+      </p:pic>
+      <p:sp>
+        <p:nvSpPr>
+          <p:cNvPr id="4" name="Slide Number Placeholder 3">
+            <a:extLst>
+              <a:ext uri="{FF2B5EF4-FFF2-40B4-BE49-F238E27FC236}">
+                <a16:creationId xmlns:a16="http://schemas.microsoft.com/office/drawing/2014/main" id="{52C0CCA1-3F49-DF3A-2C14-6CA20F25C7DB}"/>
+              </a:ext>
+            </a:extLst>
+          </p:cNvPr>
+          <p:cNvSpPr>
+            <a:spLocks noGrp="1"/>
+          </p:cNvSpPr>
+          <p:nvPr>
+            <p:ph type="sldNum" sz="quarter" idx="12"/>
+          </p:nvPr>
+        </p:nvSpPr>
+        <p:spPr/>
+        <p:txBody>
+          <a:bodyPr/>
+          <a:lstStyle/>
+          <a:p>
+            <a:fld id="{666274A1-CF9C-426A-8DD4-B13ED0C24231}" type="slidenum">
+              <a:rPr lang="en-US" smtClean="0"/>
+              <a:t>35</a:t>
+            </a:fld>
+            <a:endParaRPr lang="en-US"/>
+          </a:p>
+        </p:txBody>
+      </p:sp>
+    </p:spTree>
+    <p:extLst>
+      <p:ext uri="{BB962C8B-B14F-4D97-AF65-F5344CB8AC3E}">
+        <p14:creationId xmlns:p14="http://schemas.microsoft.com/office/powerpoint/2010/main" val="2324289574"/>
+      </p:ext>
+    </p:extLst>
+  </p:cSld>
+  <p:clrMapOvr>
+    <a:masterClrMapping/>
+  </p:clrMapOvr>
+</p:sld>
+</file>
+
 <file path=ppt/slides/slide4.xml><?xml version="1.0" encoding="utf-8"?>
+<p:sld xmlns:a="http://schemas.openxmlformats.org/drawingml/2006/main" xmlns:r="http://schemas.openxmlformats.org/officeDocument/2006/relationships" xmlns:p="http://schemas.openxmlformats.org/presentationml/2006/main">
+  <p:cSld>
+    <p:spTree>
+      <p:nvGrpSpPr>
+        <p:cNvPr id="1" name=""/>
+        <p:cNvGrpSpPr/>
+        <p:nvPr/>
+      </p:nvGrpSpPr>
+      <p:grpSpPr>
+        <a:xfrm>
+          <a:off x="0" y="0"/>
+          <a:ext cx="0" cy="0"/>
+          <a:chOff x="0" y="0"/>
+          <a:chExt cx="0" cy="0"/>
+        </a:xfrm>
+      </p:grpSpPr>
+      <p:sp>
+        <p:nvSpPr>
+          <p:cNvPr id="2" name="Title 1">
+            <a:extLst>
+              <a:ext uri="{FF2B5EF4-FFF2-40B4-BE49-F238E27FC236}">
+                <a16:creationId xmlns:a16="http://schemas.microsoft.com/office/drawing/2014/main" id="{32F556D7-6AF1-138D-4CE1-82AF32CA574B}"/>
+              </a:ext>
+            </a:extLst>
+          </p:cNvPr>
+          <p:cNvSpPr>
+            <a:spLocks noGrp="1"/>
+          </p:cNvSpPr>
+          <p:nvPr>
+            <p:ph type="title"/>
+          </p:nvPr>
+        </p:nvSpPr>
+        <p:spPr/>
+        <p:txBody>
+          <a:bodyPr/>
+          <a:lstStyle/>
+          <a:p>
+            <a:r>
+              <a:rPr lang="en-US" dirty="0">
+                <a:latin typeface="Times New Roman" panose="02020603050405020304" pitchFamily="18" charset="0"/>
+                <a:cs typeface="Times New Roman" panose="02020603050405020304" pitchFamily="18" charset="0"/>
+              </a:rPr>
+              <a:t>Abstract</a:t>
+            </a:r>
+          </a:p>
+        </p:txBody>
+      </p:sp>
+      <p:sp>
+        <p:nvSpPr>
+          <p:cNvPr id="3" name="Content Placeholder 2">
+            <a:extLst>
+              <a:ext uri="{FF2B5EF4-FFF2-40B4-BE49-F238E27FC236}">
+                <a16:creationId xmlns:a16="http://schemas.microsoft.com/office/drawing/2014/main" id="{63DBDDD8-67C3-E218-4763-50F97AE210EF}"/>
+              </a:ext>
+            </a:extLst>
+          </p:cNvPr>
+          <p:cNvSpPr>
+            <a:spLocks noGrp="1"/>
+          </p:cNvSpPr>
+          <p:nvPr>
+            <p:ph idx="1"/>
+          </p:nvPr>
+        </p:nvSpPr>
+        <p:spPr/>
+        <p:txBody>
+          <a:bodyPr>
+            <a:normAutofit/>
+          </a:bodyPr>
+          <a:lstStyle/>
+          <a:p>
+            <a:r>
+              <a:rPr lang="en-US" sz="2400" b="1" dirty="0">
+                <a:latin typeface="Times New Roman" panose="02020603050405020304" pitchFamily="18" charset="0"/>
+                <a:cs typeface="Times New Roman" panose="02020603050405020304" pitchFamily="18" charset="0"/>
+              </a:rPr>
+              <a:t>Path-based Analysis </a:t>
+            </a:r>
+            <a:r>
+              <a:rPr lang="en-US" sz="2400" dirty="0">
+                <a:latin typeface="Times New Roman" panose="02020603050405020304" pitchFamily="18" charset="0"/>
+                <a:cs typeface="Times New Roman" panose="02020603050405020304" pitchFamily="18" charset="0"/>
+              </a:rPr>
+              <a:t>(PBA) is a key process in Static Timing Analysis (STA) to reduce excessive slack pessimism (Graph Based Analysis, GBA).</a:t>
+            </a:r>
+          </a:p>
+          <a:p>
+            <a:endParaRPr lang="en-US" sz="400" dirty="0">
+              <a:latin typeface="Times New Roman" panose="02020603050405020304" pitchFamily="18" charset="0"/>
+              <a:cs typeface="Times New Roman" panose="02020603050405020304" pitchFamily="18" charset="0"/>
+            </a:endParaRPr>
+          </a:p>
+          <a:p>
+            <a:r>
+              <a:rPr lang="en-US" sz="2400" dirty="0">
+                <a:latin typeface="Times New Roman" panose="02020603050405020304" pitchFamily="18" charset="0"/>
+                <a:cs typeface="Times New Roman" panose="02020603050405020304" pitchFamily="18" charset="0"/>
+              </a:rPr>
+              <a:t>However, PBA can easily become the major performance </a:t>
+            </a:r>
+            <a:r>
+              <a:rPr lang="en-US" sz="2400" b="1" dirty="0">
+                <a:latin typeface="Times New Roman" panose="02020603050405020304" pitchFamily="18" charset="0"/>
+                <a:cs typeface="Times New Roman" panose="02020603050405020304" pitchFamily="18" charset="0"/>
+              </a:rPr>
+              <a:t>bottleneck</a:t>
+            </a:r>
+            <a:r>
+              <a:rPr lang="en-US" sz="2400" dirty="0">
+                <a:latin typeface="Times New Roman" panose="02020603050405020304" pitchFamily="18" charset="0"/>
+                <a:cs typeface="Times New Roman" panose="02020603050405020304" pitchFamily="18" charset="0"/>
+              </a:rPr>
+              <a:t> due to its long execution time.</a:t>
+            </a:r>
+          </a:p>
+          <a:p>
+            <a:endParaRPr lang="en-US" sz="800" dirty="0">
+              <a:latin typeface="Times New Roman" panose="02020603050405020304" pitchFamily="18" charset="0"/>
+              <a:cs typeface="Times New Roman" panose="02020603050405020304" pitchFamily="18" charset="0"/>
+            </a:endParaRPr>
+          </a:p>
+          <a:p>
+            <a:r>
+              <a:rPr lang="en-US" sz="2400" dirty="0">
+                <a:latin typeface="Times New Roman" panose="02020603050405020304" pitchFamily="18" charset="0"/>
+                <a:cs typeface="Times New Roman" panose="02020603050405020304" pitchFamily="18" charset="0"/>
+              </a:rPr>
+              <a:t>To overcome this bottleneck, recent STA researches have proposed to accelerate PBA algorithms with manycore CPU and GPU parallelisms.</a:t>
+            </a:r>
+          </a:p>
+          <a:p>
+            <a:endParaRPr lang="en-US" sz="800" dirty="0">
+              <a:latin typeface="Times New Roman" panose="02020603050405020304" pitchFamily="18" charset="0"/>
+              <a:cs typeface="Times New Roman" panose="02020603050405020304" pitchFamily="18" charset="0"/>
+            </a:endParaRPr>
+          </a:p>
+          <a:p>
+            <a:r>
+              <a:rPr lang="en-US" sz="2400" dirty="0">
+                <a:latin typeface="Times New Roman" panose="02020603050405020304" pitchFamily="18" charset="0"/>
+                <a:cs typeface="Times New Roman" panose="02020603050405020304" pitchFamily="18" charset="0"/>
+              </a:rPr>
+              <a:t>In this work, we introduce a new, fast endpoint-oriented partitioning framework that can separate STA graphs and dispatch the PBA workload onto </a:t>
+            </a:r>
+            <a:r>
+              <a:rPr lang="en-US" sz="2400" b="1" dirty="0">
+                <a:latin typeface="Times New Roman" panose="02020603050405020304" pitchFamily="18" charset="0"/>
+                <a:cs typeface="Times New Roman" panose="02020603050405020304" pitchFamily="18" charset="0"/>
+              </a:rPr>
+              <a:t>multiple GPUs</a:t>
+            </a:r>
+            <a:r>
+              <a:rPr lang="en-US" sz="2400" dirty="0">
+                <a:latin typeface="Times New Roman" panose="02020603050405020304" pitchFamily="18" charset="0"/>
+                <a:cs typeface="Times New Roman" panose="02020603050405020304" pitchFamily="18" charset="0"/>
+              </a:rPr>
+              <a:t>.</a:t>
+            </a:r>
+          </a:p>
+        </p:txBody>
+      </p:sp>
+      <p:sp>
+        <p:nvSpPr>
+          <p:cNvPr id="4" name="Slide Number Placeholder 3">
+            <a:extLst>
+              <a:ext uri="{FF2B5EF4-FFF2-40B4-BE49-F238E27FC236}">
+                <a16:creationId xmlns:a16="http://schemas.microsoft.com/office/drawing/2014/main" id="{3CC77739-08CC-3476-69AC-28C423F6DF60}"/>
+              </a:ext>
+            </a:extLst>
+          </p:cNvPr>
+          <p:cNvSpPr>
+            <a:spLocks noGrp="1"/>
+          </p:cNvSpPr>
+          <p:nvPr>
+            <p:ph type="sldNum" sz="quarter" idx="12"/>
+          </p:nvPr>
+        </p:nvSpPr>
+        <p:spPr/>
+        <p:txBody>
+          <a:bodyPr/>
+          <a:lstStyle/>
+          <a:p>
+            <a:fld id="{666274A1-CF9C-426A-8DD4-B13ED0C24231}" type="slidenum">
+              <a:rPr lang="en-US" smtClean="0"/>
+              <a:t>3</a:t>
+            </a:fld>
+            <a:endParaRPr lang="en-US"/>
+          </a:p>
+        </p:txBody>
+      </p:sp>
+    </p:spTree>
+    <p:extLst>
+      <p:ext uri="{BB962C8B-B14F-4D97-AF65-F5344CB8AC3E}">
+        <p14:creationId xmlns:p14="http://schemas.microsoft.com/office/powerpoint/2010/main" val="1654060993"/>
+      </p:ext>
+    </p:extLst>
+  </p:cSld>
+  <p:clrMapOvr>
+    <a:masterClrMapping/>
+  </p:clrMapOvr>
+</p:sld>
+</file>
+
+<file path=ppt/slides/slide5.xml><?xml version="1.0" encoding="utf-8"?>
+<p:sld xmlns:a="http://schemas.openxmlformats.org/drawingml/2006/main" xmlns:r="http://schemas.openxmlformats.org/officeDocument/2006/relationships" xmlns:p="http://schemas.openxmlformats.org/presentationml/2006/main">
+  <p:cSld>
+    <p:spTree>
+      <p:nvGrpSpPr>
+        <p:cNvPr id="1" name=""/>
+        <p:cNvGrpSpPr/>
+        <p:nvPr/>
+      </p:nvGrpSpPr>
+      <p:grpSpPr>
+        <a:xfrm>
+          <a:off x="0" y="0"/>
+          <a:ext cx="0" cy="0"/>
+          <a:chOff x="0" y="0"/>
+          <a:chExt cx="0" cy="0"/>
+        </a:xfrm>
+      </p:grpSpPr>
+      <p:sp>
+        <p:nvSpPr>
+          <p:cNvPr id="2" name="Title 1">
+            <a:extLst>
+              <a:ext uri="{FF2B5EF4-FFF2-40B4-BE49-F238E27FC236}">
+                <a16:creationId xmlns:a16="http://schemas.microsoft.com/office/drawing/2014/main" id="{034B2B09-3A89-725A-85C2-749F88A4474D}"/>
+              </a:ext>
+            </a:extLst>
+          </p:cNvPr>
+          <p:cNvSpPr>
+            <a:spLocks noGrp="1"/>
+          </p:cNvSpPr>
+          <p:nvPr>
+            <p:ph type="title"/>
+          </p:nvPr>
+        </p:nvSpPr>
+        <p:spPr/>
+        <p:txBody>
+          <a:bodyPr/>
+          <a:lstStyle/>
+          <a:p>
+            <a:r>
+              <a:rPr lang="en-US" dirty="0">
+                <a:latin typeface="Times New Roman" panose="02020603050405020304" pitchFamily="18" charset="0"/>
+                <a:cs typeface="Times New Roman" panose="02020603050405020304" pitchFamily="18" charset="0"/>
+              </a:rPr>
+              <a:t>Outline</a:t>
+            </a:r>
+          </a:p>
+        </p:txBody>
+      </p:sp>
+      <p:sp>
+        <p:nvSpPr>
+          <p:cNvPr id="3" name="Content Placeholder 2">
+            <a:extLst>
+              <a:ext uri="{FF2B5EF4-FFF2-40B4-BE49-F238E27FC236}">
+                <a16:creationId xmlns:a16="http://schemas.microsoft.com/office/drawing/2014/main" id="{35A1418A-E9D3-D2C1-863A-CF59359781D1}"/>
+              </a:ext>
+            </a:extLst>
+          </p:cNvPr>
+          <p:cNvSpPr>
+            <a:spLocks noGrp="1"/>
+          </p:cNvSpPr>
+          <p:nvPr>
+            <p:ph idx="1"/>
+          </p:nvPr>
+        </p:nvSpPr>
+        <p:spPr/>
+        <p:txBody>
+          <a:bodyPr>
+            <a:normAutofit/>
+          </a:bodyPr>
+          <a:lstStyle/>
+          <a:p>
+            <a:pPr>
+              <a:lnSpc>
+                <a:spcPct val="130000"/>
+              </a:lnSpc>
+            </a:pPr>
+            <a:r>
+              <a:rPr lang="en-US" sz="2400" dirty="0">
+                <a:solidFill>
+                  <a:schemeClr val="bg1">
+                    <a:lumMod val="65000"/>
+                  </a:schemeClr>
+                </a:solidFill>
+                <a:latin typeface="Times New Roman" panose="02020603050405020304" pitchFamily="18" charset="0"/>
+                <a:cs typeface="Times New Roman" panose="02020603050405020304" pitchFamily="18" charset="0"/>
+              </a:rPr>
+              <a:t>Abstract</a:t>
+            </a:r>
+          </a:p>
+          <a:p>
+            <a:pPr>
+              <a:lnSpc>
+                <a:spcPct val="130000"/>
+              </a:lnSpc>
+            </a:pPr>
+            <a:r>
+              <a:rPr lang="en-US" sz="2400" dirty="0">
+                <a:latin typeface="Times New Roman" panose="02020603050405020304" pitchFamily="18" charset="0"/>
+                <a:cs typeface="Times New Roman" panose="02020603050405020304" pitchFamily="18" charset="0"/>
+              </a:rPr>
+              <a:t>Introduction</a:t>
+            </a:r>
+          </a:p>
+          <a:p>
+            <a:pPr>
+              <a:lnSpc>
+                <a:spcPct val="130000"/>
+              </a:lnSpc>
+            </a:pPr>
+            <a:r>
+              <a:rPr lang="en-US" sz="2400" dirty="0">
+                <a:solidFill>
+                  <a:schemeClr val="bg1">
+                    <a:lumMod val="65000"/>
+                  </a:schemeClr>
+                </a:solidFill>
+                <a:latin typeface="Times New Roman" panose="02020603050405020304" pitchFamily="18" charset="0"/>
+                <a:cs typeface="Times New Roman" panose="02020603050405020304" pitchFamily="18" charset="0"/>
+              </a:rPr>
+              <a:t>Proposed Partitioning Framework For Multi-GPU Acceleration</a:t>
+            </a:r>
+          </a:p>
+          <a:p>
+            <a:pPr>
+              <a:lnSpc>
+                <a:spcPct val="130000"/>
+              </a:lnSpc>
+            </a:pPr>
+            <a:r>
+              <a:rPr lang="en-US" sz="2400" dirty="0">
+                <a:solidFill>
+                  <a:schemeClr val="bg1">
+                    <a:lumMod val="65000"/>
+                  </a:schemeClr>
+                </a:solidFill>
+                <a:latin typeface="Times New Roman" panose="02020603050405020304" pitchFamily="18" charset="0"/>
+                <a:cs typeface="Times New Roman" panose="02020603050405020304" pitchFamily="18" charset="0"/>
+              </a:rPr>
+              <a:t>Experimental Result</a:t>
+            </a:r>
+          </a:p>
+        </p:txBody>
+      </p:sp>
+      <p:sp>
+        <p:nvSpPr>
+          <p:cNvPr id="4" name="Slide Number Placeholder 3">
+            <a:extLst>
+              <a:ext uri="{FF2B5EF4-FFF2-40B4-BE49-F238E27FC236}">
+                <a16:creationId xmlns:a16="http://schemas.microsoft.com/office/drawing/2014/main" id="{3592E110-E718-0573-BF00-CE5E90916A66}"/>
+              </a:ext>
+            </a:extLst>
+          </p:cNvPr>
+          <p:cNvSpPr>
+            <a:spLocks noGrp="1"/>
+          </p:cNvSpPr>
+          <p:nvPr>
+            <p:ph type="sldNum" sz="quarter" idx="12"/>
+          </p:nvPr>
+        </p:nvSpPr>
+        <p:spPr/>
+        <p:txBody>
+          <a:bodyPr/>
+          <a:lstStyle/>
+          <a:p>
+            <a:fld id="{666274A1-CF9C-426A-8DD4-B13ED0C24231}" type="slidenum">
+              <a:rPr lang="en-US" smtClean="0"/>
+              <a:t>4</a:t>
+            </a:fld>
+            <a:endParaRPr lang="en-US"/>
+          </a:p>
+        </p:txBody>
+      </p:sp>
+    </p:spTree>
+    <p:extLst>
+      <p:ext uri="{BB962C8B-B14F-4D97-AF65-F5344CB8AC3E}">
+        <p14:creationId xmlns:p14="http://schemas.microsoft.com/office/powerpoint/2010/main" val="1718350679"/>
+      </p:ext>
+    </p:extLst>
+  </p:cSld>
+  <p:clrMapOvr>
+    <a:masterClrMapping/>
+  </p:clrMapOvr>
+</p:sld>
+</file>
+
+<file path=ppt/slides/slide6.xml><?xml version="1.0" encoding="utf-8"?>
 <p:sld xmlns:a="http://schemas.openxmlformats.org/drawingml/2006/main" xmlns:r="http://schemas.openxmlformats.org/officeDocument/2006/relationships" xmlns:p="http://schemas.openxmlformats.org/presentationml/2006/main">
   <p:cSld>
     <p:spTree>
@@ -23020,7 +25139,7 @@
           <a:p>
             <a:fld id="{666274A1-CF9C-426A-8DD4-B13ED0C24231}" type="slidenum">
               <a:rPr lang="en-US" smtClean="0"/>
-              <a:t>3</a:t>
+              <a:t>5</a:t>
             </a:fld>
             <a:endParaRPr lang="en-US"/>
           </a:p>
@@ -23039,7 +25158,7 @@
 </p:sld>
 </file>
 
-<file path=ppt/slides/slide5.xml><?xml version="1.0" encoding="utf-8"?>
+<file path=ppt/slides/slide7.xml><?xml version="1.0" encoding="utf-8"?>
 <p:sld xmlns:a="http://schemas.openxmlformats.org/drawingml/2006/main" xmlns:r="http://schemas.openxmlformats.org/officeDocument/2006/relationships" xmlns:p="http://schemas.openxmlformats.org/presentationml/2006/main">
   <p:cSld>
     <p:spTree>
@@ -23214,7 +25333,7 @@
           <a:p>
             <a:fld id="{666274A1-CF9C-426A-8DD4-B13ED0C24231}" type="slidenum">
               <a:rPr lang="en-US" smtClean="0"/>
-              <a:t>4</a:t>
+              <a:t>6</a:t>
             </a:fld>
             <a:endParaRPr lang="en-US"/>
           </a:p>
@@ -23233,7 +25352,192 @@
 </p:sld>
 </file>
 
-<file path=ppt/slides/slide6.xml><?xml version="1.0" encoding="utf-8"?>
+<file path=ppt/slides/slide8.xml><?xml version="1.0" encoding="utf-8"?>
+<p:sld xmlns:a="http://schemas.openxmlformats.org/drawingml/2006/main" xmlns:r="http://schemas.openxmlformats.org/officeDocument/2006/relationships" xmlns:p="http://schemas.openxmlformats.org/presentationml/2006/main">
+  <p:cSld>
+    <p:spTree>
+      <p:nvGrpSpPr>
+        <p:cNvPr id="1" name=""/>
+        <p:cNvGrpSpPr/>
+        <p:nvPr/>
+      </p:nvGrpSpPr>
+      <p:grpSpPr>
+        <a:xfrm>
+          <a:off x="0" y="0"/>
+          <a:ext cx="0" cy="0"/>
+          <a:chOff x="0" y="0"/>
+          <a:chExt cx="0" cy="0"/>
+        </a:xfrm>
+      </p:grpSpPr>
+      <p:sp>
+        <p:nvSpPr>
+          <p:cNvPr id="2" name="Title 1">
+            <a:extLst>
+              <a:ext uri="{FF2B5EF4-FFF2-40B4-BE49-F238E27FC236}">
+                <a16:creationId xmlns:a16="http://schemas.microsoft.com/office/drawing/2014/main" id="{034B2B09-3A89-725A-85C2-749F88A4474D}"/>
+              </a:ext>
+            </a:extLst>
+          </p:cNvPr>
+          <p:cNvSpPr>
+            <a:spLocks noGrp="1"/>
+          </p:cNvSpPr>
+          <p:nvPr>
+            <p:ph type="title"/>
+          </p:nvPr>
+        </p:nvSpPr>
+        <p:spPr/>
+        <p:txBody>
+          <a:bodyPr/>
+          <a:lstStyle/>
+          <a:p>
+            <a:r>
+              <a:rPr lang="en-US" dirty="0">
+                <a:latin typeface="Times New Roman" panose="02020603050405020304" pitchFamily="18" charset="0"/>
+                <a:cs typeface="Times New Roman" panose="02020603050405020304" pitchFamily="18" charset="0"/>
+              </a:rPr>
+              <a:t>Outline</a:t>
+            </a:r>
+          </a:p>
+        </p:txBody>
+      </p:sp>
+      <p:sp>
+        <p:nvSpPr>
+          <p:cNvPr id="3" name="Content Placeholder 2">
+            <a:extLst>
+              <a:ext uri="{FF2B5EF4-FFF2-40B4-BE49-F238E27FC236}">
+                <a16:creationId xmlns:a16="http://schemas.microsoft.com/office/drawing/2014/main" id="{35A1418A-E9D3-D2C1-863A-CF59359781D1}"/>
+              </a:ext>
+            </a:extLst>
+          </p:cNvPr>
+          <p:cNvSpPr>
+            <a:spLocks noGrp="1"/>
+          </p:cNvSpPr>
+          <p:nvPr>
+            <p:ph idx="1"/>
+          </p:nvPr>
+        </p:nvSpPr>
+        <p:spPr/>
+        <p:txBody>
+          <a:bodyPr>
+            <a:normAutofit/>
+          </a:bodyPr>
+          <a:lstStyle/>
+          <a:p>
+            <a:pPr>
+              <a:lnSpc>
+                <a:spcPct val="130000"/>
+              </a:lnSpc>
+            </a:pPr>
+            <a:r>
+              <a:rPr lang="en-US" sz="2400" dirty="0">
+                <a:solidFill>
+                  <a:schemeClr val="bg1">
+                    <a:lumMod val="65000"/>
+                  </a:schemeClr>
+                </a:solidFill>
+                <a:latin typeface="Times New Roman" panose="02020603050405020304" pitchFamily="18" charset="0"/>
+                <a:cs typeface="Times New Roman" panose="02020603050405020304" pitchFamily="18" charset="0"/>
+              </a:rPr>
+              <a:t>Abstract</a:t>
+            </a:r>
+          </a:p>
+          <a:p>
+            <a:pPr>
+              <a:lnSpc>
+                <a:spcPct val="130000"/>
+              </a:lnSpc>
+            </a:pPr>
+            <a:r>
+              <a:rPr lang="en-US" sz="2400" dirty="0">
+                <a:solidFill>
+                  <a:schemeClr val="bg1">
+                    <a:lumMod val="65000"/>
+                  </a:schemeClr>
+                </a:solidFill>
+                <a:latin typeface="Times New Roman" panose="02020603050405020304" pitchFamily="18" charset="0"/>
+                <a:cs typeface="Times New Roman" panose="02020603050405020304" pitchFamily="18" charset="0"/>
+              </a:rPr>
+              <a:t>Introduction</a:t>
+            </a:r>
+          </a:p>
+          <a:p>
+            <a:pPr>
+              <a:lnSpc>
+                <a:spcPct val="130000"/>
+              </a:lnSpc>
+            </a:pPr>
+            <a:r>
+              <a:rPr lang="en-US" sz="2400" dirty="0">
+                <a:latin typeface="Times New Roman" panose="02020603050405020304" pitchFamily="18" charset="0"/>
+                <a:cs typeface="Times New Roman" panose="02020603050405020304" pitchFamily="18" charset="0"/>
+              </a:rPr>
+              <a:t>Proposed Partitioning Framework For Multi-GPU Acceleration</a:t>
+            </a:r>
+          </a:p>
+          <a:p>
+            <a:pPr>
+              <a:lnSpc>
+                <a:spcPct val="130000"/>
+              </a:lnSpc>
+            </a:pPr>
+            <a:r>
+              <a:rPr lang="en-US" sz="2400" dirty="0">
+                <a:solidFill>
+                  <a:schemeClr val="bg1">
+                    <a:lumMod val="65000"/>
+                  </a:schemeClr>
+                </a:solidFill>
+                <a:latin typeface="Times New Roman" panose="02020603050405020304" pitchFamily="18" charset="0"/>
+                <a:cs typeface="Times New Roman" panose="02020603050405020304" pitchFamily="18" charset="0"/>
+              </a:rPr>
+              <a:t>Experimental Result</a:t>
+            </a:r>
+          </a:p>
+        </p:txBody>
+      </p:sp>
+      <p:sp>
+        <p:nvSpPr>
+          <p:cNvPr id="4" name="Slide Number Placeholder 3">
+            <a:extLst>
+              <a:ext uri="{FF2B5EF4-FFF2-40B4-BE49-F238E27FC236}">
+                <a16:creationId xmlns:a16="http://schemas.microsoft.com/office/drawing/2014/main" id="{3592E110-E718-0573-BF00-CE5E90916A66}"/>
+              </a:ext>
+            </a:extLst>
+          </p:cNvPr>
+          <p:cNvSpPr>
+            <a:spLocks noGrp="1"/>
+          </p:cNvSpPr>
+          <p:nvPr>
+            <p:ph type="sldNum" sz="quarter" idx="12"/>
+          </p:nvPr>
+        </p:nvSpPr>
+        <p:spPr/>
+        <p:txBody>
+          <a:bodyPr/>
+          <a:lstStyle/>
+          <a:p>
+            <a:fld id="{666274A1-CF9C-426A-8DD4-B13ED0C24231}" type="slidenum">
+              <a:rPr lang="en-US" smtClean="0"/>
+              <a:t>7</a:t>
+            </a:fld>
+            <a:endParaRPr lang="en-US"/>
+          </a:p>
+        </p:txBody>
+      </p:sp>
+    </p:spTree>
+    <p:extLst>
+      <p:ext uri="{BB962C8B-B14F-4D97-AF65-F5344CB8AC3E}">
+        <p14:creationId xmlns:p14="http://schemas.microsoft.com/office/powerpoint/2010/main" val="4212507608"/>
+      </p:ext>
+    </p:extLst>
+  </p:cSld>
+  <p:clrMapOvr>
+    <a:masterClrMapping/>
+  </p:clrMapOvr>
+</p:sld>
+</file>
+
+<file path=ppt/slides/slide9.xml><?xml version="1.0" encoding="utf-8"?>
 <p:sld xmlns:a="http://schemas.openxmlformats.org/drawingml/2006/main" xmlns:r="http://schemas.openxmlformats.org/officeDocument/2006/relationships" xmlns:p="http://schemas.openxmlformats.org/presentationml/2006/main">
   <p:cSld>
     <p:spTree>
@@ -23589,7 +25893,7 @@
           <a:p>
             <a:fld id="{666274A1-CF9C-426A-8DD4-B13ED0C24231}" type="slidenum">
               <a:rPr lang="en-US" smtClean="0"/>
-              <a:t>5</a:t>
+              <a:t>8</a:t>
             </a:fld>
             <a:endParaRPr lang="en-US"/>
           </a:p>
@@ -23599,1142 +25903,6 @@
     <p:extLst>
       <p:ext uri="{BB962C8B-B14F-4D97-AF65-F5344CB8AC3E}">
         <p14:creationId xmlns:p14="http://schemas.microsoft.com/office/powerpoint/2010/main" val="2046094905"/>
-      </p:ext>
-    </p:extLst>
-  </p:cSld>
-  <p:clrMapOvr>
-    <a:masterClrMapping/>
-  </p:clrMapOvr>
-</p:sld>
-</file>
-
-<file path=ppt/slides/slide7.xml><?xml version="1.0" encoding="utf-8"?>
-<p:sld xmlns:a="http://schemas.openxmlformats.org/drawingml/2006/main" xmlns:r="http://schemas.openxmlformats.org/officeDocument/2006/relationships" xmlns:p="http://schemas.openxmlformats.org/presentationml/2006/main">
-  <p:cSld>
-    <p:spTree>
-      <p:nvGrpSpPr>
-        <p:cNvPr id="1" name=""/>
-        <p:cNvGrpSpPr/>
-        <p:nvPr/>
-      </p:nvGrpSpPr>
-      <p:grpSpPr>
-        <a:xfrm>
-          <a:off x="0" y="0"/>
-          <a:ext cx="0" cy="0"/>
-          <a:chOff x="0" y="0"/>
-          <a:chExt cx="0" cy="0"/>
-        </a:xfrm>
-      </p:grpSpPr>
-      <p:sp>
-        <p:nvSpPr>
-          <p:cNvPr id="2" name="Title 1">
-            <a:extLst>
-              <a:ext uri="{FF2B5EF4-FFF2-40B4-BE49-F238E27FC236}">
-                <a16:creationId xmlns:a16="http://schemas.microsoft.com/office/drawing/2014/main" id="{058CC1E7-EE9A-0BEB-E038-48A3BC528D8B}"/>
-              </a:ext>
-            </a:extLst>
-          </p:cNvPr>
-          <p:cNvSpPr>
-            <a:spLocks noGrp="1"/>
-          </p:cNvSpPr>
-          <p:nvPr>
-            <p:ph type="title"/>
-          </p:nvPr>
-        </p:nvSpPr>
-        <p:spPr/>
-        <p:txBody>
-          <a:bodyPr>
-            <a:normAutofit/>
-          </a:bodyPr>
-          <a:lstStyle/>
-          <a:p>
-            <a:r>
-              <a:rPr lang="en-US" sz="4000" dirty="0">
-                <a:latin typeface="Times New Roman" panose="02020603050405020304" pitchFamily="18" charset="0"/>
-                <a:cs typeface="Times New Roman" panose="02020603050405020304" pitchFamily="18" charset="0"/>
-              </a:rPr>
-              <a:t>Proposed Partitioning Framework For Multi-GPU Acceleration</a:t>
-            </a:r>
-          </a:p>
-        </p:txBody>
-      </p:sp>
-      <p:sp>
-        <p:nvSpPr>
-          <p:cNvPr id="6" name="Content Placeholder 2">
-            <a:extLst>
-              <a:ext uri="{FF2B5EF4-FFF2-40B4-BE49-F238E27FC236}">
-                <a16:creationId xmlns:a16="http://schemas.microsoft.com/office/drawing/2014/main" id="{A976AA9F-0732-270E-C50C-C4D3A87B7A5C}"/>
-              </a:ext>
-            </a:extLst>
-          </p:cNvPr>
-          <p:cNvSpPr txBox="1">
-            <a:spLocks/>
-          </p:cNvSpPr>
-          <p:nvPr/>
-        </p:nvSpPr>
-        <p:spPr>
-          <a:xfrm>
-            <a:off x="838200" y="2041525"/>
-            <a:ext cx="10515600" cy="1387475"/>
-          </a:xfrm>
-          <a:prstGeom prst="rect">
-            <a:avLst/>
-          </a:prstGeom>
-        </p:spPr>
-        <p:txBody>
-          <a:bodyPr vert="horz" lIns="91440" tIns="45720" rIns="91440" bIns="45720" rtlCol="0">
-            <a:normAutofit/>
-          </a:bodyPr>
-          <a:lstStyle>
-            <a:lvl1pPr marL="228600" indent="-228600" algn="l" defTabSz="914400" rtl="0" eaLnBrk="1" latinLnBrk="0" hangingPunct="1">
-              <a:lnSpc>
-                <a:spcPct val="90000"/>
-              </a:lnSpc>
-              <a:spcBef>
-                <a:spcPts val="1000"/>
-              </a:spcBef>
-              <a:buFont typeface="Arial" panose="020B0604020202020204" pitchFamily="34" charset="0"/>
-              <a:buChar char="•"/>
-              <a:defRPr sz="2800" kern="1200">
-                <a:solidFill>
-                  <a:schemeClr val="tx1"/>
-                </a:solidFill>
-                <a:latin typeface="+mn-lt"/>
-                <a:ea typeface="+mn-ea"/>
-                <a:cs typeface="+mn-cs"/>
-              </a:defRPr>
-            </a:lvl1pPr>
-            <a:lvl2pPr marL="685800" indent="-228600" algn="l" defTabSz="914400" rtl="0" eaLnBrk="1" latinLnBrk="0" hangingPunct="1">
-              <a:lnSpc>
-                <a:spcPct val="90000"/>
-              </a:lnSpc>
-              <a:spcBef>
-                <a:spcPts val="500"/>
-              </a:spcBef>
-              <a:buFont typeface="Arial" panose="020B0604020202020204" pitchFamily="34" charset="0"/>
-              <a:buChar char="•"/>
-              <a:defRPr sz="2400" kern="1200">
-                <a:solidFill>
-                  <a:schemeClr val="tx1"/>
-                </a:solidFill>
-                <a:latin typeface="+mn-lt"/>
-                <a:ea typeface="+mn-ea"/>
-                <a:cs typeface="+mn-cs"/>
-              </a:defRPr>
-            </a:lvl2pPr>
-            <a:lvl3pPr marL="1143000" indent="-228600" algn="l" defTabSz="914400" rtl="0" eaLnBrk="1" latinLnBrk="0" hangingPunct="1">
-              <a:lnSpc>
-                <a:spcPct val="90000"/>
-              </a:lnSpc>
-              <a:spcBef>
-                <a:spcPts val="500"/>
-              </a:spcBef>
-              <a:buFont typeface="Arial" panose="020B0604020202020204" pitchFamily="34" charset="0"/>
-              <a:buChar char="•"/>
-              <a:defRPr sz="2000" kern="1200">
-                <a:solidFill>
-                  <a:schemeClr val="tx1"/>
-                </a:solidFill>
-                <a:latin typeface="+mn-lt"/>
-                <a:ea typeface="+mn-ea"/>
-                <a:cs typeface="+mn-cs"/>
-              </a:defRPr>
-            </a:lvl3pPr>
-            <a:lvl4pPr marL="1600200" indent="-228600" algn="l" defTabSz="914400" rtl="0" eaLnBrk="1" latinLnBrk="0" hangingPunct="1">
-              <a:lnSpc>
-                <a:spcPct val="90000"/>
-              </a:lnSpc>
-              <a:spcBef>
-                <a:spcPts val="500"/>
-              </a:spcBef>
-              <a:buFont typeface="Arial" panose="020B0604020202020204" pitchFamily="34" charset="0"/>
-              <a:buChar char="•"/>
-              <a:defRPr sz="1800" kern="1200">
-                <a:solidFill>
-                  <a:schemeClr val="tx1"/>
-                </a:solidFill>
-                <a:latin typeface="+mn-lt"/>
-                <a:ea typeface="+mn-ea"/>
-                <a:cs typeface="+mn-cs"/>
-              </a:defRPr>
-            </a:lvl4pPr>
-            <a:lvl5pPr marL="2057400" indent="-228600" algn="l" defTabSz="914400" rtl="0" eaLnBrk="1" latinLnBrk="0" hangingPunct="1">
-              <a:lnSpc>
-                <a:spcPct val="90000"/>
-              </a:lnSpc>
-              <a:spcBef>
-                <a:spcPts val="500"/>
-              </a:spcBef>
-              <a:buFont typeface="Arial" panose="020B0604020202020204" pitchFamily="34" charset="0"/>
-              <a:buChar char="•"/>
-              <a:defRPr sz="1800" kern="1200">
-                <a:solidFill>
-                  <a:schemeClr val="tx1"/>
-                </a:solidFill>
-                <a:latin typeface="+mn-lt"/>
-                <a:ea typeface="+mn-ea"/>
-                <a:cs typeface="+mn-cs"/>
-              </a:defRPr>
-            </a:lvl5pPr>
-            <a:lvl6pPr marL="2514600" indent="-228600" algn="l" defTabSz="914400" rtl="0" eaLnBrk="1" latinLnBrk="0" hangingPunct="1">
-              <a:lnSpc>
-                <a:spcPct val="90000"/>
-              </a:lnSpc>
-              <a:spcBef>
-                <a:spcPts val="500"/>
-              </a:spcBef>
-              <a:buFont typeface="Arial" panose="020B0604020202020204" pitchFamily="34" charset="0"/>
-              <a:buChar char="•"/>
-              <a:defRPr sz="1800" kern="1200">
-                <a:solidFill>
-                  <a:schemeClr val="tx1"/>
-                </a:solidFill>
-                <a:latin typeface="+mn-lt"/>
-                <a:ea typeface="+mn-ea"/>
-                <a:cs typeface="+mn-cs"/>
-              </a:defRPr>
-            </a:lvl6pPr>
-            <a:lvl7pPr marL="2971800" indent="-228600" algn="l" defTabSz="914400" rtl="0" eaLnBrk="1" latinLnBrk="0" hangingPunct="1">
-              <a:lnSpc>
-                <a:spcPct val="90000"/>
-              </a:lnSpc>
-              <a:spcBef>
-                <a:spcPts val="500"/>
-              </a:spcBef>
-              <a:buFont typeface="Arial" panose="020B0604020202020204" pitchFamily="34" charset="0"/>
-              <a:buChar char="•"/>
-              <a:defRPr sz="1800" kern="1200">
-                <a:solidFill>
-                  <a:schemeClr val="tx1"/>
-                </a:solidFill>
-                <a:latin typeface="+mn-lt"/>
-                <a:ea typeface="+mn-ea"/>
-                <a:cs typeface="+mn-cs"/>
-              </a:defRPr>
-            </a:lvl7pPr>
-            <a:lvl8pPr marL="3429000" indent="-228600" algn="l" defTabSz="914400" rtl="0" eaLnBrk="1" latinLnBrk="0" hangingPunct="1">
-              <a:lnSpc>
-                <a:spcPct val="90000"/>
-              </a:lnSpc>
-              <a:spcBef>
-                <a:spcPts val="500"/>
-              </a:spcBef>
-              <a:buFont typeface="Arial" panose="020B0604020202020204" pitchFamily="34" charset="0"/>
-              <a:buChar char="•"/>
-              <a:defRPr sz="1800" kern="1200">
-                <a:solidFill>
-                  <a:schemeClr val="tx1"/>
-                </a:solidFill>
-                <a:latin typeface="+mn-lt"/>
-                <a:ea typeface="+mn-ea"/>
-                <a:cs typeface="+mn-cs"/>
-              </a:defRPr>
-            </a:lvl8pPr>
-            <a:lvl9pPr marL="3886200" indent="-228600" algn="l" defTabSz="914400" rtl="0" eaLnBrk="1" latinLnBrk="0" hangingPunct="1">
-              <a:lnSpc>
-                <a:spcPct val="90000"/>
-              </a:lnSpc>
-              <a:spcBef>
-                <a:spcPts val="500"/>
-              </a:spcBef>
-              <a:buFont typeface="Arial" panose="020B0604020202020204" pitchFamily="34" charset="0"/>
-              <a:buChar char="•"/>
-              <a:defRPr sz="1800" kern="1200">
-                <a:solidFill>
-                  <a:schemeClr val="tx1"/>
-                </a:solidFill>
-                <a:latin typeface="+mn-lt"/>
-                <a:ea typeface="+mn-ea"/>
-                <a:cs typeface="+mn-cs"/>
-              </a:defRPr>
-            </a:lvl9pPr>
-          </a:lstStyle>
-          <a:p>
-            <a:r>
-              <a:rPr lang="en-US" sz="2400" dirty="0">
-                <a:latin typeface="Times New Roman" panose="02020603050405020304" pitchFamily="18" charset="0"/>
-                <a:cs typeface="Times New Roman" panose="02020603050405020304" pitchFamily="18" charset="0"/>
-              </a:rPr>
-              <a:t>Step 2. Build Endpoint Graph</a:t>
-            </a:r>
-          </a:p>
-          <a:p>
-            <a:endParaRPr lang="en-US" sz="400" dirty="0">
-              <a:latin typeface="Times New Roman" panose="02020603050405020304" pitchFamily="18" charset="0"/>
-              <a:cs typeface="Times New Roman" panose="02020603050405020304" pitchFamily="18" charset="0"/>
-            </a:endParaRPr>
-          </a:p>
-          <a:p>
-            <a:pPr lvl="1"/>
-            <a:r>
-              <a:rPr lang="en-US" sz="2000" dirty="0">
-                <a:latin typeface="Times New Roman" panose="02020603050405020304" pitchFamily="18" charset="0"/>
-                <a:cs typeface="Times New Roman" panose="02020603050405020304" pitchFamily="18" charset="0"/>
-              </a:rPr>
-              <a:t>The endpoint graph can reflect the </a:t>
-            </a:r>
-            <a:r>
-              <a:rPr lang="en-US" sz="2000" b="1" dirty="0">
-                <a:latin typeface="Times New Roman" panose="02020603050405020304" pitchFamily="18" charset="0"/>
-                <a:cs typeface="Times New Roman" panose="02020603050405020304" pitchFamily="18" charset="0"/>
-              </a:rPr>
-              <a:t>size</a:t>
-            </a:r>
-            <a:r>
-              <a:rPr lang="en-US" sz="2000" dirty="0">
-                <a:latin typeface="Times New Roman" panose="02020603050405020304" pitchFamily="18" charset="0"/>
-                <a:cs typeface="Times New Roman" panose="02020603050405020304" pitchFamily="18" charset="0"/>
-              </a:rPr>
-              <a:t> of </a:t>
-            </a:r>
-            <a:r>
-              <a:rPr lang="en-US" sz="2000" b="1" dirty="0">
-                <a:latin typeface="Times New Roman" panose="02020603050405020304" pitchFamily="18" charset="0"/>
-                <a:cs typeface="Times New Roman" panose="02020603050405020304" pitchFamily="18" charset="0"/>
-              </a:rPr>
-              <a:t>common logic </a:t>
-            </a:r>
-            <a:r>
-              <a:rPr lang="en-US" sz="2000" dirty="0">
-                <a:latin typeface="Times New Roman" panose="02020603050405020304" pitchFamily="18" charset="0"/>
-                <a:cs typeface="Times New Roman" panose="02020603050405020304" pitchFamily="18" charset="0"/>
-              </a:rPr>
-              <a:t>between endpoints.</a:t>
-            </a:r>
-          </a:p>
-        </p:txBody>
-      </p:sp>
-      <p:sp>
-        <p:nvSpPr>
-          <p:cNvPr id="9" name="Slide Number Placeholder 8">
-            <a:extLst>
-              <a:ext uri="{FF2B5EF4-FFF2-40B4-BE49-F238E27FC236}">
-                <a16:creationId xmlns:a16="http://schemas.microsoft.com/office/drawing/2014/main" id="{8CE89CAD-8876-D3F5-95FE-45E1DE8D6FD2}"/>
-              </a:ext>
-            </a:extLst>
-          </p:cNvPr>
-          <p:cNvSpPr>
-            <a:spLocks noGrp="1"/>
-          </p:cNvSpPr>
-          <p:nvPr>
-            <p:ph type="sldNum" sz="quarter" idx="12"/>
-          </p:nvPr>
-        </p:nvSpPr>
-        <p:spPr/>
-        <p:txBody>
-          <a:bodyPr/>
-          <a:lstStyle/>
-          <a:p>
-            <a:fld id="{666274A1-CF9C-426A-8DD4-B13ED0C24231}" type="slidenum">
-              <a:rPr lang="en-US" smtClean="0"/>
-              <a:t>6</a:t>
-            </a:fld>
-            <a:endParaRPr lang="en-US"/>
-          </a:p>
-        </p:txBody>
-      </p:sp>
-      <p:pic>
-        <p:nvPicPr>
-          <p:cNvPr id="3" name="Content Placeholder 4">
-            <a:extLst>
-              <a:ext uri="{FF2B5EF4-FFF2-40B4-BE49-F238E27FC236}">
-                <a16:creationId xmlns:a16="http://schemas.microsoft.com/office/drawing/2014/main" id="{771DE0EA-0DF4-8B79-0D35-DE321BD51432}"/>
-              </a:ext>
-            </a:extLst>
-          </p:cNvPr>
-          <p:cNvPicPr>
-            <a:picLocks noChangeAspect="1"/>
-          </p:cNvPicPr>
-          <p:nvPr/>
-        </p:nvPicPr>
-        <p:blipFill>
-          <a:blip r:embed="rId2"/>
-          <a:stretch>
-            <a:fillRect/>
-          </a:stretch>
-        </p:blipFill>
-        <p:spPr>
-          <a:xfrm>
-            <a:off x="3822369" y="3240689"/>
-            <a:ext cx="4547262" cy="3252186"/>
-          </a:xfrm>
-          <a:prstGeom prst="rect">
-            <a:avLst/>
-          </a:prstGeom>
-        </p:spPr>
-      </p:pic>
-    </p:spTree>
-    <p:extLst>
-      <p:ext uri="{BB962C8B-B14F-4D97-AF65-F5344CB8AC3E}">
-        <p14:creationId xmlns:p14="http://schemas.microsoft.com/office/powerpoint/2010/main" val="1579333615"/>
-      </p:ext>
-    </p:extLst>
-  </p:cSld>
-  <p:clrMapOvr>
-    <a:masterClrMapping/>
-  </p:clrMapOvr>
-</p:sld>
-</file>
-
-<file path=ppt/slides/slide8.xml><?xml version="1.0" encoding="utf-8"?>
-<p:sld xmlns:a="http://schemas.openxmlformats.org/drawingml/2006/main" xmlns:r="http://schemas.openxmlformats.org/officeDocument/2006/relationships" xmlns:p="http://schemas.openxmlformats.org/presentationml/2006/main">
-  <p:cSld>
-    <p:spTree>
-      <p:nvGrpSpPr>
-        <p:cNvPr id="1" name=""/>
-        <p:cNvGrpSpPr/>
-        <p:nvPr/>
-      </p:nvGrpSpPr>
-      <p:grpSpPr>
-        <a:xfrm>
-          <a:off x="0" y="0"/>
-          <a:ext cx="0" cy="0"/>
-          <a:chOff x="0" y="0"/>
-          <a:chExt cx="0" cy="0"/>
-        </a:xfrm>
-      </p:grpSpPr>
-      <p:sp>
-        <p:nvSpPr>
-          <p:cNvPr id="2" name="Title 1">
-            <a:extLst>
-              <a:ext uri="{FF2B5EF4-FFF2-40B4-BE49-F238E27FC236}">
-                <a16:creationId xmlns:a16="http://schemas.microsoft.com/office/drawing/2014/main" id="{058CC1E7-EE9A-0BEB-E038-48A3BC528D8B}"/>
-              </a:ext>
-            </a:extLst>
-          </p:cNvPr>
-          <p:cNvSpPr>
-            <a:spLocks noGrp="1"/>
-          </p:cNvSpPr>
-          <p:nvPr>
-            <p:ph type="title"/>
-          </p:nvPr>
-        </p:nvSpPr>
-        <p:spPr/>
-        <p:txBody>
-          <a:bodyPr>
-            <a:normAutofit/>
-          </a:bodyPr>
-          <a:lstStyle/>
-          <a:p>
-            <a:r>
-              <a:rPr lang="en-US" sz="4000" dirty="0">
-                <a:latin typeface="Times New Roman" panose="02020603050405020304" pitchFamily="18" charset="0"/>
-                <a:cs typeface="Times New Roman" panose="02020603050405020304" pitchFamily="18" charset="0"/>
-              </a:rPr>
-              <a:t>Proposed Partitioning Framework For Multi-GPU Acceleration</a:t>
-            </a:r>
-          </a:p>
-        </p:txBody>
-      </p:sp>
-      <p:sp>
-        <p:nvSpPr>
-          <p:cNvPr id="6" name="Content Placeholder 2">
-            <a:extLst>
-              <a:ext uri="{FF2B5EF4-FFF2-40B4-BE49-F238E27FC236}">
-                <a16:creationId xmlns:a16="http://schemas.microsoft.com/office/drawing/2014/main" id="{A976AA9F-0732-270E-C50C-C4D3A87B7A5C}"/>
-              </a:ext>
-            </a:extLst>
-          </p:cNvPr>
-          <p:cNvSpPr txBox="1">
-            <a:spLocks/>
-          </p:cNvSpPr>
-          <p:nvPr/>
-        </p:nvSpPr>
-        <p:spPr>
-          <a:xfrm>
-            <a:off x="838200" y="2041525"/>
-            <a:ext cx="10515600" cy="1387475"/>
-          </a:xfrm>
-          <a:prstGeom prst="rect">
-            <a:avLst/>
-          </a:prstGeom>
-        </p:spPr>
-        <p:txBody>
-          <a:bodyPr vert="horz" lIns="91440" tIns="45720" rIns="91440" bIns="45720" rtlCol="0">
-            <a:normAutofit/>
-          </a:bodyPr>
-          <a:lstStyle>
-            <a:lvl1pPr marL="228600" indent="-228600" algn="l" defTabSz="914400" rtl="0" eaLnBrk="1" latinLnBrk="0" hangingPunct="1">
-              <a:lnSpc>
-                <a:spcPct val="90000"/>
-              </a:lnSpc>
-              <a:spcBef>
-                <a:spcPts val="1000"/>
-              </a:spcBef>
-              <a:buFont typeface="Arial" panose="020B0604020202020204" pitchFamily="34" charset="0"/>
-              <a:buChar char="•"/>
-              <a:defRPr sz="2800" kern="1200">
-                <a:solidFill>
-                  <a:schemeClr val="tx1"/>
-                </a:solidFill>
-                <a:latin typeface="+mn-lt"/>
-                <a:ea typeface="+mn-ea"/>
-                <a:cs typeface="+mn-cs"/>
-              </a:defRPr>
-            </a:lvl1pPr>
-            <a:lvl2pPr marL="685800" indent="-228600" algn="l" defTabSz="914400" rtl="0" eaLnBrk="1" latinLnBrk="0" hangingPunct="1">
-              <a:lnSpc>
-                <a:spcPct val="90000"/>
-              </a:lnSpc>
-              <a:spcBef>
-                <a:spcPts val="500"/>
-              </a:spcBef>
-              <a:buFont typeface="Arial" panose="020B0604020202020204" pitchFamily="34" charset="0"/>
-              <a:buChar char="•"/>
-              <a:defRPr sz="2400" kern="1200">
-                <a:solidFill>
-                  <a:schemeClr val="tx1"/>
-                </a:solidFill>
-                <a:latin typeface="+mn-lt"/>
-                <a:ea typeface="+mn-ea"/>
-                <a:cs typeface="+mn-cs"/>
-              </a:defRPr>
-            </a:lvl2pPr>
-            <a:lvl3pPr marL="1143000" indent="-228600" algn="l" defTabSz="914400" rtl="0" eaLnBrk="1" latinLnBrk="0" hangingPunct="1">
-              <a:lnSpc>
-                <a:spcPct val="90000"/>
-              </a:lnSpc>
-              <a:spcBef>
-                <a:spcPts val="500"/>
-              </a:spcBef>
-              <a:buFont typeface="Arial" panose="020B0604020202020204" pitchFamily="34" charset="0"/>
-              <a:buChar char="•"/>
-              <a:defRPr sz="2000" kern="1200">
-                <a:solidFill>
-                  <a:schemeClr val="tx1"/>
-                </a:solidFill>
-                <a:latin typeface="+mn-lt"/>
-                <a:ea typeface="+mn-ea"/>
-                <a:cs typeface="+mn-cs"/>
-              </a:defRPr>
-            </a:lvl3pPr>
-            <a:lvl4pPr marL="1600200" indent="-228600" algn="l" defTabSz="914400" rtl="0" eaLnBrk="1" latinLnBrk="0" hangingPunct="1">
-              <a:lnSpc>
-                <a:spcPct val="90000"/>
-              </a:lnSpc>
-              <a:spcBef>
-                <a:spcPts val="500"/>
-              </a:spcBef>
-              <a:buFont typeface="Arial" panose="020B0604020202020204" pitchFamily="34" charset="0"/>
-              <a:buChar char="•"/>
-              <a:defRPr sz="1800" kern="1200">
-                <a:solidFill>
-                  <a:schemeClr val="tx1"/>
-                </a:solidFill>
-                <a:latin typeface="+mn-lt"/>
-                <a:ea typeface="+mn-ea"/>
-                <a:cs typeface="+mn-cs"/>
-              </a:defRPr>
-            </a:lvl4pPr>
-            <a:lvl5pPr marL="2057400" indent="-228600" algn="l" defTabSz="914400" rtl="0" eaLnBrk="1" latinLnBrk="0" hangingPunct="1">
-              <a:lnSpc>
-                <a:spcPct val="90000"/>
-              </a:lnSpc>
-              <a:spcBef>
-                <a:spcPts val="500"/>
-              </a:spcBef>
-              <a:buFont typeface="Arial" panose="020B0604020202020204" pitchFamily="34" charset="0"/>
-              <a:buChar char="•"/>
-              <a:defRPr sz="1800" kern="1200">
-                <a:solidFill>
-                  <a:schemeClr val="tx1"/>
-                </a:solidFill>
-                <a:latin typeface="+mn-lt"/>
-                <a:ea typeface="+mn-ea"/>
-                <a:cs typeface="+mn-cs"/>
-              </a:defRPr>
-            </a:lvl5pPr>
-            <a:lvl6pPr marL="2514600" indent="-228600" algn="l" defTabSz="914400" rtl="0" eaLnBrk="1" latinLnBrk="0" hangingPunct="1">
-              <a:lnSpc>
-                <a:spcPct val="90000"/>
-              </a:lnSpc>
-              <a:spcBef>
-                <a:spcPts val="500"/>
-              </a:spcBef>
-              <a:buFont typeface="Arial" panose="020B0604020202020204" pitchFamily="34" charset="0"/>
-              <a:buChar char="•"/>
-              <a:defRPr sz="1800" kern="1200">
-                <a:solidFill>
-                  <a:schemeClr val="tx1"/>
-                </a:solidFill>
-                <a:latin typeface="+mn-lt"/>
-                <a:ea typeface="+mn-ea"/>
-                <a:cs typeface="+mn-cs"/>
-              </a:defRPr>
-            </a:lvl6pPr>
-            <a:lvl7pPr marL="2971800" indent="-228600" algn="l" defTabSz="914400" rtl="0" eaLnBrk="1" latinLnBrk="0" hangingPunct="1">
-              <a:lnSpc>
-                <a:spcPct val="90000"/>
-              </a:lnSpc>
-              <a:spcBef>
-                <a:spcPts val="500"/>
-              </a:spcBef>
-              <a:buFont typeface="Arial" panose="020B0604020202020204" pitchFamily="34" charset="0"/>
-              <a:buChar char="•"/>
-              <a:defRPr sz="1800" kern="1200">
-                <a:solidFill>
-                  <a:schemeClr val="tx1"/>
-                </a:solidFill>
-                <a:latin typeface="+mn-lt"/>
-                <a:ea typeface="+mn-ea"/>
-                <a:cs typeface="+mn-cs"/>
-              </a:defRPr>
-            </a:lvl7pPr>
-            <a:lvl8pPr marL="3429000" indent="-228600" algn="l" defTabSz="914400" rtl="0" eaLnBrk="1" latinLnBrk="0" hangingPunct="1">
-              <a:lnSpc>
-                <a:spcPct val="90000"/>
-              </a:lnSpc>
-              <a:spcBef>
-                <a:spcPts val="500"/>
-              </a:spcBef>
-              <a:buFont typeface="Arial" panose="020B0604020202020204" pitchFamily="34" charset="0"/>
-              <a:buChar char="•"/>
-              <a:defRPr sz="1800" kern="1200">
-                <a:solidFill>
-                  <a:schemeClr val="tx1"/>
-                </a:solidFill>
-                <a:latin typeface="+mn-lt"/>
-                <a:ea typeface="+mn-ea"/>
-                <a:cs typeface="+mn-cs"/>
-              </a:defRPr>
-            </a:lvl8pPr>
-            <a:lvl9pPr marL="3886200" indent="-228600" algn="l" defTabSz="914400" rtl="0" eaLnBrk="1" latinLnBrk="0" hangingPunct="1">
-              <a:lnSpc>
-                <a:spcPct val="90000"/>
-              </a:lnSpc>
-              <a:spcBef>
-                <a:spcPts val="500"/>
-              </a:spcBef>
-              <a:buFont typeface="Arial" panose="020B0604020202020204" pitchFamily="34" charset="0"/>
-              <a:buChar char="•"/>
-              <a:defRPr sz="1800" kern="1200">
-                <a:solidFill>
-                  <a:schemeClr val="tx1"/>
-                </a:solidFill>
-                <a:latin typeface="+mn-lt"/>
-                <a:ea typeface="+mn-ea"/>
-                <a:cs typeface="+mn-cs"/>
-              </a:defRPr>
-            </a:lvl9pPr>
-          </a:lstStyle>
-          <a:p>
-            <a:r>
-              <a:rPr lang="en-US" sz="2400" dirty="0">
-                <a:latin typeface="Times New Roman" panose="02020603050405020304" pitchFamily="18" charset="0"/>
-                <a:cs typeface="Times New Roman" panose="02020603050405020304" pitchFamily="18" charset="0"/>
-              </a:rPr>
-              <a:t>Step 3. Find Disjoint Endpoint Sets</a:t>
-            </a:r>
-          </a:p>
-          <a:p>
-            <a:endParaRPr lang="en-US" sz="400" dirty="0">
-              <a:latin typeface="Times New Roman" panose="02020603050405020304" pitchFamily="18" charset="0"/>
-              <a:cs typeface="Times New Roman" panose="02020603050405020304" pitchFamily="18" charset="0"/>
-            </a:endParaRPr>
-          </a:p>
-          <a:p>
-            <a:pPr lvl="1"/>
-            <a:r>
-              <a:rPr lang="en-US" sz="2000" dirty="0">
-                <a:latin typeface="Times New Roman" panose="02020603050405020304" pitchFamily="18" charset="0"/>
-                <a:cs typeface="Times New Roman" panose="02020603050405020304" pitchFamily="18" charset="0"/>
-              </a:rPr>
-              <a:t>Based on the endpoint graph, we identify </a:t>
-            </a:r>
-            <a:r>
-              <a:rPr lang="en-US" sz="2000" b="1" dirty="0">
-                <a:latin typeface="Times New Roman" panose="02020603050405020304" pitchFamily="18" charset="0"/>
-                <a:cs typeface="Times New Roman" panose="02020603050405020304" pitchFamily="18" charset="0"/>
-              </a:rPr>
-              <a:t>independent</a:t>
-            </a:r>
-            <a:r>
-              <a:rPr lang="en-US" sz="2000" dirty="0">
-                <a:latin typeface="Times New Roman" panose="02020603050405020304" pitchFamily="18" charset="0"/>
-                <a:cs typeface="Times New Roman" panose="02020603050405020304" pitchFamily="18" charset="0"/>
-              </a:rPr>
-              <a:t> components, which is represented by a set of endpoints</a:t>
-            </a:r>
-          </a:p>
-        </p:txBody>
-      </p:sp>
-      <p:sp>
-        <p:nvSpPr>
-          <p:cNvPr id="8" name="Slide Number Placeholder 7">
-            <a:extLst>
-              <a:ext uri="{FF2B5EF4-FFF2-40B4-BE49-F238E27FC236}">
-                <a16:creationId xmlns:a16="http://schemas.microsoft.com/office/drawing/2014/main" id="{AD4E9E9E-2716-853A-D6DD-09299E536C03}"/>
-              </a:ext>
-            </a:extLst>
-          </p:cNvPr>
-          <p:cNvSpPr>
-            <a:spLocks noGrp="1"/>
-          </p:cNvSpPr>
-          <p:nvPr>
-            <p:ph type="sldNum" sz="quarter" idx="12"/>
-          </p:nvPr>
-        </p:nvSpPr>
-        <p:spPr/>
-        <p:txBody>
-          <a:bodyPr/>
-          <a:lstStyle/>
-          <a:p>
-            <a:fld id="{666274A1-CF9C-426A-8DD4-B13ED0C24231}" type="slidenum">
-              <a:rPr lang="en-US" smtClean="0"/>
-              <a:t>7</a:t>
-            </a:fld>
-            <a:endParaRPr lang="en-US"/>
-          </a:p>
-        </p:txBody>
-      </p:sp>
-      <p:pic>
-        <p:nvPicPr>
-          <p:cNvPr id="3" name="Content Placeholder 4">
-            <a:extLst>
-              <a:ext uri="{FF2B5EF4-FFF2-40B4-BE49-F238E27FC236}">
-                <a16:creationId xmlns:a16="http://schemas.microsoft.com/office/drawing/2014/main" id="{888BCE1F-CE01-48CA-1B05-583147A135D7}"/>
-              </a:ext>
-            </a:extLst>
-          </p:cNvPr>
-          <p:cNvPicPr>
-            <a:picLocks noChangeAspect="1"/>
-          </p:cNvPicPr>
-          <p:nvPr/>
-        </p:nvPicPr>
-        <p:blipFill>
-          <a:blip r:embed="rId2"/>
-          <a:stretch>
-            <a:fillRect/>
-          </a:stretch>
-        </p:blipFill>
-        <p:spPr>
-          <a:xfrm>
-            <a:off x="3822369" y="3240689"/>
-            <a:ext cx="4547262" cy="3252186"/>
-          </a:xfrm>
-          <a:prstGeom prst="rect">
-            <a:avLst/>
-          </a:prstGeom>
-        </p:spPr>
-      </p:pic>
-    </p:spTree>
-    <p:extLst>
-      <p:ext uri="{BB962C8B-B14F-4D97-AF65-F5344CB8AC3E}">
-        <p14:creationId xmlns:p14="http://schemas.microsoft.com/office/powerpoint/2010/main" val="648370779"/>
-      </p:ext>
-    </p:extLst>
-  </p:cSld>
-  <p:clrMapOvr>
-    <a:masterClrMapping/>
-  </p:clrMapOvr>
-</p:sld>
-</file>
-
-<file path=ppt/slides/slide9.xml><?xml version="1.0" encoding="utf-8"?>
-<p:sld xmlns:a="http://schemas.openxmlformats.org/drawingml/2006/main" xmlns:r="http://schemas.openxmlformats.org/officeDocument/2006/relationships" xmlns:p="http://schemas.openxmlformats.org/presentationml/2006/main">
-  <p:cSld>
-    <p:spTree>
-      <p:nvGrpSpPr>
-        <p:cNvPr id="1" name=""/>
-        <p:cNvGrpSpPr/>
-        <p:nvPr/>
-      </p:nvGrpSpPr>
-      <p:grpSpPr>
-        <a:xfrm>
-          <a:off x="0" y="0"/>
-          <a:ext cx="0" cy="0"/>
-          <a:chOff x="0" y="0"/>
-          <a:chExt cx="0" cy="0"/>
-        </a:xfrm>
-      </p:grpSpPr>
-      <p:sp>
-        <p:nvSpPr>
-          <p:cNvPr id="2" name="Title 1">
-            <a:extLst>
-              <a:ext uri="{FF2B5EF4-FFF2-40B4-BE49-F238E27FC236}">
-                <a16:creationId xmlns:a16="http://schemas.microsoft.com/office/drawing/2014/main" id="{058CC1E7-EE9A-0BEB-E038-48A3BC528D8B}"/>
-              </a:ext>
-            </a:extLst>
-          </p:cNvPr>
-          <p:cNvSpPr>
-            <a:spLocks noGrp="1"/>
-          </p:cNvSpPr>
-          <p:nvPr>
-            <p:ph type="title"/>
-          </p:nvPr>
-        </p:nvSpPr>
-        <p:spPr/>
-        <p:txBody>
-          <a:bodyPr>
-            <a:normAutofit/>
-          </a:bodyPr>
-          <a:lstStyle/>
-          <a:p>
-            <a:r>
-              <a:rPr lang="en-US" sz="4000" dirty="0">
-                <a:latin typeface="Times New Roman" panose="02020603050405020304" pitchFamily="18" charset="0"/>
-                <a:cs typeface="Times New Roman" panose="02020603050405020304" pitchFamily="18" charset="0"/>
-              </a:rPr>
-              <a:t>Proposed Partitioning Framework For Multi-GPU Acceleration</a:t>
-            </a:r>
-          </a:p>
-        </p:txBody>
-      </p:sp>
-      <p:sp>
-        <p:nvSpPr>
-          <p:cNvPr id="6" name="Content Placeholder 2">
-            <a:extLst>
-              <a:ext uri="{FF2B5EF4-FFF2-40B4-BE49-F238E27FC236}">
-                <a16:creationId xmlns:a16="http://schemas.microsoft.com/office/drawing/2014/main" id="{A976AA9F-0732-270E-C50C-C4D3A87B7A5C}"/>
-              </a:ext>
-            </a:extLst>
-          </p:cNvPr>
-          <p:cNvSpPr txBox="1">
-            <a:spLocks/>
-          </p:cNvSpPr>
-          <p:nvPr/>
-        </p:nvSpPr>
-        <p:spPr>
-          <a:xfrm>
-            <a:off x="838200" y="2041525"/>
-            <a:ext cx="10515600" cy="2831012"/>
-          </a:xfrm>
-          <a:prstGeom prst="rect">
-            <a:avLst/>
-          </a:prstGeom>
-        </p:spPr>
-        <p:txBody>
-          <a:bodyPr vert="horz" lIns="91440" tIns="45720" rIns="91440" bIns="45720" rtlCol="0">
-            <a:normAutofit/>
-          </a:bodyPr>
-          <a:lstStyle>
-            <a:lvl1pPr marL="228600" indent="-228600" algn="l" defTabSz="914400" rtl="0" eaLnBrk="1" latinLnBrk="0" hangingPunct="1">
-              <a:lnSpc>
-                <a:spcPct val="90000"/>
-              </a:lnSpc>
-              <a:spcBef>
-                <a:spcPts val="1000"/>
-              </a:spcBef>
-              <a:buFont typeface="Arial" panose="020B0604020202020204" pitchFamily="34" charset="0"/>
-              <a:buChar char="•"/>
-              <a:defRPr sz="2800" kern="1200">
-                <a:solidFill>
-                  <a:schemeClr val="tx1"/>
-                </a:solidFill>
-                <a:latin typeface="+mn-lt"/>
-                <a:ea typeface="+mn-ea"/>
-                <a:cs typeface="+mn-cs"/>
-              </a:defRPr>
-            </a:lvl1pPr>
-            <a:lvl2pPr marL="685800" indent="-228600" algn="l" defTabSz="914400" rtl="0" eaLnBrk="1" latinLnBrk="0" hangingPunct="1">
-              <a:lnSpc>
-                <a:spcPct val="90000"/>
-              </a:lnSpc>
-              <a:spcBef>
-                <a:spcPts val="500"/>
-              </a:spcBef>
-              <a:buFont typeface="Arial" panose="020B0604020202020204" pitchFamily="34" charset="0"/>
-              <a:buChar char="•"/>
-              <a:defRPr sz="2400" kern="1200">
-                <a:solidFill>
-                  <a:schemeClr val="tx1"/>
-                </a:solidFill>
-                <a:latin typeface="+mn-lt"/>
-                <a:ea typeface="+mn-ea"/>
-                <a:cs typeface="+mn-cs"/>
-              </a:defRPr>
-            </a:lvl2pPr>
-            <a:lvl3pPr marL="1143000" indent="-228600" algn="l" defTabSz="914400" rtl="0" eaLnBrk="1" latinLnBrk="0" hangingPunct="1">
-              <a:lnSpc>
-                <a:spcPct val="90000"/>
-              </a:lnSpc>
-              <a:spcBef>
-                <a:spcPts val="500"/>
-              </a:spcBef>
-              <a:buFont typeface="Arial" panose="020B0604020202020204" pitchFamily="34" charset="0"/>
-              <a:buChar char="•"/>
-              <a:defRPr sz="2000" kern="1200">
-                <a:solidFill>
-                  <a:schemeClr val="tx1"/>
-                </a:solidFill>
-                <a:latin typeface="+mn-lt"/>
-                <a:ea typeface="+mn-ea"/>
-                <a:cs typeface="+mn-cs"/>
-              </a:defRPr>
-            </a:lvl3pPr>
-            <a:lvl4pPr marL="1600200" indent="-228600" algn="l" defTabSz="914400" rtl="0" eaLnBrk="1" latinLnBrk="0" hangingPunct="1">
-              <a:lnSpc>
-                <a:spcPct val="90000"/>
-              </a:lnSpc>
-              <a:spcBef>
-                <a:spcPts val="500"/>
-              </a:spcBef>
-              <a:buFont typeface="Arial" panose="020B0604020202020204" pitchFamily="34" charset="0"/>
-              <a:buChar char="•"/>
-              <a:defRPr sz="1800" kern="1200">
-                <a:solidFill>
-                  <a:schemeClr val="tx1"/>
-                </a:solidFill>
-                <a:latin typeface="+mn-lt"/>
-                <a:ea typeface="+mn-ea"/>
-                <a:cs typeface="+mn-cs"/>
-              </a:defRPr>
-            </a:lvl4pPr>
-            <a:lvl5pPr marL="2057400" indent="-228600" algn="l" defTabSz="914400" rtl="0" eaLnBrk="1" latinLnBrk="0" hangingPunct="1">
-              <a:lnSpc>
-                <a:spcPct val="90000"/>
-              </a:lnSpc>
-              <a:spcBef>
-                <a:spcPts val="500"/>
-              </a:spcBef>
-              <a:buFont typeface="Arial" panose="020B0604020202020204" pitchFamily="34" charset="0"/>
-              <a:buChar char="•"/>
-              <a:defRPr sz="1800" kern="1200">
-                <a:solidFill>
-                  <a:schemeClr val="tx1"/>
-                </a:solidFill>
-                <a:latin typeface="+mn-lt"/>
-                <a:ea typeface="+mn-ea"/>
-                <a:cs typeface="+mn-cs"/>
-              </a:defRPr>
-            </a:lvl5pPr>
-            <a:lvl6pPr marL="2514600" indent="-228600" algn="l" defTabSz="914400" rtl="0" eaLnBrk="1" latinLnBrk="0" hangingPunct="1">
-              <a:lnSpc>
-                <a:spcPct val="90000"/>
-              </a:lnSpc>
-              <a:spcBef>
-                <a:spcPts val="500"/>
-              </a:spcBef>
-              <a:buFont typeface="Arial" panose="020B0604020202020204" pitchFamily="34" charset="0"/>
-              <a:buChar char="•"/>
-              <a:defRPr sz="1800" kern="1200">
-                <a:solidFill>
-                  <a:schemeClr val="tx1"/>
-                </a:solidFill>
-                <a:latin typeface="+mn-lt"/>
-                <a:ea typeface="+mn-ea"/>
-                <a:cs typeface="+mn-cs"/>
-              </a:defRPr>
-            </a:lvl6pPr>
-            <a:lvl7pPr marL="2971800" indent="-228600" algn="l" defTabSz="914400" rtl="0" eaLnBrk="1" latinLnBrk="0" hangingPunct="1">
-              <a:lnSpc>
-                <a:spcPct val="90000"/>
-              </a:lnSpc>
-              <a:spcBef>
-                <a:spcPts val="500"/>
-              </a:spcBef>
-              <a:buFont typeface="Arial" panose="020B0604020202020204" pitchFamily="34" charset="0"/>
-              <a:buChar char="•"/>
-              <a:defRPr sz="1800" kern="1200">
-                <a:solidFill>
-                  <a:schemeClr val="tx1"/>
-                </a:solidFill>
-                <a:latin typeface="+mn-lt"/>
-                <a:ea typeface="+mn-ea"/>
-                <a:cs typeface="+mn-cs"/>
-              </a:defRPr>
-            </a:lvl7pPr>
-            <a:lvl8pPr marL="3429000" indent="-228600" algn="l" defTabSz="914400" rtl="0" eaLnBrk="1" latinLnBrk="0" hangingPunct="1">
-              <a:lnSpc>
-                <a:spcPct val="90000"/>
-              </a:lnSpc>
-              <a:spcBef>
-                <a:spcPts val="500"/>
-              </a:spcBef>
-              <a:buFont typeface="Arial" panose="020B0604020202020204" pitchFamily="34" charset="0"/>
-              <a:buChar char="•"/>
-              <a:defRPr sz="1800" kern="1200">
-                <a:solidFill>
-                  <a:schemeClr val="tx1"/>
-                </a:solidFill>
-                <a:latin typeface="+mn-lt"/>
-                <a:ea typeface="+mn-ea"/>
-                <a:cs typeface="+mn-cs"/>
-              </a:defRPr>
-            </a:lvl8pPr>
-            <a:lvl9pPr marL="3886200" indent="-228600" algn="l" defTabSz="914400" rtl="0" eaLnBrk="1" latinLnBrk="0" hangingPunct="1">
-              <a:lnSpc>
-                <a:spcPct val="90000"/>
-              </a:lnSpc>
-              <a:spcBef>
-                <a:spcPts val="500"/>
-              </a:spcBef>
-              <a:buFont typeface="Arial" panose="020B0604020202020204" pitchFamily="34" charset="0"/>
-              <a:buChar char="•"/>
-              <a:defRPr sz="1800" kern="1200">
-                <a:solidFill>
-                  <a:schemeClr val="tx1"/>
-                </a:solidFill>
-                <a:latin typeface="+mn-lt"/>
-                <a:ea typeface="+mn-ea"/>
-                <a:cs typeface="+mn-cs"/>
-              </a:defRPr>
-            </a:lvl9pPr>
-          </a:lstStyle>
-          <a:p>
-            <a:r>
-              <a:rPr lang="en-US" sz="2400" dirty="0">
-                <a:latin typeface="Times New Roman" panose="02020603050405020304" pitchFamily="18" charset="0"/>
-                <a:cs typeface="Times New Roman" panose="02020603050405020304" pitchFamily="18" charset="0"/>
-              </a:rPr>
-              <a:t>Step 4. Determine whether the sets are balanced</a:t>
-            </a:r>
-          </a:p>
-          <a:p>
-            <a:endParaRPr lang="en-US" sz="400" dirty="0">
-              <a:latin typeface="Times New Roman" panose="02020603050405020304" pitchFamily="18" charset="0"/>
-              <a:cs typeface="Times New Roman" panose="02020603050405020304" pitchFamily="18" charset="0"/>
-            </a:endParaRPr>
-          </a:p>
-          <a:p>
-            <a:pPr lvl="1"/>
-            <a:r>
-              <a:rPr lang="en-US" sz="2000" dirty="0">
-                <a:latin typeface="Times New Roman" panose="02020603050405020304" pitchFamily="18" charset="0"/>
-                <a:cs typeface="Times New Roman" panose="02020603050405020304" pitchFamily="18" charset="0"/>
-              </a:rPr>
-              <a:t>If the size of these disjoint sets are </a:t>
-            </a:r>
-            <a:r>
-              <a:rPr lang="en-US" sz="2000" b="1" dirty="0">
-                <a:latin typeface="Times New Roman" panose="02020603050405020304" pitchFamily="18" charset="0"/>
-                <a:cs typeface="Times New Roman" panose="02020603050405020304" pitchFamily="18" charset="0"/>
-              </a:rPr>
-              <a:t>balanced</a:t>
-            </a:r>
-            <a:r>
-              <a:rPr lang="en-US" sz="2000" dirty="0">
-                <a:latin typeface="Times New Roman" panose="02020603050405020304" pitchFamily="18" charset="0"/>
-                <a:cs typeface="Times New Roman" panose="02020603050405020304" pitchFamily="18" charset="0"/>
-              </a:rPr>
-              <a:t>, we can just pack them together</a:t>
-            </a:r>
-          </a:p>
-          <a:p>
-            <a:pPr lvl="1"/>
-            <a:endParaRPr lang="en-US" sz="400" dirty="0">
-              <a:latin typeface="Times New Roman" panose="02020603050405020304" pitchFamily="18" charset="0"/>
-              <a:cs typeface="Times New Roman" panose="02020603050405020304" pitchFamily="18" charset="0"/>
-            </a:endParaRPr>
-          </a:p>
-          <a:p>
-            <a:pPr lvl="1"/>
-            <a:r>
-              <a:rPr lang="en-US" sz="2000" dirty="0">
-                <a:latin typeface="Times New Roman" panose="02020603050405020304" pitchFamily="18" charset="0"/>
-                <a:cs typeface="Times New Roman" panose="02020603050405020304" pitchFamily="18" charset="0"/>
-              </a:rPr>
-              <a:t>If the size of these disjoint sets are </a:t>
-            </a:r>
-            <a:r>
-              <a:rPr lang="en-US" sz="2000" b="1" dirty="0">
-                <a:latin typeface="Times New Roman" panose="02020603050405020304" pitchFamily="18" charset="0"/>
-                <a:cs typeface="Times New Roman" panose="02020603050405020304" pitchFamily="18" charset="0"/>
-              </a:rPr>
-              <a:t>unbalanced</a:t>
-            </a:r>
-            <a:r>
-              <a:rPr lang="en-US" sz="2000" dirty="0">
-                <a:latin typeface="Times New Roman" panose="02020603050405020304" pitchFamily="18" charset="0"/>
-                <a:cs typeface="Times New Roman" panose="02020603050405020304" pitchFamily="18" charset="0"/>
-              </a:rPr>
-              <a:t>, they will use the method of </a:t>
-            </a:r>
-            <a:r>
-              <a:rPr lang="en-US" sz="2000" b="1" dirty="0">
-                <a:latin typeface="Times New Roman" panose="02020603050405020304" pitchFamily="18" charset="0"/>
-                <a:cs typeface="Times New Roman" panose="02020603050405020304" pitchFamily="18" charset="0"/>
-              </a:rPr>
-              <a:t>METIS</a:t>
-            </a:r>
-            <a:r>
-              <a:rPr lang="en-US" sz="2000" dirty="0">
-                <a:latin typeface="Times New Roman" panose="02020603050405020304" pitchFamily="18" charset="0"/>
-                <a:cs typeface="Times New Roman" panose="02020603050405020304" pitchFamily="18" charset="0"/>
-              </a:rPr>
-              <a:t> graph partition to separate the endpoint graph</a:t>
-            </a:r>
-          </a:p>
-          <a:p>
-            <a:pPr marL="0" indent="0">
-              <a:buNone/>
-            </a:pPr>
-            <a:br>
-              <a:rPr lang="en-US" dirty="0">
-                <a:latin typeface="Times New Roman" panose="02020603050405020304" pitchFamily="18" charset="0"/>
-                <a:cs typeface="Times New Roman" panose="02020603050405020304" pitchFamily="18" charset="0"/>
-              </a:rPr>
-            </a:br>
-            <a:endParaRPr lang="en-US" dirty="0">
-              <a:latin typeface="Times New Roman" panose="02020603050405020304" pitchFamily="18" charset="0"/>
-              <a:cs typeface="Times New Roman" panose="02020603050405020304" pitchFamily="18" charset="0"/>
-            </a:endParaRPr>
-          </a:p>
-        </p:txBody>
-      </p:sp>
-      <p:pic>
-        <p:nvPicPr>
-          <p:cNvPr id="7" name="Content Placeholder 4">
-            <a:extLst>
-              <a:ext uri="{FF2B5EF4-FFF2-40B4-BE49-F238E27FC236}">
-                <a16:creationId xmlns:a16="http://schemas.microsoft.com/office/drawing/2014/main" id="{F6B3B033-46FF-A616-3916-D99DCCA4FE3E}"/>
-              </a:ext>
-            </a:extLst>
-          </p:cNvPr>
-          <p:cNvPicPr>
-            <a:picLocks noChangeAspect="1"/>
-          </p:cNvPicPr>
-          <p:nvPr/>
-        </p:nvPicPr>
-        <p:blipFill>
-          <a:blip r:embed="rId2"/>
-          <a:stretch>
-            <a:fillRect/>
-          </a:stretch>
-        </p:blipFill>
-        <p:spPr>
-          <a:xfrm>
-            <a:off x="4103668" y="3798465"/>
-            <a:ext cx="3984664" cy="2849818"/>
-          </a:xfrm>
-          <a:prstGeom prst="rect">
-            <a:avLst/>
-          </a:prstGeom>
-        </p:spPr>
-      </p:pic>
-      <p:sp>
-        <p:nvSpPr>
-          <p:cNvPr id="8" name="Slide Number Placeholder 7">
-            <a:extLst>
-              <a:ext uri="{FF2B5EF4-FFF2-40B4-BE49-F238E27FC236}">
-                <a16:creationId xmlns:a16="http://schemas.microsoft.com/office/drawing/2014/main" id="{1F8372CC-289D-737B-415D-FF7B68ADF3E8}"/>
-              </a:ext>
-            </a:extLst>
-          </p:cNvPr>
-          <p:cNvSpPr>
-            <a:spLocks noGrp="1"/>
-          </p:cNvSpPr>
-          <p:nvPr>
-            <p:ph type="sldNum" sz="quarter" idx="12"/>
-          </p:nvPr>
-        </p:nvSpPr>
-        <p:spPr/>
-        <p:txBody>
-          <a:bodyPr/>
-          <a:lstStyle/>
-          <a:p>
-            <a:fld id="{666274A1-CF9C-426A-8DD4-B13ED0C24231}" type="slidenum">
-              <a:rPr lang="en-US" smtClean="0"/>
-              <a:t>8</a:t>
-            </a:fld>
-            <a:endParaRPr lang="en-US"/>
-          </a:p>
-        </p:txBody>
-      </p:sp>
-    </p:spTree>
-    <p:extLst>
-      <p:ext uri="{BB962C8B-B14F-4D97-AF65-F5344CB8AC3E}">
-        <p14:creationId xmlns:p14="http://schemas.microsoft.com/office/powerpoint/2010/main" val="2531324638"/>
       </p:ext>
     </p:extLst>
   </p:cSld>

--- a/GM/Partition/Fast STA Graph Partitioning Framework for Multi-GPU Acceleration/Fast STA Graph Partitioning Framework for Multi-GPU Acceleration.pptx
+++ b/GM/Partition/Fast STA Graph Partitioning Framework for Multi-GPU Acceleration/Fast STA Graph Partitioning Framework for Multi-GPU Acceleration.pptx
@@ -5,7 +5,7 @@
     <p:sldMasterId id="2147483648" r:id="rId1"/>
   </p:sldMasterIdLst>
   <p:notesMasterIdLst>
-    <p:notesMasterId r:id="rId38"/>
+    <p:notesMasterId r:id="rId44"/>
   </p:notesMasterIdLst>
   <p:sldIdLst>
     <p:sldId id="256" r:id="rId2"/>
@@ -44,6 +44,12 @@
     <p:sldId id="290" r:id="rId35"/>
     <p:sldId id="291" r:id="rId36"/>
     <p:sldId id="292" r:id="rId37"/>
+    <p:sldId id="293" r:id="rId38"/>
+    <p:sldId id="294" r:id="rId39"/>
+    <p:sldId id="295" r:id="rId40"/>
+    <p:sldId id="296" r:id="rId41"/>
+    <p:sldId id="297" r:id="rId42"/>
+    <p:sldId id="298" r:id="rId43"/>
   </p:sldIdLst>
   <p:sldSz cx="12192000" cy="6858000"/>
   <p:notesSz cx="6858000" cy="9144000"/>
@@ -1749,7 +1755,7 @@
           <a:p>
             <a:fld id="{C9ED61FB-B9B0-4D85-A72E-A614C28ECC4E}" type="datetimeFigureOut">
               <a:rPr lang="en-US" smtClean="0"/>
-              <a:t>8/24/2023</a:t>
+              <a:t>8/25/2023</a:t>
             </a:fld>
             <a:endParaRPr lang="en-US"/>
           </a:p>
@@ -2100,6 +2106,240 @@
 </p:notes>
 </file>
 
+<file path=ppt/notesSlides/notesSlide10.xml><?xml version="1.0" encoding="utf-8"?>
+<p:notes xmlns:a="http://schemas.openxmlformats.org/drawingml/2006/main" xmlns:r="http://schemas.openxmlformats.org/officeDocument/2006/relationships" xmlns:p="http://schemas.openxmlformats.org/presentationml/2006/main">
+  <p:cSld>
+    <p:spTree>
+      <p:nvGrpSpPr>
+        <p:cNvPr id="1" name=""/>
+        <p:cNvGrpSpPr/>
+        <p:nvPr/>
+      </p:nvGrpSpPr>
+      <p:grpSpPr>
+        <a:xfrm>
+          <a:off x="0" y="0"/>
+          <a:ext cx="0" cy="0"/>
+          <a:chOff x="0" y="0"/>
+          <a:chExt cx="0" cy="0"/>
+        </a:xfrm>
+      </p:grpSpPr>
+      <p:sp>
+        <p:nvSpPr>
+          <p:cNvPr id="2" name="Slide Image Placeholder 1"/>
+          <p:cNvSpPr>
+            <a:spLocks noGrp="1" noRot="1" noChangeAspect="1"/>
+          </p:cNvSpPr>
+          <p:nvPr>
+            <p:ph type="sldImg"/>
+          </p:nvPr>
+        </p:nvSpPr>
+        <p:spPr/>
+      </p:sp>
+      <p:sp>
+        <p:nvSpPr>
+          <p:cNvPr id="3" name="Notes Placeholder 2"/>
+          <p:cNvSpPr>
+            <a:spLocks noGrp="1"/>
+          </p:cNvSpPr>
+          <p:nvPr>
+            <p:ph type="body" idx="1"/>
+          </p:nvPr>
+        </p:nvSpPr>
+        <p:spPr/>
+        <p:txBody>
+          <a:bodyPr/>
+          <a:lstStyle/>
+          <a:p>
+            <a:pPr marL="171450" indent="-171450">
+              <a:buFont typeface="Arial" panose="020B0604020202020204" pitchFamily="34" charset="0"/>
+              <a:buChar char="•"/>
+            </a:pPr>
+            <a:r>
+              <a:rPr lang="en-US" altLang="zh-TW" dirty="0"/>
+              <a:t>These 4 design are the largest and densest real design</a:t>
+            </a:r>
+          </a:p>
+          <a:p>
+            <a:pPr marL="171450" indent="-171450">
+              <a:buFont typeface="Arial" panose="020B0604020202020204" pitchFamily="34" charset="0"/>
+              <a:buChar char="•"/>
+            </a:pPr>
+            <a:r>
+              <a:rPr lang="en-US" altLang="zh-TW" dirty="0"/>
+              <a:t>Replication factor : average number of times that a </a:t>
+            </a:r>
+            <a:r>
+              <a:rPr lang="en-US" altLang="zh-TW" dirty="0" err="1"/>
+              <a:t>ckt</a:t>
+            </a:r>
+            <a:r>
+              <a:rPr lang="en-US" altLang="zh-TW" dirty="0"/>
+              <a:t> pin shows up in all partitions combined (</a:t>
+            </a:r>
+            <a:r>
+              <a:rPr lang="zh-TW" altLang="en-US" dirty="0"/>
+              <a:t>就是平均每一個</a:t>
+            </a:r>
+            <a:r>
+              <a:rPr lang="en-US" altLang="zh-TW" dirty="0"/>
+              <a:t>Pin</a:t>
+            </a:r>
+            <a:r>
+              <a:rPr lang="zh-TW" altLang="en-US" dirty="0"/>
+              <a:t>會出現在幾個</a:t>
+            </a:r>
+            <a:r>
+              <a:rPr lang="en-US" altLang="zh-TW" dirty="0"/>
+              <a:t>partition</a:t>
+            </a:r>
+            <a:r>
+              <a:rPr lang="zh-TW" altLang="en-US" dirty="0"/>
+              <a:t>中</a:t>
+            </a:r>
+            <a:r>
+              <a:rPr lang="en-US" altLang="zh-TW" dirty="0"/>
+              <a:t>)</a:t>
+            </a:r>
+            <a:endParaRPr lang="zh-TW" altLang="en-US" dirty="0"/>
+          </a:p>
+        </p:txBody>
+      </p:sp>
+      <p:sp>
+        <p:nvSpPr>
+          <p:cNvPr id="4" name="Slide Number Placeholder 3"/>
+          <p:cNvSpPr>
+            <a:spLocks noGrp="1"/>
+          </p:cNvSpPr>
+          <p:nvPr>
+            <p:ph type="sldNum" sz="quarter" idx="5"/>
+          </p:nvPr>
+        </p:nvSpPr>
+        <p:spPr/>
+        <p:txBody>
+          <a:bodyPr/>
+          <a:lstStyle/>
+          <a:p>
+            <a:fld id="{9D457EAB-1485-47AD-BEAD-484FAEBF5A54}" type="slidenum">
+              <a:rPr lang="en-US" smtClean="0"/>
+              <a:t>37</a:t>
+            </a:fld>
+            <a:endParaRPr lang="en-US"/>
+          </a:p>
+        </p:txBody>
+      </p:sp>
+    </p:spTree>
+    <p:extLst>
+      <p:ext uri="{BB962C8B-B14F-4D97-AF65-F5344CB8AC3E}">
+        <p14:creationId xmlns:p14="http://schemas.microsoft.com/office/powerpoint/2010/main" val="3079588306"/>
+      </p:ext>
+    </p:extLst>
+  </p:cSld>
+  <p:clrMapOvr>
+    <a:masterClrMapping/>
+  </p:clrMapOvr>
+</p:notes>
+</file>
+
+<file path=ppt/notesSlides/notesSlide11.xml><?xml version="1.0" encoding="utf-8"?>
+<p:notes xmlns:a="http://schemas.openxmlformats.org/drawingml/2006/main" xmlns:r="http://schemas.openxmlformats.org/officeDocument/2006/relationships" xmlns:p="http://schemas.openxmlformats.org/presentationml/2006/main">
+  <p:cSld>
+    <p:spTree>
+      <p:nvGrpSpPr>
+        <p:cNvPr id="1" name=""/>
+        <p:cNvGrpSpPr/>
+        <p:nvPr/>
+      </p:nvGrpSpPr>
+      <p:grpSpPr>
+        <a:xfrm>
+          <a:off x="0" y="0"/>
+          <a:ext cx="0" cy="0"/>
+          <a:chOff x="0" y="0"/>
+          <a:chExt cx="0" cy="0"/>
+        </a:xfrm>
+      </p:grpSpPr>
+      <p:sp>
+        <p:nvSpPr>
+          <p:cNvPr id="2" name="Slide Image Placeholder 1"/>
+          <p:cNvSpPr>
+            <a:spLocks noGrp="1" noRot="1" noChangeAspect="1"/>
+          </p:cNvSpPr>
+          <p:nvPr>
+            <p:ph type="sldImg"/>
+          </p:nvPr>
+        </p:nvSpPr>
+        <p:spPr/>
+      </p:sp>
+      <p:sp>
+        <p:nvSpPr>
+          <p:cNvPr id="3" name="Notes Placeholder 2"/>
+          <p:cNvSpPr>
+            <a:spLocks noGrp="1"/>
+          </p:cNvSpPr>
+          <p:nvPr>
+            <p:ph type="body" idx="1"/>
+          </p:nvPr>
+        </p:nvSpPr>
+        <p:spPr/>
+        <p:txBody>
+          <a:bodyPr/>
+          <a:lstStyle/>
+          <a:p>
+            <a:pPr marL="171450" indent="-171450">
+              <a:buFont typeface="Arial" panose="020B0604020202020204" pitchFamily="34" charset="0"/>
+              <a:buChar char="•"/>
+            </a:pPr>
+            <a:r>
+              <a:rPr lang="en-US" altLang="zh-TW" dirty="0"/>
+              <a:t>Our </a:t>
+            </a:r>
+            <a:r>
+              <a:rPr lang="en-US" altLang="zh-TW" dirty="0" err="1"/>
+              <a:t>Taskflow</a:t>
+            </a:r>
+            <a:r>
+              <a:rPr lang="en-US" altLang="zh-TW" dirty="0"/>
+              <a:t> device manager balances the device workload when the number of partitions exceeds the number of devices.</a:t>
+            </a:r>
+            <a:endParaRPr lang="zh-TW" altLang="en-US" dirty="0"/>
+          </a:p>
+        </p:txBody>
+      </p:sp>
+      <p:sp>
+        <p:nvSpPr>
+          <p:cNvPr id="4" name="Slide Number Placeholder 3"/>
+          <p:cNvSpPr>
+            <a:spLocks noGrp="1"/>
+          </p:cNvSpPr>
+          <p:nvPr>
+            <p:ph type="sldNum" sz="quarter" idx="5"/>
+          </p:nvPr>
+        </p:nvSpPr>
+        <p:spPr/>
+        <p:txBody>
+          <a:bodyPr/>
+          <a:lstStyle/>
+          <a:p>
+            <a:fld id="{9D457EAB-1485-47AD-BEAD-484FAEBF5A54}" type="slidenum">
+              <a:rPr lang="en-US" smtClean="0"/>
+              <a:t>38</a:t>
+            </a:fld>
+            <a:endParaRPr lang="en-US"/>
+          </a:p>
+        </p:txBody>
+      </p:sp>
+    </p:spTree>
+    <p:extLst>
+      <p:ext uri="{BB962C8B-B14F-4D97-AF65-F5344CB8AC3E}">
+        <p14:creationId xmlns:p14="http://schemas.microsoft.com/office/powerpoint/2010/main" val="2928406861"/>
+      </p:ext>
+    </p:extLst>
+  </p:cSld>
+  <p:clrMapOvr>
+    <a:masterClrMapping/>
+  </p:clrMapOvr>
+</p:notes>
+</file>
+
 <file path=ppt/notesSlides/notesSlide2.xml><?xml version="1.0" encoding="utf-8"?>
 <p:notes xmlns:a="http://schemas.openxmlformats.org/drawingml/2006/main" xmlns:r="http://schemas.openxmlformats.org/officeDocument/2006/relationships" xmlns:p="http://schemas.openxmlformats.org/presentationml/2006/main">
   <p:cSld>
@@ -2895,6 +3135,156 @@
     <p:extLst>
       <p:ext uri="{BB962C8B-B14F-4D97-AF65-F5344CB8AC3E}">
         <p14:creationId xmlns:p14="http://schemas.microsoft.com/office/powerpoint/2010/main" val="2750043294"/>
+      </p:ext>
+    </p:extLst>
+  </p:cSld>
+  <p:clrMapOvr>
+    <a:masterClrMapping/>
+  </p:clrMapOvr>
+</p:notes>
+</file>
+
+<file path=ppt/notesSlides/notesSlide9.xml><?xml version="1.0" encoding="utf-8"?>
+<p:notes xmlns:a="http://schemas.openxmlformats.org/drawingml/2006/main" xmlns:r="http://schemas.openxmlformats.org/officeDocument/2006/relationships" xmlns:p="http://schemas.openxmlformats.org/presentationml/2006/main">
+  <p:cSld>
+    <p:spTree>
+      <p:nvGrpSpPr>
+        <p:cNvPr id="1" name=""/>
+        <p:cNvGrpSpPr/>
+        <p:nvPr/>
+      </p:nvGrpSpPr>
+      <p:grpSpPr>
+        <a:xfrm>
+          <a:off x="0" y="0"/>
+          <a:ext cx="0" cy="0"/>
+          <a:chOff x="0" y="0"/>
+          <a:chExt cx="0" cy="0"/>
+        </a:xfrm>
+      </p:grpSpPr>
+      <p:sp>
+        <p:nvSpPr>
+          <p:cNvPr id="2" name="Slide Image Placeholder 1"/>
+          <p:cNvSpPr>
+            <a:spLocks noGrp="1" noRot="1" noChangeAspect="1"/>
+          </p:cNvSpPr>
+          <p:nvPr>
+            <p:ph type="sldImg"/>
+          </p:nvPr>
+        </p:nvSpPr>
+        <p:spPr/>
+      </p:sp>
+      <p:sp>
+        <p:nvSpPr>
+          <p:cNvPr id="3" name="Notes Placeholder 2"/>
+          <p:cNvSpPr>
+            <a:spLocks noGrp="1"/>
+          </p:cNvSpPr>
+          <p:nvPr>
+            <p:ph type="body" idx="1"/>
+          </p:nvPr>
+        </p:nvSpPr>
+        <p:spPr/>
+        <p:txBody>
+          <a:bodyPr/>
+          <a:lstStyle/>
+          <a:p>
+            <a:pPr marL="171450" indent="-171450">
+              <a:buFont typeface="Arial" panose="020B0604020202020204" pitchFamily="34" charset="0"/>
+              <a:buChar char="•"/>
+            </a:pPr>
+            <a:r>
+              <a:rPr lang="en-US" altLang="zh-TW" dirty="0"/>
+              <a:t>Report 100K critical paths.</a:t>
+            </a:r>
+          </a:p>
+          <a:p>
+            <a:pPr marL="171450" indent="-171450">
+              <a:buFont typeface="Arial" panose="020B0604020202020204" pitchFamily="34" charset="0"/>
+              <a:buChar char="•"/>
+            </a:pPr>
+            <a:r>
+              <a:rPr lang="en-US" altLang="zh-TW" dirty="0"/>
+              <a:t>Does not induce any loss of accuracy compared to the baseline.</a:t>
+            </a:r>
+          </a:p>
+          <a:p>
+            <a:pPr marL="171450" indent="-171450">
+              <a:buFont typeface="Arial" panose="020B0604020202020204" pitchFamily="34" charset="0"/>
+              <a:buChar char="•"/>
+            </a:pPr>
+            <a:r>
+              <a:rPr lang="en-US" altLang="zh-TW" dirty="0"/>
+              <a:t>8 partition take majority of runtime in graph partition</a:t>
+            </a:r>
+          </a:p>
+          <a:p>
+            <a:pPr marL="171450" indent="-171450">
+              <a:buFont typeface="Arial" panose="020B0604020202020204" pitchFamily="34" charset="0"/>
+              <a:buChar char="•"/>
+            </a:pPr>
+            <a:r>
+              <a:rPr lang="zh-TW" altLang="en-US" dirty="0"/>
+              <a:t>沒有一個</a:t>
+            </a:r>
+            <a:r>
+              <a:rPr lang="en-US" altLang="zh-TW" dirty="0"/>
+              <a:t>Pin</a:t>
+            </a:r>
+            <a:r>
+              <a:rPr lang="zh-TW" altLang="en-US" dirty="0"/>
+              <a:t>會</a:t>
+            </a:r>
+            <a:r>
+              <a:rPr lang="en-US" altLang="zh-TW" dirty="0"/>
+              <a:t>replicate</a:t>
+            </a:r>
+            <a:r>
+              <a:rPr lang="zh-TW" altLang="en-US" dirty="0"/>
+              <a:t> 超過一次 </a:t>
+            </a:r>
+            <a:r>
+              <a:rPr lang="en-US" altLang="zh-TW" dirty="0"/>
+              <a:t>(4-8</a:t>
+            </a:r>
+            <a:r>
+              <a:rPr lang="zh-TW" altLang="en-US" dirty="0"/>
+              <a:t> </a:t>
+            </a:r>
+            <a:r>
+              <a:rPr lang="en-US" altLang="zh-TW" dirty="0"/>
+              <a:t>partition)</a:t>
+            </a:r>
+            <a:endParaRPr lang="zh-TW" altLang="en-US" dirty="0"/>
+          </a:p>
+        </p:txBody>
+      </p:sp>
+      <p:sp>
+        <p:nvSpPr>
+          <p:cNvPr id="4" name="Slide Number Placeholder 3"/>
+          <p:cNvSpPr>
+            <a:spLocks noGrp="1"/>
+          </p:cNvSpPr>
+          <p:nvPr>
+            <p:ph type="sldNum" sz="quarter" idx="5"/>
+          </p:nvPr>
+        </p:nvSpPr>
+        <p:spPr/>
+        <p:txBody>
+          <a:bodyPr/>
+          <a:lstStyle/>
+          <a:p>
+            <a:fld id="{9D457EAB-1485-47AD-BEAD-484FAEBF5A54}" type="slidenum">
+              <a:rPr lang="en-US" smtClean="0"/>
+              <a:t>35</a:t>
+            </a:fld>
+            <a:endParaRPr lang="en-US"/>
+          </a:p>
+        </p:txBody>
+      </p:sp>
+    </p:spTree>
+    <p:extLst>
+      <p:ext uri="{BB962C8B-B14F-4D97-AF65-F5344CB8AC3E}">
+        <p14:creationId xmlns:p14="http://schemas.microsoft.com/office/powerpoint/2010/main" val="2323812641"/>
       </p:ext>
     </p:extLst>
   </p:cSld>
@@ -3051,7 +3441,7 @@
           <a:p>
             <a:fld id="{99BA7BAB-F69F-4C21-8D40-7AA273A2D01F}" type="datetime1">
               <a:rPr lang="en-US" smtClean="0"/>
-              <a:t>8/24/2023</a:t>
+              <a:t>8/25/2023</a:t>
             </a:fld>
             <a:endParaRPr lang="en-US"/>
           </a:p>
@@ -3076,9 +3466,16 @@
         <p:spPr/>
         <p:txBody>
           <a:bodyPr/>
-          <a:lstStyle/>
-          <a:p>
-            <a:endParaRPr lang="en-US"/>
+          <a:lstStyle>
+            <a:lvl1pPr>
+              <a:defRPr sz="900"/>
+            </a:lvl1pPr>
+          </a:lstStyle>
+          <a:p>
+            <a:r>
+              <a:rPr lang="en-US" dirty="0"/>
+              <a:t>NTHU VLSI/CAD TCLAB</a:t>
+            </a:r>
           </a:p>
         </p:txBody>
       </p:sp>
@@ -3249,7 +3646,7 @@
           <a:p>
             <a:fld id="{FB00A8EC-4678-43EE-BE64-F312B7F1A46F}" type="datetime1">
               <a:rPr lang="en-US" smtClean="0"/>
-              <a:t>8/24/2023</a:t>
+              <a:t>8/25/2023</a:t>
             </a:fld>
             <a:endParaRPr lang="en-US"/>
           </a:p>
@@ -3457,7 +3854,7 @@
           <a:p>
             <a:fld id="{9487F23D-EA8F-4C56-9373-23F6109AD11F}" type="datetime1">
               <a:rPr lang="en-US" smtClean="0"/>
-              <a:t>8/24/2023</a:t>
+              <a:t>8/25/2023</a:t>
             </a:fld>
             <a:endParaRPr lang="en-US"/>
           </a:p>
@@ -3655,7 +4052,7 @@
           <a:p>
             <a:fld id="{A34E716E-0239-4A81-9CF4-D3B9651721CF}" type="datetime1">
               <a:rPr lang="en-US" smtClean="0"/>
-              <a:t>8/24/2023</a:t>
+              <a:t>8/25/2023</a:t>
             </a:fld>
             <a:endParaRPr lang="en-US"/>
           </a:p>
@@ -3680,9 +4077,16 @@
         <p:spPr/>
         <p:txBody>
           <a:bodyPr/>
-          <a:lstStyle/>
-          <a:p>
-            <a:endParaRPr lang="en-US"/>
+          <a:lstStyle>
+            <a:lvl1pPr>
+              <a:defRPr sz="1100"/>
+            </a:lvl1pPr>
+          </a:lstStyle>
+          <a:p>
+            <a:r>
+              <a:rPr lang="en-US" altLang="zh-TW" dirty="0"/>
+              <a:t>NTHU VLSI/CAD TCLAB</a:t>
+            </a:r>
           </a:p>
         </p:txBody>
       </p:sp>
@@ -3930,7 +4334,7 @@
           <a:p>
             <a:fld id="{CC112E56-3D97-4B86-935C-1C493DD86A08}" type="datetime1">
               <a:rPr lang="en-US" smtClean="0"/>
-              <a:t>8/24/2023</a:t>
+              <a:t>8/25/2023</a:t>
             </a:fld>
             <a:endParaRPr lang="en-US"/>
           </a:p>
@@ -4195,7 +4599,7 @@
           <a:p>
             <a:fld id="{40649135-BABF-4F63-9AF8-3CEC545E47DC}" type="datetime1">
               <a:rPr lang="en-US" smtClean="0"/>
-              <a:t>8/24/2023</a:t>
+              <a:t>8/25/2023</a:t>
             </a:fld>
             <a:endParaRPr lang="en-US"/>
           </a:p>
@@ -4607,7 +5011,7 @@
           <a:p>
             <a:fld id="{B16EBC02-C9C0-442D-A8A6-494057203542}" type="datetime1">
               <a:rPr lang="en-US" smtClean="0"/>
-              <a:t>8/24/2023</a:t>
+              <a:t>8/25/2023</a:t>
             </a:fld>
             <a:endParaRPr lang="en-US"/>
           </a:p>
@@ -4748,7 +5152,7 @@
           <a:p>
             <a:fld id="{A126C4B4-559D-414E-BC9C-16A745BBF3C3}" type="datetime1">
               <a:rPr lang="en-US" smtClean="0"/>
-              <a:t>8/24/2023</a:t>
+              <a:t>8/25/2023</a:t>
             </a:fld>
             <a:endParaRPr lang="en-US"/>
           </a:p>
@@ -4861,7 +5265,7 @@
           <a:p>
             <a:fld id="{0D49D49E-73A5-4C03-BFEA-3D845EB044D8}" type="datetime1">
               <a:rPr lang="en-US" smtClean="0"/>
-              <a:t>8/24/2023</a:t>
+              <a:t>8/25/2023</a:t>
             </a:fld>
             <a:endParaRPr lang="en-US"/>
           </a:p>
@@ -5172,7 +5576,7 @@
           <a:p>
             <a:fld id="{4A0F93E6-3134-410C-B573-A5F6B38FC346}" type="datetime1">
               <a:rPr lang="en-US" smtClean="0"/>
-              <a:t>8/24/2023</a:t>
+              <a:t>8/25/2023</a:t>
             </a:fld>
             <a:endParaRPr lang="en-US"/>
           </a:p>
@@ -5460,7 +5864,7 @@
           <a:p>
             <a:fld id="{F766E70F-5320-45A5-BE33-1819A93C2AF4}" type="datetime1">
               <a:rPr lang="en-US" smtClean="0"/>
-              <a:t>8/24/2023</a:t>
+              <a:t>8/25/2023</a:t>
             </a:fld>
             <a:endParaRPr lang="en-US"/>
           </a:p>
@@ -5701,7 +6105,7 @@
           <a:p>
             <a:fld id="{A706458B-0289-40FF-A02D-2C541B7F1CB6}" type="datetime1">
               <a:rPr lang="en-US" smtClean="0"/>
-              <a:t>8/24/2023</a:t>
+              <a:t>8/25/2023</a:t>
             </a:fld>
             <a:endParaRPr lang="en-US"/>
           </a:p>
@@ -6165,506 +6569,584 @@
           </a:p>
         </p:txBody>
       </p:sp>
-      <p:sp>
-        <p:nvSpPr>
-          <p:cNvPr id="3" name="Subtitle 2">
+      <p:grpSp>
+        <p:nvGrpSpPr>
+          <p:cNvPr id="6" name="Group 5">
             <a:extLst>
               <a:ext uri="{FF2B5EF4-FFF2-40B4-BE49-F238E27FC236}">
-                <a16:creationId xmlns:a16="http://schemas.microsoft.com/office/drawing/2014/main" id="{BCEABCF3-9E18-E949-8460-CD9EAAF2850D}"/>
+                <a16:creationId xmlns:a16="http://schemas.microsoft.com/office/drawing/2014/main" id="{A54B4A0C-BF94-C061-C67E-D07DBEA582F1}"/>
               </a:ext>
             </a:extLst>
           </p:cNvPr>
-          <p:cNvSpPr>
-            <a:spLocks noGrp="1"/>
-          </p:cNvSpPr>
-          <p:nvPr>
-            <p:ph type="subTitle" idx="1"/>
-          </p:nvPr>
-        </p:nvSpPr>
-        <p:spPr>
+          <p:cNvGrpSpPr/>
+          <p:nvPr/>
+        </p:nvGrpSpPr>
+        <p:grpSpPr>
           <a:xfrm>
-            <a:off x="3870158" y="4482348"/>
-            <a:ext cx="4451684" cy="1024104"/>
+            <a:off x="112294" y="3592930"/>
+            <a:ext cx="11967411" cy="1024689"/>
+            <a:chOff x="80210" y="4482348"/>
+            <a:chExt cx="11967411" cy="1024689"/>
           </a:xfrm>
-        </p:spPr>
-        <p:txBody>
-          <a:bodyPr>
-            <a:normAutofit/>
-          </a:bodyPr>
-          <a:lstStyle/>
-          <a:p>
-            <a:r>
-              <a:rPr lang="en-US" sz="2000" dirty="0">
-                <a:latin typeface="Times New Roman" panose="02020603050405020304" pitchFamily="18" charset="0"/>
-                <a:cs typeface="Times New Roman" panose="02020603050405020304" pitchFamily="18" charset="0"/>
-              </a:rPr>
-              <a:t>Tsung-Wei Huang</a:t>
-            </a:r>
-          </a:p>
-          <a:p>
-            <a:r>
-              <a:rPr lang="en-US" sz="1200" dirty="0">
-                <a:latin typeface="Times New Roman" panose="02020603050405020304" pitchFamily="18" charset="0"/>
-                <a:cs typeface="Times New Roman" panose="02020603050405020304" pitchFamily="18" charset="0"/>
-              </a:rPr>
-              <a:t>Department of Electrical and Computer Engineering</a:t>
-            </a:r>
-          </a:p>
-          <a:p>
-            <a:r>
-              <a:rPr lang="en-US" sz="1200" dirty="0">
-                <a:latin typeface="Times New Roman" panose="02020603050405020304" pitchFamily="18" charset="0"/>
-                <a:cs typeface="Times New Roman" panose="02020603050405020304" pitchFamily="18" charset="0"/>
-              </a:rPr>
-              <a:t>University of Utah, Salt Lake City, UT, USA</a:t>
-            </a:r>
-          </a:p>
-        </p:txBody>
-      </p:sp>
+        </p:grpSpPr>
+        <p:sp>
+          <p:nvSpPr>
+            <p:cNvPr id="3" name="Subtitle 2">
+              <a:extLst>
+                <a:ext uri="{FF2B5EF4-FFF2-40B4-BE49-F238E27FC236}">
+                  <a16:creationId xmlns:a16="http://schemas.microsoft.com/office/drawing/2014/main" id="{BCEABCF3-9E18-E949-8460-CD9EAAF2850D}"/>
+                </a:ext>
+              </a:extLst>
+            </p:cNvPr>
+            <p:cNvSpPr>
+              <a:spLocks/>
+            </p:cNvSpPr>
+            <p:nvPr>
+              <p:ph type="subTitle" idx="1"/>
+            </p:nvPr>
+          </p:nvSpPr>
+          <p:spPr>
+            <a:xfrm>
+              <a:off x="3870158" y="4482348"/>
+              <a:ext cx="4451684" cy="1024104"/>
+            </a:xfrm>
+          </p:spPr>
+          <p:txBody>
+            <a:bodyPr>
+              <a:normAutofit/>
+            </a:bodyPr>
+            <a:lstStyle/>
+            <a:p>
+              <a:r>
+                <a:rPr lang="en-US" sz="2000" dirty="0">
+                  <a:latin typeface="Times New Roman" panose="02020603050405020304" pitchFamily="18" charset="0"/>
+                  <a:cs typeface="Times New Roman" panose="02020603050405020304" pitchFamily="18" charset="0"/>
+                </a:rPr>
+                <a:t>Tsung-Wei Huang</a:t>
+              </a:r>
+            </a:p>
+            <a:p>
+              <a:r>
+                <a:rPr lang="en-US" sz="1200" dirty="0">
+                  <a:latin typeface="Times New Roman" panose="02020603050405020304" pitchFamily="18" charset="0"/>
+                  <a:cs typeface="Times New Roman" panose="02020603050405020304" pitchFamily="18" charset="0"/>
+                </a:rPr>
+                <a:t>Department of Electrical and Computer Engineering</a:t>
+              </a:r>
+            </a:p>
+            <a:p>
+              <a:r>
+                <a:rPr lang="en-US" sz="1200" dirty="0">
+                  <a:latin typeface="Times New Roman" panose="02020603050405020304" pitchFamily="18" charset="0"/>
+                  <a:cs typeface="Times New Roman" panose="02020603050405020304" pitchFamily="18" charset="0"/>
+                </a:rPr>
+                <a:t>University of Utah, Salt Lake City, UT, USA</a:t>
+              </a:r>
+            </a:p>
+          </p:txBody>
+        </p:sp>
+        <p:sp>
+          <p:nvSpPr>
+            <p:cNvPr id="4" name="Subtitle 2">
+              <a:extLst>
+                <a:ext uri="{FF2B5EF4-FFF2-40B4-BE49-F238E27FC236}">
+                  <a16:creationId xmlns:a16="http://schemas.microsoft.com/office/drawing/2014/main" id="{EC52C40B-2182-ADE7-EE15-2F08C10C5DC3}"/>
+                </a:ext>
+              </a:extLst>
+            </p:cNvPr>
+            <p:cNvSpPr txBox="1">
+              <a:spLocks/>
+            </p:cNvSpPr>
+            <p:nvPr/>
+          </p:nvSpPr>
+          <p:spPr>
+            <a:xfrm>
+              <a:off x="80210" y="4482933"/>
+              <a:ext cx="4451684" cy="1024104"/>
+            </a:xfrm>
+            <a:prstGeom prst="rect">
+              <a:avLst/>
+            </a:prstGeom>
+          </p:spPr>
+          <p:txBody>
+            <a:bodyPr vert="horz" lIns="91440" tIns="45720" rIns="91440" bIns="45720" rtlCol="0">
+              <a:normAutofit/>
+            </a:bodyPr>
+            <a:lstStyle>
+              <a:lvl1pPr marL="0" indent="0" algn="ctr" defTabSz="914400" rtl="0" eaLnBrk="1" latinLnBrk="0" hangingPunct="1">
+                <a:lnSpc>
+                  <a:spcPct val="90000"/>
+                </a:lnSpc>
+                <a:spcBef>
+                  <a:spcPts val="1000"/>
+                </a:spcBef>
+                <a:buFont typeface="Arial" panose="020B0604020202020204" pitchFamily="34" charset="0"/>
+                <a:buNone/>
+                <a:defRPr sz="2400" kern="1200">
+                  <a:solidFill>
+                    <a:schemeClr val="tx1"/>
+                  </a:solidFill>
+                  <a:latin typeface="+mn-lt"/>
+                  <a:ea typeface="+mn-ea"/>
+                  <a:cs typeface="+mn-cs"/>
+                </a:defRPr>
+              </a:lvl1pPr>
+              <a:lvl2pPr marL="457200" indent="0" algn="ctr" defTabSz="914400" rtl="0" eaLnBrk="1" latinLnBrk="0" hangingPunct="1">
+                <a:lnSpc>
+                  <a:spcPct val="90000"/>
+                </a:lnSpc>
+                <a:spcBef>
+                  <a:spcPts val="500"/>
+                </a:spcBef>
+                <a:buFont typeface="Arial" panose="020B0604020202020204" pitchFamily="34" charset="0"/>
+                <a:buNone/>
+                <a:defRPr sz="2000" kern="1200">
+                  <a:solidFill>
+                    <a:schemeClr val="tx1"/>
+                  </a:solidFill>
+                  <a:latin typeface="+mn-lt"/>
+                  <a:ea typeface="+mn-ea"/>
+                  <a:cs typeface="+mn-cs"/>
+                </a:defRPr>
+              </a:lvl2pPr>
+              <a:lvl3pPr marL="914400" indent="0" algn="ctr" defTabSz="914400" rtl="0" eaLnBrk="1" latinLnBrk="0" hangingPunct="1">
+                <a:lnSpc>
+                  <a:spcPct val="90000"/>
+                </a:lnSpc>
+                <a:spcBef>
+                  <a:spcPts val="500"/>
+                </a:spcBef>
+                <a:buFont typeface="Arial" panose="020B0604020202020204" pitchFamily="34" charset="0"/>
+                <a:buNone/>
+                <a:defRPr sz="1800" kern="1200">
+                  <a:solidFill>
+                    <a:schemeClr val="tx1"/>
+                  </a:solidFill>
+                  <a:latin typeface="+mn-lt"/>
+                  <a:ea typeface="+mn-ea"/>
+                  <a:cs typeface="+mn-cs"/>
+                </a:defRPr>
+              </a:lvl3pPr>
+              <a:lvl4pPr marL="1371600" indent="0" algn="ctr" defTabSz="914400" rtl="0" eaLnBrk="1" latinLnBrk="0" hangingPunct="1">
+                <a:lnSpc>
+                  <a:spcPct val="90000"/>
+                </a:lnSpc>
+                <a:spcBef>
+                  <a:spcPts val="500"/>
+                </a:spcBef>
+                <a:buFont typeface="Arial" panose="020B0604020202020204" pitchFamily="34" charset="0"/>
+                <a:buNone/>
+                <a:defRPr sz="1600" kern="1200">
+                  <a:solidFill>
+                    <a:schemeClr val="tx1"/>
+                  </a:solidFill>
+                  <a:latin typeface="+mn-lt"/>
+                  <a:ea typeface="+mn-ea"/>
+                  <a:cs typeface="+mn-cs"/>
+                </a:defRPr>
+              </a:lvl4pPr>
+              <a:lvl5pPr marL="1828800" indent="0" algn="ctr" defTabSz="914400" rtl="0" eaLnBrk="1" latinLnBrk="0" hangingPunct="1">
+                <a:lnSpc>
+                  <a:spcPct val="90000"/>
+                </a:lnSpc>
+                <a:spcBef>
+                  <a:spcPts val="500"/>
+                </a:spcBef>
+                <a:buFont typeface="Arial" panose="020B0604020202020204" pitchFamily="34" charset="0"/>
+                <a:buNone/>
+                <a:defRPr sz="1600" kern="1200">
+                  <a:solidFill>
+                    <a:schemeClr val="tx1"/>
+                  </a:solidFill>
+                  <a:latin typeface="+mn-lt"/>
+                  <a:ea typeface="+mn-ea"/>
+                  <a:cs typeface="+mn-cs"/>
+                </a:defRPr>
+              </a:lvl5pPr>
+              <a:lvl6pPr marL="2286000" indent="0" algn="ctr" defTabSz="914400" rtl="0" eaLnBrk="1" latinLnBrk="0" hangingPunct="1">
+                <a:lnSpc>
+                  <a:spcPct val="90000"/>
+                </a:lnSpc>
+                <a:spcBef>
+                  <a:spcPts val="500"/>
+                </a:spcBef>
+                <a:buFont typeface="Arial" panose="020B0604020202020204" pitchFamily="34" charset="0"/>
+                <a:buNone/>
+                <a:defRPr sz="1600" kern="1200">
+                  <a:solidFill>
+                    <a:schemeClr val="tx1"/>
+                  </a:solidFill>
+                  <a:latin typeface="+mn-lt"/>
+                  <a:ea typeface="+mn-ea"/>
+                  <a:cs typeface="+mn-cs"/>
+                </a:defRPr>
+              </a:lvl6pPr>
+              <a:lvl7pPr marL="2743200" indent="0" algn="ctr" defTabSz="914400" rtl="0" eaLnBrk="1" latinLnBrk="0" hangingPunct="1">
+                <a:lnSpc>
+                  <a:spcPct val="90000"/>
+                </a:lnSpc>
+                <a:spcBef>
+                  <a:spcPts val="500"/>
+                </a:spcBef>
+                <a:buFont typeface="Arial" panose="020B0604020202020204" pitchFamily="34" charset="0"/>
+                <a:buNone/>
+                <a:defRPr sz="1600" kern="1200">
+                  <a:solidFill>
+                    <a:schemeClr val="tx1"/>
+                  </a:solidFill>
+                  <a:latin typeface="+mn-lt"/>
+                  <a:ea typeface="+mn-ea"/>
+                  <a:cs typeface="+mn-cs"/>
+                </a:defRPr>
+              </a:lvl7pPr>
+              <a:lvl8pPr marL="3200400" indent="0" algn="ctr" defTabSz="914400" rtl="0" eaLnBrk="1" latinLnBrk="0" hangingPunct="1">
+                <a:lnSpc>
+                  <a:spcPct val="90000"/>
+                </a:lnSpc>
+                <a:spcBef>
+                  <a:spcPts val="500"/>
+                </a:spcBef>
+                <a:buFont typeface="Arial" panose="020B0604020202020204" pitchFamily="34" charset="0"/>
+                <a:buNone/>
+                <a:defRPr sz="1600" kern="1200">
+                  <a:solidFill>
+                    <a:schemeClr val="tx1"/>
+                  </a:solidFill>
+                  <a:latin typeface="+mn-lt"/>
+                  <a:ea typeface="+mn-ea"/>
+                  <a:cs typeface="+mn-cs"/>
+                </a:defRPr>
+              </a:lvl8pPr>
+              <a:lvl9pPr marL="3657600" indent="0" algn="ctr" defTabSz="914400" rtl="0" eaLnBrk="1" latinLnBrk="0" hangingPunct="1">
+                <a:lnSpc>
+                  <a:spcPct val="90000"/>
+                </a:lnSpc>
+                <a:spcBef>
+                  <a:spcPts val="500"/>
+                </a:spcBef>
+                <a:buFont typeface="Arial" panose="020B0604020202020204" pitchFamily="34" charset="0"/>
+                <a:buNone/>
+                <a:defRPr sz="1600" kern="1200">
+                  <a:solidFill>
+                    <a:schemeClr val="tx1"/>
+                  </a:solidFill>
+                  <a:latin typeface="+mn-lt"/>
+                  <a:ea typeface="+mn-ea"/>
+                  <a:cs typeface="+mn-cs"/>
+                </a:defRPr>
+              </a:lvl9pPr>
+            </a:lstStyle>
+            <a:p>
+              <a:r>
+                <a:rPr lang="en-US" sz="2000" dirty="0" err="1">
+                  <a:latin typeface="Times New Roman" panose="02020603050405020304" pitchFamily="18" charset="0"/>
+                  <a:cs typeface="Times New Roman" panose="02020603050405020304" pitchFamily="18" charset="0"/>
+                </a:rPr>
+                <a:t>Guannan</a:t>
+              </a:r>
+              <a:r>
+                <a:rPr lang="en-US" sz="2000" dirty="0">
+                  <a:latin typeface="Times New Roman" panose="02020603050405020304" pitchFamily="18" charset="0"/>
+                  <a:cs typeface="Times New Roman" panose="02020603050405020304" pitchFamily="18" charset="0"/>
+                </a:rPr>
+                <a:t> Guo</a:t>
+              </a:r>
+            </a:p>
+            <a:p>
+              <a:r>
+                <a:rPr lang="en-US" sz="1200" dirty="0">
+                  <a:latin typeface="Times New Roman" panose="02020603050405020304" pitchFamily="18" charset="0"/>
+                  <a:cs typeface="Times New Roman" panose="02020603050405020304" pitchFamily="18" charset="0"/>
+                </a:rPr>
+                <a:t>Department of Electrical and Computer Engineering</a:t>
+              </a:r>
+            </a:p>
+            <a:p>
+              <a:r>
+                <a:rPr lang="en-US" sz="1200" dirty="0">
+                  <a:latin typeface="Times New Roman" panose="02020603050405020304" pitchFamily="18" charset="0"/>
+                  <a:cs typeface="Times New Roman" panose="02020603050405020304" pitchFamily="18" charset="0"/>
+                </a:rPr>
+                <a:t>University of Illinois at Urbana-Champaign, IL, USA</a:t>
+              </a:r>
+            </a:p>
+          </p:txBody>
+        </p:sp>
+        <p:sp>
+          <p:nvSpPr>
+            <p:cNvPr id="5" name="Subtitle 2">
+              <a:extLst>
+                <a:ext uri="{FF2B5EF4-FFF2-40B4-BE49-F238E27FC236}">
+                  <a16:creationId xmlns:a16="http://schemas.microsoft.com/office/drawing/2014/main" id="{46647409-7711-D8A3-454D-DAD868519307}"/>
+                </a:ext>
+              </a:extLst>
+            </p:cNvPr>
+            <p:cNvSpPr txBox="1">
+              <a:spLocks/>
+            </p:cNvSpPr>
+            <p:nvPr/>
+          </p:nvSpPr>
+          <p:spPr>
+            <a:xfrm>
+              <a:off x="7595937" y="4482348"/>
+              <a:ext cx="4451684" cy="1024104"/>
+            </a:xfrm>
+            <a:prstGeom prst="rect">
+              <a:avLst/>
+            </a:prstGeom>
+          </p:spPr>
+          <p:txBody>
+            <a:bodyPr vert="horz" lIns="91440" tIns="45720" rIns="91440" bIns="45720" rtlCol="0">
+              <a:normAutofit/>
+            </a:bodyPr>
+            <a:lstStyle>
+              <a:lvl1pPr marL="0" indent="0" algn="ctr" defTabSz="914400" rtl="0" eaLnBrk="1" latinLnBrk="0" hangingPunct="1">
+                <a:lnSpc>
+                  <a:spcPct val="90000"/>
+                </a:lnSpc>
+                <a:spcBef>
+                  <a:spcPts val="1000"/>
+                </a:spcBef>
+                <a:buFont typeface="Arial" panose="020B0604020202020204" pitchFamily="34" charset="0"/>
+                <a:buNone/>
+                <a:defRPr sz="2400" kern="1200">
+                  <a:solidFill>
+                    <a:schemeClr val="tx1"/>
+                  </a:solidFill>
+                  <a:latin typeface="+mn-lt"/>
+                  <a:ea typeface="+mn-ea"/>
+                  <a:cs typeface="+mn-cs"/>
+                </a:defRPr>
+              </a:lvl1pPr>
+              <a:lvl2pPr marL="457200" indent="0" algn="ctr" defTabSz="914400" rtl="0" eaLnBrk="1" latinLnBrk="0" hangingPunct="1">
+                <a:lnSpc>
+                  <a:spcPct val="90000"/>
+                </a:lnSpc>
+                <a:spcBef>
+                  <a:spcPts val="500"/>
+                </a:spcBef>
+                <a:buFont typeface="Arial" panose="020B0604020202020204" pitchFamily="34" charset="0"/>
+                <a:buNone/>
+                <a:defRPr sz="2000" kern="1200">
+                  <a:solidFill>
+                    <a:schemeClr val="tx1"/>
+                  </a:solidFill>
+                  <a:latin typeface="+mn-lt"/>
+                  <a:ea typeface="+mn-ea"/>
+                  <a:cs typeface="+mn-cs"/>
+                </a:defRPr>
+              </a:lvl2pPr>
+              <a:lvl3pPr marL="914400" indent="0" algn="ctr" defTabSz="914400" rtl="0" eaLnBrk="1" latinLnBrk="0" hangingPunct="1">
+                <a:lnSpc>
+                  <a:spcPct val="90000"/>
+                </a:lnSpc>
+                <a:spcBef>
+                  <a:spcPts val="500"/>
+                </a:spcBef>
+                <a:buFont typeface="Arial" panose="020B0604020202020204" pitchFamily="34" charset="0"/>
+                <a:buNone/>
+                <a:defRPr sz="1800" kern="1200">
+                  <a:solidFill>
+                    <a:schemeClr val="tx1"/>
+                  </a:solidFill>
+                  <a:latin typeface="+mn-lt"/>
+                  <a:ea typeface="+mn-ea"/>
+                  <a:cs typeface="+mn-cs"/>
+                </a:defRPr>
+              </a:lvl3pPr>
+              <a:lvl4pPr marL="1371600" indent="0" algn="ctr" defTabSz="914400" rtl="0" eaLnBrk="1" latinLnBrk="0" hangingPunct="1">
+                <a:lnSpc>
+                  <a:spcPct val="90000"/>
+                </a:lnSpc>
+                <a:spcBef>
+                  <a:spcPts val="500"/>
+                </a:spcBef>
+                <a:buFont typeface="Arial" panose="020B0604020202020204" pitchFamily="34" charset="0"/>
+                <a:buNone/>
+                <a:defRPr sz="1600" kern="1200">
+                  <a:solidFill>
+                    <a:schemeClr val="tx1"/>
+                  </a:solidFill>
+                  <a:latin typeface="+mn-lt"/>
+                  <a:ea typeface="+mn-ea"/>
+                  <a:cs typeface="+mn-cs"/>
+                </a:defRPr>
+              </a:lvl4pPr>
+              <a:lvl5pPr marL="1828800" indent="0" algn="ctr" defTabSz="914400" rtl="0" eaLnBrk="1" latinLnBrk="0" hangingPunct="1">
+                <a:lnSpc>
+                  <a:spcPct val="90000"/>
+                </a:lnSpc>
+                <a:spcBef>
+                  <a:spcPts val="500"/>
+                </a:spcBef>
+                <a:buFont typeface="Arial" panose="020B0604020202020204" pitchFamily="34" charset="0"/>
+                <a:buNone/>
+                <a:defRPr sz="1600" kern="1200">
+                  <a:solidFill>
+                    <a:schemeClr val="tx1"/>
+                  </a:solidFill>
+                  <a:latin typeface="+mn-lt"/>
+                  <a:ea typeface="+mn-ea"/>
+                  <a:cs typeface="+mn-cs"/>
+                </a:defRPr>
+              </a:lvl5pPr>
+              <a:lvl6pPr marL="2286000" indent="0" algn="ctr" defTabSz="914400" rtl="0" eaLnBrk="1" latinLnBrk="0" hangingPunct="1">
+                <a:lnSpc>
+                  <a:spcPct val="90000"/>
+                </a:lnSpc>
+                <a:spcBef>
+                  <a:spcPts val="500"/>
+                </a:spcBef>
+                <a:buFont typeface="Arial" panose="020B0604020202020204" pitchFamily="34" charset="0"/>
+                <a:buNone/>
+                <a:defRPr sz="1600" kern="1200">
+                  <a:solidFill>
+                    <a:schemeClr val="tx1"/>
+                  </a:solidFill>
+                  <a:latin typeface="+mn-lt"/>
+                  <a:ea typeface="+mn-ea"/>
+                  <a:cs typeface="+mn-cs"/>
+                </a:defRPr>
+              </a:lvl6pPr>
+              <a:lvl7pPr marL="2743200" indent="0" algn="ctr" defTabSz="914400" rtl="0" eaLnBrk="1" latinLnBrk="0" hangingPunct="1">
+                <a:lnSpc>
+                  <a:spcPct val="90000"/>
+                </a:lnSpc>
+                <a:spcBef>
+                  <a:spcPts val="500"/>
+                </a:spcBef>
+                <a:buFont typeface="Arial" panose="020B0604020202020204" pitchFamily="34" charset="0"/>
+                <a:buNone/>
+                <a:defRPr sz="1600" kern="1200">
+                  <a:solidFill>
+                    <a:schemeClr val="tx1"/>
+                  </a:solidFill>
+                  <a:latin typeface="+mn-lt"/>
+                  <a:ea typeface="+mn-ea"/>
+                  <a:cs typeface="+mn-cs"/>
+                </a:defRPr>
+              </a:lvl7pPr>
+              <a:lvl8pPr marL="3200400" indent="0" algn="ctr" defTabSz="914400" rtl="0" eaLnBrk="1" latinLnBrk="0" hangingPunct="1">
+                <a:lnSpc>
+                  <a:spcPct val="90000"/>
+                </a:lnSpc>
+                <a:spcBef>
+                  <a:spcPts val="500"/>
+                </a:spcBef>
+                <a:buFont typeface="Arial" panose="020B0604020202020204" pitchFamily="34" charset="0"/>
+                <a:buNone/>
+                <a:defRPr sz="1600" kern="1200">
+                  <a:solidFill>
+                    <a:schemeClr val="tx1"/>
+                  </a:solidFill>
+                  <a:latin typeface="+mn-lt"/>
+                  <a:ea typeface="+mn-ea"/>
+                  <a:cs typeface="+mn-cs"/>
+                </a:defRPr>
+              </a:lvl8pPr>
+              <a:lvl9pPr marL="3657600" indent="0" algn="ctr" defTabSz="914400" rtl="0" eaLnBrk="1" latinLnBrk="0" hangingPunct="1">
+                <a:lnSpc>
+                  <a:spcPct val="90000"/>
+                </a:lnSpc>
+                <a:spcBef>
+                  <a:spcPts val="500"/>
+                </a:spcBef>
+                <a:buFont typeface="Arial" panose="020B0604020202020204" pitchFamily="34" charset="0"/>
+                <a:buNone/>
+                <a:defRPr sz="1600" kern="1200">
+                  <a:solidFill>
+                    <a:schemeClr val="tx1"/>
+                  </a:solidFill>
+                  <a:latin typeface="+mn-lt"/>
+                  <a:ea typeface="+mn-ea"/>
+                  <a:cs typeface="+mn-cs"/>
+                </a:defRPr>
+              </a:lvl9pPr>
+            </a:lstStyle>
+            <a:p>
+              <a:r>
+                <a:rPr lang="en-US" sz="2000" dirty="0">
+                  <a:latin typeface="Times New Roman" panose="02020603050405020304" pitchFamily="18" charset="0"/>
+                  <a:cs typeface="Times New Roman" panose="02020603050405020304" pitchFamily="18" charset="0"/>
+                </a:rPr>
+                <a:t>Martin Wong</a:t>
+              </a:r>
+            </a:p>
+            <a:p>
+              <a:r>
+                <a:rPr lang="en-US" sz="1200" dirty="0">
+                  <a:latin typeface="Times New Roman" panose="02020603050405020304" pitchFamily="18" charset="0"/>
+                  <a:cs typeface="Times New Roman" panose="02020603050405020304" pitchFamily="18" charset="0"/>
+                </a:rPr>
+                <a:t>Department of Computer Science and Engineering</a:t>
+              </a:r>
+            </a:p>
+            <a:p>
+              <a:r>
+                <a:rPr lang="en-US" sz="1200" dirty="0">
+                  <a:latin typeface="Times New Roman" panose="02020603050405020304" pitchFamily="18" charset="0"/>
+                  <a:cs typeface="Times New Roman" panose="02020603050405020304" pitchFamily="18" charset="0"/>
+                </a:rPr>
+                <a:t>The Chinese University of Hong Kong, Shatin, NT, Hong Kong</a:t>
+              </a:r>
+            </a:p>
+          </p:txBody>
+        </p:sp>
+      </p:grpSp>
       <p:sp>
         <p:nvSpPr>
-          <p:cNvPr id="4" name="Subtitle 2">
+          <p:cNvPr id="7" name="TextBox 6">
             <a:extLst>
               <a:ext uri="{FF2B5EF4-FFF2-40B4-BE49-F238E27FC236}">
-                <a16:creationId xmlns:a16="http://schemas.microsoft.com/office/drawing/2014/main" id="{EC52C40B-2182-ADE7-EE15-2F08C10C5DC3}"/>
+                <a16:creationId xmlns:a16="http://schemas.microsoft.com/office/drawing/2014/main" id="{A78C91C8-72F6-1E33-67B2-A741AB7D3C54}"/>
               </a:ext>
             </a:extLst>
           </p:cNvPr>
-          <p:cNvSpPr txBox="1">
-            <a:spLocks/>
-          </p:cNvSpPr>
+          <p:cNvSpPr txBox="1"/>
           <p:nvPr/>
         </p:nvSpPr>
         <p:spPr>
           <a:xfrm>
-            <a:off x="80210" y="4482933"/>
-            <a:ext cx="4451684" cy="1024104"/>
+            <a:off x="4617093" y="5232400"/>
+            <a:ext cx="3021981" cy="846386"/>
           </a:xfrm>
           <a:prstGeom prst="rect">
             <a:avLst/>
           </a:prstGeom>
+          <a:noFill/>
         </p:spPr>
         <p:txBody>
-          <a:bodyPr vert="horz" lIns="91440" tIns="45720" rIns="91440" bIns="45720" rtlCol="0">
-            <a:normAutofit/>
+          <a:bodyPr wrap="none" rtlCol="0">
+            <a:spAutoFit/>
           </a:bodyPr>
-          <a:lstStyle>
-            <a:lvl1pPr marL="0" indent="0" algn="ctr" defTabSz="914400" rtl="0" eaLnBrk="1" latinLnBrk="0" hangingPunct="1">
-              <a:lnSpc>
-                <a:spcPct val="90000"/>
-              </a:lnSpc>
-              <a:spcBef>
-                <a:spcPts val="1000"/>
-              </a:spcBef>
-              <a:buFont typeface="Arial" panose="020B0604020202020204" pitchFamily="34" charset="0"/>
-              <a:buNone/>
-              <a:defRPr sz="2400" kern="1200">
-                <a:solidFill>
-                  <a:schemeClr val="tx1"/>
-                </a:solidFill>
-                <a:latin typeface="+mn-lt"/>
-                <a:ea typeface="+mn-ea"/>
-                <a:cs typeface="+mn-cs"/>
-              </a:defRPr>
-            </a:lvl1pPr>
-            <a:lvl2pPr marL="457200" indent="0" algn="ctr" defTabSz="914400" rtl="0" eaLnBrk="1" latinLnBrk="0" hangingPunct="1">
-              <a:lnSpc>
-                <a:spcPct val="90000"/>
-              </a:lnSpc>
-              <a:spcBef>
-                <a:spcPts val="500"/>
-              </a:spcBef>
-              <a:buFont typeface="Arial" panose="020B0604020202020204" pitchFamily="34" charset="0"/>
-              <a:buNone/>
-              <a:defRPr sz="2000" kern="1200">
-                <a:solidFill>
-                  <a:schemeClr val="tx1"/>
-                </a:solidFill>
-                <a:latin typeface="+mn-lt"/>
-                <a:ea typeface="+mn-ea"/>
-                <a:cs typeface="+mn-cs"/>
-              </a:defRPr>
-            </a:lvl2pPr>
-            <a:lvl3pPr marL="914400" indent="0" algn="ctr" defTabSz="914400" rtl="0" eaLnBrk="1" latinLnBrk="0" hangingPunct="1">
-              <a:lnSpc>
-                <a:spcPct val="90000"/>
-              </a:lnSpc>
-              <a:spcBef>
-                <a:spcPts val="500"/>
-              </a:spcBef>
-              <a:buFont typeface="Arial" panose="020B0604020202020204" pitchFamily="34" charset="0"/>
-              <a:buNone/>
-              <a:defRPr sz="1800" kern="1200">
-                <a:solidFill>
-                  <a:schemeClr val="tx1"/>
-                </a:solidFill>
-                <a:latin typeface="+mn-lt"/>
-                <a:ea typeface="+mn-ea"/>
-                <a:cs typeface="+mn-cs"/>
-              </a:defRPr>
-            </a:lvl3pPr>
-            <a:lvl4pPr marL="1371600" indent="0" algn="ctr" defTabSz="914400" rtl="0" eaLnBrk="1" latinLnBrk="0" hangingPunct="1">
-              <a:lnSpc>
-                <a:spcPct val="90000"/>
-              </a:lnSpc>
-              <a:spcBef>
-                <a:spcPts val="500"/>
-              </a:spcBef>
-              <a:buFont typeface="Arial" panose="020B0604020202020204" pitchFamily="34" charset="0"/>
-              <a:buNone/>
-              <a:defRPr sz="1600" kern="1200">
-                <a:solidFill>
-                  <a:schemeClr val="tx1"/>
-                </a:solidFill>
-                <a:latin typeface="+mn-lt"/>
-                <a:ea typeface="+mn-ea"/>
-                <a:cs typeface="+mn-cs"/>
-              </a:defRPr>
-            </a:lvl4pPr>
-            <a:lvl5pPr marL="1828800" indent="0" algn="ctr" defTabSz="914400" rtl="0" eaLnBrk="1" latinLnBrk="0" hangingPunct="1">
-              <a:lnSpc>
-                <a:spcPct val="90000"/>
-              </a:lnSpc>
-              <a:spcBef>
-                <a:spcPts val="500"/>
-              </a:spcBef>
-              <a:buFont typeface="Arial" panose="020B0604020202020204" pitchFamily="34" charset="0"/>
-              <a:buNone/>
-              <a:defRPr sz="1600" kern="1200">
-                <a:solidFill>
-                  <a:schemeClr val="tx1"/>
-                </a:solidFill>
-                <a:latin typeface="+mn-lt"/>
-                <a:ea typeface="+mn-ea"/>
-                <a:cs typeface="+mn-cs"/>
-              </a:defRPr>
-            </a:lvl5pPr>
-            <a:lvl6pPr marL="2286000" indent="0" algn="ctr" defTabSz="914400" rtl="0" eaLnBrk="1" latinLnBrk="0" hangingPunct="1">
-              <a:lnSpc>
-                <a:spcPct val="90000"/>
-              </a:lnSpc>
-              <a:spcBef>
-                <a:spcPts val="500"/>
-              </a:spcBef>
-              <a:buFont typeface="Arial" panose="020B0604020202020204" pitchFamily="34" charset="0"/>
-              <a:buNone/>
-              <a:defRPr sz="1600" kern="1200">
-                <a:solidFill>
-                  <a:schemeClr val="tx1"/>
-                </a:solidFill>
-                <a:latin typeface="+mn-lt"/>
-                <a:ea typeface="+mn-ea"/>
-                <a:cs typeface="+mn-cs"/>
-              </a:defRPr>
-            </a:lvl6pPr>
-            <a:lvl7pPr marL="2743200" indent="0" algn="ctr" defTabSz="914400" rtl="0" eaLnBrk="1" latinLnBrk="0" hangingPunct="1">
-              <a:lnSpc>
-                <a:spcPct val="90000"/>
-              </a:lnSpc>
-              <a:spcBef>
-                <a:spcPts val="500"/>
-              </a:spcBef>
-              <a:buFont typeface="Arial" panose="020B0604020202020204" pitchFamily="34" charset="0"/>
-              <a:buNone/>
-              <a:defRPr sz="1600" kern="1200">
-                <a:solidFill>
-                  <a:schemeClr val="tx1"/>
-                </a:solidFill>
-                <a:latin typeface="+mn-lt"/>
-                <a:ea typeface="+mn-ea"/>
-                <a:cs typeface="+mn-cs"/>
-              </a:defRPr>
-            </a:lvl7pPr>
-            <a:lvl8pPr marL="3200400" indent="0" algn="ctr" defTabSz="914400" rtl="0" eaLnBrk="1" latinLnBrk="0" hangingPunct="1">
-              <a:lnSpc>
-                <a:spcPct val="90000"/>
-              </a:lnSpc>
-              <a:spcBef>
-                <a:spcPts val="500"/>
-              </a:spcBef>
-              <a:buFont typeface="Arial" panose="020B0604020202020204" pitchFamily="34" charset="0"/>
-              <a:buNone/>
-              <a:defRPr sz="1600" kern="1200">
-                <a:solidFill>
-                  <a:schemeClr val="tx1"/>
-                </a:solidFill>
-                <a:latin typeface="+mn-lt"/>
-                <a:ea typeface="+mn-ea"/>
-                <a:cs typeface="+mn-cs"/>
-              </a:defRPr>
-            </a:lvl8pPr>
-            <a:lvl9pPr marL="3657600" indent="0" algn="ctr" defTabSz="914400" rtl="0" eaLnBrk="1" latinLnBrk="0" hangingPunct="1">
-              <a:lnSpc>
-                <a:spcPct val="90000"/>
-              </a:lnSpc>
-              <a:spcBef>
-                <a:spcPts val="500"/>
-              </a:spcBef>
-              <a:buFont typeface="Arial" panose="020B0604020202020204" pitchFamily="34" charset="0"/>
-              <a:buNone/>
-              <a:defRPr sz="1600" kern="1200">
-                <a:solidFill>
-                  <a:schemeClr val="tx1"/>
-                </a:solidFill>
-                <a:latin typeface="+mn-lt"/>
-                <a:ea typeface="+mn-ea"/>
-                <a:cs typeface="+mn-cs"/>
-              </a:defRPr>
-            </a:lvl9pPr>
-          </a:lstStyle>
-          <a:p>
-            <a:r>
-              <a:rPr lang="en-US" sz="2000" dirty="0" err="1">
-                <a:latin typeface="Times New Roman" panose="02020603050405020304" pitchFamily="18" charset="0"/>
-                <a:cs typeface="Times New Roman" panose="02020603050405020304" pitchFamily="18" charset="0"/>
-              </a:rPr>
-              <a:t>Guannan</a:t>
-            </a:r>
-            <a:r>
-              <a:rPr lang="en-US" sz="2000" dirty="0">
-                <a:latin typeface="Times New Roman" panose="02020603050405020304" pitchFamily="18" charset="0"/>
-                <a:cs typeface="Times New Roman" panose="02020603050405020304" pitchFamily="18" charset="0"/>
-              </a:rPr>
-              <a:t> Guo</a:t>
-            </a:r>
-          </a:p>
-          <a:p>
-            <a:r>
-              <a:rPr lang="en-US" sz="1200" dirty="0">
-                <a:latin typeface="Times New Roman" panose="02020603050405020304" pitchFamily="18" charset="0"/>
-                <a:cs typeface="Times New Roman" panose="02020603050405020304" pitchFamily="18" charset="0"/>
-              </a:rPr>
-              <a:t>Department of Electrical and Computer Engineering</a:t>
-            </a:r>
-          </a:p>
-          <a:p>
-            <a:r>
-              <a:rPr lang="en-US" sz="1200" dirty="0">
-                <a:latin typeface="Times New Roman" panose="02020603050405020304" pitchFamily="18" charset="0"/>
-                <a:cs typeface="Times New Roman" panose="02020603050405020304" pitchFamily="18" charset="0"/>
-              </a:rPr>
-              <a:t>University of Illinois at Urbana-Champaign, IL, USA</a:t>
-            </a:r>
-          </a:p>
-        </p:txBody>
-      </p:sp>
-      <p:sp>
-        <p:nvSpPr>
-          <p:cNvPr id="5" name="Subtitle 2">
-            <a:extLst>
-              <a:ext uri="{FF2B5EF4-FFF2-40B4-BE49-F238E27FC236}">
-                <a16:creationId xmlns:a16="http://schemas.microsoft.com/office/drawing/2014/main" id="{46647409-7711-D8A3-454D-DAD868519307}"/>
-              </a:ext>
-            </a:extLst>
-          </p:cNvPr>
-          <p:cNvSpPr txBox="1">
-            <a:spLocks/>
-          </p:cNvSpPr>
-          <p:nvPr/>
-        </p:nvSpPr>
-        <p:spPr>
-          <a:xfrm>
-            <a:off x="7595937" y="4482348"/>
-            <a:ext cx="4451684" cy="1024104"/>
-          </a:xfrm>
-          <a:prstGeom prst="rect">
-            <a:avLst/>
-          </a:prstGeom>
-        </p:spPr>
-        <p:txBody>
-          <a:bodyPr vert="horz" lIns="91440" tIns="45720" rIns="91440" bIns="45720" rtlCol="0">
-            <a:normAutofit/>
-          </a:bodyPr>
-          <a:lstStyle>
-            <a:lvl1pPr marL="0" indent="0" algn="ctr" defTabSz="914400" rtl="0" eaLnBrk="1" latinLnBrk="0" hangingPunct="1">
-              <a:lnSpc>
-                <a:spcPct val="90000"/>
-              </a:lnSpc>
-              <a:spcBef>
-                <a:spcPts val="1000"/>
-              </a:spcBef>
-              <a:buFont typeface="Arial" panose="020B0604020202020204" pitchFamily="34" charset="0"/>
-              <a:buNone/>
-              <a:defRPr sz="2400" kern="1200">
-                <a:solidFill>
-                  <a:schemeClr val="tx1"/>
-                </a:solidFill>
-                <a:latin typeface="+mn-lt"/>
-                <a:ea typeface="+mn-ea"/>
-                <a:cs typeface="+mn-cs"/>
-              </a:defRPr>
-            </a:lvl1pPr>
-            <a:lvl2pPr marL="457200" indent="0" algn="ctr" defTabSz="914400" rtl="0" eaLnBrk="1" latinLnBrk="0" hangingPunct="1">
-              <a:lnSpc>
-                <a:spcPct val="90000"/>
-              </a:lnSpc>
-              <a:spcBef>
-                <a:spcPts val="500"/>
-              </a:spcBef>
-              <a:buFont typeface="Arial" panose="020B0604020202020204" pitchFamily="34" charset="0"/>
-              <a:buNone/>
-              <a:defRPr sz="2000" kern="1200">
-                <a:solidFill>
-                  <a:schemeClr val="tx1"/>
-                </a:solidFill>
-                <a:latin typeface="+mn-lt"/>
-                <a:ea typeface="+mn-ea"/>
-                <a:cs typeface="+mn-cs"/>
-              </a:defRPr>
-            </a:lvl2pPr>
-            <a:lvl3pPr marL="914400" indent="0" algn="ctr" defTabSz="914400" rtl="0" eaLnBrk="1" latinLnBrk="0" hangingPunct="1">
-              <a:lnSpc>
-                <a:spcPct val="90000"/>
-              </a:lnSpc>
-              <a:spcBef>
-                <a:spcPts val="500"/>
-              </a:spcBef>
-              <a:buFont typeface="Arial" panose="020B0604020202020204" pitchFamily="34" charset="0"/>
-              <a:buNone/>
-              <a:defRPr sz="1800" kern="1200">
-                <a:solidFill>
-                  <a:schemeClr val="tx1"/>
-                </a:solidFill>
-                <a:latin typeface="+mn-lt"/>
-                <a:ea typeface="+mn-ea"/>
-                <a:cs typeface="+mn-cs"/>
-              </a:defRPr>
-            </a:lvl3pPr>
-            <a:lvl4pPr marL="1371600" indent="0" algn="ctr" defTabSz="914400" rtl="0" eaLnBrk="1" latinLnBrk="0" hangingPunct="1">
-              <a:lnSpc>
-                <a:spcPct val="90000"/>
-              </a:lnSpc>
-              <a:spcBef>
-                <a:spcPts val="500"/>
-              </a:spcBef>
-              <a:buFont typeface="Arial" panose="020B0604020202020204" pitchFamily="34" charset="0"/>
-              <a:buNone/>
-              <a:defRPr sz="1600" kern="1200">
-                <a:solidFill>
-                  <a:schemeClr val="tx1"/>
-                </a:solidFill>
-                <a:latin typeface="+mn-lt"/>
-                <a:ea typeface="+mn-ea"/>
-                <a:cs typeface="+mn-cs"/>
-              </a:defRPr>
-            </a:lvl4pPr>
-            <a:lvl5pPr marL="1828800" indent="0" algn="ctr" defTabSz="914400" rtl="0" eaLnBrk="1" latinLnBrk="0" hangingPunct="1">
-              <a:lnSpc>
-                <a:spcPct val="90000"/>
-              </a:lnSpc>
-              <a:spcBef>
-                <a:spcPts val="500"/>
-              </a:spcBef>
-              <a:buFont typeface="Arial" panose="020B0604020202020204" pitchFamily="34" charset="0"/>
-              <a:buNone/>
-              <a:defRPr sz="1600" kern="1200">
-                <a:solidFill>
-                  <a:schemeClr val="tx1"/>
-                </a:solidFill>
-                <a:latin typeface="+mn-lt"/>
-                <a:ea typeface="+mn-ea"/>
-                <a:cs typeface="+mn-cs"/>
-              </a:defRPr>
-            </a:lvl5pPr>
-            <a:lvl6pPr marL="2286000" indent="0" algn="ctr" defTabSz="914400" rtl="0" eaLnBrk="1" latinLnBrk="0" hangingPunct="1">
-              <a:lnSpc>
-                <a:spcPct val="90000"/>
-              </a:lnSpc>
-              <a:spcBef>
-                <a:spcPts val="500"/>
-              </a:spcBef>
-              <a:buFont typeface="Arial" panose="020B0604020202020204" pitchFamily="34" charset="0"/>
-              <a:buNone/>
-              <a:defRPr sz="1600" kern="1200">
-                <a:solidFill>
-                  <a:schemeClr val="tx1"/>
-                </a:solidFill>
-                <a:latin typeface="+mn-lt"/>
-                <a:ea typeface="+mn-ea"/>
-                <a:cs typeface="+mn-cs"/>
-              </a:defRPr>
-            </a:lvl6pPr>
-            <a:lvl7pPr marL="2743200" indent="0" algn="ctr" defTabSz="914400" rtl="0" eaLnBrk="1" latinLnBrk="0" hangingPunct="1">
-              <a:lnSpc>
-                <a:spcPct val="90000"/>
-              </a:lnSpc>
-              <a:spcBef>
-                <a:spcPts val="500"/>
-              </a:spcBef>
-              <a:buFont typeface="Arial" panose="020B0604020202020204" pitchFamily="34" charset="0"/>
-              <a:buNone/>
-              <a:defRPr sz="1600" kern="1200">
-                <a:solidFill>
-                  <a:schemeClr val="tx1"/>
-                </a:solidFill>
-                <a:latin typeface="+mn-lt"/>
-                <a:ea typeface="+mn-ea"/>
-                <a:cs typeface="+mn-cs"/>
-              </a:defRPr>
-            </a:lvl7pPr>
-            <a:lvl8pPr marL="3200400" indent="0" algn="ctr" defTabSz="914400" rtl="0" eaLnBrk="1" latinLnBrk="0" hangingPunct="1">
-              <a:lnSpc>
-                <a:spcPct val="90000"/>
-              </a:lnSpc>
-              <a:spcBef>
-                <a:spcPts val="500"/>
-              </a:spcBef>
-              <a:buFont typeface="Arial" panose="020B0604020202020204" pitchFamily="34" charset="0"/>
-              <a:buNone/>
-              <a:defRPr sz="1600" kern="1200">
-                <a:solidFill>
-                  <a:schemeClr val="tx1"/>
-                </a:solidFill>
-                <a:latin typeface="+mn-lt"/>
-                <a:ea typeface="+mn-ea"/>
-                <a:cs typeface="+mn-cs"/>
-              </a:defRPr>
-            </a:lvl8pPr>
-            <a:lvl9pPr marL="3657600" indent="0" algn="ctr" defTabSz="914400" rtl="0" eaLnBrk="1" latinLnBrk="0" hangingPunct="1">
-              <a:lnSpc>
-                <a:spcPct val="90000"/>
-              </a:lnSpc>
-              <a:spcBef>
-                <a:spcPts val="500"/>
-              </a:spcBef>
-              <a:buFont typeface="Arial" panose="020B0604020202020204" pitchFamily="34" charset="0"/>
-              <a:buNone/>
-              <a:defRPr sz="1600" kern="1200">
-                <a:solidFill>
-                  <a:schemeClr val="tx1"/>
-                </a:solidFill>
-                <a:latin typeface="+mn-lt"/>
-                <a:ea typeface="+mn-ea"/>
-                <a:cs typeface="+mn-cs"/>
-              </a:defRPr>
-            </a:lvl9pPr>
-          </a:lstStyle>
-          <a:p>
-            <a:r>
-              <a:rPr lang="en-US" sz="2000" dirty="0">
-                <a:latin typeface="Times New Roman" panose="02020603050405020304" pitchFamily="18" charset="0"/>
-                <a:cs typeface="Times New Roman" panose="02020603050405020304" pitchFamily="18" charset="0"/>
-              </a:rPr>
-              <a:t>Martin Wong</a:t>
-            </a:r>
-          </a:p>
-          <a:p>
-            <a:r>
-              <a:rPr lang="en-US" sz="1200" dirty="0">
-                <a:latin typeface="Times New Roman" panose="02020603050405020304" pitchFamily="18" charset="0"/>
-                <a:cs typeface="Times New Roman" panose="02020603050405020304" pitchFamily="18" charset="0"/>
-              </a:rPr>
-              <a:t>Department of Computer Science and Engineering</a:t>
-            </a:r>
-          </a:p>
-          <a:p>
-            <a:r>
-              <a:rPr lang="en-US" sz="1200" dirty="0">
-                <a:latin typeface="Times New Roman" panose="02020603050405020304" pitchFamily="18" charset="0"/>
-                <a:cs typeface="Times New Roman" panose="02020603050405020304" pitchFamily="18" charset="0"/>
-              </a:rPr>
-              <a:t>The Chinese University of Hong Kong, Shatin, NT, Hong Kong</a:t>
-            </a:r>
+          <a:lstStyle/>
+          <a:p>
+            <a:r>
+              <a:rPr lang="en-US" altLang="zh-TW" sz="2000" dirty="0">
+                <a:latin typeface="Times" panose="02020603050405020304" pitchFamily="18" charset="0"/>
+                <a:cs typeface="Times" panose="02020603050405020304" pitchFamily="18" charset="0"/>
+              </a:rPr>
+              <a:t>Presenter : Min-Feng Hsieh</a:t>
+            </a:r>
+          </a:p>
+          <a:p>
+            <a:endParaRPr lang="en-US" altLang="zh-TW" sz="900" dirty="0">
+              <a:latin typeface="Times" panose="02020603050405020304" pitchFamily="18" charset="0"/>
+              <a:cs typeface="Times" panose="02020603050405020304" pitchFamily="18" charset="0"/>
+            </a:endParaRPr>
+          </a:p>
+          <a:p>
+            <a:r>
+              <a:rPr lang="en-US" altLang="zh-TW" sz="2000" dirty="0">
+                <a:latin typeface="Times" panose="02020603050405020304" pitchFamily="18" charset="0"/>
+                <a:cs typeface="Times" panose="02020603050405020304" pitchFamily="18" charset="0"/>
+              </a:rPr>
+              <a:t>Adviser :   Ting-Chi Wang</a:t>
+            </a:r>
+            <a:endParaRPr lang="zh-TW" altLang="en-US" sz="2000" dirty="0">
+              <a:latin typeface="Times" panose="02020603050405020304" pitchFamily="18" charset="0"/>
+              <a:cs typeface="Times" panose="02020603050405020304" pitchFamily="18" charset="0"/>
+            </a:endParaRPr>
           </a:p>
         </p:txBody>
       </p:sp>
@@ -11575,6 +12057,20 @@
                 <a:cs typeface="Times New Roman" panose="02020603050405020304" pitchFamily="18" charset="0"/>
               </a:rPr>
               <a:t>Experimental Result</a:t>
+            </a:r>
+          </a:p>
+          <a:p>
+            <a:pPr>
+              <a:lnSpc>
+                <a:spcPct val="130000"/>
+              </a:lnSpc>
+            </a:pPr>
+            <a:r>
+              <a:rPr lang="en-US" sz="2400" dirty="0">
+                <a:latin typeface="Times New Roman" panose="02020603050405020304" pitchFamily="18" charset="0"/>
+                <a:cs typeface="Times New Roman" panose="02020603050405020304" pitchFamily="18" charset="0"/>
+              </a:rPr>
+              <a:t>Conclusion</a:t>
             </a:r>
           </a:p>
         </p:txBody>
@@ -21026,6 +21522,34 @@
               </a:rPr>
               <a:t>Experimental Result</a:t>
             </a:r>
+          </a:p>
+          <a:p>
+            <a:pPr>
+              <a:lnSpc>
+                <a:spcPct val="130000"/>
+              </a:lnSpc>
+            </a:pPr>
+            <a:r>
+              <a:rPr lang="en-US" altLang="zh-TW" sz="2400" dirty="0">
+                <a:solidFill>
+                  <a:schemeClr val="bg1">
+                    <a:lumMod val="65000"/>
+                  </a:schemeClr>
+                </a:solidFill>
+                <a:latin typeface="Times New Roman" panose="02020603050405020304" pitchFamily="18" charset="0"/>
+                <a:cs typeface="Times New Roman" panose="02020603050405020304" pitchFamily="18" charset="0"/>
+              </a:rPr>
+              <a:t>Conclusion</a:t>
+            </a:r>
+            <a:endParaRPr lang="en-US" sz="2400" dirty="0">
+              <a:solidFill>
+                <a:schemeClr val="bg1">
+                  <a:lumMod val="65000"/>
+                </a:schemeClr>
+              </a:solidFill>
+              <a:latin typeface="Times New Roman" panose="02020603050405020304" pitchFamily="18" charset="0"/>
+              <a:cs typeface="Times New Roman" panose="02020603050405020304" pitchFamily="18" charset="0"/>
+            </a:endParaRPr>
           </a:p>
         </p:txBody>
       </p:sp>
@@ -24001,6 +24525,25 @@
               <a:t>Experimental Result</a:t>
             </a:r>
           </a:p>
+          <a:p>
+            <a:pPr>
+              <a:lnSpc>
+                <a:spcPct val="130000"/>
+              </a:lnSpc>
+            </a:pPr>
+            <a:r>
+              <a:rPr lang="en-US" altLang="zh-TW" sz="2400" dirty="0">
+                <a:solidFill>
+                  <a:schemeClr val="bg1">
+                    <a:lumMod val="65000"/>
+                  </a:schemeClr>
+                </a:solidFill>
+                <a:latin typeface="Times New Roman" panose="02020603050405020304" pitchFamily="18" charset="0"/>
+                <a:cs typeface="Times New Roman" panose="02020603050405020304" pitchFamily="18" charset="0"/>
+              </a:rPr>
+              <a:t>Conclusion</a:t>
+            </a:r>
+          </a:p>
         </p:txBody>
       </p:sp>
       <p:sp>
@@ -24373,7 +24916,14 @@
                 <a:latin typeface="Times" panose="02020603050405020304" pitchFamily="18" charset="0"/>
                 <a:cs typeface="Times" panose="02020603050405020304" pitchFamily="18" charset="0"/>
               </a:rPr>
-              <a:t>Experimental Result</a:t>
+              <a:t>Experimental Result - </a:t>
+            </a:r>
+            <a:r>
+              <a:rPr lang="en-US" altLang="zh-TW" sz="3600" dirty="0">
+                <a:latin typeface="Times" panose="02020603050405020304" pitchFamily="18" charset="0"/>
+                <a:cs typeface="Times" panose="02020603050405020304" pitchFamily="18" charset="0"/>
+              </a:rPr>
+              <a:t>Runtime</a:t>
             </a:r>
             <a:endParaRPr lang="zh-TW" altLang="en-US" dirty="0">
               <a:latin typeface="Times" panose="02020603050405020304" pitchFamily="18" charset="0"/>
@@ -24399,7 +24949,7 @@
           </p:nvPr>
         </p:nvPicPr>
         <p:blipFill>
-          <a:blip r:embed="rId2"/>
+          <a:blip r:embed="rId3"/>
           <a:stretch>
             <a:fillRect/>
           </a:stretch>
@@ -24444,6 +24994,578 @@
     <p:extLst>
       <p:ext uri="{BB962C8B-B14F-4D97-AF65-F5344CB8AC3E}">
         <p14:creationId xmlns:p14="http://schemas.microsoft.com/office/powerpoint/2010/main" val="2324289574"/>
+      </p:ext>
+    </p:extLst>
+  </p:cSld>
+  <p:clrMapOvr>
+    <a:masterClrMapping/>
+  </p:clrMapOvr>
+</p:sld>
+</file>
+
+<file path=ppt/slides/slide37.xml><?xml version="1.0" encoding="utf-8"?>
+<p:sld xmlns:a="http://schemas.openxmlformats.org/drawingml/2006/main" xmlns:r="http://schemas.openxmlformats.org/officeDocument/2006/relationships" xmlns:p="http://schemas.openxmlformats.org/presentationml/2006/main">
+  <p:cSld>
+    <p:spTree>
+      <p:nvGrpSpPr>
+        <p:cNvPr id="1" name=""/>
+        <p:cNvGrpSpPr/>
+        <p:nvPr/>
+      </p:nvGrpSpPr>
+      <p:grpSpPr>
+        <a:xfrm>
+          <a:off x="0" y="0"/>
+          <a:ext cx="0" cy="0"/>
+          <a:chOff x="0" y="0"/>
+          <a:chExt cx="0" cy="0"/>
+        </a:xfrm>
+      </p:grpSpPr>
+      <p:sp>
+        <p:nvSpPr>
+          <p:cNvPr id="2" name="Title 1">
+            <a:extLst>
+              <a:ext uri="{FF2B5EF4-FFF2-40B4-BE49-F238E27FC236}">
+                <a16:creationId xmlns:a16="http://schemas.microsoft.com/office/drawing/2014/main" id="{4F20DDD5-E036-05CA-B5D2-759CF6984A0C}"/>
+              </a:ext>
+            </a:extLst>
+          </p:cNvPr>
+          <p:cNvSpPr>
+            <a:spLocks noGrp="1"/>
+          </p:cNvSpPr>
+          <p:nvPr>
+            <p:ph type="title"/>
+          </p:nvPr>
+        </p:nvSpPr>
+        <p:spPr/>
+        <p:txBody>
+          <a:bodyPr/>
+          <a:lstStyle/>
+          <a:p>
+            <a:r>
+              <a:rPr lang="en-US" altLang="zh-TW" dirty="0">
+                <a:latin typeface="Times" panose="02020603050405020304" pitchFamily="18" charset="0"/>
+                <a:cs typeface="Times" panose="02020603050405020304" pitchFamily="18" charset="0"/>
+              </a:rPr>
+              <a:t>Experimental Result – </a:t>
+            </a:r>
+            <a:r>
+              <a:rPr lang="en-US" altLang="zh-TW" sz="3600" dirty="0">
+                <a:latin typeface="Times" panose="02020603050405020304" pitchFamily="18" charset="0"/>
+                <a:cs typeface="Times" panose="02020603050405020304" pitchFamily="18" charset="0"/>
+              </a:rPr>
+              <a:t>Partition Quality</a:t>
+            </a:r>
+            <a:endParaRPr lang="zh-TW" altLang="en-US" dirty="0"/>
+          </a:p>
+        </p:txBody>
+      </p:sp>
+      <p:pic>
+        <p:nvPicPr>
+          <p:cNvPr id="6" name="Content Placeholder 5">
+            <a:extLst>
+              <a:ext uri="{FF2B5EF4-FFF2-40B4-BE49-F238E27FC236}">
+                <a16:creationId xmlns:a16="http://schemas.microsoft.com/office/drawing/2014/main" id="{DC0A13E9-AE7D-9A73-ECCD-5C31D3FBFC32}"/>
+              </a:ext>
+            </a:extLst>
+          </p:cNvPr>
+          <p:cNvPicPr>
+            <a:picLocks noGrp="1" noChangeAspect="1"/>
+          </p:cNvPicPr>
+          <p:nvPr>
+            <p:ph idx="1"/>
+          </p:nvPr>
+        </p:nvPicPr>
+        <p:blipFill>
+          <a:blip r:embed="rId2"/>
+          <a:stretch>
+            <a:fillRect/>
+          </a:stretch>
+        </p:blipFill>
+        <p:spPr>
+          <a:xfrm>
+            <a:off x="838200" y="2572854"/>
+            <a:ext cx="10515600" cy="2856880"/>
+          </a:xfrm>
+        </p:spPr>
+      </p:pic>
+      <p:sp>
+        <p:nvSpPr>
+          <p:cNvPr id="4" name="Slide Number Placeholder 3">
+            <a:extLst>
+              <a:ext uri="{FF2B5EF4-FFF2-40B4-BE49-F238E27FC236}">
+                <a16:creationId xmlns:a16="http://schemas.microsoft.com/office/drawing/2014/main" id="{B9721783-1C0F-F98D-7C84-63B382D1F13A}"/>
+              </a:ext>
+            </a:extLst>
+          </p:cNvPr>
+          <p:cNvSpPr>
+            <a:spLocks noGrp="1"/>
+          </p:cNvSpPr>
+          <p:nvPr>
+            <p:ph type="sldNum" sz="quarter" idx="12"/>
+          </p:nvPr>
+        </p:nvSpPr>
+        <p:spPr/>
+        <p:txBody>
+          <a:bodyPr/>
+          <a:lstStyle/>
+          <a:p>
+            <a:fld id="{666274A1-CF9C-426A-8DD4-B13ED0C24231}" type="slidenum">
+              <a:rPr lang="en-US" smtClean="0"/>
+              <a:t>36</a:t>
+            </a:fld>
+            <a:endParaRPr lang="en-US"/>
+          </a:p>
+        </p:txBody>
+      </p:sp>
+      <p:sp>
+        <p:nvSpPr>
+          <p:cNvPr id="7" name="TextBox 6">
+            <a:extLst>
+              <a:ext uri="{FF2B5EF4-FFF2-40B4-BE49-F238E27FC236}">
+                <a16:creationId xmlns:a16="http://schemas.microsoft.com/office/drawing/2014/main" id="{9734F028-28EF-5C56-7E4A-121A491CFF1D}"/>
+              </a:ext>
+            </a:extLst>
+          </p:cNvPr>
+          <p:cNvSpPr txBox="1"/>
+          <p:nvPr/>
+        </p:nvSpPr>
+        <p:spPr>
+          <a:xfrm>
+            <a:off x="2057400" y="2203522"/>
+            <a:ext cx="758541" cy="369332"/>
+          </a:xfrm>
+          <a:prstGeom prst="rect">
+            <a:avLst/>
+          </a:prstGeom>
+          <a:noFill/>
+        </p:spPr>
+        <p:txBody>
+          <a:bodyPr wrap="none" rtlCol="0">
+            <a:spAutoFit/>
+          </a:bodyPr>
+          <a:lstStyle/>
+          <a:p>
+            <a:r>
+              <a:rPr lang="en-US" altLang="zh-TW" dirty="0">
+                <a:solidFill>
+                  <a:srgbClr val="FF0000"/>
+                </a:solidFill>
+              </a:rPr>
+              <a:t>15.7%</a:t>
+            </a:r>
+            <a:endParaRPr lang="zh-TW" altLang="en-US" dirty="0">
+              <a:solidFill>
+                <a:srgbClr val="FF0000"/>
+              </a:solidFill>
+            </a:endParaRPr>
+          </a:p>
+        </p:txBody>
+      </p:sp>
+      <p:sp>
+        <p:nvSpPr>
+          <p:cNvPr id="8" name="TextBox 7">
+            <a:extLst>
+              <a:ext uri="{FF2B5EF4-FFF2-40B4-BE49-F238E27FC236}">
+                <a16:creationId xmlns:a16="http://schemas.microsoft.com/office/drawing/2014/main" id="{AB37A756-F766-3E1F-459E-028743D5D9DB}"/>
+              </a:ext>
+            </a:extLst>
+          </p:cNvPr>
+          <p:cNvSpPr txBox="1"/>
+          <p:nvPr/>
+        </p:nvSpPr>
+        <p:spPr>
+          <a:xfrm>
+            <a:off x="4679950" y="2203522"/>
+            <a:ext cx="758541" cy="369332"/>
+          </a:xfrm>
+          <a:prstGeom prst="rect">
+            <a:avLst/>
+          </a:prstGeom>
+          <a:noFill/>
+        </p:spPr>
+        <p:txBody>
+          <a:bodyPr wrap="none" rtlCol="0">
+            <a:spAutoFit/>
+          </a:bodyPr>
+          <a:lstStyle/>
+          <a:p>
+            <a:r>
+              <a:rPr lang="en-US" altLang="zh-TW" dirty="0">
+                <a:solidFill>
+                  <a:srgbClr val="FF0000"/>
+                </a:solidFill>
+              </a:rPr>
+              <a:t>13.2%</a:t>
+            </a:r>
+            <a:endParaRPr lang="zh-TW" altLang="en-US" dirty="0">
+              <a:solidFill>
+                <a:srgbClr val="FF0000"/>
+              </a:solidFill>
+            </a:endParaRPr>
+          </a:p>
+        </p:txBody>
+      </p:sp>
+      <p:sp>
+        <p:nvSpPr>
+          <p:cNvPr id="9" name="TextBox 8">
+            <a:extLst>
+              <a:ext uri="{FF2B5EF4-FFF2-40B4-BE49-F238E27FC236}">
+                <a16:creationId xmlns:a16="http://schemas.microsoft.com/office/drawing/2014/main" id="{2A94A696-E8E5-17A6-388E-16D75293479B}"/>
+              </a:ext>
+            </a:extLst>
+          </p:cNvPr>
+          <p:cNvSpPr txBox="1"/>
+          <p:nvPr/>
+        </p:nvSpPr>
+        <p:spPr>
+          <a:xfrm>
+            <a:off x="7302500" y="2203522"/>
+            <a:ext cx="758541" cy="369332"/>
+          </a:xfrm>
+          <a:prstGeom prst="rect">
+            <a:avLst/>
+          </a:prstGeom>
+          <a:noFill/>
+        </p:spPr>
+        <p:txBody>
+          <a:bodyPr wrap="none" rtlCol="0">
+            <a:spAutoFit/>
+          </a:bodyPr>
+          <a:lstStyle/>
+          <a:p>
+            <a:r>
+              <a:rPr lang="en-US" altLang="zh-TW" dirty="0">
+                <a:solidFill>
+                  <a:srgbClr val="FF0000"/>
+                </a:solidFill>
+              </a:rPr>
+              <a:t>15.1%</a:t>
+            </a:r>
+            <a:endParaRPr lang="zh-TW" altLang="en-US" dirty="0">
+              <a:solidFill>
+                <a:srgbClr val="FF0000"/>
+              </a:solidFill>
+            </a:endParaRPr>
+          </a:p>
+        </p:txBody>
+      </p:sp>
+      <p:sp>
+        <p:nvSpPr>
+          <p:cNvPr id="10" name="TextBox 9">
+            <a:extLst>
+              <a:ext uri="{FF2B5EF4-FFF2-40B4-BE49-F238E27FC236}">
+                <a16:creationId xmlns:a16="http://schemas.microsoft.com/office/drawing/2014/main" id="{E8E3057F-D4B4-1D9C-F45F-B63396328AD8}"/>
+              </a:ext>
+            </a:extLst>
+          </p:cNvPr>
+          <p:cNvSpPr txBox="1"/>
+          <p:nvPr/>
+        </p:nvSpPr>
+        <p:spPr>
+          <a:xfrm>
+            <a:off x="9925050" y="2203522"/>
+            <a:ext cx="758541" cy="369332"/>
+          </a:xfrm>
+          <a:prstGeom prst="rect">
+            <a:avLst/>
+          </a:prstGeom>
+          <a:noFill/>
+        </p:spPr>
+        <p:txBody>
+          <a:bodyPr wrap="none" rtlCol="0">
+            <a:spAutoFit/>
+          </a:bodyPr>
+          <a:lstStyle/>
+          <a:p>
+            <a:r>
+              <a:rPr lang="en-US" altLang="zh-TW" dirty="0">
+                <a:solidFill>
+                  <a:srgbClr val="FF0000"/>
+                </a:solidFill>
+              </a:rPr>
+              <a:t>19.2%</a:t>
+            </a:r>
+            <a:endParaRPr lang="zh-TW" altLang="en-US" dirty="0">
+              <a:solidFill>
+                <a:srgbClr val="FF0000"/>
+              </a:solidFill>
+            </a:endParaRPr>
+          </a:p>
+        </p:txBody>
+      </p:sp>
+    </p:spTree>
+    <p:extLst>
+      <p:ext uri="{BB962C8B-B14F-4D97-AF65-F5344CB8AC3E}">
+        <p14:creationId xmlns:p14="http://schemas.microsoft.com/office/powerpoint/2010/main" val="2036369089"/>
+      </p:ext>
+    </p:extLst>
+  </p:cSld>
+  <p:clrMapOvr>
+    <a:masterClrMapping/>
+  </p:clrMapOvr>
+</p:sld>
+</file>
+
+<file path=ppt/slides/slide38.xml><?xml version="1.0" encoding="utf-8"?>
+<p:sld xmlns:a="http://schemas.openxmlformats.org/drawingml/2006/main" xmlns:r="http://schemas.openxmlformats.org/officeDocument/2006/relationships" xmlns:p="http://schemas.openxmlformats.org/presentationml/2006/main">
+  <p:cSld>
+    <p:spTree>
+      <p:nvGrpSpPr>
+        <p:cNvPr id="1" name=""/>
+        <p:cNvGrpSpPr/>
+        <p:nvPr/>
+      </p:nvGrpSpPr>
+      <p:grpSpPr>
+        <a:xfrm>
+          <a:off x="0" y="0"/>
+          <a:ext cx="0" cy="0"/>
+          <a:chOff x="0" y="0"/>
+          <a:chExt cx="0" cy="0"/>
+        </a:xfrm>
+      </p:grpSpPr>
+      <p:sp>
+        <p:nvSpPr>
+          <p:cNvPr id="2" name="Title 1">
+            <a:extLst>
+              <a:ext uri="{FF2B5EF4-FFF2-40B4-BE49-F238E27FC236}">
+                <a16:creationId xmlns:a16="http://schemas.microsoft.com/office/drawing/2014/main" id="{4F20DDD5-E036-05CA-B5D2-759CF6984A0C}"/>
+              </a:ext>
+            </a:extLst>
+          </p:cNvPr>
+          <p:cNvSpPr>
+            <a:spLocks noGrp="1"/>
+          </p:cNvSpPr>
+          <p:nvPr>
+            <p:ph type="title"/>
+          </p:nvPr>
+        </p:nvSpPr>
+        <p:spPr/>
+        <p:txBody>
+          <a:bodyPr/>
+          <a:lstStyle/>
+          <a:p>
+            <a:r>
+              <a:rPr lang="en-US" altLang="zh-TW" dirty="0">
+                <a:latin typeface="Times" panose="02020603050405020304" pitchFamily="18" charset="0"/>
+                <a:cs typeface="Times" panose="02020603050405020304" pitchFamily="18" charset="0"/>
+              </a:rPr>
+              <a:t>Experimental Result – </a:t>
+            </a:r>
+            <a:r>
+              <a:rPr lang="en-US" altLang="zh-TW" sz="3600" dirty="0">
+                <a:latin typeface="Times" panose="02020603050405020304" pitchFamily="18" charset="0"/>
+                <a:cs typeface="Times" panose="02020603050405020304" pitchFamily="18" charset="0"/>
+              </a:rPr>
+              <a:t>Marginal Cost</a:t>
+            </a:r>
+            <a:endParaRPr lang="zh-TW" altLang="en-US" dirty="0"/>
+          </a:p>
+        </p:txBody>
+      </p:sp>
+      <p:sp>
+        <p:nvSpPr>
+          <p:cNvPr id="4" name="Slide Number Placeholder 3">
+            <a:extLst>
+              <a:ext uri="{FF2B5EF4-FFF2-40B4-BE49-F238E27FC236}">
+                <a16:creationId xmlns:a16="http://schemas.microsoft.com/office/drawing/2014/main" id="{B9721783-1C0F-F98D-7C84-63B382D1F13A}"/>
+              </a:ext>
+            </a:extLst>
+          </p:cNvPr>
+          <p:cNvSpPr>
+            <a:spLocks noGrp="1"/>
+          </p:cNvSpPr>
+          <p:nvPr>
+            <p:ph type="sldNum" sz="quarter" idx="12"/>
+          </p:nvPr>
+        </p:nvSpPr>
+        <p:spPr/>
+        <p:txBody>
+          <a:bodyPr/>
+          <a:lstStyle/>
+          <a:p>
+            <a:fld id="{666274A1-CF9C-426A-8DD4-B13ED0C24231}" type="slidenum">
+              <a:rPr lang="en-US" smtClean="0"/>
+              <a:t>37</a:t>
+            </a:fld>
+            <a:endParaRPr lang="en-US"/>
+          </a:p>
+        </p:txBody>
+      </p:sp>
+      <p:pic>
+        <p:nvPicPr>
+          <p:cNvPr id="12" name="Picture 11">
+            <a:extLst>
+              <a:ext uri="{FF2B5EF4-FFF2-40B4-BE49-F238E27FC236}">
+                <a16:creationId xmlns:a16="http://schemas.microsoft.com/office/drawing/2014/main" id="{752FED01-C4A8-DBCC-8EAB-DA6C3CA919E6}"/>
+              </a:ext>
+            </a:extLst>
+          </p:cNvPr>
+          <p:cNvPicPr>
+            <a:picLocks noChangeAspect="1"/>
+          </p:cNvPicPr>
+          <p:nvPr/>
+        </p:nvPicPr>
+        <p:blipFill>
+          <a:blip r:embed="rId3"/>
+          <a:stretch>
+            <a:fillRect/>
+          </a:stretch>
+        </p:blipFill>
+        <p:spPr>
+          <a:xfrm>
+            <a:off x="662202" y="2528974"/>
+            <a:ext cx="10867596" cy="2747876"/>
+          </a:xfrm>
+          <a:prstGeom prst="rect">
+            <a:avLst/>
+          </a:prstGeom>
+        </p:spPr>
+      </p:pic>
+    </p:spTree>
+    <p:extLst>
+      <p:ext uri="{BB962C8B-B14F-4D97-AF65-F5344CB8AC3E}">
+        <p14:creationId xmlns:p14="http://schemas.microsoft.com/office/powerpoint/2010/main" val="1220475399"/>
+      </p:ext>
+    </p:extLst>
+  </p:cSld>
+  <p:clrMapOvr>
+    <a:masterClrMapping/>
+  </p:clrMapOvr>
+</p:sld>
+</file>
+
+<file path=ppt/slides/slide39.xml><?xml version="1.0" encoding="utf-8"?>
+<p:sld xmlns:a="http://schemas.openxmlformats.org/drawingml/2006/main" xmlns:r="http://schemas.openxmlformats.org/officeDocument/2006/relationships" xmlns:p="http://schemas.openxmlformats.org/presentationml/2006/main">
+  <p:cSld>
+    <p:spTree>
+      <p:nvGrpSpPr>
+        <p:cNvPr id="1" name=""/>
+        <p:cNvGrpSpPr/>
+        <p:nvPr/>
+      </p:nvGrpSpPr>
+      <p:grpSpPr>
+        <a:xfrm>
+          <a:off x="0" y="0"/>
+          <a:ext cx="0" cy="0"/>
+          <a:chOff x="0" y="0"/>
+          <a:chExt cx="0" cy="0"/>
+        </a:xfrm>
+      </p:grpSpPr>
+      <p:sp>
+        <p:nvSpPr>
+          <p:cNvPr id="2" name="Title 1">
+            <a:extLst>
+              <a:ext uri="{FF2B5EF4-FFF2-40B4-BE49-F238E27FC236}">
+                <a16:creationId xmlns:a16="http://schemas.microsoft.com/office/drawing/2014/main" id="{99D0CF45-A542-E964-42FC-68CC365BF78A}"/>
+              </a:ext>
+            </a:extLst>
+          </p:cNvPr>
+          <p:cNvSpPr>
+            <a:spLocks noGrp="1"/>
+          </p:cNvSpPr>
+          <p:nvPr>
+            <p:ph type="title"/>
+          </p:nvPr>
+        </p:nvSpPr>
+        <p:spPr/>
+        <p:txBody>
+          <a:bodyPr>
+            <a:normAutofit/>
+          </a:bodyPr>
+          <a:lstStyle/>
+          <a:p>
+            <a:r>
+              <a:rPr lang="en-US" altLang="zh-TW" sz="4000" dirty="0">
+                <a:latin typeface="Times" panose="02020603050405020304" pitchFamily="18" charset="0"/>
+                <a:cs typeface="Times" panose="02020603050405020304" pitchFamily="18" charset="0"/>
+              </a:rPr>
+              <a:t>Experimental Result –</a:t>
+            </a:r>
+            <a:br>
+              <a:rPr lang="en-US" altLang="zh-TW" sz="4000" dirty="0">
+                <a:latin typeface="Times" panose="02020603050405020304" pitchFamily="18" charset="0"/>
+                <a:cs typeface="Times" panose="02020603050405020304" pitchFamily="18" charset="0"/>
+              </a:rPr>
+            </a:br>
+            <a:br>
+              <a:rPr lang="en-US" altLang="zh-TW" sz="1200" dirty="0">
+                <a:latin typeface="Times" panose="02020603050405020304" pitchFamily="18" charset="0"/>
+                <a:cs typeface="Times" panose="02020603050405020304" pitchFamily="18" charset="0"/>
+              </a:rPr>
+            </a:br>
+            <a:r>
+              <a:rPr lang="en-US" altLang="zh-TW" sz="3200" dirty="0">
+                <a:latin typeface="Times" panose="02020603050405020304" pitchFamily="18" charset="0"/>
+                <a:cs typeface="Times" panose="02020603050405020304" pitchFamily="18" charset="0"/>
+              </a:rPr>
+              <a:t>Device Management and Workload Balancing</a:t>
+            </a:r>
+            <a:endParaRPr lang="zh-TW" altLang="en-US" sz="4000" dirty="0"/>
+          </a:p>
+        </p:txBody>
+      </p:sp>
+      <p:pic>
+        <p:nvPicPr>
+          <p:cNvPr id="6" name="Content Placeholder 5">
+            <a:extLst>
+              <a:ext uri="{FF2B5EF4-FFF2-40B4-BE49-F238E27FC236}">
+                <a16:creationId xmlns:a16="http://schemas.microsoft.com/office/drawing/2014/main" id="{C1C0F310-B1A6-914B-5001-6EE2C70CC5A1}"/>
+              </a:ext>
+            </a:extLst>
+          </p:cNvPr>
+          <p:cNvPicPr>
+            <a:picLocks noGrp="1" noChangeAspect="1"/>
+          </p:cNvPicPr>
+          <p:nvPr>
+            <p:ph idx="1"/>
+          </p:nvPr>
+        </p:nvPicPr>
+        <p:blipFill>
+          <a:blip r:embed="rId3"/>
+          <a:stretch>
+            <a:fillRect/>
+          </a:stretch>
+        </p:blipFill>
+        <p:spPr>
+          <a:xfrm>
+            <a:off x="2299757" y="2443739"/>
+            <a:ext cx="7592485" cy="3115110"/>
+          </a:xfrm>
+        </p:spPr>
+      </p:pic>
+      <p:sp>
+        <p:nvSpPr>
+          <p:cNvPr id="4" name="Slide Number Placeholder 3">
+            <a:extLst>
+              <a:ext uri="{FF2B5EF4-FFF2-40B4-BE49-F238E27FC236}">
+                <a16:creationId xmlns:a16="http://schemas.microsoft.com/office/drawing/2014/main" id="{1A3CC457-1A38-06EC-2AF0-35B1BEF16CA7}"/>
+              </a:ext>
+            </a:extLst>
+          </p:cNvPr>
+          <p:cNvSpPr>
+            <a:spLocks noGrp="1"/>
+          </p:cNvSpPr>
+          <p:nvPr>
+            <p:ph type="sldNum" sz="quarter" idx="12"/>
+          </p:nvPr>
+        </p:nvSpPr>
+        <p:spPr/>
+        <p:txBody>
+          <a:bodyPr/>
+          <a:lstStyle/>
+          <a:p>
+            <a:fld id="{666274A1-CF9C-426A-8DD4-B13ED0C24231}" type="slidenum">
+              <a:rPr lang="en-US" smtClean="0"/>
+              <a:t>38</a:t>
+            </a:fld>
+            <a:endParaRPr lang="en-US"/>
+          </a:p>
+        </p:txBody>
+      </p:sp>
+    </p:spTree>
+    <p:extLst>
+      <p:ext uri="{BB962C8B-B14F-4D97-AF65-F5344CB8AC3E}">
+        <p14:creationId xmlns:p14="http://schemas.microsoft.com/office/powerpoint/2010/main" val="3545280913"/>
       </p:ext>
     </p:extLst>
   </p:cSld>
@@ -24656,6 +25778,466 @@
 </p:sld>
 </file>
 
+<file path=ppt/slides/slide40.xml><?xml version="1.0" encoding="utf-8"?>
+<p:sld xmlns:a="http://schemas.openxmlformats.org/drawingml/2006/main" xmlns:r="http://schemas.openxmlformats.org/officeDocument/2006/relationships" xmlns:p="http://schemas.openxmlformats.org/presentationml/2006/main">
+  <p:cSld>
+    <p:spTree>
+      <p:nvGrpSpPr>
+        <p:cNvPr id="1" name=""/>
+        <p:cNvGrpSpPr/>
+        <p:nvPr/>
+      </p:nvGrpSpPr>
+      <p:grpSpPr>
+        <a:xfrm>
+          <a:off x="0" y="0"/>
+          <a:ext cx="0" cy="0"/>
+          <a:chOff x="0" y="0"/>
+          <a:chExt cx="0" cy="0"/>
+        </a:xfrm>
+      </p:grpSpPr>
+      <p:sp>
+        <p:nvSpPr>
+          <p:cNvPr id="2" name="Title 1">
+            <a:extLst>
+              <a:ext uri="{FF2B5EF4-FFF2-40B4-BE49-F238E27FC236}">
+                <a16:creationId xmlns:a16="http://schemas.microsoft.com/office/drawing/2014/main" id="{034B2B09-3A89-725A-85C2-749F88A4474D}"/>
+              </a:ext>
+            </a:extLst>
+          </p:cNvPr>
+          <p:cNvSpPr>
+            <a:spLocks noGrp="1"/>
+          </p:cNvSpPr>
+          <p:nvPr>
+            <p:ph type="title"/>
+          </p:nvPr>
+        </p:nvSpPr>
+        <p:spPr/>
+        <p:txBody>
+          <a:bodyPr/>
+          <a:lstStyle/>
+          <a:p>
+            <a:r>
+              <a:rPr lang="en-US" dirty="0">
+                <a:latin typeface="Times New Roman" panose="02020603050405020304" pitchFamily="18" charset="0"/>
+                <a:cs typeface="Times New Roman" panose="02020603050405020304" pitchFamily="18" charset="0"/>
+              </a:rPr>
+              <a:t>Outline</a:t>
+            </a:r>
+          </a:p>
+        </p:txBody>
+      </p:sp>
+      <p:sp>
+        <p:nvSpPr>
+          <p:cNvPr id="3" name="Content Placeholder 2">
+            <a:extLst>
+              <a:ext uri="{FF2B5EF4-FFF2-40B4-BE49-F238E27FC236}">
+                <a16:creationId xmlns:a16="http://schemas.microsoft.com/office/drawing/2014/main" id="{35A1418A-E9D3-D2C1-863A-CF59359781D1}"/>
+              </a:ext>
+            </a:extLst>
+          </p:cNvPr>
+          <p:cNvSpPr>
+            <a:spLocks noGrp="1"/>
+          </p:cNvSpPr>
+          <p:nvPr>
+            <p:ph idx="1"/>
+          </p:nvPr>
+        </p:nvSpPr>
+        <p:spPr/>
+        <p:txBody>
+          <a:bodyPr>
+            <a:normAutofit/>
+          </a:bodyPr>
+          <a:lstStyle/>
+          <a:p>
+            <a:pPr>
+              <a:lnSpc>
+                <a:spcPct val="130000"/>
+              </a:lnSpc>
+            </a:pPr>
+            <a:r>
+              <a:rPr lang="en-US" sz="2400" dirty="0">
+                <a:solidFill>
+                  <a:schemeClr val="bg1">
+                    <a:lumMod val="65000"/>
+                  </a:schemeClr>
+                </a:solidFill>
+                <a:latin typeface="Times New Roman" panose="02020603050405020304" pitchFamily="18" charset="0"/>
+                <a:cs typeface="Times New Roman" panose="02020603050405020304" pitchFamily="18" charset="0"/>
+              </a:rPr>
+              <a:t>Abstract</a:t>
+            </a:r>
+          </a:p>
+          <a:p>
+            <a:pPr>
+              <a:lnSpc>
+                <a:spcPct val="130000"/>
+              </a:lnSpc>
+            </a:pPr>
+            <a:r>
+              <a:rPr lang="en-US" sz="2400" dirty="0">
+                <a:solidFill>
+                  <a:schemeClr val="bg1">
+                    <a:lumMod val="65000"/>
+                  </a:schemeClr>
+                </a:solidFill>
+                <a:latin typeface="Times New Roman" panose="02020603050405020304" pitchFamily="18" charset="0"/>
+                <a:cs typeface="Times New Roman" panose="02020603050405020304" pitchFamily="18" charset="0"/>
+              </a:rPr>
+              <a:t>Introduction</a:t>
+            </a:r>
+          </a:p>
+          <a:p>
+            <a:pPr>
+              <a:lnSpc>
+                <a:spcPct val="130000"/>
+              </a:lnSpc>
+            </a:pPr>
+            <a:r>
+              <a:rPr lang="en-US" sz="2400" dirty="0">
+                <a:solidFill>
+                  <a:schemeClr val="bg1">
+                    <a:lumMod val="65000"/>
+                  </a:schemeClr>
+                </a:solidFill>
+                <a:latin typeface="Times New Roman" panose="02020603050405020304" pitchFamily="18" charset="0"/>
+                <a:cs typeface="Times New Roman" panose="02020603050405020304" pitchFamily="18" charset="0"/>
+              </a:rPr>
+              <a:t>Proposed Partitioning Framework For Multi-GPU Acceleration</a:t>
+            </a:r>
+          </a:p>
+          <a:p>
+            <a:pPr>
+              <a:lnSpc>
+                <a:spcPct val="130000"/>
+              </a:lnSpc>
+            </a:pPr>
+            <a:r>
+              <a:rPr lang="en-US" sz="2400" dirty="0">
+                <a:solidFill>
+                  <a:schemeClr val="bg1">
+                    <a:lumMod val="65000"/>
+                  </a:schemeClr>
+                </a:solidFill>
+                <a:latin typeface="Times New Roman" panose="02020603050405020304" pitchFamily="18" charset="0"/>
+                <a:cs typeface="Times New Roman" panose="02020603050405020304" pitchFamily="18" charset="0"/>
+              </a:rPr>
+              <a:t>Experimental Result</a:t>
+            </a:r>
+          </a:p>
+          <a:p>
+            <a:pPr>
+              <a:lnSpc>
+                <a:spcPct val="130000"/>
+              </a:lnSpc>
+            </a:pPr>
+            <a:r>
+              <a:rPr lang="en-US" altLang="zh-TW" sz="2400" dirty="0">
+                <a:latin typeface="Times New Roman" panose="02020603050405020304" pitchFamily="18" charset="0"/>
+                <a:cs typeface="Times New Roman" panose="02020603050405020304" pitchFamily="18" charset="0"/>
+              </a:rPr>
+              <a:t>Conclusion</a:t>
+            </a:r>
+          </a:p>
+        </p:txBody>
+      </p:sp>
+      <p:sp>
+        <p:nvSpPr>
+          <p:cNvPr id="4" name="Slide Number Placeholder 3">
+            <a:extLst>
+              <a:ext uri="{FF2B5EF4-FFF2-40B4-BE49-F238E27FC236}">
+                <a16:creationId xmlns:a16="http://schemas.microsoft.com/office/drawing/2014/main" id="{3592E110-E718-0573-BF00-CE5E90916A66}"/>
+              </a:ext>
+            </a:extLst>
+          </p:cNvPr>
+          <p:cNvSpPr>
+            <a:spLocks noGrp="1"/>
+          </p:cNvSpPr>
+          <p:nvPr>
+            <p:ph type="sldNum" sz="quarter" idx="12"/>
+          </p:nvPr>
+        </p:nvSpPr>
+        <p:spPr/>
+        <p:txBody>
+          <a:bodyPr/>
+          <a:lstStyle/>
+          <a:p>
+            <a:fld id="{666274A1-CF9C-426A-8DD4-B13ED0C24231}" type="slidenum">
+              <a:rPr lang="en-US" smtClean="0"/>
+              <a:t>39</a:t>
+            </a:fld>
+            <a:endParaRPr lang="en-US"/>
+          </a:p>
+        </p:txBody>
+      </p:sp>
+    </p:spTree>
+    <p:extLst>
+      <p:ext uri="{BB962C8B-B14F-4D97-AF65-F5344CB8AC3E}">
+        <p14:creationId xmlns:p14="http://schemas.microsoft.com/office/powerpoint/2010/main" val="2094515295"/>
+      </p:ext>
+    </p:extLst>
+  </p:cSld>
+  <p:clrMapOvr>
+    <a:masterClrMapping/>
+  </p:clrMapOvr>
+</p:sld>
+</file>
+
+<file path=ppt/slides/slide41.xml><?xml version="1.0" encoding="utf-8"?>
+<p:sld xmlns:a="http://schemas.openxmlformats.org/drawingml/2006/main" xmlns:r="http://schemas.openxmlformats.org/officeDocument/2006/relationships" xmlns:p="http://schemas.openxmlformats.org/presentationml/2006/main">
+  <p:cSld>
+    <p:spTree>
+      <p:nvGrpSpPr>
+        <p:cNvPr id="1" name=""/>
+        <p:cNvGrpSpPr/>
+        <p:nvPr/>
+      </p:nvGrpSpPr>
+      <p:grpSpPr>
+        <a:xfrm>
+          <a:off x="0" y="0"/>
+          <a:ext cx="0" cy="0"/>
+          <a:chOff x="0" y="0"/>
+          <a:chExt cx="0" cy="0"/>
+        </a:xfrm>
+      </p:grpSpPr>
+      <p:sp>
+        <p:nvSpPr>
+          <p:cNvPr id="2" name="Title 1">
+            <a:extLst>
+              <a:ext uri="{FF2B5EF4-FFF2-40B4-BE49-F238E27FC236}">
+                <a16:creationId xmlns:a16="http://schemas.microsoft.com/office/drawing/2014/main" id="{142F730F-F50D-6CBC-0EAC-7C37CAB9E1D8}"/>
+              </a:ext>
+            </a:extLst>
+          </p:cNvPr>
+          <p:cNvSpPr>
+            <a:spLocks noGrp="1"/>
+          </p:cNvSpPr>
+          <p:nvPr>
+            <p:ph type="title"/>
+          </p:nvPr>
+        </p:nvSpPr>
+        <p:spPr/>
+        <p:txBody>
+          <a:bodyPr/>
+          <a:lstStyle/>
+          <a:p>
+            <a:r>
+              <a:rPr lang="en-US" altLang="zh-TW" dirty="0">
+                <a:latin typeface="Times" panose="02020603050405020304" pitchFamily="18" charset="0"/>
+                <a:cs typeface="Times" panose="02020603050405020304" pitchFamily="18" charset="0"/>
+              </a:rPr>
+              <a:t>Conclusion</a:t>
+            </a:r>
+            <a:endParaRPr lang="zh-TW" altLang="en-US" dirty="0">
+              <a:latin typeface="Times" panose="02020603050405020304" pitchFamily="18" charset="0"/>
+              <a:cs typeface="Times" panose="02020603050405020304" pitchFamily="18" charset="0"/>
+            </a:endParaRPr>
+          </a:p>
+        </p:txBody>
+      </p:sp>
+      <p:sp>
+        <p:nvSpPr>
+          <p:cNvPr id="3" name="Content Placeholder 2">
+            <a:extLst>
+              <a:ext uri="{FF2B5EF4-FFF2-40B4-BE49-F238E27FC236}">
+                <a16:creationId xmlns:a16="http://schemas.microsoft.com/office/drawing/2014/main" id="{B5E99BF6-2BDD-CC94-8BD3-2574C15BE2C3}"/>
+              </a:ext>
+            </a:extLst>
+          </p:cNvPr>
+          <p:cNvSpPr>
+            <a:spLocks noGrp="1"/>
+          </p:cNvSpPr>
+          <p:nvPr>
+            <p:ph idx="1"/>
+          </p:nvPr>
+        </p:nvSpPr>
+        <p:spPr/>
+        <p:txBody>
+          <a:bodyPr>
+            <a:normAutofit/>
+          </a:bodyPr>
+          <a:lstStyle/>
+          <a:p>
+            <a:r>
+              <a:rPr lang="en-US" altLang="zh-TW" sz="2400" dirty="0">
+                <a:latin typeface="Times" panose="02020603050405020304" pitchFamily="18" charset="0"/>
+                <a:cs typeface="Times" panose="02020603050405020304" pitchFamily="18" charset="0"/>
+              </a:rPr>
+              <a:t>Obtain balanced graph partitions by separating an weighted endpoint graph.</a:t>
+            </a:r>
+          </a:p>
+          <a:p>
+            <a:endParaRPr lang="en-US" altLang="zh-TW" sz="500" dirty="0">
+              <a:latin typeface="Times" panose="02020603050405020304" pitchFamily="18" charset="0"/>
+              <a:cs typeface="Times" panose="02020603050405020304" pitchFamily="18" charset="0"/>
+            </a:endParaRPr>
+          </a:p>
+          <a:p>
+            <a:r>
+              <a:rPr lang="en-US" altLang="zh-TW" sz="2400" dirty="0">
+                <a:latin typeface="Times" panose="02020603050405020304" pitchFamily="18" charset="0"/>
+                <a:cs typeface="Times" panose="02020603050405020304" pitchFamily="18" charset="0"/>
+              </a:rPr>
+              <a:t>Ensure the PBA workloads can execute on these partitions independently.</a:t>
+            </a:r>
+          </a:p>
+          <a:p>
+            <a:endParaRPr lang="en-US" altLang="zh-TW" sz="800" dirty="0">
+              <a:latin typeface="Times" panose="02020603050405020304" pitchFamily="18" charset="0"/>
+              <a:cs typeface="Times" panose="02020603050405020304" pitchFamily="18" charset="0"/>
+            </a:endParaRPr>
+          </a:p>
+          <a:p>
+            <a:r>
+              <a:rPr lang="en-US" altLang="zh-TW" sz="2400" dirty="0">
+                <a:latin typeface="Times" panose="02020603050405020304" pitchFamily="18" charset="0"/>
+                <a:cs typeface="Times" panose="02020603050405020304" pitchFamily="18" charset="0"/>
+              </a:rPr>
+              <a:t>The framework can accelerate PBA by 12–24× for designs above 10M gates</a:t>
+            </a:r>
+            <a:endParaRPr lang="zh-TW" altLang="en-US" sz="2400" dirty="0">
+              <a:latin typeface="Times" panose="02020603050405020304" pitchFamily="18" charset="0"/>
+              <a:cs typeface="Times" panose="02020603050405020304" pitchFamily="18" charset="0"/>
+            </a:endParaRPr>
+          </a:p>
+        </p:txBody>
+      </p:sp>
+      <p:sp>
+        <p:nvSpPr>
+          <p:cNvPr id="4" name="Slide Number Placeholder 3">
+            <a:extLst>
+              <a:ext uri="{FF2B5EF4-FFF2-40B4-BE49-F238E27FC236}">
+                <a16:creationId xmlns:a16="http://schemas.microsoft.com/office/drawing/2014/main" id="{440CE04E-65BC-9D79-6C5C-F6796870C2F7}"/>
+              </a:ext>
+            </a:extLst>
+          </p:cNvPr>
+          <p:cNvSpPr>
+            <a:spLocks noGrp="1"/>
+          </p:cNvSpPr>
+          <p:nvPr>
+            <p:ph type="sldNum" sz="quarter" idx="12"/>
+          </p:nvPr>
+        </p:nvSpPr>
+        <p:spPr/>
+        <p:txBody>
+          <a:bodyPr/>
+          <a:lstStyle/>
+          <a:p>
+            <a:fld id="{666274A1-CF9C-426A-8DD4-B13ED0C24231}" type="slidenum">
+              <a:rPr lang="en-US" smtClean="0"/>
+              <a:t>40</a:t>
+            </a:fld>
+            <a:endParaRPr lang="en-US"/>
+          </a:p>
+        </p:txBody>
+      </p:sp>
+    </p:spTree>
+    <p:extLst>
+      <p:ext uri="{BB962C8B-B14F-4D97-AF65-F5344CB8AC3E}">
+        <p14:creationId xmlns:p14="http://schemas.microsoft.com/office/powerpoint/2010/main" val="22090995"/>
+      </p:ext>
+    </p:extLst>
+  </p:cSld>
+  <p:clrMapOvr>
+    <a:masterClrMapping/>
+  </p:clrMapOvr>
+</p:sld>
+</file>
+
+<file path=ppt/slides/slide42.xml><?xml version="1.0" encoding="utf-8"?>
+<p:sld xmlns:a="http://schemas.openxmlformats.org/drawingml/2006/main" xmlns:r="http://schemas.openxmlformats.org/officeDocument/2006/relationships" xmlns:p="http://schemas.openxmlformats.org/presentationml/2006/main">
+  <p:cSld>
+    <p:spTree>
+      <p:nvGrpSpPr>
+        <p:cNvPr id="1" name=""/>
+        <p:cNvGrpSpPr/>
+        <p:nvPr/>
+      </p:nvGrpSpPr>
+      <p:grpSpPr>
+        <a:xfrm>
+          <a:off x="0" y="0"/>
+          <a:ext cx="0" cy="0"/>
+          <a:chOff x="0" y="0"/>
+          <a:chExt cx="0" cy="0"/>
+        </a:xfrm>
+      </p:grpSpPr>
+      <p:sp>
+        <p:nvSpPr>
+          <p:cNvPr id="4" name="Slide Number Placeholder 3">
+            <a:extLst>
+              <a:ext uri="{FF2B5EF4-FFF2-40B4-BE49-F238E27FC236}">
+                <a16:creationId xmlns:a16="http://schemas.microsoft.com/office/drawing/2014/main" id="{DB47E6D4-11C1-7FA3-40FD-EC8CC1AC8613}"/>
+              </a:ext>
+            </a:extLst>
+          </p:cNvPr>
+          <p:cNvSpPr>
+            <a:spLocks noGrp="1"/>
+          </p:cNvSpPr>
+          <p:nvPr>
+            <p:ph type="sldNum" sz="quarter" idx="12"/>
+          </p:nvPr>
+        </p:nvSpPr>
+        <p:spPr/>
+        <p:txBody>
+          <a:bodyPr/>
+          <a:lstStyle/>
+          <a:p>
+            <a:fld id="{666274A1-CF9C-426A-8DD4-B13ED0C24231}" type="slidenum">
+              <a:rPr lang="en-US" smtClean="0"/>
+              <a:t>41</a:t>
+            </a:fld>
+            <a:endParaRPr lang="en-US"/>
+          </a:p>
+        </p:txBody>
+      </p:sp>
+      <p:sp>
+        <p:nvSpPr>
+          <p:cNvPr id="5" name="TextBox 4">
+            <a:extLst>
+              <a:ext uri="{FF2B5EF4-FFF2-40B4-BE49-F238E27FC236}">
+                <a16:creationId xmlns:a16="http://schemas.microsoft.com/office/drawing/2014/main" id="{DE342AA9-4E4B-2420-9858-9BBA5A519307}"/>
+              </a:ext>
+            </a:extLst>
+          </p:cNvPr>
+          <p:cNvSpPr txBox="1"/>
+          <p:nvPr/>
+        </p:nvSpPr>
+        <p:spPr>
+          <a:xfrm>
+            <a:off x="2697986" y="2967335"/>
+            <a:ext cx="6796028" cy="923330"/>
+          </a:xfrm>
+          <a:prstGeom prst="rect">
+            <a:avLst/>
+          </a:prstGeom>
+          <a:noFill/>
+        </p:spPr>
+        <p:txBody>
+          <a:bodyPr wrap="none" rtlCol="0">
+            <a:spAutoFit/>
+          </a:bodyPr>
+          <a:lstStyle/>
+          <a:p>
+            <a:r>
+              <a:rPr lang="en-US" altLang="zh-TW" sz="5400" dirty="0"/>
+              <a:t>Thank you for listening!</a:t>
+            </a:r>
+            <a:endParaRPr lang="zh-TW" altLang="en-US" sz="5400" dirty="0"/>
+          </a:p>
+        </p:txBody>
+      </p:sp>
+    </p:spTree>
+    <p:extLst>
+      <p:ext uri="{BB962C8B-B14F-4D97-AF65-F5344CB8AC3E}">
+        <p14:creationId xmlns:p14="http://schemas.microsoft.com/office/powerpoint/2010/main" val="1947749228"/>
+      </p:ext>
+    </p:extLst>
+  </p:cSld>
+  <p:clrMapOvr>
+    <a:masterClrMapping/>
+  </p:clrMapOvr>
+</p:sld>
+</file>
+
 <file path=ppt/slides/slide5.xml><?xml version="1.0" encoding="utf-8"?>
 <p:sld xmlns:a="http://schemas.openxmlformats.org/drawingml/2006/main" xmlns:r="http://schemas.openxmlformats.org/officeDocument/2006/relationships" xmlns:p="http://schemas.openxmlformats.org/presentationml/2006/main">
   <p:cSld>
@@ -24795,6 +26377,25 @@
                 <a:cs typeface="Times New Roman" panose="02020603050405020304" pitchFamily="18" charset="0"/>
               </a:rPr>
               <a:t>Experimental Result</a:t>
+            </a:r>
+          </a:p>
+          <a:p>
+            <a:pPr>
+              <a:lnSpc>
+                <a:spcPct val="130000"/>
+              </a:lnSpc>
+            </a:pPr>
+            <a:r>
+              <a:rPr lang="en-US" altLang="zh-TW" sz="2400" dirty="0">
+                <a:solidFill>
+                  <a:schemeClr val="bg1">
+                    <a:lumMod val="65000"/>
+                  </a:schemeClr>
+                </a:solidFill>
+                <a:latin typeface="Times New Roman" panose="02020603050405020304" pitchFamily="18" charset="0"/>
+                <a:cs typeface="Times New Roman" panose="02020603050405020304" pitchFamily="18" charset="0"/>
+              </a:rPr>
+              <a:t>Conclusion</a:t>
             </a:r>
           </a:p>
         </p:txBody>
@@ -25491,6 +27092,25 @@
                 <a:cs typeface="Times New Roman" panose="02020603050405020304" pitchFamily="18" charset="0"/>
               </a:rPr>
               <a:t>Experimental Result</a:t>
+            </a:r>
+          </a:p>
+          <a:p>
+            <a:pPr>
+              <a:lnSpc>
+                <a:spcPct val="130000"/>
+              </a:lnSpc>
+            </a:pPr>
+            <a:r>
+              <a:rPr lang="en-US" altLang="zh-TW" sz="2400" dirty="0">
+                <a:solidFill>
+                  <a:schemeClr val="bg1">
+                    <a:lumMod val="65000"/>
+                  </a:schemeClr>
+                </a:solidFill>
+                <a:latin typeface="Times New Roman" panose="02020603050405020304" pitchFamily="18" charset="0"/>
+                <a:cs typeface="Times New Roman" panose="02020603050405020304" pitchFamily="18" charset="0"/>
+              </a:rPr>
+              <a:t>Conclusion</a:t>
             </a:r>
           </a:p>
         </p:txBody>

--- a/GM/Partition/Fast STA Graph Partitioning Framework for Multi-GPU Acceleration/Fast STA Graph Partitioning Framework for Multi-GPU Acceleration.pptx
+++ b/GM/Partition/Fast STA Graph Partitioning Framework for Multi-GPU Acceleration/Fast STA Graph Partitioning Framework for Multi-GPU Acceleration.pptx
@@ -1755,7 +1755,7 @@
           <a:p>
             <a:fld id="{C9ED61FB-B9B0-4D85-A72E-A614C28ECC4E}" type="datetimeFigureOut">
               <a:rPr lang="en-US" smtClean="0"/>
-              <a:t>8/25/2023</a:t>
+              <a:t>8/29/2023</a:t>
             </a:fld>
             <a:endParaRPr lang="en-US"/>
           </a:p>
@@ -2156,7 +2156,7 @@
             </a:pPr>
             <a:r>
               <a:rPr lang="en-US" altLang="zh-TW" dirty="0"/>
-              <a:t>These 4 design are the largest and densest real design</a:t>
+              <a:t>Report 100K critical paths.</a:t>
             </a:r>
           </a:p>
           <a:p>
@@ -2166,19 +2166,27 @@
             </a:pPr>
             <a:r>
               <a:rPr lang="en-US" altLang="zh-TW" dirty="0"/>
-              <a:t>Replication factor : average number of times that a </a:t>
-            </a:r>
-            <a:r>
-              <a:rPr lang="en-US" altLang="zh-TW" dirty="0" err="1"/>
-              <a:t>ckt</a:t>
-            </a:r>
+              <a:t>Does not induce any loss of accuracy compared to the baseline.</a:t>
+            </a:r>
+          </a:p>
+          <a:p>
+            <a:pPr marL="171450" indent="-171450">
+              <a:buFont typeface="Arial" panose="020B0604020202020204" pitchFamily="34" charset="0"/>
+              <a:buChar char="•"/>
+            </a:pPr>
             <a:r>
               <a:rPr lang="en-US" altLang="zh-TW" dirty="0"/>
-              <a:t> pin shows up in all partitions combined (</a:t>
-            </a:r>
+              <a:t>8 partition take majority of runtime in graph partition</a:t>
+            </a:r>
+          </a:p>
+          <a:p>
+            <a:pPr marL="171450" indent="-171450">
+              <a:buFont typeface="Arial" panose="020B0604020202020204" pitchFamily="34" charset="0"/>
+              <a:buChar char="•"/>
+            </a:pPr>
             <a:r>
               <a:rPr lang="zh-TW" altLang="en-US" dirty="0"/>
-              <a:t>就是平均每一個</a:t>
+              <a:t>沒有一個</a:t>
             </a:r>
             <a:r>
               <a:rPr lang="en-US" altLang="zh-TW" dirty="0"/>
@@ -2186,19 +2194,27 @@
             </a:r>
             <a:r>
               <a:rPr lang="zh-TW" altLang="en-US" dirty="0"/>
-              <a:t>會出現在幾個</a:t>
+              <a:t>會</a:t>
             </a:r>
             <a:r>
               <a:rPr lang="en-US" altLang="zh-TW" dirty="0"/>
-              <a:t>partition</a:t>
+              <a:t>replicate</a:t>
             </a:r>
             <a:r>
               <a:rPr lang="zh-TW" altLang="en-US" dirty="0"/>
-              <a:t>中</a:t>
+              <a:t> 超過一次 </a:t>
             </a:r>
             <a:r>
               <a:rPr lang="en-US" altLang="zh-TW" dirty="0"/>
-              <a:t>)</a:t>
+              <a:t>(4-8</a:t>
+            </a:r>
+            <a:r>
+              <a:rPr lang="zh-TW" altLang="en-US" dirty="0"/>
+              <a:t> </a:t>
+            </a:r>
+            <a:r>
+              <a:rPr lang="en-US" altLang="zh-TW" dirty="0"/>
+              <a:t>partition)</a:t>
             </a:r>
             <a:endParaRPr lang="zh-TW" altLang="en-US" dirty="0"/>
           </a:p>
@@ -2221,6 +2237,140 @@
           <a:p>
             <a:fld id="{9D457EAB-1485-47AD-BEAD-484FAEBF5A54}" type="slidenum">
               <a:rPr lang="en-US" smtClean="0"/>
+              <a:t>35</a:t>
+            </a:fld>
+            <a:endParaRPr lang="en-US"/>
+          </a:p>
+        </p:txBody>
+      </p:sp>
+    </p:spTree>
+    <p:extLst>
+      <p:ext uri="{BB962C8B-B14F-4D97-AF65-F5344CB8AC3E}">
+        <p14:creationId xmlns:p14="http://schemas.microsoft.com/office/powerpoint/2010/main" val="2323812641"/>
+      </p:ext>
+    </p:extLst>
+  </p:cSld>
+  <p:clrMapOvr>
+    <a:masterClrMapping/>
+  </p:clrMapOvr>
+</p:notes>
+</file>
+
+<file path=ppt/notesSlides/notesSlide11.xml><?xml version="1.0" encoding="utf-8"?>
+<p:notes xmlns:a="http://schemas.openxmlformats.org/drawingml/2006/main" xmlns:r="http://schemas.openxmlformats.org/officeDocument/2006/relationships" xmlns:p="http://schemas.openxmlformats.org/presentationml/2006/main">
+  <p:cSld>
+    <p:spTree>
+      <p:nvGrpSpPr>
+        <p:cNvPr id="1" name=""/>
+        <p:cNvGrpSpPr/>
+        <p:nvPr/>
+      </p:nvGrpSpPr>
+      <p:grpSpPr>
+        <a:xfrm>
+          <a:off x="0" y="0"/>
+          <a:ext cx="0" cy="0"/>
+          <a:chOff x="0" y="0"/>
+          <a:chExt cx="0" cy="0"/>
+        </a:xfrm>
+      </p:grpSpPr>
+      <p:sp>
+        <p:nvSpPr>
+          <p:cNvPr id="2" name="Slide Image Placeholder 1"/>
+          <p:cNvSpPr>
+            <a:spLocks noGrp="1" noRot="1" noChangeAspect="1"/>
+          </p:cNvSpPr>
+          <p:nvPr>
+            <p:ph type="sldImg"/>
+          </p:nvPr>
+        </p:nvSpPr>
+        <p:spPr/>
+      </p:sp>
+      <p:sp>
+        <p:nvSpPr>
+          <p:cNvPr id="3" name="Notes Placeholder 2"/>
+          <p:cNvSpPr>
+            <a:spLocks noGrp="1"/>
+          </p:cNvSpPr>
+          <p:nvPr>
+            <p:ph type="body" idx="1"/>
+          </p:nvPr>
+        </p:nvSpPr>
+        <p:spPr/>
+        <p:txBody>
+          <a:bodyPr/>
+          <a:lstStyle/>
+          <a:p>
+            <a:pPr marL="171450" indent="-171450">
+              <a:buFont typeface="Arial" panose="020B0604020202020204" pitchFamily="34" charset="0"/>
+              <a:buChar char="•"/>
+            </a:pPr>
+            <a:r>
+              <a:rPr lang="en-US" altLang="zh-TW" dirty="0"/>
+              <a:t>These 4 design are the largest and densest real design</a:t>
+            </a:r>
+          </a:p>
+          <a:p>
+            <a:pPr marL="171450" indent="-171450">
+              <a:buFont typeface="Arial" panose="020B0604020202020204" pitchFamily="34" charset="0"/>
+              <a:buChar char="•"/>
+            </a:pPr>
+            <a:r>
+              <a:rPr lang="en-US" altLang="zh-TW" dirty="0"/>
+              <a:t>Replication factor : average number of times that a </a:t>
+            </a:r>
+            <a:r>
+              <a:rPr lang="en-US" altLang="zh-TW" dirty="0" err="1"/>
+              <a:t>ckt</a:t>
+            </a:r>
+            <a:r>
+              <a:rPr lang="en-US" altLang="zh-TW" dirty="0"/>
+              <a:t> pin shows up in all partitions combined (</a:t>
+            </a:r>
+            <a:r>
+              <a:rPr lang="zh-TW" altLang="en-US" dirty="0"/>
+              <a:t>就是平均每一個</a:t>
+            </a:r>
+            <a:r>
+              <a:rPr lang="en-US" altLang="zh-TW" dirty="0"/>
+              <a:t>Pin</a:t>
+            </a:r>
+            <a:r>
+              <a:rPr lang="zh-TW" altLang="en-US" dirty="0"/>
+              <a:t>會出現在幾個</a:t>
+            </a:r>
+            <a:r>
+              <a:rPr lang="en-US" altLang="zh-TW" dirty="0"/>
+              <a:t>partition</a:t>
+            </a:r>
+            <a:r>
+              <a:rPr lang="zh-TW" altLang="en-US" dirty="0"/>
+              <a:t>中</a:t>
+            </a:r>
+            <a:r>
+              <a:rPr lang="en-US" altLang="zh-TW" dirty="0"/>
+              <a:t>)</a:t>
+            </a:r>
+            <a:endParaRPr lang="zh-TW" altLang="en-US" dirty="0"/>
+          </a:p>
+        </p:txBody>
+      </p:sp>
+      <p:sp>
+        <p:nvSpPr>
+          <p:cNvPr id="4" name="Slide Number Placeholder 3"/>
+          <p:cNvSpPr>
+            <a:spLocks noGrp="1"/>
+          </p:cNvSpPr>
+          <p:nvPr>
+            <p:ph type="sldNum" sz="quarter" idx="5"/>
+          </p:nvPr>
+        </p:nvSpPr>
+        <p:spPr/>
+        <p:txBody>
+          <a:bodyPr/>
+          <a:lstStyle/>
+          <a:p>
+            <a:fld id="{9D457EAB-1485-47AD-BEAD-484FAEBF5A54}" type="slidenum">
+              <a:rPr lang="en-US" smtClean="0"/>
               <a:t>37</a:t>
             </a:fld>
             <a:endParaRPr lang="en-US"/>
@@ -2240,7 +2390,7 @@
 </p:notes>
 </file>
 
-<file path=ppt/notesSlides/notesSlide11.xml><?xml version="1.0" encoding="utf-8"?>
+<file path=ppt/notesSlides/notesSlide12.xml><?xml version="1.0" encoding="utf-8"?>
 <p:notes xmlns:a="http://schemas.openxmlformats.org/drawingml/2006/main" xmlns:r="http://schemas.openxmlformats.org/officeDocument/2006/relationships" xmlns:p="http://schemas.openxmlformats.org/presentationml/2006/main">
   <p:cSld>
     <p:spTree>
@@ -2874,13 +3024,33 @@
           <a:bodyPr/>
           <a:lstStyle/>
           <a:p>
-            <a:pPr marL="171450" indent="-171450">
-              <a:buFont typeface="Arial" panose="020B0604020202020204" pitchFamily="34" charset="0"/>
-              <a:buChar char="•"/>
-            </a:pPr>
             <a:r>
               <a:rPr lang="en-US" altLang="zh-TW" dirty="0"/>
-              <a:t>Since endpoints 14 and 15 are connected with the highest weight</a:t>
+              <a:t>6 </a:t>
+            </a:r>
+            <a:r>
+              <a:rPr lang="zh-TW" altLang="en-US" dirty="0"/>
+              <a:t>往前</a:t>
+            </a:r>
+            <a:r>
+              <a:rPr lang="en-US" altLang="zh-TW" dirty="0"/>
+              <a:t>BFS</a:t>
+            </a:r>
+            <a:r>
+              <a:rPr lang="zh-TW" altLang="en-US" dirty="0"/>
+              <a:t>會發現</a:t>
+            </a:r>
+            <a:r>
+              <a:rPr lang="en-US" altLang="zh-TW" dirty="0"/>
+              <a:t>x</a:t>
+            </a:r>
+            <a:r>
+              <a:rPr lang="zh-TW" altLang="en-US" dirty="0"/>
+              <a:t>已經</a:t>
+            </a:r>
+            <a:r>
+              <a:rPr lang="en-US" altLang="zh-TW" dirty="0"/>
+              <a:t>visited</a:t>
             </a:r>
             <a:endParaRPr lang="zh-TW" altLang="en-US" dirty="0"/>
           </a:p>
@@ -2903,7 +3073,7 @@
           <a:p>
             <a:fld id="{9D457EAB-1485-47AD-BEAD-484FAEBF5A54}" type="slidenum">
               <a:rPr lang="en-US" smtClean="0"/>
-              <a:t>30</a:t>
+              <a:t>26</a:t>
             </a:fld>
             <a:endParaRPr lang="en-US"/>
           </a:p>
@@ -2912,7 +3082,7 @@
     </p:spTree>
     <p:extLst>
       <p:ext uri="{BB962C8B-B14F-4D97-AF65-F5344CB8AC3E}">
-        <p14:creationId xmlns:p14="http://schemas.microsoft.com/office/powerpoint/2010/main" val="130460188"/>
+        <p14:creationId xmlns:p14="http://schemas.microsoft.com/office/powerpoint/2010/main" val="805508302"/>
       </p:ext>
     </p:extLst>
   </p:cSld>
@@ -2974,26 +3144,6 @@
               <a:rPr lang="en-US" altLang="zh-TW" dirty="0"/>
               <a:t>Since endpoints 14 and 15 are connected with the highest weight</a:t>
             </a:r>
-          </a:p>
-          <a:p>
-            <a:pPr marL="171450" indent="-171450">
-              <a:buFont typeface="Arial" panose="020B0604020202020204" pitchFamily="34" charset="0"/>
-              <a:buChar char="•"/>
-            </a:pPr>
-            <a:r>
-              <a:rPr lang="en-US" altLang="zh-TW" dirty="0"/>
-              <a:t>These replicated vertices or pins are the cost of the framework, but </a:t>
-            </a:r>
-          </a:p>
-          <a:p>
-            <a:pPr marL="628650" lvl="1" indent="-171450">
-              <a:buFont typeface="Arial" panose="020B0604020202020204" pitchFamily="34" charset="0"/>
-              <a:buChar char="•"/>
-            </a:pPr>
-            <a:r>
-              <a:rPr lang="en-US" altLang="zh-TW" dirty="0"/>
-              <a:t>After replication, we can run PBA on these partitions as independent tasks on the GPU</a:t>
-            </a:r>
             <a:endParaRPr lang="zh-TW" altLang="en-US" dirty="0"/>
           </a:p>
         </p:txBody>
@@ -3015,7 +3165,7 @@
           <a:p>
             <a:fld id="{9D457EAB-1485-47AD-BEAD-484FAEBF5A54}" type="slidenum">
               <a:rPr lang="en-US" smtClean="0"/>
-              <a:t>31</a:t>
+              <a:t>30</a:t>
             </a:fld>
             <a:endParaRPr lang="en-US"/>
           </a:p>
@@ -3024,7 +3174,7 @@
     </p:spTree>
     <p:extLst>
       <p:ext uri="{BB962C8B-B14F-4D97-AF65-F5344CB8AC3E}">
-        <p14:creationId xmlns:p14="http://schemas.microsoft.com/office/powerpoint/2010/main" val="2726432620"/>
+        <p14:creationId xmlns:p14="http://schemas.microsoft.com/office/powerpoint/2010/main" val="130460188"/>
       </p:ext>
     </p:extLst>
   </p:cSld>
@@ -3084,15 +3234,7 @@
             </a:pPr>
             <a:r>
               <a:rPr lang="en-US" altLang="zh-TW" dirty="0"/>
-              <a:t>Inside each PBA execution, we use </a:t>
-            </a:r>
-            <a:r>
-              <a:rPr lang="en-US" altLang="zh-TW" dirty="0" err="1"/>
-              <a:t>cudaSetDevice</a:t>
-            </a:r>
-            <a:r>
-              <a:rPr lang="en-US" altLang="zh-TW" dirty="0"/>
-              <a:t> on this index to select the correct GPU device</a:t>
+              <a:t>Since endpoints 14 and 15 are connected with the highest weight</a:t>
             </a:r>
           </a:p>
           <a:p>
@@ -3101,8 +3243,18 @@
               <a:buChar char="•"/>
             </a:pPr>
             <a:r>
-              <a:rPr lang="en-US" altLang="zh-TW"/>
-              <a:t>In the end, we wait for executor to complete all the tasks (line 20).</a:t>
+              <a:rPr lang="en-US" altLang="zh-TW" dirty="0"/>
+              <a:t>These replicated vertices or pins are the cost of the framework, but </a:t>
+            </a:r>
+          </a:p>
+          <a:p>
+            <a:pPr marL="628650" lvl="1" indent="-171450">
+              <a:buFont typeface="Arial" panose="020B0604020202020204" pitchFamily="34" charset="0"/>
+              <a:buChar char="•"/>
+            </a:pPr>
+            <a:r>
+              <a:rPr lang="en-US" altLang="zh-TW" dirty="0"/>
+              <a:t>After replication, we can run PBA on these partitions as independent tasks on the GPU</a:t>
             </a:r>
             <a:endParaRPr lang="zh-TW" altLang="en-US" dirty="0"/>
           </a:p>
@@ -3125,7 +3277,7 @@
           <a:p>
             <a:fld id="{9D457EAB-1485-47AD-BEAD-484FAEBF5A54}" type="slidenum">
               <a:rPr lang="en-US" smtClean="0"/>
-              <a:t>32</a:t>
+              <a:t>31</a:t>
             </a:fld>
             <a:endParaRPr lang="en-US"/>
           </a:p>
@@ -3134,7 +3286,7 @@
     </p:spTree>
     <p:extLst>
       <p:ext uri="{BB962C8B-B14F-4D97-AF65-F5344CB8AC3E}">
-        <p14:creationId xmlns:p14="http://schemas.microsoft.com/office/powerpoint/2010/main" val="2750043294"/>
+        <p14:creationId xmlns:p14="http://schemas.microsoft.com/office/powerpoint/2010/main" val="2726432620"/>
       </p:ext>
     </p:extLst>
   </p:cSld>
@@ -3194,7 +3346,15 @@
             </a:pPr>
             <a:r>
               <a:rPr lang="en-US" altLang="zh-TW" dirty="0"/>
-              <a:t>Report 100K critical paths.</a:t>
+              <a:t>Inside each PBA execution, we use </a:t>
+            </a:r>
+            <a:r>
+              <a:rPr lang="en-US" altLang="zh-TW" dirty="0" err="1"/>
+              <a:t>cudaSetDevice</a:t>
+            </a:r>
+            <a:r>
+              <a:rPr lang="en-US" altLang="zh-TW" dirty="0"/>
+              <a:t> on this index to select the correct GPU device</a:t>
             </a:r>
           </a:p>
           <a:p>
@@ -3203,56 +3363,8 @@
               <a:buChar char="•"/>
             </a:pPr>
             <a:r>
-              <a:rPr lang="en-US" altLang="zh-TW" dirty="0"/>
-              <a:t>Does not induce any loss of accuracy compared to the baseline.</a:t>
-            </a:r>
-          </a:p>
-          <a:p>
-            <a:pPr marL="171450" indent="-171450">
-              <a:buFont typeface="Arial" panose="020B0604020202020204" pitchFamily="34" charset="0"/>
-              <a:buChar char="•"/>
-            </a:pPr>
-            <a:r>
-              <a:rPr lang="en-US" altLang="zh-TW" dirty="0"/>
-              <a:t>8 partition take majority of runtime in graph partition</a:t>
-            </a:r>
-          </a:p>
-          <a:p>
-            <a:pPr marL="171450" indent="-171450">
-              <a:buFont typeface="Arial" panose="020B0604020202020204" pitchFamily="34" charset="0"/>
-              <a:buChar char="•"/>
-            </a:pPr>
-            <a:r>
-              <a:rPr lang="zh-TW" altLang="en-US" dirty="0"/>
-              <a:t>沒有一個</a:t>
-            </a:r>
-            <a:r>
-              <a:rPr lang="en-US" altLang="zh-TW" dirty="0"/>
-              <a:t>Pin</a:t>
-            </a:r>
-            <a:r>
-              <a:rPr lang="zh-TW" altLang="en-US" dirty="0"/>
-              <a:t>會</a:t>
-            </a:r>
-            <a:r>
-              <a:rPr lang="en-US" altLang="zh-TW" dirty="0"/>
-              <a:t>replicate</a:t>
-            </a:r>
-            <a:r>
-              <a:rPr lang="zh-TW" altLang="en-US" dirty="0"/>
-              <a:t> 超過一次 </a:t>
-            </a:r>
-            <a:r>
-              <a:rPr lang="en-US" altLang="zh-TW" dirty="0"/>
-              <a:t>(4-8</a:t>
-            </a:r>
-            <a:r>
-              <a:rPr lang="zh-TW" altLang="en-US" dirty="0"/>
-              <a:t> </a:t>
-            </a:r>
-            <a:r>
-              <a:rPr lang="en-US" altLang="zh-TW" dirty="0"/>
-              <a:t>partition)</a:t>
+              <a:rPr lang="en-US" altLang="zh-TW"/>
+              <a:t>In the end, we wait for executor to complete all the tasks (line 20).</a:t>
             </a:r>
             <a:endParaRPr lang="zh-TW" altLang="en-US" dirty="0"/>
           </a:p>
@@ -3275,7 +3387,7 @@
           <a:p>
             <a:fld id="{9D457EAB-1485-47AD-BEAD-484FAEBF5A54}" type="slidenum">
               <a:rPr lang="en-US" smtClean="0"/>
-              <a:t>35</a:t>
+              <a:t>32</a:t>
             </a:fld>
             <a:endParaRPr lang="en-US"/>
           </a:p>
@@ -3284,7 +3396,7 @@
     </p:spTree>
     <p:extLst>
       <p:ext uri="{BB962C8B-B14F-4D97-AF65-F5344CB8AC3E}">
-        <p14:creationId xmlns:p14="http://schemas.microsoft.com/office/powerpoint/2010/main" val="2323812641"/>
+        <p14:creationId xmlns:p14="http://schemas.microsoft.com/office/powerpoint/2010/main" val="2750043294"/>
       </p:ext>
     </p:extLst>
   </p:cSld>
@@ -3441,7 +3553,7 @@
           <a:p>
             <a:fld id="{99BA7BAB-F69F-4C21-8D40-7AA273A2D01F}" type="datetime1">
               <a:rPr lang="en-US" smtClean="0"/>
-              <a:t>8/25/2023</a:t>
+              <a:t>8/29/2023</a:t>
             </a:fld>
             <a:endParaRPr lang="en-US"/>
           </a:p>
@@ -3646,7 +3758,7 @@
           <a:p>
             <a:fld id="{FB00A8EC-4678-43EE-BE64-F312B7F1A46F}" type="datetime1">
               <a:rPr lang="en-US" smtClean="0"/>
-              <a:t>8/25/2023</a:t>
+              <a:t>8/29/2023</a:t>
             </a:fld>
             <a:endParaRPr lang="en-US"/>
           </a:p>
@@ -3854,7 +3966,7 @@
           <a:p>
             <a:fld id="{9487F23D-EA8F-4C56-9373-23F6109AD11F}" type="datetime1">
               <a:rPr lang="en-US" smtClean="0"/>
-              <a:t>8/25/2023</a:t>
+              <a:t>8/29/2023</a:t>
             </a:fld>
             <a:endParaRPr lang="en-US"/>
           </a:p>
@@ -4052,7 +4164,7 @@
           <a:p>
             <a:fld id="{A34E716E-0239-4A81-9CF4-D3B9651721CF}" type="datetime1">
               <a:rPr lang="en-US" smtClean="0"/>
-              <a:t>8/25/2023</a:t>
+              <a:t>8/29/2023</a:t>
             </a:fld>
             <a:endParaRPr lang="en-US"/>
           </a:p>
@@ -4334,7 +4446,7 @@
           <a:p>
             <a:fld id="{CC112E56-3D97-4B86-935C-1C493DD86A08}" type="datetime1">
               <a:rPr lang="en-US" smtClean="0"/>
-              <a:t>8/25/2023</a:t>
+              <a:t>8/29/2023</a:t>
             </a:fld>
             <a:endParaRPr lang="en-US"/>
           </a:p>
@@ -4599,7 +4711,7 @@
           <a:p>
             <a:fld id="{40649135-BABF-4F63-9AF8-3CEC545E47DC}" type="datetime1">
               <a:rPr lang="en-US" smtClean="0"/>
-              <a:t>8/25/2023</a:t>
+              <a:t>8/29/2023</a:t>
             </a:fld>
             <a:endParaRPr lang="en-US"/>
           </a:p>
@@ -5011,7 +5123,7 @@
           <a:p>
             <a:fld id="{B16EBC02-C9C0-442D-A8A6-494057203542}" type="datetime1">
               <a:rPr lang="en-US" smtClean="0"/>
-              <a:t>8/25/2023</a:t>
+              <a:t>8/29/2023</a:t>
             </a:fld>
             <a:endParaRPr lang="en-US"/>
           </a:p>
@@ -5152,7 +5264,7 @@
           <a:p>
             <a:fld id="{A126C4B4-559D-414E-BC9C-16A745BBF3C3}" type="datetime1">
               <a:rPr lang="en-US" smtClean="0"/>
-              <a:t>8/25/2023</a:t>
+              <a:t>8/29/2023</a:t>
             </a:fld>
             <a:endParaRPr lang="en-US"/>
           </a:p>
@@ -5265,7 +5377,7 @@
           <a:p>
             <a:fld id="{0D49D49E-73A5-4C03-BFEA-3D845EB044D8}" type="datetime1">
               <a:rPr lang="en-US" smtClean="0"/>
-              <a:t>8/25/2023</a:t>
+              <a:t>8/29/2023</a:t>
             </a:fld>
             <a:endParaRPr lang="en-US"/>
           </a:p>
@@ -5576,7 +5688,7 @@
           <a:p>
             <a:fld id="{4A0F93E6-3134-410C-B573-A5F6B38FC346}" type="datetime1">
               <a:rPr lang="en-US" smtClean="0"/>
-              <a:t>8/25/2023</a:t>
+              <a:t>8/29/2023</a:t>
             </a:fld>
             <a:endParaRPr lang="en-US"/>
           </a:p>
@@ -5864,7 +5976,7 @@
           <a:p>
             <a:fld id="{F766E70F-5320-45A5-BE33-1819A93C2AF4}" type="datetime1">
               <a:rPr lang="en-US" smtClean="0"/>
-              <a:t>8/25/2023</a:t>
+              <a:t>8/29/2023</a:t>
             </a:fld>
             <a:endParaRPr lang="en-US"/>
           </a:p>
@@ -6105,7 +6217,7 @@
           <a:p>
             <a:fld id="{A706458B-0289-40FF-A02D-2C541B7F1CB6}" type="datetime1">
               <a:rPr lang="en-US" smtClean="0"/>
-              <a:t>8/25/2023</a:t>
+              <a:t>8/29/2023</a:t>
             </a:fld>
             <a:endParaRPr lang="en-US"/>
           </a:p>
@@ -6599,7 +6711,7 @@
               </a:extLst>
             </p:cNvPr>
             <p:cNvSpPr>
-              <a:spLocks/>
+              <a:spLocks noGrp="1"/>
             </p:cNvSpPr>
             <p:nvPr>
               <p:ph type="subTitle" idx="1"/>
@@ -11920,6 +12032,516 @@
           </a:p>
         </p:txBody>
       </p:sp>
+      <p:grpSp>
+        <p:nvGrpSpPr>
+          <p:cNvPr id="3" name="Group 2">
+            <a:extLst>
+              <a:ext uri="{FF2B5EF4-FFF2-40B4-BE49-F238E27FC236}">
+                <a16:creationId xmlns:a16="http://schemas.microsoft.com/office/drawing/2014/main" id="{BC8951E3-2D8F-F488-B381-4D6C91BD0C56}"/>
+              </a:ext>
+            </a:extLst>
+          </p:cNvPr>
+          <p:cNvGrpSpPr/>
+          <p:nvPr/>
+        </p:nvGrpSpPr>
+        <p:grpSpPr>
+          <a:xfrm>
+            <a:off x="4385916" y="4320482"/>
+            <a:ext cx="2010266" cy="1229642"/>
+            <a:chOff x="734096" y="2245306"/>
+            <a:chExt cx="3717700" cy="2235413"/>
+          </a:xfrm>
+        </p:grpSpPr>
+        <p:grpSp>
+          <p:nvGrpSpPr>
+            <p:cNvPr id="5" name="Group 4">
+              <a:extLst>
+                <a:ext uri="{FF2B5EF4-FFF2-40B4-BE49-F238E27FC236}">
+                  <a16:creationId xmlns:a16="http://schemas.microsoft.com/office/drawing/2014/main" id="{B44D12D3-A624-6506-639C-248669057B04}"/>
+                </a:ext>
+              </a:extLst>
+            </p:cNvPr>
+            <p:cNvGrpSpPr/>
+            <p:nvPr/>
+          </p:nvGrpSpPr>
+          <p:grpSpPr>
+            <a:xfrm>
+              <a:off x="734096" y="2251656"/>
+              <a:ext cx="3717700" cy="2229063"/>
+              <a:chOff x="734096" y="2251656"/>
+              <a:chExt cx="3717700" cy="2229063"/>
+            </a:xfrm>
+          </p:grpSpPr>
+          <p:sp>
+            <p:nvSpPr>
+              <p:cNvPr id="12" name="Oval 11">
+                <a:extLst>
+                  <a:ext uri="{FF2B5EF4-FFF2-40B4-BE49-F238E27FC236}">
+                    <a16:creationId xmlns:a16="http://schemas.microsoft.com/office/drawing/2014/main" id="{E759378B-5C5D-BE07-8BC8-10D6ECF12E26}"/>
+                  </a:ext>
+                </a:extLst>
+              </p:cNvPr>
+              <p:cNvSpPr/>
+              <p:nvPr/>
+            </p:nvSpPr>
+            <p:spPr>
+              <a:xfrm>
+                <a:off x="734096" y="2251656"/>
+                <a:ext cx="914400" cy="914400"/>
+              </a:xfrm>
+              <a:prstGeom prst="ellipse">
+                <a:avLst/>
+              </a:prstGeom>
+              <a:solidFill>
+                <a:srgbClr val="00B050"/>
+              </a:solidFill>
+              <a:ln>
+                <a:solidFill>
+                  <a:schemeClr val="accent6">
+                    <a:lumMod val="40000"/>
+                    <a:lumOff val="60000"/>
+                  </a:schemeClr>
+                </a:solidFill>
+              </a:ln>
+            </p:spPr>
+            <p:style>
+              <a:lnRef idx="2">
+                <a:schemeClr val="accent4">
+                  <a:shade val="15000"/>
+                </a:schemeClr>
+              </a:lnRef>
+              <a:fillRef idx="1">
+                <a:schemeClr val="accent4"/>
+              </a:fillRef>
+              <a:effectRef idx="0">
+                <a:schemeClr val="accent4"/>
+              </a:effectRef>
+              <a:fontRef idx="minor">
+                <a:schemeClr val="lt1"/>
+              </a:fontRef>
+            </p:style>
+            <p:txBody>
+              <a:bodyPr rtlCol="0" anchor="ctr"/>
+              <a:lstStyle/>
+              <a:p>
+                <a:pPr algn="ctr"/>
+                <a:r>
+                  <a:rPr lang="en-US" sz="3200" dirty="0"/>
+                  <a:t>0</a:t>
+                </a:r>
+              </a:p>
+            </p:txBody>
+          </p:sp>
+          <p:sp>
+            <p:nvSpPr>
+              <p:cNvPr id="14" name="Oval 13">
+                <a:extLst>
+                  <a:ext uri="{FF2B5EF4-FFF2-40B4-BE49-F238E27FC236}">
+                    <a16:creationId xmlns:a16="http://schemas.microsoft.com/office/drawing/2014/main" id="{6706A405-EBC3-1BCD-14BD-57429A77E477}"/>
+                  </a:ext>
+                </a:extLst>
+              </p:cNvPr>
+              <p:cNvSpPr/>
+              <p:nvPr/>
+            </p:nvSpPr>
+            <p:spPr>
+              <a:xfrm>
+                <a:off x="2135746" y="2251656"/>
+                <a:ext cx="914400" cy="914400"/>
+              </a:xfrm>
+              <a:prstGeom prst="ellipse">
+                <a:avLst/>
+              </a:prstGeom>
+              <a:solidFill>
+                <a:srgbClr val="00B050"/>
+              </a:solidFill>
+              <a:ln>
+                <a:solidFill>
+                  <a:schemeClr val="accent6">
+                    <a:lumMod val="40000"/>
+                    <a:lumOff val="60000"/>
+                  </a:schemeClr>
+                </a:solidFill>
+              </a:ln>
+            </p:spPr>
+            <p:style>
+              <a:lnRef idx="2">
+                <a:schemeClr val="accent4">
+                  <a:shade val="15000"/>
+                </a:schemeClr>
+              </a:lnRef>
+              <a:fillRef idx="1">
+                <a:schemeClr val="accent4"/>
+              </a:fillRef>
+              <a:effectRef idx="0">
+                <a:schemeClr val="accent4"/>
+              </a:effectRef>
+              <a:fontRef idx="minor">
+                <a:schemeClr val="lt1"/>
+              </a:fontRef>
+            </p:style>
+            <p:txBody>
+              <a:bodyPr rtlCol="0" anchor="ctr"/>
+              <a:lstStyle/>
+              <a:p>
+                <a:pPr algn="ctr"/>
+                <a:r>
+                  <a:rPr lang="en-US" sz="3200" dirty="0"/>
+                  <a:t>1</a:t>
+                </a:r>
+              </a:p>
+            </p:txBody>
+          </p:sp>
+          <p:sp>
+            <p:nvSpPr>
+              <p:cNvPr id="16" name="Oval 15">
+                <a:extLst>
+                  <a:ext uri="{FF2B5EF4-FFF2-40B4-BE49-F238E27FC236}">
+                    <a16:creationId xmlns:a16="http://schemas.microsoft.com/office/drawing/2014/main" id="{6BCA0158-D2D0-8E1D-1DCF-BCBC928FDB46}"/>
+                  </a:ext>
+                </a:extLst>
+              </p:cNvPr>
+              <p:cNvSpPr/>
+              <p:nvPr/>
+            </p:nvSpPr>
+            <p:spPr>
+              <a:xfrm>
+                <a:off x="3537396" y="2251656"/>
+                <a:ext cx="914400" cy="914400"/>
+              </a:xfrm>
+              <a:prstGeom prst="ellipse">
+                <a:avLst/>
+              </a:prstGeom>
+              <a:solidFill>
+                <a:srgbClr val="00B050"/>
+              </a:solidFill>
+              <a:ln>
+                <a:solidFill>
+                  <a:schemeClr val="accent6">
+                    <a:lumMod val="40000"/>
+                    <a:lumOff val="60000"/>
+                  </a:schemeClr>
+                </a:solidFill>
+              </a:ln>
+            </p:spPr>
+            <p:style>
+              <a:lnRef idx="2">
+                <a:schemeClr val="accent4">
+                  <a:shade val="15000"/>
+                </a:schemeClr>
+              </a:lnRef>
+              <a:fillRef idx="1">
+                <a:schemeClr val="accent4"/>
+              </a:fillRef>
+              <a:effectRef idx="0">
+                <a:schemeClr val="accent4"/>
+              </a:effectRef>
+              <a:fontRef idx="minor">
+                <a:schemeClr val="lt1"/>
+              </a:fontRef>
+            </p:style>
+            <p:txBody>
+              <a:bodyPr rtlCol="0" anchor="ctr"/>
+              <a:lstStyle/>
+              <a:p>
+                <a:pPr algn="ctr"/>
+                <a:r>
+                  <a:rPr lang="en-US" sz="3200" dirty="0"/>
+                  <a:t>2</a:t>
+                </a:r>
+              </a:p>
+            </p:txBody>
+          </p:sp>
+          <p:sp>
+            <p:nvSpPr>
+              <p:cNvPr id="17" name="Oval 16">
+                <a:extLst>
+                  <a:ext uri="{FF2B5EF4-FFF2-40B4-BE49-F238E27FC236}">
+                    <a16:creationId xmlns:a16="http://schemas.microsoft.com/office/drawing/2014/main" id="{B8A8508E-9ED3-7395-9D7C-2A05C1731F16}"/>
+                  </a:ext>
+                </a:extLst>
+              </p:cNvPr>
+              <p:cNvSpPr/>
+              <p:nvPr/>
+            </p:nvSpPr>
+            <p:spPr>
+              <a:xfrm>
+                <a:off x="2135746" y="3566319"/>
+                <a:ext cx="914400" cy="914400"/>
+              </a:xfrm>
+              <a:prstGeom prst="ellipse">
+                <a:avLst/>
+              </a:prstGeom>
+              <a:solidFill>
+                <a:srgbClr val="00B050"/>
+              </a:solidFill>
+              <a:ln>
+                <a:solidFill>
+                  <a:schemeClr val="accent6">
+                    <a:lumMod val="40000"/>
+                    <a:lumOff val="60000"/>
+                  </a:schemeClr>
+                </a:solidFill>
+              </a:ln>
+            </p:spPr>
+            <p:style>
+              <a:lnRef idx="2">
+                <a:schemeClr val="accent4">
+                  <a:shade val="15000"/>
+                </a:schemeClr>
+              </a:lnRef>
+              <a:fillRef idx="1">
+                <a:schemeClr val="accent4"/>
+              </a:fillRef>
+              <a:effectRef idx="0">
+                <a:schemeClr val="accent4"/>
+              </a:effectRef>
+              <a:fontRef idx="minor">
+                <a:schemeClr val="lt1"/>
+              </a:fontRef>
+            </p:style>
+            <p:txBody>
+              <a:bodyPr rtlCol="0" anchor="ctr"/>
+              <a:lstStyle/>
+              <a:p>
+                <a:pPr algn="ctr"/>
+                <a:r>
+                  <a:rPr lang="en-US" sz="3200" dirty="0"/>
+                  <a:t>3</a:t>
+                </a:r>
+              </a:p>
+            </p:txBody>
+          </p:sp>
+        </p:grpSp>
+        <p:cxnSp>
+          <p:nvCxnSpPr>
+            <p:cNvPr id="6" name="Straight Arrow Connector 5">
+              <a:extLst>
+                <a:ext uri="{FF2B5EF4-FFF2-40B4-BE49-F238E27FC236}">
+                  <a16:creationId xmlns:a16="http://schemas.microsoft.com/office/drawing/2014/main" id="{C0CC0773-7A48-C0B0-FC9B-F4C21FB3B3DC}"/>
+                </a:ext>
+              </a:extLst>
+            </p:cNvPr>
+            <p:cNvCxnSpPr>
+              <a:stCxn id="12" idx="6"/>
+              <a:endCxn id="14" idx="2"/>
+            </p:cNvCxnSpPr>
+            <p:nvPr/>
+          </p:nvCxnSpPr>
+          <p:spPr>
+            <a:xfrm>
+              <a:off x="1648496" y="2708856"/>
+              <a:ext cx="487250" cy="0"/>
+            </a:xfrm>
+            <a:prstGeom prst="straightConnector1">
+              <a:avLst/>
+            </a:prstGeom>
+            <a:ln w="19050">
+              <a:solidFill>
+                <a:srgbClr val="00B050"/>
+              </a:solidFill>
+              <a:tailEnd type="triangle"/>
+            </a:ln>
+          </p:spPr>
+          <p:style>
+            <a:lnRef idx="1">
+              <a:schemeClr val="accent6"/>
+            </a:lnRef>
+            <a:fillRef idx="0">
+              <a:schemeClr val="accent6"/>
+            </a:fillRef>
+            <a:effectRef idx="0">
+              <a:schemeClr val="accent6"/>
+            </a:effectRef>
+            <a:fontRef idx="minor">
+              <a:schemeClr val="tx1"/>
+            </a:fontRef>
+          </p:style>
+        </p:cxnSp>
+        <p:cxnSp>
+          <p:nvCxnSpPr>
+            <p:cNvPr id="7" name="Straight Arrow Connector 6">
+              <a:extLst>
+                <a:ext uri="{FF2B5EF4-FFF2-40B4-BE49-F238E27FC236}">
+                  <a16:creationId xmlns:a16="http://schemas.microsoft.com/office/drawing/2014/main" id="{2D4CE22F-E09E-A695-F99C-7C23B289C278}"/>
+                </a:ext>
+              </a:extLst>
+            </p:cNvPr>
+            <p:cNvCxnSpPr>
+              <a:stCxn id="16" idx="2"/>
+              <a:endCxn id="14" idx="6"/>
+            </p:cNvCxnSpPr>
+            <p:nvPr/>
+          </p:nvCxnSpPr>
+          <p:spPr>
+            <a:xfrm flipH="1">
+              <a:off x="3050146" y="2708856"/>
+              <a:ext cx="487250" cy="0"/>
+            </a:xfrm>
+            <a:prstGeom prst="straightConnector1">
+              <a:avLst/>
+            </a:prstGeom>
+            <a:ln w="19050">
+              <a:solidFill>
+                <a:srgbClr val="00B050"/>
+              </a:solidFill>
+              <a:tailEnd type="triangle"/>
+            </a:ln>
+          </p:spPr>
+          <p:style>
+            <a:lnRef idx="1">
+              <a:schemeClr val="accent1"/>
+            </a:lnRef>
+            <a:fillRef idx="0">
+              <a:schemeClr val="accent1"/>
+            </a:fillRef>
+            <a:effectRef idx="0">
+              <a:schemeClr val="accent1"/>
+            </a:effectRef>
+            <a:fontRef idx="minor">
+              <a:schemeClr val="tx1"/>
+            </a:fontRef>
+          </p:style>
+        </p:cxnSp>
+        <p:cxnSp>
+          <p:nvCxnSpPr>
+            <p:cNvPr id="9" name="Straight Arrow Connector 8">
+              <a:extLst>
+                <a:ext uri="{FF2B5EF4-FFF2-40B4-BE49-F238E27FC236}">
+                  <a16:creationId xmlns:a16="http://schemas.microsoft.com/office/drawing/2014/main" id="{115A8A22-107A-71CD-562A-7717B83DE32B}"/>
+                </a:ext>
+              </a:extLst>
+            </p:cNvPr>
+            <p:cNvCxnSpPr>
+              <a:stCxn id="17" idx="0"/>
+              <a:endCxn id="14" idx="4"/>
+            </p:cNvCxnSpPr>
+            <p:nvPr/>
+          </p:nvCxnSpPr>
+          <p:spPr>
+            <a:xfrm flipV="1">
+              <a:off x="2592946" y="3166056"/>
+              <a:ext cx="0" cy="400263"/>
+            </a:xfrm>
+            <a:prstGeom prst="straightConnector1">
+              <a:avLst/>
+            </a:prstGeom>
+            <a:ln w="19050">
+              <a:solidFill>
+                <a:srgbClr val="00B050"/>
+              </a:solidFill>
+              <a:tailEnd type="triangle"/>
+            </a:ln>
+          </p:spPr>
+          <p:style>
+            <a:lnRef idx="1">
+              <a:schemeClr val="accent1"/>
+            </a:lnRef>
+            <a:fillRef idx="0">
+              <a:schemeClr val="accent1"/>
+            </a:fillRef>
+            <a:effectRef idx="0">
+              <a:schemeClr val="accent1"/>
+            </a:effectRef>
+            <a:fontRef idx="minor">
+              <a:schemeClr val="tx1"/>
+            </a:fontRef>
+          </p:style>
+        </p:cxnSp>
+        <p:cxnSp>
+          <p:nvCxnSpPr>
+            <p:cNvPr id="10" name="Straight Arrow Connector 9">
+              <a:extLst>
+                <a:ext uri="{FF2B5EF4-FFF2-40B4-BE49-F238E27FC236}">
+                  <a16:creationId xmlns:a16="http://schemas.microsoft.com/office/drawing/2014/main" id="{1B8E5289-DE28-B6A5-90B7-C59E89EEC52C}"/>
+                </a:ext>
+              </a:extLst>
+            </p:cNvPr>
+            <p:cNvCxnSpPr>
+              <a:cxnSpLocks/>
+              <a:stCxn id="17" idx="7"/>
+              <a:endCxn id="16" idx="3"/>
+            </p:cNvCxnSpPr>
+            <p:nvPr/>
+          </p:nvCxnSpPr>
+          <p:spPr>
+            <a:xfrm flipV="1">
+              <a:off x="2916235" y="3032145"/>
+              <a:ext cx="755072" cy="668085"/>
+            </a:xfrm>
+            <a:prstGeom prst="straightConnector1">
+              <a:avLst/>
+            </a:prstGeom>
+            <a:ln w="19050">
+              <a:solidFill>
+                <a:srgbClr val="00B050"/>
+              </a:solidFill>
+              <a:tailEnd type="triangle"/>
+            </a:ln>
+          </p:spPr>
+          <p:style>
+            <a:lnRef idx="1">
+              <a:schemeClr val="accent1"/>
+            </a:lnRef>
+            <a:fillRef idx="0">
+              <a:schemeClr val="accent1"/>
+            </a:fillRef>
+            <a:effectRef idx="0">
+              <a:schemeClr val="accent1"/>
+            </a:effectRef>
+            <a:fontRef idx="minor">
+              <a:schemeClr val="tx1"/>
+            </a:fontRef>
+          </p:style>
+        </p:cxnSp>
+        <p:cxnSp>
+          <p:nvCxnSpPr>
+            <p:cNvPr id="11" name="Connector: Curved 10">
+              <a:extLst>
+                <a:ext uri="{FF2B5EF4-FFF2-40B4-BE49-F238E27FC236}">
+                  <a16:creationId xmlns:a16="http://schemas.microsoft.com/office/drawing/2014/main" id="{55F41366-EE12-0239-970A-C193E8A9A290}"/>
+                </a:ext>
+              </a:extLst>
+            </p:cNvPr>
+            <p:cNvCxnSpPr>
+              <a:stCxn id="16" idx="0"/>
+              <a:endCxn id="12" idx="0"/>
+            </p:cNvCxnSpPr>
+            <p:nvPr/>
+          </p:nvCxnSpPr>
+          <p:spPr>
+            <a:xfrm rot="16200000" flipV="1">
+              <a:off x="2592946" y="850006"/>
+              <a:ext cx="12700" cy="2803300"/>
+            </a:xfrm>
+            <a:prstGeom prst="curvedConnector3">
+              <a:avLst>
+                <a:gd name="adj1" fmla="val 1800000"/>
+              </a:avLst>
+            </a:prstGeom>
+            <a:ln w="19050">
+              <a:solidFill>
+                <a:srgbClr val="00B050"/>
+              </a:solidFill>
+              <a:tailEnd type="triangle"/>
+            </a:ln>
+          </p:spPr>
+          <p:style>
+            <a:lnRef idx="1">
+              <a:schemeClr val="accent1"/>
+            </a:lnRef>
+            <a:fillRef idx="0">
+              <a:schemeClr val="accent1"/>
+            </a:fillRef>
+            <a:effectRef idx="0">
+              <a:schemeClr val="accent1"/>
+            </a:effectRef>
+            <a:fontRef idx="minor">
+              <a:schemeClr val="tx1"/>
+            </a:fontRef>
+          </p:style>
+        </p:cxnSp>
+      </p:grpSp>
     </p:spTree>
     <p:extLst>
       <p:ext uri="{BB962C8B-B14F-4D97-AF65-F5344CB8AC3E}">
@@ -12770,6 +13392,516 @@
           </a:p>
         </p:txBody>
       </p:sp>
+      <p:grpSp>
+        <p:nvGrpSpPr>
+          <p:cNvPr id="3" name="Group 2">
+            <a:extLst>
+              <a:ext uri="{FF2B5EF4-FFF2-40B4-BE49-F238E27FC236}">
+                <a16:creationId xmlns:a16="http://schemas.microsoft.com/office/drawing/2014/main" id="{44347BB5-5B64-06DD-DE55-AECC966ED615}"/>
+              </a:ext>
+            </a:extLst>
+          </p:cNvPr>
+          <p:cNvGrpSpPr/>
+          <p:nvPr/>
+        </p:nvGrpSpPr>
+        <p:grpSpPr>
+          <a:xfrm>
+            <a:off x="4385916" y="4320482"/>
+            <a:ext cx="2010266" cy="1229642"/>
+            <a:chOff x="734096" y="2245306"/>
+            <a:chExt cx="3717700" cy="2235413"/>
+          </a:xfrm>
+        </p:grpSpPr>
+        <p:grpSp>
+          <p:nvGrpSpPr>
+            <p:cNvPr id="5" name="Group 4">
+              <a:extLst>
+                <a:ext uri="{FF2B5EF4-FFF2-40B4-BE49-F238E27FC236}">
+                  <a16:creationId xmlns:a16="http://schemas.microsoft.com/office/drawing/2014/main" id="{B7702DB5-CBD0-CD22-96C8-5577F02F5FF2}"/>
+                </a:ext>
+              </a:extLst>
+            </p:cNvPr>
+            <p:cNvGrpSpPr/>
+            <p:nvPr/>
+          </p:nvGrpSpPr>
+          <p:grpSpPr>
+            <a:xfrm>
+              <a:off x="734096" y="2251656"/>
+              <a:ext cx="3717700" cy="2229063"/>
+              <a:chOff x="734096" y="2251656"/>
+              <a:chExt cx="3717700" cy="2229063"/>
+            </a:xfrm>
+          </p:grpSpPr>
+          <p:sp>
+            <p:nvSpPr>
+              <p:cNvPr id="12" name="Oval 11">
+                <a:extLst>
+                  <a:ext uri="{FF2B5EF4-FFF2-40B4-BE49-F238E27FC236}">
+                    <a16:creationId xmlns:a16="http://schemas.microsoft.com/office/drawing/2014/main" id="{9B5B66CB-F9F9-8FDE-0A10-8E35EE79070A}"/>
+                  </a:ext>
+                </a:extLst>
+              </p:cNvPr>
+              <p:cNvSpPr/>
+              <p:nvPr/>
+            </p:nvSpPr>
+            <p:spPr>
+              <a:xfrm>
+                <a:off x="734096" y="2251656"/>
+                <a:ext cx="914400" cy="914400"/>
+              </a:xfrm>
+              <a:prstGeom prst="ellipse">
+                <a:avLst/>
+              </a:prstGeom>
+              <a:solidFill>
+                <a:srgbClr val="00B050"/>
+              </a:solidFill>
+              <a:ln>
+                <a:solidFill>
+                  <a:schemeClr val="accent6">
+                    <a:lumMod val="40000"/>
+                    <a:lumOff val="60000"/>
+                  </a:schemeClr>
+                </a:solidFill>
+              </a:ln>
+            </p:spPr>
+            <p:style>
+              <a:lnRef idx="2">
+                <a:schemeClr val="accent4">
+                  <a:shade val="15000"/>
+                </a:schemeClr>
+              </a:lnRef>
+              <a:fillRef idx="1">
+                <a:schemeClr val="accent4"/>
+              </a:fillRef>
+              <a:effectRef idx="0">
+                <a:schemeClr val="accent4"/>
+              </a:effectRef>
+              <a:fontRef idx="minor">
+                <a:schemeClr val="lt1"/>
+              </a:fontRef>
+            </p:style>
+            <p:txBody>
+              <a:bodyPr rtlCol="0" anchor="ctr"/>
+              <a:lstStyle/>
+              <a:p>
+                <a:pPr algn="ctr"/>
+                <a:r>
+                  <a:rPr lang="en-US" sz="3200" dirty="0"/>
+                  <a:t>0</a:t>
+                </a:r>
+              </a:p>
+            </p:txBody>
+          </p:sp>
+          <p:sp>
+            <p:nvSpPr>
+              <p:cNvPr id="14" name="Oval 13">
+                <a:extLst>
+                  <a:ext uri="{FF2B5EF4-FFF2-40B4-BE49-F238E27FC236}">
+                    <a16:creationId xmlns:a16="http://schemas.microsoft.com/office/drawing/2014/main" id="{21012006-7AFC-B117-F235-06CBD64DA0D6}"/>
+                  </a:ext>
+                </a:extLst>
+              </p:cNvPr>
+              <p:cNvSpPr/>
+              <p:nvPr/>
+            </p:nvSpPr>
+            <p:spPr>
+              <a:xfrm>
+                <a:off x="2135746" y="2251656"/>
+                <a:ext cx="914400" cy="914400"/>
+              </a:xfrm>
+              <a:prstGeom prst="ellipse">
+                <a:avLst/>
+              </a:prstGeom>
+              <a:solidFill>
+                <a:srgbClr val="00B050"/>
+              </a:solidFill>
+              <a:ln>
+                <a:solidFill>
+                  <a:schemeClr val="accent6">
+                    <a:lumMod val="40000"/>
+                    <a:lumOff val="60000"/>
+                  </a:schemeClr>
+                </a:solidFill>
+              </a:ln>
+            </p:spPr>
+            <p:style>
+              <a:lnRef idx="2">
+                <a:schemeClr val="accent4">
+                  <a:shade val="15000"/>
+                </a:schemeClr>
+              </a:lnRef>
+              <a:fillRef idx="1">
+                <a:schemeClr val="accent4"/>
+              </a:fillRef>
+              <a:effectRef idx="0">
+                <a:schemeClr val="accent4"/>
+              </a:effectRef>
+              <a:fontRef idx="minor">
+                <a:schemeClr val="lt1"/>
+              </a:fontRef>
+            </p:style>
+            <p:txBody>
+              <a:bodyPr rtlCol="0" anchor="ctr"/>
+              <a:lstStyle/>
+              <a:p>
+                <a:pPr algn="ctr"/>
+                <a:r>
+                  <a:rPr lang="en-US" sz="3200" dirty="0"/>
+                  <a:t>1</a:t>
+                </a:r>
+              </a:p>
+            </p:txBody>
+          </p:sp>
+          <p:sp>
+            <p:nvSpPr>
+              <p:cNvPr id="16" name="Oval 15">
+                <a:extLst>
+                  <a:ext uri="{FF2B5EF4-FFF2-40B4-BE49-F238E27FC236}">
+                    <a16:creationId xmlns:a16="http://schemas.microsoft.com/office/drawing/2014/main" id="{D646451A-3DB1-9B25-636F-98A6602E2C79}"/>
+                  </a:ext>
+                </a:extLst>
+              </p:cNvPr>
+              <p:cNvSpPr/>
+              <p:nvPr/>
+            </p:nvSpPr>
+            <p:spPr>
+              <a:xfrm>
+                <a:off x="3537396" y="2251656"/>
+                <a:ext cx="914400" cy="914400"/>
+              </a:xfrm>
+              <a:prstGeom prst="ellipse">
+                <a:avLst/>
+              </a:prstGeom>
+              <a:solidFill>
+                <a:srgbClr val="00B050"/>
+              </a:solidFill>
+              <a:ln>
+                <a:solidFill>
+                  <a:schemeClr val="accent6">
+                    <a:lumMod val="40000"/>
+                    <a:lumOff val="60000"/>
+                  </a:schemeClr>
+                </a:solidFill>
+              </a:ln>
+            </p:spPr>
+            <p:style>
+              <a:lnRef idx="2">
+                <a:schemeClr val="accent4">
+                  <a:shade val="15000"/>
+                </a:schemeClr>
+              </a:lnRef>
+              <a:fillRef idx="1">
+                <a:schemeClr val="accent4"/>
+              </a:fillRef>
+              <a:effectRef idx="0">
+                <a:schemeClr val="accent4"/>
+              </a:effectRef>
+              <a:fontRef idx="minor">
+                <a:schemeClr val="lt1"/>
+              </a:fontRef>
+            </p:style>
+            <p:txBody>
+              <a:bodyPr rtlCol="0" anchor="ctr"/>
+              <a:lstStyle/>
+              <a:p>
+                <a:pPr algn="ctr"/>
+                <a:r>
+                  <a:rPr lang="en-US" sz="3200" dirty="0"/>
+                  <a:t>2</a:t>
+                </a:r>
+              </a:p>
+            </p:txBody>
+          </p:sp>
+          <p:sp>
+            <p:nvSpPr>
+              <p:cNvPr id="17" name="Oval 16">
+                <a:extLst>
+                  <a:ext uri="{FF2B5EF4-FFF2-40B4-BE49-F238E27FC236}">
+                    <a16:creationId xmlns:a16="http://schemas.microsoft.com/office/drawing/2014/main" id="{9C4949EF-AB1B-87C5-E79A-89CBD7C8903C}"/>
+                  </a:ext>
+                </a:extLst>
+              </p:cNvPr>
+              <p:cNvSpPr/>
+              <p:nvPr/>
+            </p:nvSpPr>
+            <p:spPr>
+              <a:xfrm>
+                <a:off x="2135746" y="3566319"/>
+                <a:ext cx="914400" cy="914400"/>
+              </a:xfrm>
+              <a:prstGeom prst="ellipse">
+                <a:avLst/>
+              </a:prstGeom>
+              <a:solidFill>
+                <a:srgbClr val="00B050"/>
+              </a:solidFill>
+              <a:ln>
+                <a:solidFill>
+                  <a:schemeClr val="accent6">
+                    <a:lumMod val="40000"/>
+                    <a:lumOff val="60000"/>
+                  </a:schemeClr>
+                </a:solidFill>
+              </a:ln>
+            </p:spPr>
+            <p:style>
+              <a:lnRef idx="2">
+                <a:schemeClr val="accent4">
+                  <a:shade val="15000"/>
+                </a:schemeClr>
+              </a:lnRef>
+              <a:fillRef idx="1">
+                <a:schemeClr val="accent4"/>
+              </a:fillRef>
+              <a:effectRef idx="0">
+                <a:schemeClr val="accent4"/>
+              </a:effectRef>
+              <a:fontRef idx="minor">
+                <a:schemeClr val="lt1"/>
+              </a:fontRef>
+            </p:style>
+            <p:txBody>
+              <a:bodyPr rtlCol="0" anchor="ctr"/>
+              <a:lstStyle/>
+              <a:p>
+                <a:pPr algn="ctr"/>
+                <a:r>
+                  <a:rPr lang="en-US" sz="3200" dirty="0"/>
+                  <a:t>3</a:t>
+                </a:r>
+              </a:p>
+            </p:txBody>
+          </p:sp>
+        </p:grpSp>
+        <p:cxnSp>
+          <p:nvCxnSpPr>
+            <p:cNvPr id="6" name="Straight Arrow Connector 5">
+              <a:extLst>
+                <a:ext uri="{FF2B5EF4-FFF2-40B4-BE49-F238E27FC236}">
+                  <a16:creationId xmlns:a16="http://schemas.microsoft.com/office/drawing/2014/main" id="{E2B5F106-B9DA-3B0D-2F6D-0F3657628C8B}"/>
+                </a:ext>
+              </a:extLst>
+            </p:cNvPr>
+            <p:cNvCxnSpPr>
+              <a:stCxn id="12" idx="6"/>
+              <a:endCxn id="14" idx="2"/>
+            </p:cNvCxnSpPr>
+            <p:nvPr/>
+          </p:nvCxnSpPr>
+          <p:spPr>
+            <a:xfrm>
+              <a:off x="1648496" y="2708856"/>
+              <a:ext cx="487250" cy="0"/>
+            </a:xfrm>
+            <a:prstGeom prst="straightConnector1">
+              <a:avLst/>
+            </a:prstGeom>
+            <a:ln w="19050">
+              <a:solidFill>
+                <a:srgbClr val="00B050"/>
+              </a:solidFill>
+              <a:tailEnd type="triangle"/>
+            </a:ln>
+          </p:spPr>
+          <p:style>
+            <a:lnRef idx="1">
+              <a:schemeClr val="accent6"/>
+            </a:lnRef>
+            <a:fillRef idx="0">
+              <a:schemeClr val="accent6"/>
+            </a:fillRef>
+            <a:effectRef idx="0">
+              <a:schemeClr val="accent6"/>
+            </a:effectRef>
+            <a:fontRef idx="minor">
+              <a:schemeClr val="tx1"/>
+            </a:fontRef>
+          </p:style>
+        </p:cxnSp>
+        <p:cxnSp>
+          <p:nvCxnSpPr>
+            <p:cNvPr id="7" name="Straight Arrow Connector 6">
+              <a:extLst>
+                <a:ext uri="{FF2B5EF4-FFF2-40B4-BE49-F238E27FC236}">
+                  <a16:creationId xmlns:a16="http://schemas.microsoft.com/office/drawing/2014/main" id="{34170AD0-CF5F-427C-2D57-D166396344B0}"/>
+                </a:ext>
+              </a:extLst>
+            </p:cNvPr>
+            <p:cNvCxnSpPr>
+              <a:stCxn id="16" idx="2"/>
+              <a:endCxn id="14" idx="6"/>
+            </p:cNvCxnSpPr>
+            <p:nvPr/>
+          </p:nvCxnSpPr>
+          <p:spPr>
+            <a:xfrm flipH="1">
+              <a:off x="3050146" y="2708856"/>
+              <a:ext cx="487250" cy="0"/>
+            </a:xfrm>
+            <a:prstGeom prst="straightConnector1">
+              <a:avLst/>
+            </a:prstGeom>
+            <a:ln w="19050">
+              <a:solidFill>
+                <a:srgbClr val="00B050"/>
+              </a:solidFill>
+              <a:tailEnd type="triangle"/>
+            </a:ln>
+          </p:spPr>
+          <p:style>
+            <a:lnRef idx="1">
+              <a:schemeClr val="accent1"/>
+            </a:lnRef>
+            <a:fillRef idx="0">
+              <a:schemeClr val="accent1"/>
+            </a:fillRef>
+            <a:effectRef idx="0">
+              <a:schemeClr val="accent1"/>
+            </a:effectRef>
+            <a:fontRef idx="minor">
+              <a:schemeClr val="tx1"/>
+            </a:fontRef>
+          </p:style>
+        </p:cxnSp>
+        <p:cxnSp>
+          <p:nvCxnSpPr>
+            <p:cNvPr id="9" name="Straight Arrow Connector 8">
+              <a:extLst>
+                <a:ext uri="{FF2B5EF4-FFF2-40B4-BE49-F238E27FC236}">
+                  <a16:creationId xmlns:a16="http://schemas.microsoft.com/office/drawing/2014/main" id="{E620A5B1-DD75-7D90-1C9A-D52328E306C1}"/>
+                </a:ext>
+              </a:extLst>
+            </p:cNvPr>
+            <p:cNvCxnSpPr>
+              <a:stCxn id="17" idx="0"/>
+              <a:endCxn id="14" idx="4"/>
+            </p:cNvCxnSpPr>
+            <p:nvPr/>
+          </p:nvCxnSpPr>
+          <p:spPr>
+            <a:xfrm flipV="1">
+              <a:off x="2592946" y="3166056"/>
+              <a:ext cx="0" cy="400263"/>
+            </a:xfrm>
+            <a:prstGeom prst="straightConnector1">
+              <a:avLst/>
+            </a:prstGeom>
+            <a:ln w="19050">
+              <a:solidFill>
+                <a:srgbClr val="00B050"/>
+              </a:solidFill>
+              <a:tailEnd type="triangle"/>
+            </a:ln>
+          </p:spPr>
+          <p:style>
+            <a:lnRef idx="1">
+              <a:schemeClr val="accent1"/>
+            </a:lnRef>
+            <a:fillRef idx="0">
+              <a:schemeClr val="accent1"/>
+            </a:fillRef>
+            <a:effectRef idx="0">
+              <a:schemeClr val="accent1"/>
+            </a:effectRef>
+            <a:fontRef idx="minor">
+              <a:schemeClr val="tx1"/>
+            </a:fontRef>
+          </p:style>
+        </p:cxnSp>
+        <p:cxnSp>
+          <p:nvCxnSpPr>
+            <p:cNvPr id="10" name="Straight Arrow Connector 9">
+              <a:extLst>
+                <a:ext uri="{FF2B5EF4-FFF2-40B4-BE49-F238E27FC236}">
+                  <a16:creationId xmlns:a16="http://schemas.microsoft.com/office/drawing/2014/main" id="{01ABDD3D-A700-2C44-EC56-31615C626B9A}"/>
+                </a:ext>
+              </a:extLst>
+            </p:cNvPr>
+            <p:cNvCxnSpPr>
+              <a:cxnSpLocks/>
+              <a:stCxn id="17" idx="7"/>
+              <a:endCxn id="16" idx="3"/>
+            </p:cNvCxnSpPr>
+            <p:nvPr/>
+          </p:nvCxnSpPr>
+          <p:spPr>
+            <a:xfrm flipV="1">
+              <a:off x="2916235" y="3032145"/>
+              <a:ext cx="755072" cy="668085"/>
+            </a:xfrm>
+            <a:prstGeom prst="straightConnector1">
+              <a:avLst/>
+            </a:prstGeom>
+            <a:ln w="19050">
+              <a:solidFill>
+                <a:srgbClr val="00B050"/>
+              </a:solidFill>
+              <a:tailEnd type="triangle"/>
+            </a:ln>
+          </p:spPr>
+          <p:style>
+            <a:lnRef idx="1">
+              <a:schemeClr val="accent1"/>
+            </a:lnRef>
+            <a:fillRef idx="0">
+              <a:schemeClr val="accent1"/>
+            </a:fillRef>
+            <a:effectRef idx="0">
+              <a:schemeClr val="accent1"/>
+            </a:effectRef>
+            <a:fontRef idx="minor">
+              <a:schemeClr val="tx1"/>
+            </a:fontRef>
+          </p:style>
+        </p:cxnSp>
+        <p:cxnSp>
+          <p:nvCxnSpPr>
+            <p:cNvPr id="11" name="Connector: Curved 10">
+              <a:extLst>
+                <a:ext uri="{FF2B5EF4-FFF2-40B4-BE49-F238E27FC236}">
+                  <a16:creationId xmlns:a16="http://schemas.microsoft.com/office/drawing/2014/main" id="{B59C4651-194A-8F40-D7EF-A6895462954A}"/>
+                </a:ext>
+              </a:extLst>
+            </p:cNvPr>
+            <p:cNvCxnSpPr>
+              <a:stCxn id="16" idx="0"/>
+              <a:endCxn id="12" idx="0"/>
+            </p:cNvCxnSpPr>
+            <p:nvPr/>
+          </p:nvCxnSpPr>
+          <p:spPr>
+            <a:xfrm rot="16200000" flipV="1">
+              <a:off x="2592946" y="850006"/>
+              <a:ext cx="12700" cy="2803300"/>
+            </a:xfrm>
+            <a:prstGeom prst="curvedConnector3">
+              <a:avLst>
+                <a:gd name="adj1" fmla="val 1800000"/>
+              </a:avLst>
+            </a:prstGeom>
+            <a:ln w="19050">
+              <a:solidFill>
+                <a:srgbClr val="00B050"/>
+              </a:solidFill>
+              <a:tailEnd type="triangle"/>
+            </a:ln>
+          </p:spPr>
+          <p:style>
+            <a:lnRef idx="1">
+              <a:schemeClr val="accent1"/>
+            </a:lnRef>
+            <a:fillRef idx="0">
+              <a:schemeClr val="accent1"/>
+            </a:fillRef>
+            <a:effectRef idx="0">
+              <a:schemeClr val="accent1"/>
+            </a:effectRef>
+            <a:fontRef idx="minor">
+              <a:schemeClr val="tx1"/>
+            </a:fontRef>
+          </p:style>
+        </p:cxnSp>
+      </p:grpSp>
     </p:spTree>
     <p:extLst>
       <p:ext uri="{BB962C8B-B14F-4D97-AF65-F5344CB8AC3E}">
@@ -13501,6 +14633,516 @@
           </a:p>
         </p:txBody>
       </p:sp>
+      <p:grpSp>
+        <p:nvGrpSpPr>
+          <p:cNvPr id="3" name="Group 2">
+            <a:extLst>
+              <a:ext uri="{FF2B5EF4-FFF2-40B4-BE49-F238E27FC236}">
+                <a16:creationId xmlns:a16="http://schemas.microsoft.com/office/drawing/2014/main" id="{045DDE9C-E3DA-E21B-A191-28A708FA5876}"/>
+              </a:ext>
+            </a:extLst>
+          </p:cNvPr>
+          <p:cNvGrpSpPr/>
+          <p:nvPr/>
+        </p:nvGrpSpPr>
+        <p:grpSpPr>
+          <a:xfrm>
+            <a:off x="4385916" y="4320482"/>
+            <a:ext cx="2010266" cy="1229642"/>
+            <a:chOff x="734096" y="2245306"/>
+            <a:chExt cx="3717700" cy="2235413"/>
+          </a:xfrm>
+        </p:grpSpPr>
+        <p:grpSp>
+          <p:nvGrpSpPr>
+            <p:cNvPr id="5" name="Group 4">
+              <a:extLst>
+                <a:ext uri="{FF2B5EF4-FFF2-40B4-BE49-F238E27FC236}">
+                  <a16:creationId xmlns:a16="http://schemas.microsoft.com/office/drawing/2014/main" id="{CF31346D-036E-5E7D-3ACE-8BB54DD469DA}"/>
+                </a:ext>
+              </a:extLst>
+            </p:cNvPr>
+            <p:cNvGrpSpPr/>
+            <p:nvPr/>
+          </p:nvGrpSpPr>
+          <p:grpSpPr>
+            <a:xfrm>
+              <a:off x="734096" y="2251656"/>
+              <a:ext cx="3717700" cy="2229063"/>
+              <a:chOff x="734096" y="2251656"/>
+              <a:chExt cx="3717700" cy="2229063"/>
+            </a:xfrm>
+          </p:grpSpPr>
+          <p:sp>
+            <p:nvSpPr>
+              <p:cNvPr id="12" name="Oval 11">
+                <a:extLst>
+                  <a:ext uri="{FF2B5EF4-FFF2-40B4-BE49-F238E27FC236}">
+                    <a16:creationId xmlns:a16="http://schemas.microsoft.com/office/drawing/2014/main" id="{4D205D42-3C59-8F24-18BE-4B453DE6FBBE}"/>
+                  </a:ext>
+                </a:extLst>
+              </p:cNvPr>
+              <p:cNvSpPr/>
+              <p:nvPr/>
+            </p:nvSpPr>
+            <p:spPr>
+              <a:xfrm>
+                <a:off x="734096" y="2251656"/>
+                <a:ext cx="914400" cy="914400"/>
+              </a:xfrm>
+              <a:prstGeom prst="ellipse">
+                <a:avLst/>
+              </a:prstGeom>
+              <a:solidFill>
+                <a:srgbClr val="00B050"/>
+              </a:solidFill>
+              <a:ln>
+                <a:solidFill>
+                  <a:schemeClr val="accent6">
+                    <a:lumMod val="40000"/>
+                    <a:lumOff val="60000"/>
+                  </a:schemeClr>
+                </a:solidFill>
+              </a:ln>
+            </p:spPr>
+            <p:style>
+              <a:lnRef idx="2">
+                <a:schemeClr val="accent4">
+                  <a:shade val="15000"/>
+                </a:schemeClr>
+              </a:lnRef>
+              <a:fillRef idx="1">
+                <a:schemeClr val="accent4"/>
+              </a:fillRef>
+              <a:effectRef idx="0">
+                <a:schemeClr val="accent4"/>
+              </a:effectRef>
+              <a:fontRef idx="minor">
+                <a:schemeClr val="lt1"/>
+              </a:fontRef>
+            </p:style>
+            <p:txBody>
+              <a:bodyPr rtlCol="0" anchor="ctr"/>
+              <a:lstStyle/>
+              <a:p>
+                <a:pPr algn="ctr"/>
+                <a:r>
+                  <a:rPr lang="en-US" sz="3200" dirty="0"/>
+                  <a:t>0</a:t>
+                </a:r>
+              </a:p>
+            </p:txBody>
+          </p:sp>
+          <p:sp>
+            <p:nvSpPr>
+              <p:cNvPr id="14" name="Oval 13">
+                <a:extLst>
+                  <a:ext uri="{FF2B5EF4-FFF2-40B4-BE49-F238E27FC236}">
+                    <a16:creationId xmlns:a16="http://schemas.microsoft.com/office/drawing/2014/main" id="{92F4862F-744F-FFDB-3149-A20622ACD8C9}"/>
+                  </a:ext>
+                </a:extLst>
+              </p:cNvPr>
+              <p:cNvSpPr/>
+              <p:nvPr/>
+            </p:nvSpPr>
+            <p:spPr>
+              <a:xfrm>
+                <a:off x="2135746" y="2251656"/>
+                <a:ext cx="914400" cy="914400"/>
+              </a:xfrm>
+              <a:prstGeom prst="ellipse">
+                <a:avLst/>
+              </a:prstGeom>
+              <a:solidFill>
+                <a:srgbClr val="00B050"/>
+              </a:solidFill>
+              <a:ln>
+                <a:solidFill>
+                  <a:schemeClr val="accent6">
+                    <a:lumMod val="40000"/>
+                    <a:lumOff val="60000"/>
+                  </a:schemeClr>
+                </a:solidFill>
+              </a:ln>
+            </p:spPr>
+            <p:style>
+              <a:lnRef idx="2">
+                <a:schemeClr val="accent4">
+                  <a:shade val="15000"/>
+                </a:schemeClr>
+              </a:lnRef>
+              <a:fillRef idx="1">
+                <a:schemeClr val="accent4"/>
+              </a:fillRef>
+              <a:effectRef idx="0">
+                <a:schemeClr val="accent4"/>
+              </a:effectRef>
+              <a:fontRef idx="minor">
+                <a:schemeClr val="lt1"/>
+              </a:fontRef>
+            </p:style>
+            <p:txBody>
+              <a:bodyPr rtlCol="0" anchor="ctr"/>
+              <a:lstStyle/>
+              <a:p>
+                <a:pPr algn="ctr"/>
+                <a:r>
+                  <a:rPr lang="en-US" sz="3200" dirty="0"/>
+                  <a:t>1</a:t>
+                </a:r>
+              </a:p>
+            </p:txBody>
+          </p:sp>
+          <p:sp>
+            <p:nvSpPr>
+              <p:cNvPr id="16" name="Oval 15">
+                <a:extLst>
+                  <a:ext uri="{FF2B5EF4-FFF2-40B4-BE49-F238E27FC236}">
+                    <a16:creationId xmlns:a16="http://schemas.microsoft.com/office/drawing/2014/main" id="{2797388F-F669-3ACF-B3B1-238D1D7C9038}"/>
+                  </a:ext>
+                </a:extLst>
+              </p:cNvPr>
+              <p:cNvSpPr/>
+              <p:nvPr/>
+            </p:nvSpPr>
+            <p:spPr>
+              <a:xfrm>
+                <a:off x="3537396" y="2251656"/>
+                <a:ext cx="914400" cy="914400"/>
+              </a:xfrm>
+              <a:prstGeom prst="ellipse">
+                <a:avLst/>
+              </a:prstGeom>
+              <a:solidFill>
+                <a:srgbClr val="00B050"/>
+              </a:solidFill>
+              <a:ln>
+                <a:solidFill>
+                  <a:schemeClr val="accent6">
+                    <a:lumMod val="40000"/>
+                    <a:lumOff val="60000"/>
+                  </a:schemeClr>
+                </a:solidFill>
+              </a:ln>
+            </p:spPr>
+            <p:style>
+              <a:lnRef idx="2">
+                <a:schemeClr val="accent4">
+                  <a:shade val="15000"/>
+                </a:schemeClr>
+              </a:lnRef>
+              <a:fillRef idx="1">
+                <a:schemeClr val="accent4"/>
+              </a:fillRef>
+              <a:effectRef idx="0">
+                <a:schemeClr val="accent4"/>
+              </a:effectRef>
+              <a:fontRef idx="minor">
+                <a:schemeClr val="lt1"/>
+              </a:fontRef>
+            </p:style>
+            <p:txBody>
+              <a:bodyPr rtlCol="0" anchor="ctr"/>
+              <a:lstStyle/>
+              <a:p>
+                <a:pPr algn="ctr"/>
+                <a:r>
+                  <a:rPr lang="en-US" sz="3200" dirty="0"/>
+                  <a:t>2</a:t>
+                </a:r>
+              </a:p>
+            </p:txBody>
+          </p:sp>
+          <p:sp>
+            <p:nvSpPr>
+              <p:cNvPr id="17" name="Oval 16">
+                <a:extLst>
+                  <a:ext uri="{FF2B5EF4-FFF2-40B4-BE49-F238E27FC236}">
+                    <a16:creationId xmlns:a16="http://schemas.microsoft.com/office/drawing/2014/main" id="{ED58B2D3-4000-BFED-8818-3F8E2F97BCC5}"/>
+                  </a:ext>
+                </a:extLst>
+              </p:cNvPr>
+              <p:cNvSpPr/>
+              <p:nvPr/>
+            </p:nvSpPr>
+            <p:spPr>
+              <a:xfrm>
+                <a:off x="2135746" y="3566319"/>
+                <a:ext cx="914400" cy="914400"/>
+              </a:xfrm>
+              <a:prstGeom prst="ellipse">
+                <a:avLst/>
+              </a:prstGeom>
+              <a:solidFill>
+                <a:srgbClr val="00B050"/>
+              </a:solidFill>
+              <a:ln>
+                <a:solidFill>
+                  <a:schemeClr val="accent6">
+                    <a:lumMod val="40000"/>
+                    <a:lumOff val="60000"/>
+                  </a:schemeClr>
+                </a:solidFill>
+              </a:ln>
+            </p:spPr>
+            <p:style>
+              <a:lnRef idx="2">
+                <a:schemeClr val="accent4">
+                  <a:shade val="15000"/>
+                </a:schemeClr>
+              </a:lnRef>
+              <a:fillRef idx="1">
+                <a:schemeClr val="accent4"/>
+              </a:fillRef>
+              <a:effectRef idx="0">
+                <a:schemeClr val="accent4"/>
+              </a:effectRef>
+              <a:fontRef idx="minor">
+                <a:schemeClr val="lt1"/>
+              </a:fontRef>
+            </p:style>
+            <p:txBody>
+              <a:bodyPr rtlCol="0" anchor="ctr"/>
+              <a:lstStyle/>
+              <a:p>
+                <a:pPr algn="ctr"/>
+                <a:r>
+                  <a:rPr lang="en-US" sz="3200" dirty="0"/>
+                  <a:t>3</a:t>
+                </a:r>
+              </a:p>
+            </p:txBody>
+          </p:sp>
+        </p:grpSp>
+        <p:cxnSp>
+          <p:nvCxnSpPr>
+            <p:cNvPr id="6" name="Straight Arrow Connector 5">
+              <a:extLst>
+                <a:ext uri="{FF2B5EF4-FFF2-40B4-BE49-F238E27FC236}">
+                  <a16:creationId xmlns:a16="http://schemas.microsoft.com/office/drawing/2014/main" id="{401CCA5E-7B1C-79CF-4862-3DF3901486F5}"/>
+                </a:ext>
+              </a:extLst>
+            </p:cNvPr>
+            <p:cNvCxnSpPr>
+              <a:stCxn id="12" idx="6"/>
+              <a:endCxn id="14" idx="2"/>
+            </p:cNvCxnSpPr>
+            <p:nvPr/>
+          </p:nvCxnSpPr>
+          <p:spPr>
+            <a:xfrm>
+              <a:off x="1648496" y="2708856"/>
+              <a:ext cx="487250" cy="0"/>
+            </a:xfrm>
+            <a:prstGeom prst="straightConnector1">
+              <a:avLst/>
+            </a:prstGeom>
+            <a:ln w="19050">
+              <a:solidFill>
+                <a:srgbClr val="00B050"/>
+              </a:solidFill>
+              <a:tailEnd type="triangle"/>
+            </a:ln>
+          </p:spPr>
+          <p:style>
+            <a:lnRef idx="1">
+              <a:schemeClr val="accent6"/>
+            </a:lnRef>
+            <a:fillRef idx="0">
+              <a:schemeClr val="accent6"/>
+            </a:fillRef>
+            <a:effectRef idx="0">
+              <a:schemeClr val="accent6"/>
+            </a:effectRef>
+            <a:fontRef idx="minor">
+              <a:schemeClr val="tx1"/>
+            </a:fontRef>
+          </p:style>
+        </p:cxnSp>
+        <p:cxnSp>
+          <p:nvCxnSpPr>
+            <p:cNvPr id="7" name="Straight Arrow Connector 6">
+              <a:extLst>
+                <a:ext uri="{FF2B5EF4-FFF2-40B4-BE49-F238E27FC236}">
+                  <a16:creationId xmlns:a16="http://schemas.microsoft.com/office/drawing/2014/main" id="{1644CB76-1217-11C8-C0FB-228E6A1773B3}"/>
+                </a:ext>
+              </a:extLst>
+            </p:cNvPr>
+            <p:cNvCxnSpPr>
+              <a:stCxn id="16" idx="2"/>
+              <a:endCxn id="14" idx="6"/>
+            </p:cNvCxnSpPr>
+            <p:nvPr/>
+          </p:nvCxnSpPr>
+          <p:spPr>
+            <a:xfrm flipH="1">
+              <a:off x="3050146" y="2708856"/>
+              <a:ext cx="487250" cy="0"/>
+            </a:xfrm>
+            <a:prstGeom prst="straightConnector1">
+              <a:avLst/>
+            </a:prstGeom>
+            <a:ln w="19050">
+              <a:solidFill>
+                <a:srgbClr val="00B050"/>
+              </a:solidFill>
+              <a:tailEnd type="triangle"/>
+            </a:ln>
+          </p:spPr>
+          <p:style>
+            <a:lnRef idx="1">
+              <a:schemeClr val="accent1"/>
+            </a:lnRef>
+            <a:fillRef idx="0">
+              <a:schemeClr val="accent1"/>
+            </a:fillRef>
+            <a:effectRef idx="0">
+              <a:schemeClr val="accent1"/>
+            </a:effectRef>
+            <a:fontRef idx="minor">
+              <a:schemeClr val="tx1"/>
+            </a:fontRef>
+          </p:style>
+        </p:cxnSp>
+        <p:cxnSp>
+          <p:nvCxnSpPr>
+            <p:cNvPr id="9" name="Straight Arrow Connector 8">
+              <a:extLst>
+                <a:ext uri="{FF2B5EF4-FFF2-40B4-BE49-F238E27FC236}">
+                  <a16:creationId xmlns:a16="http://schemas.microsoft.com/office/drawing/2014/main" id="{C3BE2210-2B4D-4270-2DD4-454A82595B3E}"/>
+                </a:ext>
+              </a:extLst>
+            </p:cNvPr>
+            <p:cNvCxnSpPr>
+              <a:stCxn id="17" idx="0"/>
+              <a:endCxn id="14" idx="4"/>
+            </p:cNvCxnSpPr>
+            <p:nvPr/>
+          </p:nvCxnSpPr>
+          <p:spPr>
+            <a:xfrm flipV="1">
+              <a:off x="2592946" y="3166056"/>
+              <a:ext cx="0" cy="400263"/>
+            </a:xfrm>
+            <a:prstGeom prst="straightConnector1">
+              <a:avLst/>
+            </a:prstGeom>
+            <a:ln w="19050">
+              <a:solidFill>
+                <a:srgbClr val="00B050"/>
+              </a:solidFill>
+              <a:tailEnd type="triangle"/>
+            </a:ln>
+          </p:spPr>
+          <p:style>
+            <a:lnRef idx="1">
+              <a:schemeClr val="accent1"/>
+            </a:lnRef>
+            <a:fillRef idx="0">
+              <a:schemeClr val="accent1"/>
+            </a:fillRef>
+            <a:effectRef idx="0">
+              <a:schemeClr val="accent1"/>
+            </a:effectRef>
+            <a:fontRef idx="minor">
+              <a:schemeClr val="tx1"/>
+            </a:fontRef>
+          </p:style>
+        </p:cxnSp>
+        <p:cxnSp>
+          <p:nvCxnSpPr>
+            <p:cNvPr id="10" name="Straight Arrow Connector 9">
+              <a:extLst>
+                <a:ext uri="{FF2B5EF4-FFF2-40B4-BE49-F238E27FC236}">
+                  <a16:creationId xmlns:a16="http://schemas.microsoft.com/office/drawing/2014/main" id="{96C0AD90-064F-8089-814F-DB27ED1A4523}"/>
+                </a:ext>
+              </a:extLst>
+            </p:cNvPr>
+            <p:cNvCxnSpPr>
+              <a:cxnSpLocks/>
+              <a:stCxn id="17" idx="7"/>
+              <a:endCxn id="16" idx="3"/>
+            </p:cNvCxnSpPr>
+            <p:nvPr/>
+          </p:nvCxnSpPr>
+          <p:spPr>
+            <a:xfrm flipV="1">
+              <a:off x="2916235" y="3032145"/>
+              <a:ext cx="755072" cy="668085"/>
+            </a:xfrm>
+            <a:prstGeom prst="straightConnector1">
+              <a:avLst/>
+            </a:prstGeom>
+            <a:ln w="19050">
+              <a:solidFill>
+                <a:srgbClr val="00B050"/>
+              </a:solidFill>
+              <a:tailEnd type="triangle"/>
+            </a:ln>
+          </p:spPr>
+          <p:style>
+            <a:lnRef idx="1">
+              <a:schemeClr val="accent1"/>
+            </a:lnRef>
+            <a:fillRef idx="0">
+              <a:schemeClr val="accent1"/>
+            </a:fillRef>
+            <a:effectRef idx="0">
+              <a:schemeClr val="accent1"/>
+            </a:effectRef>
+            <a:fontRef idx="minor">
+              <a:schemeClr val="tx1"/>
+            </a:fontRef>
+          </p:style>
+        </p:cxnSp>
+        <p:cxnSp>
+          <p:nvCxnSpPr>
+            <p:cNvPr id="11" name="Connector: Curved 10">
+              <a:extLst>
+                <a:ext uri="{FF2B5EF4-FFF2-40B4-BE49-F238E27FC236}">
+                  <a16:creationId xmlns:a16="http://schemas.microsoft.com/office/drawing/2014/main" id="{C3DDA12B-962F-6512-0EFE-1DF34C4F08C5}"/>
+                </a:ext>
+              </a:extLst>
+            </p:cNvPr>
+            <p:cNvCxnSpPr>
+              <a:stCxn id="16" idx="0"/>
+              <a:endCxn id="12" idx="0"/>
+            </p:cNvCxnSpPr>
+            <p:nvPr/>
+          </p:nvCxnSpPr>
+          <p:spPr>
+            <a:xfrm rot="16200000" flipV="1">
+              <a:off x="2592946" y="850006"/>
+              <a:ext cx="12700" cy="2803300"/>
+            </a:xfrm>
+            <a:prstGeom prst="curvedConnector3">
+              <a:avLst>
+                <a:gd name="adj1" fmla="val 1800000"/>
+              </a:avLst>
+            </a:prstGeom>
+            <a:ln w="19050">
+              <a:solidFill>
+                <a:srgbClr val="00B050"/>
+              </a:solidFill>
+              <a:tailEnd type="triangle"/>
+            </a:ln>
+          </p:spPr>
+          <p:style>
+            <a:lnRef idx="1">
+              <a:schemeClr val="accent1"/>
+            </a:lnRef>
+            <a:fillRef idx="0">
+              <a:schemeClr val="accent1"/>
+            </a:fillRef>
+            <a:effectRef idx="0">
+              <a:schemeClr val="accent1"/>
+            </a:effectRef>
+            <a:fontRef idx="minor">
+              <a:schemeClr val="tx1"/>
+            </a:fontRef>
+          </p:style>
+        </p:cxnSp>
+      </p:grpSp>
     </p:spTree>
     <p:extLst>
       <p:ext uri="{BB962C8B-B14F-4D97-AF65-F5344CB8AC3E}">
@@ -14222,6 +15864,516 @@
           </a:p>
         </p:txBody>
       </p:sp>
+      <p:grpSp>
+        <p:nvGrpSpPr>
+          <p:cNvPr id="3" name="Group 2">
+            <a:extLst>
+              <a:ext uri="{FF2B5EF4-FFF2-40B4-BE49-F238E27FC236}">
+                <a16:creationId xmlns:a16="http://schemas.microsoft.com/office/drawing/2014/main" id="{BE1F2B37-799B-2D6A-FAB6-C311993ADF7C}"/>
+              </a:ext>
+            </a:extLst>
+          </p:cNvPr>
+          <p:cNvGrpSpPr/>
+          <p:nvPr/>
+        </p:nvGrpSpPr>
+        <p:grpSpPr>
+          <a:xfrm>
+            <a:off x="4385916" y="4320482"/>
+            <a:ext cx="2010266" cy="1229642"/>
+            <a:chOff x="734096" y="2245306"/>
+            <a:chExt cx="3717700" cy="2235413"/>
+          </a:xfrm>
+        </p:grpSpPr>
+        <p:grpSp>
+          <p:nvGrpSpPr>
+            <p:cNvPr id="5" name="Group 4">
+              <a:extLst>
+                <a:ext uri="{FF2B5EF4-FFF2-40B4-BE49-F238E27FC236}">
+                  <a16:creationId xmlns:a16="http://schemas.microsoft.com/office/drawing/2014/main" id="{3D66C7E0-B8F2-C014-DE36-F4AE6BE2416A}"/>
+                </a:ext>
+              </a:extLst>
+            </p:cNvPr>
+            <p:cNvGrpSpPr/>
+            <p:nvPr/>
+          </p:nvGrpSpPr>
+          <p:grpSpPr>
+            <a:xfrm>
+              <a:off x="734096" y="2251656"/>
+              <a:ext cx="3717700" cy="2229063"/>
+              <a:chOff x="734096" y="2251656"/>
+              <a:chExt cx="3717700" cy="2229063"/>
+            </a:xfrm>
+          </p:grpSpPr>
+          <p:sp>
+            <p:nvSpPr>
+              <p:cNvPr id="12" name="Oval 11">
+                <a:extLst>
+                  <a:ext uri="{FF2B5EF4-FFF2-40B4-BE49-F238E27FC236}">
+                    <a16:creationId xmlns:a16="http://schemas.microsoft.com/office/drawing/2014/main" id="{107EBE21-F8B5-AC42-4A7A-EAD7CC9FF57B}"/>
+                  </a:ext>
+                </a:extLst>
+              </p:cNvPr>
+              <p:cNvSpPr/>
+              <p:nvPr/>
+            </p:nvSpPr>
+            <p:spPr>
+              <a:xfrm>
+                <a:off x="734096" y="2251656"/>
+                <a:ext cx="914400" cy="914400"/>
+              </a:xfrm>
+              <a:prstGeom prst="ellipse">
+                <a:avLst/>
+              </a:prstGeom>
+              <a:solidFill>
+                <a:srgbClr val="00B050"/>
+              </a:solidFill>
+              <a:ln>
+                <a:solidFill>
+                  <a:schemeClr val="accent6">
+                    <a:lumMod val="40000"/>
+                    <a:lumOff val="60000"/>
+                  </a:schemeClr>
+                </a:solidFill>
+              </a:ln>
+            </p:spPr>
+            <p:style>
+              <a:lnRef idx="2">
+                <a:schemeClr val="accent4">
+                  <a:shade val="15000"/>
+                </a:schemeClr>
+              </a:lnRef>
+              <a:fillRef idx="1">
+                <a:schemeClr val="accent4"/>
+              </a:fillRef>
+              <a:effectRef idx="0">
+                <a:schemeClr val="accent4"/>
+              </a:effectRef>
+              <a:fontRef idx="minor">
+                <a:schemeClr val="lt1"/>
+              </a:fontRef>
+            </p:style>
+            <p:txBody>
+              <a:bodyPr rtlCol="0" anchor="ctr"/>
+              <a:lstStyle/>
+              <a:p>
+                <a:pPr algn="ctr"/>
+                <a:r>
+                  <a:rPr lang="en-US" sz="3200" dirty="0"/>
+                  <a:t>0</a:t>
+                </a:r>
+              </a:p>
+            </p:txBody>
+          </p:sp>
+          <p:sp>
+            <p:nvSpPr>
+              <p:cNvPr id="14" name="Oval 13">
+                <a:extLst>
+                  <a:ext uri="{FF2B5EF4-FFF2-40B4-BE49-F238E27FC236}">
+                    <a16:creationId xmlns:a16="http://schemas.microsoft.com/office/drawing/2014/main" id="{4CA08BD0-F7AC-60C1-7A65-5C6C30960C8A}"/>
+                  </a:ext>
+                </a:extLst>
+              </p:cNvPr>
+              <p:cNvSpPr/>
+              <p:nvPr/>
+            </p:nvSpPr>
+            <p:spPr>
+              <a:xfrm>
+                <a:off x="2135746" y="2251656"/>
+                <a:ext cx="914400" cy="914400"/>
+              </a:xfrm>
+              <a:prstGeom prst="ellipse">
+                <a:avLst/>
+              </a:prstGeom>
+              <a:solidFill>
+                <a:srgbClr val="00B050"/>
+              </a:solidFill>
+              <a:ln>
+                <a:solidFill>
+                  <a:schemeClr val="accent6">
+                    <a:lumMod val="40000"/>
+                    <a:lumOff val="60000"/>
+                  </a:schemeClr>
+                </a:solidFill>
+              </a:ln>
+            </p:spPr>
+            <p:style>
+              <a:lnRef idx="2">
+                <a:schemeClr val="accent4">
+                  <a:shade val="15000"/>
+                </a:schemeClr>
+              </a:lnRef>
+              <a:fillRef idx="1">
+                <a:schemeClr val="accent4"/>
+              </a:fillRef>
+              <a:effectRef idx="0">
+                <a:schemeClr val="accent4"/>
+              </a:effectRef>
+              <a:fontRef idx="minor">
+                <a:schemeClr val="lt1"/>
+              </a:fontRef>
+            </p:style>
+            <p:txBody>
+              <a:bodyPr rtlCol="0" anchor="ctr"/>
+              <a:lstStyle/>
+              <a:p>
+                <a:pPr algn="ctr"/>
+                <a:r>
+                  <a:rPr lang="en-US" sz="3200" dirty="0"/>
+                  <a:t>1</a:t>
+                </a:r>
+              </a:p>
+            </p:txBody>
+          </p:sp>
+          <p:sp>
+            <p:nvSpPr>
+              <p:cNvPr id="16" name="Oval 15">
+                <a:extLst>
+                  <a:ext uri="{FF2B5EF4-FFF2-40B4-BE49-F238E27FC236}">
+                    <a16:creationId xmlns:a16="http://schemas.microsoft.com/office/drawing/2014/main" id="{EC09374B-DC23-5F44-CFAB-87DC44675B56}"/>
+                  </a:ext>
+                </a:extLst>
+              </p:cNvPr>
+              <p:cNvSpPr/>
+              <p:nvPr/>
+            </p:nvSpPr>
+            <p:spPr>
+              <a:xfrm>
+                <a:off x="3537396" y="2251656"/>
+                <a:ext cx="914400" cy="914400"/>
+              </a:xfrm>
+              <a:prstGeom prst="ellipse">
+                <a:avLst/>
+              </a:prstGeom>
+              <a:solidFill>
+                <a:srgbClr val="00B050"/>
+              </a:solidFill>
+              <a:ln>
+                <a:solidFill>
+                  <a:schemeClr val="accent6">
+                    <a:lumMod val="40000"/>
+                    <a:lumOff val="60000"/>
+                  </a:schemeClr>
+                </a:solidFill>
+              </a:ln>
+            </p:spPr>
+            <p:style>
+              <a:lnRef idx="2">
+                <a:schemeClr val="accent4">
+                  <a:shade val="15000"/>
+                </a:schemeClr>
+              </a:lnRef>
+              <a:fillRef idx="1">
+                <a:schemeClr val="accent4"/>
+              </a:fillRef>
+              <a:effectRef idx="0">
+                <a:schemeClr val="accent4"/>
+              </a:effectRef>
+              <a:fontRef idx="minor">
+                <a:schemeClr val="lt1"/>
+              </a:fontRef>
+            </p:style>
+            <p:txBody>
+              <a:bodyPr rtlCol="0" anchor="ctr"/>
+              <a:lstStyle/>
+              <a:p>
+                <a:pPr algn="ctr"/>
+                <a:r>
+                  <a:rPr lang="en-US" sz="3200" dirty="0"/>
+                  <a:t>2</a:t>
+                </a:r>
+              </a:p>
+            </p:txBody>
+          </p:sp>
+          <p:sp>
+            <p:nvSpPr>
+              <p:cNvPr id="17" name="Oval 16">
+                <a:extLst>
+                  <a:ext uri="{FF2B5EF4-FFF2-40B4-BE49-F238E27FC236}">
+                    <a16:creationId xmlns:a16="http://schemas.microsoft.com/office/drawing/2014/main" id="{831B51E2-2E7B-A0BC-98C9-F700589BFF2B}"/>
+                  </a:ext>
+                </a:extLst>
+              </p:cNvPr>
+              <p:cNvSpPr/>
+              <p:nvPr/>
+            </p:nvSpPr>
+            <p:spPr>
+              <a:xfrm>
+                <a:off x="2135746" y="3566319"/>
+                <a:ext cx="914400" cy="914400"/>
+              </a:xfrm>
+              <a:prstGeom prst="ellipse">
+                <a:avLst/>
+              </a:prstGeom>
+              <a:solidFill>
+                <a:srgbClr val="00B050"/>
+              </a:solidFill>
+              <a:ln>
+                <a:solidFill>
+                  <a:schemeClr val="accent6">
+                    <a:lumMod val="40000"/>
+                    <a:lumOff val="60000"/>
+                  </a:schemeClr>
+                </a:solidFill>
+              </a:ln>
+            </p:spPr>
+            <p:style>
+              <a:lnRef idx="2">
+                <a:schemeClr val="accent4">
+                  <a:shade val="15000"/>
+                </a:schemeClr>
+              </a:lnRef>
+              <a:fillRef idx="1">
+                <a:schemeClr val="accent4"/>
+              </a:fillRef>
+              <a:effectRef idx="0">
+                <a:schemeClr val="accent4"/>
+              </a:effectRef>
+              <a:fontRef idx="minor">
+                <a:schemeClr val="lt1"/>
+              </a:fontRef>
+            </p:style>
+            <p:txBody>
+              <a:bodyPr rtlCol="0" anchor="ctr"/>
+              <a:lstStyle/>
+              <a:p>
+                <a:pPr algn="ctr"/>
+                <a:r>
+                  <a:rPr lang="en-US" sz="3200" dirty="0"/>
+                  <a:t>3</a:t>
+                </a:r>
+              </a:p>
+            </p:txBody>
+          </p:sp>
+        </p:grpSp>
+        <p:cxnSp>
+          <p:nvCxnSpPr>
+            <p:cNvPr id="6" name="Straight Arrow Connector 5">
+              <a:extLst>
+                <a:ext uri="{FF2B5EF4-FFF2-40B4-BE49-F238E27FC236}">
+                  <a16:creationId xmlns:a16="http://schemas.microsoft.com/office/drawing/2014/main" id="{86B48084-9FD8-1E7A-6F7A-D78FA184C515}"/>
+                </a:ext>
+              </a:extLst>
+            </p:cNvPr>
+            <p:cNvCxnSpPr>
+              <a:stCxn id="12" idx="6"/>
+              <a:endCxn id="14" idx="2"/>
+            </p:cNvCxnSpPr>
+            <p:nvPr/>
+          </p:nvCxnSpPr>
+          <p:spPr>
+            <a:xfrm>
+              <a:off x="1648496" y="2708856"/>
+              <a:ext cx="487250" cy="0"/>
+            </a:xfrm>
+            <a:prstGeom prst="straightConnector1">
+              <a:avLst/>
+            </a:prstGeom>
+            <a:ln w="19050">
+              <a:solidFill>
+                <a:srgbClr val="00B050"/>
+              </a:solidFill>
+              <a:tailEnd type="triangle"/>
+            </a:ln>
+          </p:spPr>
+          <p:style>
+            <a:lnRef idx="1">
+              <a:schemeClr val="accent6"/>
+            </a:lnRef>
+            <a:fillRef idx="0">
+              <a:schemeClr val="accent6"/>
+            </a:fillRef>
+            <a:effectRef idx="0">
+              <a:schemeClr val="accent6"/>
+            </a:effectRef>
+            <a:fontRef idx="minor">
+              <a:schemeClr val="tx1"/>
+            </a:fontRef>
+          </p:style>
+        </p:cxnSp>
+        <p:cxnSp>
+          <p:nvCxnSpPr>
+            <p:cNvPr id="7" name="Straight Arrow Connector 6">
+              <a:extLst>
+                <a:ext uri="{FF2B5EF4-FFF2-40B4-BE49-F238E27FC236}">
+                  <a16:creationId xmlns:a16="http://schemas.microsoft.com/office/drawing/2014/main" id="{1D9854BE-192A-FFF2-712B-7D876D896CF4}"/>
+                </a:ext>
+              </a:extLst>
+            </p:cNvPr>
+            <p:cNvCxnSpPr>
+              <a:stCxn id="16" idx="2"/>
+              <a:endCxn id="14" idx="6"/>
+            </p:cNvCxnSpPr>
+            <p:nvPr/>
+          </p:nvCxnSpPr>
+          <p:spPr>
+            <a:xfrm flipH="1">
+              <a:off x="3050146" y="2708856"/>
+              <a:ext cx="487250" cy="0"/>
+            </a:xfrm>
+            <a:prstGeom prst="straightConnector1">
+              <a:avLst/>
+            </a:prstGeom>
+            <a:ln w="19050">
+              <a:solidFill>
+                <a:srgbClr val="00B050"/>
+              </a:solidFill>
+              <a:tailEnd type="triangle"/>
+            </a:ln>
+          </p:spPr>
+          <p:style>
+            <a:lnRef idx="1">
+              <a:schemeClr val="accent1"/>
+            </a:lnRef>
+            <a:fillRef idx="0">
+              <a:schemeClr val="accent1"/>
+            </a:fillRef>
+            <a:effectRef idx="0">
+              <a:schemeClr val="accent1"/>
+            </a:effectRef>
+            <a:fontRef idx="minor">
+              <a:schemeClr val="tx1"/>
+            </a:fontRef>
+          </p:style>
+        </p:cxnSp>
+        <p:cxnSp>
+          <p:nvCxnSpPr>
+            <p:cNvPr id="9" name="Straight Arrow Connector 8">
+              <a:extLst>
+                <a:ext uri="{FF2B5EF4-FFF2-40B4-BE49-F238E27FC236}">
+                  <a16:creationId xmlns:a16="http://schemas.microsoft.com/office/drawing/2014/main" id="{EAE31AB0-F286-0D63-DA2C-C14424E5A397}"/>
+                </a:ext>
+              </a:extLst>
+            </p:cNvPr>
+            <p:cNvCxnSpPr>
+              <a:stCxn id="17" idx="0"/>
+              <a:endCxn id="14" idx="4"/>
+            </p:cNvCxnSpPr>
+            <p:nvPr/>
+          </p:nvCxnSpPr>
+          <p:spPr>
+            <a:xfrm flipV="1">
+              <a:off x="2592946" y="3166056"/>
+              <a:ext cx="0" cy="400263"/>
+            </a:xfrm>
+            <a:prstGeom prst="straightConnector1">
+              <a:avLst/>
+            </a:prstGeom>
+            <a:ln w="19050">
+              <a:solidFill>
+                <a:srgbClr val="00B050"/>
+              </a:solidFill>
+              <a:tailEnd type="triangle"/>
+            </a:ln>
+          </p:spPr>
+          <p:style>
+            <a:lnRef idx="1">
+              <a:schemeClr val="accent1"/>
+            </a:lnRef>
+            <a:fillRef idx="0">
+              <a:schemeClr val="accent1"/>
+            </a:fillRef>
+            <a:effectRef idx="0">
+              <a:schemeClr val="accent1"/>
+            </a:effectRef>
+            <a:fontRef idx="minor">
+              <a:schemeClr val="tx1"/>
+            </a:fontRef>
+          </p:style>
+        </p:cxnSp>
+        <p:cxnSp>
+          <p:nvCxnSpPr>
+            <p:cNvPr id="10" name="Straight Arrow Connector 9">
+              <a:extLst>
+                <a:ext uri="{FF2B5EF4-FFF2-40B4-BE49-F238E27FC236}">
+                  <a16:creationId xmlns:a16="http://schemas.microsoft.com/office/drawing/2014/main" id="{983AEA8B-B645-0CE3-B4DE-B5426DC29555}"/>
+                </a:ext>
+              </a:extLst>
+            </p:cNvPr>
+            <p:cNvCxnSpPr>
+              <a:cxnSpLocks/>
+              <a:stCxn id="17" idx="7"/>
+              <a:endCxn id="16" idx="3"/>
+            </p:cNvCxnSpPr>
+            <p:nvPr/>
+          </p:nvCxnSpPr>
+          <p:spPr>
+            <a:xfrm flipV="1">
+              <a:off x="2916235" y="3032145"/>
+              <a:ext cx="755072" cy="668085"/>
+            </a:xfrm>
+            <a:prstGeom prst="straightConnector1">
+              <a:avLst/>
+            </a:prstGeom>
+            <a:ln w="19050">
+              <a:solidFill>
+                <a:srgbClr val="00B050"/>
+              </a:solidFill>
+              <a:tailEnd type="triangle"/>
+            </a:ln>
+          </p:spPr>
+          <p:style>
+            <a:lnRef idx="1">
+              <a:schemeClr val="accent1"/>
+            </a:lnRef>
+            <a:fillRef idx="0">
+              <a:schemeClr val="accent1"/>
+            </a:fillRef>
+            <a:effectRef idx="0">
+              <a:schemeClr val="accent1"/>
+            </a:effectRef>
+            <a:fontRef idx="minor">
+              <a:schemeClr val="tx1"/>
+            </a:fontRef>
+          </p:style>
+        </p:cxnSp>
+        <p:cxnSp>
+          <p:nvCxnSpPr>
+            <p:cNvPr id="11" name="Connector: Curved 10">
+              <a:extLst>
+                <a:ext uri="{FF2B5EF4-FFF2-40B4-BE49-F238E27FC236}">
+                  <a16:creationId xmlns:a16="http://schemas.microsoft.com/office/drawing/2014/main" id="{FCF07373-1513-174B-41E3-69847CD6B4B4}"/>
+                </a:ext>
+              </a:extLst>
+            </p:cNvPr>
+            <p:cNvCxnSpPr>
+              <a:stCxn id="16" idx="0"/>
+              <a:endCxn id="12" idx="0"/>
+            </p:cNvCxnSpPr>
+            <p:nvPr/>
+          </p:nvCxnSpPr>
+          <p:spPr>
+            <a:xfrm rot="16200000" flipV="1">
+              <a:off x="2592946" y="850006"/>
+              <a:ext cx="12700" cy="2803300"/>
+            </a:xfrm>
+            <a:prstGeom prst="curvedConnector3">
+              <a:avLst>
+                <a:gd name="adj1" fmla="val 1800000"/>
+              </a:avLst>
+            </a:prstGeom>
+            <a:ln w="19050">
+              <a:solidFill>
+                <a:srgbClr val="00B050"/>
+              </a:solidFill>
+              <a:tailEnd type="triangle"/>
+            </a:ln>
+          </p:spPr>
+          <p:style>
+            <a:lnRef idx="1">
+              <a:schemeClr val="accent1"/>
+            </a:lnRef>
+            <a:fillRef idx="0">
+              <a:schemeClr val="accent1"/>
+            </a:fillRef>
+            <a:effectRef idx="0">
+              <a:schemeClr val="accent1"/>
+            </a:effectRef>
+            <a:fontRef idx="minor">
+              <a:schemeClr val="tx1"/>
+            </a:fontRef>
+          </p:style>
+        </p:cxnSp>
+      </p:grpSp>
     </p:spTree>
     <p:extLst>
       <p:ext uri="{BB962C8B-B14F-4D97-AF65-F5344CB8AC3E}">
@@ -16748,6 +18900,164 @@
           </a:p>
         </p:txBody>
       </p:sp>
+      <p:grpSp>
+        <p:nvGrpSpPr>
+          <p:cNvPr id="13" name="Group 12">
+            <a:extLst>
+              <a:ext uri="{FF2B5EF4-FFF2-40B4-BE49-F238E27FC236}">
+                <a16:creationId xmlns:a16="http://schemas.microsoft.com/office/drawing/2014/main" id="{18F32BDD-CD04-311D-12A0-5EC0E53CEE7C}"/>
+              </a:ext>
+            </a:extLst>
+          </p:cNvPr>
+          <p:cNvGrpSpPr/>
+          <p:nvPr/>
+        </p:nvGrpSpPr>
+        <p:grpSpPr>
+          <a:xfrm>
+            <a:off x="3055620" y="1521312"/>
+            <a:ext cx="4730545" cy="2261730"/>
+            <a:chOff x="3055620" y="1521312"/>
+            <a:chExt cx="4730545" cy="2261730"/>
+          </a:xfrm>
+        </p:grpSpPr>
+        <p:pic>
+          <p:nvPicPr>
+            <p:cNvPr id="10" name="Picture 9">
+              <a:extLst>
+                <a:ext uri="{FF2B5EF4-FFF2-40B4-BE49-F238E27FC236}">
+                  <a16:creationId xmlns:a16="http://schemas.microsoft.com/office/drawing/2014/main" id="{3E9698B8-4F8D-881F-DBA4-070179B10F95}"/>
+                </a:ext>
+              </a:extLst>
+            </p:cNvPr>
+            <p:cNvPicPr>
+              <a:picLocks noChangeAspect="1"/>
+            </p:cNvPicPr>
+            <p:nvPr/>
+          </p:nvPicPr>
+          <p:blipFill rotWithShape="1">
+            <a:blip r:embed="rId3"/>
+            <a:srcRect l="2393" r="33060"/>
+            <a:stretch/>
+          </p:blipFill>
+          <p:spPr>
+            <a:xfrm>
+              <a:off x="3055620" y="1521312"/>
+              <a:ext cx="4041107" cy="2261730"/>
+            </a:xfrm>
+            <a:prstGeom prst="rect">
+              <a:avLst/>
+            </a:prstGeom>
+          </p:spPr>
+        </p:pic>
+        <p:sp>
+          <p:nvSpPr>
+            <p:cNvPr id="11" name="Rectangle 10">
+              <a:extLst>
+                <a:ext uri="{FF2B5EF4-FFF2-40B4-BE49-F238E27FC236}">
+                  <a16:creationId xmlns:a16="http://schemas.microsoft.com/office/drawing/2014/main" id="{D6531EE4-2D2F-A4DE-CA1E-85B42E85D725}"/>
+                </a:ext>
+              </a:extLst>
+            </p:cNvPr>
+            <p:cNvSpPr/>
+            <p:nvPr/>
+          </p:nvSpPr>
+          <p:spPr>
+            <a:xfrm>
+              <a:off x="6292850" y="2616200"/>
+              <a:ext cx="704850" cy="425450"/>
+            </a:xfrm>
+            <a:prstGeom prst="rect">
+              <a:avLst/>
+            </a:prstGeom>
+            <a:solidFill>
+              <a:schemeClr val="bg1"/>
+            </a:solidFill>
+            <a:ln>
+              <a:solidFill>
+                <a:schemeClr val="bg1"/>
+              </a:solidFill>
+            </a:ln>
+          </p:spPr>
+          <p:style>
+            <a:lnRef idx="2">
+              <a:schemeClr val="accent1">
+                <a:shade val="15000"/>
+              </a:schemeClr>
+            </a:lnRef>
+            <a:fillRef idx="1">
+              <a:schemeClr val="accent1"/>
+            </a:fillRef>
+            <a:effectRef idx="0">
+              <a:schemeClr val="accent1"/>
+            </a:effectRef>
+            <a:fontRef idx="minor">
+              <a:schemeClr val="lt1"/>
+            </a:fontRef>
+          </p:style>
+          <p:txBody>
+            <a:bodyPr rtlCol="0" anchor="ctr"/>
+            <a:lstStyle/>
+            <a:p>
+              <a:pPr algn="ctr"/>
+              <a:endParaRPr lang="zh-TW" altLang="en-US"/>
+            </a:p>
+          </p:txBody>
+        </p:sp>
+        <p:sp>
+          <p:nvSpPr>
+            <p:cNvPr id="12" name="Rectangle 11">
+              <a:extLst>
+                <a:ext uri="{FF2B5EF4-FFF2-40B4-BE49-F238E27FC236}">
+                  <a16:creationId xmlns:a16="http://schemas.microsoft.com/office/drawing/2014/main" id="{ED861307-47DC-2F49-24ED-912C46A0A2DE}"/>
+                </a:ext>
+              </a:extLst>
+            </p:cNvPr>
+            <p:cNvSpPr/>
+            <p:nvPr/>
+          </p:nvSpPr>
+          <p:spPr>
+            <a:xfrm>
+              <a:off x="7081315" y="2669934"/>
+              <a:ext cx="704850" cy="425450"/>
+            </a:xfrm>
+            <a:prstGeom prst="rect">
+              <a:avLst/>
+            </a:prstGeom>
+            <a:solidFill>
+              <a:schemeClr val="bg1"/>
+            </a:solidFill>
+            <a:ln>
+              <a:solidFill>
+                <a:schemeClr val="bg1"/>
+              </a:solidFill>
+            </a:ln>
+          </p:spPr>
+          <p:style>
+            <a:lnRef idx="2">
+              <a:schemeClr val="accent1">
+                <a:shade val="15000"/>
+              </a:schemeClr>
+            </a:lnRef>
+            <a:fillRef idx="1">
+              <a:schemeClr val="accent1"/>
+            </a:fillRef>
+            <a:effectRef idx="0">
+              <a:schemeClr val="accent1"/>
+            </a:effectRef>
+            <a:fontRef idx="minor">
+              <a:schemeClr val="lt1"/>
+            </a:fontRef>
+          </p:style>
+          <p:txBody>
+            <a:bodyPr rtlCol="0" anchor="ctr"/>
+            <a:lstStyle/>
+            <a:p>
+              <a:pPr algn="ctr"/>
+              <a:endParaRPr lang="zh-TW" altLang="en-US"/>
+            </a:p>
+          </p:txBody>
+        </p:sp>
+      </p:grpSp>
     </p:spTree>
     <p:extLst>
       <p:ext uri="{BB962C8B-B14F-4D97-AF65-F5344CB8AC3E}">
@@ -16778,6 +19088,36 @@
           <a:chExt cx="0" cy="0"/>
         </a:xfrm>
       </p:grpSpPr>
+      <p:pic>
+        <p:nvPicPr>
+          <p:cNvPr id="18" name="Picture 17">
+            <a:extLst>
+              <a:ext uri="{FF2B5EF4-FFF2-40B4-BE49-F238E27FC236}">
+                <a16:creationId xmlns:a16="http://schemas.microsoft.com/office/drawing/2014/main" id="{EF4EE081-CE30-18C1-3586-2BAE574EDCC9}"/>
+              </a:ext>
+            </a:extLst>
+          </p:cNvPr>
+          <p:cNvPicPr>
+            <a:picLocks noChangeAspect="1"/>
+          </p:cNvPicPr>
+          <p:nvPr/>
+        </p:nvPicPr>
+        <p:blipFill>
+          <a:blip r:embed="rId3"/>
+          <a:stretch>
+            <a:fillRect/>
+          </a:stretch>
+        </p:blipFill>
+        <p:spPr>
+          <a:xfrm>
+            <a:off x="3664553" y="4692894"/>
+            <a:ext cx="3962400" cy="2076145"/>
+          </a:xfrm>
+          <a:prstGeom prst="rect">
+            <a:avLst/>
+          </a:prstGeom>
+        </p:spPr>
+      </p:pic>
       <p:sp>
         <p:nvSpPr>
           <p:cNvPr id="2" name="Title 1">
@@ -17305,7 +19645,7 @@
         <p:spPr>
           <a:xfrm>
             <a:off x="838200" y="3753186"/>
-            <a:ext cx="2568332" cy="1785104"/>
+            <a:ext cx="2568332" cy="3016210"/>
           </a:xfrm>
           <a:prstGeom prst="rect">
             <a:avLst/>
@@ -17399,7 +19739,43 @@
                 <a:latin typeface="Times" panose="02020603050405020304" pitchFamily="18" charset="0"/>
                 <a:cs typeface="Times" panose="02020603050405020304" pitchFamily="18" charset="0"/>
               </a:rPr>
-              <a:t>return</a:t>
+              <a:t>Continue</a:t>
+            </a:r>
+          </a:p>
+          <a:p>
+            <a:r>
+              <a:rPr lang="en-US" altLang="zh-TW" sz="2000" dirty="0">
+                <a:latin typeface="Times" panose="02020603050405020304" pitchFamily="18" charset="0"/>
+                <a:cs typeface="Times" panose="02020603050405020304" pitchFamily="18" charset="0"/>
+              </a:rPr>
+              <a:t>4    label[6] = 14</a:t>
+            </a:r>
+          </a:p>
+          <a:p>
+            <a:r>
+              <a:rPr lang="en-US" altLang="zh-TW" sz="2000" dirty="0">
+                <a:latin typeface="Times" panose="02020603050405020304" pitchFamily="18" charset="0"/>
+                <a:cs typeface="Times" panose="02020603050405020304" pitchFamily="18" charset="0"/>
+              </a:rPr>
+              <a:t>5.   label[2] = 14</a:t>
+            </a:r>
+          </a:p>
+          <a:p>
+            <a:r>
+              <a:rPr lang="en-US" altLang="zh-TW" sz="2000" dirty="0">
+                <a:latin typeface="Times" panose="02020603050405020304" pitchFamily="18" charset="0"/>
+                <a:cs typeface="Times" panose="02020603050405020304" pitchFamily="18" charset="0"/>
+              </a:rPr>
+              <a:t>6.   label[7] = 14</a:t>
+            </a:r>
+          </a:p>
+          <a:p>
+            <a:r>
+              <a:rPr lang="en-US" altLang="zh-TW" sz="2000" dirty="0">
+                <a:latin typeface="Times" panose="02020603050405020304" pitchFamily="18" charset="0"/>
+                <a:cs typeface="Times" panose="02020603050405020304" pitchFamily="18" charset="0"/>
+              </a:rPr>
+              <a:t>7.   label[3] = 14</a:t>
             </a:r>
           </a:p>
         </p:txBody>
@@ -17439,7 +19815,7 @@
             <p:nvPr/>
           </p:nvPicPr>
           <p:blipFill rotWithShape="1">
-            <a:blip r:embed="rId2"/>
+            <a:blip r:embed="rId4"/>
             <a:srcRect b="7304"/>
             <a:stretch/>
           </p:blipFill>
@@ -17698,7 +20074,7 @@
         </p:nvSpPr>
         <p:spPr>
           <a:xfrm>
-            <a:off x="3728053" y="4118769"/>
+            <a:off x="3728053" y="3685467"/>
             <a:ext cx="2546350" cy="646331"/>
           </a:xfrm>
           <a:prstGeom prst="rect">
@@ -17888,8 +20264,8 @@
         </p:nvCxnSpPr>
         <p:spPr>
           <a:xfrm flipV="1">
-            <a:off x="2768600" y="4441935"/>
-            <a:ext cx="959453" cy="244365"/>
+            <a:off x="2755900" y="4008633"/>
+            <a:ext cx="972153" cy="697525"/>
           </a:xfrm>
           <a:prstGeom prst="straightConnector1">
             <a:avLst/>
@@ -17933,7 +20309,7 @@
           <p:nvPr/>
         </p:nvPicPr>
         <p:blipFill>
-          <a:blip r:embed="rId3"/>
+          <a:blip r:embed="rId5"/>
           <a:stretch>
             <a:fillRect/>
           </a:stretch>
@@ -18460,7 +20836,7 @@
         <p:spPr>
           <a:xfrm>
             <a:off x="838200" y="2526220"/>
-            <a:ext cx="2141933" cy="852606"/>
+            <a:ext cx="1527982" cy="852606"/>
           </a:xfrm>
           <a:prstGeom prst="rect">
             <a:avLst/>
@@ -18506,7 +20882,7 @@
                 <a:latin typeface="Times" panose="02020603050405020304" pitchFamily="18" charset="0"/>
                 <a:cs typeface="Times" panose="02020603050405020304" pitchFamily="18" charset="0"/>
               </a:rPr>
-              <a:t>labels = 0 -&gt; 14</a:t>
+              <a:t>labels = 0</a:t>
             </a:r>
           </a:p>
         </p:txBody>
@@ -19407,7 +21783,7 @@
                 <a:latin typeface="Times" panose="02020603050405020304" pitchFamily="18" charset="0"/>
                 <a:cs typeface="Times" panose="02020603050405020304" pitchFamily="18" charset="0"/>
               </a:rPr>
-              <a:t>4. labels[7] = 0 -&gt; 15</a:t>
+              <a:t>4. labels[7] = 14</a:t>
             </a:r>
           </a:p>
           <a:p>
@@ -19416,7 +21792,7 @@
                 <a:latin typeface="Times" panose="02020603050405020304" pitchFamily="18" charset="0"/>
                 <a:cs typeface="Times" panose="02020603050405020304" pitchFamily="18" charset="0"/>
               </a:rPr>
-              <a:t>5. labels[3] = 0 -&gt; 15</a:t>
+              <a:t>5. labels[3] = 14</a:t>
             </a:r>
           </a:p>
         </p:txBody>
@@ -19520,6 +21896,138 @@
           </a:fontRef>
         </p:style>
       </p:cxnSp>
+      <p:sp>
+        <p:nvSpPr>
+          <p:cNvPr id="9" name="TextBox 8">
+            <a:extLst>
+              <a:ext uri="{FF2B5EF4-FFF2-40B4-BE49-F238E27FC236}">
+                <a16:creationId xmlns:a16="http://schemas.microsoft.com/office/drawing/2014/main" id="{FEBA30B0-885D-12E2-E760-D12D7BC94CC9}"/>
+              </a:ext>
+            </a:extLst>
+          </p:cNvPr>
+          <p:cNvSpPr txBox="1"/>
+          <p:nvPr/>
+        </p:nvSpPr>
+        <p:spPr>
+          <a:xfrm>
+            <a:off x="9817853" y="585669"/>
+            <a:ext cx="457200" cy="369332"/>
+          </a:xfrm>
+          <a:prstGeom prst="rect">
+            <a:avLst/>
+          </a:prstGeom>
+          <a:noFill/>
+        </p:spPr>
+        <p:txBody>
+          <a:bodyPr wrap="square" rtlCol="0">
+            <a:spAutoFit/>
+          </a:bodyPr>
+          <a:lstStyle/>
+          <a:p>
+            <a:r>
+              <a:rPr lang="en-US" altLang="zh-TW" dirty="0">
+                <a:solidFill>
+                  <a:srgbClr val="FF0000"/>
+                </a:solidFill>
+              </a:rPr>
+              <a:t>14</a:t>
+            </a:r>
+            <a:endParaRPr lang="zh-TW" altLang="en-US" dirty="0">
+              <a:solidFill>
+                <a:srgbClr val="FF0000"/>
+              </a:solidFill>
+            </a:endParaRPr>
+          </a:p>
+        </p:txBody>
+      </p:sp>
+      <p:sp>
+        <p:nvSpPr>
+          <p:cNvPr id="16" name="TextBox 15">
+            <a:extLst>
+              <a:ext uri="{FF2B5EF4-FFF2-40B4-BE49-F238E27FC236}">
+                <a16:creationId xmlns:a16="http://schemas.microsoft.com/office/drawing/2014/main" id="{C71D4460-3CAA-5BB5-1C6A-8A93EA52EE7F}"/>
+              </a:ext>
+            </a:extLst>
+          </p:cNvPr>
+          <p:cNvSpPr txBox="1"/>
+          <p:nvPr/>
+        </p:nvSpPr>
+        <p:spPr>
+          <a:xfrm>
+            <a:off x="9817853" y="955001"/>
+            <a:ext cx="457200" cy="369332"/>
+          </a:xfrm>
+          <a:prstGeom prst="rect">
+            <a:avLst/>
+          </a:prstGeom>
+          <a:noFill/>
+        </p:spPr>
+        <p:txBody>
+          <a:bodyPr wrap="square" rtlCol="0">
+            <a:spAutoFit/>
+          </a:bodyPr>
+          <a:lstStyle/>
+          <a:p>
+            <a:r>
+              <a:rPr lang="en-US" altLang="zh-TW" dirty="0">
+                <a:solidFill>
+                  <a:srgbClr val="FF0000"/>
+                </a:solidFill>
+              </a:rPr>
+              <a:t>14</a:t>
+            </a:r>
+            <a:endParaRPr lang="zh-TW" altLang="en-US" dirty="0">
+              <a:solidFill>
+                <a:srgbClr val="FF0000"/>
+              </a:solidFill>
+            </a:endParaRPr>
+          </a:p>
+        </p:txBody>
+      </p:sp>
+      <p:sp>
+        <p:nvSpPr>
+          <p:cNvPr id="18" name="TextBox 17">
+            <a:extLst>
+              <a:ext uri="{FF2B5EF4-FFF2-40B4-BE49-F238E27FC236}">
+                <a16:creationId xmlns:a16="http://schemas.microsoft.com/office/drawing/2014/main" id="{118E6DB7-00D4-73E5-FA03-2D8F8E5D484E}"/>
+              </a:ext>
+            </a:extLst>
+          </p:cNvPr>
+          <p:cNvSpPr txBox="1"/>
+          <p:nvPr/>
+        </p:nvSpPr>
+        <p:spPr>
+          <a:xfrm>
+            <a:off x="8464550" y="1027906"/>
+            <a:ext cx="457200" cy="369332"/>
+          </a:xfrm>
+          <a:prstGeom prst="rect">
+            <a:avLst/>
+          </a:prstGeom>
+          <a:noFill/>
+        </p:spPr>
+        <p:txBody>
+          <a:bodyPr wrap="square" rtlCol="0">
+            <a:spAutoFit/>
+          </a:bodyPr>
+          <a:lstStyle/>
+          <a:p>
+            <a:r>
+              <a:rPr lang="en-US" altLang="zh-TW" dirty="0">
+                <a:solidFill>
+                  <a:srgbClr val="FF0000"/>
+                </a:solidFill>
+              </a:rPr>
+              <a:t>14</a:t>
+            </a:r>
+            <a:endParaRPr lang="zh-TW" altLang="en-US" dirty="0">
+              <a:solidFill>
+                <a:srgbClr val="FF0000"/>
+              </a:solidFill>
+            </a:endParaRPr>
+          </a:p>
+        </p:txBody>
+      </p:sp>
     </p:spTree>
     <p:extLst>
       <p:ext uri="{BB962C8B-B14F-4D97-AF65-F5344CB8AC3E}">
@@ -20281,7 +22789,7 @@
                 <a:latin typeface="Times" panose="02020603050405020304" pitchFamily="18" charset="0"/>
                 <a:cs typeface="Times" panose="02020603050405020304" pitchFamily="18" charset="0"/>
               </a:rPr>
-              <a:t>labels[3] = 15</a:t>
+              <a:t>labels[3] = 14</a:t>
             </a:r>
           </a:p>
           <a:p>
@@ -20787,10 +23295,10 @@
         </p:nvGrpSpPr>
         <p:grpSpPr>
           <a:xfrm>
-            <a:off x="8462881" y="136525"/>
-            <a:ext cx="3513972" cy="1828248"/>
-            <a:chOff x="8462881" y="136525"/>
-            <a:chExt cx="3513972" cy="1828248"/>
+            <a:off x="8464550" y="136525"/>
+            <a:ext cx="3512303" cy="1828248"/>
+            <a:chOff x="8464550" y="136525"/>
+            <a:chExt cx="3512303" cy="1828248"/>
           </a:xfrm>
         </p:grpSpPr>
         <p:grpSp>
@@ -21244,99 +23752,7 @@
           </p:nvSpPr>
           <p:spPr>
             <a:xfrm>
-              <a:off x="10645775" y="957701"/>
-              <a:ext cx="457200" cy="369332"/>
-            </a:xfrm>
-            <a:prstGeom prst="rect">
-              <a:avLst/>
-            </a:prstGeom>
-            <a:noFill/>
-          </p:spPr>
-          <p:txBody>
-            <a:bodyPr wrap="square" rtlCol="0">
-              <a:spAutoFit/>
-            </a:bodyPr>
-            <a:lstStyle/>
-            <a:p>
-              <a:r>
-                <a:rPr lang="en-US" altLang="zh-TW" sz="1800" dirty="0">
-                  <a:solidFill>
-                    <a:srgbClr val="FF0000"/>
-                  </a:solidFill>
-                  <a:latin typeface="Times" panose="02020603050405020304" pitchFamily="18" charset="0"/>
-                  <a:cs typeface="Times" panose="02020603050405020304" pitchFamily="18" charset="0"/>
-                </a:rPr>
-                <a:t>15</a:t>
-              </a:r>
-              <a:endParaRPr lang="zh-TW" altLang="en-US" dirty="0">
-                <a:solidFill>
-                  <a:srgbClr val="FF0000"/>
-                </a:solidFill>
-              </a:endParaRPr>
-            </a:p>
-          </p:txBody>
-        </p:sp>
-        <p:sp>
-          <p:nvSpPr>
-            <p:cNvPr id="29" name="TextBox 28">
-              <a:extLst>
-                <a:ext uri="{FF2B5EF4-FFF2-40B4-BE49-F238E27FC236}">
-                  <a16:creationId xmlns:a16="http://schemas.microsoft.com/office/drawing/2014/main" id="{2054D624-3FCF-87F0-EC32-BC3EAC54CE6B}"/>
-                </a:ext>
-              </a:extLst>
-            </p:cNvPr>
-            <p:cNvSpPr txBox="1"/>
-            <p:nvPr/>
-          </p:nvSpPr>
-          <p:spPr>
-            <a:xfrm>
-              <a:off x="9824956" y="948443"/>
-              <a:ext cx="457200" cy="369332"/>
-            </a:xfrm>
-            <a:prstGeom prst="rect">
-              <a:avLst/>
-            </a:prstGeom>
-            <a:noFill/>
-          </p:spPr>
-          <p:txBody>
-            <a:bodyPr wrap="square" rtlCol="0">
-              <a:spAutoFit/>
-            </a:bodyPr>
-            <a:lstStyle/>
-            <a:p>
-              <a:r>
-                <a:rPr lang="en-US" altLang="zh-TW" sz="1800" dirty="0">
-                  <a:solidFill>
-                    <a:srgbClr val="FF0000"/>
-                  </a:solidFill>
-                  <a:latin typeface="Times" panose="02020603050405020304" pitchFamily="18" charset="0"/>
-                  <a:cs typeface="Times" panose="02020603050405020304" pitchFamily="18" charset="0"/>
-                </a:rPr>
-                <a:t>15</a:t>
-              </a:r>
-              <a:endParaRPr lang="zh-TW" altLang="en-US" dirty="0">
-                <a:solidFill>
-                  <a:srgbClr val="FF0000"/>
-                </a:solidFill>
-              </a:endParaRPr>
-            </a:p>
-          </p:txBody>
-        </p:sp>
-        <p:sp>
-          <p:nvSpPr>
-            <p:cNvPr id="30" name="TextBox 29">
-              <a:extLst>
-                <a:ext uri="{FF2B5EF4-FFF2-40B4-BE49-F238E27FC236}">
-                  <a16:creationId xmlns:a16="http://schemas.microsoft.com/office/drawing/2014/main" id="{F55BDCB4-CEE4-D81B-1E48-A6EB1F2AF117}"/>
-                </a:ext>
-              </a:extLst>
-            </p:cNvPr>
-            <p:cNvSpPr txBox="1"/>
-            <p:nvPr/>
-          </p:nvSpPr>
-          <p:spPr>
-            <a:xfrm>
-              <a:off x="8462881" y="1008659"/>
+              <a:off x="10625056" y="930218"/>
               <a:ext cx="457200" cy="369332"/>
             </a:xfrm>
             <a:prstGeom prst="rect">
@@ -21369,6 +23785,138 @@
           </p:txBody>
         </p:sp>
       </p:grpSp>
+      <p:sp>
+        <p:nvSpPr>
+          <p:cNvPr id="20" name="TextBox 19">
+            <a:extLst>
+              <a:ext uri="{FF2B5EF4-FFF2-40B4-BE49-F238E27FC236}">
+                <a16:creationId xmlns:a16="http://schemas.microsoft.com/office/drawing/2014/main" id="{0322B41D-1235-46F7-F2D6-5C68FDBB599B}"/>
+              </a:ext>
+            </a:extLst>
+          </p:cNvPr>
+          <p:cNvSpPr txBox="1"/>
+          <p:nvPr/>
+        </p:nvSpPr>
+        <p:spPr>
+          <a:xfrm>
+            <a:off x="9817853" y="585669"/>
+            <a:ext cx="457200" cy="369332"/>
+          </a:xfrm>
+          <a:prstGeom prst="rect">
+            <a:avLst/>
+          </a:prstGeom>
+          <a:noFill/>
+        </p:spPr>
+        <p:txBody>
+          <a:bodyPr wrap="square" rtlCol="0">
+            <a:spAutoFit/>
+          </a:bodyPr>
+          <a:lstStyle/>
+          <a:p>
+            <a:r>
+              <a:rPr lang="en-US" altLang="zh-TW" dirty="0">
+                <a:solidFill>
+                  <a:srgbClr val="FF0000"/>
+                </a:solidFill>
+              </a:rPr>
+              <a:t>14</a:t>
+            </a:r>
+            <a:endParaRPr lang="zh-TW" altLang="en-US" dirty="0">
+              <a:solidFill>
+                <a:srgbClr val="FF0000"/>
+              </a:solidFill>
+            </a:endParaRPr>
+          </a:p>
+        </p:txBody>
+      </p:sp>
+      <p:sp>
+        <p:nvSpPr>
+          <p:cNvPr id="21" name="TextBox 20">
+            <a:extLst>
+              <a:ext uri="{FF2B5EF4-FFF2-40B4-BE49-F238E27FC236}">
+                <a16:creationId xmlns:a16="http://schemas.microsoft.com/office/drawing/2014/main" id="{5CBDE12F-910B-2601-7ED1-77AD9154D592}"/>
+              </a:ext>
+            </a:extLst>
+          </p:cNvPr>
+          <p:cNvSpPr txBox="1"/>
+          <p:nvPr/>
+        </p:nvSpPr>
+        <p:spPr>
+          <a:xfrm>
+            <a:off x="9817853" y="917143"/>
+            <a:ext cx="457200" cy="369332"/>
+          </a:xfrm>
+          <a:prstGeom prst="rect">
+            <a:avLst/>
+          </a:prstGeom>
+          <a:noFill/>
+        </p:spPr>
+        <p:txBody>
+          <a:bodyPr wrap="square" rtlCol="0">
+            <a:spAutoFit/>
+          </a:bodyPr>
+          <a:lstStyle/>
+          <a:p>
+            <a:r>
+              <a:rPr lang="en-US" altLang="zh-TW" dirty="0">
+                <a:solidFill>
+                  <a:srgbClr val="FF0000"/>
+                </a:solidFill>
+              </a:rPr>
+              <a:t>14</a:t>
+            </a:r>
+            <a:endParaRPr lang="zh-TW" altLang="en-US" dirty="0">
+              <a:solidFill>
+                <a:srgbClr val="FF0000"/>
+              </a:solidFill>
+            </a:endParaRPr>
+          </a:p>
+        </p:txBody>
+      </p:sp>
+      <p:sp>
+        <p:nvSpPr>
+          <p:cNvPr id="26" name="TextBox 25">
+            <a:extLst>
+              <a:ext uri="{FF2B5EF4-FFF2-40B4-BE49-F238E27FC236}">
+                <a16:creationId xmlns:a16="http://schemas.microsoft.com/office/drawing/2014/main" id="{F54D4AE2-0215-2E4D-73AF-4D582AB92871}"/>
+              </a:ext>
+            </a:extLst>
+          </p:cNvPr>
+          <p:cNvSpPr txBox="1"/>
+          <p:nvPr/>
+        </p:nvSpPr>
+        <p:spPr>
+          <a:xfrm>
+            <a:off x="8464550" y="1010337"/>
+            <a:ext cx="457200" cy="369332"/>
+          </a:xfrm>
+          <a:prstGeom prst="rect">
+            <a:avLst/>
+          </a:prstGeom>
+          <a:noFill/>
+        </p:spPr>
+        <p:txBody>
+          <a:bodyPr wrap="square" rtlCol="0">
+            <a:spAutoFit/>
+          </a:bodyPr>
+          <a:lstStyle/>
+          <a:p>
+            <a:r>
+              <a:rPr lang="en-US" altLang="zh-TW" dirty="0">
+                <a:solidFill>
+                  <a:srgbClr val="FF0000"/>
+                </a:solidFill>
+              </a:rPr>
+              <a:t>14</a:t>
+            </a:r>
+            <a:endParaRPr lang="zh-TW" altLang="en-US" dirty="0">
+              <a:solidFill>
+                <a:srgbClr val="FF0000"/>
+              </a:solidFill>
+            </a:endParaRPr>
+          </a:p>
+        </p:txBody>
+      </p:sp>
     </p:spTree>
     <p:extLst>
       <p:ext uri="{BB962C8B-B14F-4D97-AF65-F5344CB8AC3E}">
@@ -22282,12 +24830,42 @@
           </a:graphicData>
         </a:graphic>
       </p:graphicFrame>
+      <p:pic>
+        <p:nvPicPr>
+          <p:cNvPr id="38" name="Picture 37">
+            <a:extLst>
+              <a:ext uri="{FF2B5EF4-FFF2-40B4-BE49-F238E27FC236}">
+                <a16:creationId xmlns:a16="http://schemas.microsoft.com/office/drawing/2014/main" id="{6D178E5A-DEF2-863E-F925-0177E91AA62C}"/>
+              </a:ext>
+            </a:extLst>
+          </p:cNvPr>
+          <p:cNvPicPr>
+            <a:picLocks noChangeAspect="1"/>
+          </p:cNvPicPr>
+          <p:nvPr/>
+        </p:nvPicPr>
+        <p:blipFill>
+          <a:blip r:embed="rId2"/>
+          <a:stretch>
+            <a:fillRect/>
+          </a:stretch>
+        </p:blipFill>
+        <p:spPr>
+          <a:xfrm>
+            <a:off x="490891" y="4719191"/>
+            <a:ext cx="4558755" cy="1669857"/>
+          </a:xfrm>
+          <a:prstGeom prst="rect">
+            <a:avLst/>
+          </a:prstGeom>
+        </p:spPr>
+      </p:pic>
       <p:grpSp>
         <p:nvGrpSpPr>
-          <p:cNvPr id="36" name="Group 35">
+          <p:cNvPr id="51" name="Group 50">
             <a:extLst>
               <a:ext uri="{FF2B5EF4-FFF2-40B4-BE49-F238E27FC236}">
-                <a16:creationId xmlns:a16="http://schemas.microsoft.com/office/drawing/2014/main" id="{759E703B-E3DE-2656-2F9B-F0BEF738390E}"/>
+                <a16:creationId xmlns:a16="http://schemas.microsoft.com/office/drawing/2014/main" id="{FC741BB8-E2A5-6225-A441-BFB9A7E7E0CB}"/>
               </a:ext>
             </a:extLst>
           </p:cNvPr>
@@ -22296,18 +24874,18 @@
         </p:nvGrpSpPr>
         <p:grpSpPr>
           <a:xfrm>
-            <a:off x="838200" y="2101735"/>
+            <a:off x="1010483" y="2053514"/>
             <a:ext cx="3519569" cy="1828248"/>
-            <a:chOff x="832603" y="2838335"/>
+            <a:chOff x="8460039" y="136525"/>
             <a:chExt cx="3519569" cy="1828248"/>
           </a:xfrm>
         </p:grpSpPr>
         <p:grpSp>
           <p:nvGrpSpPr>
-            <p:cNvPr id="31" name="Group 30">
+            <p:cNvPr id="7" name="Group 6">
               <a:extLst>
                 <a:ext uri="{FF2B5EF4-FFF2-40B4-BE49-F238E27FC236}">
-                  <a16:creationId xmlns:a16="http://schemas.microsoft.com/office/drawing/2014/main" id="{271FAA3A-BD0F-BAC4-6824-5CBE852C410C}"/>
+                  <a16:creationId xmlns:a16="http://schemas.microsoft.com/office/drawing/2014/main" id="{5675D2BD-DD31-7579-1DB8-253990FEA018}"/>
                 </a:ext>
               </a:extLst>
             </p:cNvPr>
@@ -22316,18 +24894,18 @@
           </p:nvGrpSpPr>
           <p:grpSpPr>
             <a:xfrm>
-              <a:off x="838200" y="2838335"/>
-              <a:ext cx="3513972" cy="1828248"/>
-              <a:chOff x="8462881" y="136525"/>
-              <a:chExt cx="3513972" cy="1828248"/>
+              <a:off x="8464550" y="136525"/>
+              <a:ext cx="3512303" cy="1828248"/>
+              <a:chOff x="8464550" y="136525"/>
+              <a:chExt cx="3512303" cy="1828248"/>
             </a:xfrm>
           </p:grpSpPr>
           <p:grpSp>
             <p:nvGrpSpPr>
-              <p:cNvPr id="10" name="Group 9">
+              <p:cNvPr id="8" name="Group 7">
                 <a:extLst>
                   <a:ext uri="{FF2B5EF4-FFF2-40B4-BE49-F238E27FC236}">
-                    <a16:creationId xmlns:a16="http://schemas.microsoft.com/office/drawing/2014/main" id="{A88CD763-B37B-791A-73B9-8F8A39C729A0}"/>
+                    <a16:creationId xmlns:a16="http://schemas.microsoft.com/office/drawing/2014/main" id="{C197AB33-C459-DD5B-844C-FDB715340819}"/>
                   </a:ext>
                 </a:extLst>
               </p:cNvPr>
@@ -22344,10 +24922,10 @@
             </p:grpSpPr>
             <p:grpSp>
               <p:nvGrpSpPr>
-                <p:cNvPr id="15" name="Group 14">
+                <p:cNvPr id="19" name="Group 18">
                   <a:extLst>
                     <a:ext uri="{FF2B5EF4-FFF2-40B4-BE49-F238E27FC236}">
-                      <a16:creationId xmlns:a16="http://schemas.microsoft.com/office/drawing/2014/main" id="{C8983CC7-ACA2-CD13-E353-EBFE75C765CA}"/>
+                      <a16:creationId xmlns:a16="http://schemas.microsoft.com/office/drawing/2014/main" id="{8876973E-FAE8-E947-3230-1C688D11FF57}"/>
                     </a:ext>
                   </a:extLst>
                 </p:cNvPr>
@@ -22364,10 +24942,10 @@
               </p:grpSpPr>
               <p:pic>
                 <p:nvPicPr>
-                  <p:cNvPr id="5" name="Picture 4">
+                  <p:cNvPr id="28" name="Picture 27">
                     <a:extLst>
                       <a:ext uri="{FF2B5EF4-FFF2-40B4-BE49-F238E27FC236}">
-                        <a16:creationId xmlns:a16="http://schemas.microsoft.com/office/drawing/2014/main" id="{42F4C91F-D0E3-04E5-30CF-C8220C79EB48}"/>
+                        <a16:creationId xmlns:a16="http://schemas.microsoft.com/office/drawing/2014/main" id="{40E5C856-3571-29EE-6095-ECC9B068B9D5}"/>
                       </a:ext>
                     </a:extLst>
                   </p:cNvPr>
@@ -22377,7 +24955,7 @@
                   <p:nvPr/>
                 </p:nvPicPr>
                 <p:blipFill rotWithShape="1">
-                  <a:blip r:embed="rId2"/>
+                  <a:blip r:embed="rId3"/>
                   <a:srcRect b="7304"/>
                   <a:stretch/>
                 </p:blipFill>
@@ -22393,10 +24971,10 @@
               </p:pic>
               <p:sp>
                 <p:nvSpPr>
-                  <p:cNvPr id="3" name="TextBox 2">
+                  <p:cNvPr id="33" name="TextBox 32">
                     <a:extLst>
                       <a:ext uri="{FF2B5EF4-FFF2-40B4-BE49-F238E27FC236}">
-                        <a16:creationId xmlns:a16="http://schemas.microsoft.com/office/drawing/2014/main" id="{C40F107B-AD1E-0C7D-8BFB-6DCDB990A7C8}"/>
+                        <a16:creationId xmlns:a16="http://schemas.microsoft.com/office/drawing/2014/main" id="{C50B5596-696A-E073-F2C1-92084EEEF361}"/>
                       </a:ext>
                     </a:extLst>
                   </p:cNvPr>
@@ -22439,10 +25017,10 @@
               </p:sp>
               <p:sp>
                 <p:nvSpPr>
-                  <p:cNvPr id="11" name="TextBox 10">
+                  <p:cNvPr id="34" name="TextBox 33">
                     <a:extLst>
                       <a:ext uri="{FF2B5EF4-FFF2-40B4-BE49-F238E27FC236}">
-                        <a16:creationId xmlns:a16="http://schemas.microsoft.com/office/drawing/2014/main" id="{A7E32E24-51A9-D042-9094-8B9D15F19728}"/>
+                        <a16:creationId xmlns:a16="http://schemas.microsoft.com/office/drawing/2014/main" id="{EC799D20-4300-108E-3422-9E2EB6B9EE01}"/>
                       </a:ext>
                     </a:extLst>
                   </p:cNvPr>
@@ -22485,10 +25063,10 @@
               </p:sp>
               <p:sp>
                 <p:nvSpPr>
-                  <p:cNvPr id="12" name="TextBox 11">
+                  <p:cNvPr id="35" name="TextBox 34">
                     <a:extLst>
                       <a:ext uri="{FF2B5EF4-FFF2-40B4-BE49-F238E27FC236}">
-                        <a16:creationId xmlns:a16="http://schemas.microsoft.com/office/drawing/2014/main" id="{D0D76D37-4A27-5153-56F6-A073E5B16937}"/>
+                        <a16:creationId xmlns:a16="http://schemas.microsoft.com/office/drawing/2014/main" id="{37190E50-7A6D-13C2-03CA-3679069BBBBE}"/>
                       </a:ext>
                     </a:extLst>
                   </p:cNvPr>
@@ -22531,10 +25109,10 @@
               </p:sp>
               <p:sp>
                 <p:nvSpPr>
-                  <p:cNvPr id="13" name="TextBox 12">
+                  <p:cNvPr id="37" name="TextBox 36">
                     <a:extLst>
                       <a:ext uri="{FF2B5EF4-FFF2-40B4-BE49-F238E27FC236}">
-                        <a16:creationId xmlns:a16="http://schemas.microsoft.com/office/drawing/2014/main" id="{BAA8D6FB-D5DC-3C5D-7CBC-F0B917146E20}"/>
+                        <a16:creationId xmlns:a16="http://schemas.microsoft.com/office/drawing/2014/main" id="{2A897FFC-3D46-9F3E-148B-002A67327797}"/>
                       </a:ext>
                     </a:extLst>
                   </p:cNvPr>
@@ -22577,10 +25155,10 @@
               </p:sp>
               <p:sp>
                 <p:nvSpPr>
-                  <p:cNvPr id="14" name="TextBox 13">
+                  <p:cNvPr id="39" name="TextBox 38">
                     <a:extLst>
                       <a:ext uri="{FF2B5EF4-FFF2-40B4-BE49-F238E27FC236}">
-                        <a16:creationId xmlns:a16="http://schemas.microsoft.com/office/drawing/2014/main" id="{8C8A924E-CA74-1DAB-1FCA-22F95CCF19A7}"/>
+                        <a16:creationId xmlns:a16="http://schemas.microsoft.com/office/drawing/2014/main" id="{E0F07E04-7729-3548-A541-683766EB7405}"/>
                       </a:ext>
                     </a:extLst>
                   </p:cNvPr>
@@ -22624,10 +25202,10 @@
             </p:grpSp>
             <p:sp>
               <p:nvSpPr>
-                <p:cNvPr id="24" name="TextBox 23">
+                <p:cNvPr id="23" name="TextBox 22">
                   <a:extLst>
                     <a:ext uri="{FF2B5EF4-FFF2-40B4-BE49-F238E27FC236}">
-                      <a16:creationId xmlns:a16="http://schemas.microsoft.com/office/drawing/2014/main" id="{9C5E3186-8ED0-8E76-5C48-1489045D186B}"/>
+                      <a16:creationId xmlns:a16="http://schemas.microsoft.com/office/drawing/2014/main" id="{E7A358EA-134D-D493-C934-77D60E4D7831}"/>
                     </a:ext>
                   </a:extLst>
                 </p:cNvPr>
@@ -22668,10 +25246,10 @@
             </p:sp>
             <p:sp>
               <p:nvSpPr>
-                <p:cNvPr id="25" name="TextBox 24">
+                <p:cNvPr id="27" name="TextBox 26">
                   <a:extLst>
                     <a:ext uri="{FF2B5EF4-FFF2-40B4-BE49-F238E27FC236}">
-                      <a16:creationId xmlns:a16="http://schemas.microsoft.com/office/drawing/2014/main" id="{2F6BD3A3-4CC0-FAA8-02B2-90C763F4B475}"/>
+                      <a16:creationId xmlns:a16="http://schemas.microsoft.com/office/drawing/2014/main" id="{8258BDA9-B32C-E428-B75D-D1D6E139528F}"/>
                     </a:ext>
                   </a:extLst>
                 </p:cNvPr>
@@ -22715,10 +25293,10 @@
           </p:grpSp>
           <p:sp>
             <p:nvSpPr>
-              <p:cNvPr id="18" name="TextBox 17">
+              <p:cNvPr id="9" name="TextBox 8">
                 <a:extLst>
                   <a:ext uri="{FF2B5EF4-FFF2-40B4-BE49-F238E27FC236}">
-                    <a16:creationId xmlns:a16="http://schemas.microsoft.com/office/drawing/2014/main" id="{982FCABA-E99C-3B4F-10C0-10243223729A}"/>
+                    <a16:creationId xmlns:a16="http://schemas.microsoft.com/office/drawing/2014/main" id="{1CEE6627-8D4B-F3F8-EA77-7FE6E30A9201}"/>
                   </a:ext>
                 </a:extLst>
               </p:cNvPr>
@@ -22761,10 +25339,10 @@
           </p:sp>
           <p:sp>
             <p:nvSpPr>
-              <p:cNvPr id="22" name="TextBox 21">
+              <p:cNvPr id="16" name="TextBox 15">
                 <a:extLst>
                   <a:ext uri="{FF2B5EF4-FFF2-40B4-BE49-F238E27FC236}">
-                    <a16:creationId xmlns:a16="http://schemas.microsoft.com/office/drawing/2014/main" id="{FB11EBAF-1BC6-8DD1-345B-76A2A9EBE952}"/>
+                    <a16:creationId xmlns:a16="http://schemas.microsoft.com/office/drawing/2014/main" id="{A20FD43D-9EE2-DA0D-BFD9-47C168A766E5}"/>
                   </a:ext>
                 </a:extLst>
               </p:cNvPr>
@@ -22773,99 +25351,7 @@
             </p:nvSpPr>
             <p:spPr>
               <a:xfrm>
-                <a:off x="10645775" y="957701"/>
-                <a:ext cx="457200" cy="369332"/>
-              </a:xfrm>
-              <a:prstGeom prst="rect">
-                <a:avLst/>
-              </a:prstGeom>
-              <a:noFill/>
-            </p:spPr>
-            <p:txBody>
-              <a:bodyPr wrap="square" rtlCol="0">
-                <a:spAutoFit/>
-              </a:bodyPr>
-              <a:lstStyle/>
-              <a:p>
-                <a:r>
-                  <a:rPr lang="en-US" altLang="zh-TW" sz="1800" dirty="0">
-                    <a:solidFill>
-                      <a:srgbClr val="FF0000"/>
-                    </a:solidFill>
-                    <a:latin typeface="Times" panose="02020603050405020304" pitchFamily="18" charset="0"/>
-                    <a:cs typeface="Times" panose="02020603050405020304" pitchFamily="18" charset="0"/>
-                  </a:rPr>
-                  <a:t>15</a:t>
-                </a:r>
-                <a:endParaRPr lang="zh-TW" altLang="en-US" dirty="0">
-                  <a:solidFill>
-                    <a:srgbClr val="FF0000"/>
-                  </a:solidFill>
-                </a:endParaRPr>
-              </a:p>
-            </p:txBody>
-          </p:sp>
-          <p:sp>
-            <p:nvSpPr>
-              <p:cNvPr id="29" name="TextBox 28">
-                <a:extLst>
-                  <a:ext uri="{FF2B5EF4-FFF2-40B4-BE49-F238E27FC236}">
-                    <a16:creationId xmlns:a16="http://schemas.microsoft.com/office/drawing/2014/main" id="{2054D624-3FCF-87F0-EC32-BC3EAC54CE6B}"/>
-                  </a:ext>
-                </a:extLst>
-              </p:cNvPr>
-              <p:cNvSpPr txBox="1"/>
-              <p:nvPr/>
-            </p:nvSpPr>
-            <p:spPr>
-              <a:xfrm>
-                <a:off x="9824956" y="948443"/>
-                <a:ext cx="457200" cy="369332"/>
-              </a:xfrm>
-              <a:prstGeom prst="rect">
-                <a:avLst/>
-              </a:prstGeom>
-              <a:noFill/>
-            </p:spPr>
-            <p:txBody>
-              <a:bodyPr wrap="square" rtlCol="0">
-                <a:spAutoFit/>
-              </a:bodyPr>
-              <a:lstStyle/>
-              <a:p>
-                <a:r>
-                  <a:rPr lang="en-US" altLang="zh-TW" sz="1800" dirty="0">
-                    <a:solidFill>
-                      <a:srgbClr val="FF0000"/>
-                    </a:solidFill>
-                    <a:latin typeface="Times" panose="02020603050405020304" pitchFamily="18" charset="0"/>
-                    <a:cs typeface="Times" panose="02020603050405020304" pitchFamily="18" charset="0"/>
-                  </a:rPr>
-                  <a:t>15</a:t>
-                </a:r>
-                <a:endParaRPr lang="zh-TW" altLang="en-US" dirty="0">
-                  <a:solidFill>
-                    <a:srgbClr val="FF0000"/>
-                  </a:solidFill>
-                </a:endParaRPr>
-              </a:p>
-            </p:txBody>
-          </p:sp>
-          <p:sp>
-            <p:nvSpPr>
-              <p:cNvPr id="30" name="TextBox 29">
-                <a:extLst>
-                  <a:ext uri="{FF2B5EF4-FFF2-40B4-BE49-F238E27FC236}">
-                    <a16:creationId xmlns:a16="http://schemas.microsoft.com/office/drawing/2014/main" id="{F55BDCB4-CEE4-D81B-1E48-A6EB1F2AF117}"/>
-                  </a:ext>
-                </a:extLst>
-              </p:cNvPr>
-              <p:cNvSpPr txBox="1"/>
-              <p:nvPr/>
-            </p:nvSpPr>
-            <p:spPr>
-              <a:xfrm>
-                <a:off x="8462881" y="1008659"/>
+                <a:off x="10625056" y="930218"/>
                 <a:ext cx="457200" cy="369332"/>
               </a:xfrm>
               <a:prstGeom prst="rect">
@@ -22900,10 +25386,10 @@
         </p:grpSp>
         <p:sp>
           <p:nvSpPr>
-            <p:cNvPr id="20" name="TextBox 19">
+            <p:cNvPr id="44" name="TextBox 43">
               <a:extLst>
                 <a:ext uri="{FF2B5EF4-FFF2-40B4-BE49-F238E27FC236}">
-                  <a16:creationId xmlns:a16="http://schemas.microsoft.com/office/drawing/2014/main" id="{48E20838-D56D-54FD-A28C-C66FA4F72A06}"/>
+                  <a16:creationId xmlns:a16="http://schemas.microsoft.com/office/drawing/2014/main" id="{C4E5998C-DA49-59A2-5497-423DCE412432}"/>
                 </a:ext>
               </a:extLst>
             </p:cNvPr>
@@ -22912,7 +25398,7 @@
           </p:nvSpPr>
           <p:spPr>
             <a:xfrm>
-              <a:off x="832603" y="4051425"/>
+              <a:off x="8460039" y="1358422"/>
               <a:ext cx="457200" cy="369332"/>
             </a:xfrm>
             <a:prstGeom prst="rect">
@@ -22946,10 +25432,10 @@
         </p:sp>
         <p:sp>
           <p:nvSpPr>
-            <p:cNvPr id="21" name="TextBox 20">
+            <p:cNvPr id="45" name="TextBox 44">
               <a:extLst>
                 <a:ext uri="{FF2B5EF4-FFF2-40B4-BE49-F238E27FC236}">
-                  <a16:creationId xmlns:a16="http://schemas.microsoft.com/office/drawing/2014/main" id="{CA23479A-E0DF-8207-8307-B06639EA01F5}"/>
+                  <a16:creationId xmlns:a16="http://schemas.microsoft.com/office/drawing/2014/main" id="{9CCB7A57-23C8-D93F-EE45-0A3DBC48374D}"/>
                 </a:ext>
               </a:extLst>
             </p:cNvPr>
@@ -22958,7 +25444,7 @@
           </p:nvSpPr>
           <p:spPr>
             <a:xfrm>
-              <a:off x="2199692" y="4051425"/>
+              <a:off x="9827128" y="1358422"/>
               <a:ext cx="457200" cy="369332"/>
             </a:xfrm>
             <a:prstGeom prst="rect">
@@ -22992,10 +25478,10 @@
         </p:sp>
         <p:sp>
           <p:nvSpPr>
-            <p:cNvPr id="26" name="TextBox 25">
+            <p:cNvPr id="46" name="TextBox 45">
               <a:extLst>
                 <a:ext uri="{FF2B5EF4-FFF2-40B4-BE49-F238E27FC236}">
-                  <a16:creationId xmlns:a16="http://schemas.microsoft.com/office/drawing/2014/main" id="{B0320505-358F-0BFC-DF82-A19DB03A95D1}"/>
+                  <a16:creationId xmlns:a16="http://schemas.microsoft.com/office/drawing/2014/main" id="{146A3AA3-A604-D72E-3CCA-CCF896BAD0E4}"/>
                 </a:ext>
               </a:extLst>
             </p:cNvPr>
@@ -23004,7 +25490,7 @@
           </p:nvSpPr>
           <p:spPr>
             <a:xfrm>
-              <a:off x="3021094" y="4051425"/>
+              <a:off x="10648530" y="1358422"/>
               <a:ext cx="457200" cy="369332"/>
             </a:xfrm>
             <a:prstGeom prst="rect">
@@ -23038,10 +25524,10 @@
         </p:sp>
         <p:sp>
           <p:nvSpPr>
-            <p:cNvPr id="32" name="TextBox 31">
+            <p:cNvPr id="47" name="TextBox 46">
               <a:extLst>
                 <a:ext uri="{FF2B5EF4-FFF2-40B4-BE49-F238E27FC236}">
-                  <a16:creationId xmlns:a16="http://schemas.microsoft.com/office/drawing/2014/main" id="{68C1665C-9E68-FE52-7C15-26F2D17833CF}"/>
+                  <a16:creationId xmlns:a16="http://schemas.microsoft.com/office/drawing/2014/main" id="{EF95AEF1-9735-3422-B0A3-CB5F36E6FE5A}"/>
                 </a:ext>
               </a:extLst>
             </p:cNvPr>
@@ -23050,7 +25536,7 @@
           </p:nvSpPr>
           <p:spPr>
             <a:xfrm>
-              <a:off x="3894972" y="4051626"/>
+              <a:off x="11522408" y="1358623"/>
               <a:ext cx="457200" cy="369332"/>
             </a:xfrm>
             <a:prstGeom prst="rect">
@@ -23082,37 +25568,139 @@
             </a:p>
           </p:txBody>
         </p:sp>
+        <p:sp>
+          <p:nvSpPr>
+            <p:cNvPr id="48" name="TextBox 47">
+              <a:extLst>
+                <a:ext uri="{FF2B5EF4-FFF2-40B4-BE49-F238E27FC236}">
+                  <a16:creationId xmlns:a16="http://schemas.microsoft.com/office/drawing/2014/main" id="{6F1E27EC-A10D-7E8F-EDC5-4113BA241F30}"/>
+                </a:ext>
+              </a:extLst>
+            </p:cNvPr>
+            <p:cNvSpPr txBox="1"/>
+            <p:nvPr/>
+          </p:nvSpPr>
+          <p:spPr>
+            <a:xfrm>
+              <a:off x="9817853" y="585669"/>
+              <a:ext cx="457200" cy="369332"/>
+            </a:xfrm>
+            <a:prstGeom prst="rect">
+              <a:avLst/>
+            </a:prstGeom>
+            <a:noFill/>
+          </p:spPr>
+          <p:txBody>
+            <a:bodyPr wrap="square" rtlCol="0">
+              <a:spAutoFit/>
+            </a:bodyPr>
+            <a:lstStyle/>
+            <a:p>
+              <a:r>
+                <a:rPr lang="en-US" altLang="zh-TW" dirty="0">
+                  <a:solidFill>
+                    <a:srgbClr val="FF0000"/>
+                  </a:solidFill>
+                </a:rPr>
+                <a:t>14</a:t>
+              </a:r>
+              <a:endParaRPr lang="zh-TW" altLang="en-US" dirty="0">
+                <a:solidFill>
+                  <a:srgbClr val="FF0000"/>
+                </a:solidFill>
+              </a:endParaRPr>
+            </a:p>
+          </p:txBody>
+        </p:sp>
+        <p:sp>
+          <p:nvSpPr>
+            <p:cNvPr id="49" name="TextBox 48">
+              <a:extLst>
+                <a:ext uri="{FF2B5EF4-FFF2-40B4-BE49-F238E27FC236}">
+                  <a16:creationId xmlns:a16="http://schemas.microsoft.com/office/drawing/2014/main" id="{FA57EBFA-D721-2513-2D00-35DAD93B3153}"/>
+                </a:ext>
+              </a:extLst>
+            </p:cNvPr>
+            <p:cNvSpPr txBox="1"/>
+            <p:nvPr/>
+          </p:nvSpPr>
+          <p:spPr>
+            <a:xfrm>
+              <a:off x="9817853" y="917143"/>
+              <a:ext cx="457200" cy="369332"/>
+            </a:xfrm>
+            <a:prstGeom prst="rect">
+              <a:avLst/>
+            </a:prstGeom>
+            <a:noFill/>
+          </p:spPr>
+          <p:txBody>
+            <a:bodyPr wrap="square" rtlCol="0">
+              <a:spAutoFit/>
+            </a:bodyPr>
+            <a:lstStyle/>
+            <a:p>
+              <a:r>
+                <a:rPr lang="en-US" altLang="zh-TW" dirty="0">
+                  <a:solidFill>
+                    <a:srgbClr val="FF0000"/>
+                  </a:solidFill>
+                </a:rPr>
+                <a:t>14</a:t>
+              </a:r>
+              <a:endParaRPr lang="zh-TW" altLang="en-US" dirty="0">
+                <a:solidFill>
+                  <a:srgbClr val="FF0000"/>
+                </a:solidFill>
+              </a:endParaRPr>
+            </a:p>
+          </p:txBody>
+        </p:sp>
+        <p:sp>
+          <p:nvSpPr>
+            <p:cNvPr id="50" name="TextBox 49">
+              <a:extLst>
+                <a:ext uri="{FF2B5EF4-FFF2-40B4-BE49-F238E27FC236}">
+                  <a16:creationId xmlns:a16="http://schemas.microsoft.com/office/drawing/2014/main" id="{F01993A2-5789-5F00-713A-D25F14CA45F1}"/>
+                </a:ext>
+              </a:extLst>
+            </p:cNvPr>
+            <p:cNvSpPr txBox="1"/>
+            <p:nvPr/>
+          </p:nvSpPr>
+          <p:spPr>
+            <a:xfrm>
+              <a:off x="8464550" y="1010337"/>
+              <a:ext cx="457200" cy="369332"/>
+            </a:xfrm>
+            <a:prstGeom prst="rect">
+              <a:avLst/>
+            </a:prstGeom>
+            <a:noFill/>
+          </p:spPr>
+          <p:txBody>
+            <a:bodyPr wrap="square" rtlCol="0">
+              <a:spAutoFit/>
+            </a:bodyPr>
+            <a:lstStyle/>
+            <a:p>
+              <a:r>
+                <a:rPr lang="en-US" altLang="zh-TW" dirty="0">
+                  <a:solidFill>
+                    <a:srgbClr val="FF0000"/>
+                  </a:solidFill>
+                </a:rPr>
+                <a:t>14</a:t>
+              </a:r>
+              <a:endParaRPr lang="zh-TW" altLang="en-US" dirty="0">
+                <a:solidFill>
+                  <a:srgbClr val="FF0000"/>
+                </a:solidFill>
+              </a:endParaRPr>
+            </a:p>
+          </p:txBody>
+        </p:sp>
       </p:grpSp>
-      <p:pic>
-        <p:nvPicPr>
-          <p:cNvPr id="38" name="Picture 37">
-            <a:extLst>
-              <a:ext uri="{FF2B5EF4-FFF2-40B4-BE49-F238E27FC236}">
-                <a16:creationId xmlns:a16="http://schemas.microsoft.com/office/drawing/2014/main" id="{6D178E5A-DEF2-863E-F925-0177E91AA62C}"/>
-              </a:ext>
-            </a:extLst>
-          </p:cNvPr>
-          <p:cNvPicPr>
-            <a:picLocks noChangeAspect="1"/>
-          </p:cNvPicPr>
-          <p:nvPr/>
-        </p:nvPicPr>
-        <p:blipFill>
-          <a:blip r:embed="rId3"/>
-          <a:stretch>
-            <a:fillRect/>
-          </a:stretch>
-        </p:blipFill>
-        <p:spPr>
-          <a:xfrm>
-            <a:off x="490891" y="4719191"/>
-            <a:ext cx="4558755" cy="1669857"/>
-          </a:xfrm>
-          <a:prstGeom prst="rect">
-            <a:avLst/>
-          </a:prstGeom>
-        </p:spPr>
-      </p:pic>
     </p:spTree>
     <p:extLst>
       <p:ext uri="{BB962C8B-B14F-4D97-AF65-F5344CB8AC3E}">
@@ -26688,7 +29276,7 @@
                 <a:latin typeface="Times New Roman" panose="02020603050405020304" pitchFamily="18" charset="0"/>
                 <a:cs typeface="Times New Roman" panose="02020603050405020304" pitchFamily="18" charset="0"/>
               </a:rPr>
-              <a:t>METIS</a:t>
+              <a:t>Karlsruhe high quality partitioning</a:t>
             </a:r>
             <a:r>
               <a:rPr lang="en-US" sz="2000" dirty="0">
@@ -26712,7 +29300,21 @@
                 <a:latin typeface="Times New Roman" panose="02020603050405020304" pitchFamily="18" charset="0"/>
                 <a:cs typeface="Times New Roman" panose="02020603050405020304" pitchFamily="18" charset="0"/>
               </a:rPr>
-              <a:t>Recover the full partitions by a linear recovery process</a:t>
+              <a:t>Recover the full partitions by a </a:t>
+            </a:r>
+            <a:r>
+              <a:rPr lang="en-US" sz="2000" b="1" dirty="0">
+                <a:latin typeface="Times New Roman" panose="02020603050405020304" pitchFamily="18" charset="0"/>
+                <a:cs typeface="Times New Roman" panose="02020603050405020304" pitchFamily="18" charset="0"/>
+              </a:rPr>
+              <a:t>linear</a:t>
+            </a:r>
+            <a:r>
+              <a:rPr lang="en-US" sz="2000" dirty="0">
+                <a:latin typeface="Times New Roman" panose="02020603050405020304" pitchFamily="18" charset="0"/>
+                <a:cs typeface="Times New Roman" panose="02020603050405020304" pitchFamily="18" charset="0"/>
+              </a:rPr>
+              <a:t> recovery process</a:t>
             </a:r>
           </a:p>
         </p:txBody>
@@ -27190,7 +29792,12 @@
             <p:ph type="title"/>
           </p:nvPr>
         </p:nvSpPr>
-        <p:spPr/>
+        <p:spPr>
+          <a:xfrm>
+            <a:off x="581025" y="365125"/>
+            <a:ext cx="11029950" cy="1325563"/>
+          </a:xfrm>
+        </p:spPr>
         <p:txBody>
           <a:bodyPr>
             <a:normAutofit/>
@@ -27202,7 +29809,7 @@
                 <a:latin typeface="Times New Roman" panose="02020603050405020304" pitchFamily="18" charset="0"/>
                 <a:cs typeface="Times New Roman" panose="02020603050405020304" pitchFamily="18" charset="0"/>
               </a:rPr>
-              <a:t>Proposed Partitioning Framework For Multi-GPU Acceleration</a:t>
+              <a:t>Partitioning Framework For Multi-GPU Acceleration</a:t>
             </a:r>
           </a:p>
         </p:txBody>

--- a/GM/Partition/Fast STA Graph Partitioning Framework for Multi-GPU Acceleration/Fast STA Graph Partitioning Framework for Multi-GPU Acceleration.pptx
+++ b/GM/Partition/Fast STA Graph Partitioning Framework for Multi-GPU Acceleration/Fast STA Graph Partitioning Framework for Multi-GPU Acceleration.pptx
@@ -1755,7 +1755,7 @@
           <a:p>
             <a:fld id="{C9ED61FB-B9B0-4D85-A72E-A614C28ECC4E}" type="datetimeFigureOut">
               <a:rPr lang="en-US" smtClean="0"/>
-              <a:t>8/29/2023</a:t>
+              <a:t>9/28/2023</a:t>
             </a:fld>
             <a:endParaRPr lang="en-US"/>
           </a:p>
@@ -3553,7 +3553,7 @@
           <a:p>
             <a:fld id="{99BA7BAB-F69F-4C21-8D40-7AA273A2D01F}" type="datetime1">
               <a:rPr lang="en-US" smtClean="0"/>
-              <a:t>8/29/2023</a:t>
+              <a:t>9/28/2023</a:t>
             </a:fld>
             <a:endParaRPr lang="en-US"/>
           </a:p>
@@ -3758,7 +3758,7 @@
           <a:p>
             <a:fld id="{FB00A8EC-4678-43EE-BE64-F312B7F1A46F}" type="datetime1">
               <a:rPr lang="en-US" smtClean="0"/>
-              <a:t>8/29/2023</a:t>
+              <a:t>9/28/2023</a:t>
             </a:fld>
             <a:endParaRPr lang="en-US"/>
           </a:p>
@@ -3966,7 +3966,7 @@
           <a:p>
             <a:fld id="{9487F23D-EA8F-4C56-9373-23F6109AD11F}" type="datetime1">
               <a:rPr lang="en-US" smtClean="0"/>
-              <a:t>8/29/2023</a:t>
+              <a:t>9/28/2023</a:t>
             </a:fld>
             <a:endParaRPr lang="en-US"/>
           </a:p>
@@ -4164,7 +4164,7 @@
           <a:p>
             <a:fld id="{A34E716E-0239-4A81-9CF4-D3B9651721CF}" type="datetime1">
               <a:rPr lang="en-US" smtClean="0"/>
-              <a:t>8/29/2023</a:t>
+              <a:t>9/28/2023</a:t>
             </a:fld>
             <a:endParaRPr lang="en-US"/>
           </a:p>
@@ -4446,7 +4446,7 @@
           <a:p>
             <a:fld id="{CC112E56-3D97-4B86-935C-1C493DD86A08}" type="datetime1">
               <a:rPr lang="en-US" smtClean="0"/>
-              <a:t>8/29/2023</a:t>
+              <a:t>9/28/2023</a:t>
             </a:fld>
             <a:endParaRPr lang="en-US"/>
           </a:p>
@@ -4711,7 +4711,7 @@
           <a:p>
             <a:fld id="{40649135-BABF-4F63-9AF8-3CEC545E47DC}" type="datetime1">
               <a:rPr lang="en-US" smtClean="0"/>
-              <a:t>8/29/2023</a:t>
+              <a:t>9/28/2023</a:t>
             </a:fld>
             <a:endParaRPr lang="en-US"/>
           </a:p>
@@ -5123,7 +5123,7 @@
           <a:p>
             <a:fld id="{B16EBC02-C9C0-442D-A8A6-494057203542}" type="datetime1">
               <a:rPr lang="en-US" smtClean="0"/>
-              <a:t>8/29/2023</a:t>
+              <a:t>9/28/2023</a:t>
             </a:fld>
             <a:endParaRPr lang="en-US"/>
           </a:p>
@@ -5264,7 +5264,7 @@
           <a:p>
             <a:fld id="{A126C4B4-559D-414E-BC9C-16A745BBF3C3}" type="datetime1">
               <a:rPr lang="en-US" smtClean="0"/>
-              <a:t>8/29/2023</a:t>
+              <a:t>9/28/2023</a:t>
             </a:fld>
             <a:endParaRPr lang="en-US"/>
           </a:p>
@@ -5377,7 +5377,7 @@
           <a:p>
             <a:fld id="{0D49D49E-73A5-4C03-BFEA-3D845EB044D8}" type="datetime1">
               <a:rPr lang="en-US" smtClean="0"/>
-              <a:t>8/29/2023</a:t>
+              <a:t>9/28/2023</a:t>
             </a:fld>
             <a:endParaRPr lang="en-US"/>
           </a:p>
@@ -5688,7 +5688,7 @@
           <a:p>
             <a:fld id="{4A0F93E6-3134-410C-B573-A5F6B38FC346}" type="datetime1">
               <a:rPr lang="en-US" smtClean="0"/>
-              <a:t>8/29/2023</a:t>
+              <a:t>9/28/2023</a:t>
             </a:fld>
             <a:endParaRPr lang="en-US"/>
           </a:p>
@@ -5976,7 +5976,7 @@
           <a:p>
             <a:fld id="{F766E70F-5320-45A5-BE33-1819A93C2AF4}" type="datetime1">
               <a:rPr lang="en-US" smtClean="0"/>
-              <a:t>8/29/2023</a:t>
+              <a:t>9/28/2023</a:t>
             </a:fld>
             <a:endParaRPr lang="en-US"/>
           </a:p>
@@ -6217,7 +6217,7 @@
           <a:p>
             <a:fld id="{A706458B-0289-40FF-A02D-2C541B7F1CB6}" type="datetime1">
               <a:rPr lang="en-US" smtClean="0"/>
-              <a:t>8/29/2023</a:t>
+              <a:t>9/28/2023</a:t>
             </a:fld>
             <a:endParaRPr lang="en-US"/>
           </a:p>
